--- a/python_course/4_scikit_learn/python_cursus_4.pptx
+++ b/python_course/4_scikit_learn/python_cursus_4.pptx
@@ -22,7 +22,7 @@
     <p:sldId id="363" r:id="rId13"/>
     <p:sldId id="352" r:id="rId14"/>
     <p:sldId id="353" r:id="rId15"/>
-    <p:sldId id="354" r:id="rId16"/>
+    <p:sldId id="393" r:id="rId16"/>
     <p:sldId id="364" r:id="rId17"/>
     <p:sldId id="367" r:id="rId18"/>
     <p:sldId id="388" r:id="rId19"/>
@@ -240,7 +240,7 @@
               <a:cs typeface="+mn-cs"/>
             </a:defRPr>
           </a:pPr>
-          <a:endParaRPr lang="nl-NL"/>
+          <a:endParaRPr lang="en-NL"/>
         </a:p>
       </c:txPr>
     </c:title>
@@ -419,7 +419,7 @@
                 <a:cs typeface="+mn-cs"/>
               </a:defRPr>
             </a:pPr>
-            <a:endParaRPr lang="nl-NL"/>
+            <a:endParaRPr lang="en-NL"/>
           </a:p>
         </c:txPr>
         <c:crossAx val="817693096"/>
@@ -478,7 +478,7 @@
                 <a:cs typeface="+mn-cs"/>
               </a:defRPr>
             </a:pPr>
-            <a:endParaRPr lang="nl-NL"/>
+            <a:endParaRPr lang="en-NL"/>
           </a:p>
         </c:txPr>
         <c:crossAx val="817693456"/>
@@ -520,7 +520,7 @@
       <a:pPr>
         <a:defRPr/>
       </a:pPr>
-      <a:endParaRPr lang="nl-NL"/>
+      <a:endParaRPr lang="en-NL"/>
     </a:p>
   </c:txPr>
   <c:externalData r:id="rId3">
@@ -1154,7 +1154,7 @@
           <a:p>
             <a:fld id="{6F54D322-06CD-4C3F-9549-759BC5FDB94E}" type="datetimeFigureOut">
               <a:rPr lang="nl-NL" smtClean="0"/>
-              <a:t>10-10-2023</a:t>
+              <a:t>10-9-2024</a:t>
             </a:fld>
             <a:endParaRPr lang="nl-NL"/>
           </a:p>
@@ -1835,7 +1835,7 @@
           <a:p>
             <a:fld id="{5E9D55AD-DA6B-4A9D-BFE6-D0A1673E6EA9}" type="datetimeFigureOut">
               <a:rPr lang="en-NL" smtClean="0"/>
-              <a:t>10/10/2023</a:t>
+              <a:t>10/09/2024</a:t>
             </a:fld>
             <a:endParaRPr lang="en-NL"/>
           </a:p>
@@ -2035,7 +2035,7 @@
           <a:p>
             <a:fld id="{5E9D55AD-DA6B-4A9D-BFE6-D0A1673E6EA9}" type="datetimeFigureOut">
               <a:rPr lang="en-NL" smtClean="0"/>
-              <a:t>10/10/2023</a:t>
+              <a:t>10/09/2024</a:t>
             </a:fld>
             <a:endParaRPr lang="en-NL"/>
           </a:p>
@@ -2245,7 +2245,7 @@
           <a:p>
             <a:fld id="{5E9D55AD-DA6B-4A9D-BFE6-D0A1673E6EA9}" type="datetimeFigureOut">
               <a:rPr lang="en-NL" smtClean="0"/>
-              <a:t>10/10/2023</a:t>
+              <a:t>10/09/2024</a:t>
             </a:fld>
             <a:endParaRPr lang="en-NL"/>
           </a:p>
@@ -2445,7 +2445,7 @@
           <a:p>
             <a:fld id="{5E9D55AD-DA6B-4A9D-BFE6-D0A1673E6EA9}" type="datetimeFigureOut">
               <a:rPr lang="en-NL" smtClean="0"/>
-              <a:t>10/10/2023</a:t>
+              <a:t>10/09/2024</a:t>
             </a:fld>
             <a:endParaRPr lang="en-NL"/>
           </a:p>
@@ -2721,7 +2721,7 @@
           <a:p>
             <a:fld id="{5E9D55AD-DA6B-4A9D-BFE6-D0A1673E6EA9}" type="datetimeFigureOut">
               <a:rPr lang="en-NL" smtClean="0"/>
-              <a:t>10/10/2023</a:t>
+              <a:t>10/09/2024</a:t>
             </a:fld>
             <a:endParaRPr lang="en-NL"/>
           </a:p>
@@ -2989,7 +2989,7 @@
           <a:p>
             <a:fld id="{5E9D55AD-DA6B-4A9D-BFE6-D0A1673E6EA9}" type="datetimeFigureOut">
               <a:rPr lang="en-NL" smtClean="0"/>
-              <a:t>10/10/2023</a:t>
+              <a:t>10/09/2024</a:t>
             </a:fld>
             <a:endParaRPr lang="en-NL"/>
           </a:p>
@@ -3404,7 +3404,7 @@
           <a:p>
             <a:fld id="{5E9D55AD-DA6B-4A9D-BFE6-D0A1673E6EA9}" type="datetimeFigureOut">
               <a:rPr lang="en-NL" smtClean="0"/>
-              <a:t>10/10/2023</a:t>
+              <a:t>10/09/2024</a:t>
             </a:fld>
             <a:endParaRPr lang="en-NL"/>
           </a:p>
@@ -3546,7 +3546,7 @@
           <a:p>
             <a:fld id="{5E9D55AD-DA6B-4A9D-BFE6-D0A1673E6EA9}" type="datetimeFigureOut">
               <a:rPr lang="en-NL" smtClean="0"/>
-              <a:t>10/10/2023</a:t>
+              <a:t>10/09/2024</a:t>
             </a:fld>
             <a:endParaRPr lang="en-NL"/>
           </a:p>
@@ -3659,7 +3659,7 @@
           <a:p>
             <a:fld id="{5E9D55AD-DA6B-4A9D-BFE6-D0A1673E6EA9}" type="datetimeFigureOut">
               <a:rPr lang="en-NL" smtClean="0"/>
-              <a:t>10/10/2023</a:t>
+              <a:t>10/09/2024</a:t>
             </a:fld>
             <a:endParaRPr lang="en-NL"/>
           </a:p>
@@ -3972,7 +3972,7 @@
           <a:p>
             <a:fld id="{5E9D55AD-DA6B-4A9D-BFE6-D0A1673E6EA9}" type="datetimeFigureOut">
               <a:rPr lang="en-NL" smtClean="0"/>
-              <a:t>10/10/2023</a:t>
+              <a:t>10/09/2024</a:t>
             </a:fld>
             <a:endParaRPr lang="en-NL"/>
           </a:p>
@@ -4261,7 +4261,7 @@
           <a:p>
             <a:fld id="{5E9D55AD-DA6B-4A9D-BFE6-D0A1673E6EA9}" type="datetimeFigureOut">
               <a:rPr lang="en-NL" smtClean="0"/>
-              <a:t>10/10/2023</a:t>
+              <a:t>10/09/2024</a:t>
             </a:fld>
             <a:endParaRPr lang="en-NL"/>
           </a:p>
@@ -4504,7 +4504,7 @@
           <a:p>
             <a:fld id="{5E9D55AD-DA6B-4A9D-BFE6-D0A1673E6EA9}" type="datetimeFigureOut">
               <a:rPr lang="en-NL" smtClean="0"/>
-              <a:t>10/10/2023</a:t>
+              <a:t>10/09/2024</a:t>
             </a:fld>
             <a:endParaRPr lang="en-NL"/>
           </a:p>
@@ -5717,7 +5717,7 @@
             </a:pPr>
             <a:r>
               <a:rPr lang="nl-NL" sz="2000" dirty="0"/>
-              <a:t>Problemen in de data oplossen voor het gekozen model.</a:t>
+              <a:t>Problemen met de data oplossen voor het gekozen model.</a:t>
             </a:r>
           </a:p>
           <a:p>
@@ -6072,64 +6072,72 @@
             </a:lvl9pPr>
           </a:lstStyle>
           <a:p>
-            <a:pPr marL="0" indent="0">
+            <a:pPr marL="0" indent="0" algn="ctr">
               <a:buNone/>
             </a:pPr>
             <a:r>
               <a:rPr lang="nl-NL" sz="2000" dirty="0"/>
-              <a:t>Afhankelijk van kennis / keuzes:</a:t>
-            </a:r>
-          </a:p>
-          <a:p>
-            <a:pPr marL="0" indent="0">
+              <a:t>Afhankelijk van </a:t>
+            </a:r>
+            <a:r>
+              <a:rPr lang="nl-NL" sz="2000" b="1" dirty="0"/>
+              <a:t>expertise</a:t>
+            </a:r>
+            <a:r>
+              <a:rPr lang="nl-NL" sz="2000" dirty="0"/>
+              <a:t>:</a:t>
+            </a:r>
+          </a:p>
+          <a:p>
+            <a:pPr marL="0" indent="0" algn="ctr">
               <a:buNone/>
             </a:pPr>
             <a:endParaRPr lang="nl-NL" sz="2000" dirty="0"/>
           </a:p>
           <a:p>
-            <a:pPr marL="0" indent="0">
+            <a:pPr marL="0" indent="0" algn="ctr">
               <a:buNone/>
             </a:pPr>
             <a:endParaRPr lang="nl-NL" sz="2000" dirty="0"/>
           </a:p>
           <a:p>
-            <a:pPr marL="0" indent="0">
+            <a:pPr marL="0" indent="0" algn="ctr">
               <a:buNone/>
             </a:pPr>
             <a:endParaRPr lang="nl-NL" sz="2000" dirty="0"/>
           </a:p>
           <a:p>
-            <a:pPr marL="0" indent="0">
+            <a:pPr marL="0" indent="0" algn="ctr">
               <a:buNone/>
             </a:pPr>
             <a:endParaRPr lang="nl-NL" sz="2000" dirty="0"/>
           </a:p>
           <a:p>
-            <a:pPr marL="0" indent="0">
+            <a:pPr marL="0" indent="0" algn="ctr">
               <a:buNone/>
             </a:pPr>
             <a:endParaRPr lang="nl-NL" sz="2000" dirty="0"/>
           </a:p>
           <a:p>
-            <a:pPr marL="0" indent="0">
+            <a:pPr marL="0" indent="0" algn="ctr">
               <a:buNone/>
             </a:pPr>
             <a:endParaRPr lang="nl-NL" sz="2000" dirty="0"/>
           </a:p>
           <a:p>
-            <a:pPr marL="0" indent="0">
+            <a:pPr marL="0" indent="0" algn="ctr">
               <a:buNone/>
             </a:pPr>
             <a:endParaRPr lang="nl-NL" sz="2000" dirty="0"/>
           </a:p>
           <a:p>
-            <a:pPr marL="0" indent="0">
+            <a:pPr marL="0" indent="0" algn="ctr">
               <a:buNone/>
             </a:pPr>
             <a:endParaRPr lang="nl-NL" sz="2000" dirty="0"/>
           </a:p>
           <a:p>
-            <a:pPr marL="0" indent="0">
+            <a:pPr marL="0" indent="0" algn="ctr">
               <a:buNone/>
             </a:pPr>
             <a:endParaRPr lang="nl-NL" sz="2000" dirty="0"/>
@@ -6140,11 +6148,11 @@
             </a:pPr>
             <a:r>
               <a:rPr lang="nl-NL" sz="2000" b="1" dirty="0"/>
-              <a:t>Onderdeel van data preparatie.</a:t>
-            </a:r>
-          </a:p>
-          <a:p>
-            <a:pPr marL="0" indent="0">
+              <a:t>Onderdeel van preparatie.</a:t>
+            </a:r>
+          </a:p>
+          <a:p>
+            <a:pPr marL="0" indent="0" algn="ctr">
               <a:buNone/>
             </a:pPr>
             <a:endParaRPr lang="nl-NL" sz="2000" dirty="0"/>
@@ -6190,38 +6198,6 @@
       </p:sp>
       <p:sp>
         <p:nvSpPr>
-          <p:cNvPr id="4" name="TextBox 3">
-            <a:extLst>
-              <a:ext uri="{FF2B5EF4-FFF2-40B4-BE49-F238E27FC236}">
-                <a16:creationId xmlns:a16="http://schemas.microsoft.com/office/drawing/2014/main" id="{B47EA95A-6DDD-ED89-357A-943A5BC87A94}"/>
-              </a:ext>
-            </a:extLst>
-          </p:cNvPr>
-          <p:cNvSpPr txBox="1"/>
-          <p:nvPr/>
-        </p:nvSpPr>
-        <p:spPr>
-          <a:xfrm>
-            <a:off x="6555232" y="2530561"/>
-            <a:ext cx="184731" cy="369332"/>
-          </a:xfrm>
-          <a:prstGeom prst="rect">
-            <a:avLst/>
-          </a:prstGeom>
-          <a:noFill/>
-        </p:spPr>
-        <p:txBody>
-          <a:bodyPr wrap="none" rtlCol="0">
-            <a:spAutoFit/>
-          </a:bodyPr>
-          <a:lstStyle/>
-          <a:p>
-            <a:endParaRPr lang="en-NL" dirty="0"/>
-          </a:p>
-        </p:txBody>
-      </p:sp>
-      <p:sp>
-        <p:nvSpPr>
           <p:cNvPr id="8" name="Content Placeholder 2">
             <a:extLst>
               <a:ext uri="{FF2B5EF4-FFF2-40B4-BE49-F238E27FC236}">
@@ -6236,8 +6212,8 @@
         </p:nvSpPr>
         <p:spPr>
           <a:xfrm>
-            <a:off x="6487238" y="1608667"/>
-            <a:ext cx="5099367" cy="4720696"/>
+            <a:off x="6487239" y="1608667"/>
+            <a:ext cx="4682268" cy="4720696"/>
           </a:xfrm>
           <a:prstGeom prst="rect">
             <a:avLst/>
@@ -6412,18 +6388,30 @@
             </a:lvl9pPr>
           </a:lstStyle>
           <a:p>
-            <a:pPr marL="0" indent="0">
+            <a:pPr marL="0" indent="0" algn="ctr">
               <a:buNone/>
             </a:pPr>
             <a:r>
               <a:rPr lang="nl-NL" sz="2000" dirty="0">
                 <a:cs typeface="Courier New" panose="02070309020205020404" pitchFamily="49" charset="0"/>
               </a:rPr>
-              <a:t>Afhankelijk van data / steekproef:</a:t>
-            </a:r>
-          </a:p>
-          <a:p>
-            <a:pPr marL="0" indent="0">
+              <a:t>Afhankelijk van de </a:t>
+            </a:r>
+            <a:r>
+              <a:rPr lang="nl-NL" sz="2000" b="1" dirty="0">
+                <a:cs typeface="Courier New" panose="02070309020205020404" pitchFamily="49" charset="0"/>
+              </a:rPr>
+              <a:t>data</a:t>
+            </a:r>
+            <a:r>
+              <a:rPr lang="nl-NL" sz="2000" dirty="0">
+                <a:cs typeface="Courier New" panose="02070309020205020404" pitchFamily="49" charset="0"/>
+              </a:rPr>
+              <a:t>:</a:t>
+            </a:r>
+          </a:p>
+          <a:p>
+            <a:pPr marL="0" indent="0" algn="ctr">
               <a:buNone/>
             </a:pPr>
             <a:endParaRPr lang="nl-NL" sz="2000" dirty="0">
@@ -6431,7 +6419,7 @@
             </a:endParaRPr>
           </a:p>
           <a:p>
-            <a:pPr marL="0" indent="0">
+            <a:pPr marL="0" indent="0" algn="ctr">
               <a:buNone/>
             </a:pPr>
             <a:endParaRPr lang="nl-NL" sz="2000" dirty="0">
@@ -6439,7 +6427,7 @@
             </a:endParaRPr>
           </a:p>
           <a:p>
-            <a:pPr marL="0" indent="0">
+            <a:pPr marL="0" indent="0" algn="ctr">
               <a:buNone/>
             </a:pPr>
             <a:endParaRPr lang="nl-NL" sz="2000" dirty="0">
@@ -6447,7 +6435,7 @@
             </a:endParaRPr>
           </a:p>
           <a:p>
-            <a:pPr marL="0" indent="0">
+            <a:pPr marL="0" indent="0" algn="ctr">
               <a:buNone/>
             </a:pPr>
             <a:endParaRPr lang="nl-NL" sz="2000" dirty="0">
@@ -6455,7 +6443,7 @@
             </a:endParaRPr>
           </a:p>
           <a:p>
-            <a:pPr marL="0" indent="0">
+            <a:pPr marL="0" indent="0" algn="ctr">
               <a:buNone/>
             </a:pPr>
             <a:endParaRPr lang="nl-NL" sz="2000" dirty="0">
@@ -6463,7 +6451,7 @@
             </a:endParaRPr>
           </a:p>
           <a:p>
-            <a:pPr marL="0" indent="0">
+            <a:pPr marL="0" indent="0" algn="ctr">
               <a:buNone/>
             </a:pPr>
             <a:endParaRPr lang="nl-NL" sz="2000" dirty="0">
@@ -6471,7 +6459,7 @@
             </a:endParaRPr>
           </a:p>
           <a:p>
-            <a:pPr marL="0" indent="0">
+            <a:pPr marL="0" indent="0" algn="ctr">
               <a:buNone/>
             </a:pPr>
             <a:endParaRPr lang="nl-NL" sz="2000" dirty="0">
@@ -6479,7 +6467,7 @@
             </a:endParaRPr>
           </a:p>
           <a:p>
-            <a:pPr marL="0" indent="0">
+            <a:pPr marL="0" indent="0" algn="ctr">
               <a:buNone/>
             </a:pPr>
             <a:endParaRPr lang="nl-NL" sz="2000" dirty="0">
@@ -6487,7 +6475,7 @@
             </a:endParaRPr>
           </a:p>
           <a:p>
-            <a:pPr marL="0" indent="0">
+            <a:pPr marL="0" indent="0" algn="ctr">
               <a:buNone/>
             </a:pPr>
             <a:endParaRPr lang="nl-NL" sz="2000" dirty="0">
@@ -6506,7 +6494,7 @@
             </a:r>
           </a:p>
           <a:p>
-            <a:pPr marL="0" indent="0">
+            <a:pPr marL="0" indent="0" algn="ctr">
               <a:buNone/>
             </a:pPr>
             <a:endParaRPr lang="nl-NL" sz="2000" dirty="0">
@@ -6514,7 +6502,7 @@
             </a:endParaRPr>
           </a:p>
           <a:p>
-            <a:pPr marL="0" indent="0">
+            <a:pPr marL="0" indent="0" algn="ctr">
               <a:buNone/>
             </a:pPr>
             <a:endParaRPr lang="nl-NL" sz="2000" dirty="0">
@@ -6670,1006 +6658,585 @@
           </a:p>
         </p:txBody>
       </p:sp>
-      <p:sp>
-        <p:nvSpPr>
-          <p:cNvPr id="7" name="Rectangle 6">
-            <a:extLst>
-              <a:ext uri="{FF2B5EF4-FFF2-40B4-BE49-F238E27FC236}">
-                <a16:creationId xmlns:a16="http://schemas.microsoft.com/office/drawing/2014/main" id="{F00DB929-11BC-15D1-0CBD-8CD4933EDA27}"/>
-              </a:ext>
-            </a:extLst>
-          </p:cNvPr>
-          <p:cNvSpPr/>
+      <p:grpSp>
+        <p:nvGrpSpPr>
+          <p:cNvPr id="46" name="Group 45">
+            <a:extLst>
+              <a:ext uri="{FF2B5EF4-FFF2-40B4-BE49-F238E27FC236}">
+                <a16:creationId xmlns:a16="http://schemas.microsoft.com/office/drawing/2014/main" id="{74EC4FCD-054F-6996-771E-BA2F8BEB65B6}"/>
+              </a:ext>
+            </a:extLst>
+          </p:cNvPr>
+          <p:cNvGrpSpPr/>
           <p:nvPr/>
-        </p:nvSpPr>
-        <p:spPr>
+        </p:nvGrpSpPr>
+        <p:grpSpPr>
           <a:xfrm>
-            <a:off x="990600" y="2564424"/>
-            <a:ext cx="842405" cy="689211"/>
+            <a:off x="6625781" y="2627998"/>
+            <a:ext cx="4229273" cy="1767301"/>
+            <a:chOff x="6625781" y="2627998"/>
+            <a:chExt cx="4229273" cy="1767301"/>
           </a:xfrm>
-          <a:prstGeom prst="rect">
-            <a:avLst/>
-          </a:prstGeom>
-        </p:spPr>
-        <p:style>
-          <a:lnRef idx="1">
-            <a:schemeClr val="accent4"/>
-          </a:lnRef>
-          <a:fillRef idx="2">
-            <a:schemeClr val="accent4"/>
-          </a:fillRef>
-          <a:effectRef idx="1">
-            <a:schemeClr val="accent4"/>
-          </a:effectRef>
-          <a:fontRef idx="minor">
-            <a:schemeClr val="dk1"/>
-          </a:fontRef>
-        </p:style>
-        <p:txBody>
-          <a:bodyPr rtlCol="0" anchor="ctr"/>
-          <a:lstStyle/>
-          <a:p>
-            <a:pPr algn="ctr"/>
-            <a:r>
-              <a:rPr lang="en-US" dirty="0"/>
-              <a:t>A</a:t>
-            </a:r>
-            <a:endParaRPr lang="en-NL" dirty="0"/>
-          </a:p>
-        </p:txBody>
-      </p:sp>
-      <p:sp>
-        <p:nvSpPr>
-          <p:cNvPr id="10" name="Rectangle 9">
-            <a:extLst>
-              <a:ext uri="{FF2B5EF4-FFF2-40B4-BE49-F238E27FC236}">
-                <a16:creationId xmlns:a16="http://schemas.microsoft.com/office/drawing/2014/main" id="{7D6D7D9B-AE9D-083C-A08C-F899249FEA54}"/>
-              </a:ext>
-            </a:extLst>
-          </p:cNvPr>
-          <p:cNvSpPr/>
+        </p:grpSpPr>
+        <p:sp>
+          <p:nvSpPr>
+            <p:cNvPr id="4" name="TextBox 3">
+              <a:extLst>
+                <a:ext uri="{FF2B5EF4-FFF2-40B4-BE49-F238E27FC236}">
+                  <a16:creationId xmlns:a16="http://schemas.microsoft.com/office/drawing/2014/main" id="{B47EA95A-6DDD-ED89-357A-943A5BC87A94}"/>
+                </a:ext>
+              </a:extLst>
+            </p:cNvPr>
+            <p:cNvSpPr txBox="1"/>
+            <p:nvPr/>
+          </p:nvSpPr>
+          <p:spPr>
+            <a:xfrm>
+              <a:off x="6693776" y="3671968"/>
+              <a:ext cx="184731" cy="369332"/>
+            </a:xfrm>
+            <a:prstGeom prst="rect">
+              <a:avLst/>
+            </a:prstGeom>
+            <a:noFill/>
+          </p:spPr>
+          <p:txBody>
+            <a:bodyPr wrap="none" rtlCol="0">
+              <a:spAutoFit/>
+            </a:bodyPr>
+            <a:lstStyle/>
+            <a:p>
+              <a:endParaRPr lang="en-NL" dirty="0"/>
+            </a:p>
+          </p:txBody>
+        </p:sp>
+        <p:sp>
+          <p:nvSpPr>
+            <p:cNvPr id="43" name="TextBox 42">
+              <a:extLst>
+                <a:ext uri="{FF2B5EF4-FFF2-40B4-BE49-F238E27FC236}">
+                  <a16:creationId xmlns:a16="http://schemas.microsoft.com/office/drawing/2014/main" id="{1E0F6E3C-3A1B-A60C-F359-7225143B1964}"/>
+                </a:ext>
+              </a:extLst>
+            </p:cNvPr>
+            <p:cNvSpPr txBox="1"/>
+            <p:nvPr/>
+          </p:nvSpPr>
+          <p:spPr>
+            <a:xfrm>
+              <a:off x="7046983" y="2627998"/>
+              <a:ext cx="1693432" cy="369332"/>
+            </a:xfrm>
+            <a:prstGeom prst="rect">
+              <a:avLst/>
+            </a:prstGeom>
+            <a:noFill/>
+          </p:spPr>
+          <p:txBody>
+            <a:bodyPr wrap="square" rtlCol="0">
+              <a:spAutoFit/>
+            </a:bodyPr>
+            <a:lstStyle/>
+            <a:p>
+              <a:pPr algn="ctr"/>
+              <a:r>
+                <a:rPr lang="en-US" dirty="0"/>
+                <a:t>mean=3.5</a:t>
+              </a:r>
+              <a:endParaRPr lang="en-NL" dirty="0"/>
+            </a:p>
+          </p:txBody>
+        </p:sp>
+        <p:sp>
+          <p:nvSpPr>
+            <p:cNvPr id="62" name="Rectangle 61">
+              <a:extLst>
+                <a:ext uri="{FF2B5EF4-FFF2-40B4-BE49-F238E27FC236}">
+                  <a16:creationId xmlns:a16="http://schemas.microsoft.com/office/drawing/2014/main" id="{6D2E12B5-F590-C0FB-BDF1-66A140ADD549}"/>
+                </a:ext>
+              </a:extLst>
+            </p:cNvPr>
+            <p:cNvSpPr/>
+            <p:nvPr/>
+          </p:nvSpPr>
+          <p:spPr>
+            <a:xfrm>
+              <a:off x="6625781" y="3706088"/>
+              <a:ext cx="842405" cy="689211"/>
+            </a:xfrm>
+            <a:prstGeom prst="rect">
+              <a:avLst/>
+            </a:prstGeom>
+          </p:spPr>
+          <p:style>
+            <a:lnRef idx="1">
+              <a:schemeClr val="accent4"/>
+            </a:lnRef>
+            <a:fillRef idx="2">
+              <a:schemeClr val="accent4"/>
+            </a:fillRef>
+            <a:effectRef idx="1">
+              <a:schemeClr val="accent4"/>
+            </a:effectRef>
+            <a:fontRef idx="minor">
+              <a:schemeClr val="dk1"/>
+            </a:fontRef>
+          </p:style>
+          <p:txBody>
+            <a:bodyPr rtlCol="0" anchor="ctr"/>
+            <a:lstStyle/>
+            <a:p>
+              <a:pPr algn="ctr"/>
+              <a:r>
+                <a:rPr lang="en-US" dirty="0"/>
+                <a:t>Train</a:t>
+              </a:r>
+              <a:endParaRPr lang="en-NL" dirty="0"/>
+            </a:p>
+          </p:txBody>
+        </p:sp>
+        <p:sp>
+          <p:nvSpPr>
+            <p:cNvPr id="64" name="Rectangle 63">
+              <a:extLst>
+                <a:ext uri="{FF2B5EF4-FFF2-40B4-BE49-F238E27FC236}">
+                  <a16:creationId xmlns:a16="http://schemas.microsoft.com/office/drawing/2014/main" id="{70737AA2-EA09-9E2D-5DE8-9357BE7015C4}"/>
+                </a:ext>
+              </a:extLst>
+            </p:cNvPr>
+            <p:cNvSpPr/>
+            <p:nvPr/>
+          </p:nvSpPr>
+          <p:spPr>
+            <a:xfrm>
+              <a:off x="10012649" y="3706088"/>
+              <a:ext cx="842405" cy="689211"/>
+            </a:xfrm>
+            <a:prstGeom prst="rect">
+              <a:avLst/>
+            </a:prstGeom>
+          </p:spPr>
+          <p:style>
+            <a:lnRef idx="1">
+              <a:schemeClr val="accent6"/>
+            </a:lnRef>
+            <a:fillRef idx="2">
+              <a:schemeClr val="accent6"/>
+            </a:fillRef>
+            <a:effectRef idx="1">
+              <a:schemeClr val="accent6"/>
+            </a:effectRef>
+            <a:fontRef idx="minor">
+              <a:schemeClr val="dk1"/>
+            </a:fontRef>
+          </p:style>
+          <p:txBody>
+            <a:bodyPr rtlCol="0" anchor="ctr"/>
+            <a:lstStyle/>
+            <a:p>
+              <a:pPr algn="ctr"/>
+              <a:r>
+                <a:rPr lang="en-US" dirty="0"/>
+                <a:t>Score</a:t>
+              </a:r>
+              <a:endParaRPr lang="en-NL" dirty="0"/>
+            </a:p>
+          </p:txBody>
+        </p:sp>
+        <p:sp>
+          <p:nvSpPr>
+            <p:cNvPr id="69" name="Rectangle: Rounded Corners 68">
+              <a:extLst>
+                <a:ext uri="{FF2B5EF4-FFF2-40B4-BE49-F238E27FC236}">
+                  <a16:creationId xmlns:a16="http://schemas.microsoft.com/office/drawing/2014/main" id="{B80D4A1A-7677-F3A5-E30E-9F185FE42C41}"/>
+                </a:ext>
+              </a:extLst>
+            </p:cNvPr>
+            <p:cNvSpPr/>
+            <p:nvPr/>
+          </p:nvSpPr>
+          <p:spPr>
+            <a:xfrm>
+              <a:off x="7994730" y="3706088"/>
+              <a:ext cx="1491370" cy="689211"/>
+            </a:xfrm>
+            <a:prstGeom prst="roundRect">
+              <a:avLst/>
+            </a:prstGeom>
+          </p:spPr>
+          <p:style>
+            <a:lnRef idx="1">
+              <a:schemeClr val="accent5"/>
+            </a:lnRef>
+            <a:fillRef idx="2">
+              <a:schemeClr val="accent5"/>
+            </a:fillRef>
+            <a:effectRef idx="1">
+              <a:schemeClr val="accent5"/>
+            </a:effectRef>
+            <a:fontRef idx="minor">
+              <a:schemeClr val="dk1"/>
+            </a:fontRef>
+          </p:style>
+          <p:txBody>
+            <a:bodyPr rtlCol="0" anchor="ctr"/>
+            <a:lstStyle/>
+            <a:p>
+              <a:pPr algn="ctr"/>
+              <a:r>
+                <a:rPr lang="en-US" dirty="0" err="1"/>
+                <a:t>fillna</a:t>
+              </a:r>
+              <a:r>
+                <a:rPr lang="en-US" dirty="0"/>
+                <a:t>(</a:t>
+              </a:r>
+              <a:r>
+                <a:rPr lang="en-US" b="1" dirty="0"/>
+                <a:t>mean</a:t>
+              </a:r>
+              <a:r>
+                <a:rPr lang="en-US" dirty="0"/>
+                <a:t>)</a:t>
+              </a:r>
+              <a:endParaRPr lang="en-NL" dirty="0"/>
+            </a:p>
+          </p:txBody>
+        </p:sp>
+        <p:cxnSp>
+          <p:nvCxnSpPr>
+            <p:cNvPr id="71" name="Straight Arrow Connector 70">
+              <a:extLst>
+                <a:ext uri="{FF2B5EF4-FFF2-40B4-BE49-F238E27FC236}">
+                  <a16:creationId xmlns:a16="http://schemas.microsoft.com/office/drawing/2014/main" id="{23FFCC05-02CC-447A-2940-213DCC0B906D}"/>
+                </a:ext>
+              </a:extLst>
+            </p:cNvPr>
+            <p:cNvCxnSpPr>
+              <a:cxnSpLocks/>
+              <a:stCxn id="69" idx="3"/>
+              <a:endCxn id="64" idx="1"/>
+            </p:cNvCxnSpPr>
+            <p:nvPr/>
+          </p:nvCxnSpPr>
+          <p:spPr>
+            <a:xfrm>
+              <a:off x="9486100" y="4050694"/>
+              <a:ext cx="526549" cy="0"/>
+            </a:xfrm>
+            <a:prstGeom prst="straightConnector1">
+              <a:avLst/>
+            </a:prstGeom>
+            <a:ln>
+              <a:tailEnd type="triangle"/>
+            </a:ln>
+          </p:spPr>
+          <p:style>
+            <a:lnRef idx="3">
+              <a:schemeClr val="dk1"/>
+            </a:lnRef>
+            <a:fillRef idx="0">
+              <a:schemeClr val="dk1"/>
+            </a:fillRef>
+            <a:effectRef idx="2">
+              <a:schemeClr val="dk1"/>
+            </a:effectRef>
+            <a:fontRef idx="minor">
+              <a:schemeClr val="tx1"/>
+            </a:fontRef>
+          </p:style>
+        </p:cxnSp>
+        <p:cxnSp>
+          <p:nvCxnSpPr>
+            <p:cNvPr id="26" name="Connector: Curved 25">
+              <a:extLst>
+                <a:ext uri="{FF2B5EF4-FFF2-40B4-BE49-F238E27FC236}">
+                  <a16:creationId xmlns:a16="http://schemas.microsoft.com/office/drawing/2014/main" id="{D778F3E4-1894-4DEB-B587-1EE55433F25D}"/>
+                </a:ext>
+              </a:extLst>
+            </p:cNvPr>
+            <p:cNvCxnSpPr>
+              <a:stCxn id="62" idx="0"/>
+              <a:endCxn id="69" idx="0"/>
+            </p:cNvCxnSpPr>
+            <p:nvPr/>
+          </p:nvCxnSpPr>
+          <p:spPr>
+            <a:xfrm rot="5400000" flipH="1" flipV="1">
+              <a:off x="7893699" y="2859373"/>
+              <a:ext cx="12700" cy="1693431"/>
+            </a:xfrm>
+            <a:prstGeom prst="curvedConnector3">
+              <a:avLst>
+                <a:gd name="adj1" fmla="val 4490913"/>
+              </a:avLst>
+            </a:prstGeom>
+            <a:ln>
+              <a:tailEnd type="triangle"/>
+            </a:ln>
+          </p:spPr>
+          <p:style>
+            <a:lnRef idx="3">
+              <a:schemeClr val="dk1"/>
+            </a:lnRef>
+            <a:fillRef idx="0">
+              <a:schemeClr val="dk1"/>
+            </a:fillRef>
+            <a:effectRef idx="2">
+              <a:schemeClr val="dk1"/>
+            </a:effectRef>
+            <a:fontRef idx="minor">
+              <a:schemeClr val="tx1"/>
+            </a:fontRef>
+          </p:style>
+        </p:cxnSp>
+      </p:grpSp>
+      <p:grpSp>
+        <p:nvGrpSpPr>
+          <p:cNvPr id="50" name="Group 49">
+            <a:extLst>
+              <a:ext uri="{FF2B5EF4-FFF2-40B4-BE49-F238E27FC236}">
+                <a16:creationId xmlns:a16="http://schemas.microsoft.com/office/drawing/2014/main" id="{FA18D7ED-6DAB-E471-E167-FF3D0E09BB7C}"/>
+              </a:ext>
+            </a:extLst>
+          </p:cNvPr>
+          <p:cNvGrpSpPr/>
           <p:nvPr/>
-        </p:nvSpPr>
-        <p:spPr>
+        </p:nvGrpSpPr>
+        <p:grpSpPr>
           <a:xfrm>
-            <a:off x="990599" y="4091847"/>
-            <a:ext cx="842405" cy="689211"/>
+            <a:off x="1022493" y="3584100"/>
+            <a:ext cx="4192511" cy="914400"/>
+            <a:chOff x="1022493" y="3584100"/>
+            <a:chExt cx="4192511" cy="914400"/>
           </a:xfrm>
-          <a:prstGeom prst="rect">
-            <a:avLst/>
-          </a:prstGeom>
-        </p:spPr>
-        <p:style>
-          <a:lnRef idx="1">
-            <a:schemeClr val="accent4"/>
-          </a:lnRef>
-          <a:fillRef idx="2">
-            <a:schemeClr val="accent4"/>
-          </a:fillRef>
-          <a:effectRef idx="1">
-            <a:schemeClr val="accent4"/>
-          </a:effectRef>
-          <a:fontRef idx="minor">
-            <a:schemeClr val="dk1"/>
-          </a:fontRef>
-        </p:style>
-        <p:txBody>
-          <a:bodyPr rtlCol="0" anchor="ctr"/>
-          <a:lstStyle/>
-          <a:p>
-            <a:pPr algn="ctr"/>
-            <a:r>
-              <a:rPr lang="en-US" dirty="0"/>
-              <a:t>B</a:t>
-            </a:r>
-            <a:endParaRPr lang="en-NL" dirty="0"/>
-          </a:p>
-        </p:txBody>
-      </p:sp>
-      <p:sp>
-        <p:nvSpPr>
-          <p:cNvPr id="14" name="Rectangle 13">
-            <a:extLst>
-              <a:ext uri="{FF2B5EF4-FFF2-40B4-BE49-F238E27FC236}">
-                <a16:creationId xmlns:a16="http://schemas.microsoft.com/office/drawing/2014/main" id="{CEE4A8F5-EECE-9EB4-1AAF-C709B49710D8}"/>
-              </a:ext>
-            </a:extLst>
-          </p:cNvPr>
-          <p:cNvSpPr/>
-          <p:nvPr/>
-        </p:nvSpPr>
-        <p:spPr>
-          <a:xfrm>
-            <a:off x="4377468" y="2564424"/>
-            <a:ext cx="842405" cy="689211"/>
-          </a:xfrm>
-          <a:prstGeom prst="rect">
-            <a:avLst/>
-          </a:prstGeom>
-        </p:spPr>
-        <p:style>
-          <a:lnRef idx="1">
-            <a:schemeClr val="accent6"/>
-          </a:lnRef>
-          <a:fillRef idx="2">
-            <a:schemeClr val="accent6"/>
-          </a:fillRef>
-          <a:effectRef idx="1">
-            <a:schemeClr val="accent6"/>
-          </a:effectRef>
-          <a:fontRef idx="minor">
-            <a:schemeClr val="dk1"/>
-          </a:fontRef>
-        </p:style>
-        <p:txBody>
-          <a:bodyPr rtlCol="0" anchor="ctr"/>
-          <a:lstStyle/>
-          <a:p>
-            <a:pPr algn="ctr"/>
-            <a:r>
-              <a:rPr lang="en-US" dirty="0"/>
-              <a:t>A'</a:t>
-            </a:r>
-            <a:endParaRPr lang="en-NL" dirty="0"/>
-          </a:p>
-        </p:txBody>
-      </p:sp>
-      <p:sp>
-        <p:nvSpPr>
-          <p:cNvPr id="15" name="Rectangle 14">
-            <a:extLst>
-              <a:ext uri="{FF2B5EF4-FFF2-40B4-BE49-F238E27FC236}">
-                <a16:creationId xmlns:a16="http://schemas.microsoft.com/office/drawing/2014/main" id="{5719D04C-DF29-F713-85E1-3BBFB134E914}"/>
-              </a:ext>
-            </a:extLst>
-          </p:cNvPr>
-          <p:cNvSpPr/>
-          <p:nvPr/>
-        </p:nvSpPr>
-        <p:spPr>
-          <a:xfrm>
-            <a:off x="4377467" y="4091847"/>
-            <a:ext cx="842405" cy="689211"/>
-          </a:xfrm>
-          <a:prstGeom prst="rect">
-            <a:avLst/>
-          </a:prstGeom>
-        </p:spPr>
-        <p:style>
-          <a:lnRef idx="1">
-            <a:schemeClr val="accent6"/>
-          </a:lnRef>
-          <a:fillRef idx="2">
-            <a:schemeClr val="accent6"/>
-          </a:fillRef>
-          <a:effectRef idx="1">
-            <a:schemeClr val="accent6"/>
-          </a:effectRef>
-          <a:fontRef idx="minor">
-            <a:schemeClr val="dk1"/>
-          </a:fontRef>
-        </p:style>
-        <p:txBody>
-          <a:bodyPr rtlCol="0" anchor="ctr"/>
-          <a:lstStyle/>
-          <a:p>
-            <a:pPr algn="ctr"/>
-            <a:r>
-              <a:rPr lang="en-US" dirty="0"/>
-              <a:t>B'</a:t>
-            </a:r>
-            <a:endParaRPr lang="en-NL" dirty="0"/>
-          </a:p>
-        </p:txBody>
-      </p:sp>
-      <p:sp>
-        <p:nvSpPr>
-          <p:cNvPr id="16" name="Rectangle: Rounded Corners 15">
-            <a:extLst>
-              <a:ext uri="{FF2B5EF4-FFF2-40B4-BE49-F238E27FC236}">
-                <a16:creationId xmlns:a16="http://schemas.microsoft.com/office/drawing/2014/main" id="{6A387B69-4184-8E4A-E048-DBBF3218B85F}"/>
-              </a:ext>
-            </a:extLst>
-          </p:cNvPr>
-          <p:cNvSpPr/>
-          <p:nvPr/>
-        </p:nvSpPr>
-        <p:spPr>
-          <a:xfrm>
-            <a:off x="2433084" y="4102287"/>
-            <a:ext cx="1344304" cy="689211"/>
-          </a:xfrm>
-          <a:prstGeom prst="roundRect">
-            <a:avLst/>
-          </a:prstGeom>
-        </p:spPr>
-        <p:style>
-          <a:lnRef idx="1">
-            <a:schemeClr val="accent5"/>
-          </a:lnRef>
-          <a:fillRef idx="2">
-            <a:schemeClr val="accent5"/>
-          </a:fillRef>
-          <a:effectRef idx="1">
-            <a:schemeClr val="accent5"/>
-          </a:effectRef>
-          <a:fontRef idx="minor">
-            <a:schemeClr val="dk1"/>
-          </a:fontRef>
-        </p:style>
-        <p:txBody>
-          <a:bodyPr rtlCol="0" anchor="ctr"/>
-          <a:lstStyle/>
-          <a:p>
-            <a:pPr algn="ctr"/>
-            <a:r>
-              <a:rPr lang="en-US" dirty="0" err="1"/>
-              <a:t>fillna</a:t>
-            </a:r>
-            <a:r>
-              <a:rPr lang="en-US" dirty="0"/>
-              <a:t>(0)</a:t>
-            </a:r>
-            <a:endParaRPr lang="en-NL" dirty="0"/>
-          </a:p>
-        </p:txBody>
-      </p:sp>
+        </p:grpSpPr>
+        <p:sp>
+          <p:nvSpPr>
+            <p:cNvPr id="14" name="Rectangle 13">
+              <a:extLst>
+                <a:ext uri="{FF2B5EF4-FFF2-40B4-BE49-F238E27FC236}">
+                  <a16:creationId xmlns:a16="http://schemas.microsoft.com/office/drawing/2014/main" id="{CEE4A8F5-EECE-9EB4-1AAF-C709B49710D8}"/>
+                </a:ext>
+              </a:extLst>
+            </p:cNvPr>
+            <p:cNvSpPr/>
+            <p:nvPr/>
+          </p:nvSpPr>
+          <p:spPr>
+            <a:xfrm>
+              <a:off x="4372599" y="3706088"/>
+              <a:ext cx="842405" cy="689211"/>
+            </a:xfrm>
+            <a:prstGeom prst="rect">
+              <a:avLst/>
+            </a:prstGeom>
+          </p:spPr>
+          <p:style>
+            <a:lnRef idx="1">
+              <a:schemeClr val="accent6"/>
+            </a:lnRef>
+            <a:fillRef idx="2">
+              <a:schemeClr val="accent6"/>
+            </a:fillRef>
+            <a:effectRef idx="1">
+              <a:schemeClr val="accent6"/>
+            </a:effectRef>
+            <a:fontRef idx="minor">
+              <a:schemeClr val="dk1"/>
+            </a:fontRef>
+          </p:style>
+          <p:txBody>
+            <a:bodyPr rtlCol="0" anchor="ctr"/>
+            <a:lstStyle/>
+            <a:p>
+              <a:pPr algn="ctr"/>
+              <a:r>
+                <a:rPr lang="en-US" dirty="0"/>
+                <a:t>Score</a:t>
+              </a:r>
+              <a:endParaRPr lang="en-NL" dirty="0"/>
+            </a:p>
+          </p:txBody>
+        </p:sp>
+        <p:sp>
+          <p:nvSpPr>
+            <p:cNvPr id="25" name="Rectangle: Rounded Corners 24">
+              <a:extLst>
+                <a:ext uri="{FF2B5EF4-FFF2-40B4-BE49-F238E27FC236}">
+                  <a16:creationId xmlns:a16="http://schemas.microsoft.com/office/drawing/2014/main" id="{2C713476-FA46-6D89-7672-5D26B170C381}"/>
+                </a:ext>
+              </a:extLst>
+            </p:cNvPr>
+            <p:cNvSpPr/>
+            <p:nvPr/>
+          </p:nvSpPr>
+          <p:spPr>
+            <a:xfrm>
+              <a:off x="2428215" y="3706088"/>
+              <a:ext cx="1344304" cy="689211"/>
+            </a:xfrm>
+            <a:prstGeom prst="roundRect">
+              <a:avLst/>
+            </a:prstGeom>
+          </p:spPr>
+          <p:style>
+            <a:lnRef idx="1">
+              <a:schemeClr val="accent5"/>
+            </a:lnRef>
+            <a:fillRef idx="2">
+              <a:schemeClr val="accent5"/>
+            </a:fillRef>
+            <a:effectRef idx="1">
+              <a:schemeClr val="accent5"/>
+            </a:effectRef>
+            <a:fontRef idx="minor">
+              <a:schemeClr val="dk1"/>
+            </a:fontRef>
+          </p:style>
+          <p:txBody>
+            <a:bodyPr rtlCol="0" anchor="ctr"/>
+            <a:lstStyle/>
+            <a:p>
+              <a:pPr algn="ctr"/>
+              <a:r>
+                <a:rPr lang="en-US" dirty="0" err="1"/>
+                <a:t>fillna</a:t>
+              </a:r>
+              <a:r>
+                <a:rPr lang="en-US" dirty="0"/>
+                <a:t>(</a:t>
+              </a:r>
+              <a:r>
+                <a:rPr lang="en-US" b="1" dirty="0"/>
+                <a:t>0</a:t>
+              </a:r>
+              <a:r>
+                <a:rPr lang="en-US" dirty="0"/>
+                <a:t>)</a:t>
+              </a:r>
+              <a:endParaRPr lang="en-NL" dirty="0"/>
+            </a:p>
+          </p:txBody>
+        </p:sp>
+        <p:cxnSp>
+          <p:nvCxnSpPr>
+            <p:cNvPr id="29" name="Straight Arrow Connector 28">
+              <a:extLst>
+                <a:ext uri="{FF2B5EF4-FFF2-40B4-BE49-F238E27FC236}">
+                  <a16:creationId xmlns:a16="http://schemas.microsoft.com/office/drawing/2014/main" id="{49E1EFDE-7A71-6498-80E1-B0AC9E83282B}"/>
+                </a:ext>
+              </a:extLst>
+            </p:cNvPr>
+            <p:cNvCxnSpPr>
+              <a:cxnSpLocks/>
+              <a:stCxn id="25" idx="3"/>
+              <a:endCxn id="14" idx="1"/>
+            </p:cNvCxnSpPr>
+            <p:nvPr/>
+          </p:nvCxnSpPr>
+          <p:spPr>
+            <a:xfrm>
+              <a:off x="3772519" y="4050694"/>
+              <a:ext cx="600080" cy="0"/>
+            </a:xfrm>
+            <a:prstGeom prst="straightConnector1">
+              <a:avLst/>
+            </a:prstGeom>
+            <a:ln>
+              <a:tailEnd type="triangle"/>
+            </a:ln>
+          </p:spPr>
+          <p:style>
+            <a:lnRef idx="3">
+              <a:schemeClr val="dk1"/>
+            </a:lnRef>
+            <a:fillRef idx="0">
+              <a:schemeClr val="dk1"/>
+            </a:fillRef>
+            <a:effectRef idx="2">
+              <a:schemeClr val="dk1"/>
+            </a:effectRef>
+            <a:fontRef idx="minor">
+              <a:schemeClr val="tx1"/>
+            </a:fontRef>
+          </p:style>
+        </p:cxnSp>
+        <p:pic>
+          <p:nvPicPr>
+            <p:cNvPr id="31" name="Graphic 30" descr="Brain in head">
+              <a:extLst>
+                <a:ext uri="{FF2B5EF4-FFF2-40B4-BE49-F238E27FC236}">
+                  <a16:creationId xmlns:a16="http://schemas.microsoft.com/office/drawing/2014/main" id="{3D685FCA-1D87-3F47-AF26-9D720270B97F}"/>
+                </a:ext>
+              </a:extLst>
+            </p:cNvPr>
+            <p:cNvPicPr>
+              <a:picLocks noChangeAspect="1"/>
+            </p:cNvPicPr>
+            <p:nvPr/>
+          </p:nvPicPr>
+          <p:blipFill>
+            <a:blip r:embed="rId2">
+              <a:extLst>
+                <a:ext uri="{96DAC541-7B7A-43D3-8B79-37D633B846F1}">
+                  <asvg:svgBlip xmlns:asvg="http://schemas.microsoft.com/office/drawing/2016/SVG/main" r:embed="rId3"/>
+                </a:ext>
+              </a:extLst>
+            </a:blip>
+            <a:stretch>
+              <a:fillRect/>
+            </a:stretch>
+          </p:blipFill>
+          <p:spPr>
+            <a:xfrm>
+              <a:off x="1022493" y="3584100"/>
+              <a:ext cx="914400" cy="914400"/>
+            </a:xfrm>
+            <a:prstGeom prst="rect">
+              <a:avLst/>
+            </a:prstGeom>
+          </p:spPr>
+        </p:pic>
+      </p:grpSp>
       <p:cxnSp>
         <p:nvCxnSpPr>
-          <p:cNvPr id="18" name="Straight Arrow Connector 17">
-            <a:extLst>
-              <a:ext uri="{FF2B5EF4-FFF2-40B4-BE49-F238E27FC236}">
-                <a16:creationId xmlns:a16="http://schemas.microsoft.com/office/drawing/2014/main" id="{FBEDC15F-9A4D-487E-0048-71724C1AAFDC}"/>
+          <p:cNvPr id="39" name="Connector: Curved 38">
+            <a:extLst>
+              <a:ext uri="{FF2B5EF4-FFF2-40B4-BE49-F238E27FC236}">
+                <a16:creationId xmlns:a16="http://schemas.microsoft.com/office/drawing/2014/main" id="{73F96E77-EE3D-1176-6869-9A8CD1FAF196}"/>
               </a:ext>
             </a:extLst>
           </p:cNvPr>
           <p:cNvCxnSpPr>
             <a:cxnSpLocks/>
-            <a:stCxn id="10" idx="3"/>
-            <a:endCxn id="16" idx="1"/>
+            <a:stCxn id="31" idx="0"/>
+            <a:endCxn id="25" idx="0"/>
           </p:cNvCxnSpPr>
           <p:nvPr/>
         </p:nvCxnSpPr>
         <p:spPr>
-          <a:xfrm>
-            <a:off x="1833004" y="4436453"/>
-            <a:ext cx="600080" cy="10440"/>
+          <a:xfrm rot="16200000" flipH="1">
+            <a:off x="2229036" y="2834757"/>
+            <a:ext cx="121988" cy="1620674"/>
           </a:xfrm>
-          <a:prstGeom prst="straightConnector1">
-            <a:avLst/>
+          <a:prstGeom prst="curvedConnector3">
+            <a:avLst>
+              <a:gd name="adj1" fmla="val -270682"/>
+            </a:avLst>
           </a:prstGeom>
           <a:ln>
             <a:tailEnd type="triangle"/>
           </a:ln>
         </p:spPr>
         <p:style>
-          <a:lnRef idx="2">
+          <a:lnRef idx="3">
             <a:schemeClr val="dk1"/>
           </a:lnRef>
           <a:fillRef idx="0">
             <a:schemeClr val="dk1"/>
           </a:fillRef>
-          <a:effectRef idx="1">
-            <a:schemeClr val="dk1"/>
-          </a:effectRef>
-          <a:fontRef idx="minor">
-            <a:schemeClr val="tx1"/>
-          </a:fontRef>
-        </p:style>
-      </p:cxnSp>
-      <p:cxnSp>
-        <p:nvCxnSpPr>
-          <p:cNvPr id="20" name="Straight Arrow Connector 19">
-            <a:extLst>
-              <a:ext uri="{FF2B5EF4-FFF2-40B4-BE49-F238E27FC236}">
-                <a16:creationId xmlns:a16="http://schemas.microsoft.com/office/drawing/2014/main" id="{3B0AD017-42B4-086B-9253-7795CB491924}"/>
-              </a:ext>
-            </a:extLst>
-          </p:cNvPr>
-          <p:cNvCxnSpPr>
-            <a:cxnSpLocks/>
-            <a:stCxn id="16" idx="3"/>
-            <a:endCxn id="15" idx="1"/>
-          </p:cNvCxnSpPr>
-          <p:nvPr/>
-        </p:nvCxnSpPr>
-        <p:spPr>
-          <a:xfrm flipV="1">
-            <a:off x="3777388" y="4436453"/>
-            <a:ext cx="600079" cy="10440"/>
-          </a:xfrm>
-          <a:prstGeom prst="straightConnector1">
-            <a:avLst/>
-          </a:prstGeom>
-          <a:ln>
-            <a:tailEnd type="triangle"/>
-          </a:ln>
-        </p:spPr>
-        <p:style>
-          <a:lnRef idx="2">
-            <a:schemeClr val="dk1"/>
-          </a:lnRef>
-          <a:fillRef idx="0">
-            <a:schemeClr val="dk1"/>
-          </a:fillRef>
-          <a:effectRef idx="1">
-            <a:schemeClr val="dk1"/>
-          </a:effectRef>
-          <a:fontRef idx="minor">
-            <a:schemeClr val="tx1"/>
-          </a:fontRef>
-        </p:style>
-      </p:cxnSp>
-      <p:sp>
-        <p:nvSpPr>
-          <p:cNvPr id="25" name="Rectangle: Rounded Corners 24">
-            <a:extLst>
-              <a:ext uri="{FF2B5EF4-FFF2-40B4-BE49-F238E27FC236}">
-                <a16:creationId xmlns:a16="http://schemas.microsoft.com/office/drawing/2014/main" id="{2C713476-FA46-6D89-7672-5D26B170C381}"/>
-              </a:ext>
-            </a:extLst>
-          </p:cNvPr>
-          <p:cNvSpPr/>
-          <p:nvPr/>
-        </p:nvSpPr>
-        <p:spPr>
-          <a:xfrm>
-            <a:off x="2433084" y="2564424"/>
-            <a:ext cx="1344304" cy="689211"/>
-          </a:xfrm>
-          <a:prstGeom prst="roundRect">
-            <a:avLst/>
-          </a:prstGeom>
-        </p:spPr>
-        <p:style>
-          <a:lnRef idx="1">
-            <a:schemeClr val="accent5"/>
-          </a:lnRef>
-          <a:fillRef idx="2">
-            <a:schemeClr val="accent5"/>
-          </a:fillRef>
-          <a:effectRef idx="1">
-            <a:schemeClr val="accent5"/>
-          </a:effectRef>
-          <a:fontRef idx="minor">
-            <a:schemeClr val="dk1"/>
-          </a:fontRef>
-        </p:style>
-        <p:txBody>
-          <a:bodyPr rtlCol="0" anchor="ctr"/>
-          <a:lstStyle/>
-          <a:p>
-            <a:pPr algn="ctr"/>
-            <a:r>
-              <a:rPr lang="en-US" dirty="0" err="1"/>
-              <a:t>fillna</a:t>
-            </a:r>
-            <a:r>
-              <a:rPr lang="en-US" dirty="0"/>
-              <a:t>(0)</a:t>
-            </a:r>
-            <a:endParaRPr lang="en-NL" dirty="0"/>
-          </a:p>
-        </p:txBody>
-      </p:sp>
-      <p:cxnSp>
-        <p:nvCxnSpPr>
-          <p:cNvPr id="27" name="Straight Arrow Connector 26">
-            <a:extLst>
-              <a:ext uri="{FF2B5EF4-FFF2-40B4-BE49-F238E27FC236}">
-                <a16:creationId xmlns:a16="http://schemas.microsoft.com/office/drawing/2014/main" id="{319B4E24-4425-C5BC-C19F-9F16CC5264B9}"/>
-              </a:ext>
-            </a:extLst>
-          </p:cNvPr>
-          <p:cNvCxnSpPr>
-            <a:stCxn id="7" idx="3"/>
-            <a:endCxn id="25" idx="1"/>
-          </p:cNvCxnSpPr>
-          <p:nvPr/>
-        </p:nvCxnSpPr>
-        <p:spPr>
-          <a:xfrm>
-            <a:off x="1833005" y="2909030"/>
-            <a:ext cx="600079" cy="0"/>
-          </a:xfrm>
-          <a:prstGeom prst="straightConnector1">
-            <a:avLst/>
-          </a:prstGeom>
-          <a:ln>
-            <a:tailEnd type="triangle"/>
-          </a:ln>
-        </p:spPr>
-        <p:style>
-          <a:lnRef idx="2">
-            <a:schemeClr val="dk1"/>
-          </a:lnRef>
-          <a:fillRef idx="0">
-            <a:schemeClr val="dk1"/>
-          </a:fillRef>
-          <a:effectRef idx="1">
-            <a:schemeClr val="dk1"/>
-          </a:effectRef>
-          <a:fontRef idx="minor">
-            <a:schemeClr val="tx1"/>
-          </a:fontRef>
-        </p:style>
-      </p:cxnSp>
-      <p:cxnSp>
-        <p:nvCxnSpPr>
-          <p:cNvPr id="29" name="Straight Arrow Connector 28">
-            <a:extLst>
-              <a:ext uri="{FF2B5EF4-FFF2-40B4-BE49-F238E27FC236}">
-                <a16:creationId xmlns:a16="http://schemas.microsoft.com/office/drawing/2014/main" id="{49E1EFDE-7A71-6498-80E1-B0AC9E83282B}"/>
-              </a:ext>
-            </a:extLst>
-          </p:cNvPr>
-          <p:cNvCxnSpPr>
-            <a:cxnSpLocks/>
-            <a:stCxn id="25" idx="3"/>
-            <a:endCxn id="14" idx="1"/>
-          </p:cNvCxnSpPr>
-          <p:nvPr/>
-        </p:nvCxnSpPr>
-        <p:spPr>
-          <a:xfrm>
-            <a:off x="3777388" y="2909030"/>
-            <a:ext cx="600080" cy="0"/>
-          </a:xfrm>
-          <a:prstGeom prst="straightConnector1">
-            <a:avLst/>
-          </a:prstGeom>
-          <a:ln>
-            <a:tailEnd type="triangle"/>
-          </a:ln>
-        </p:spPr>
-        <p:style>
-          <a:lnRef idx="2">
-            <a:schemeClr val="dk1"/>
-          </a:lnRef>
-          <a:fillRef idx="0">
-            <a:schemeClr val="dk1"/>
-          </a:fillRef>
-          <a:effectRef idx="1">
-            <a:schemeClr val="dk1"/>
-          </a:effectRef>
-          <a:fontRef idx="minor">
-            <a:schemeClr val="tx1"/>
-          </a:fontRef>
-        </p:style>
-      </p:cxnSp>
-      <p:sp>
-        <p:nvSpPr>
-          <p:cNvPr id="43" name="TextBox 42">
-            <a:extLst>
-              <a:ext uri="{FF2B5EF4-FFF2-40B4-BE49-F238E27FC236}">
-                <a16:creationId xmlns:a16="http://schemas.microsoft.com/office/drawing/2014/main" id="{1E0F6E3C-3A1B-A60C-F359-7225143B1964}"/>
-              </a:ext>
-            </a:extLst>
-          </p:cNvPr>
-          <p:cNvSpPr txBox="1"/>
-          <p:nvPr/>
-        </p:nvSpPr>
-        <p:spPr>
-          <a:xfrm>
-            <a:off x="6487238" y="2197585"/>
-            <a:ext cx="842404" cy="369332"/>
-          </a:xfrm>
-          <a:prstGeom prst="rect">
-            <a:avLst/>
-          </a:prstGeom>
-          <a:noFill/>
-        </p:spPr>
-        <p:txBody>
-          <a:bodyPr wrap="square" rtlCol="0">
-            <a:spAutoFit/>
-          </a:bodyPr>
-          <a:lstStyle/>
-          <a:p>
-            <a:pPr algn="ctr"/>
-            <a:r>
-              <a:rPr lang="en-US" dirty="0"/>
-              <a:t>m=3.2</a:t>
-            </a:r>
-            <a:endParaRPr lang="en-NL" dirty="0"/>
-          </a:p>
-        </p:txBody>
-      </p:sp>
-      <p:sp>
-        <p:nvSpPr>
-          <p:cNvPr id="44" name="TextBox 43">
-            <a:extLst>
-              <a:ext uri="{FF2B5EF4-FFF2-40B4-BE49-F238E27FC236}">
-                <a16:creationId xmlns:a16="http://schemas.microsoft.com/office/drawing/2014/main" id="{15DCD127-D37C-0967-649A-55AE5712A931}"/>
-              </a:ext>
-            </a:extLst>
-          </p:cNvPr>
-          <p:cNvSpPr txBox="1"/>
-          <p:nvPr/>
-        </p:nvSpPr>
-        <p:spPr>
-          <a:xfrm>
-            <a:off x="6487237" y="3727421"/>
-            <a:ext cx="842403" cy="369332"/>
-          </a:xfrm>
-          <a:prstGeom prst="rect">
-            <a:avLst/>
-          </a:prstGeom>
-          <a:noFill/>
-        </p:spPr>
-        <p:txBody>
-          <a:bodyPr wrap="square" rtlCol="0">
-            <a:spAutoFit/>
-          </a:bodyPr>
-          <a:lstStyle/>
-          <a:p>
-            <a:r>
-              <a:rPr lang="en-US" dirty="0"/>
-              <a:t>m=2.7</a:t>
-            </a:r>
-            <a:endParaRPr lang="en-NL" dirty="0"/>
-          </a:p>
-        </p:txBody>
-      </p:sp>
-      <p:sp>
-        <p:nvSpPr>
-          <p:cNvPr id="62" name="Rectangle 61">
-            <a:extLst>
-              <a:ext uri="{FF2B5EF4-FFF2-40B4-BE49-F238E27FC236}">
-                <a16:creationId xmlns:a16="http://schemas.microsoft.com/office/drawing/2014/main" id="{6D2E12B5-F590-C0FB-BDF1-66A140ADD549}"/>
-              </a:ext>
-            </a:extLst>
-          </p:cNvPr>
-          <p:cNvSpPr/>
-          <p:nvPr/>
-        </p:nvSpPr>
-        <p:spPr>
-          <a:xfrm>
-            <a:off x="6487237" y="2564681"/>
-            <a:ext cx="842405" cy="689211"/>
-          </a:xfrm>
-          <a:prstGeom prst="rect">
-            <a:avLst/>
-          </a:prstGeom>
-        </p:spPr>
-        <p:style>
-          <a:lnRef idx="1">
-            <a:schemeClr val="accent4"/>
-          </a:lnRef>
-          <a:fillRef idx="2">
-            <a:schemeClr val="accent4"/>
-          </a:fillRef>
-          <a:effectRef idx="1">
-            <a:schemeClr val="accent4"/>
-          </a:effectRef>
-          <a:fontRef idx="minor">
-            <a:schemeClr val="dk1"/>
-          </a:fontRef>
-        </p:style>
-        <p:txBody>
-          <a:bodyPr rtlCol="0" anchor="ctr"/>
-          <a:lstStyle/>
-          <a:p>
-            <a:pPr algn="ctr"/>
-            <a:r>
-              <a:rPr lang="en-US" dirty="0"/>
-              <a:t>A</a:t>
-            </a:r>
-            <a:endParaRPr lang="en-NL" dirty="0"/>
-          </a:p>
-        </p:txBody>
-      </p:sp>
-      <p:sp>
-        <p:nvSpPr>
-          <p:cNvPr id="63" name="Rectangle 62">
-            <a:extLst>
-              <a:ext uri="{FF2B5EF4-FFF2-40B4-BE49-F238E27FC236}">
-                <a16:creationId xmlns:a16="http://schemas.microsoft.com/office/drawing/2014/main" id="{4A52D851-DB40-DFCE-21CF-302224392D7F}"/>
-              </a:ext>
-            </a:extLst>
-          </p:cNvPr>
-          <p:cNvSpPr/>
-          <p:nvPr/>
-        </p:nvSpPr>
-        <p:spPr>
-          <a:xfrm>
-            <a:off x="6487236" y="4092104"/>
-            <a:ext cx="842405" cy="689211"/>
-          </a:xfrm>
-          <a:prstGeom prst="rect">
-            <a:avLst/>
-          </a:prstGeom>
-        </p:spPr>
-        <p:style>
-          <a:lnRef idx="1">
-            <a:schemeClr val="accent4"/>
-          </a:lnRef>
-          <a:fillRef idx="2">
-            <a:schemeClr val="accent4"/>
-          </a:fillRef>
-          <a:effectRef idx="1">
-            <a:schemeClr val="accent4"/>
-          </a:effectRef>
-          <a:fontRef idx="minor">
-            <a:schemeClr val="dk1"/>
-          </a:fontRef>
-        </p:style>
-        <p:txBody>
-          <a:bodyPr rtlCol="0" anchor="ctr"/>
-          <a:lstStyle/>
-          <a:p>
-            <a:pPr algn="ctr"/>
-            <a:r>
-              <a:rPr lang="en-US" dirty="0"/>
-              <a:t>B</a:t>
-            </a:r>
-            <a:endParaRPr lang="en-NL" dirty="0"/>
-          </a:p>
-        </p:txBody>
-      </p:sp>
-      <p:sp>
-        <p:nvSpPr>
-          <p:cNvPr id="64" name="Rectangle 63">
-            <a:extLst>
-              <a:ext uri="{FF2B5EF4-FFF2-40B4-BE49-F238E27FC236}">
-                <a16:creationId xmlns:a16="http://schemas.microsoft.com/office/drawing/2014/main" id="{70737AA2-EA09-9E2D-5DE8-9357BE7015C4}"/>
-              </a:ext>
-            </a:extLst>
-          </p:cNvPr>
-          <p:cNvSpPr/>
-          <p:nvPr/>
-        </p:nvSpPr>
-        <p:spPr>
-          <a:xfrm>
-            <a:off x="9874105" y="2564681"/>
-            <a:ext cx="842405" cy="689211"/>
-          </a:xfrm>
-          <a:prstGeom prst="rect">
-            <a:avLst/>
-          </a:prstGeom>
-        </p:spPr>
-        <p:style>
-          <a:lnRef idx="1">
-            <a:schemeClr val="accent6"/>
-          </a:lnRef>
-          <a:fillRef idx="2">
-            <a:schemeClr val="accent6"/>
-          </a:fillRef>
-          <a:effectRef idx="1">
-            <a:schemeClr val="accent6"/>
-          </a:effectRef>
-          <a:fontRef idx="minor">
-            <a:schemeClr val="dk1"/>
-          </a:fontRef>
-        </p:style>
-        <p:txBody>
-          <a:bodyPr rtlCol="0" anchor="ctr"/>
-          <a:lstStyle/>
-          <a:p>
-            <a:pPr algn="ctr"/>
-            <a:r>
-              <a:rPr lang="en-US" dirty="0"/>
-              <a:t>A'</a:t>
-            </a:r>
-            <a:endParaRPr lang="en-NL" dirty="0"/>
-          </a:p>
-        </p:txBody>
-      </p:sp>
-      <p:sp>
-        <p:nvSpPr>
-          <p:cNvPr id="65" name="Rectangle 64">
-            <a:extLst>
-              <a:ext uri="{FF2B5EF4-FFF2-40B4-BE49-F238E27FC236}">
-                <a16:creationId xmlns:a16="http://schemas.microsoft.com/office/drawing/2014/main" id="{595EB6EA-AF34-E510-F336-789B2E931088}"/>
-              </a:ext>
-            </a:extLst>
-          </p:cNvPr>
-          <p:cNvSpPr/>
-          <p:nvPr/>
-        </p:nvSpPr>
-        <p:spPr>
-          <a:xfrm>
-            <a:off x="9874104" y="4092104"/>
-            <a:ext cx="842405" cy="689211"/>
-          </a:xfrm>
-          <a:prstGeom prst="rect">
-            <a:avLst/>
-          </a:prstGeom>
-        </p:spPr>
-        <p:style>
-          <a:lnRef idx="1">
-            <a:schemeClr val="accent6"/>
-          </a:lnRef>
-          <a:fillRef idx="2">
-            <a:schemeClr val="accent6"/>
-          </a:fillRef>
-          <a:effectRef idx="1">
-            <a:schemeClr val="accent6"/>
-          </a:effectRef>
-          <a:fontRef idx="minor">
-            <a:schemeClr val="dk1"/>
-          </a:fontRef>
-        </p:style>
-        <p:txBody>
-          <a:bodyPr rtlCol="0" anchor="ctr"/>
-          <a:lstStyle/>
-          <a:p>
-            <a:pPr algn="ctr"/>
-            <a:r>
-              <a:rPr lang="en-US" dirty="0"/>
-              <a:t>B'</a:t>
-            </a:r>
-            <a:endParaRPr lang="en-NL" dirty="0"/>
-          </a:p>
-        </p:txBody>
-      </p:sp>
-      <p:sp>
-        <p:nvSpPr>
-          <p:cNvPr id="66" name="Rectangle: Rounded Corners 65">
-            <a:extLst>
-              <a:ext uri="{FF2B5EF4-FFF2-40B4-BE49-F238E27FC236}">
-                <a16:creationId xmlns:a16="http://schemas.microsoft.com/office/drawing/2014/main" id="{99BA8FFB-FA87-CFFF-8162-CA153F3CDFAD}"/>
-              </a:ext>
-            </a:extLst>
-          </p:cNvPr>
-          <p:cNvSpPr/>
-          <p:nvPr/>
-        </p:nvSpPr>
-        <p:spPr>
-          <a:xfrm>
-            <a:off x="7929721" y="4102544"/>
-            <a:ext cx="1344304" cy="689211"/>
-          </a:xfrm>
-          <a:prstGeom prst="roundRect">
-            <a:avLst/>
-          </a:prstGeom>
-        </p:spPr>
-        <p:style>
-          <a:lnRef idx="1">
-            <a:schemeClr val="accent5"/>
-          </a:lnRef>
-          <a:fillRef idx="2">
-            <a:schemeClr val="accent5"/>
-          </a:fillRef>
-          <a:effectRef idx="1">
-            <a:schemeClr val="accent5"/>
-          </a:effectRef>
-          <a:fontRef idx="minor">
-            <a:schemeClr val="dk1"/>
-          </a:fontRef>
-        </p:style>
-        <p:txBody>
-          <a:bodyPr rtlCol="0" anchor="ctr"/>
-          <a:lstStyle/>
-          <a:p>
-            <a:pPr algn="ctr"/>
-            <a:r>
-              <a:rPr lang="en-US" dirty="0" err="1"/>
-              <a:t>fillna</a:t>
-            </a:r>
-            <a:r>
-              <a:rPr lang="en-US" dirty="0"/>
-              <a:t>(2.7)</a:t>
-            </a:r>
-            <a:endParaRPr lang="en-NL" dirty="0"/>
-          </a:p>
-        </p:txBody>
-      </p:sp>
-      <p:cxnSp>
-        <p:nvCxnSpPr>
-          <p:cNvPr id="67" name="Straight Arrow Connector 66">
-            <a:extLst>
-              <a:ext uri="{FF2B5EF4-FFF2-40B4-BE49-F238E27FC236}">
-                <a16:creationId xmlns:a16="http://schemas.microsoft.com/office/drawing/2014/main" id="{8BAF9871-8A5F-A22F-0114-1FDD33D097DF}"/>
-              </a:ext>
-            </a:extLst>
-          </p:cNvPr>
-          <p:cNvCxnSpPr>
-            <a:cxnSpLocks/>
-            <a:stCxn id="63" idx="3"/>
-            <a:endCxn id="66" idx="1"/>
-          </p:cNvCxnSpPr>
-          <p:nvPr/>
-        </p:nvCxnSpPr>
-        <p:spPr>
-          <a:xfrm>
-            <a:off x="7329641" y="4436710"/>
-            <a:ext cx="600080" cy="10440"/>
-          </a:xfrm>
-          <a:prstGeom prst="straightConnector1">
-            <a:avLst/>
-          </a:prstGeom>
-          <a:ln>
-            <a:tailEnd type="triangle"/>
-          </a:ln>
-        </p:spPr>
-        <p:style>
-          <a:lnRef idx="2">
-            <a:schemeClr val="dk1"/>
-          </a:lnRef>
-          <a:fillRef idx="0">
-            <a:schemeClr val="dk1"/>
-          </a:fillRef>
-          <a:effectRef idx="1">
-            <a:schemeClr val="dk1"/>
-          </a:effectRef>
-          <a:fontRef idx="minor">
-            <a:schemeClr val="tx1"/>
-          </a:fontRef>
-        </p:style>
-      </p:cxnSp>
-      <p:cxnSp>
-        <p:nvCxnSpPr>
-          <p:cNvPr id="68" name="Straight Arrow Connector 67">
-            <a:extLst>
-              <a:ext uri="{FF2B5EF4-FFF2-40B4-BE49-F238E27FC236}">
-                <a16:creationId xmlns:a16="http://schemas.microsoft.com/office/drawing/2014/main" id="{5897F49F-ADC6-63A4-1938-5476293ACA3F}"/>
-              </a:ext>
-            </a:extLst>
-          </p:cNvPr>
-          <p:cNvCxnSpPr>
-            <a:cxnSpLocks/>
-            <a:stCxn id="66" idx="3"/>
-            <a:endCxn id="65" idx="1"/>
-          </p:cNvCxnSpPr>
-          <p:nvPr/>
-        </p:nvCxnSpPr>
-        <p:spPr>
-          <a:xfrm flipV="1">
-            <a:off x="9274025" y="4436710"/>
-            <a:ext cx="600079" cy="10440"/>
-          </a:xfrm>
-          <a:prstGeom prst="straightConnector1">
-            <a:avLst/>
-          </a:prstGeom>
-          <a:ln>
-            <a:tailEnd type="triangle"/>
-          </a:ln>
-        </p:spPr>
-        <p:style>
-          <a:lnRef idx="2">
-            <a:schemeClr val="dk1"/>
-          </a:lnRef>
-          <a:fillRef idx="0">
-            <a:schemeClr val="dk1"/>
-          </a:fillRef>
-          <a:effectRef idx="1">
-            <a:schemeClr val="dk1"/>
-          </a:effectRef>
-          <a:fontRef idx="minor">
-            <a:schemeClr val="tx1"/>
-          </a:fontRef>
-        </p:style>
-      </p:cxnSp>
-      <p:sp>
-        <p:nvSpPr>
-          <p:cNvPr id="69" name="Rectangle: Rounded Corners 68">
-            <a:extLst>
-              <a:ext uri="{FF2B5EF4-FFF2-40B4-BE49-F238E27FC236}">
-                <a16:creationId xmlns:a16="http://schemas.microsoft.com/office/drawing/2014/main" id="{B80D4A1A-7677-F3A5-E30E-9F185FE42C41}"/>
-              </a:ext>
-            </a:extLst>
-          </p:cNvPr>
-          <p:cNvSpPr/>
-          <p:nvPr/>
-        </p:nvSpPr>
-        <p:spPr>
-          <a:xfrm>
-            <a:off x="7929721" y="2564681"/>
-            <a:ext cx="1344304" cy="689211"/>
-          </a:xfrm>
-          <a:prstGeom prst="roundRect">
-            <a:avLst/>
-          </a:prstGeom>
-        </p:spPr>
-        <p:style>
-          <a:lnRef idx="1">
-            <a:schemeClr val="accent5"/>
-          </a:lnRef>
-          <a:fillRef idx="2">
-            <a:schemeClr val="accent5"/>
-          </a:fillRef>
-          <a:effectRef idx="1">
-            <a:schemeClr val="accent5"/>
-          </a:effectRef>
-          <a:fontRef idx="minor">
-            <a:schemeClr val="dk1"/>
-          </a:fontRef>
-        </p:style>
-        <p:txBody>
-          <a:bodyPr rtlCol="0" anchor="ctr"/>
-          <a:lstStyle/>
-          <a:p>
-            <a:pPr algn="ctr"/>
-            <a:r>
-              <a:rPr lang="en-US" dirty="0" err="1"/>
-              <a:t>fillna</a:t>
-            </a:r>
-            <a:r>
-              <a:rPr lang="en-US" dirty="0"/>
-              <a:t>(3.2)</a:t>
-            </a:r>
-            <a:endParaRPr lang="en-NL" dirty="0"/>
-          </a:p>
-        </p:txBody>
-      </p:sp>
-      <p:cxnSp>
-        <p:nvCxnSpPr>
-          <p:cNvPr id="70" name="Straight Arrow Connector 69">
-            <a:extLst>
-              <a:ext uri="{FF2B5EF4-FFF2-40B4-BE49-F238E27FC236}">
-                <a16:creationId xmlns:a16="http://schemas.microsoft.com/office/drawing/2014/main" id="{EE860CC5-8250-9C5C-FD4D-A2B2A9493BF5}"/>
-              </a:ext>
-            </a:extLst>
-          </p:cNvPr>
-          <p:cNvCxnSpPr>
-            <a:stCxn id="62" idx="3"/>
-            <a:endCxn id="69" idx="1"/>
-          </p:cNvCxnSpPr>
-          <p:nvPr/>
-        </p:nvCxnSpPr>
-        <p:spPr>
-          <a:xfrm>
-            <a:off x="7329642" y="2909287"/>
-            <a:ext cx="600079" cy="0"/>
-          </a:xfrm>
-          <a:prstGeom prst="straightConnector1">
-            <a:avLst/>
-          </a:prstGeom>
-          <a:ln>
-            <a:tailEnd type="triangle"/>
-          </a:ln>
-        </p:spPr>
-        <p:style>
-          <a:lnRef idx="2">
-            <a:schemeClr val="dk1"/>
-          </a:lnRef>
-          <a:fillRef idx="0">
-            <a:schemeClr val="dk1"/>
-          </a:fillRef>
-          <a:effectRef idx="1">
-            <a:schemeClr val="dk1"/>
-          </a:effectRef>
-          <a:fontRef idx="minor">
-            <a:schemeClr val="tx1"/>
-          </a:fontRef>
-        </p:style>
-      </p:cxnSp>
-      <p:cxnSp>
-        <p:nvCxnSpPr>
-          <p:cNvPr id="71" name="Straight Arrow Connector 70">
-            <a:extLst>
-              <a:ext uri="{FF2B5EF4-FFF2-40B4-BE49-F238E27FC236}">
-                <a16:creationId xmlns:a16="http://schemas.microsoft.com/office/drawing/2014/main" id="{23FFCC05-02CC-447A-2940-213DCC0B906D}"/>
-              </a:ext>
-            </a:extLst>
-          </p:cNvPr>
-          <p:cNvCxnSpPr>
-            <a:cxnSpLocks/>
-            <a:stCxn id="69" idx="3"/>
-            <a:endCxn id="64" idx="1"/>
-          </p:cNvCxnSpPr>
-          <p:nvPr/>
-        </p:nvCxnSpPr>
-        <p:spPr>
-          <a:xfrm>
-            <a:off x="9274025" y="2909287"/>
-            <a:ext cx="600080" cy="0"/>
-          </a:xfrm>
-          <a:prstGeom prst="straightConnector1">
-            <a:avLst/>
-          </a:prstGeom>
-          <a:ln>
-            <a:tailEnd type="triangle"/>
-          </a:ln>
-        </p:spPr>
-        <p:style>
-          <a:lnRef idx="2">
-            <a:schemeClr val="dk1"/>
-          </a:lnRef>
-          <a:fillRef idx="0">
-            <a:schemeClr val="dk1"/>
-          </a:fillRef>
-          <a:effectRef idx="1">
+          <a:effectRef idx="2">
             <a:schemeClr val="dk1"/>
           </a:effectRef>
           <a:fontRef idx="minor">
@@ -7913,7 +7480,7 @@
         </p:nvSpPr>
         <p:spPr>
           <a:xfrm>
-            <a:off x="3077573" y="2872597"/>
+            <a:off x="3077573" y="2881833"/>
             <a:ext cx="1782170" cy="369332"/>
           </a:xfrm>
           <a:prstGeom prst="rect">
@@ -8448,27 +8015,207 @@
           </a:p>
         </p:txBody>
       </p:sp>
+      <p:sp>
+        <p:nvSpPr>
+          <p:cNvPr id="26" name="TextBox 25">
+            <a:extLst>
+              <a:ext uri="{FF2B5EF4-FFF2-40B4-BE49-F238E27FC236}">
+                <a16:creationId xmlns:a16="http://schemas.microsoft.com/office/drawing/2014/main" id="{2754FCE4-E189-9943-24CC-9485376AB372}"/>
+              </a:ext>
+            </a:extLst>
+          </p:cNvPr>
+          <p:cNvSpPr txBox="1"/>
+          <p:nvPr/>
+        </p:nvSpPr>
+        <p:spPr>
+          <a:xfrm>
+            <a:off x="7096984" y="2877819"/>
+            <a:ext cx="1701107" cy="369332"/>
+          </a:xfrm>
+          <a:prstGeom prst="rect">
+            <a:avLst/>
+          </a:prstGeom>
+          <a:noFill/>
+        </p:spPr>
+        <p:txBody>
+          <a:bodyPr wrap="none" rtlCol="0">
+            <a:spAutoFit/>
+          </a:bodyPr>
+          <a:lstStyle/>
+          <a:p>
+            <a:r>
+              <a:rPr lang="en-US" dirty="0">
+                <a:latin typeface="Courier New" panose="02070309020205020404" pitchFamily="49" charset="0"/>
+                <a:cs typeface="Courier New" panose="02070309020205020404" pitchFamily="49" charset="0"/>
+              </a:rPr>
+              <a:t>transform()</a:t>
+            </a:r>
+            <a:endParaRPr lang="en-NL" dirty="0">
+              <a:latin typeface="Courier New" panose="02070309020205020404" pitchFamily="49" charset="0"/>
+              <a:cs typeface="Courier New" panose="02070309020205020404" pitchFamily="49" charset="0"/>
+            </a:endParaRPr>
+          </a:p>
+        </p:txBody>
+      </p:sp>
+      <p:sp>
+        <p:nvSpPr>
+          <p:cNvPr id="29" name="TextBox 28">
+            <a:extLst>
+              <a:ext uri="{FF2B5EF4-FFF2-40B4-BE49-F238E27FC236}">
+                <a16:creationId xmlns:a16="http://schemas.microsoft.com/office/drawing/2014/main" id="{3B96C0EB-7058-74D5-FCDE-CF1CE696C866}"/>
+              </a:ext>
+            </a:extLst>
+          </p:cNvPr>
+          <p:cNvSpPr txBox="1"/>
+          <p:nvPr/>
+        </p:nvSpPr>
+        <p:spPr>
+          <a:xfrm>
+            <a:off x="887109" y="2646987"/>
+            <a:ext cx="402609" cy="1200329"/>
+          </a:xfrm>
+          <a:prstGeom prst="rect">
+            <a:avLst/>
+          </a:prstGeom>
+          <a:noFill/>
+        </p:spPr>
+        <p:txBody>
+          <a:bodyPr wrap="square" rtlCol="0">
+            <a:spAutoFit/>
+          </a:bodyPr>
+          <a:lstStyle/>
+          <a:p>
+            <a:r>
+              <a:rPr lang="en-US" dirty="0">
+                <a:latin typeface="Courier New" panose="02070309020205020404" pitchFamily="49" charset="0"/>
+                <a:cs typeface="Courier New" panose="02070309020205020404" pitchFamily="49" charset="0"/>
+              </a:rPr>
+              <a:t>6</a:t>
+            </a:r>
+          </a:p>
+          <a:p>
+            <a:r>
+              <a:rPr lang="en-US" dirty="0">
+                <a:latin typeface="Courier New" panose="02070309020205020404" pitchFamily="49" charset="0"/>
+                <a:cs typeface="Courier New" panose="02070309020205020404" pitchFamily="49" charset="0"/>
+              </a:rPr>
+              <a:t>1</a:t>
+            </a:r>
+          </a:p>
+          <a:p>
+            <a:r>
+              <a:rPr lang="en-US" dirty="0">
+                <a:latin typeface="Courier New" panose="02070309020205020404" pitchFamily="49" charset="0"/>
+                <a:cs typeface="Courier New" panose="02070309020205020404" pitchFamily="49" charset="0"/>
+              </a:rPr>
+              <a:t>4</a:t>
+            </a:r>
+          </a:p>
+          <a:p>
+            <a:r>
+              <a:rPr lang="en-US" dirty="0">
+                <a:latin typeface="Courier New" panose="02070309020205020404" pitchFamily="49" charset="0"/>
+                <a:cs typeface="Courier New" panose="02070309020205020404" pitchFamily="49" charset="0"/>
+              </a:rPr>
+              <a:t>3</a:t>
+            </a:r>
+            <a:endParaRPr lang="en-NL" dirty="0">
+              <a:latin typeface="Courier New" panose="02070309020205020404" pitchFamily="49" charset="0"/>
+              <a:cs typeface="Courier New" panose="02070309020205020404" pitchFamily="49" charset="0"/>
+            </a:endParaRPr>
+          </a:p>
+        </p:txBody>
+      </p:sp>
+      <p:sp>
+        <p:nvSpPr>
+          <p:cNvPr id="30" name="TextBox 29">
+            <a:extLst>
+              <a:ext uri="{FF2B5EF4-FFF2-40B4-BE49-F238E27FC236}">
+                <a16:creationId xmlns:a16="http://schemas.microsoft.com/office/drawing/2014/main" id="{64ECBD68-9822-B3E8-9EA5-61ED479607C7}"/>
+              </a:ext>
+            </a:extLst>
+          </p:cNvPr>
+          <p:cNvSpPr txBox="1"/>
+          <p:nvPr/>
+        </p:nvSpPr>
+        <p:spPr>
+          <a:xfrm>
+            <a:off x="10221155" y="1237670"/>
+            <a:ext cx="634812" cy="1200329"/>
+          </a:xfrm>
+          <a:prstGeom prst="rect">
+            <a:avLst/>
+          </a:prstGeom>
+          <a:noFill/>
+        </p:spPr>
+        <p:txBody>
+          <a:bodyPr wrap="square" rtlCol="0">
+            <a:spAutoFit/>
+          </a:bodyPr>
+          <a:lstStyle/>
+          <a:p>
+            <a:r>
+              <a:rPr lang="en-US" dirty="0">
+                <a:latin typeface="Courier New" panose="02070309020205020404" pitchFamily="49" charset="0"/>
+                <a:cs typeface="Courier New" panose="02070309020205020404" pitchFamily="49" charset="0"/>
+              </a:rPr>
+              <a:t>1</a:t>
+            </a:r>
+          </a:p>
+          <a:p>
+            <a:r>
+              <a:rPr lang="en-US" dirty="0">
+                <a:latin typeface="Courier New" panose="02070309020205020404" pitchFamily="49" charset="0"/>
+                <a:cs typeface="Courier New" panose="02070309020205020404" pitchFamily="49" charset="0"/>
+              </a:rPr>
+              <a:t>9</a:t>
+            </a:r>
+          </a:p>
+          <a:p>
+            <a:r>
+              <a:rPr lang="en-US" dirty="0">
+                <a:latin typeface="Courier New" panose="02070309020205020404" pitchFamily="49" charset="0"/>
+                <a:cs typeface="Courier New" panose="02070309020205020404" pitchFamily="49" charset="0"/>
+              </a:rPr>
+              <a:t>3</a:t>
+            </a:r>
+          </a:p>
+          <a:p>
+            <a:r>
+              <a:rPr lang="en-US" b="1" dirty="0">
+                <a:latin typeface="Courier New" panose="02070309020205020404" pitchFamily="49" charset="0"/>
+                <a:cs typeface="Courier New" panose="02070309020205020404" pitchFamily="49" charset="0"/>
+              </a:rPr>
+              <a:t>NA</a:t>
+            </a:r>
+            <a:endParaRPr lang="en-NL" b="1" dirty="0">
+              <a:latin typeface="Courier New" panose="02070309020205020404" pitchFamily="49" charset="0"/>
+              <a:cs typeface="Courier New" panose="02070309020205020404" pitchFamily="49" charset="0"/>
+            </a:endParaRPr>
+          </a:p>
+        </p:txBody>
+      </p:sp>
       <p:cxnSp>
         <p:nvCxnSpPr>
-          <p:cNvPr id="25" name="Straight Arrow Connector 24">
-            <a:extLst>
-              <a:ext uri="{FF2B5EF4-FFF2-40B4-BE49-F238E27FC236}">
-                <a16:creationId xmlns:a16="http://schemas.microsoft.com/office/drawing/2014/main" id="{41C66B95-50EC-FC89-87CD-5C6260FEBF92}"/>
+          <p:cNvPr id="6" name="Connector: Elbow 5">
+            <a:extLst>
+              <a:ext uri="{FF2B5EF4-FFF2-40B4-BE49-F238E27FC236}">
+                <a16:creationId xmlns:a16="http://schemas.microsoft.com/office/drawing/2014/main" id="{09574D46-336A-CC3A-1CC9-A86BECAE4736}"/>
               </a:ext>
             </a:extLst>
           </p:cNvPr>
           <p:cNvCxnSpPr>
-            <a:stCxn id="11" idx="1"/>
+            <a:stCxn id="11" idx="2"/>
             <a:endCxn id="10" idx="3"/>
           </p:cNvCxnSpPr>
           <p:nvPr/>
         </p:nvCxnSpPr>
         <p:spPr>
-          <a:xfrm flipH="1">
-            <a:off x="6647597" y="1844155"/>
-            <a:ext cx="1787855" cy="1409387"/>
+          <a:xfrm rot="5400000">
+            <a:off x="7634656" y="1561661"/>
+            <a:ext cx="704822" cy="2678940"/>
           </a:xfrm>
-          <a:prstGeom prst="straightConnector1">
+          <a:prstGeom prst="bentConnector2">
             <a:avLst/>
           </a:prstGeom>
           <a:ln>
@@ -8490,186 +8237,6 @@
           </a:fontRef>
         </p:style>
       </p:cxnSp>
-      <p:sp>
-        <p:nvSpPr>
-          <p:cNvPr id="26" name="TextBox 25">
-            <a:extLst>
-              <a:ext uri="{FF2B5EF4-FFF2-40B4-BE49-F238E27FC236}">
-                <a16:creationId xmlns:a16="http://schemas.microsoft.com/office/drawing/2014/main" id="{2754FCE4-E189-9943-24CC-9485376AB372}"/>
-              </a:ext>
-            </a:extLst>
-          </p:cNvPr>
-          <p:cNvSpPr txBox="1"/>
-          <p:nvPr/>
-        </p:nvSpPr>
-        <p:spPr>
-          <a:xfrm>
-            <a:off x="6096000" y="1965685"/>
-            <a:ext cx="1701107" cy="369332"/>
-          </a:xfrm>
-          <a:prstGeom prst="rect">
-            <a:avLst/>
-          </a:prstGeom>
-          <a:noFill/>
-        </p:spPr>
-        <p:txBody>
-          <a:bodyPr wrap="none" rtlCol="0">
-            <a:spAutoFit/>
-          </a:bodyPr>
-          <a:lstStyle/>
-          <a:p>
-            <a:r>
-              <a:rPr lang="en-US" dirty="0">
-                <a:latin typeface="Courier New" panose="02070309020205020404" pitchFamily="49" charset="0"/>
-                <a:cs typeface="Courier New" panose="02070309020205020404" pitchFamily="49" charset="0"/>
-              </a:rPr>
-              <a:t>transform()</a:t>
-            </a:r>
-            <a:endParaRPr lang="en-NL" dirty="0">
-              <a:latin typeface="Courier New" panose="02070309020205020404" pitchFamily="49" charset="0"/>
-              <a:cs typeface="Courier New" panose="02070309020205020404" pitchFamily="49" charset="0"/>
-            </a:endParaRPr>
-          </a:p>
-        </p:txBody>
-      </p:sp>
-      <p:sp>
-        <p:nvSpPr>
-          <p:cNvPr id="29" name="TextBox 28">
-            <a:extLst>
-              <a:ext uri="{FF2B5EF4-FFF2-40B4-BE49-F238E27FC236}">
-                <a16:creationId xmlns:a16="http://schemas.microsoft.com/office/drawing/2014/main" id="{3B96C0EB-7058-74D5-FCDE-CF1CE696C866}"/>
-              </a:ext>
-            </a:extLst>
-          </p:cNvPr>
-          <p:cNvSpPr txBox="1"/>
-          <p:nvPr/>
-        </p:nvSpPr>
-        <p:spPr>
-          <a:xfrm>
-            <a:off x="887109" y="2646987"/>
-            <a:ext cx="402609" cy="1200329"/>
-          </a:xfrm>
-          <a:prstGeom prst="rect">
-            <a:avLst/>
-          </a:prstGeom>
-          <a:noFill/>
-        </p:spPr>
-        <p:txBody>
-          <a:bodyPr wrap="square" rtlCol="0">
-            <a:spAutoFit/>
-          </a:bodyPr>
-          <a:lstStyle/>
-          <a:p>
-            <a:r>
-              <a:rPr lang="en-US" dirty="0">
-                <a:latin typeface="Courier New" panose="02070309020205020404" pitchFamily="49" charset="0"/>
-                <a:cs typeface="Courier New" panose="02070309020205020404" pitchFamily="49" charset="0"/>
-              </a:rPr>
-              <a:t>6</a:t>
-            </a:r>
-          </a:p>
-          <a:p>
-            <a:r>
-              <a:rPr lang="en-US" dirty="0">
-                <a:latin typeface="Courier New" panose="02070309020205020404" pitchFamily="49" charset="0"/>
-                <a:cs typeface="Courier New" panose="02070309020205020404" pitchFamily="49" charset="0"/>
-              </a:rPr>
-              <a:t>1</a:t>
-            </a:r>
-          </a:p>
-          <a:p>
-            <a:r>
-              <a:rPr lang="en-US" dirty="0">
-                <a:latin typeface="Courier New" panose="02070309020205020404" pitchFamily="49" charset="0"/>
-                <a:cs typeface="Courier New" panose="02070309020205020404" pitchFamily="49" charset="0"/>
-              </a:rPr>
-              <a:t>4</a:t>
-            </a:r>
-          </a:p>
-          <a:p>
-            <a:r>
-              <a:rPr lang="en-US" dirty="0">
-                <a:latin typeface="Courier New" panose="02070309020205020404" pitchFamily="49" charset="0"/>
-                <a:cs typeface="Courier New" panose="02070309020205020404" pitchFamily="49" charset="0"/>
-              </a:rPr>
-              <a:t>3</a:t>
-            </a:r>
-            <a:endParaRPr lang="en-NL" dirty="0">
-              <a:latin typeface="Courier New" panose="02070309020205020404" pitchFamily="49" charset="0"/>
-              <a:cs typeface="Courier New" panose="02070309020205020404" pitchFamily="49" charset="0"/>
-            </a:endParaRPr>
-          </a:p>
-        </p:txBody>
-      </p:sp>
-      <p:sp>
-        <p:nvSpPr>
-          <p:cNvPr id="30" name="TextBox 29">
-            <a:extLst>
-              <a:ext uri="{FF2B5EF4-FFF2-40B4-BE49-F238E27FC236}">
-                <a16:creationId xmlns:a16="http://schemas.microsoft.com/office/drawing/2014/main" id="{64ECBD68-9822-B3E8-9EA5-61ED479607C7}"/>
-              </a:ext>
-            </a:extLst>
-          </p:cNvPr>
-          <p:cNvSpPr txBox="1"/>
-          <p:nvPr/>
-        </p:nvSpPr>
-        <p:spPr>
-          <a:xfrm>
-            <a:off x="10221155" y="1237670"/>
-            <a:ext cx="634812" cy="1200329"/>
-          </a:xfrm>
-          <a:prstGeom prst="rect">
-            <a:avLst/>
-          </a:prstGeom>
-          <a:noFill/>
-        </p:spPr>
-        <p:txBody>
-          <a:bodyPr wrap="square" rtlCol="0">
-            <a:spAutoFit/>
-          </a:bodyPr>
-          <a:lstStyle/>
-          <a:p>
-            <a:r>
-              <a:rPr lang="en-US" dirty="0">
-                <a:latin typeface="Courier New" panose="02070309020205020404" pitchFamily="49" charset="0"/>
-                <a:cs typeface="Courier New" panose="02070309020205020404" pitchFamily="49" charset="0"/>
-              </a:rPr>
-              <a:t>1</a:t>
-            </a:r>
-          </a:p>
-          <a:p>
-            <a:r>
-              <a:rPr lang="en-US" dirty="0">
-                <a:latin typeface="Courier New" panose="02070309020205020404" pitchFamily="49" charset="0"/>
-                <a:cs typeface="Courier New" panose="02070309020205020404" pitchFamily="49" charset="0"/>
-              </a:rPr>
-              <a:t>9</a:t>
-            </a:r>
-          </a:p>
-          <a:p>
-            <a:r>
-              <a:rPr lang="en-US" dirty="0">
-                <a:latin typeface="Courier New" panose="02070309020205020404" pitchFamily="49" charset="0"/>
-                <a:cs typeface="Courier New" panose="02070309020205020404" pitchFamily="49" charset="0"/>
-              </a:rPr>
-              <a:t>3</a:t>
-            </a:r>
-          </a:p>
-          <a:p>
-            <a:r>
-              <a:rPr lang="en-US" b="1" dirty="0">
-                <a:latin typeface="Courier New" panose="02070309020205020404" pitchFamily="49" charset="0"/>
-                <a:cs typeface="Courier New" panose="02070309020205020404" pitchFamily="49" charset="0"/>
-              </a:rPr>
-              <a:t>NA</a:t>
-            </a:r>
-            <a:endParaRPr lang="en-NL" b="1" dirty="0">
-              <a:latin typeface="Courier New" panose="02070309020205020404" pitchFamily="49" charset="0"/>
-              <a:cs typeface="Courier New" panose="02070309020205020404" pitchFamily="49" charset="0"/>
-            </a:endParaRPr>
-          </a:p>
-        </p:txBody>
-      </p:sp>
     </p:spTree>
     <p:extLst>
       <p:ext uri="{BB962C8B-B14F-4D97-AF65-F5344CB8AC3E}">
@@ -8931,53 +8498,6 @@
             <a:r>
               <a:rPr lang="nl-NL" dirty="0"/>
               <a:t>data</a:t>
-            </a:r>
-          </a:p>
-        </p:txBody>
-      </p:sp>
-      <p:sp>
-        <p:nvSpPr>
-          <p:cNvPr id="15" name="Rectangle 14">
-            <a:extLst>
-              <a:ext uri="{FF2B5EF4-FFF2-40B4-BE49-F238E27FC236}">
-                <a16:creationId xmlns:a16="http://schemas.microsoft.com/office/drawing/2014/main" id="{5F19AC63-4E65-C8A0-90B6-155E6458E206}"/>
-              </a:ext>
-            </a:extLst>
-          </p:cNvPr>
-          <p:cNvSpPr/>
-          <p:nvPr/>
-        </p:nvSpPr>
-        <p:spPr>
-          <a:xfrm>
-            <a:off x="8435452" y="3958107"/>
-            <a:ext cx="1782170" cy="1409131"/>
-          </a:xfrm>
-          <a:prstGeom prst="rect">
-            <a:avLst/>
-          </a:prstGeom>
-        </p:spPr>
-        <p:style>
-          <a:lnRef idx="1">
-            <a:schemeClr val="accent6"/>
-          </a:lnRef>
-          <a:fillRef idx="2">
-            <a:schemeClr val="accent6"/>
-          </a:fillRef>
-          <a:effectRef idx="1">
-            <a:schemeClr val="accent6"/>
-          </a:effectRef>
-          <a:fontRef idx="minor">
-            <a:schemeClr val="dk1"/>
-          </a:fontRef>
-        </p:style>
-        <p:txBody>
-          <a:bodyPr rtlCol="0" anchor="ctr"/>
-          <a:lstStyle/>
-          <a:p>
-            <a:pPr algn="ctr"/>
-            <a:r>
-              <a:rPr lang="nl-NL" dirty="0"/>
-              <a:t>Geprepareerde data</a:t>
             </a:r>
           </a:p>
         </p:txBody>
@@ -9039,7 +8559,7 @@
         </p:nvSpPr>
         <p:spPr>
           <a:xfrm>
-            <a:off x="3083257" y="2872597"/>
+            <a:off x="3083257" y="2877819"/>
             <a:ext cx="1761128" cy="369332"/>
           </a:xfrm>
           <a:prstGeom prst="rect">
@@ -9111,27 +8631,207 @@
           </a:p>
         </p:txBody>
       </p:sp>
+      <p:sp>
+        <p:nvSpPr>
+          <p:cNvPr id="26" name="TextBox 25">
+            <a:extLst>
+              <a:ext uri="{FF2B5EF4-FFF2-40B4-BE49-F238E27FC236}">
+                <a16:creationId xmlns:a16="http://schemas.microsoft.com/office/drawing/2014/main" id="{2754FCE4-E189-9943-24CC-9485376AB372}"/>
+              </a:ext>
+            </a:extLst>
+          </p:cNvPr>
+          <p:cNvSpPr txBox="1"/>
+          <p:nvPr/>
+        </p:nvSpPr>
+        <p:spPr>
+          <a:xfrm>
+            <a:off x="7096984" y="2877819"/>
+            <a:ext cx="1701107" cy="369332"/>
+          </a:xfrm>
+          <a:prstGeom prst="rect">
+            <a:avLst/>
+          </a:prstGeom>
+          <a:noFill/>
+        </p:spPr>
+        <p:txBody>
+          <a:bodyPr wrap="none" rtlCol="0">
+            <a:spAutoFit/>
+          </a:bodyPr>
+          <a:lstStyle/>
+          <a:p>
+            <a:r>
+              <a:rPr lang="en-US" dirty="0">
+                <a:latin typeface="Courier New" panose="02070309020205020404" pitchFamily="49" charset="0"/>
+                <a:cs typeface="Courier New" panose="02070309020205020404" pitchFamily="49" charset="0"/>
+              </a:rPr>
+              <a:t>transform()</a:t>
+            </a:r>
+            <a:endParaRPr lang="en-NL" dirty="0">
+              <a:latin typeface="Courier New" panose="02070309020205020404" pitchFamily="49" charset="0"/>
+              <a:cs typeface="Courier New" panose="02070309020205020404" pitchFamily="49" charset="0"/>
+            </a:endParaRPr>
+          </a:p>
+        </p:txBody>
+      </p:sp>
+      <p:sp>
+        <p:nvSpPr>
+          <p:cNvPr id="29" name="TextBox 28">
+            <a:extLst>
+              <a:ext uri="{FF2B5EF4-FFF2-40B4-BE49-F238E27FC236}">
+                <a16:creationId xmlns:a16="http://schemas.microsoft.com/office/drawing/2014/main" id="{3B96C0EB-7058-74D5-FCDE-CF1CE696C866}"/>
+              </a:ext>
+            </a:extLst>
+          </p:cNvPr>
+          <p:cNvSpPr txBox="1"/>
+          <p:nvPr/>
+        </p:nvSpPr>
+        <p:spPr>
+          <a:xfrm>
+            <a:off x="887109" y="2646987"/>
+            <a:ext cx="402609" cy="1200329"/>
+          </a:xfrm>
+          <a:prstGeom prst="rect">
+            <a:avLst/>
+          </a:prstGeom>
+          <a:noFill/>
+        </p:spPr>
+        <p:txBody>
+          <a:bodyPr wrap="square" rtlCol="0">
+            <a:spAutoFit/>
+          </a:bodyPr>
+          <a:lstStyle/>
+          <a:p>
+            <a:r>
+              <a:rPr lang="en-US" dirty="0">
+                <a:latin typeface="Courier New" panose="02070309020205020404" pitchFamily="49" charset="0"/>
+                <a:cs typeface="Courier New" panose="02070309020205020404" pitchFamily="49" charset="0"/>
+              </a:rPr>
+              <a:t>6</a:t>
+            </a:r>
+          </a:p>
+          <a:p>
+            <a:r>
+              <a:rPr lang="en-US" dirty="0">
+                <a:latin typeface="Courier New" panose="02070309020205020404" pitchFamily="49" charset="0"/>
+                <a:cs typeface="Courier New" panose="02070309020205020404" pitchFamily="49" charset="0"/>
+              </a:rPr>
+              <a:t>1</a:t>
+            </a:r>
+          </a:p>
+          <a:p>
+            <a:r>
+              <a:rPr lang="en-US" dirty="0">
+                <a:latin typeface="Courier New" panose="02070309020205020404" pitchFamily="49" charset="0"/>
+                <a:cs typeface="Courier New" panose="02070309020205020404" pitchFamily="49" charset="0"/>
+              </a:rPr>
+              <a:t>4</a:t>
+            </a:r>
+          </a:p>
+          <a:p>
+            <a:r>
+              <a:rPr lang="en-US" dirty="0">
+                <a:latin typeface="Courier New" panose="02070309020205020404" pitchFamily="49" charset="0"/>
+                <a:cs typeface="Courier New" panose="02070309020205020404" pitchFamily="49" charset="0"/>
+              </a:rPr>
+              <a:t>3</a:t>
+            </a:r>
+            <a:endParaRPr lang="en-NL" dirty="0">
+              <a:latin typeface="Courier New" panose="02070309020205020404" pitchFamily="49" charset="0"/>
+              <a:cs typeface="Courier New" panose="02070309020205020404" pitchFamily="49" charset="0"/>
+            </a:endParaRPr>
+          </a:p>
+        </p:txBody>
+      </p:sp>
+      <p:sp>
+        <p:nvSpPr>
+          <p:cNvPr id="30" name="TextBox 29">
+            <a:extLst>
+              <a:ext uri="{FF2B5EF4-FFF2-40B4-BE49-F238E27FC236}">
+                <a16:creationId xmlns:a16="http://schemas.microsoft.com/office/drawing/2014/main" id="{64ECBD68-9822-B3E8-9EA5-61ED479607C7}"/>
+              </a:ext>
+            </a:extLst>
+          </p:cNvPr>
+          <p:cNvSpPr txBox="1"/>
+          <p:nvPr/>
+        </p:nvSpPr>
+        <p:spPr>
+          <a:xfrm>
+            <a:off x="10221155" y="1237670"/>
+            <a:ext cx="634812" cy="1200329"/>
+          </a:xfrm>
+          <a:prstGeom prst="rect">
+            <a:avLst/>
+          </a:prstGeom>
+          <a:noFill/>
+        </p:spPr>
+        <p:txBody>
+          <a:bodyPr wrap="square" rtlCol="0">
+            <a:spAutoFit/>
+          </a:bodyPr>
+          <a:lstStyle/>
+          <a:p>
+            <a:r>
+              <a:rPr lang="en-US" dirty="0">
+                <a:latin typeface="Courier New" panose="02070309020205020404" pitchFamily="49" charset="0"/>
+                <a:cs typeface="Courier New" panose="02070309020205020404" pitchFamily="49" charset="0"/>
+              </a:rPr>
+              <a:t>1</a:t>
+            </a:r>
+          </a:p>
+          <a:p>
+            <a:r>
+              <a:rPr lang="en-US" dirty="0">
+                <a:latin typeface="Courier New" panose="02070309020205020404" pitchFamily="49" charset="0"/>
+                <a:cs typeface="Courier New" panose="02070309020205020404" pitchFamily="49" charset="0"/>
+              </a:rPr>
+              <a:t>9</a:t>
+            </a:r>
+          </a:p>
+          <a:p>
+            <a:r>
+              <a:rPr lang="en-US" dirty="0">
+                <a:latin typeface="Courier New" panose="02070309020205020404" pitchFamily="49" charset="0"/>
+                <a:cs typeface="Courier New" panose="02070309020205020404" pitchFamily="49" charset="0"/>
+              </a:rPr>
+              <a:t>3</a:t>
+            </a:r>
+          </a:p>
+          <a:p>
+            <a:r>
+              <a:rPr lang="en-US" b="1" dirty="0">
+                <a:latin typeface="Courier New" panose="02070309020205020404" pitchFamily="49" charset="0"/>
+                <a:cs typeface="Courier New" panose="02070309020205020404" pitchFamily="49" charset="0"/>
+              </a:rPr>
+              <a:t>NA</a:t>
+            </a:r>
+            <a:endParaRPr lang="en-NL" b="1" dirty="0">
+              <a:latin typeface="Courier New" panose="02070309020205020404" pitchFamily="49" charset="0"/>
+              <a:cs typeface="Courier New" panose="02070309020205020404" pitchFamily="49" charset="0"/>
+            </a:endParaRPr>
+          </a:p>
+        </p:txBody>
+      </p:sp>
       <p:cxnSp>
         <p:nvCxnSpPr>
-          <p:cNvPr id="25" name="Straight Arrow Connector 24">
-            <a:extLst>
-              <a:ext uri="{FF2B5EF4-FFF2-40B4-BE49-F238E27FC236}">
-                <a16:creationId xmlns:a16="http://schemas.microsoft.com/office/drawing/2014/main" id="{41C66B95-50EC-FC89-87CD-5C6260FEBF92}"/>
+          <p:cNvPr id="6" name="Connector: Elbow 5">
+            <a:extLst>
+              <a:ext uri="{FF2B5EF4-FFF2-40B4-BE49-F238E27FC236}">
+                <a16:creationId xmlns:a16="http://schemas.microsoft.com/office/drawing/2014/main" id="{09574D46-336A-CC3A-1CC9-A86BECAE4736}"/>
               </a:ext>
             </a:extLst>
           </p:cNvPr>
           <p:cNvCxnSpPr>
-            <a:stCxn id="11" idx="1"/>
+            <a:stCxn id="11" idx="2"/>
             <a:endCxn id="10" idx="3"/>
           </p:cNvCxnSpPr>
           <p:nvPr/>
         </p:nvCxnSpPr>
         <p:spPr>
-          <a:xfrm flipH="1">
-            <a:off x="6647597" y="1844155"/>
-            <a:ext cx="1787855" cy="1409387"/>
+          <a:xfrm rot="5400000">
+            <a:off x="7634656" y="1561661"/>
+            <a:ext cx="704822" cy="2678940"/>
           </a:xfrm>
-          <a:prstGeom prst="straightConnector1">
+          <a:prstGeom prst="bentConnector2">
             <a:avLst/>
           </a:prstGeom>
           <a:ln>
@@ -9155,10 +8855,57 @@
       </p:cxnSp>
       <p:sp>
         <p:nvSpPr>
-          <p:cNvPr id="26" name="TextBox 25">
-            <a:extLst>
-              <a:ext uri="{FF2B5EF4-FFF2-40B4-BE49-F238E27FC236}">
-                <a16:creationId xmlns:a16="http://schemas.microsoft.com/office/drawing/2014/main" id="{2754FCE4-E189-9943-24CC-9485376AB372}"/>
+          <p:cNvPr id="5" name="Rectangle 4">
+            <a:extLst>
+              <a:ext uri="{FF2B5EF4-FFF2-40B4-BE49-F238E27FC236}">
+                <a16:creationId xmlns:a16="http://schemas.microsoft.com/office/drawing/2014/main" id="{B793CC53-53C1-2781-AE3E-B5DC0BC95358}"/>
+              </a:ext>
+            </a:extLst>
+          </p:cNvPr>
+          <p:cNvSpPr/>
+          <p:nvPr/>
+        </p:nvSpPr>
+        <p:spPr>
+          <a:xfrm>
+            <a:off x="8435452" y="3958107"/>
+            <a:ext cx="1782170" cy="1409131"/>
+          </a:xfrm>
+          <a:prstGeom prst="rect">
+            <a:avLst/>
+          </a:prstGeom>
+        </p:spPr>
+        <p:style>
+          <a:lnRef idx="1">
+            <a:schemeClr val="accent6"/>
+          </a:lnRef>
+          <a:fillRef idx="2">
+            <a:schemeClr val="accent6"/>
+          </a:fillRef>
+          <a:effectRef idx="1">
+            <a:schemeClr val="accent6"/>
+          </a:effectRef>
+          <a:fontRef idx="minor">
+            <a:schemeClr val="dk1"/>
+          </a:fontRef>
+        </p:style>
+        <p:txBody>
+          <a:bodyPr rtlCol="0" anchor="ctr"/>
+          <a:lstStyle/>
+          <a:p>
+            <a:pPr algn="ctr"/>
+            <a:r>
+              <a:rPr lang="nl-NL" dirty="0"/>
+              <a:t>Geprepareerde data</a:t>
+            </a:r>
+          </a:p>
+        </p:txBody>
+      </p:sp>
+      <p:sp>
+        <p:nvSpPr>
+          <p:cNvPr id="7" name="TextBox 6">
+            <a:extLst>
+              <a:ext uri="{FF2B5EF4-FFF2-40B4-BE49-F238E27FC236}">
+                <a16:creationId xmlns:a16="http://schemas.microsoft.com/office/drawing/2014/main" id="{251BE889-4FEB-1B2B-65F2-F400EFCC0584}"/>
               </a:ext>
             </a:extLst>
           </p:cNvPr>
@@ -9167,8 +8914,8 @@
         </p:nvSpPr>
         <p:spPr>
           <a:xfrm>
-            <a:off x="6096000" y="1965685"/>
-            <a:ext cx="1701107" cy="369332"/>
+            <a:off x="10230129" y="4062507"/>
+            <a:ext cx="634812" cy="1200329"/>
           </a:xfrm>
           <a:prstGeom prst="rect">
             <a:avLst/>
@@ -9176,7 +8923,7 @@
           <a:noFill/>
         </p:spPr>
         <p:txBody>
-          <a:bodyPr wrap="none" rtlCol="0">
+          <a:bodyPr wrap="square" rtlCol="0">
             <a:spAutoFit/>
           </a:bodyPr>
           <a:lstStyle/>
@@ -9186,9 +8933,36 @@
                 <a:latin typeface="Courier New" panose="02070309020205020404" pitchFamily="49" charset="0"/>
                 <a:cs typeface="Courier New" panose="02070309020205020404" pitchFamily="49" charset="0"/>
               </a:rPr>
-              <a:t>transform()</a:t>
-            </a:r>
-            <a:endParaRPr lang="en-NL" dirty="0">
+              <a:t>1</a:t>
+            </a:r>
+          </a:p>
+          <a:p>
+            <a:r>
+              <a:rPr lang="en-US" dirty="0">
+                <a:latin typeface="Courier New" panose="02070309020205020404" pitchFamily="49" charset="0"/>
+                <a:cs typeface="Courier New" panose="02070309020205020404" pitchFamily="49" charset="0"/>
+              </a:rPr>
+              <a:t>9</a:t>
+            </a:r>
+          </a:p>
+          <a:p>
+            <a:r>
+              <a:rPr lang="en-US" dirty="0">
+                <a:latin typeface="Courier New" panose="02070309020205020404" pitchFamily="49" charset="0"/>
+                <a:cs typeface="Courier New" panose="02070309020205020404" pitchFamily="49" charset="0"/>
+              </a:rPr>
+              <a:t>3</a:t>
+            </a:r>
+          </a:p>
+          <a:p>
+            <a:r>
+              <a:rPr lang="en-US" b="1" dirty="0">
+                <a:latin typeface="Courier New" panose="02070309020205020404" pitchFamily="49" charset="0"/>
+                <a:cs typeface="Courier New" panose="02070309020205020404" pitchFamily="49" charset="0"/>
+              </a:rPr>
+              <a:t>3.5</a:t>
+            </a:r>
+            <a:endParaRPr lang="en-NL" b="1" dirty="0">
               <a:latin typeface="Courier New" panose="02070309020205020404" pitchFamily="49" charset="0"/>
               <a:cs typeface="Courier New" panose="02070309020205020404" pitchFamily="49" charset="0"/>
             </a:endParaRPr>
@@ -9197,25 +8971,25 @@
       </p:sp>
       <p:cxnSp>
         <p:nvCxnSpPr>
-          <p:cNvPr id="28" name="Straight Arrow Connector 27">
-            <a:extLst>
-              <a:ext uri="{FF2B5EF4-FFF2-40B4-BE49-F238E27FC236}">
-                <a16:creationId xmlns:a16="http://schemas.microsoft.com/office/drawing/2014/main" id="{C5AAE9E9-1CB7-6429-6343-3554A13094E4}"/>
+          <p:cNvPr id="9" name="Connector: Elbow 8">
+            <a:extLst>
+              <a:ext uri="{FF2B5EF4-FFF2-40B4-BE49-F238E27FC236}">
+                <a16:creationId xmlns:a16="http://schemas.microsoft.com/office/drawing/2014/main" id="{534F728D-8F84-B342-23D1-713274B7616F}"/>
               </a:ext>
             </a:extLst>
           </p:cNvPr>
           <p:cNvCxnSpPr>
             <a:stCxn id="10" idx="3"/>
-            <a:endCxn id="15" idx="1"/>
+            <a:endCxn id="5" idx="0"/>
           </p:cNvCxnSpPr>
           <p:nvPr/>
         </p:nvCxnSpPr>
         <p:spPr>
           <a:xfrm>
             <a:off x="6647597" y="3253542"/>
-            <a:ext cx="1787855" cy="1409131"/>
+            <a:ext cx="2678940" cy="704565"/>
           </a:xfrm>
-          <a:prstGeom prst="straightConnector1">
+          <a:prstGeom prst="bentConnector2">
             <a:avLst/>
           </a:prstGeom>
           <a:ln>
@@ -9237,217 +9011,10 @@
           </a:fontRef>
         </p:style>
       </p:cxnSp>
-      <p:sp>
-        <p:nvSpPr>
-          <p:cNvPr id="29" name="TextBox 28">
-            <a:extLst>
-              <a:ext uri="{FF2B5EF4-FFF2-40B4-BE49-F238E27FC236}">
-                <a16:creationId xmlns:a16="http://schemas.microsoft.com/office/drawing/2014/main" id="{3B96C0EB-7058-74D5-FCDE-CF1CE696C866}"/>
-              </a:ext>
-            </a:extLst>
-          </p:cNvPr>
-          <p:cNvSpPr txBox="1"/>
-          <p:nvPr/>
-        </p:nvSpPr>
-        <p:spPr>
-          <a:xfrm>
-            <a:off x="887109" y="2646987"/>
-            <a:ext cx="402609" cy="1200329"/>
-          </a:xfrm>
-          <a:prstGeom prst="rect">
-            <a:avLst/>
-          </a:prstGeom>
-          <a:noFill/>
-        </p:spPr>
-        <p:txBody>
-          <a:bodyPr wrap="square" rtlCol="0">
-            <a:spAutoFit/>
-          </a:bodyPr>
-          <a:lstStyle/>
-          <a:p>
-            <a:r>
-              <a:rPr lang="en-US" dirty="0">
-                <a:latin typeface="Courier New" panose="02070309020205020404" pitchFamily="49" charset="0"/>
-                <a:cs typeface="Courier New" panose="02070309020205020404" pitchFamily="49" charset="0"/>
-              </a:rPr>
-              <a:t>6</a:t>
-            </a:r>
-          </a:p>
-          <a:p>
-            <a:r>
-              <a:rPr lang="en-US" dirty="0">
-                <a:latin typeface="Courier New" panose="02070309020205020404" pitchFamily="49" charset="0"/>
-                <a:cs typeface="Courier New" panose="02070309020205020404" pitchFamily="49" charset="0"/>
-              </a:rPr>
-              <a:t>1</a:t>
-            </a:r>
-          </a:p>
-          <a:p>
-            <a:r>
-              <a:rPr lang="en-US" dirty="0">
-                <a:latin typeface="Courier New" panose="02070309020205020404" pitchFamily="49" charset="0"/>
-                <a:cs typeface="Courier New" panose="02070309020205020404" pitchFamily="49" charset="0"/>
-              </a:rPr>
-              <a:t>4</a:t>
-            </a:r>
-          </a:p>
-          <a:p>
-            <a:r>
-              <a:rPr lang="en-US" dirty="0">
-                <a:latin typeface="Courier New" panose="02070309020205020404" pitchFamily="49" charset="0"/>
-                <a:cs typeface="Courier New" panose="02070309020205020404" pitchFamily="49" charset="0"/>
-              </a:rPr>
-              <a:t>3</a:t>
-            </a:r>
-            <a:endParaRPr lang="en-NL" dirty="0">
-              <a:latin typeface="Courier New" panose="02070309020205020404" pitchFamily="49" charset="0"/>
-              <a:cs typeface="Courier New" panose="02070309020205020404" pitchFamily="49" charset="0"/>
-            </a:endParaRPr>
-          </a:p>
-        </p:txBody>
-      </p:sp>
-      <p:sp>
-        <p:nvSpPr>
-          <p:cNvPr id="30" name="TextBox 29">
-            <a:extLst>
-              <a:ext uri="{FF2B5EF4-FFF2-40B4-BE49-F238E27FC236}">
-                <a16:creationId xmlns:a16="http://schemas.microsoft.com/office/drawing/2014/main" id="{64ECBD68-9822-B3E8-9EA5-61ED479607C7}"/>
-              </a:ext>
-            </a:extLst>
-          </p:cNvPr>
-          <p:cNvSpPr txBox="1"/>
-          <p:nvPr/>
-        </p:nvSpPr>
-        <p:spPr>
-          <a:xfrm>
-            <a:off x="10221155" y="1237670"/>
-            <a:ext cx="634812" cy="1200329"/>
-          </a:xfrm>
-          <a:prstGeom prst="rect">
-            <a:avLst/>
-          </a:prstGeom>
-          <a:noFill/>
-        </p:spPr>
-        <p:txBody>
-          <a:bodyPr wrap="square" rtlCol="0">
-            <a:spAutoFit/>
-          </a:bodyPr>
-          <a:lstStyle/>
-          <a:p>
-            <a:r>
-              <a:rPr lang="en-US" dirty="0">
-                <a:latin typeface="Courier New" panose="02070309020205020404" pitchFamily="49" charset="0"/>
-                <a:cs typeface="Courier New" panose="02070309020205020404" pitchFamily="49" charset="0"/>
-              </a:rPr>
-              <a:t>1</a:t>
-            </a:r>
-          </a:p>
-          <a:p>
-            <a:r>
-              <a:rPr lang="en-US" dirty="0">
-                <a:latin typeface="Courier New" panose="02070309020205020404" pitchFamily="49" charset="0"/>
-                <a:cs typeface="Courier New" panose="02070309020205020404" pitchFamily="49" charset="0"/>
-              </a:rPr>
-              <a:t>9</a:t>
-            </a:r>
-          </a:p>
-          <a:p>
-            <a:r>
-              <a:rPr lang="en-US" dirty="0">
-                <a:latin typeface="Courier New" panose="02070309020205020404" pitchFamily="49" charset="0"/>
-                <a:cs typeface="Courier New" panose="02070309020205020404" pitchFamily="49" charset="0"/>
-              </a:rPr>
-              <a:t>3</a:t>
-            </a:r>
-          </a:p>
-          <a:p>
-            <a:r>
-              <a:rPr lang="en-US" b="1" dirty="0">
-                <a:latin typeface="Courier New" panose="02070309020205020404" pitchFamily="49" charset="0"/>
-                <a:cs typeface="Courier New" panose="02070309020205020404" pitchFamily="49" charset="0"/>
-              </a:rPr>
-              <a:t>NA</a:t>
-            </a:r>
-            <a:endParaRPr lang="en-NL" b="1" dirty="0">
-              <a:latin typeface="Courier New" panose="02070309020205020404" pitchFamily="49" charset="0"/>
-              <a:cs typeface="Courier New" panose="02070309020205020404" pitchFamily="49" charset="0"/>
-            </a:endParaRPr>
-          </a:p>
-        </p:txBody>
-      </p:sp>
-      <p:sp>
-        <p:nvSpPr>
-          <p:cNvPr id="31" name="TextBox 30">
-            <a:extLst>
-              <a:ext uri="{FF2B5EF4-FFF2-40B4-BE49-F238E27FC236}">
-                <a16:creationId xmlns:a16="http://schemas.microsoft.com/office/drawing/2014/main" id="{3E6835ED-73FD-3D73-F92A-10434B28712B}"/>
-              </a:ext>
-            </a:extLst>
-          </p:cNvPr>
-          <p:cNvSpPr txBox="1"/>
-          <p:nvPr/>
-        </p:nvSpPr>
-        <p:spPr>
-          <a:xfrm>
-            <a:off x="10230129" y="4062507"/>
-            <a:ext cx="634812" cy="1200329"/>
-          </a:xfrm>
-          <a:prstGeom prst="rect">
-            <a:avLst/>
-          </a:prstGeom>
-          <a:noFill/>
-        </p:spPr>
-        <p:txBody>
-          <a:bodyPr wrap="square" rtlCol="0">
-            <a:spAutoFit/>
-          </a:bodyPr>
-          <a:lstStyle/>
-          <a:p>
-            <a:r>
-              <a:rPr lang="en-US" dirty="0">
-                <a:latin typeface="Courier New" panose="02070309020205020404" pitchFamily="49" charset="0"/>
-                <a:cs typeface="Courier New" panose="02070309020205020404" pitchFamily="49" charset="0"/>
-              </a:rPr>
-              <a:t>1</a:t>
-            </a:r>
-          </a:p>
-          <a:p>
-            <a:r>
-              <a:rPr lang="en-US" dirty="0">
-                <a:latin typeface="Courier New" panose="02070309020205020404" pitchFamily="49" charset="0"/>
-                <a:cs typeface="Courier New" panose="02070309020205020404" pitchFamily="49" charset="0"/>
-              </a:rPr>
-              <a:t>9</a:t>
-            </a:r>
-          </a:p>
-          <a:p>
-            <a:r>
-              <a:rPr lang="en-US" dirty="0">
-                <a:latin typeface="Courier New" panose="02070309020205020404" pitchFamily="49" charset="0"/>
-                <a:cs typeface="Courier New" panose="02070309020205020404" pitchFamily="49" charset="0"/>
-              </a:rPr>
-              <a:t>3</a:t>
-            </a:r>
-          </a:p>
-          <a:p>
-            <a:r>
-              <a:rPr lang="en-US" b="1" dirty="0">
-                <a:latin typeface="Courier New" panose="02070309020205020404" pitchFamily="49" charset="0"/>
-                <a:cs typeface="Courier New" panose="02070309020205020404" pitchFamily="49" charset="0"/>
-              </a:rPr>
-              <a:t>3.5</a:t>
-            </a:r>
-            <a:endParaRPr lang="en-NL" b="1" dirty="0">
-              <a:latin typeface="Courier New" panose="02070309020205020404" pitchFamily="49" charset="0"/>
-              <a:cs typeface="Courier New" panose="02070309020205020404" pitchFamily="49" charset="0"/>
-            </a:endParaRPr>
-          </a:p>
-        </p:txBody>
-      </p:sp>
     </p:spTree>
     <p:extLst>
       <p:ext uri="{BB962C8B-B14F-4D97-AF65-F5344CB8AC3E}">
-        <p14:creationId xmlns:p14="http://schemas.microsoft.com/office/powerpoint/2010/main" val="2268189242"/>
+        <p14:creationId xmlns:p14="http://schemas.microsoft.com/office/powerpoint/2010/main" val="2190608810"/>
       </p:ext>
     </p:extLst>
   </p:cSld>
@@ -22323,7 +21890,7 @@
           <a:p>
             <a:r>
               <a:rPr lang="nl-NL" sz="3600" noProof="0" dirty="0"/>
-              <a:t>Overzicht ML landschap</a:t>
+              <a:t>Overzicht frameworks</a:t>
             </a:r>
           </a:p>
         </p:txBody>
@@ -30214,7 +29781,7 @@
           <a:p>
             <a:r>
               <a:rPr lang="nl-NL" sz="3600" noProof="0" dirty="0"/>
-              <a:t>Overzicht ML landschap</a:t>
+              <a:t>Overzicht frameworks</a:t>
             </a:r>
           </a:p>
         </p:txBody>
@@ -31080,7 +30647,7 @@
           <a:p>
             <a:r>
               <a:rPr lang="nl-NL" sz="3600" dirty="0"/>
-              <a:t>Wekwijze </a:t>
+              <a:t>Werkwijze </a:t>
             </a:r>
             <a:r>
               <a:rPr lang="nl-NL" sz="3600" noProof="0" dirty="0"/>
@@ -31337,15 +30904,7 @@
           <a:p>
             <a:r>
               <a:rPr lang="nl-NL" sz="3600" noProof="0" dirty="0"/>
-              <a:t>Opzet </a:t>
-            </a:r>
-            <a:r>
-              <a:rPr lang="nl-NL" sz="3600" noProof="0" dirty="0" err="1"/>
-              <a:t>scikit-learn</a:t>
-            </a:r>
-            <a:r>
-              <a:rPr lang="nl-NL" sz="3600" noProof="0" dirty="0"/>
-              <a:t> API</a:t>
+              <a:t>Modules scikit-learn API</a:t>
             </a:r>
           </a:p>
         </p:txBody>

--- a/python_course/4_scikit_learn/python_cursus_4.pptx
+++ b/python_course/4_scikit_learn/python_cursus_4.pptx
@@ -1154,7 +1154,7 @@
           <a:p>
             <a:fld id="{6F54D322-06CD-4C3F-9549-759BC5FDB94E}" type="datetimeFigureOut">
               <a:rPr lang="nl-NL" smtClean="0"/>
-              <a:t>10-9-2024</a:t>
+              <a:t>16-9-2024</a:t>
             </a:fld>
             <a:endParaRPr lang="nl-NL"/>
           </a:p>
@@ -1468,9 +1468,9 @@
           <a:p>
             <a:r>
               <a:rPr lang="en-US" dirty="0"/>
-              <a:t>1_transformers.ipynb</a:t>
-            </a:r>
-            <a:endParaRPr lang="nl-NL" dirty="0"/>
+              <a:t>Notebook: 1_transformers</a:t>
+            </a:r>
+            <a:endParaRPr lang="en-NL" dirty="0"/>
           </a:p>
         </p:txBody>
       </p:sp>
@@ -1491,7 +1491,7 @@
           <a:p>
             <a:fld id="{E65DFEEA-F20E-4282-B486-E48C3273787F}" type="slidenum">
               <a:rPr lang="nl-NL" smtClean="0"/>
-              <a:t>16</a:t>
+              <a:t>15</a:t>
             </a:fld>
             <a:endParaRPr lang="nl-NL"/>
           </a:p>
@@ -1500,7 +1500,7 @@
     </p:spTree>
     <p:extLst>
       <p:ext uri="{BB962C8B-B14F-4D97-AF65-F5344CB8AC3E}">
-        <p14:creationId xmlns:p14="http://schemas.microsoft.com/office/powerpoint/2010/main" val="346737877"/>
+        <p14:creationId xmlns:p14="http://schemas.microsoft.com/office/powerpoint/2010/main" val="2326409297"/>
       </p:ext>
     </p:extLst>
   </p:cSld>
@@ -1556,7 +1556,7 @@
           <a:p>
             <a:r>
               <a:rPr lang="en-US" dirty="0"/>
-              <a:t>2_modelling.ipynb</a:t>
+              <a:t>1_transformers.ipynb</a:t>
             </a:r>
             <a:endParaRPr lang="nl-NL" dirty="0"/>
           </a:p>
@@ -1579,6 +1579,94 @@
           <a:p>
             <a:fld id="{E65DFEEA-F20E-4282-B486-E48C3273787F}" type="slidenum">
               <a:rPr lang="nl-NL" smtClean="0"/>
+              <a:t>16</a:t>
+            </a:fld>
+            <a:endParaRPr lang="nl-NL"/>
+          </a:p>
+        </p:txBody>
+      </p:sp>
+    </p:spTree>
+    <p:extLst>
+      <p:ext uri="{BB962C8B-B14F-4D97-AF65-F5344CB8AC3E}">
+        <p14:creationId xmlns:p14="http://schemas.microsoft.com/office/powerpoint/2010/main" val="346737877"/>
+      </p:ext>
+    </p:extLst>
+  </p:cSld>
+  <p:clrMapOvr>
+    <a:masterClrMapping/>
+  </p:clrMapOvr>
+</p:notes>
+</file>
+
+<file path=ppt/notesSlides/notesSlide3.xml><?xml version="1.0" encoding="utf-8"?>
+<p:notes xmlns:a="http://schemas.openxmlformats.org/drawingml/2006/main" xmlns:r="http://schemas.openxmlformats.org/officeDocument/2006/relationships" xmlns:p="http://schemas.openxmlformats.org/presentationml/2006/main">
+  <p:cSld>
+    <p:spTree>
+      <p:nvGrpSpPr>
+        <p:cNvPr id="1" name=""/>
+        <p:cNvGrpSpPr/>
+        <p:nvPr/>
+      </p:nvGrpSpPr>
+      <p:grpSpPr>
+        <a:xfrm>
+          <a:off x="0" y="0"/>
+          <a:ext cx="0" cy="0"/>
+          <a:chOff x="0" y="0"/>
+          <a:chExt cx="0" cy="0"/>
+        </a:xfrm>
+      </p:grpSpPr>
+      <p:sp>
+        <p:nvSpPr>
+          <p:cNvPr id="2" name="Slide Image Placeholder 1"/>
+          <p:cNvSpPr>
+            <a:spLocks noGrp="1" noRot="1" noChangeAspect="1"/>
+          </p:cNvSpPr>
+          <p:nvPr>
+            <p:ph type="sldImg"/>
+          </p:nvPr>
+        </p:nvSpPr>
+        <p:spPr/>
+      </p:sp>
+      <p:sp>
+        <p:nvSpPr>
+          <p:cNvPr id="3" name="Notes Placeholder 2"/>
+          <p:cNvSpPr>
+            <a:spLocks noGrp="1"/>
+          </p:cNvSpPr>
+          <p:nvPr>
+            <p:ph type="body" idx="1"/>
+          </p:nvPr>
+        </p:nvSpPr>
+        <p:spPr/>
+        <p:txBody>
+          <a:bodyPr/>
+          <a:lstStyle/>
+          <a:p>
+            <a:r>
+              <a:rPr lang="en-US" dirty="0"/>
+              <a:t>2_modelling.ipynb</a:t>
+            </a:r>
+            <a:endParaRPr lang="nl-NL" dirty="0"/>
+          </a:p>
+        </p:txBody>
+      </p:sp>
+      <p:sp>
+        <p:nvSpPr>
+          <p:cNvPr id="4" name="Slide Number Placeholder 3"/>
+          <p:cNvSpPr>
+            <a:spLocks noGrp="1"/>
+          </p:cNvSpPr>
+          <p:nvPr>
+            <p:ph type="sldNum" sz="quarter" idx="5"/>
+          </p:nvPr>
+        </p:nvSpPr>
+        <p:spPr/>
+        <p:txBody>
+          <a:bodyPr/>
+          <a:lstStyle/>
+          <a:p>
+            <a:fld id="{E65DFEEA-F20E-4282-B486-E48C3273787F}" type="slidenum">
+              <a:rPr lang="nl-NL" smtClean="0"/>
               <a:t>24</a:t>
             </a:fld>
             <a:endParaRPr lang="nl-NL"/>
@@ -1598,7 +1686,7 @@
 </p:notes>
 </file>
 
-<file path=ppt/notesSlides/notesSlide3.xml><?xml version="1.0" encoding="utf-8"?>
+<file path=ppt/notesSlides/notesSlide4.xml><?xml version="1.0" encoding="utf-8"?>
 <p:notes xmlns:a="http://schemas.openxmlformats.org/drawingml/2006/main" xmlns:r="http://schemas.openxmlformats.org/officeDocument/2006/relationships" xmlns:p="http://schemas.openxmlformats.org/presentationml/2006/main">
   <p:cSld>
     <p:spTree>
@@ -1835,7 +1923,7 @@
           <a:p>
             <a:fld id="{5E9D55AD-DA6B-4A9D-BFE6-D0A1673E6EA9}" type="datetimeFigureOut">
               <a:rPr lang="en-NL" smtClean="0"/>
-              <a:t>10/09/2024</a:t>
+              <a:t>16/09/2024</a:t>
             </a:fld>
             <a:endParaRPr lang="en-NL"/>
           </a:p>
@@ -2035,7 +2123,7 @@
           <a:p>
             <a:fld id="{5E9D55AD-DA6B-4A9D-BFE6-D0A1673E6EA9}" type="datetimeFigureOut">
               <a:rPr lang="en-NL" smtClean="0"/>
-              <a:t>10/09/2024</a:t>
+              <a:t>16/09/2024</a:t>
             </a:fld>
             <a:endParaRPr lang="en-NL"/>
           </a:p>
@@ -2245,7 +2333,7 @@
           <a:p>
             <a:fld id="{5E9D55AD-DA6B-4A9D-BFE6-D0A1673E6EA9}" type="datetimeFigureOut">
               <a:rPr lang="en-NL" smtClean="0"/>
-              <a:t>10/09/2024</a:t>
+              <a:t>16/09/2024</a:t>
             </a:fld>
             <a:endParaRPr lang="en-NL"/>
           </a:p>
@@ -2445,7 +2533,7 @@
           <a:p>
             <a:fld id="{5E9D55AD-DA6B-4A9D-BFE6-D0A1673E6EA9}" type="datetimeFigureOut">
               <a:rPr lang="en-NL" smtClean="0"/>
-              <a:t>10/09/2024</a:t>
+              <a:t>16/09/2024</a:t>
             </a:fld>
             <a:endParaRPr lang="en-NL"/>
           </a:p>
@@ -2721,7 +2809,7 @@
           <a:p>
             <a:fld id="{5E9D55AD-DA6B-4A9D-BFE6-D0A1673E6EA9}" type="datetimeFigureOut">
               <a:rPr lang="en-NL" smtClean="0"/>
-              <a:t>10/09/2024</a:t>
+              <a:t>16/09/2024</a:t>
             </a:fld>
             <a:endParaRPr lang="en-NL"/>
           </a:p>
@@ -2989,7 +3077,7 @@
           <a:p>
             <a:fld id="{5E9D55AD-DA6B-4A9D-BFE6-D0A1673E6EA9}" type="datetimeFigureOut">
               <a:rPr lang="en-NL" smtClean="0"/>
-              <a:t>10/09/2024</a:t>
+              <a:t>16/09/2024</a:t>
             </a:fld>
             <a:endParaRPr lang="en-NL"/>
           </a:p>
@@ -3404,7 +3492,7 @@
           <a:p>
             <a:fld id="{5E9D55AD-DA6B-4A9D-BFE6-D0A1673E6EA9}" type="datetimeFigureOut">
               <a:rPr lang="en-NL" smtClean="0"/>
-              <a:t>10/09/2024</a:t>
+              <a:t>16/09/2024</a:t>
             </a:fld>
             <a:endParaRPr lang="en-NL"/>
           </a:p>
@@ -3546,7 +3634,7 @@
           <a:p>
             <a:fld id="{5E9D55AD-DA6B-4A9D-BFE6-D0A1673E6EA9}" type="datetimeFigureOut">
               <a:rPr lang="en-NL" smtClean="0"/>
-              <a:t>10/09/2024</a:t>
+              <a:t>16/09/2024</a:t>
             </a:fld>
             <a:endParaRPr lang="en-NL"/>
           </a:p>
@@ -3659,7 +3747,7 @@
           <a:p>
             <a:fld id="{5E9D55AD-DA6B-4A9D-BFE6-D0A1673E6EA9}" type="datetimeFigureOut">
               <a:rPr lang="en-NL" smtClean="0"/>
-              <a:t>10/09/2024</a:t>
+              <a:t>16/09/2024</a:t>
             </a:fld>
             <a:endParaRPr lang="en-NL"/>
           </a:p>
@@ -3972,7 +4060,7 @@
           <a:p>
             <a:fld id="{5E9D55AD-DA6B-4A9D-BFE6-D0A1673E6EA9}" type="datetimeFigureOut">
               <a:rPr lang="en-NL" smtClean="0"/>
-              <a:t>10/09/2024</a:t>
+              <a:t>16/09/2024</a:t>
             </a:fld>
             <a:endParaRPr lang="en-NL"/>
           </a:p>
@@ -4261,7 +4349,7 @@
           <a:p>
             <a:fld id="{5E9D55AD-DA6B-4A9D-BFE6-D0A1673E6EA9}" type="datetimeFigureOut">
               <a:rPr lang="en-NL" smtClean="0"/>
-              <a:t>10/09/2024</a:t>
+              <a:t>16/09/2024</a:t>
             </a:fld>
             <a:endParaRPr lang="en-NL"/>
           </a:p>
@@ -4504,7 +4592,7 @@
           <a:p>
             <a:fld id="{5E9D55AD-DA6B-4A9D-BFE6-D0A1673E6EA9}" type="datetimeFigureOut">
               <a:rPr lang="en-NL" smtClean="0"/>
-              <a:t>10/09/2024</a:t>
+              <a:t>16/09/2024</a:t>
             </a:fld>
             <a:endParaRPr lang="en-NL"/>
           </a:p>
@@ -7303,8 +7391,12 @@
           <a:lstStyle/>
           <a:p>
             <a:r>
+              <a:rPr lang="nl-NL" sz="3600" noProof="0" dirty="0" err="1"/>
+              <a:t>Transformers</a:t>
+            </a:r>
+            <a:r>
               <a:rPr lang="nl-NL" sz="3600" noProof="0" dirty="0"/>
-              <a:t>Transformaties in </a:t>
+              <a:t> in </a:t>
             </a:r>
             <a:r>
               <a:rPr lang="nl-NL" sz="3600" noProof="0" dirty="0" err="1"/>
@@ -7680,8 +7772,12 @@
           <a:lstStyle/>
           <a:p>
             <a:r>
+              <a:rPr lang="nl-NL" sz="3600" noProof="0" dirty="0" err="1"/>
+              <a:t>Transformers</a:t>
+            </a:r>
+            <a:r>
               <a:rPr lang="nl-NL" sz="3600" noProof="0" dirty="0"/>
-              <a:t>Transformaties in </a:t>
+              <a:t> in </a:t>
             </a:r>
             <a:r>
               <a:rPr lang="nl-NL" sz="3600" noProof="0" dirty="0" err="1"/>
@@ -8296,8 +8392,12 @@
           <a:lstStyle/>
           <a:p>
             <a:r>
+              <a:rPr lang="nl-NL" sz="3600" noProof="0" dirty="0" err="1"/>
+              <a:t>Transformers</a:t>
+            </a:r>
+            <a:r>
               <a:rPr lang="nl-NL" sz="3600" noProof="0" dirty="0"/>
-              <a:t>Transformaties in </a:t>
+              <a:t> in </a:t>
             </a:r>
             <a:r>
               <a:rPr lang="nl-NL" sz="3600" noProof="0" dirty="0" err="1"/>

--- a/python_course/4_scikit_learn/python_cursus_4.pptx
+++ b/python_course/4_scikit_learn/python_cursus_4.pptx
@@ -29,8 +29,8 @@
     <p:sldId id="389" r:id="rId20"/>
     <p:sldId id="344" r:id="rId21"/>
     <p:sldId id="355" r:id="rId22"/>
-    <p:sldId id="356" r:id="rId23"/>
-    <p:sldId id="357" r:id="rId24"/>
+    <p:sldId id="357" r:id="rId23"/>
+    <p:sldId id="394" r:id="rId24"/>
     <p:sldId id="366" r:id="rId25"/>
     <p:sldId id="382" r:id="rId26"/>
     <p:sldId id="345" r:id="rId27"/>
@@ -1154,7 +1154,7 @@
           <a:p>
             <a:fld id="{6F54D322-06CD-4C3F-9549-759BC5FDB94E}" type="datetimeFigureOut">
               <a:rPr lang="nl-NL" smtClean="0"/>
-              <a:t>16-9-2024</a:t>
+              <a:t>18-9-2024</a:t>
             </a:fld>
             <a:endParaRPr lang="nl-NL"/>
           </a:p>
@@ -1556,7 +1556,7 @@
           <a:p>
             <a:r>
               <a:rPr lang="en-US" dirty="0"/>
-              <a:t>1_transformers.ipynb</a:t>
+              <a:t>Notebook: 1_transformers.ipynb</a:t>
             </a:r>
             <a:endParaRPr lang="nl-NL" dirty="0"/>
           </a:p>
@@ -1644,7 +1644,7 @@
           <a:p>
             <a:r>
               <a:rPr lang="en-US" dirty="0"/>
-              <a:t>2_modelling.ipynb</a:t>
+              <a:t>Notebook: 2_modelling.ipynb</a:t>
             </a:r>
             <a:endParaRPr lang="nl-NL" dirty="0"/>
           </a:p>
@@ -1923,7 +1923,7 @@
           <a:p>
             <a:fld id="{5E9D55AD-DA6B-4A9D-BFE6-D0A1673E6EA9}" type="datetimeFigureOut">
               <a:rPr lang="en-NL" smtClean="0"/>
-              <a:t>16/09/2024</a:t>
+              <a:t>18/09/2024</a:t>
             </a:fld>
             <a:endParaRPr lang="en-NL"/>
           </a:p>
@@ -2123,7 +2123,7 @@
           <a:p>
             <a:fld id="{5E9D55AD-DA6B-4A9D-BFE6-D0A1673E6EA9}" type="datetimeFigureOut">
               <a:rPr lang="en-NL" smtClean="0"/>
-              <a:t>16/09/2024</a:t>
+              <a:t>18/09/2024</a:t>
             </a:fld>
             <a:endParaRPr lang="en-NL"/>
           </a:p>
@@ -2333,7 +2333,7 @@
           <a:p>
             <a:fld id="{5E9D55AD-DA6B-4A9D-BFE6-D0A1673E6EA9}" type="datetimeFigureOut">
               <a:rPr lang="en-NL" smtClean="0"/>
-              <a:t>16/09/2024</a:t>
+              <a:t>18/09/2024</a:t>
             </a:fld>
             <a:endParaRPr lang="en-NL"/>
           </a:p>
@@ -2533,7 +2533,7 @@
           <a:p>
             <a:fld id="{5E9D55AD-DA6B-4A9D-BFE6-D0A1673E6EA9}" type="datetimeFigureOut">
               <a:rPr lang="en-NL" smtClean="0"/>
-              <a:t>16/09/2024</a:t>
+              <a:t>18/09/2024</a:t>
             </a:fld>
             <a:endParaRPr lang="en-NL"/>
           </a:p>
@@ -2809,7 +2809,7 @@
           <a:p>
             <a:fld id="{5E9D55AD-DA6B-4A9D-BFE6-D0A1673E6EA9}" type="datetimeFigureOut">
               <a:rPr lang="en-NL" smtClean="0"/>
-              <a:t>16/09/2024</a:t>
+              <a:t>18/09/2024</a:t>
             </a:fld>
             <a:endParaRPr lang="en-NL"/>
           </a:p>
@@ -3077,7 +3077,7 @@
           <a:p>
             <a:fld id="{5E9D55AD-DA6B-4A9D-BFE6-D0A1673E6EA9}" type="datetimeFigureOut">
               <a:rPr lang="en-NL" smtClean="0"/>
-              <a:t>16/09/2024</a:t>
+              <a:t>18/09/2024</a:t>
             </a:fld>
             <a:endParaRPr lang="en-NL"/>
           </a:p>
@@ -3492,7 +3492,7 @@
           <a:p>
             <a:fld id="{5E9D55AD-DA6B-4A9D-BFE6-D0A1673E6EA9}" type="datetimeFigureOut">
               <a:rPr lang="en-NL" smtClean="0"/>
-              <a:t>16/09/2024</a:t>
+              <a:t>18/09/2024</a:t>
             </a:fld>
             <a:endParaRPr lang="en-NL"/>
           </a:p>
@@ -3634,7 +3634,7 @@
           <a:p>
             <a:fld id="{5E9D55AD-DA6B-4A9D-BFE6-D0A1673E6EA9}" type="datetimeFigureOut">
               <a:rPr lang="en-NL" smtClean="0"/>
-              <a:t>16/09/2024</a:t>
+              <a:t>18/09/2024</a:t>
             </a:fld>
             <a:endParaRPr lang="en-NL"/>
           </a:p>
@@ -3747,7 +3747,7 @@
           <a:p>
             <a:fld id="{5E9D55AD-DA6B-4A9D-BFE6-D0A1673E6EA9}" type="datetimeFigureOut">
               <a:rPr lang="en-NL" smtClean="0"/>
-              <a:t>16/09/2024</a:t>
+              <a:t>18/09/2024</a:t>
             </a:fld>
             <a:endParaRPr lang="en-NL"/>
           </a:p>
@@ -4060,7 +4060,7 @@
           <a:p>
             <a:fld id="{5E9D55AD-DA6B-4A9D-BFE6-D0A1673E6EA9}" type="datetimeFigureOut">
               <a:rPr lang="en-NL" smtClean="0"/>
-              <a:t>16/09/2024</a:t>
+              <a:t>18/09/2024</a:t>
             </a:fld>
             <a:endParaRPr lang="en-NL"/>
           </a:p>
@@ -4349,7 +4349,7 @@
           <a:p>
             <a:fld id="{5E9D55AD-DA6B-4A9D-BFE6-D0A1673E6EA9}" type="datetimeFigureOut">
               <a:rPr lang="en-NL" smtClean="0"/>
-              <a:t>16/09/2024</a:t>
+              <a:t>18/09/2024</a:t>
             </a:fld>
             <a:endParaRPr lang="en-NL"/>
           </a:p>
@@ -4592,7 +4592,7 @@
           <a:p>
             <a:fld id="{5E9D55AD-DA6B-4A9D-BFE6-D0A1673E6EA9}" type="datetimeFigureOut">
               <a:rPr lang="en-NL" smtClean="0"/>
-              <a:t>16/09/2024</a:t>
+              <a:t>18/09/2024</a:t>
             </a:fld>
             <a:endParaRPr lang="en-NL"/>
           </a:p>
@@ -10266,7 +10266,7 @@
                 <a:latin typeface="Courier New" panose="02070309020205020404" pitchFamily="49" charset="0"/>
                 <a:cs typeface="Courier New" panose="02070309020205020404" pitchFamily="49" charset="0"/>
               </a:rPr>
-              <a:t>"""Pandas transformer for </a:t>
+              <a:t>"""Transformer for </a:t>
             </a:r>
             <a:r>
               <a:rPr lang="en-US" sz="1400" dirty="0" err="1">
@@ -10358,7 +10358,7 @@
                 <a:latin typeface="Courier New" panose="02070309020205020404" pitchFamily="49" charset="0"/>
                 <a:cs typeface="Courier New" panose="02070309020205020404" pitchFamily="49" charset="0"/>
               </a:rPr>
-              <a:t>"""Fit transformer to training data."""</a:t>
+              <a:t>"""Fit to training data."""</a:t>
             </a:r>
           </a:p>
           <a:p>
@@ -10457,7 +10457,7 @@
                 <a:latin typeface="Courier New" panose="02070309020205020404" pitchFamily="49" charset="0"/>
                 <a:cs typeface="Courier New" panose="02070309020205020404" pitchFamily="49" charset="0"/>
               </a:rPr>
-              <a:t>"""Transform the data in X."""</a:t>
+              <a:t>"""Transform data in X."""</a:t>
             </a:r>
           </a:p>
           <a:p>
@@ -10690,11 +10690,11 @@
             </a:pPr>
             <a:r>
               <a:rPr lang="nl-NL" sz="1600" dirty="0" err="1"/>
-              <a:t>Transformer</a:t>
+              <a:t>Transformers</a:t>
             </a:r>
             <a:r>
               <a:rPr lang="nl-NL" sz="1600" dirty="0"/>
-              <a:t> classes hebben 2 methodes:</a:t>
+              <a:t> hebben 2 methodes:</a:t>
             </a:r>
           </a:p>
           <a:p>
@@ -10751,7 +10751,35 @@
                 <a:latin typeface="Courier New" panose="02070309020205020404" pitchFamily="49" charset="0"/>
                 <a:cs typeface="Courier New" panose="02070309020205020404" pitchFamily="49" charset="0"/>
               </a:rPr>
-              <a:t>fit() </a:t>
+              <a:t>fit(</a:t>
+            </a:r>
+            <a:r>
+              <a:rPr lang="nl-NL" sz="1600" dirty="0" err="1">
+                <a:latin typeface="Courier New" panose="02070309020205020404" pitchFamily="49" charset="0"/>
+                <a:cs typeface="Courier New" panose="02070309020205020404" pitchFamily="49" charset="0"/>
+              </a:rPr>
+              <a:t>df</a:t>
+            </a:r>
+            <a:r>
+              <a:rPr lang="nl-NL" sz="1600" dirty="0">
+                <a:latin typeface="Courier New" panose="02070309020205020404" pitchFamily="49" charset="0"/>
+                <a:cs typeface="Courier New" panose="02070309020205020404" pitchFamily="49" charset="0"/>
+              </a:rPr>
+              <a:t>) -&gt; </a:t>
+            </a:r>
+            <a:r>
+              <a:rPr lang="nl-NL" sz="1600" dirty="0" err="1">
+                <a:latin typeface="Courier New" panose="02070309020205020404" pitchFamily="49" charset="0"/>
+                <a:cs typeface="Courier New" panose="02070309020205020404" pitchFamily="49" charset="0"/>
+              </a:rPr>
+              <a:t>self</a:t>
+            </a:r>
+            <a:r>
+              <a:rPr lang="nl-NL" sz="1600" dirty="0">
+                <a:latin typeface="Courier New" panose="02070309020205020404" pitchFamily="49" charset="0"/>
+                <a:cs typeface="Courier New" panose="02070309020205020404" pitchFamily="49" charset="0"/>
+              </a:rPr>
+              <a:t> </a:t>
             </a:r>
           </a:p>
           <a:p>
@@ -10760,7 +10788,7 @@
             </a:pPr>
             <a:r>
               <a:rPr lang="nl-NL" sz="1600" dirty="0"/>
-              <a:t>Krijgt een </a:t>
+              <a:t>Verwacht een </a:t>
             </a:r>
             <a:r>
               <a:rPr lang="nl-NL" sz="1600" dirty="0" err="1">
@@ -10771,7 +10799,7 @@
             </a:r>
             <a:r>
               <a:rPr lang="nl-NL" sz="1600" dirty="0"/>
-              <a:t> en geeft </a:t>
+              <a:t> met training data en geeft </a:t>
             </a:r>
             <a:r>
               <a:rPr lang="nl-NL" sz="1600" dirty="0" err="1">
@@ -10795,12 +10823,6 @@
             <a:pPr marL="0" indent="0">
               <a:buNone/>
             </a:pPr>
-            <a:endParaRPr lang="nl-NL" sz="1600" dirty="0"/>
-          </a:p>
-          <a:p>
-            <a:pPr marL="0" indent="0">
-              <a:buNone/>
-            </a:pPr>
             <a:r>
               <a:rPr lang="nl-NL" sz="1600" dirty="0" err="1">
                 <a:latin typeface="Courier New" panose="02070309020205020404" pitchFamily="49" charset="0"/>
@@ -10813,8 +10835,33 @@
                 <a:latin typeface="Courier New" panose="02070309020205020404" pitchFamily="49" charset="0"/>
                 <a:cs typeface="Courier New" panose="02070309020205020404" pitchFamily="49" charset="0"/>
               </a:rPr>
-              <a:t>()</a:t>
-            </a:r>
+              <a:t>(</a:t>
+            </a:r>
+            <a:r>
+              <a:rPr lang="nl-NL" sz="1600" dirty="0" err="1">
+                <a:latin typeface="Courier New" panose="02070309020205020404" pitchFamily="49" charset="0"/>
+                <a:cs typeface="Courier New" panose="02070309020205020404" pitchFamily="49" charset="0"/>
+              </a:rPr>
+              <a:t>df</a:t>
+            </a:r>
+            <a:r>
+              <a:rPr lang="nl-NL" sz="1600" dirty="0">
+                <a:latin typeface="Courier New" panose="02070309020205020404" pitchFamily="49" charset="0"/>
+                <a:cs typeface="Courier New" panose="02070309020205020404" pitchFamily="49" charset="0"/>
+              </a:rPr>
+              <a:t>) -&gt; </a:t>
+            </a:r>
+            <a:r>
+              <a:rPr lang="nl-NL" sz="1600" dirty="0" err="1">
+                <a:latin typeface="Courier New" panose="02070309020205020404" pitchFamily="49" charset="0"/>
+                <a:cs typeface="Courier New" panose="02070309020205020404" pitchFamily="49" charset="0"/>
+              </a:rPr>
+              <a:t>df</a:t>
+            </a:r>
+            <a:endParaRPr lang="nl-NL" sz="1600" dirty="0">
+              <a:latin typeface="Courier New" panose="02070309020205020404" pitchFamily="49" charset="0"/>
+              <a:cs typeface="Courier New" panose="02070309020205020404" pitchFamily="49" charset="0"/>
+            </a:endParaRPr>
           </a:p>
           <a:p>
             <a:pPr marL="0" indent="0">
@@ -10822,23 +10869,18 @@
             </a:pPr>
             <a:r>
               <a:rPr lang="nl-NL" sz="1600" dirty="0"/>
-              <a:t>Krijgt een </a:t>
-            </a:r>
-            <a:r>
-              <a:rPr lang="nl-NL" sz="1600" dirty="0" err="1"/>
+              <a:t>Verwacht een </a:t>
+            </a:r>
+            <a:r>
+              <a:rPr lang="nl-NL" sz="1600" dirty="0" err="1">
+                <a:latin typeface="Courier New" panose="02070309020205020404" pitchFamily="49" charset="0"/>
+                <a:cs typeface="Courier New" panose="02070309020205020404" pitchFamily="49" charset="0"/>
+              </a:rPr>
               <a:t>DataFrame</a:t>
             </a:r>
             <a:r>
               <a:rPr lang="nl-NL" sz="1600" dirty="0"/>
-              <a:t> en geeft een aangepast </a:t>
-            </a:r>
-            <a:r>
-              <a:rPr lang="nl-NL" sz="1600" dirty="0" err="1"/>
-              <a:t>DataFrame</a:t>
-            </a:r>
-            <a:r>
-              <a:rPr lang="nl-NL" sz="1600" dirty="0"/>
-              <a:t> terug.</a:t>
+              <a:t> met ruwe data en geeft getransformeerde data terug.</a:t>
             </a:r>
           </a:p>
           <a:p>
@@ -10995,7 +11037,15 @@
             </a:r>
             <a:r>
               <a:rPr lang="nl-NL" sz="2000" dirty="0"/>
-              <a:t> class die:</a:t>
+              <a:t> voor </a:t>
+            </a:r>
+            <a:r>
+              <a:rPr lang="nl-NL" sz="2000" dirty="0" err="1"/>
+              <a:t>infrequente</a:t>
+            </a:r>
+            <a:r>
+              <a:rPr lang="nl-NL" sz="2000" dirty="0"/>
+              <a:t> categorieën:</a:t>
             </a:r>
           </a:p>
           <a:p>
@@ -11009,7 +11059,7 @@
             <a:pPr lvl="1"/>
             <a:r>
               <a:rPr lang="nl-NL" sz="1600" dirty="0"/>
-              <a:t>Fit: Bepaalt welke 3 categorieën het meest voorkomen.</a:t>
+              <a:t>Fit:	Bepaal welke 3 categorieën het meest voorkomen.</a:t>
             </a:r>
           </a:p>
           <a:p>
@@ -11024,7 +11074,15 @@
             </a:r>
             <a:r>
               <a:rPr lang="nl-NL" sz="1600" noProof="0" dirty="0"/>
-              <a:t>: Alle andere categorieën omzet naar </a:t>
+              <a:t>:	Zet </a:t>
+            </a:r>
+            <a:r>
+              <a:rPr lang="nl-NL" sz="1600" noProof="0" dirty="0" err="1"/>
+              <a:t>infrequente</a:t>
+            </a:r>
+            <a:r>
+              <a:rPr lang="nl-NL" sz="1600" noProof="0" dirty="0"/>
+              <a:t> categorieën op </a:t>
             </a:r>
             <a:r>
               <a:rPr lang="nl-NL" sz="1600" noProof="0" dirty="0">
@@ -11081,7 +11139,7 @@
             </a:pPr>
             <a:r>
               <a:rPr lang="nl-NL" sz="2000" noProof="0" dirty="0"/>
-              <a:t>Voor opzet zie: </a:t>
+              <a:t>Voor de opzet zie: </a:t>
             </a:r>
             <a:r>
               <a:rPr lang="nl-NL" sz="2000" noProof="0" dirty="0" err="1">
@@ -11120,7 +11178,7 @@
             </a:pPr>
             <a:r>
               <a:rPr lang="nl-NL" sz="2000" dirty="0"/>
-              <a:t>Bonus: Maak parameter voor aantal categorieën en vervangende waarde.</a:t>
+              <a:t>Bonus: Maak parameters voor het aantal categorieën en de vervangende waarde.</a:t>
             </a:r>
           </a:p>
         </p:txBody>
@@ -11516,7 +11574,7 @@
           <a:p>
             <a:r>
               <a:rPr lang="nl-NL" sz="3600" noProof="0" dirty="0"/>
-              <a:t>Modelleren in </a:t>
+              <a:t>Modellen in </a:t>
             </a:r>
             <a:r>
               <a:rPr lang="nl-NL" sz="3600" noProof="0" dirty="0" err="1"/>
@@ -12103,7 +12161,7 @@
           <a:p>
             <a:r>
               <a:rPr lang="nl-NL" sz="3600" noProof="0" dirty="0"/>
-              <a:t>Modelleren in </a:t>
+              <a:t>Modellen in </a:t>
             </a:r>
             <a:r>
               <a:rPr lang="nl-NL" sz="3600" noProof="0" dirty="0" err="1"/>
@@ -12644,7 +12702,7 @@
         </p:nvSpPr>
         <p:spPr>
           <a:xfrm>
-            <a:off x="8483215" y="1083734"/>
+            <a:off x="9120114" y="1083734"/>
             <a:ext cx="1782170" cy="718608"/>
           </a:xfrm>
           <a:prstGeom prst="rect">
@@ -12691,7 +12749,7 @@
         </p:nvSpPr>
         <p:spPr>
           <a:xfrm>
-            <a:off x="8483216" y="1963860"/>
+            <a:off x="9120115" y="1963860"/>
             <a:ext cx="1782169" cy="1200329"/>
           </a:xfrm>
           <a:prstGeom prst="rect">
@@ -12766,6 +12824,7 @@
             </a:extLst>
           </p:cNvPr>
           <p:cNvCxnSpPr>
+            <a:cxnSpLocks/>
             <a:stCxn id="4" idx="1"/>
             <a:endCxn id="10" idx="3"/>
           </p:cNvCxnSpPr>
@@ -12774,7 +12833,7 @@
         <p:spPr>
           <a:xfrm flipH="1">
             <a:off x="6668639" y="1443038"/>
-            <a:ext cx="1814576" cy="1507120"/>
+            <a:ext cx="2451475" cy="1507120"/>
           </a:xfrm>
           <a:prstGeom prst="straightConnector1">
             <a:avLst/>
@@ -12812,7 +12871,7 @@
         </p:nvSpPr>
         <p:spPr>
           <a:xfrm>
-            <a:off x="6096000" y="1779194"/>
+            <a:off x="7181681" y="2760478"/>
             <a:ext cx="1425390" cy="369332"/>
           </a:xfrm>
           <a:prstGeom prst="rect">
@@ -12843,7 +12902,7 @@
     </p:spTree>
     <p:extLst>
       <p:ext uri="{BB962C8B-B14F-4D97-AF65-F5344CB8AC3E}">
-        <p14:creationId xmlns:p14="http://schemas.microsoft.com/office/powerpoint/2010/main" val="3668002465"/>
+        <p14:creationId xmlns:p14="http://schemas.microsoft.com/office/powerpoint/2010/main" val="3732690073"/>
       </p:ext>
     </p:extLst>
   </p:cSld>
@@ -12900,7 +12959,7 @@
           <a:p>
             <a:r>
               <a:rPr lang="nl-NL" sz="3600" noProof="0" dirty="0"/>
-              <a:t>Modelleren in </a:t>
+              <a:t>Modellen in </a:t>
             </a:r>
             <a:r>
               <a:rPr lang="nl-NL" sz="3600" noProof="0" dirty="0" err="1"/>
@@ -13441,7 +13500,7 @@
         </p:nvSpPr>
         <p:spPr>
           <a:xfrm>
-            <a:off x="8483215" y="1083734"/>
+            <a:off x="9120114" y="1083734"/>
             <a:ext cx="1782170" cy="718608"/>
           </a:xfrm>
           <a:prstGeom prst="rect">
@@ -13488,7 +13547,7 @@
         </p:nvSpPr>
         <p:spPr>
           <a:xfrm>
-            <a:off x="8483216" y="1963860"/>
+            <a:off x="9120115" y="1963860"/>
             <a:ext cx="1782169" cy="1200329"/>
           </a:xfrm>
           <a:prstGeom prst="rect">
@@ -13563,6 +13622,7 @@
             </a:extLst>
           </p:cNvPr>
           <p:cNvCxnSpPr>
+            <a:cxnSpLocks/>
             <a:stCxn id="4" idx="1"/>
             <a:endCxn id="10" idx="3"/>
           </p:cNvCxnSpPr>
@@ -13571,7 +13631,7 @@
         <p:spPr>
           <a:xfrm flipH="1">
             <a:off x="6668639" y="1443038"/>
-            <a:ext cx="1814576" cy="1507120"/>
+            <a:ext cx="2451475" cy="1507120"/>
           </a:xfrm>
           <a:prstGeom prst="straightConnector1">
             <a:avLst/>
@@ -13609,7 +13669,7 @@
         </p:nvSpPr>
         <p:spPr>
           <a:xfrm>
-            <a:off x="6096000" y="1779194"/>
+            <a:off x="7181681" y="2760478"/>
             <a:ext cx="1425390" cy="369332"/>
           </a:xfrm>
           <a:prstGeom prst="rect">
@@ -13651,7 +13711,7 @@
         </p:nvSpPr>
         <p:spPr>
           <a:xfrm>
-            <a:off x="8483215" y="3741579"/>
+            <a:off x="9120114" y="3741579"/>
             <a:ext cx="1782170" cy="718608"/>
           </a:xfrm>
           <a:prstGeom prst="rect">
@@ -13698,7 +13758,7 @@
         </p:nvSpPr>
         <p:spPr>
           <a:xfrm>
-            <a:off x="8483215" y="4618877"/>
+            <a:off x="9120114" y="4618877"/>
             <a:ext cx="1782169" cy="646331"/>
           </a:xfrm>
           <a:prstGeom prst="rect">
@@ -13756,6 +13816,7 @@
             </a:extLst>
           </p:cNvPr>
           <p:cNvCxnSpPr>
+            <a:cxnSpLocks/>
             <a:stCxn id="10" idx="3"/>
             <a:endCxn id="16" idx="1"/>
           </p:cNvCxnSpPr>
@@ -13764,7 +13825,7 @@
         <p:spPr>
           <a:xfrm>
             <a:off x="6668639" y="2950158"/>
-            <a:ext cx="1814576" cy="1150725"/>
+            <a:ext cx="2451475" cy="1150725"/>
           </a:xfrm>
           <a:prstGeom prst="straightConnector1">
             <a:avLst/>
@@ -13791,7 +13852,7 @@
     </p:spTree>
     <p:extLst>
       <p:ext uri="{BB962C8B-B14F-4D97-AF65-F5344CB8AC3E}">
-        <p14:creationId xmlns:p14="http://schemas.microsoft.com/office/powerpoint/2010/main" val="3732690073"/>
+        <p14:creationId xmlns:p14="http://schemas.microsoft.com/office/powerpoint/2010/main" val="616419659"/>
       </p:ext>
     </p:extLst>
   </p:cSld>
@@ -14787,11 +14848,18 @@
               <a:t>exercises</a:t>
             </a:r>
             <a:r>
+              <a:rPr lang="nl-NL" sz="2000">
+                <a:latin typeface="Courier New" panose="02070309020205020404" pitchFamily="49" charset="0"/>
+                <a:cs typeface="Courier New" panose="02070309020205020404" pitchFamily="49" charset="0"/>
+              </a:rPr>
+              <a:t>/4_</a:t>
+            </a:r>
+            <a:r>
               <a:rPr lang="nl-NL" sz="2000" dirty="0">
                 <a:latin typeface="Courier New" panose="02070309020205020404" pitchFamily="49" charset="0"/>
                 <a:cs typeface="Courier New" panose="02070309020205020404" pitchFamily="49" charset="0"/>
               </a:rPr>
-              <a:t>/3_modelling.ipynb</a:t>
+              <a:t>modelling.ipynb</a:t>
             </a:r>
           </a:p>
           <a:p>

--- a/python_course/4_scikit_learn/python_cursus_4.pptx
+++ b/python_course/4_scikit_learn/python_cursus_4.pptx
@@ -40,7 +40,7 @@
     <p:sldId id="391" r:id="rId31"/>
     <p:sldId id="392" r:id="rId32"/>
     <p:sldId id="390" r:id="rId33"/>
-    <p:sldId id="359" r:id="rId34"/>
+    <p:sldId id="395" r:id="rId34"/>
     <p:sldId id="383" r:id="rId35"/>
     <p:sldId id="362" r:id="rId36"/>
     <p:sldId id="385" r:id="rId37"/>
@@ -1154,7 +1154,7 @@
           <a:p>
             <a:fld id="{6F54D322-06CD-4C3F-9549-759BC5FDB94E}" type="datetimeFigureOut">
               <a:rPr lang="nl-NL" smtClean="0"/>
-              <a:t>18-9-2024</a:t>
+              <a:t>1-10-2024</a:t>
             </a:fld>
             <a:endParaRPr lang="nl-NL"/>
           </a:p>
@@ -1923,7 +1923,7 @@
           <a:p>
             <a:fld id="{5E9D55AD-DA6B-4A9D-BFE6-D0A1673E6EA9}" type="datetimeFigureOut">
               <a:rPr lang="en-NL" smtClean="0"/>
-              <a:t>18/09/2024</a:t>
+              <a:t>01/10/2024</a:t>
             </a:fld>
             <a:endParaRPr lang="en-NL"/>
           </a:p>
@@ -2123,7 +2123,7 @@
           <a:p>
             <a:fld id="{5E9D55AD-DA6B-4A9D-BFE6-D0A1673E6EA9}" type="datetimeFigureOut">
               <a:rPr lang="en-NL" smtClean="0"/>
-              <a:t>18/09/2024</a:t>
+              <a:t>01/10/2024</a:t>
             </a:fld>
             <a:endParaRPr lang="en-NL"/>
           </a:p>
@@ -2333,7 +2333,7 @@
           <a:p>
             <a:fld id="{5E9D55AD-DA6B-4A9D-BFE6-D0A1673E6EA9}" type="datetimeFigureOut">
               <a:rPr lang="en-NL" smtClean="0"/>
-              <a:t>18/09/2024</a:t>
+              <a:t>01/10/2024</a:t>
             </a:fld>
             <a:endParaRPr lang="en-NL"/>
           </a:p>
@@ -2533,7 +2533,7 @@
           <a:p>
             <a:fld id="{5E9D55AD-DA6B-4A9D-BFE6-D0A1673E6EA9}" type="datetimeFigureOut">
               <a:rPr lang="en-NL" smtClean="0"/>
-              <a:t>18/09/2024</a:t>
+              <a:t>01/10/2024</a:t>
             </a:fld>
             <a:endParaRPr lang="en-NL"/>
           </a:p>
@@ -2809,7 +2809,7 @@
           <a:p>
             <a:fld id="{5E9D55AD-DA6B-4A9D-BFE6-D0A1673E6EA9}" type="datetimeFigureOut">
               <a:rPr lang="en-NL" smtClean="0"/>
-              <a:t>18/09/2024</a:t>
+              <a:t>01/10/2024</a:t>
             </a:fld>
             <a:endParaRPr lang="en-NL"/>
           </a:p>
@@ -3077,7 +3077,7 @@
           <a:p>
             <a:fld id="{5E9D55AD-DA6B-4A9D-BFE6-D0A1673E6EA9}" type="datetimeFigureOut">
               <a:rPr lang="en-NL" smtClean="0"/>
-              <a:t>18/09/2024</a:t>
+              <a:t>01/10/2024</a:t>
             </a:fld>
             <a:endParaRPr lang="en-NL"/>
           </a:p>
@@ -3492,7 +3492,7 @@
           <a:p>
             <a:fld id="{5E9D55AD-DA6B-4A9D-BFE6-D0A1673E6EA9}" type="datetimeFigureOut">
               <a:rPr lang="en-NL" smtClean="0"/>
-              <a:t>18/09/2024</a:t>
+              <a:t>01/10/2024</a:t>
             </a:fld>
             <a:endParaRPr lang="en-NL"/>
           </a:p>
@@ -3634,7 +3634,7 @@
           <a:p>
             <a:fld id="{5E9D55AD-DA6B-4A9D-BFE6-D0A1673E6EA9}" type="datetimeFigureOut">
               <a:rPr lang="en-NL" smtClean="0"/>
-              <a:t>18/09/2024</a:t>
+              <a:t>01/10/2024</a:t>
             </a:fld>
             <a:endParaRPr lang="en-NL"/>
           </a:p>
@@ -3747,7 +3747,7 @@
           <a:p>
             <a:fld id="{5E9D55AD-DA6B-4A9D-BFE6-D0A1673E6EA9}" type="datetimeFigureOut">
               <a:rPr lang="en-NL" smtClean="0"/>
-              <a:t>18/09/2024</a:t>
+              <a:t>01/10/2024</a:t>
             </a:fld>
             <a:endParaRPr lang="en-NL"/>
           </a:p>
@@ -4060,7 +4060,7 @@
           <a:p>
             <a:fld id="{5E9D55AD-DA6B-4A9D-BFE6-D0A1673E6EA9}" type="datetimeFigureOut">
               <a:rPr lang="en-NL" smtClean="0"/>
-              <a:t>18/09/2024</a:t>
+              <a:t>01/10/2024</a:t>
             </a:fld>
             <a:endParaRPr lang="en-NL"/>
           </a:p>
@@ -4349,7 +4349,7 @@
           <a:p>
             <a:fld id="{5E9D55AD-DA6B-4A9D-BFE6-D0A1673E6EA9}" type="datetimeFigureOut">
               <a:rPr lang="en-NL" smtClean="0"/>
-              <a:t>18/09/2024</a:t>
+              <a:t>01/10/2024</a:t>
             </a:fld>
             <a:endParaRPr lang="en-NL"/>
           </a:p>
@@ -4592,7 +4592,7 @@
           <a:p>
             <a:fld id="{5E9D55AD-DA6B-4A9D-BFE6-D0A1673E6EA9}" type="datetimeFigureOut">
               <a:rPr lang="en-NL" smtClean="0"/>
-              <a:t>18/09/2024</a:t>
+              <a:t>01/10/2024</a:t>
             </a:fld>
             <a:endParaRPr lang="en-NL"/>
           </a:p>
@@ -11368,17 +11368,6 @@
             </a:r>
           </a:p>
           <a:p>
-            <a:pPr lvl="1">
-              <a:spcAft>
-                <a:spcPts val="600"/>
-              </a:spcAft>
-            </a:pPr>
-            <a:r>
-              <a:rPr lang="nl-NL" sz="1600" dirty="0"/>
-              <a:t>Selecteren</a:t>
-            </a:r>
-          </a:p>
-          <a:p>
             <a:pPr>
               <a:spcAft>
                 <a:spcPts val="600"/>
@@ -14848,25 +14837,18 @@
               <a:t>exercises</a:t>
             </a:r>
             <a:r>
-              <a:rPr lang="nl-NL" sz="2000">
-                <a:latin typeface="Courier New" panose="02070309020205020404" pitchFamily="49" charset="0"/>
-                <a:cs typeface="Courier New" panose="02070309020205020404" pitchFamily="49" charset="0"/>
-              </a:rPr>
-              <a:t>/4_</a:t>
-            </a:r>
-            <a:r>
               <a:rPr lang="nl-NL" sz="2000" dirty="0">
                 <a:latin typeface="Courier New" panose="02070309020205020404" pitchFamily="49" charset="0"/>
                 <a:cs typeface="Courier New" panose="02070309020205020404" pitchFamily="49" charset="0"/>
               </a:rPr>
-              <a:t>modelling.ipynb</a:t>
+              <a:t>/4_modelling.ipynb</a:t>
             </a:r>
           </a:p>
           <a:p>
             <a:pPr marL="457200" lvl="1" indent="0">
               <a:buNone/>
             </a:pPr>
-            <a:endParaRPr lang="nl-NL" sz="1600" noProof="0" dirty="0"/>
+            <a:endParaRPr lang="nl-NL" sz="2000" noProof="0" dirty="0"/>
           </a:p>
           <a:p>
             <a:pPr marL="457200" indent="-457200">
@@ -14892,18 +14874,18 @@
           <a:p>
             <a:pPr lvl="1"/>
             <a:r>
-              <a:rPr lang="nl-NL" sz="1600" noProof="0" dirty="0"/>
+              <a:rPr lang="nl-NL" sz="2000" noProof="0" dirty="0"/>
               <a:t>Prepareer de data zodat deze geschikt is voor het model</a:t>
             </a:r>
             <a:r>
-              <a:rPr lang="nl-NL" sz="1600" dirty="0"/>
+              <a:rPr lang="nl-NL" sz="2000" dirty="0"/>
               <a:t>.</a:t>
             </a:r>
           </a:p>
           <a:p>
             <a:pPr lvl="1"/>
             <a:r>
-              <a:rPr lang="nl-NL" sz="1600" noProof="0" dirty="0"/>
+              <a:rPr lang="nl-NL" sz="2000" noProof="0" dirty="0"/>
               <a:t>Welke variabelen zijn belangrijk in het model?</a:t>
             </a:r>
           </a:p>
@@ -14945,25 +14927,25 @@
           <a:p>
             <a:pPr lvl="1"/>
             <a:r>
-              <a:rPr lang="nl-NL" sz="1600" noProof="0" dirty="0"/>
+              <a:rPr lang="nl-NL" sz="2000" noProof="0" dirty="0"/>
               <a:t>Over welke 10 records was het model het meest onzeker?</a:t>
             </a:r>
           </a:p>
           <a:p>
             <a:pPr lvl="1"/>
             <a:r>
-              <a:rPr lang="nl-NL" sz="1600" noProof="0" dirty="0"/>
+              <a:rPr lang="nl-NL" sz="2000" noProof="0" dirty="0"/>
               <a:t>Over welke records </a:t>
             </a:r>
             <a:r>
-              <a:rPr lang="nl-NL" sz="1600" noProof="0" dirty="0" err="1"/>
+              <a:rPr lang="nl-NL" sz="2000" noProof="0" dirty="0" err="1"/>
               <a:t>wa</a:t>
             </a:r>
             <a:r>
-              <a:rPr lang="nl-NL" sz="1600" dirty="0"/>
+              <a:rPr lang="nl-NL" sz="2000" dirty="0"/>
               <a:t>s het model heel zeker, maar klopte de voorspelling niet?</a:t>
             </a:r>
-            <a:endParaRPr lang="nl-NL" sz="1600" noProof="0" dirty="0"/>
+            <a:endParaRPr lang="nl-NL" sz="2000" noProof="0" dirty="0"/>
           </a:p>
         </p:txBody>
       </p:sp>
@@ -15344,7 +15326,7 @@
             </a:pPr>
             <a:r>
               <a:rPr lang="nl-NL" sz="1800" b="1" dirty="0"/>
-              <a:t>Categorische prestatiematen:</a:t>
+              <a:t>Categorisch doelvariabele:</a:t>
             </a:r>
           </a:p>
           <a:p>
@@ -15402,7 +15384,7 @@
             </a:pPr>
             <a:r>
               <a:rPr lang="nl-NL" sz="1800" b="1" dirty="0"/>
-              <a:t>Continue prestatiematen:</a:t>
+              <a:t>Continue doelvariabele:</a:t>
             </a:r>
           </a:p>
           <a:p>
@@ -15812,11 +15794,15 @@
           <a:p>
             <a:r>
               <a:rPr lang="nl-NL" sz="3600" noProof="0" dirty="0" err="1"/>
-              <a:t>Metrics</a:t>
+              <a:t>Validaren</a:t>
+            </a:r>
+            <a:r>
+              <a:rPr lang="nl-NL" sz="3600" noProof="0" dirty="0"/>
+              <a:t> met</a:t>
             </a:r>
             <a:r>
               <a:rPr lang="nl-NL" sz="3600" dirty="0"/>
-              <a:t> in </a:t>
+              <a:t> </a:t>
             </a:r>
             <a:r>
               <a:rPr lang="nl-NL" sz="3600" dirty="0" err="1"/>
@@ -16395,12 +16381,22 @@
           <a:p>
             <a:r>
               <a:rPr lang="en-US" sz="1400" dirty="0">
+                <a:solidFill>
+                  <a:schemeClr val="accent6">
+                    <a:lumMod val="75000"/>
+                  </a:schemeClr>
+                </a:solidFill>
                 <a:latin typeface="Courier New" panose="02070309020205020404" pitchFamily="49" charset="0"/>
                 <a:cs typeface="Courier New" panose="02070309020205020404" pitchFamily="49" charset="0"/>
               </a:rPr>
               <a:t># returns 0.5</a:t>
             </a:r>
             <a:endParaRPr lang="en-NL" sz="1400" dirty="0">
+              <a:solidFill>
+                <a:schemeClr val="accent6">
+                  <a:lumMod val="75000"/>
+                </a:schemeClr>
+              </a:solidFill>
               <a:latin typeface="Courier New" panose="02070309020205020404" pitchFamily="49" charset="0"/>
               <a:cs typeface="Courier New" panose="02070309020205020404" pitchFamily="49" charset="0"/>
             </a:endParaRPr>
@@ -16757,7 +16753,7 @@
           <a:p>
             <a:r>
               <a:rPr lang="nl-NL" sz="1800" dirty="0"/>
-              <a:t>Bij complex model kan optimalisatie doorschieten: </a:t>
+              <a:t>Bij complex model kan de optimalisatie doorschieten: </a:t>
             </a:r>
             <a:r>
               <a:rPr lang="nl-NL" sz="1800" u="sng" dirty="0" err="1"/>
@@ -16777,7 +16773,7 @@
           <a:p>
             <a:r>
               <a:rPr lang="nl-NL" sz="1800" dirty="0"/>
-              <a:t>Prestaties op train-data </a:t>
+              <a:t>Prestaties op trainingsdata zijn </a:t>
             </a:r>
             <a:r>
               <a:rPr lang="nl-NL" sz="1800" u="sng" dirty="0"/>
@@ -16785,7 +16781,7 @@
             </a:r>
             <a:r>
               <a:rPr lang="nl-NL" sz="1800" dirty="0"/>
-              <a:t> voor werkelijkheid!</a:t>
+              <a:t>!</a:t>
             </a:r>
           </a:p>
           <a:p>
@@ -16814,13 +16810,13 @@
             </a:r>
             <a:r>
               <a:rPr lang="nl-NL" sz="1800" dirty="0"/>
-              <a:t> gebruikt zijn bij het trainen van het model.</a:t>
+              <a:t> gebruikt zijn om het model te trainen.</a:t>
             </a:r>
           </a:p>
           <a:p>
             <a:r>
               <a:rPr lang="nl-NL" sz="1800" dirty="0"/>
-              <a:t>Het model kan zich niet aanpassen aan deze data.</a:t>
+              <a:t>Het model is niet geoptimaliseerd voor deze data.</a:t>
             </a:r>
           </a:p>
           <a:p>
@@ -17517,7 +17513,7 @@
             </a:pPr>
             <a:r>
               <a:rPr lang="nl-NL" sz="2000" dirty="0"/>
-              <a:t>Train dataset:		Gebruikt om model op te trainen.</a:t>
+              <a:t>Train:		Voor trainen van modellen.</a:t>
             </a:r>
           </a:p>
           <a:p>
@@ -17526,7 +17522,7 @@
             </a:pPr>
             <a:r>
               <a:rPr lang="nl-NL" sz="2000" dirty="0"/>
-              <a:t>Validatie dataset:		Gebruikt om modellen te vergelijken.</a:t>
+              <a:t>Validatie:	Voor vergelijken van modellen.</a:t>
             </a:r>
           </a:p>
           <a:p>
@@ -17535,7 +17531,7 @@
             </a:pPr>
             <a:r>
               <a:rPr lang="nl-NL" sz="2000" dirty="0"/>
-              <a:t>Test dataset:		Gebruikt voor accurate schatting prestaties.</a:t>
+              <a:t>Test:		Voor accurate schatting model prestaties.</a:t>
             </a:r>
           </a:p>
         </p:txBody>
@@ -18099,7 +18095,7 @@
             </a:pPr>
             <a:r>
               <a:rPr lang="nl-NL" sz="2000" dirty="0"/>
-              <a:t>Train dataset:		Gebruikt om model op te trainen.</a:t>
+              <a:t>Train:		Voor trainen van modellen.</a:t>
             </a:r>
           </a:p>
           <a:p>
@@ -18108,7 +18104,7 @@
             </a:pPr>
             <a:r>
               <a:rPr lang="nl-NL" sz="2000" dirty="0"/>
-              <a:t>Validatie dataset:		Gebruikt om modellen te vergelijken.</a:t>
+              <a:t>Validatie:	Voor vergelijken van modellen.</a:t>
             </a:r>
           </a:p>
           <a:p>
@@ -18117,7 +18113,7 @@
             </a:pPr>
             <a:r>
               <a:rPr lang="nl-NL" sz="2000" dirty="0"/>
-              <a:t>Test dataset:		Gebruikt voor accurate schatting prestaties.</a:t>
+              <a:t>Test:		Voor accurate schatting model prestaties.</a:t>
             </a:r>
           </a:p>
         </p:txBody>
@@ -18318,7 +18314,13 @@
           <p:cNvGraphicFramePr>
             <a:graphicFrameLocks noGrp="1"/>
           </p:cNvGraphicFramePr>
-          <p:nvPr/>
+          <p:nvPr>
+            <p:extLst>
+              <p:ext uri="{D42A27DB-BD31-4B8C-83A1-F6EECF244321}">
+                <p14:modId xmlns:p14="http://schemas.microsoft.com/office/powerpoint/2010/main" val="2739958825"/>
+              </p:ext>
+            </p:extLst>
+          </p:nvPr>
         </p:nvGraphicFramePr>
         <p:xfrm>
           <a:off x="990600" y="2765692"/>
@@ -18760,9 +18762,9 @@
                       <a:tailEnd type="none" w="med" len="med"/>
                     </a:lnT>
                     <a:solidFill>
-                      <a:schemeClr val="accent2">
-                        <a:lumMod val="60000"/>
-                        <a:lumOff val="40000"/>
+                      <a:schemeClr val="accent6">
+                        <a:lumMod val="40000"/>
+                        <a:lumOff val="60000"/>
                       </a:schemeClr>
                     </a:solidFill>
                   </a:tcPr>
@@ -18791,7 +18793,7 @@
                       <a:tailEnd type="none" w="med" len="med"/>
                     </a:lnT>
                     <a:solidFill>
-                      <a:schemeClr val="accent2">
+                      <a:schemeClr val="accent6">
                         <a:lumMod val="40000"/>
                         <a:lumOff val="60000"/>
                       </a:schemeClr>
@@ -18805,15 +18807,15 @@
                     <a:p>
                       <a:pPr algn="ctr"/>
                       <a:r>
-                        <a:rPr lang="en-US" dirty="0"/>
-                        <a:t>Test</a:t>
+                        <a:rPr lang="en-US" dirty="0" err="1"/>
+                        <a:t>Validatie</a:t>
                       </a:r>
                       <a:endParaRPr lang="en-NL" dirty="0"/>
                     </a:p>
                   </a:txBody>
                   <a:tcPr anchor="ctr">
                     <a:solidFill>
-                      <a:schemeClr val="accent5">
+                      <a:schemeClr val="accent2">
                         <a:lumMod val="60000"/>
                         <a:lumOff val="40000"/>
                       </a:schemeClr>
@@ -18924,7 +18926,7 @@
                   </a:txBody>
                   <a:tcPr anchor="ctr">
                     <a:solidFill>
-                      <a:schemeClr val="accent2">
+                      <a:schemeClr val="accent6">
                         <a:lumMod val="20000"/>
                         <a:lumOff val="80000"/>
                       </a:schemeClr>
@@ -18956,15 +18958,15 @@
                     <a:p>
                       <a:pPr algn="ctr"/>
                       <a:r>
-                        <a:rPr lang="en-US" dirty="0"/>
-                        <a:t>Test</a:t>
+                        <a:rPr lang="en-US" dirty="0" err="1"/>
+                        <a:t>Validatie</a:t>
                       </a:r>
                       <a:endParaRPr lang="en-NL" dirty="0"/>
                     </a:p>
                   </a:txBody>
                   <a:tcPr anchor="ctr">
                     <a:solidFill>
-                      <a:schemeClr val="accent5">
+                      <a:schemeClr val="accent2">
                         <a:lumMod val="60000"/>
                         <a:lumOff val="40000"/>
                       </a:schemeClr>
@@ -19057,7 +19059,7 @@
                   </a:txBody>
                   <a:tcPr anchor="ctr">
                     <a:solidFill>
-                      <a:schemeClr val="accent2">
+                      <a:schemeClr val="accent6">
                         <a:lumMod val="40000"/>
                         <a:lumOff val="60000"/>
                       </a:schemeClr>
@@ -19107,15 +19109,15 @@
                     <a:p>
                       <a:pPr algn="ctr"/>
                       <a:r>
-                        <a:rPr lang="en-US" dirty="0"/>
-                        <a:t>Test</a:t>
+                        <a:rPr lang="en-US" dirty="0" err="1"/>
+                        <a:t>Validatie</a:t>
                       </a:r>
                       <a:endParaRPr lang="en-NL" dirty="0"/>
                     </a:p>
                   </a:txBody>
                   <a:tcPr anchor="ctr">
                     <a:solidFill>
-                      <a:schemeClr val="accent5">
+                      <a:schemeClr val="accent2">
                         <a:lumMod val="60000"/>
                         <a:lumOff val="40000"/>
                       </a:schemeClr>
@@ -19190,7 +19192,7 @@
                   </a:txBody>
                   <a:tcPr anchor="ctr">
                     <a:solidFill>
-                      <a:schemeClr val="accent2">
+                      <a:schemeClr val="accent6">
                         <a:lumMod val="20000"/>
                         <a:lumOff val="80000"/>
                       </a:schemeClr>
@@ -19258,15 +19260,15 @@
                     <a:p>
                       <a:pPr algn="ctr"/>
                       <a:r>
-                        <a:rPr lang="en-US" dirty="0"/>
-                        <a:t>Test</a:t>
+                        <a:rPr lang="en-US" dirty="0" err="1"/>
+                        <a:t>Validatie</a:t>
                       </a:r>
                       <a:endParaRPr lang="en-NL" dirty="0"/>
                     </a:p>
                   </a:txBody>
                   <a:tcPr anchor="ctr">
                     <a:solidFill>
-                      <a:schemeClr val="accent5">
+                      <a:schemeClr val="accent2">
                         <a:lumMod val="60000"/>
                         <a:lumOff val="40000"/>
                       </a:schemeClr>
@@ -19323,7 +19325,7 @@
                   </a:txBody>
                   <a:tcPr anchor="ctr">
                     <a:solidFill>
-                      <a:schemeClr val="accent2">
+                      <a:schemeClr val="accent6">
                         <a:lumMod val="40000"/>
                         <a:lumOff val="60000"/>
                       </a:schemeClr>
@@ -19409,15 +19411,15 @@
                     <a:p>
                       <a:pPr algn="ctr"/>
                       <a:r>
-                        <a:rPr lang="en-US" dirty="0"/>
-                        <a:t>Test</a:t>
+                        <a:rPr lang="en-US" dirty="0" err="1"/>
+                        <a:t>Validatie</a:t>
                       </a:r>
                       <a:endParaRPr lang="en-NL" dirty="0"/>
                     </a:p>
                   </a:txBody>
                   <a:tcPr anchor="ctr">
                     <a:solidFill>
-                      <a:schemeClr val="accent5">
+                      <a:schemeClr val="accent2">
                         <a:lumMod val="60000"/>
                         <a:lumOff val="40000"/>
                       </a:schemeClr>
@@ -19685,10 +19687,10 @@
       </p:grpSpPr>
       <p:sp>
         <p:nvSpPr>
-          <p:cNvPr id="4" name="Title 3">
-            <a:extLst>
-              <a:ext uri="{FF2B5EF4-FFF2-40B4-BE49-F238E27FC236}">
-                <a16:creationId xmlns:a16="http://schemas.microsoft.com/office/drawing/2014/main" id="{72C925CA-BCA3-3701-E08E-95652380B32E}"/>
+          <p:cNvPr id="2" name="Title 1">
+            <a:extLst>
+              <a:ext uri="{FF2B5EF4-FFF2-40B4-BE49-F238E27FC236}">
+                <a16:creationId xmlns:a16="http://schemas.microsoft.com/office/drawing/2014/main" id="{39A1D606-8DD1-369C-5C09-471CDD551AD5}"/>
               </a:ext>
             </a:extLst>
           </p:cNvPr>
@@ -19699,47 +19701,622 @@
             <p:ph type="title"/>
           </p:nvPr>
         </p:nvSpPr>
-        <p:spPr/>
+        <p:spPr>
+          <a:xfrm>
+            <a:off x="838200" y="365126"/>
+            <a:ext cx="10515600" cy="718608"/>
+          </a:xfrm>
+        </p:spPr>
         <p:txBody>
-          <a:bodyPr/>
+          <a:bodyPr>
+            <a:normAutofit/>
+          </a:bodyPr>
           <a:lstStyle/>
           <a:p>
             <a:r>
-              <a:rPr lang="nl-NL" noProof="0" dirty="0"/>
-              <a:t>Selecteren</a:t>
-            </a:r>
+              <a:rPr lang="nl-NL" sz="3600" dirty="0"/>
+              <a:t>Cross-</a:t>
+            </a:r>
+            <a:r>
+              <a:rPr lang="nl-NL" sz="3600" dirty="0" err="1"/>
+              <a:t>validation</a:t>
+            </a:r>
+            <a:endParaRPr lang="nl-NL" sz="3600" noProof="0" dirty="0"/>
           </a:p>
         </p:txBody>
       </p:sp>
       <p:sp>
         <p:nvSpPr>
-          <p:cNvPr id="5" name="Text Placeholder 4">
-            <a:extLst>
-              <a:ext uri="{FF2B5EF4-FFF2-40B4-BE49-F238E27FC236}">
-                <a16:creationId xmlns:a16="http://schemas.microsoft.com/office/drawing/2014/main" id="{1AB31C95-91AF-DF13-FB58-0DA5F2D9F6F7}"/>
-              </a:ext>
-            </a:extLst>
-          </p:cNvPr>
-          <p:cNvSpPr>
-            <a:spLocks noGrp="1"/>
-          </p:cNvSpPr>
-          <p:nvPr>
-            <p:ph type="body" idx="1"/>
-          </p:nvPr>
+          <p:cNvPr id="4" name="TextBox 3">
+            <a:extLst>
+              <a:ext uri="{FF2B5EF4-FFF2-40B4-BE49-F238E27FC236}">
+                <a16:creationId xmlns:a16="http://schemas.microsoft.com/office/drawing/2014/main" id="{B47EA95A-6DDD-ED89-357A-943A5BC87A94}"/>
+              </a:ext>
+            </a:extLst>
+          </p:cNvPr>
+          <p:cNvSpPr txBox="1"/>
+          <p:nvPr/>
         </p:nvSpPr>
-        <p:spPr/>
+        <p:spPr>
+          <a:xfrm>
+            <a:off x="6555232" y="2530561"/>
+            <a:ext cx="184731" cy="369332"/>
+          </a:xfrm>
+          <a:prstGeom prst="rect">
+            <a:avLst/>
+          </a:prstGeom>
+          <a:noFill/>
+        </p:spPr>
         <p:txBody>
-          <a:bodyPr/>
+          <a:bodyPr wrap="none" rtlCol="0">
+            <a:spAutoFit/>
+          </a:bodyPr>
           <a:lstStyle/>
           <a:p>
-            <a:endParaRPr lang="en-NL"/>
+            <a:endParaRPr lang="en-NL" dirty="0"/>
           </a:p>
         </p:txBody>
       </p:sp>
+      <p:sp>
+        <p:nvSpPr>
+          <p:cNvPr id="5" name="Content Placeholder 2">
+            <a:extLst>
+              <a:ext uri="{FF2B5EF4-FFF2-40B4-BE49-F238E27FC236}">
+                <a16:creationId xmlns:a16="http://schemas.microsoft.com/office/drawing/2014/main" id="{C0C9B175-1295-12B2-9AD0-5C333CB73832}"/>
+              </a:ext>
+            </a:extLst>
+          </p:cNvPr>
+          <p:cNvSpPr txBox="1">
+            <a:spLocks/>
+          </p:cNvSpPr>
+          <p:nvPr/>
+        </p:nvSpPr>
+        <p:spPr>
+          <a:xfrm>
+            <a:off x="990601" y="1608667"/>
+            <a:ext cx="3785381" cy="4720696"/>
+          </a:xfrm>
+          <a:prstGeom prst="rect">
+            <a:avLst/>
+          </a:prstGeom>
+        </p:spPr>
+        <p:txBody>
+          <a:bodyPr vert="horz" lIns="91440" tIns="45720" rIns="91440" bIns="45720" rtlCol="0">
+            <a:normAutofit/>
+          </a:bodyPr>
+          <a:lstStyle>
+            <a:lvl1pPr marL="228600" indent="-228600" algn="l" defTabSz="914400" rtl="0" eaLnBrk="1" latinLnBrk="0" hangingPunct="1">
+              <a:lnSpc>
+                <a:spcPct val="90000"/>
+              </a:lnSpc>
+              <a:spcBef>
+                <a:spcPts val="1000"/>
+              </a:spcBef>
+              <a:buFont typeface="Arial" panose="020B0604020202020204" pitchFamily="34" charset="0"/>
+              <a:buChar char="•"/>
+              <a:defRPr sz="2800" kern="1200">
+                <a:solidFill>
+                  <a:schemeClr val="tx1"/>
+                </a:solidFill>
+                <a:latin typeface="+mn-lt"/>
+                <a:ea typeface="+mn-ea"/>
+                <a:cs typeface="+mn-cs"/>
+              </a:defRPr>
+            </a:lvl1pPr>
+            <a:lvl2pPr marL="685800" indent="-228600" algn="l" defTabSz="914400" rtl="0" eaLnBrk="1" latinLnBrk="0" hangingPunct="1">
+              <a:lnSpc>
+                <a:spcPct val="90000"/>
+              </a:lnSpc>
+              <a:spcBef>
+                <a:spcPts val="500"/>
+              </a:spcBef>
+              <a:buFont typeface="Arial" panose="020B0604020202020204" pitchFamily="34" charset="0"/>
+              <a:buChar char="•"/>
+              <a:defRPr sz="2400" kern="1200">
+                <a:solidFill>
+                  <a:schemeClr val="tx1"/>
+                </a:solidFill>
+                <a:latin typeface="+mn-lt"/>
+                <a:ea typeface="+mn-ea"/>
+                <a:cs typeface="+mn-cs"/>
+              </a:defRPr>
+            </a:lvl2pPr>
+            <a:lvl3pPr marL="1143000" indent="-228600" algn="l" defTabSz="914400" rtl="0" eaLnBrk="1" latinLnBrk="0" hangingPunct="1">
+              <a:lnSpc>
+                <a:spcPct val="90000"/>
+              </a:lnSpc>
+              <a:spcBef>
+                <a:spcPts val="500"/>
+              </a:spcBef>
+              <a:buFont typeface="Arial" panose="020B0604020202020204" pitchFamily="34" charset="0"/>
+              <a:buChar char="•"/>
+              <a:defRPr sz="2000" kern="1200">
+                <a:solidFill>
+                  <a:schemeClr val="tx1"/>
+                </a:solidFill>
+                <a:latin typeface="+mn-lt"/>
+                <a:ea typeface="+mn-ea"/>
+                <a:cs typeface="+mn-cs"/>
+              </a:defRPr>
+            </a:lvl3pPr>
+            <a:lvl4pPr marL="1600200" indent="-228600" algn="l" defTabSz="914400" rtl="0" eaLnBrk="1" latinLnBrk="0" hangingPunct="1">
+              <a:lnSpc>
+                <a:spcPct val="90000"/>
+              </a:lnSpc>
+              <a:spcBef>
+                <a:spcPts val="500"/>
+              </a:spcBef>
+              <a:buFont typeface="Arial" panose="020B0604020202020204" pitchFamily="34" charset="0"/>
+              <a:buChar char="•"/>
+              <a:defRPr sz="1800" kern="1200">
+                <a:solidFill>
+                  <a:schemeClr val="tx1"/>
+                </a:solidFill>
+                <a:latin typeface="+mn-lt"/>
+                <a:ea typeface="+mn-ea"/>
+                <a:cs typeface="+mn-cs"/>
+              </a:defRPr>
+            </a:lvl4pPr>
+            <a:lvl5pPr marL="2057400" indent="-228600" algn="l" defTabSz="914400" rtl="0" eaLnBrk="1" latinLnBrk="0" hangingPunct="1">
+              <a:lnSpc>
+                <a:spcPct val="90000"/>
+              </a:lnSpc>
+              <a:spcBef>
+                <a:spcPts val="500"/>
+              </a:spcBef>
+              <a:buFont typeface="Arial" panose="020B0604020202020204" pitchFamily="34" charset="0"/>
+              <a:buChar char="•"/>
+              <a:defRPr sz="1800" kern="1200">
+                <a:solidFill>
+                  <a:schemeClr val="tx1"/>
+                </a:solidFill>
+                <a:latin typeface="+mn-lt"/>
+                <a:ea typeface="+mn-ea"/>
+                <a:cs typeface="+mn-cs"/>
+              </a:defRPr>
+            </a:lvl5pPr>
+            <a:lvl6pPr marL="2514600" indent="-228600" algn="l" defTabSz="914400" rtl="0" eaLnBrk="1" latinLnBrk="0" hangingPunct="1">
+              <a:lnSpc>
+                <a:spcPct val="90000"/>
+              </a:lnSpc>
+              <a:spcBef>
+                <a:spcPts val="500"/>
+              </a:spcBef>
+              <a:buFont typeface="Arial" panose="020B0604020202020204" pitchFamily="34" charset="0"/>
+              <a:buChar char="•"/>
+              <a:defRPr sz="1800" kern="1200">
+                <a:solidFill>
+                  <a:schemeClr val="tx1"/>
+                </a:solidFill>
+                <a:latin typeface="+mn-lt"/>
+                <a:ea typeface="+mn-ea"/>
+                <a:cs typeface="+mn-cs"/>
+              </a:defRPr>
+            </a:lvl6pPr>
+            <a:lvl7pPr marL="2971800" indent="-228600" algn="l" defTabSz="914400" rtl="0" eaLnBrk="1" latinLnBrk="0" hangingPunct="1">
+              <a:lnSpc>
+                <a:spcPct val="90000"/>
+              </a:lnSpc>
+              <a:spcBef>
+                <a:spcPts val="500"/>
+              </a:spcBef>
+              <a:buFont typeface="Arial" panose="020B0604020202020204" pitchFamily="34" charset="0"/>
+              <a:buChar char="•"/>
+              <a:defRPr sz="1800" kern="1200">
+                <a:solidFill>
+                  <a:schemeClr val="tx1"/>
+                </a:solidFill>
+                <a:latin typeface="+mn-lt"/>
+                <a:ea typeface="+mn-ea"/>
+                <a:cs typeface="+mn-cs"/>
+              </a:defRPr>
+            </a:lvl7pPr>
+            <a:lvl8pPr marL="3429000" indent="-228600" algn="l" defTabSz="914400" rtl="0" eaLnBrk="1" latinLnBrk="0" hangingPunct="1">
+              <a:lnSpc>
+                <a:spcPct val="90000"/>
+              </a:lnSpc>
+              <a:spcBef>
+                <a:spcPts val="500"/>
+              </a:spcBef>
+              <a:buFont typeface="Arial" panose="020B0604020202020204" pitchFamily="34" charset="0"/>
+              <a:buChar char="•"/>
+              <a:defRPr sz="1800" kern="1200">
+                <a:solidFill>
+                  <a:schemeClr val="tx1"/>
+                </a:solidFill>
+                <a:latin typeface="+mn-lt"/>
+                <a:ea typeface="+mn-ea"/>
+                <a:cs typeface="+mn-cs"/>
+              </a:defRPr>
+            </a:lvl8pPr>
+            <a:lvl9pPr marL="3886200" indent="-228600" algn="l" defTabSz="914400" rtl="0" eaLnBrk="1" latinLnBrk="0" hangingPunct="1">
+              <a:lnSpc>
+                <a:spcPct val="90000"/>
+              </a:lnSpc>
+              <a:spcBef>
+                <a:spcPts val="500"/>
+              </a:spcBef>
+              <a:buFont typeface="Arial" panose="020B0604020202020204" pitchFamily="34" charset="0"/>
+              <a:buChar char="•"/>
+              <a:defRPr sz="1800" kern="1200">
+                <a:solidFill>
+                  <a:schemeClr val="tx1"/>
+                </a:solidFill>
+                <a:latin typeface="+mn-lt"/>
+                <a:ea typeface="+mn-ea"/>
+                <a:cs typeface="+mn-cs"/>
+              </a:defRPr>
+            </a:lvl9pPr>
+          </a:lstStyle>
+          <a:p>
+            <a:pPr marL="0" indent="0">
+              <a:buNone/>
+            </a:pPr>
+            <a:r>
+              <a:rPr lang="nl-NL" sz="2000" b="1" dirty="0"/>
+              <a:t>Klein aantal splits</a:t>
+            </a:r>
+          </a:p>
+          <a:p>
+            <a:pPr marL="0" indent="0">
+              <a:buNone/>
+            </a:pPr>
+            <a:endParaRPr lang="nl-NL" sz="2000" dirty="0"/>
+          </a:p>
+          <a:p>
+            <a:pPr marL="0" indent="0">
+              <a:buNone/>
+            </a:pPr>
+            <a:r>
+              <a:rPr lang="nl-NL" sz="2000" u="sng" dirty="0"/>
+              <a:t>Kleine training sets</a:t>
+            </a:r>
+          </a:p>
+          <a:p>
+            <a:pPr marL="0" indent="0">
+              <a:buNone/>
+            </a:pPr>
+            <a:r>
+              <a:rPr lang="nl-NL" sz="2000" dirty="0"/>
+              <a:t>Model kan minder goed leren en presteert slechter dan je mag verwachten in de praktijk.</a:t>
+            </a:r>
+          </a:p>
+          <a:p>
+            <a:pPr marL="0" indent="0">
+              <a:buNone/>
+            </a:pPr>
+            <a:endParaRPr lang="nl-NL" sz="2000" dirty="0"/>
+          </a:p>
+          <a:p>
+            <a:pPr marL="0" indent="0">
+              <a:buNone/>
+            </a:pPr>
+            <a:endParaRPr lang="nl-NL" sz="2000" dirty="0"/>
+          </a:p>
+          <a:p>
+            <a:pPr marL="0" indent="0">
+              <a:buNone/>
+            </a:pPr>
+            <a:r>
+              <a:rPr lang="nl-NL" sz="2000" u="sng" dirty="0"/>
+              <a:t>Grote validatie sets</a:t>
+            </a:r>
+          </a:p>
+          <a:p>
+            <a:pPr marL="0" indent="0">
+              <a:buNone/>
+            </a:pPr>
+            <a:r>
+              <a:rPr lang="nl-NL" sz="2000" dirty="0"/>
+              <a:t>Meer cases, foutmarges nauwkeuriger gemeten.</a:t>
+            </a:r>
+          </a:p>
+        </p:txBody>
+      </p:sp>
+      <p:sp>
+        <p:nvSpPr>
+          <p:cNvPr id="6" name="Content Placeholder 2">
+            <a:extLst>
+              <a:ext uri="{FF2B5EF4-FFF2-40B4-BE49-F238E27FC236}">
+                <a16:creationId xmlns:a16="http://schemas.microsoft.com/office/drawing/2014/main" id="{C998869E-8D0A-796B-BD33-9FF132A8B1B4}"/>
+              </a:ext>
+            </a:extLst>
+          </p:cNvPr>
+          <p:cNvSpPr txBox="1">
+            <a:spLocks/>
+          </p:cNvSpPr>
+          <p:nvPr/>
+        </p:nvSpPr>
+        <p:spPr>
+          <a:xfrm>
+            <a:off x="7416018" y="1608667"/>
+            <a:ext cx="3785381" cy="4720696"/>
+          </a:xfrm>
+          <a:prstGeom prst="rect">
+            <a:avLst/>
+          </a:prstGeom>
+        </p:spPr>
+        <p:txBody>
+          <a:bodyPr vert="horz" lIns="91440" tIns="45720" rIns="91440" bIns="45720" rtlCol="0">
+            <a:normAutofit/>
+          </a:bodyPr>
+          <a:lstStyle>
+            <a:lvl1pPr marL="228600" indent="-228600" algn="l" defTabSz="914400" rtl="0" eaLnBrk="1" latinLnBrk="0" hangingPunct="1">
+              <a:lnSpc>
+                <a:spcPct val="90000"/>
+              </a:lnSpc>
+              <a:spcBef>
+                <a:spcPts val="1000"/>
+              </a:spcBef>
+              <a:buFont typeface="Arial" panose="020B0604020202020204" pitchFamily="34" charset="0"/>
+              <a:buChar char="•"/>
+              <a:defRPr sz="2800" kern="1200">
+                <a:solidFill>
+                  <a:schemeClr val="tx1"/>
+                </a:solidFill>
+                <a:latin typeface="+mn-lt"/>
+                <a:ea typeface="+mn-ea"/>
+                <a:cs typeface="+mn-cs"/>
+              </a:defRPr>
+            </a:lvl1pPr>
+            <a:lvl2pPr marL="685800" indent="-228600" algn="l" defTabSz="914400" rtl="0" eaLnBrk="1" latinLnBrk="0" hangingPunct="1">
+              <a:lnSpc>
+                <a:spcPct val="90000"/>
+              </a:lnSpc>
+              <a:spcBef>
+                <a:spcPts val="500"/>
+              </a:spcBef>
+              <a:buFont typeface="Arial" panose="020B0604020202020204" pitchFamily="34" charset="0"/>
+              <a:buChar char="•"/>
+              <a:defRPr sz="2400" kern="1200">
+                <a:solidFill>
+                  <a:schemeClr val="tx1"/>
+                </a:solidFill>
+                <a:latin typeface="+mn-lt"/>
+                <a:ea typeface="+mn-ea"/>
+                <a:cs typeface="+mn-cs"/>
+              </a:defRPr>
+            </a:lvl2pPr>
+            <a:lvl3pPr marL="1143000" indent="-228600" algn="l" defTabSz="914400" rtl="0" eaLnBrk="1" latinLnBrk="0" hangingPunct="1">
+              <a:lnSpc>
+                <a:spcPct val="90000"/>
+              </a:lnSpc>
+              <a:spcBef>
+                <a:spcPts val="500"/>
+              </a:spcBef>
+              <a:buFont typeface="Arial" panose="020B0604020202020204" pitchFamily="34" charset="0"/>
+              <a:buChar char="•"/>
+              <a:defRPr sz="2000" kern="1200">
+                <a:solidFill>
+                  <a:schemeClr val="tx1"/>
+                </a:solidFill>
+                <a:latin typeface="+mn-lt"/>
+                <a:ea typeface="+mn-ea"/>
+                <a:cs typeface="+mn-cs"/>
+              </a:defRPr>
+            </a:lvl3pPr>
+            <a:lvl4pPr marL="1600200" indent="-228600" algn="l" defTabSz="914400" rtl="0" eaLnBrk="1" latinLnBrk="0" hangingPunct="1">
+              <a:lnSpc>
+                <a:spcPct val="90000"/>
+              </a:lnSpc>
+              <a:spcBef>
+                <a:spcPts val="500"/>
+              </a:spcBef>
+              <a:buFont typeface="Arial" panose="020B0604020202020204" pitchFamily="34" charset="0"/>
+              <a:buChar char="•"/>
+              <a:defRPr sz="1800" kern="1200">
+                <a:solidFill>
+                  <a:schemeClr val="tx1"/>
+                </a:solidFill>
+                <a:latin typeface="+mn-lt"/>
+                <a:ea typeface="+mn-ea"/>
+                <a:cs typeface="+mn-cs"/>
+              </a:defRPr>
+            </a:lvl4pPr>
+            <a:lvl5pPr marL="2057400" indent="-228600" algn="l" defTabSz="914400" rtl="0" eaLnBrk="1" latinLnBrk="0" hangingPunct="1">
+              <a:lnSpc>
+                <a:spcPct val="90000"/>
+              </a:lnSpc>
+              <a:spcBef>
+                <a:spcPts val="500"/>
+              </a:spcBef>
+              <a:buFont typeface="Arial" panose="020B0604020202020204" pitchFamily="34" charset="0"/>
+              <a:buChar char="•"/>
+              <a:defRPr sz="1800" kern="1200">
+                <a:solidFill>
+                  <a:schemeClr val="tx1"/>
+                </a:solidFill>
+                <a:latin typeface="+mn-lt"/>
+                <a:ea typeface="+mn-ea"/>
+                <a:cs typeface="+mn-cs"/>
+              </a:defRPr>
+            </a:lvl5pPr>
+            <a:lvl6pPr marL="2514600" indent="-228600" algn="l" defTabSz="914400" rtl="0" eaLnBrk="1" latinLnBrk="0" hangingPunct="1">
+              <a:lnSpc>
+                <a:spcPct val="90000"/>
+              </a:lnSpc>
+              <a:spcBef>
+                <a:spcPts val="500"/>
+              </a:spcBef>
+              <a:buFont typeface="Arial" panose="020B0604020202020204" pitchFamily="34" charset="0"/>
+              <a:buChar char="•"/>
+              <a:defRPr sz="1800" kern="1200">
+                <a:solidFill>
+                  <a:schemeClr val="tx1"/>
+                </a:solidFill>
+                <a:latin typeface="+mn-lt"/>
+                <a:ea typeface="+mn-ea"/>
+                <a:cs typeface="+mn-cs"/>
+              </a:defRPr>
+            </a:lvl6pPr>
+            <a:lvl7pPr marL="2971800" indent="-228600" algn="l" defTabSz="914400" rtl="0" eaLnBrk="1" latinLnBrk="0" hangingPunct="1">
+              <a:lnSpc>
+                <a:spcPct val="90000"/>
+              </a:lnSpc>
+              <a:spcBef>
+                <a:spcPts val="500"/>
+              </a:spcBef>
+              <a:buFont typeface="Arial" panose="020B0604020202020204" pitchFamily="34" charset="0"/>
+              <a:buChar char="•"/>
+              <a:defRPr sz="1800" kern="1200">
+                <a:solidFill>
+                  <a:schemeClr val="tx1"/>
+                </a:solidFill>
+                <a:latin typeface="+mn-lt"/>
+                <a:ea typeface="+mn-ea"/>
+                <a:cs typeface="+mn-cs"/>
+              </a:defRPr>
+            </a:lvl7pPr>
+            <a:lvl8pPr marL="3429000" indent="-228600" algn="l" defTabSz="914400" rtl="0" eaLnBrk="1" latinLnBrk="0" hangingPunct="1">
+              <a:lnSpc>
+                <a:spcPct val="90000"/>
+              </a:lnSpc>
+              <a:spcBef>
+                <a:spcPts val="500"/>
+              </a:spcBef>
+              <a:buFont typeface="Arial" panose="020B0604020202020204" pitchFamily="34" charset="0"/>
+              <a:buChar char="•"/>
+              <a:defRPr sz="1800" kern="1200">
+                <a:solidFill>
+                  <a:schemeClr val="tx1"/>
+                </a:solidFill>
+                <a:latin typeface="+mn-lt"/>
+                <a:ea typeface="+mn-ea"/>
+                <a:cs typeface="+mn-cs"/>
+              </a:defRPr>
+            </a:lvl8pPr>
+            <a:lvl9pPr marL="3886200" indent="-228600" algn="l" defTabSz="914400" rtl="0" eaLnBrk="1" latinLnBrk="0" hangingPunct="1">
+              <a:lnSpc>
+                <a:spcPct val="90000"/>
+              </a:lnSpc>
+              <a:spcBef>
+                <a:spcPts val="500"/>
+              </a:spcBef>
+              <a:buFont typeface="Arial" panose="020B0604020202020204" pitchFamily="34" charset="0"/>
+              <a:buChar char="•"/>
+              <a:defRPr sz="1800" kern="1200">
+                <a:solidFill>
+                  <a:schemeClr val="tx1"/>
+                </a:solidFill>
+                <a:latin typeface="+mn-lt"/>
+                <a:ea typeface="+mn-ea"/>
+                <a:cs typeface="+mn-cs"/>
+              </a:defRPr>
+            </a:lvl9pPr>
+          </a:lstStyle>
+          <a:p>
+            <a:pPr marL="0" indent="0">
+              <a:buNone/>
+            </a:pPr>
+            <a:r>
+              <a:rPr lang="nl-NL" sz="2000" b="1" dirty="0"/>
+              <a:t>Groot aantal splits</a:t>
+            </a:r>
+          </a:p>
+          <a:p>
+            <a:pPr marL="0" indent="0">
+              <a:buNone/>
+            </a:pPr>
+            <a:endParaRPr lang="nl-NL" sz="2000" dirty="0"/>
+          </a:p>
+          <a:p>
+            <a:pPr marL="0" indent="0">
+              <a:buNone/>
+            </a:pPr>
+            <a:r>
+              <a:rPr lang="nl-NL" sz="2000" u="sng" dirty="0"/>
+              <a:t>Grote training sets</a:t>
+            </a:r>
+          </a:p>
+          <a:p>
+            <a:pPr marL="0" indent="0">
+              <a:buNone/>
+            </a:pPr>
+            <a:r>
+              <a:rPr lang="nl-NL" sz="2000" dirty="0"/>
+              <a:t>Model kan beter leren en presteert meer zoals je mag verwachten in de praktijk.</a:t>
+            </a:r>
+          </a:p>
+          <a:p>
+            <a:pPr marL="0" indent="0">
+              <a:buNone/>
+            </a:pPr>
+            <a:endParaRPr lang="nl-NL" sz="2000" dirty="0"/>
+          </a:p>
+          <a:p>
+            <a:pPr marL="0" indent="0">
+              <a:buNone/>
+            </a:pPr>
+            <a:endParaRPr lang="nl-NL" sz="2000" dirty="0"/>
+          </a:p>
+          <a:p>
+            <a:pPr marL="0" indent="0">
+              <a:buNone/>
+            </a:pPr>
+            <a:r>
+              <a:rPr lang="nl-NL" sz="2000" u="sng" dirty="0"/>
+              <a:t>Kleine validatie sets</a:t>
+            </a:r>
+          </a:p>
+          <a:p>
+            <a:pPr marL="0" indent="0">
+              <a:buNone/>
+            </a:pPr>
+            <a:r>
+              <a:rPr lang="nl-NL" sz="2000" dirty="0"/>
+              <a:t>Minder cases</a:t>
+            </a:r>
+            <a:r>
+              <a:rPr lang="nl-NL" sz="2000"/>
+              <a:t>, foutmarges </a:t>
+            </a:r>
+            <a:r>
+              <a:rPr lang="nl-NL" sz="2000" dirty="0"/>
+              <a:t>onnauwkeuriger.</a:t>
+            </a:r>
+          </a:p>
+        </p:txBody>
+      </p:sp>
+      <p:cxnSp>
+        <p:nvCxnSpPr>
+          <p:cNvPr id="8" name="Straight Connector 7">
+            <a:extLst>
+              <a:ext uri="{FF2B5EF4-FFF2-40B4-BE49-F238E27FC236}">
+                <a16:creationId xmlns:a16="http://schemas.microsoft.com/office/drawing/2014/main" id="{13FB5B8E-02A7-4244-A137-A1FF06FED050}"/>
+              </a:ext>
+            </a:extLst>
+          </p:cNvPr>
+          <p:cNvCxnSpPr/>
+          <p:nvPr/>
+        </p:nvCxnSpPr>
+        <p:spPr>
+          <a:xfrm>
+            <a:off x="5805581" y="1531295"/>
+            <a:ext cx="0" cy="4720696"/>
+          </a:xfrm>
+          <a:prstGeom prst="line">
+            <a:avLst/>
+          </a:prstGeom>
+        </p:spPr>
+        <p:style>
+          <a:lnRef idx="2">
+            <a:schemeClr val="dk1"/>
+          </a:lnRef>
+          <a:fillRef idx="0">
+            <a:schemeClr val="dk1"/>
+          </a:fillRef>
+          <a:effectRef idx="1">
+            <a:schemeClr val="dk1"/>
+          </a:effectRef>
+          <a:fontRef idx="minor">
+            <a:schemeClr val="tx1"/>
+          </a:fontRef>
+        </p:style>
+      </p:cxnSp>
     </p:spTree>
     <p:extLst>
       <p:ext uri="{BB962C8B-B14F-4D97-AF65-F5344CB8AC3E}">
-        <p14:creationId xmlns:p14="http://schemas.microsoft.com/office/powerpoint/2010/main" val="3009350591"/>
+        <p14:creationId xmlns:p14="http://schemas.microsoft.com/office/powerpoint/2010/main" val="1093500196"/>
       </p:ext>
     </p:extLst>
   </p:cSld>
@@ -20100,7 +20677,7 @@
             </a:pPr>
             <a:r>
               <a:rPr lang="nl-NL" sz="2000" dirty="0"/>
-              <a:t>Dummy model kan als baseline dienen om prestaties mee te vergelijken.</a:t>
+              <a:t>Dummy model is baseline om prestaties mee te vergelijken.</a:t>
             </a:r>
           </a:p>
         </p:txBody>

--- a/python_course/4_scikit_learn/python_cursus_4.pptx
+++ b/python_course/4_scikit_learn/python_cursus_4.pptx
@@ -5,7 +5,7 @@
     <p:sldMasterId id="2147483648" r:id="rId1"/>
   </p:sldMasterIdLst>
   <p:notesMasterIdLst>
-    <p:notesMasterId r:id="rId51"/>
+    <p:notesMasterId r:id="rId55"/>
   </p:notesMasterIdLst>
   <p:sldIdLst>
     <p:sldId id="334" r:id="rId2"/>
@@ -31,32 +31,36 @@
     <p:sldId id="355" r:id="rId22"/>
     <p:sldId id="357" r:id="rId23"/>
     <p:sldId id="394" r:id="rId24"/>
-    <p:sldId id="366" r:id="rId25"/>
-    <p:sldId id="382" r:id="rId26"/>
-    <p:sldId id="345" r:id="rId27"/>
-    <p:sldId id="358" r:id="rId28"/>
-    <p:sldId id="361" r:id="rId29"/>
-    <p:sldId id="368" r:id="rId30"/>
-    <p:sldId id="391" r:id="rId31"/>
-    <p:sldId id="392" r:id="rId32"/>
-    <p:sldId id="390" r:id="rId33"/>
-    <p:sldId id="395" r:id="rId34"/>
-    <p:sldId id="383" r:id="rId35"/>
-    <p:sldId id="362" r:id="rId36"/>
-    <p:sldId id="385" r:id="rId37"/>
-    <p:sldId id="384" r:id="rId38"/>
-    <p:sldId id="370" r:id="rId39"/>
-    <p:sldId id="377" r:id="rId40"/>
-    <p:sldId id="371" r:id="rId41"/>
-    <p:sldId id="372" r:id="rId42"/>
-    <p:sldId id="373" r:id="rId43"/>
-    <p:sldId id="374" r:id="rId44"/>
-    <p:sldId id="375" r:id="rId45"/>
-    <p:sldId id="336" r:id="rId46"/>
-    <p:sldId id="378" r:id="rId47"/>
-    <p:sldId id="380" r:id="rId48"/>
-    <p:sldId id="381" r:id="rId49"/>
-    <p:sldId id="387" r:id="rId50"/>
+    <p:sldId id="396" r:id="rId25"/>
+    <p:sldId id="397" r:id="rId26"/>
+    <p:sldId id="399" r:id="rId27"/>
+    <p:sldId id="398" r:id="rId28"/>
+    <p:sldId id="366" r:id="rId29"/>
+    <p:sldId id="382" r:id="rId30"/>
+    <p:sldId id="345" r:id="rId31"/>
+    <p:sldId id="358" r:id="rId32"/>
+    <p:sldId id="361" r:id="rId33"/>
+    <p:sldId id="368" r:id="rId34"/>
+    <p:sldId id="391" r:id="rId35"/>
+    <p:sldId id="392" r:id="rId36"/>
+    <p:sldId id="390" r:id="rId37"/>
+    <p:sldId id="395" r:id="rId38"/>
+    <p:sldId id="383" r:id="rId39"/>
+    <p:sldId id="362" r:id="rId40"/>
+    <p:sldId id="385" r:id="rId41"/>
+    <p:sldId id="384" r:id="rId42"/>
+    <p:sldId id="370" r:id="rId43"/>
+    <p:sldId id="377" r:id="rId44"/>
+    <p:sldId id="371" r:id="rId45"/>
+    <p:sldId id="372" r:id="rId46"/>
+    <p:sldId id="373" r:id="rId47"/>
+    <p:sldId id="374" r:id="rId48"/>
+    <p:sldId id="375" r:id="rId49"/>
+    <p:sldId id="336" r:id="rId50"/>
+    <p:sldId id="378" r:id="rId51"/>
+    <p:sldId id="380" r:id="rId52"/>
+    <p:sldId id="381" r:id="rId53"/>
+    <p:sldId id="387" r:id="rId54"/>
   </p:sldIdLst>
   <p:sldSz cx="12192000" cy="6858000"/>
   <p:notesSz cx="6858000" cy="9144000"/>
@@ -1154,7 +1158,7 @@
           <a:p>
             <a:fld id="{6F54D322-06CD-4C3F-9549-759BC5FDB94E}" type="datetimeFigureOut">
               <a:rPr lang="nl-NL" smtClean="0"/>
-              <a:t>1-10-2024</a:t>
+              <a:t>11-10-2024</a:t>
             </a:fld>
             <a:endParaRPr lang="nl-NL"/>
           </a:p>
@@ -1642,10 +1646,23 @@
           <a:bodyPr/>
           <a:lstStyle/>
           <a:p>
-            <a:r>
-              <a:rPr lang="en-US" dirty="0"/>
-              <a:t>Notebook: 2_modelling.ipynb</a:t>
-            </a:r>
+            <a:pPr marL="0" marR="0" lvl="0" indent="0" algn="l" defTabSz="914400" rtl="0" eaLnBrk="1" fontAlgn="auto" latinLnBrk="0" hangingPunct="1">
+              <a:lnSpc>
+                <a:spcPct val="100000"/>
+              </a:lnSpc>
+              <a:spcBef>
+                <a:spcPts val="0"/>
+              </a:spcBef>
+              <a:spcAft>
+                <a:spcPts val="0"/>
+              </a:spcAft>
+              <a:buClrTx/>
+              <a:buSzTx/>
+              <a:buFontTx/>
+              <a:buNone/>
+              <a:tabLst/>
+              <a:defRPr/>
+            </a:pPr>
             <a:endParaRPr lang="nl-NL" dirty="0"/>
           </a:p>
         </p:txBody>
@@ -1667,7 +1684,7 @@
           <a:p>
             <a:fld id="{E65DFEEA-F20E-4282-B486-E48C3273787F}" type="slidenum">
               <a:rPr lang="nl-NL" smtClean="0"/>
-              <a:t>24</a:t>
+              <a:t>23</a:t>
             </a:fld>
             <a:endParaRPr lang="nl-NL"/>
           </a:p>
@@ -1676,7 +1693,7 @@
     </p:spTree>
     <p:extLst>
       <p:ext uri="{BB962C8B-B14F-4D97-AF65-F5344CB8AC3E}">
-        <p14:creationId xmlns:p14="http://schemas.microsoft.com/office/powerpoint/2010/main" val="1120669651"/>
+        <p14:creationId xmlns:p14="http://schemas.microsoft.com/office/powerpoint/2010/main" val="3659232918"/>
       </p:ext>
     </p:extLst>
   </p:cSld>
@@ -1687,6 +1704,510 @@
 </file>
 
 <file path=ppt/notesSlides/notesSlide4.xml><?xml version="1.0" encoding="utf-8"?>
+<p:notes xmlns:a="http://schemas.openxmlformats.org/drawingml/2006/main" xmlns:r="http://schemas.openxmlformats.org/officeDocument/2006/relationships" xmlns:p="http://schemas.openxmlformats.org/presentationml/2006/main">
+  <p:cSld>
+    <p:spTree>
+      <p:nvGrpSpPr>
+        <p:cNvPr id="1" name="">
+          <a:extLst>
+            <a:ext uri="{FF2B5EF4-FFF2-40B4-BE49-F238E27FC236}">
+              <a16:creationId xmlns:a16="http://schemas.microsoft.com/office/drawing/2014/main" id="{8DC8EBE3-6D9F-A032-8D86-1FBB6FB783E2}"/>
+            </a:ext>
+          </a:extLst>
+        </p:cNvPr>
+        <p:cNvGrpSpPr/>
+        <p:nvPr/>
+      </p:nvGrpSpPr>
+      <p:grpSpPr>
+        <a:xfrm>
+          <a:off x="0" y="0"/>
+          <a:ext cx="0" cy="0"/>
+          <a:chOff x="0" y="0"/>
+          <a:chExt cx="0" cy="0"/>
+        </a:xfrm>
+      </p:grpSpPr>
+      <p:sp>
+        <p:nvSpPr>
+          <p:cNvPr id="2" name="Slide Image Placeholder 1">
+            <a:extLst>
+              <a:ext uri="{FF2B5EF4-FFF2-40B4-BE49-F238E27FC236}">
+                <a16:creationId xmlns:a16="http://schemas.microsoft.com/office/drawing/2014/main" id="{62CC5B3A-DF13-E76B-D831-BAB6F41A4CF0}"/>
+              </a:ext>
+            </a:extLst>
+          </p:cNvPr>
+          <p:cNvSpPr>
+            <a:spLocks noGrp="1" noRot="1" noChangeAspect="1"/>
+          </p:cNvSpPr>
+          <p:nvPr>
+            <p:ph type="sldImg"/>
+          </p:nvPr>
+        </p:nvSpPr>
+        <p:spPr/>
+      </p:sp>
+      <p:sp>
+        <p:nvSpPr>
+          <p:cNvPr id="3" name="Notes Placeholder 2">
+            <a:extLst>
+              <a:ext uri="{FF2B5EF4-FFF2-40B4-BE49-F238E27FC236}">
+                <a16:creationId xmlns:a16="http://schemas.microsoft.com/office/drawing/2014/main" id="{D837034D-698F-7842-6B61-4C5322DA7CF5}"/>
+              </a:ext>
+            </a:extLst>
+          </p:cNvPr>
+          <p:cNvSpPr>
+            <a:spLocks noGrp="1"/>
+          </p:cNvSpPr>
+          <p:nvPr>
+            <p:ph type="body" idx="1"/>
+          </p:nvPr>
+        </p:nvSpPr>
+        <p:spPr/>
+        <p:txBody>
+          <a:bodyPr/>
+          <a:lstStyle/>
+          <a:p>
+            <a:pPr marL="0" marR="0" lvl="0" indent="0" algn="l" defTabSz="914400" rtl="0" eaLnBrk="1" fontAlgn="auto" latinLnBrk="0" hangingPunct="1">
+              <a:lnSpc>
+                <a:spcPct val="100000"/>
+              </a:lnSpc>
+              <a:spcBef>
+                <a:spcPts val="0"/>
+              </a:spcBef>
+              <a:spcAft>
+                <a:spcPts val="0"/>
+              </a:spcAft>
+              <a:buClrTx/>
+              <a:buSzTx/>
+              <a:buFontTx/>
+              <a:buNone/>
+              <a:tabLst/>
+              <a:defRPr/>
+            </a:pPr>
+            <a:endParaRPr lang="nl-NL" dirty="0"/>
+          </a:p>
+        </p:txBody>
+      </p:sp>
+      <p:sp>
+        <p:nvSpPr>
+          <p:cNvPr id="4" name="Slide Number Placeholder 3">
+            <a:extLst>
+              <a:ext uri="{FF2B5EF4-FFF2-40B4-BE49-F238E27FC236}">
+                <a16:creationId xmlns:a16="http://schemas.microsoft.com/office/drawing/2014/main" id="{E0F67035-DBF2-2C7F-F59B-A31B2ABFAAA0}"/>
+              </a:ext>
+            </a:extLst>
+          </p:cNvPr>
+          <p:cNvSpPr>
+            <a:spLocks noGrp="1"/>
+          </p:cNvSpPr>
+          <p:nvPr>
+            <p:ph type="sldNum" sz="quarter" idx="5"/>
+          </p:nvPr>
+        </p:nvSpPr>
+        <p:spPr/>
+        <p:txBody>
+          <a:bodyPr/>
+          <a:lstStyle/>
+          <a:p>
+            <a:fld id="{E65DFEEA-F20E-4282-B486-E48C3273787F}" type="slidenum">
+              <a:rPr lang="nl-NL" smtClean="0"/>
+              <a:t>24</a:t>
+            </a:fld>
+            <a:endParaRPr lang="nl-NL"/>
+          </a:p>
+        </p:txBody>
+      </p:sp>
+    </p:spTree>
+    <p:extLst>
+      <p:ext uri="{BB962C8B-B14F-4D97-AF65-F5344CB8AC3E}">
+        <p14:creationId xmlns:p14="http://schemas.microsoft.com/office/powerpoint/2010/main" val="2150804434"/>
+      </p:ext>
+    </p:extLst>
+  </p:cSld>
+  <p:clrMapOvr>
+    <a:masterClrMapping/>
+  </p:clrMapOvr>
+</p:notes>
+</file>
+
+<file path=ppt/notesSlides/notesSlide5.xml><?xml version="1.0" encoding="utf-8"?>
+<p:notes xmlns:a="http://schemas.openxmlformats.org/drawingml/2006/main" xmlns:r="http://schemas.openxmlformats.org/officeDocument/2006/relationships" xmlns:p="http://schemas.openxmlformats.org/presentationml/2006/main">
+  <p:cSld>
+    <p:spTree>
+      <p:nvGrpSpPr>
+        <p:cNvPr id="1" name="">
+          <a:extLst>
+            <a:ext uri="{FF2B5EF4-FFF2-40B4-BE49-F238E27FC236}">
+              <a16:creationId xmlns:a16="http://schemas.microsoft.com/office/drawing/2014/main" id="{33F30E39-C73F-6795-2130-7EC18F110479}"/>
+            </a:ext>
+          </a:extLst>
+        </p:cNvPr>
+        <p:cNvGrpSpPr/>
+        <p:nvPr/>
+      </p:nvGrpSpPr>
+      <p:grpSpPr>
+        <a:xfrm>
+          <a:off x="0" y="0"/>
+          <a:ext cx="0" cy="0"/>
+          <a:chOff x="0" y="0"/>
+          <a:chExt cx="0" cy="0"/>
+        </a:xfrm>
+      </p:grpSpPr>
+      <p:sp>
+        <p:nvSpPr>
+          <p:cNvPr id="2" name="Slide Image Placeholder 1">
+            <a:extLst>
+              <a:ext uri="{FF2B5EF4-FFF2-40B4-BE49-F238E27FC236}">
+                <a16:creationId xmlns:a16="http://schemas.microsoft.com/office/drawing/2014/main" id="{0F688A74-8A33-7F8D-2008-94DC3304FD04}"/>
+              </a:ext>
+            </a:extLst>
+          </p:cNvPr>
+          <p:cNvSpPr>
+            <a:spLocks noGrp="1" noRot="1" noChangeAspect="1"/>
+          </p:cNvSpPr>
+          <p:nvPr>
+            <p:ph type="sldImg"/>
+          </p:nvPr>
+        </p:nvSpPr>
+        <p:spPr/>
+      </p:sp>
+      <p:sp>
+        <p:nvSpPr>
+          <p:cNvPr id="3" name="Notes Placeholder 2">
+            <a:extLst>
+              <a:ext uri="{FF2B5EF4-FFF2-40B4-BE49-F238E27FC236}">
+                <a16:creationId xmlns:a16="http://schemas.microsoft.com/office/drawing/2014/main" id="{71E61AAC-1287-E6EB-BBA6-2390176ED438}"/>
+              </a:ext>
+            </a:extLst>
+          </p:cNvPr>
+          <p:cNvSpPr>
+            <a:spLocks noGrp="1"/>
+          </p:cNvSpPr>
+          <p:nvPr>
+            <p:ph type="body" idx="1"/>
+          </p:nvPr>
+        </p:nvSpPr>
+        <p:spPr/>
+        <p:txBody>
+          <a:bodyPr/>
+          <a:lstStyle/>
+          <a:p>
+            <a:pPr marL="0" marR="0" lvl="0" indent="0" algn="l" defTabSz="914400" rtl="0" eaLnBrk="1" fontAlgn="auto" latinLnBrk="0" hangingPunct="1">
+              <a:lnSpc>
+                <a:spcPct val="100000"/>
+              </a:lnSpc>
+              <a:spcBef>
+                <a:spcPts val="0"/>
+              </a:spcBef>
+              <a:spcAft>
+                <a:spcPts val="0"/>
+              </a:spcAft>
+              <a:buClrTx/>
+              <a:buSzTx/>
+              <a:buFontTx/>
+              <a:buNone/>
+              <a:tabLst/>
+              <a:defRPr/>
+            </a:pPr>
+            <a:endParaRPr lang="nl-NL" dirty="0"/>
+          </a:p>
+        </p:txBody>
+      </p:sp>
+      <p:sp>
+        <p:nvSpPr>
+          <p:cNvPr id="4" name="Slide Number Placeholder 3">
+            <a:extLst>
+              <a:ext uri="{FF2B5EF4-FFF2-40B4-BE49-F238E27FC236}">
+                <a16:creationId xmlns:a16="http://schemas.microsoft.com/office/drawing/2014/main" id="{321F653C-6D49-7310-18C1-E54EEC69B4C9}"/>
+              </a:ext>
+            </a:extLst>
+          </p:cNvPr>
+          <p:cNvSpPr>
+            <a:spLocks noGrp="1"/>
+          </p:cNvSpPr>
+          <p:nvPr>
+            <p:ph type="sldNum" sz="quarter" idx="5"/>
+          </p:nvPr>
+        </p:nvSpPr>
+        <p:spPr/>
+        <p:txBody>
+          <a:bodyPr/>
+          <a:lstStyle/>
+          <a:p>
+            <a:fld id="{E65DFEEA-F20E-4282-B486-E48C3273787F}" type="slidenum">
+              <a:rPr lang="nl-NL" smtClean="0"/>
+              <a:t>25</a:t>
+            </a:fld>
+            <a:endParaRPr lang="nl-NL"/>
+          </a:p>
+        </p:txBody>
+      </p:sp>
+    </p:spTree>
+    <p:extLst>
+      <p:ext uri="{BB962C8B-B14F-4D97-AF65-F5344CB8AC3E}">
+        <p14:creationId xmlns:p14="http://schemas.microsoft.com/office/powerpoint/2010/main" val="4286641911"/>
+      </p:ext>
+    </p:extLst>
+  </p:cSld>
+  <p:clrMapOvr>
+    <a:masterClrMapping/>
+  </p:clrMapOvr>
+</p:notes>
+</file>
+
+<file path=ppt/notesSlides/notesSlide6.xml><?xml version="1.0" encoding="utf-8"?>
+<p:notes xmlns:a="http://schemas.openxmlformats.org/drawingml/2006/main" xmlns:r="http://schemas.openxmlformats.org/officeDocument/2006/relationships" xmlns:p="http://schemas.openxmlformats.org/presentationml/2006/main">
+  <p:cSld>
+    <p:spTree>
+      <p:nvGrpSpPr>
+        <p:cNvPr id="1" name="">
+          <a:extLst>
+            <a:ext uri="{FF2B5EF4-FFF2-40B4-BE49-F238E27FC236}">
+              <a16:creationId xmlns:a16="http://schemas.microsoft.com/office/drawing/2014/main" id="{81950801-B1E7-7A56-1761-F241C56193AF}"/>
+            </a:ext>
+          </a:extLst>
+        </p:cNvPr>
+        <p:cNvGrpSpPr/>
+        <p:nvPr/>
+      </p:nvGrpSpPr>
+      <p:grpSpPr>
+        <a:xfrm>
+          <a:off x="0" y="0"/>
+          <a:ext cx="0" cy="0"/>
+          <a:chOff x="0" y="0"/>
+          <a:chExt cx="0" cy="0"/>
+        </a:xfrm>
+      </p:grpSpPr>
+      <p:sp>
+        <p:nvSpPr>
+          <p:cNvPr id="2" name="Slide Image Placeholder 1">
+            <a:extLst>
+              <a:ext uri="{FF2B5EF4-FFF2-40B4-BE49-F238E27FC236}">
+                <a16:creationId xmlns:a16="http://schemas.microsoft.com/office/drawing/2014/main" id="{6D6C56AA-7CB7-5400-309F-08DF79FB6D02}"/>
+              </a:ext>
+            </a:extLst>
+          </p:cNvPr>
+          <p:cNvSpPr>
+            <a:spLocks noGrp="1" noRot="1" noChangeAspect="1"/>
+          </p:cNvSpPr>
+          <p:nvPr>
+            <p:ph type="sldImg"/>
+          </p:nvPr>
+        </p:nvSpPr>
+        <p:spPr/>
+      </p:sp>
+      <p:sp>
+        <p:nvSpPr>
+          <p:cNvPr id="3" name="Notes Placeholder 2">
+            <a:extLst>
+              <a:ext uri="{FF2B5EF4-FFF2-40B4-BE49-F238E27FC236}">
+                <a16:creationId xmlns:a16="http://schemas.microsoft.com/office/drawing/2014/main" id="{3AB7E63B-9635-0829-E235-A07F4FF172B0}"/>
+              </a:ext>
+            </a:extLst>
+          </p:cNvPr>
+          <p:cNvSpPr>
+            <a:spLocks noGrp="1"/>
+          </p:cNvSpPr>
+          <p:nvPr>
+            <p:ph type="body" idx="1"/>
+          </p:nvPr>
+        </p:nvSpPr>
+        <p:spPr/>
+        <p:txBody>
+          <a:bodyPr/>
+          <a:lstStyle/>
+          <a:p>
+            <a:pPr marL="0" marR="0" lvl="0" indent="0" algn="l" defTabSz="914400" rtl="0" eaLnBrk="1" fontAlgn="auto" latinLnBrk="0" hangingPunct="1">
+              <a:lnSpc>
+                <a:spcPct val="100000"/>
+              </a:lnSpc>
+              <a:spcBef>
+                <a:spcPts val="0"/>
+              </a:spcBef>
+              <a:spcAft>
+                <a:spcPts val="0"/>
+              </a:spcAft>
+              <a:buClrTx/>
+              <a:buSzTx/>
+              <a:buFontTx/>
+              <a:buNone/>
+              <a:tabLst/>
+              <a:defRPr/>
+            </a:pPr>
+            <a:endParaRPr lang="nl-NL" dirty="0"/>
+          </a:p>
+        </p:txBody>
+      </p:sp>
+      <p:sp>
+        <p:nvSpPr>
+          <p:cNvPr id="4" name="Slide Number Placeholder 3">
+            <a:extLst>
+              <a:ext uri="{FF2B5EF4-FFF2-40B4-BE49-F238E27FC236}">
+                <a16:creationId xmlns:a16="http://schemas.microsoft.com/office/drawing/2014/main" id="{9A99ABE7-D545-04FC-22BD-43127A1AF01A}"/>
+              </a:ext>
+            </a:extLst>
+          </p:cNvPr>
+          <p:cNvSpPr>
+            <a:spLocks noGrp="1"/>
+          </p:cNvSpPr>
+          <p:nvPr>
+            <p:ph type="sldNum" sz="quarter" idx="5"/>
+          </p:nvPr>
+        </p:nvSpPr>
+        <p:spPr/>
+        <p:txBody>
+          <a:bodyPr/>
+          <a:lstStyle/>
+          <a:p>
+            <a:fld id="{E65DFEEA-F20E-4282-B486-E48C3273787F}" type="slidenum">
+              <a:rPr lang="nl-NL" smtClean="0"/>
+              <a:t>26</a:t>
+            </a:fld>
+            <a:endParaRPr lang="nl-NL"/>
+          </a:p>
+        </p:txBody>
+      </p:sp>
+    </p:spTree>
+    <p:extLst>
+      <p:ext uri="{BB962C8B-B14F-4D97-AF65-F5344CB8AC3E}">
+        <p14:creationId xmlns:p14="http://schemas.microsoft.com/office/powerpoint/2010/main" val="2115743691"/>
+      </p:ext>
+    </p:extLst>
+  </p:cSld>
+  <p:clrMapOvr>
+    <a:masterClrMapping/>
+  </p:clrMapOvr>
+</p:notes>
+</file>
+
+<file path=ppt/notesSlides/notesSlide7.xml><?xml version="1.0" encoding="utf-8"?>
+<p:notes xmlns:a="http://schemas.openxmlformats.org/drawingml/2006/main" xmlns:r="http://schemas.openxmlformats.org/officeDocument/2006/relationships" xmlns:p="http://schemas.openxmlformats.org/presentationml/2006/main">
+  <p:cSld>
+    <p:spTree>
+      <p:nvGrpSpPr>
+        <p:cNvPr id="1" name="">
+          <a:extLst>
+            <a:ext uri="{FF2B5EF4-FFF2-40B4-BE49-F238E27FC236}">
+              <a16:creationId xmlns:a16="http://schemas.microsoft.com/office/drawing/2014/main" id="{E1505CB5-EE8D-E7DA-CC4C-533094926363}"/>
+            </a:ext>
+          </a:extLst>
+        </p:cNvPr>
+        <p:cNvGrpSpPr/>
+        <p:nvPr/>
+      </p:nvGrpSpPr>
+      <p:grpSpPr>
+        <a:xfrm>
+          <a:off x="0" y="0"/>
+          <a:ext cx="0" cy="0"/>
+          <a:chOff x="0" y="0"/>
+          <a:chExt cx="0" cy="0"/>
+        </a:xfrm>
+      </p:grpSpPr>
+      <p:sp>
+        <p:nvSpPr>
+          <p:cNvPr id="2" name="Slide Image Placeholder 1">
+            <a:extLst>
+              <a:ext uri="{FF2B5EF4-FFF2-40B4-BE49-F238E27FC236}">
+                <a16:creationId xmlns:a16="http://schemas.microsoft.com/office/drawing/2014/main" id="{40D7489B-8632-33C9-22C2-D5D07BA9FFC7}"/>
+              </a:ext>
+            </a:extLst>
+          </p:cNvPr>
+          <p:cNvSpPr>
+            <a:spLocks noGrp="1" noRot="1" noChangeAspect="1"/>
+          </p:cNvSpPr>
+          <p:nvPr>
+            <p:ph type="sldImg"/>
+          </p:nvPr>
+        </p:nvSpPr>
+        <p:spPr/>
+      </p:sp>
+      <p:sp>
+        <p:nvSpPr>
+          <p:cNvPr id="3" name="Notes Placeholder 2">
+            <a:extLst>
+              <a:ext uri="{FF2B5EF4-FFF2-40B4-BE49-F238E27FC236}">
+                <a16:creationId xmlns:a16="http://schemas.microsoft.com/office/drawing/2014/main" id="{ADB331B4-BBBD-0FF4-AED1-8E283740217B}"/>
+              </a:ext>
+            </a:extLst>
+          </p:cNvPr>
+          <p:cNvSpPr>
+            <a:spLocks noGrp="1"/>
+          </p:cNvSpPr>
+          <p:nvPr>
+            <p:ph type="body" idx="1"/>
+          </p:nvPr>
+        </p:nvSpPr>
+        <p:spPr/>
+        <p:txBody>
+          <a:bodyPr/>
+          <a:lstStyle/>
+          <a:p>
+            <a:pPr marL="0" marR="0" lvl="0" indent="0" algn="l" defTabSz="914400" rtl="0" eaLnBrk="1" fontAlgn="auto" latinLnBrk="0" hangingPunct="1">
+              <a:lnSpc>
+                <a:spcPct val="100000"/>
+              </a:lnSpc>
+              <a:spcBef>
+                <a:spcPts val="0"/>
+              </a:spcBef>
+              <a:spcAft>
+                <a:spcPts val="0"/>
+              </a:spcAft>
+              <a:buClrTx/>
+              <a:buSzTx/>
+              <a:buFontTx/>
+              <a:buNone/>
+              <a:tabLst/>
+              <a:defRPr/>
+            </a:pPr>
+            <a:r>
+              <a:rPr lang="en-US" dirty="0"/>
+              <a:t>Notebook: 2_modelling.ipynb</a:t>
+            </a:r>
+            <a:endParaRPr lang="nl-NL" dirty="0"/>
+          </a:p>
+        </p:txBody>
+      </p:sp>
+      <p:sp>
+        <p:nvSpPr>
+          <p:cNvPr id="4" name="Slide Number Placeholder 3">
+            <a:extLst>
+              <a:ext uri="{FF2B5EF4-FFF2-40B4-BE49-F238E27FC236}">
+                <a16:creationId xmlns:a16="http://schemas.microsoft.com/office/drawing/2014/main" id="{C739722A-F98B-CAD9-7A1A-8EC4114A5DF5}"/>
+              </a:ext>
+            </a:extLst>
+          </p:cNvPr>
+          <p:cNvSpPr>
+            <a:spLocks noGrp="1"/>
+          </p:cNvSpPr>
+          <p:nvPr>
+            <p:ph type="sldNum" sz="quarter" idx="5"/>
+          </p:nvPr>
+        </p:nvSpPr>
+        <p:spPr/>
+        <p:txBody>
+          <a:bodyPr/>
+          <a:lstStyle/>
+          <a:p>
+            <a:fld id="{E65DFEEA-F20E-4282-B486-E48C3273787F}" type="slidenum">
+              <a:rPr lang="nl-NL" smtClean="0"/>
+              <a:t>27</a:t>
+            </a:fld>
+            <a:endParaRPr lang="nl-NL"/>
+          </a:p>
+        </p:txBody>
+      </p:sp>
+    </p:spTree>
+    <p:extLst>
+      <p:ext uri="{BB962C8B-B14F-4D97-AF65-F5344CB8AC3E}">
+        <p14:creationId xmlns:p14="http://schemas.microsoft.com/office/powerpoint/2010/main" val="3055304734"/>
+      </p:ext>
+    </p:extLst>
+  </p:cSld>
+  <p:clrMapOvr>
+    <a:masterClrMapping/>
+  </p:clrMapOvr>
+</p:notes>
+</file>
+
+<file path=ppt/notesSlides/notesSlide8.xml><?xml version="1.0" encoding="utf-8"?>
 <p:notes xmlns:a="http://schemas.openxmlformats.org/drawingml/2006/main" xmlns:r="http://schemas.openxmlformats.org/officeDocument/2006/relationships" xmlns:p="http://schemas.openxmlformats.org/presentationml/2006/main">
   <p:cSld>
     <p:spTree>
@@ -1730,10 +2251,6 @@
           <a:bodyPr/>
           <a:lstStyle/>
           <a:p>
-            <a:r>
-              <a:rPr lang="en-US" dirty="0"/>
-              <a:t>3_validation.ipynb</a:t>
-            </a:r>
             <a:endParaRPr lang="nl-NL" dirty="0"/>
           </a:p>
         </p:txBody>
@@ -1756,6 +2273,94 @@
             <a:fld id="{E65DFEEA-F20E-4282-B486-E48C3273787F}" type="slidenum">
               <a:rPr lang="nl-NL" smtClean="0"/>
               <a:t>28</a:t>
+            </a:fld>
+            <a:endParaRPr lang="nl-NL"/>
+          </a:p>
+        </p:txBody>
+      </p:sp>
+    </p:spTree>
+    <p:extLst>
+      <p:ext uri="{BB962C8B-B14F-4D97-AF65-F5344CB8AC3E}">
+        <p14:creationId xmlns:p14="http://schemas.microsoft.com/office/powerpoint/2010/main" val="1120669651"/>
+      </p:ext>
+    </p:extLst>
+  </p:cSld>
+  <p:clrMapOvr>
+    <a:masterClrMapping/>
+  </p:clrMapOvr>
+</p:notes>
+</file>
+
+<file path=ppt/notesSlides/notesSlide9.xml><?xml version="1.0" encoding="utf-8"?>
+<p:notes xmlns:a="http://schemas.openxmlformats.org/drawingml/2006/main" xmlns:r="http://schemas.openxmlformats.org/officeDocument/2006/relationships" xmlns:p="http://schemas.openxmlformats.org/presentationml/2006/main">
+  <p:cSld>
+    <p:spTree>
+      <p:nvGrpSpPr>
+        <p:cNvPr id="1" name=""/>
+        <p:cNvGrpSpPr/>
+        <p:nvPr/>
+      </p:nvGrpSpPr>
+      <p:grpSpPr>
+        <a:xfrm>
+          <a:off x="0" y="0"/>
+          <a:ext cx="0" cy="0"/>
+          <a:chOff x="0" y="0"/>
+          <a:chExt cx="0" cy="0"/>
+        </a:xfrm>
+      </p:grpSpPr>
+      <p:sp>
+        <p:nvSpPr>
+          <p:cNvPr id="2" name="Slide Image Placeholder 1"/>
+          <p:cNvSpPr>
+            <a:spLocks noGrp="1" noRot="1" noChangeAspect="1"/>
+          </p:cNvSpPr>
+          <p:nvPr>
+            <p:ph type="sldImg"/>
+          </p:nvPr>
+        </p:nvSpPr>
+        <p:spPr/>
+      </p:sp>
+      <p:sp>
+        <p:nvSpPr>
+          <p:cNvPr id="3" name="Notes Placeholder 2"/>
+          <p:cNvSpPr>
+            <a:spLocks noGrp="1"/>
+          </p:cNvSpPr>
+          <p:nvPr>
+            <p:ph type="body" idx="1"/>
+          </p:nvPr>
+        </p:nvSpPr>
+        <p:spPr/>
+        <p:txBody>
+          <a:bodyPr/>
+          <a:lstStyle/>
+          <a:p>
+            <a:r>
+              <a:rPr lang="en-US" dirty="0"/>
+              <a:t>Notebook: 3_validation.ipynb</a:t>
+            </a:r>
+            <a:endParaRPr lang="nl-NL" dirty="0"/>
+          </a:p>
+        </p:txBody>
+      </p:sp>
+      <p:sp>
+        <p:nvSpPr>
+          <p:cNvPr id="4" name="Slide Number Placeholder 3"/>
+          <p:cNvSpPr>
+            <a:spLocks noGrp="1"/>
+          </p:cNvSpPr>
+          <p:nvPr>
+            <p:ph type="sldNum" sz="quarter" idx="5"/>
+          </p:nvPr>
+        </p:nvSpPr>
+        <p:spPr/>
+        <p:txBody>
+          <a:bodyPr/>
+          <a:lstStyle/>
+          <a:p>
+            <a:fld id="{E65DFEEA-F20E-4282-B486-E48C3273787F}" type="slidenum">
+              <a:rPr lang="nl-NL" smtClean="0"/>
+              <a:t>32</a:t>
             </a:fld>
             <a:endParaRPr lang="nl-NL"/>
           </a:p>
@@ -1923,7 +2528,7 @@
           <a:p>
             <a:fld id="{5E9D55AD-DA6B-4A9D-BFE6-D0A1673E6EA9}" type="datetimeFigureOut">
               <a:rPr lang="en-NL" smtClean="0"/>
-              <a:t>01/10/2024</a:t>
+              <a:t>11/10/2024</a:t>
             </a:fld>
             <a:endParaRPr lang="en-NL"/>
           </a:p>
@@ -2123,7 +2728,7 @@
           <a:p>
             <a:fld id="{5E9D55AD-DA6B-4A9D-BFE6-D0A1673E6EA9}" type="datetimeFigureOut">
               <a:rPr lang="en-NL" smtClean="0"/>
-              <a:t>01/10/2024</a:t>
+              <a:t>11/10/2024</a:t>
             </a:fld>
             <a:endParaRPr lang="en-NL"/>
           </a:p>
@@ -2333,7 +2938,7 @@
           <a:p>
             <a:fld id="{5E9D55AD-DA6B-4A9D-BFE6-D0A1673E6EA9}" type="datetimeFigureOut">
               <a:rPr lang="en-NL" smtClean="0"/>
-              <a:t>01/10/2024</a:t>
+              <a:t>11/10/2024</a:t>
             </a:fld>
             <a:endParaRPr lang="en-NL"/>
           </a:p>
@@ -2533,7 +3138,7 @@
           <a:p>
             <a:fld id="{5E9D55AD-DA6B-4A9D-BFE6-D0A1673E6EA9}" type="datetimeFigureOut">
               <a:rPr lang="en-NL" smtClean="0"/>
-              <a:t>01/10/2024</a:t>
+              <a:t>11/10/2024</a:t>
             </a:fld>
             <a:endParaRPr lang="en-NL"/>
           </a:p>
@@ -2809,7 +3414,7 @@
           <a:p>
             <a:fld id="{5E9D55AD-DA6B-4A9D-BFE6-D0A1673E6EA9}" type="datetimeFigureOut">
               <a:rPr lang="en-NL" smtClean="0"/>
-              <a:t>01/10/2024</a:t>
+              <a:t>11/10/2024</a:t>
             </a:fld>
             <a:endParaRPr lang="en-NL"/>
           </a:p>
@@ -3077,7 +3682,7 @@
           <a:p>
             <a:fld id="{5E9D55AD-DA6B-4A9D-BFE6-D0A1673E6EA9}" type="datetimeFigureOut">
               <a:rPr lang="en-NL" smtClean="0"/>
-              <a:t>01/10/2024</a:t>
+              <a:t>11/10/2024</a:t>
             </a:fld>
             <a:endParaRPr lang="en-NL"/>
           </a:p>
@@ -3492,7 +4097,7 @@
           <a:p>
             <a:fld id="{5E9D55AD-DA6B-4A9D-BFE6-D0A1673E6EA9}" type="datetimeFigureOut">
               <a:rPr lang="en-NL" smtClean="0"/>
-              <a:t>01/10/2024</a:t>
+              <a:t>11/10/2024</a:t>
             </a:fld>
             <a:endParaRPr lang="en-NL"/>
           </a:p>
@@ -3634,7 +4239,7 @@
           <a:p>
             <a:fld id="{5E9D55AD-DA6B-4A9D-BFE6-D0A1673E6EA9}" type="datetimeFigureOut">
               <a:rPr lang="en-NL" smtClean="0"/>
-              <a:t>01/10/2024</a:t>
+              <a:t>11/10/2024</a:t>
             </a:fld>
             <a:endParaRPr lang="en-NL"/>
           </a:p>
@@ -3747,7 +4352,7 @@
           <a:p>
             <a:fld id="{5E9D55AD-DA6B-4A9D-BFE6-D0A1673E6EA9}" type="datetimeFigureOut">
               <a:rPr lang="en-NL" smtClean="0"/>
-              <a:t>01/10/2024</a:t>
+              <a:t>11/10/2024</a:t>
             </a:fld>
             <a:endParaRPr lang="en-NL"/>
           </a:p>
@@ -4060,7 +4665,7 @@
           <a:p>
             <a:fld id="{5E9D55AD-DA6B-4A9D-BFE6-D0A1673E6EA9}" type="datetimeFigureOut">
               <a:rPr lang="en-NL" smtClean="0"/>
-              <a:t>01/10/2024</a:t>
+              <a:t>11/10/2024</a:t>
             </a:fld>
             <a:endParaRPr lang="en-NL"/>
           </a:p>
@@ -4349,7 +4954,7 @@
           <a:p>
             <a:fld id="{5E9D55AD-DA6B-4A9D-BFE6-D0A1673E6EA9}" type="datetimeFigureOut">
               <a:rPr lang="en-NL" smtClean="0"/>
-              <a:t>01/10/2024</a:t>
+              <a:t>11/10/2024</a:t>
             </a:fld>
             <a:endParaRPr lang="en-NL"/>
           </a:p>
@@ -4592,7 +5197,7 @@
           <a:p>
             <a:fld id="{5E9D55AD-DA6B-4A9D-BFE6-D0A1673E6EA9}" type="datetimeFigureOut">
               <a:rPr lang="en-NL" smtClean="0"/>
-              <a:t>01/10/2024</a:t>
+              <a:t>11/10/2024</a:t>
             </a:fld>
             <a:endParaRPr lang="en-NL"/>
           </a:p>
@@ -6877,7 +7482,14 @@
               <a:pPr algn="ctr"/>
               <a:r>
                 <a:rPr lang="en-US" dirty="0"/>
-                <a:t>Train</a:t>
+                <a:t>train</a:t>
+              </a:r>
+            </a:p>
+            <a:p>
+              <a:pPr algn="ctr"/>
+              <a:r>
+                <a:rPr lang="en-US" dirty="0"/>
+                <a:t>set</a:t>
               </a:r>
               <a:endParaRPr lang="en-NL" dirty="0"/>
             </a:p>
@@ -6925,7 +7537,14 @@
               <a:pPr algn="ctr"/>
               <a:r>
                 <a:rPr lang="en-US" dirty="0"/>
-                <a:t>Score</a:t>
+                <a:t>score</a:t>
+              </a:r>
+            </a:p>
+            <a:p>
+              <a:pPr algn="ctr"/>
+              <a:r>
+                <a:rPr lang="en-US" dirty="0"/>
+                <a:t>set</a:t>
               </a:r>
               <a:endParaRPr lang="en-NL" dirty="0"/>
             </a:p>
@@ -7141,7 +7760,14 @@
               <a:pPr algn="ctr"/>
               <a:r>
                 <a:rPr lang="en-US" dirty="0"/>
-                <a:t>Score</a:t>
+                <a:t>score</a:t>
+              </a:r>
+            </a:p>
+            <a:p>
+              <a:pPr algn="ctr"/>
+              <a:r>
+                <a:rPr lang="en-US" dirty="0"/>
+                <a:t>set</a:t>
               </a:r>
               <a:endParaRPr lang="en-NL" dirty="0"/>
             </a:p>
@@ -7951,13 +8577,13 @@
         </p:spPr>
         <p:style>
           <a:lnRef idx="1">
-            <a:schemeClr val="accent2"/>
+            <a:schemeClr val="accent6"/>
           </a:lnRef>
           <a:fillRef idx="2">
-            <a:schemeClr val="accent2"/>
+            <a:schemeClr val="accent6"/>
           </a:fillRef>
           <a:effectRef idx="1">
-            <a:schemeClr val="accent2"/>
+            <a:schemeClr val="accent6"/>
           </a:effectRef>
           <a:fontRef idx="minor">
             <a:schemeClr val="dk1"/>
@@ -8571,13 +9197,13 @@
         </p:spPr>
         <p:style>
           <a:lnRef idx="1">
-            <a:schemeClr val="accent2"/>
+            <a:schemeClr val="accent6"/>
           </a:lnRef>
           <a:fillRef idx="2">
-            <a:schemeClr val="accent2"/>
+            <a:schemeClr val="accent6"/>
           </a:fillRef>
           <a:effectRef idx="1">
-            <a:schemeClr val="accent2"/>
+            <a:schemeClr val="accent6"/>
           </a:effectRef>
           <a:fontRef idx="minor">
             <a:schemeClr val="dk1"/>
@@ -11283,7 +11909,15 @@
             </a:pPr>
             <a:r>
               <a:rPr lang="nl-NL" sz="2000" noProof="0" dirty="0"/>
-              <a:t>ML en Python:</a:t>
+              <a:t>Machine </a:t>
+            </a:r>
+            <a:r>
+              <a:rPr lang="nl-NL" sz="2000" noProof="0" dirty="0" err="1"/>
+              <a:t>Learing</a:t>
+            </a:r>
+            <a:r>
+              <a:rPr lang="nl-NL" sz="2000" noProof="0" dirty="0"/>
+              <a:t> in Python</a:t>
             </a:r>
           </a:p>
           <a:p>
@@ -11623,7 +12257,7 @@
             <a:pPr algn="ctr"/>
             <a:r>
               <a:rPr lang="nl-NL" dirty="0"/>
-              <a:t>Train data</a:t>
+              <a:t>Train set</a:t>
             </a:r>
           </a:p>
         </p:txBody>
@@ -11843,7 +12477,7 @@
                 <a:latin typeface="Courier New" panose="02070309020205020404" pitchFamily="49" charset="0"/>
                 <a:cs typeface="Courier New" panose="02070309020205020404" pitchFamily="49" charset="0"/>
               </a:rPr>
-              <a:t>J</a:t>
+              <a:t>8</a:t>
             </a:r>
           </a:p>
           <a:p>
@@ -11853,7 +12487,7 @@
                 <a:latin typeface="Courier New" panose="02070309020205020404" pitchFamily="49" charset="0"/>
                 <a:cs typeface="Courier New" panose="02070309020205020404" pitchFamily="49" charset="0"/>
               </a:rPr>
-              <a:t>N</a:t>
+              <a:t>1</a:t>
             </a:r>
           </a:p>
           <a:p>
@@ -11863,7 +12497,7 @@
                 <a:latin typeface="Courier New" panose="02070309020205020404" pitchFamily="49" charset="0"/>
                 <a:cs typeface="Courier New" panose="02070309020205020404" pitchFamily="49" charset="0"/>
               </a:rPr>
-              <a:t>J</a:t>
+              <a:t>2</a:t>
             </a:r>
           </a:p>
           <a:p>
@@ -11873,7 +12507,7 @@
                 <a:latin typeface="Courier New" panose="02070309020205020404" pitchFamily="49" charset="0"/>
                 <a:cs typeface="Courier New" panose="02070309020205020404" pitchFamily="49" charset="0"/>
               </a:rPr>
-              <a:t>J</a:t>
+              <a:t>4</a:t>
             </a:r>
           </a:p>
         </p:txBody>
@@ -12210,7 +12844,7 @@
             <a:pPr algn="ctr"/>
             <a:r>
               <a:rPr lang="nl-NL" dirty="0"/>
-              <a:t>Train data</a:t>
+              <a:t>Train set</a:t>
             </a:r>
           </a:p>
         </p:txBody>
@@ -12430,7 +13064,7 @@
                 <a:latin typeface="Courier New" panose="02070309020205020404" pitchFamily="49" charset="0"/>
                 <a:cs typeface="Courier New" panose="02070309020205020404" pitchFamily="49" charset="0"/>
               </a:rPr>
-              <a:t>J</a:t>
+              <a:t>8</a:t>
             </a:r>
           </a:p>
           <a:p>
@@ -12440,7 +13074,7 @@
                 <a:latin typeface="Courier New" panose="02070309020205020404" pitchFamily="49" charset="0"/>
                 <a:cs typeface="Courier New" panose="02070309020205020404" pitchFamily="49" charset="0"/>
               </a:rPr>
-              <a:t>N</a:t>
+              <a:t>1</a:t>
             </a:r>
           </a:p>
           <a:p>
@@ -12450,7 +13084,7 @@
                 <a:latin typeface="Courier New" panose="02070309020205020404" pitchFamily="49" charset="0"/>
                 <a:cs typeface="Courier New" panose="02070309020205020404" pitchFamily="49" charset="0"/>
               </a:rPr>
-              <a:t>J</a:t>
+              <a:t>2</a:t>
             </a:r>
           </a:p>
           <a:p>
@@ -12460,7 +13094,7 @@
                 <a:latin typeface="Courier New" panose="02070309020205020404" pitchFamily="49" charset="0"/>
                 <a:cs typeface="Courier New" panose="02070309020205020404" pitchFamily="49" charset="0"/>
               </a:rPr>
-              <a:t>J</a:t>
+              <a:t>4</a:t>
             </a:r>
           </a:p>
         </p:txBody>
@@ -12700,13 +13334,13 @@
         </p:spPr>
         <p:style>
           <a:lnRef idx="1">
-            <a:schemeClr val="accent2"/>
+            <a:schemeClr val="accent6"/>
           </a:lnRef>
           <a:fillRef idx="2">
-            <a:schemeClr val="accent2"/>
+            <a:schemeClr val="accent6"/>
           </a:fillRef>
           <a:effectRef idx="1">
-            <a:schemeClr val="accent2"/>
+            <a:schemeClr val="accent6"/>
           </a:effectRef>
           <a:fontRef idx="minor">
             <a:schemeClr val="dk1"/>
@@ -12719,7 +13353,7 @@
             <a:pPr algn="ctr"/>
             <a:r>
               <a:rPr lang="nl-NL" dirty="0"/>
-              <a:t>Score data</a:t>
+              <a:t>Score set</a:t>
             </a:r>
           </a:p>
         </p:txBody>
@@ -12747,13 +13381,13 @@
         </p:spPr>
         <p:style>
           <a:lnRef idx="2">
-            <a:schemeClr val="accent2"/>
+            <a:schemeClr val="accent6"/>
           </a:lnRef>
           <a:fillRef idx="1">
             <a:schemeClr val="lt1"/>
           </a:fillRef>
           <a:effectRef idx="0">
-            <a:schemeClr val="accent2"/>
+            <a:schemeClr val="accent6"/>
           </a:effectRef>
           <a:fontRef idx="minor">
             <a:schemeClr val="dk1"/>
@@ -13008,7 +13642,7 @@
             <a:pPr algn="ctr"/>
             <a:r>
               <a:rPr lang="nl-NL" dirty="0"/>
-              <a:t>Train data</a:t>
+              <a:t>Train set</a:t>
             </a:r>
           </a:p>
         </p:txBody>
@@ -13228,7 +13862,7 @@
                 <a:latin typeface="Courier New" panose="02070309020205020404" pitchFamily="49" charset="0"/>
                 <a:cs typeface="Courier New" panose="02070309020205020404" pitchFamily="49" charset="0"/>
               </a:rPr>
-              <a:t>J</a:t>
+              <a:t>8</a:t>
             </a:r>
           </a:p>
           <a:p>
@@ -13238,7 +13872,7 @@
                 <a:latin typeface="Courier New" panose="02070309020205020404" pitchFamily="49" charset="0"/>
                 <a:cs typeface="Courier New" panose="02070309020205020404" pitchFamily="49" charset="0"/>
               </a:rPr>
-              <a:t>N</a:t>
+              <a:t>1</a:t>
             </a:r>
           </a:p>
           <a:p>
@@ -13248,7 +13882,7 @@
                 <a:latin typeface="Courier New" panose="02070309020205020404" pitchFamily="49" charset="0"/>
                 <a:cs typeface="Courier New" panose="02070309020205020404" pitchFamily="49" charset="0"/>
               </a:rPr>
-              <a:t>J</a:t>
+              <a:t>2</a:t>
             </a:r>
           </a:p>
           <a:p>
@@ -13258,7 +13892,7 @@
                 <a:latin typeface="Courier New" panose="02070309020205020404" pitchFamily="49" charset="0"/>
                 <a:cs typeface="Courier New" panose="02070309020205020404" pitchFamily="49" charset="0"/>
               </a:rPr>
-              <a:t>J</a:t>
+              <a:t>4</a:t>
             </a:r>
           </a:p>
         </p:txBody>
@@ -13498,13 +14132,13 @@
         </p:spPr>
         <p:style>
           <a:lnRef idx="1">
-            <a:schemeClr val="accent2"/>
+            <a:schemeClr val="accent6"/>
           </a:lnRef>
           <a:fillRef idx="2">
-            <a:schemeClr val="accent2"/>
+            <a:schemeClr val="accent6"/>
           </a:fillRef>
           <a:effectRef idx="1">
-            <a:schemeClr val="accent2"/>
+            <a:schemeClr val="accent6"/>
           </a:effectRef>
           <a:fontRef idx="minor">
             <a:schemeClr val="dk1"/>
@@ -13517,7 +14151,7 @@
             <a:pPr algn="ctr"/>
             <a:r>
               <a:rPr lang="nl-NL" dirty="0"/>
-              <a:t>Score data</a:t>
+              <a:t>Score set</a:t>
             </a:r>
           </a:p>
         </p:txBody>
@@ -13545,13 +14179,13 @@
         </p:spPr>
         <p:style>
           <a:lnRef idx="2">
-            <a:schemeClr val="accent2"/>
+            <a:schemeClr val="accent6"/>
           </a:lnRef>
           <a:fillRef idx="1">
             <a:schemeClr val="lt1"/>
           </a:fillRef>
           <a:effectRef idx="0">
-            <a:schemeClr val="accent2"/>
+            <a:schemeClr val="accent6"/>
           </a:effectRef>
           <a:fontRef idx="minor">
             <a:schemeClr val="dk1"/>
@@ -13727,9 +14361,10 @@
           <a:p>
             <a:pPr algn="ctr"/>
             <a:r>
-              <a:rPr lang="nl-NL" dirty="0"/>
-              <a:t>Voorspellingen</a:t>
-            </a:r>
+              <a:rPr lang="nl-NL" dirty="0" err="1"/>
+              <a:t>Predictions</a:t>
+            </a:r>
+            <a:endParaRPr lang="nl-NL" dirty="0"/>
           </a:p>
         </p:txBody>
       </p:sp>
@@ -13780,7 +14415,7 @@
                 <a:latin typeface="Courier New" panose="02070309020205020404" pitchFamily="49" charset="0"/>
                 <a:cs typeface="Courier New" panose="02070309020205020404" pitchFamily="49" charset="0"/>
               </a:rPr>
-              <a:t>J</a:t>
+              <a:t>8</a:t>
             </a:r>
           </a:p>
           <a:p>
@@ -13790,7 +14425,7 @@
                 <a:latin typeface="Courier New" panose="02070309020205020404" pitchFamily="49" charset="0"/>
                 <a:cs typeface="Courier New" panose="02070309020205020404" pitchFamily="49" charset="0"/>
               </a:rPr>
-              <a:t>N</a:t>
+              <a:t>1</a:t>
             </a:r>
           </a:p>
         </p:txBody>
@@ -13856,6 +14491,3043 @@
   <p:cSld>
     <p:spTree>
       <p:nvGrpSpPr>
+        <p:cNvPr id="1" name="">
+          <a:extLst>
+            <a:ext uri="{FF2B5EF4-FFF2-40B4-BE49-F238E27FC236}">
+              <a16:creationId xmlns:a16="http://schemas.microsoft.com/office/drawing/2014/main" id="{C6E0A547-AD06-34F5-039F-77920C6D09A9}"/>
+            </a:ext>
+          </a:extLst>
+        </p:cNvPr>
+        <p:cNvGrpSpPr/>
+        <p:nvPr/>
+      </p:nvGrpSpPr>
+      <p:grpSpPr>
+        <a:xfrm>
+          <a:off x="0" y="0"/>
+          <a:ext cx="0" cy="0"/>
+          <a:chOff x="0" y="0"/>
+          <a:chExt cx="0" cy="0"/>
+        </a:xfrm>
+      </p:grpSpPr>
+      <p:sp>
+        <p:nvSpPr>
+          <p:cNvPr id="2" name="Title 1">
+            <a:extLst>
+              <a:ext uri="{FF2B5EF4-FFF2-40B4-BE49-F238E27FC236}">
+                <a16:creationId xmlns:a16="http://schemas.microsoft.com/office/drawing/2014/main" id="{C9AC011F-5F39-B2BD-F7A2-7D0D83BAF26E}"/>
+              </a:ext>
+            </a:extLst>
+          </p:cNvPr>
+          <p:cNvSpPr>
+            <a:spLocks noGrp="1"/>
+          </p:cNvSpPr>
+          <p:nvPr>
+            <p:ph type="title"/>
+          </p:nvPr>
+        </p:nvSpPr>
+        <p:spPr>
+          <a:xfrm>
+            <a:off x="838200" y="365126"/>
+            <a:ext cx="10515600" cy="718608"/>
+          </a:xfrm>
+        </p:spPr>
+        <p:txBody>
+          <a:bodyPr>
+            <a:normAutofit/>
+          </a:bodyPr>
+          <a:lstStyle/>
+          <a:p>
+            <a:r>
+              <a:rPr lang="nl-NL" sz="3600" noProof="0" dirty="0"/>
+              <a:t>Modellen fitten</a:t>
+            </a:r>
+          </a:p>
+        </p:txBody>
+      </p:sp>
+      <p:sp>
+        <p:nvSpPr>
+          <p:cNvPr id="6" name="Rectangle 5">
+            <a:extLst>
+              <a:ext uri="{FF2B5EF4-FFF2-40B4-BE49-F238E27FC236}">
+                <a16:creationId xmlns:a16="http://schemas.microsoft.com/office/drawing/2014/main" id="{07F8C950-F3E2-1AFB-FF35-9AABE713E5A8}"/>
+              </a:ext>
+            </a:extLst>
+          </p:cNvPr>
+          <p:cNvSpPr/>
+          <p:nvPr/>
+        </p:nvSpPr>
+        <p:spPr>
+          <a:xfrm>
+            <a:off x="1117208" y="1616026"/>
+            <a:ext cx="1337603" cy="390380"/>
+          </a:xfrm>
+          <a:prstGeom prst="rect">
+            <a:avLst/>
+          </a:prstGeom>
+          <a:solidFill>
+            <a:schemeClr val="bg1">
+              <a:lumMod val="95000"/>
+            </a:schemeClr>
+          </a:solidFill>
+        </p:spPr>
+        <p:style>
+          <a:lnRef idx="2">
+            <a:schemeClr val="accent3">
+              <a:shade val="15000"/>
+            </a:schemeClr>
+          </a:lnRef>
+          <a:fillRef idx="1">
+            <a:schemeClr val="accent3"/>
+          </a:fillRef>
+          <a:effectRef idx="0">
+            <a:schemeClr val="accent3"/>
+          </a:effectRef>
+          <a:fontRef idx="minor">
+            <a:schemeClr val="lt1"/>
+          </a:fontRef>
+        </p:style>
+        <p:txBody>
+          <a:bodyPr rtlCol="0" anchor="ctr"/>
+          <a:lstStyle/>
+          <a:p>
+            <a:pPr algn="ctr"/>
+            <a:r>
+              <a:rPr lang="el-GR" dirty="0">
+                <a:solidFill>
+                  <a:sysClr val="windowText" lastClr="000000"/>
+                </a:solidFill>
+              </a:rPr>
+              <a:t>β</a:t>
+            </a:r>
+            <a:r>
+              <a:rPr lang="en-US" dirty="0">
+                <a:solidFill>
+                  <a:sysClr val="windowText" lastClr="000000"/>
+                </a:solidFill>
+              </a:rPr>
+              <a:t> = 0.5</a:t>
+            </a:r>
+            <a:endParaRPr lang="en-NL" dirty="0">
+              <a:solidFill>
+                <a:sysClr val="windowText" lastClr="000000"/>
+              </a:solidFill>
+            </a:endParaRPr>
+          </a:p>
+        </p:txBody>
+      </p:sp>
+      <p:pic>
+        <p:nvPicPr>
+          <p:cNvPr id="24" name="Picture 23" descr="A graph with red and blue dots&#10;&#10;Description automatically generated">
+            <a:extLst>
+              <a:ext uri="{FF2B5EF4-FFF2-40B4-BE49-F238E27FC236}">
+                <a16:creationId xmlns:a16="http://schemas.microsoft.com/office/drawing/2014/main" id="{ECC0F35A-5B17-E5F0-D6D1-4C4456CB67FB}"/>
+              </a:ext>
+            </a:extLst>
+          </p:cNvPr>
+          <p:cNvPicPr>
+            <a:picLocks noChangeAspect="1"/>
+          </p:cNvPicPr>
+          <p:nvPr/>
+        </p:nvPicPr>
+        <p:blipFill>
+          <a:blip r:embed="rId3">
+            <a:extLst>
+              <a:ext uri="{28A0092B-C50C-407E-A947-70E740481C1C}">
+                <a14:useLocalDpi xmlns:a14="http://schemas.microsoft.com/office/drawing/2010/main" val="0"/>
+              </a:ext>
+            </a:extLst>
+          </a:blip>
+          <a:stretch>
+            <a:fillRect/>
+          </a:stretch>
+        </p:blipFill>
+        <p:spPr>
+          <a:xfrm>
+            <a:off x="502144" y="2538698"/>
+            <a:ext cx="2567729" cy="2562838"/>
+          </a:xfrm>
+          <a:prstGeom prst="rect">
+            <a:avLst/>
+          </a:prstGeom>
+        </p:spPr>
+      </p:pic>
+      <p:cxnSp>
+        <p:nvCxnSpPr>
+          <p:cNvPr id="26" name="Straight Arrow Connector 25">
+            <a:extLst>
+              <a:ext uri="{FF2B5EF4-FFF2-40B4-BE49-F238E27FC236}">
+                <a16:creationId xmlns:a16="http://schemas.microsoft.com/office/drawing/2014/main" id="{F095EF73-9F87-4484-E202-2DB1D926F7A3}"/>
+              </a:ext>
+            </a:extLst>
+          </p:cNvPr>
+          <p:cNvCxnSpPr>
+            <a:stCxn id="6" idx="2"/>
+            <a:endCxn id="24" idx="0"/>
+          </p:cNvCxnSpPr>
+          <p:nvPr/>
+        </p:nvCxnSpPr>
+        <p:spPr>
+          <a:xfrm flipH="1">
+            <a:off x="1786009" y="2006406"/>
+            <a:ext cx="1" cy="532292"/>
+          </a:xfrm>
+          <a:prstGeom prst="straightConnector1">
+            <a:avLst/>
+          </a:prstGeom>
+          <a:ln>
+            <a:tailEnd type="triangle"/>
+          </a:ln>
+        </p:spPr>
+        <p:style>
+          <a:lnRef idx="2">
+            <a:schemeClr val="dk1"/>
+          </a:lnRef>
+          <a:fillRef idx="0">
+            <a:schemeClr val="dk1"/>
+          </a:fillRef>
+          <a:effectRef idx="1">
+            <a:schemeClr val="dk1"/>
+          </a:effectRef>
+          <a:fontRef idx="minor">
+            <a:schemeClr val="tx1"/>
+          </a:fontRef>
+        </p:style>
+      </p:cxnSp>
+      <p:sp>
+        <p:nvSpPr>
+          <p:cNvPr id="27" name="TextBox 26">
+            <a:extLst>
+              <a:ext uri="{FF2B5EF4-FFF2-40B4-BE49-F238E27FC236}">
+                <a16:creationId xmlns:a16="http://schemas.microsoft.com/office/drawing/2014/main" id="{EDD08898-24D6-1A7E-E4C4-07A64AA45FE0}"/>
+              </a:ext>
+            </a:extLst>
+          </p:cNvPr>
+          <p:cNvSpPr txBox="1"/>
+          <p:nvPr/>
+        </p:nvSpPr>
+        <p:spPr>
+          <a:xfrm>
+            <a:off x="583809" y="5337434"/>
+            <a:ext cx="2486064" cy="615553"/>
+          </a:xfrm>
+          <a:prstGeom prst="rect">
+            <a:avLst/>
+          </a:prstGeom>
+          <a:noFill/>
+        </p:spPr>
+        <p:txBody>
+          <a:bodyPr wrap="square" rtlCol="0">
+            <a:spAutoFit/>
+          </a:bodyPr>
+          <a:lstStyle/>
+          <a:p>
+            <a:pPr algn="ctr"/>
+            <a:r>
+              <a:rPr lang="en-US" sz="1600" dirty="0"/>
+              <a:t>mean absolute deviation:</a:t>
+            </a:r>
+          </a:p>
+          <a:p>
+            <a:pPr algn="ctr"/>
+            <a:r>
+              <a:rPr lang="en-US" b="1" dirty="0"/>
+              <a:t>3.1</a:t>
+            </a:r>
+          </a:p>
+        </p:txBody>
+      </p:sp>
+      <p:grpSp>
+        <p:nvGrpSpPr>
+          <p:cNvPr id="48" name="Group 47">
+            <a:extLst>
+              <a:ext uri="{FF2B5EF4-FFF2-40B4-BE49-F238E27FC236}">
+                <a16:creationId xmlns:a16="http://schemas.microsoft.com/office/drawing/2014/main" id="{42FAB574-0C0F-13FE-AA86-22957C9C1B1E}"/>
+              </a:ext>
+            </a:extLst>
+          </p:cNvPr>
+          <p:cNvGrpSpPr/>
+          <p:nvPr/>
+        </p:nvGrpSpPr>
+        <p:grpSpPr>
+          <a:xfrm>
+            <a:off x="3509889" y="2614804"/>
+            <a:ext cx="1533254" cy="369332"/>
+            <a:chOff x="3509889" y="2614804"/>
+            <a:chExt cx="1533254" cy="369332"/>
+          </a:xfrm>
+        </p:grpSpPr>
+        <p:sp>
+          <p:nvSpPr>
+            <p:cNvPr id="37" name="Oval 36">
+              <a:extLst>
+                <a:ext uri="{FF2B5EF4-FFF2-40B4-BE49-F238E27FC236}">
+                  <a16:creationId xmlns:a16="http://schemas.microsoft.com/office/drawing/2014/main" id="{28856781-DB74-CED3-1A5D-5661EDB4B90E}"/>
+                </a:ext>
+              </a:extLst>
+            </p:cNvPr>
+            <p:cNvSpPr/>
+            <p:nvPr/>
+          </p:nvSpPr>
+          <p:spPr>
+            <a:xfrm>
+              <a:off x="3509889" y="2736166"/>
+              <a:ext cx="126609" cy="126609"/>
+            </a:xfrm>
+            <a:prstGeom prst="ellipse">
+              <a:avLst/>
+            </a:prstGeom>
+            <a:solidFill>
+              <a:schemeClr val="accent1"/>
+            </a:solidFill>
+          </p:spPr>
+          <p:style>
+            <a:lnRef idx="2">
+              <a:schemeClr val="accent1">
+                <a:shade val="15000"/>
+              </a:schemeClr>
+            </a:lnRef>
+            <a:fillRef idx="1">
+              <a:schemeClr val="accent1"/>
+            </a:fillRef>
+            <a:effectRef idx="0">
+              <a:schemeClr val="accent1"/>
+            </a:effectRef>
+            <a:fontRef idx="minor">
+              <a:schemeClr val="lt1"/>
+            </a:fontRef>
+          </p:style>
+          <p:txBody>
+            <a:bodyPr rtlCol="0" anchor="ctr"/>
+            <a:lstStyle/>
+            <a:p>
+              <a:pPr algn="ctr"/>
+              <a:endParaRPr lang="en-NL"/>
+            </a:p>
+          </p:txBody>
+        </p:sp>
+        <p:sp>
+          <p:nvSpPr>
+            <p:cNvPr id="38" name="TextBox 37">
+              <a:extLst>
+                <a:ext uri="{FF2B5EF4-FFF2-40B4-BE49-F238E27FC236}">
+                  <a16:creationId xmlns:a16="http://schemas.microsoft.com/office/drawing/2014/main" id="{277A0F40-DE29-BFD6-D912-C8466F91A72A}"/>
+                </a:ext>
+              </a:extLst>
+            </p:cNvPr>
+            <p:cNvSpPr txBox="1"/>
+            <p:nvPr/>
+          </p:nvSpPr>
+          <p:spPr>
+            <a:xfrm>
+              <a:off x="3784209" y="2614804"/>
+              <a:ext cx="1258934" cy="369332"/>
+            </a:xfrm>
+            <a:prstGeom prst="rect">
+              <a:avLst/>
+            </a:prstGeom>
+            <a:noFill/>
+          </p:spPr>
+          <p:txBody>
+            <a:bodyPr wrap="none" rtlCol="0">
+              <a:spAutoFit/>
+            </a:bodyPr>
+            <a:lstStyle/>
+            <a:p>
+              <a:r>
+                <a:rPr lang="en-US" dirty="0" err="1"/>
+                <a:t>observaties</a:t>
+              </a:r>
+              <a:endParaRPr lang="en-NL" dirty="0"/>
+            </a:p>
+          </p:txBody>
+        </p:sp>
+      </p:grpSp>
+      <p:grpSp>
+        <p:nvGrpSpPr>
+          <p:cNvPr id="49" name="Group 48">
+            <a:extLst>
+              <a:ext uri="{FF2B5EF4-FFF2-40B4-BE49-F238E27FC236}">
+                <a16:creationId xmlns:a16="http://schemas.microsoft.com/office/drawing/2014/main" id="{A863A2BD-B7FE-DFDB-5410-6C84105D9E0D}"/>
+              </a:ext>
+            </a:extLst>
+          </p:cNvPr>
+          <p:cNvGrpSpPr/>
+          <p:nvPr/>
+        </p:nvGrpSpPr>
+        <p:grpSpPr>
+          <a:xfrm>
+            <a:off x="3432517" y="3167330"/>
+            <a:ext cx="1882416" cy="369332"/>
+            <a:chOff x="3460233" y="2984136"/>
+            <a:chExt cx="1882416" cy="369332"/>
+          </a:xfrm>
+        </p:grpSpPr>
+        <p:cxnSp>
+          <p:nvCxnSpPr>
+            <p:cNvPr id="40" name="Straight Connector 39">
+              <a:extLst>
+                <a:ext uri="{FF2B5EF4-FFF2-40B4-BE49-F238E27FC236}">
+                  <a16:creationId xmlns:a16="http://schemas.microsoft.com/office/drawing/2014/main" id="{D3A384D5-7B06-5027-0DC0-D0ED6771E405}"/>
+                </a:ext>
+              </a:extLst>
+            </p:cNvPr>
+            <p:cNvCxnSpPr>
+              <a:cxnSpLocks/>
+            </p:cNvCxnSpPr>
+            <p:nvPr/>
+          </p:nvCxnSpPr>
+          <p:spPr>
+            <a:xfrm flipH="1">
+              <a:off x="3460233" y="3078098"/>
+              <a:ext cx="239569" cy="275370"/>
+            </a:xfrm>
+            <a:prstGeom prst="line">
+              <a:avLst/>
+            </a:prstGeom>
+          </p:spPr>
+          <p:style>
+            <a:lnRef idx="3">
+              <a:schemeClr val="accent3"/>
+            </a:lnRef>
+            <a:fillRef idx="0">
+              <a:schemeClr val="accent3"/>
+            </a:fillRef>
+            <a:effectRef idx="2">
+              <a:schemeClr val="accent3"/>
+            </a:effectRef>
+            <a:fontRef idx="minor">
+              <a:schemeClr val="tx1"/>
+            </a:fontRef>
+          </p:style>
+        </p:cxnSp>
+        <p:sp>
+          <p:nvSpPr>
+            <p:cNvPr id="43" name="TextBox 42">
+              <a:extLst>
+                <a:ext uri="{FF2B5EF4-FFF2-40B4-BE49-F238E27FC236}">
+                  <a16:creationId xmlns:a16="http://schemas.microsoft.com/office/drawing/2014/main" id="{36471251-B769-F754-573D-BCA8AE69469C}"/>
+                </a:ext>
+              </a:extLst>
+            </p:cNvPr>
+            <p:cNvSpPr txBox="1"/>
+            <p:nvPr/>
+          </p:nvSpPr>
+          <p:spPr>
+            <a:xfrm>
+              <a:off x="3784209" y="2984136"/>
+              <a:ext cx="1558440" cy="369332"/>
+            </a:xfrm>
+            <a:prstGeom prst="rect">
+              <a:avLst/>
+            </a:prstGeom>
+            <a:noFill/>
+          </p:spPr>
+          <p:txBody>
+            <a:bodyPr wrap="none" rtlCol="0">
+              <a:spAutoFit/>
+            </a:bodyPr>
+            <a:lstStyle/>
+            <a:p>
+              <a:r>
+                <a:rPr lang="en-US" dirty="0" err="1"/>
+                <a:t>voorspellingen</a:t>
+              </a:r>
+              <a:endParaRPr lang="en-NL" dirty="0"/>
+            </a:p>
+          </p:txBody>
+        </p:sp>
+      </p:grpSp>
+      <p:grpSp>
+        <p:nvGrpSpPr>
+          <p:cNvPr id="50" name="Group 49">
+            <a:extLst>
+              <a:ext uri="{FF2B5EF4-FFF2-40B4-BE49-F238E27FC236}">
+                <a16:creationId xmlns:a16="http://schemas.microsoft.com/office/drawing/2014/main" id="{DC3697D7-9DD0-AA74-72DF-692ABD5CED1D}"/>
+              </a:ext>
+            </a:extLst>
+          </p:cNvPr>
+          <p:cNvGrpSpPr/>
+          <p:nvPr/>
+        </p:nvGrpSpPr>
+        <p:grpSpPr>
+          <a:xfrm>
+            <a:off x="3556780" y="3806986"/>
+            <a:ext cx="1488352" cy="369332"/>
+            <a:chOff x="3556780" y="3504533"/>
+            <a:chExt cx="1488352" cy="369332"/>
+          </a:xfrm>
+        </p:grpSpPr>
+        <p:cxnSp>
+          <p:nvCxnSpPr>
+            <p:cNvPr id="44" name="Straight Connector 43">
+              <a:extLst>
+                <a:ext uri="{FF2B5EF4-FFF2-40B4-BE49-F238E27FC236}">
+                  <a16:creationId xmlns:a16="http://schemas.microsoft.com/office/drawing/2014/main" id="{717D5270-D7AA-B9E2-EC66-3DF350D56277}"/>
+                </a:ext>
+              </a:extLst>
+            </p:cNvPr>
+            <p:cNvCxnSpPr>
+              <a:cxnSpLocks/>
+            </p:cNvCxnSpPr>
+            <p:nvPr/>
+          </p:nvCxnSpPr>
+          <p:spPr>
+            <a:xfrm>
+              <a:off x="3556780" y="3538764"/>
+              <a:ext cx="0" cy="281353"/>
+            </a:xfrm>
+            <a:prstGeom prst="line">
+              <a:avLst/>
+            </a:prstGeom>
+            <a:ln>
+              <a:solidFill>
+                <a:srgbClr val="FF0000"/>
+              </a:solidFill>
+            </a:ln>
+          </p:spPr>
+          <p:style>
+            <a:lnRef idx="3">
+              <a:schemeClr val="accent2"/>
+            </a:lnRef>
+            <a:fillRef idx="0">
+              <a:schemeClr val="accent2"/>
+            </a:fillRef>
+            <a:effectRef idx="2">
+              <a:schemeClr val="accent2"/>
+            </a:effectRef>
+            <a:fontRef idx="minor">
+              <a:schemeClr val="tx1"/>
+            </a:fontRef>
+          </p:style>
+        </p:cxnSp>
+        <p:sp>
+          <p:nvSpPr>
+            <p:cNvPr id="47" name="TextBox 46">
+              <a:extLst>
+                <a:ext uri="{FF2B5EF4-FFF2-40B4-BE49-F238E27FC236}">
+                  <a16:creationId xmlns:a16="http://schemas.microsoft.com/office/drawing/2014/main" id="{74F31839-5AAE-028B-E39E-4CD8C506114A}"/>
+                </a:ext>
+              </a:extLst>
+            </p:cNvPr>
+            <p:cNvSpPr txBox="1"/>
+            <p:nvPr/>
+          </p:nvSpPr>
+          <p:spPr>
+            <a:xfrm>
+              <a:off x="3784209" y="3504533"/>
+              <a:ext cx="1260923" cy="369332"/>
+            </a:xfrm>
+            <a:prstGeom prst="rect">
+              <a:avLst/>
+            </a:prstGeom>
+            <a:noFill/>
+          </p:spPr>
+          <p:txBody>
+            <a:bodyPr wrap="none" rtlCol="0">
+              <a:spAutoFit/>
+            </a:bodyPr>
+            <a:lstStyle/>
+            <a:p>
+              <a:r>
+                <a:rPr lang="en-US" dirty="0" err="1"/>
+                <a:t>afwijkingen</a:t>
+              </a:r>
+              <a:endParaRPr lang="en-NL" dirty="0"/>
+            </a:p>
+          </p:txBody>
+        </p:sp>
+      </p:grpSp>
+      <p:sp>
+        <p:nvSpPr>
+          <p:cNvPr id="54" name="TextBox 53">
+            <a:extLst>
+              <a:ext uri="{FF2B5EF4-FFF2-40B4-BE49-F238E27FC236}">
+                <a16:creationId xmlns:a16="http://schemas.microsoft.com/office/drawing/2014/main" id="{4A7A21AB-34BB-1BFE-D8C6-94A124C3493C}"/>
+              </a:ext>
+            </a:extLst>
+          </p:cNvPr>
+          <p:cNvSpPr txBox="1"/>
+          <p:nvPr/>
+        </p:nvSpPr>
+        <p:spPr>
+          <a:xfrm>
+            <a:off x="3664842" y="5460544"/>
+            <a:ext cx="1457450" cy="369332"/>
+          </a:xfrm>
+          <a:prstGeom prst="rect">
+            <a:avLst/>
+          </a:prstGeom>
+          <a:noFill/>
+        </p:spPr>
+        <p:txBody>
+          <a:bodyPr wrap="none" rtlCol="0">
+            <a:spAutoFit/>
+          </a:bodyPr>
+          <a:lstStyle/>
+          <a:p>
+            <a:r>
+              <a:rPr lang="en-US" dirty="0"/>
+              <a:t>Loss Function</a:t>
+            </a:r>
+            <a:endParaRPr lang="en-NL" dirty="0"/>
+          </a:p>
+        </p:txBody>
+      </p:sp>
+      <p:sp>
+        <p:nvSpPr>
+          <p:cNvPr id="55" name="Rectangle 54">
+            <a:extLst>
+              <a:ext uri="{FF2B5EF4-FFF2-40B4-BE49-F238E27FC236}">
+                <a16:creationId xmlns:a16="http://schemas.microsoft.com/office/drawing/2014/main" id="{FF7E261E-DDE1-9451-985E-A564711D527F}"/>
+              </a:ext>
+            </a:extLst>
+          </p:cNvPr>
+          <p:cNvSpPr/>
+          <p:nvPr/>
+        </p:nvSpPr>
+        <p:spPr>
+          <a:xfrm>
+            <a:off x="3334462" y="2587936"/>
+            <a:ext cx="2118213" cy="1646440"/>
+          </a:xfrm>
+          <a:prstGeom prst="rect">
+            <a:avLst/>
+          </a:prstGeom>
+          <a:noFill/>
+          <a:ln>
+            <a:solidFill>
+              <a:schemeClr val="bg1">
+                <a:lumMod val="75000"/>
+              </a:schemeClr>
+            </a:solidFill>
+          </a:ln>
+        </p:spPr>
+        <p:style>
+          <a:lnRef idx="2">
+            <a:schemeClr val="accent1">
+              <a:shade val="15000"/>
+            </a:schemeClr>
+          </a:lnRef>
+          <a:fillRef idx="1">
+            <a:schemeClr val="accent1"/>
+          </a:fillRef>
+          <a:effectRef idx="0">
+            <a:schemeClr val="accent1"/>
+          </a:effectRef>
+          <a:fontRef idx="minor">
+            <a:schemeClr val="lt1"/>
+          </a:fontRef>
+        </p:style>
+        <p:txBody>
+          <a:bodyPr rtlCol="0" anchor="ctr"/>
+          <a:lstStyle/>
+          <a:p>
+            <a:pPr algn="ctr"/>
+            <a:endParaRPr lang="en-NL"/>
+          </a:p>
+        </p:txBody>
+      </p:sp>
+      <p:sp>
+        <p:nvSpPr>
+          <p:cNvPr id="56" name="Rectangle 55">
+            <a:extLst>
+              <a:ext uri="{FF2B5EF4-FFF2-40B4-BE49-F238E27FC236}">
+                <a16:creationId xmlns:a16="http://schemas.microsoft.com/office/drawing/2014/main" id="{88A91C67-8C48-E54B-2CB1-70BFF0569C60}"/>
+              </a:ext>
+            </a:extLst>
+          </p:cNvPr>
+          <p:cNvSpPr/>
+          <p:nvPr/>
+        </p:nvSpPr>
+        <p:spPr>
+          <a:xfrm>
+            <a:off x="3334461" y="5337434"/>
+            <a:ext cx="2118213" cy="615553"/>
+          </a:xfrm>
+          <a:prstGeom prst="rect">
+            <a:avLst/>
+          </a:prstGeom>
+          <a:noFill/>
+          <a:ln>
+            <a:solidFill>
+              <a:schemeClr val="bg1">
+                <a:lumMod val="75000"/>
+              </a:schemeClr>
+            </a:solidFill>
+          </a:ln>
+        </p:spPr>
+        <p:style>
+          <a:lnRef idx="2">
+            <a:schemeClr val="accent1">
+              <a:shade val="15000"/>
+            </a:schemeClr>
+          </a:lnRef>
+          <a:fillRef idx="1">
+            <a:schemeClr val="accent1"/>
+          </a:fillRef>
+          <a:effectRef idx="0">
+            <a:schemeClr val="accent1"/>
+          </a:effectRef>
+          <a:fontRef idx="minor">
+            <a:schemeClr val="lt1"/>
+          </a:fontRef>
+        </p:style>
+        <p:txBody>
+          <a:bodyPr rtlCol="0" anchor="ctr"/>
+          <a:lstStyle/>
+          <a:p>
+            <a:pPr algn="ctr"/>
+            <a:endParaRPr lang="en-NL"/>
+          </a:p>
+        </p:txBody>
+      </p:sp>
+    </p:spTree>
+    <p:extLst>
+      <p:ext uri="{BB962C8B-B14F-4D97-AF65-F5344CB8AC3E}">
+        <p14:creationId xmlns:p14="http://schemas.microsoft.com/office/powerpoint/2010/main" val="1905214495"/>
+      </p:ext>
+    </p:extLst>
+  </p:cSld>
+  <p:clrMapOvr>
+    <a:masterClrMapping/>
+  </p:clrMapOvr>
+</p:sld>
+</file>
+
+<file path=ppt/slides/slide25.xml><?xml version="1.0" encoding="utf-8"?>
+<p:sld xmlns:a="http://schemas.openxmlformats.org/drawingml/2006/main" xmlns:r="http://schemas.openxmlformats.org/officeDocument/2006/relationships" xmlns:p="http://schemas.openxmlformats.org/presentationml/2006/main">
+  <p:cSld>
+    <p:spTree>
+      <p:nvGrpSpPr>
+        <p:cNvPr id="1" name="">
+          <a:extLst>
+            <a:ext uri="{FF2B5EF4-FFF2-40B4-BE49-F238E27FC236}">
+              <a16:creationId xmlns:a16="http://schemas.microsoft.com/office/drawing/2014/main" id="{9AC106A3-569E-7D85-5E03-98165D3373FF}"/>
+            </a:ext>
+          </a:extLst>
+        </p:cNvPr>
+        <p:cNvGrpSpPr/>
+        <p:nvPr/>
+      </p:nvGrpSpPr>
+      <p:grpSpPr>
+        <a:xfrm>
+          <a:off x="0" y="0"/>
+          <a:ext cx="0" cy="0"/>
+          <a:chOff x="0" y="0"/>
+          <a:chExt cx="0" cy="0"/>
+        </a:xfrm>
+      </p:grpSpPr>
+      <p:sp>
+        <p:nvSpPr>
+          <p:cNvPr id="2" name="Title 1">
+            <a:extLst>
+              <a:ext uri="{FF2B5EF4-FFF2-40B4-BE49-F238E27FC236}">
+                <a16:creationId xmlns:a16="http://schemas.microsoft.com/office/drawing/2014/main" id="{CB11873E-BED0-40FE-5C40-096B08EA9FFA}"/>
+              </a:ext>
+            </a:extLst>
+          </p:cNvPr>
+          <p:cNvSpPr>
+            <a:spLocks noGrp="1"/>
+          </p:cNvSpPr>
+          <p:nvPr>
+            <p:ph type="title"/>
+          </p:nvPr>
+        </p:nvSpPr>
+        <p:spPr>
+          <a:xfrm>
+            <a:off x="838200" y="365126"/>
+            <a:ext cx="10515600" cy="718608"/>
+          </a:xfrm>
+        </p:spPr>
+        <p:txBody>
+          <a:bodyPr>
+            <a:normAutofit/>
+          </a:bodyPr>
+          <a:lstStyle/>
+          <a:p>
+            <a:r>
+              <a:rPr lang="nl-NL" sz="3600" noProof="0" dirty="0"/>
+              <a:t>Modellen fitten</a:t>
+            </a:r>
+          </a:p>
+        </p:txBody>
+      </p:sp>
+      <p:sp>
+        <p:nvSpPr>
+          <p:cNvPr id="6" name="Rectangle 5">
+            <a:extLst>
+              <a:ext uri="{FF2B5EF4-FFF2-40B4-BE49-F238E27FC236}">
+                <a16:creationId xmlns:a16="http://schemas.microsoft.com/office/drawing/2014/main" id="{37FC2649-0CFA-683E-8E30-54D04746A098}"/>
+              </a:ext>
+            </a:extLst>
+          </p:cNvPr>
+          <p:cNvSpPr/>
+          <p:nvPr/>
+        </p:nvSpPr>
+        <p:spPr>
+          <a:xfrm>
+            <a:off x="1117208" y="1616026"/>
+            <a:ext cx="1337603" cy="390380"/>
+          </a:xfrm>
+          <a:prstGeom prst="rect">
+            <a:avLst/>
+          </a:prstGeom>
+          <a:solidFill>
+            <a:schemeClr val="bg1">
+              <a:lumMod val="95000"/>
+            </a:schemeClr>
+          </a:solidFill>
+        </p:spPr>
+        <p:style>
+          <a:lnRef idx="2">
+            <a:schemeClr val="accent3">
+              <a:shade val="15000"/>
+            </a:schemeClr>
+          </a:lnRef>
+          <a:fillRef idx="1">
+            <a:schemeClr val="accent3"/>
+          </a:fillRef>
+          <a:effectRef idx="0">
+            <a:schemeClr val="accent3"/>
+          </a:effectRef>
+          <a:fontRef idx="minor">
+            <a:schemeClr val="lt1"/>
+          </a:fontRef>
+        </p:style>
+        <p:txBody>
+          <a:bodyPr rtlCol="0" anchor="ctr"/>
+          <a:lstStyle/>
+          <a:p>
+            <a:pPr algn="ctr"/>
+            <a:r>
+              <a:rPr lang="el-GR" dirty="0">
+                <a:solidFill>
+                  <a:sysClr val="windowText" lastClr="000000"/>
+                </a:solidFill>
+              </a:rPr>
+              <a:t>β</a:t>
+            </a:r>
+            <a:r>
+              <a:rPr lang="en-US" dirty="0">
+                <a:solidFill>
+                  <a:sysClr val="windowText" lastClr="000000"/>
+                </a:solidFill>
+              </a:rPr>
+              <a:t> = 0.5</a:t>
+            </a:r>
+            <a:endParaRPr lang="en-NL" dirty="0">
+              <a:solidFill>
+                <a:sysClr val="windowText" lastClr="000000"/>
+              </a:solidFill>
+            </a:endParaRPr>
+          </a:p>
+        </p:txBody>
+      </p:sp>
+      <p:sp>
+        <p:nvSpPr>
+          <p:cNvPr id="9" name="Rectangle 8">
+            <a:extLst>
+              <a:ext uri="{FF2B5EF4-FFF2-40B4-BE49-F238E27FC236}">
+                <a16:creationId xmlns:a16="http://schemas.microsoft.com/office/drawing/2014/main" id="{E7F1693D-F8C4-EC9C-0FF2-EB33B6AC79FE}"/>
+              </a:ext>
+            </a:extLst>
+          </p:cNvPr>
+          <p:cNvSpPr/>
+          <p:nvPr/>
+        </p:nvSpPr>
+        <p:spPr>
+          <a:xfrm>
+            <a:off x="5286521" y="1616026"/>
+            <a:ext cx="1337603" cy="390380"/>
+          </a:xfrm>
+          <a:prstGeom prst="rect">
+            <a:avLst/>
+          </a:prstGeom>
+          <a:solidFill>
+            <a:schemeClr val="bg1">
+              <a:lumMod val="95000"/>
+            </a:schemeClr>
+          </a:solidFill>
+        </p:spPr>
+        <p:style>
+          <a:lnRef idx="2">
+            <a:schemeClr val="accent3">
+              <a:shade val="15000"/>
+            </a:schemeClr>
+          </a:lnRef>
+          <a:fillRef idx="1">
+            <a:schemeClr val="accent3"/>
+          </a:fillRef>
+          <a:effectRef idx="0">
+            <a:schemeClr val="accent3"/>
+          </a:effectRef>
+          <a:fontRef idx="minor">
+            <a:schemeClr val="lt1"/>
+          </a:fontRef>
+        </p:style>
+        <p:txBody>
+          <a:bodyPr rtlCol="0" anchor="ctr"/>
+          <a:lstStyle/>
+          <a:p>
+            <a:pPr algn="ctr"/>
+            <a:r>
+              <a:rPr lang="el-GR" dirty="0">
+                <a:solidFill>
+                  <a:sysClr val="windowText" lastClr="000000"/>
+                </a:solidFill>
+              </a:rPr>
+              <a:t>β</a:t>
+            </a:r>
+            <a:r>
+              <a:rPr lang="en-US" dirty="0">
+                <a:solidFill>
+                  <a:sysClr val="windowText" lastClr="000000"/>
+                </a:solidFill>
+              </a:rPr>
+              <a:t> = 1.0</a:t>
+            </a:r>
+            <a:endParaRPr lang="en-NL" dirty="0">
+              <a:solidFill>
+                <a:sysClr val="windowText" lastClr="000000"/>
+              </a:solidFill>
+            </a:endParaRPr>
+          </a:p>
+        </p:txBody>
+      </p:sp>
+      <p:cxnSp>
+        <p:nvCxnSpPr>
+          <p:cNvPr id="19" name="Straight Arrow Connector 18">
+            <a:extLst>
+              <a:ext uri="{FF2B5EF4-FFF2-40B4-BE49-F238E27FC236}">
+                <a16:creationId xmlns:a16="http://schemas.microsoft.com/office/drawing/2014/main" id="{3F11D259-3057-1374-1B7C-6206D5A634B5}"/>
+              </a:ext>
+            </a:extLst>
+          </p:cNvPr>
+          <p:cNvCxnSpPr>
+            <a:stCxn id="6" idx="3"/>
+            <a:endCxn id="9" idx="1"/>
+          </p:cNvCxnSpPr>
+          <p:nvPr/>
+        </p:nvCxnSpPr>
+        <p:spPr>
+          <a:xfrm>
+            <a:off x="2454811" y="1811216"/>
+            <a:ext cx="2831710" cy="0"/>
+          </a:xfrm>
+          <a:prstGeom prst="straightConnector1">
+            <a:avLst/>
+          </a:prstGeom>
+          <a:ln>
+            <a:tailEnd type="triangle"/>
+          </a:ln>
+        </p:spPr>
+        <p:style>
+          <a:lnRef idx="1">
+            <a:schemeClr val="dk1"/>
+          </a:lnRef>
+          <a:fillRef idx="0">
+            <a:schemeClr val="dk1"/>
+          </a:fillRef>
+          <a:effectRef idx="0">
+            <a:schemeClr val="dk1"/>
+          </a:effectRef>
+          <a:fontRef idx="minor">
+            <a:schemeClr val="tx1"/>
+          </a:fontRef>
+        </p:style>
+      </p:cxnSp>
+      <p:pic>
+        <p:nvPicPr>
+          <p:cNvPr id="24" name="Picture 23" descr="A graph with red and blue dots&#10;&#10;Description automatically generated">
+            <a:extLst>
+              <a:ext uri="{FF2B5EF4-FFF2-40B4-BE49-F238E27FC236}">
+                <a16:creationId xmlns:a16="http://schemas.microsoft.com/office/drawing/2014/main" id="{C8EC927C-0D05-A161-A59D-7952845F7D0E}"/>
+              </a:ext>
+            </a:extLst>
+          </p:cNvPr>
+          <p:cNvPicPr>
+            <a:picLocks noChangeAspect="1"/>
+          </p:cNvPicPr>
+          <p:nvPr/>
+        </p:nvPicPr>
+        <p:blipFill>
+          <a:blip r:embed="rId3">
+            <a:extLst>
+              <a:ext uri="{28A0092B-C50C-407E-A947-70E740481C1C}">
+                <a14:useLocalDpi xmlns:a14="http://schemas.microsoft.com/office/drawing/2010/main" val="0"/>
+              </a:ext>
+            </a:extLst>
+          </a:blip>
+          <a:stretch>
+            <a:fillRect/>
+          </a:stretch>
+        </p:blipFill>
+        <p:spPr>
+          <a:xfrm>
+            <a:off x="502144" y="2538698"/>
+            <a:ext cx="2567729" cy="2562838"/>
+          </a:xfrm>
+          <a:prstGeom prst="rect">
+            <a:avLst/>
+          </a:prstGeom>
+        </p:spPr>
+      </p:pic>
+      <p:cxnSp>
+        <p:nvCxnSpPr>
+          <p:cNvPr id="26" name="Straight Arrow Connector 25">
+            <a:extLst>
+              <a:ext uri="{FF2B5EF4-FFF2-40B4-BE49-F238E27FC236}">
+                <a16:creationId xmlns:a16="http://schemas.microsoft.com/office/drawing/2014/main" id="{89E6FC0D-A7B5-E614-1BB8-A26E1DB92D6C}"/>
+              </a:ext>
+            </a:extLst>
+          </p:cNvPr>
+          <p:cNvCxnSpPr>
+            <a:stCxn id="6" idx="2"/>
+            <a:endCxn id="24" idx="0"/>
+          </p:cNvCxnSpPr>
+          <p:nvPr/>
+        </p:nvCxnSpPr>
+        <p:spPr>
+          <a:xfrm flipH="1">
+            <a:off x="1786009" y="2006406"/>
+            <a:ext cx="1" cy="532292"/>
+          </a:xfrm>
+          <a:prstGeom prst="straightConnector1">
+            <a:avLst/>
+          </a:prstGeom>
+          <a:ln>
+            <a:tailEnd type="triangle"/>
+          </a:ln>
+        </p:spPr>
+        <p:style>
+          <a:lnRef idx="2">
+            <a:schemeClr val="dk1"/>
+          </a:lnRef>
+          <a:fillRef idx="0">
+            <a:schemeClr val="dk1"/>
+          </a:fillRef>
+          <a:effectRef idx="1">
+            <a:schemeClr val="dk1"/>
+          </a:effectRef>
+          <a:fontRef idx="minor">
+            <a:schemeClr val="tx1"/>
+          </a:fontRef>
+        </p:style>
+      </p:cxnSp>
+      <p:sp>
+        <p:nvSpPr>
+          <p:cNvPr id="27" name="TextBox 26">
+            <a:extLst>
+              <a:ext uri="{FF2B5EF4-FFF2-40B4-BE49-F238E27FC236}">
+                <a16:creationId xmlns:a16="http://schemas.microsoft.com/office/drawing/2014/main" id="{423BE72B-1697-A7BB-4848-026EAEB6F56D}"/>
+              </a:ext>
+            </a:extLst>
+          </p:cNvPr>
+          <p:cNvSpPr txBox="1"/>
+          <p:nvPr/>
+        </p:nvSpPr>
+        <p:spPr>
+          <a:xfrm>
+            <a:off x="583809" y="5337434"/>
+            <a:ext cx="2486064" cy="615553"/>
+          </a:xfrm>
+          <a:prstGeom prst="rect">
+            <a:avLst/>
+          </a:prstGeom>
+          <a:noFill/>
+        </p:spPr>
+        <p:txBody>
+          <a:bodyPr wrap="square" rtlCol="0">
+            <a:spAutoFit/>
+          </a:bodyPr>
+          <a:lstStyle/>
+          <a:p>
+            <a:pPr algn="ctr"/>
+            <a:r>
+              <a:rPr lang="en-US" sz="1600" dirty="0"/>
+              <a:t>mean absolute deviation:</a:t>
+            </a:r>
+          </a:p>
+          <a:p>
+            <a:pPr algn="ctr"/>
+            <a:r>
+              <a:rPr lang="en-US" b="1" dirty="0"/>
+              <a:t>3.1</a:t>
+            </a:r>
+          </a:p>
+        </p:txBody>
+      </p:sp>
+      <p:pic>
+        <p:nvPicPr>
+          <p:cNvPr id="30" name="Picture 29" descr="A graph with red and blue dots&#10;&#10;Description automatically generated">
+            <a:extLst>
+              <a:ext uri="{FF2B5EF4-FFF2-40B4-BE49-F238E27FC236}">
+                <a16:creationId xmlns:a16="http://schemas.microsoft.com/office/drawing/2014/main" id="{22F71747-B591-9130-8948-B8491D968C2F}"/>
+              </a:ext>
+            </a:extLst>
+          </p:cNvPr>
+          <p:cNvPicPr>
+            <a:picLocks noChangeAspect="1"/>
+          </p:cNvPicPr>
+          <p:nvPr/>
+        </p:nvPicPr>
+        <p:blipFill>
+          <a:blip r:embed="rId4">
+            <a:extLst>
+              <a:ext uri="{28A0092B-C50C-407E-A947-70E740481C1C}">
+                <a14:useLocalDpi xmlns:a14="http://schemas.microsoft.com/office/drawing/2010/main" val="0"/>
+              </a:ext>
+            </a:extLst>
+          </a:blip>
+          <a:stretch>
+            <a:fillRect/>
+          </a:stretch>
+        </p:blipFill>
+        <p:spPr>
+          <a:xfrm>
+            <a:off x="4666582" y="2538701"/>
+            <a:ext cx="2577480" cy="2562835"/>
+          </a:xfrm>
+          <a:prstGeom prst="rect">
+            <a:avLst/>
+          </a:prstGeom>
+        </p:spPr>
+      </p:pic>
+      <p:cxnSp>
+        <p:nvCxnSpPr>
+          <p:cNvPr id="31" name="Straight Arrow Connector 30">
+            <a:extLst>
+              <a:ext uri="{FF2B5EF4-FFF2-40B4-BE49-F238E27FC236}">
+                <a16:creationId xmlns:a16="http://schemas.microsoft.com/office/drawing/2014/main" id="{68459491-2DA9-E900-FFA5-CD9B1EB9EFA3}"/>
+              </a:ext>
+            </a:extLst>
+          </p:cNvPr>
+          <p:cNvCxnSpPr/>
+          <p:nvPr/>
+        </p:nvCxnSpPr>
+        <p:spPr>
+          <a:xfrm flipH="1">
+            <a:off x="5955321" y="2006406"/>
+            <a:ext cx="1" cy="532292"/>
+          </a:xfrm>
+          <a:prstGeom prst="straightConnector1">
+            <a:avLst/>
+          </a:prstGeom>
+          <a:ln>
+            <a:tailEnd type="triangle"/>
+          </a:ln>
+        </p:spPr>
+        <p:style>
+          <a:lnRef idx="2">
+            <a:schemeClr val="dk1"/>
+          </a:lnRef>
+          <a:fillRef idx="0">
+            <a:schemeClr val="dk1"/>
+          </a:fillRef>
+          <a:effectRef idx="1">
+            <a:schemeClr val="dk1"/>
+          </a:effectRef>
+          <a:fontRef idx="minor">
+            <a:schemeClr val="tx1"/>
+          </a:fontRef>
+        </p:style>
+      </p:cxnSp>
+      <p:sp>
+        <p:nvSpPr>
+          <p:cNvPr id="32" name="TextBox 31">
+            <a:extLst>
+              <a:ext uri="{FF2B5EF4-FFF2-40B4-BE49-F238E27FC236}">
+                <a16:creationId xmlns:a16="http://schemas.microsoft.com/office/drawing/2014/main" id="{B8AA1056-0DDF-B62C-5A37-110AD014598C}"/>
+              </a:ext>
+            </a:extLst>
+          </p:cNvPr>
+          <p:cNvSpPr txBox="1"/>
+          <p:nvPr/>
+        </p:nvSpPr>
+        <p:spPr>
+          <a:xfrm>
+            <a:off x="4712289" y="5337433"/>
+            <a:ext cx="2486064" cy="615553"/>
+          </a:xfrm>
+          <a:prstGeom prst="rect">
+            <a:avLst/>
+          </a:prstGeom>
+          <a:noFill/>
+        </p:spPr>
+        <p:txBody>
+          <a:bodyPr wrap="square" rtlCol="0">
+            <a:spAutoFit/>
+          </a:bodyPr>
+          <a:lstStyle/>
+          <a:p>
+            <a:pPr algn="ctr"/>
+            <a:r>
+              <a:rPr lang="en-US" sz="1600" dirty="0"/>
+              <a:t>mean absolute deviation:</a:t>
+            </a:r>
+          </a:p>
+          <a:p>
+            <a:pPr algn="ctr"/>
+            <a:r>
+              <a:rPr lang="en-US" b="1" dirty="0"/>
+              <a:t>1.6</a:t>
+            </a:r>
+          </a:p>
+        </p:txBody>
+      </p:sp>
+      <p:grpSp>
+        <p:nvGrpSpPr>
+          <p:cNvPr id="17" name="Group 16">
+            <a:extLst>
+              <a:ext uri="{FF2B5EF4-FFF2-40B4-BE49-F238E27FC236}">
+                <a16:creationId xmlns:a16="http://schemas.microsoft.com/office/drawing/2014/main" id="{2F8AE2C7-643E-6C99-B05D-A93CEFBDDBFB}"/>
+              </a:ext>
+            </a:extLst>
+          </p:cNvPr>
+          <p:cNvGrpSpPr/>
+          <p:nvPr/>
+        </p:nvGrpSpPr>
+        <p:grpSpPr>
+          <a:xfrm>
+            <a:off x="8180366" y="2368319"/>
+            <a:ext cx="2962018" cy="3357232"/>
+            <a:chOff x="8180366" y="2368319"/>
+            <a:chExt cx="2962018" cy="3357232"/>
+          </a:xfrm>
+        </p:grpSpPr>
+        <p:pic>
+          <p:nvPicPr>
+            <p:cNvPr id="4" name="Picture 3" descr="A graph with a line&#10;&#10;Description automatically generated">
+              <a:extLst>
+                <a:ext uri="{FF2B5EF4-FFF2-40B4-BE49-F238E27FC236}">
+                  <a16:creationId xmlns:a16="http://schemas.microsoft.com/office/drawing/2014/main" id="{7C7A5A15-4349-6F68-8A25-5EFF220351D3}"/>
+                </a:ext>
+              </a:extLst>
+            </p:cNvPr>
+            <p:cNvPicPr>
+              <a:picLocks noChangeAspect="1"/>
+            </p:cNvPicPr>
+            <p:nvPr/>
+          </p:nvPicPr>
+          <p:blipFill>
+            <a:blip r:embed="rId5">
+              <a:extLst>
+                <a:ext uri="{28A0092B-C50C-407E-A947-70E740481C1C}">
+                  <a14:useLocalDpi xmlns:a14="http://schemas.microsoft.com/office/drawing/2010/main" val="0"/>
+                </a:ext>
+              </a:extLst>
+            </a:blip>
+            <a:stretch>
+              <a:fillRect/>
+            </a:stretch>
+          </p:blipFill>
+          <p:spPr>
+            <a:xfrm>
+              <a:off x="8261240" y="2482638"/>
+              <a:ext cx="2800270" cy="2674957"/>
+            </a:xfrm>
+            <a:prstGeom prst="rect">
+              <a:avLst/>
+            </a:prstGeom>
+          </p:spPr>
+        </p:pic>
+        <p:cxnSp>
+          <p:nvCxnSpPr>
+            <p:cNvPr id="7" name="Straight Arrow Connector 6">
+              <a:extLst>
+                <a:ext uri="{FF2B5EF4-FFF2-40B4-BE49-F238E27FC236}">
+                  <a16:creationId xmlns:a16="http://schemas.microsoft.com/office/drawing/2014/main" id="{1731381A-87B7-3D79-42E7-059DA272BB49}"/>
+                </a:ext>
+              </a:extLst>
+            </p:cNvPr>
+            <p:cNvCxnSpPr/>
+            <p:nvPr/>
+          </p:nvCxnSpPr>
+          <p:spPr>
+            <a:xfrm>
+              <a:off x="8883748" y="3073791"/>
+              <a:ext cx="0" cy="907366"/>
+            </a:xfrm>
+            <a:prstGeom prst="straightConnector1">
+              <a:avLst/>
+            </a:prstGeom>
+            <a:ln>
+              <a:tailEnd type="triangle"/>
+            </a:ln>
+          </p:spPr>
+          <p:style>
+            <a:lnRef idx="3">
+              <a:schemeClr val="accent6"/>
+            </a:lnRef>
+            <a:fillRef idx="0">
+              <a:schemeClr val="accent6"/>
+            </a:fillRef>
+            <a:effectRef idx="2">
+              <a:schemeClr val="accent6"/>
+            </a:effectRef>
+            <a:fontRef idx="minor">
+              <a:schemeClr val="tx1"/>
+            </a:fontRef>
+          </p:style>
+        </p:cxnSp>
+        <p:cxnSp>
+          <p:nvCxnSpPr>
+            <p:cNvPr id="10" name="Straight Arrow Connector 9">
+              <a:extLst>
+                <a:ext uri="{FF2B5EF4-FFF2-40B4-BE49-F238E27FC236}">
+                  <a16:creationId xmlns:a16="http://schemas.microsoft.com/office/drawing/2014/main" id="{CCC65568-2668-F231-FB0E-5B8F8C884A1D}"/>
+                </a:ext>
+              </a:extLst>
+            </p:cNvPr>
+            <p:cNvCxnSpPr>
+              <a:cxnSpLocks/>
+            </p:cNvCxnSpPr>
+            <p:nvPr/>
+          </p:nvCxnSpPr>
+          <p:spPr>
+            <a:xfrm>
+              <a:off x="8883748" y="3974123"/>
+              <a:ext cx="330590" cy="0"/>
+            </a:xfrm>
+            <a:prstGeom prst="straightConnector1">
+              <a:avLst/>
+            </a:prstGeom>
+            <a:ln>
+              <a:tailEnd type="triangle"/>
+            </a:ln>
+          </p:spPr>
+          <p:style>
+            <a:lnRef idx="2">
+              <a:schemeClr val="accent6"/>
+            </a:lnRef>
+            <a:fillRef idx="0">
+              <a:schemeClr val="accent6"/>
+            </a:fillRef>
+            <a:effectRef idx="1">
+              <a:schemeClr val="accent6"/>
+            </a:effectRef>
+            <a:fontRef idx="minor">
+              <a:schemeClr val="tx1"/>
+            </a:fontRef>
+          </p:style>
+        </p:cxnSp>
+        <p:sp>
+          <p:nvSpPr>
+            <p:cNvPr id="12" name="TextBox 11">
+              <a:extLst>
+                <a:ext uri="{FF2B5EF4-FFF2-40B4-BE49-F238E27FC236}">
+                  <a16:creationId xmlns:a16="http://schemas.microsoft.com/office/drawing/2014/main" id="{6B180101-752D-D73B-CB13-C25A5863F514}"/>
+                </a:ext>
+              </a:extLst>
+            </p:cNvPr>
+            <p:cNvSpPr txBox="1"/>
+            <p:nvPr/>
+          </p:nvSpPr>
+          <p:spPr>
+            <a:xfrm>
+              <a:off x="8846120" y="5272296"/>
+              <a:ext cx="1630511" cy="338554"/>
+            </a:xfrm>
+            <a:prstGeom prst="rect">
+              <a:avLst/>
+            </a:prstGeom>
+            <a:noFill/>
+          </p:spPr>
+          <p:txBody>
+            <a:bodyPr wrap="none" rtlCol="0">
+              <a:spAutoFit/>
+            </a:bodyPr>
+            <a:lstStyle/>
+            <a:p>
+              <a:r>
+                <a:rPr lang="en-US" sz="1600" dirty="0"/>
+                <a:t>Gradient Descent</a:t>
+              </a:r>
+              <a:endParaRPr lang="en-NL" sz="1600" dirty="0"/>
+            </a:p>
+          </p:txBody>
+        </p:sp>
+        <p:sp>
+          <p:nvSpPr>
+            <p:cNvPr id="16" name="Rectangle 15">
+              <a:extLst>
+                <a:ext uri="{FF2B5EF4-FFF2-40B4-BE49-F238E27FC236}">
+                  <a16:creationId xmlns:a16="http://schemas.microsoft.com/office/drawing/2014/main" id="{CAC4CD17-357A-6A1F-5E65-6B3903135766}"/>
+                </a:ext>
+              </a:extLst>
+            </p:cNvPr>
+            <p:cNvSpPr/>
+            <p:nvPr/>
+          </p:nvSpPr>
+          <p:spPr>
+            <a:xfrm>
+              <a:off x="8180366" y="2368319"/>
+              <a:ext cx="2962018" cy="3357232"/>
+            </a:xfrm>
+            <a:prstGeom prst="rect">
+              <a:avLst/>
+            </a:prstGeom>
+            <a:noFill/>
+            <a:ln>
+              <a:solidFill>
+                <a:schemeClr val="bg1">
+                  <a:lumMod val="75000"/>
+                </a:schemeClr>
+              </a:solidFill>
+            </a:ln>
+          </p:spPr>
+          <p:style>
+            <a:lnRef idx="2">
+              <a:schemeClr val="accent1">
+                <a:shade val="15000"/>
+              </a:schemeClr>
+            </a:lnRef>
+            <a:fillRef idx="1">
+              <a:schemeClr val="accent1"/>
+            </a:fillRef>
+            <a:effectRef idx="0">
+              <a:schemeClr val="accent1"/>
+            </a:effectRef>
+            <a:fontRef idx="minor">
+              <a:schemeClr val="lt1"/>
+            </a:fontRef>
+          </p:style>
+          <p:txBody>
+            <a:bodyPr rtlCol="0" anchor="ctr"/>
+            <a:lstStyle/>
+            <a:p>
+              <a:pPr algn="ctr"/>
+              <a:endParaRPr lang="en-NL"/>
+            </a:p>
+          </p:txBody>
+        </p:sp>
+      </p:grpSp>
+    </p:spTree>
+    <p:extLst>
+      <p:ext uri="{BB962C8B-B14F-4D97-AF65-F5344CB8AC3E}">
+        <p14:creationId xmlns:p14="http://schemas.microsoft.com/office/powerpoint/2010/main" val="2281574889"/>
+      </p:ext>
+    </p:extLst>
+  </p:cSld>
+  <p:clrMapOvr>
+    <a:masterClrMapping/>
+  </p:clrMapOvr>
+</p:sld>
+</file>
+
+<file path=ppt/slides/slide26.xml><?xml version="1.0" encoding="utf-8"?>
+<p:sld xmlns:a="http://schemas.openxmlformats.org/drawingml/2006/main" xmlns:r="http://schemas.openxmlformats.org/officeDocument/2006/relationships" xmlns:p="http://schemas.openxmlformats.org/presentationml/2006/main">
+  <p:cSld>
+    <p:spTree>
+      <p:nvGrpSpPr>
+        <p:cNvPr id="1" name="">
+          <a:extLst>
+            <a:ext uri="{FF2B5EF4-FFF2-40B4-BE49-F238E27FC236}">
+              <a16:creationId xmlns:a16="http://schemas.microsoft.com/office/drawing/2014/main" id="{21D31679-4A8C-FC21-E21C-8C944650DBF7}"/>
+            </a:ext>
+          </a:extLst>
+        </p:cNvPr>
+        <p:cNvGrpSpPr/>
+        <p:nvPr/>
+      </p:nvGrpSpPr>
+      <p:grpSpPr>
+        <a:xfrm>
+          <a:off x="0" y="0"/>
+          <a:ext cx="0" cy="0"/>
+          <a:chOff x="0" y="0"/>
+          <a:chExt cx="0" cy="0"/>
+        </a:xfrm>
+      </p:grpSpPr>
+      <p:sp>
+        <p:nvSpPr>
+          <p:cNvPr id="2" name="Title 1">
+            <a:extLst>
+              <a:ext uri="{FF2B5EF4-FFF2-40B4-BE49-F238E27FC236}">
+                <a16:creationId xmlns:a16="http://schemas.microsoft.com/office/drawing/2014/main" id="{D1283E55-98B1-0DB4-1653-C992C9E7AB85}"/>
+              </a:ext>
+            </a:extLst>
+          </p:cNvPr>
+          <p:cNvSpPr>
+            <a:spLocks noGrp="1"/>
+          </p:cNvSpPr>
+          <p:nvPr>
+            <p:ph type="title"/>
+          </p:nvPr>
+        </p:nvSpPr>
+        <p:spPr>
+          <a:xfrm>
+            <a:off x="838200" y="365126"/>
+            <a:ext cx="10515600" cy="718608"/>
+          </a:xfrm>
+        </p:spPr>
+        <p:txBody>
+          <a:bodyPr>
+            <a:normAutofit/>
+          </a:bodyPr>
+          <a:lstStyle/>
+          <a:p>
+            <a:r>
+              <a:rPr lang="nl-NL" sz="3600" noProof="0" dirty="0"/>
+              <a:t>Modellen fitten</a:t>
+            </a:r>
+          </a:p>
+        </p:txBody>
+      </p:sp>
+      <p:sp>
+        <p:nvSpPr>
+          <p:cNvPr id="6" name="Rectangle 5">
+            <a:extLst>
+              <a:ext uri="{FF2B5EF4-FFF2-40B4-BE49-F238E27FC236}">
+                <a16:creationId xmlns:a16="http://schemas.microsoft.com/office/drawing/2014/main" id="{31194ECC-C35E-9395-0455-1F7334EA3DAD}"/>
+              </a:ext>
+            </a:extLst>
+          </p:cNvPr>
+          <p:cNvSpPr/>
+          <p:nvPr/>
+        </p:nvSpPr>
+        <p:spPr>
+          <a:xfrm>
+            <a:off x="1117208" y="1616026"/>
+            <a:ext cx="1337603" cy="390380"/>
+          </a:xfrm>
+          <a:prstGeom prst="rect">
+            <a:avLst/>
+          </a:prstGeom>
+          <a:solidFill>
+            <a:schemeClr val="bg1">
+              <a:lumMod val="95000"/>
+            </a:schemeClr>
+          </a:solidFill>
+        </p:spPr>
+        <p:style>
+          <a:lnRef idx="2">
+            <a:schemeClr val="accent3">
+              <a:shade val="15000"/>
+            </a:schemeClr>
+          </a:lnRef>
+          <a:fillRef idx="1">
+            <a:schemeClr val="accent3"/>
+          </a:fillRef>
+          <a:effectRef idx="0">
+            <a:schemeClr val="accent3"/>
+          </a:effectRef>
+          <a:fontRef idx="minor">
+            <a:schemeClr val="lt1"/>
+          </a:fontRef>
+        </p:style>
+        <p:txBody>
+          <a:bodyPr rtlCol="0" anchor="ctr"/>
+          <a:lstStyle/>
+          <a:p>
+            <a:pPr algn="ctr"/>
+            <a:r>
+              <a:rPr lang="el-GR" dirty="0">
+                <a:solidFill>
+                  <a:sysClr val="windowText" lastClr="000000"/>
+                </a:solidFill>
+              </a:rPr>
+              <a:t>β</a:t>
+            </a:r>
+            <a:r>
+              <a:rPr lang="en-US" dirty="0">
+                <a:solidFill>
+                  <a:sysClr val="windowText" lastClr="000000"/>
+                </a:solidFill>
+              </a:rPr>
+              <a:t> = 0.5</a:t>
+            </a:r>
+            <a:endParaRPr lang="en-NL" dirty="0">
+              <a:solidFill>
+                <a:sysClr val="windowText" lastClr="000000"/>
+              </a:solidFill>
+            </a:endParaRPr>
+          </a:p>
+        </p:txBody>
+      </p:sp>
+      <p:sp>
+        <p:nvSpPr>
+          <p:cNvPr id="9" name="Rectangle 8">
+            <a:extLst>
+              <a:ext uri="{FF2B5EF4-FFF2-40B4-BE49-F238E27FC236}">
+                <a16:creationId xmlns:a16="http://schemas.microsoft.com/office/drawing/2014/main" id="{9A55B93B-870C-169C-8E31-72D6AD247345}"/>
+              </a:ext>
+            </a:extLst>
+          </p:cNvPr>
+          <p:cNvSpPr/>
+          <p:nvPr/>
+        </p:nvSpPr>
+        <p:spPr>
+          <a:xfrm>
+            <a:off x="5286521" y="1616026"/>
+            <a:ext cx="1337603" cy="390380"/>
+          </a:xfrm>
+          <a:prstGeom prst="rect">
+            <a:avLst/>
+          </a:prstGeom>
+          <a:solidFill>
+            <a:schemeClr val="bg1">
+              <a:lumMod val="95000"/>
+            </a:schemeClr>
+          </a:solidFill>
+        </p:spPr>
+        <p:style>
+          <a:lnRef idx="2">
+            <a:schemeClr val="accent3">
+              <a:shade val="15000"/>
+            </a:schemeClr>
+          </a:lnRef>
+          <a:fillRef idx="1">
+            <a:schemeClr val="accent3"/>
+          </a:fillRef>
+          <a:effectRef idx="0">
+            <a:schemeClr val="accent3"/>
+          </a:effectRef>
+          <a:fontRef idx="minor">
+            <a:schemeClr val="lt1"/>
+          </a:fontRef>
+        </p:style>
+        <p:txBody>
+          <a:bodyPr rtlCol="0" anchor="ctr"/>
+          <a:lstStyle/>
+          <a:p>
+            <a:pPr algn="ctr"/>
+            <a:r>
+              <a:rPr lang="el-GR" dirty="0">
+                <a:solidFill>
+                  <a:sysClr val="windowText" lastClr="000000"/>
+                </a:solidFill>
+              </a:rPr>
+              <a:t>β</a:t>
+            </a:r>
+            <a:r>
+              <a:rPr lang="en-US" dirty="0">
+                <a:solidFill>
+                  <a:sysClr val="windowText" lastClr="000000"/>
+                </a:solidFill>
+              </a:rPr>
+              <a:t> = 1.0</a:t>
+            </a:r>
+            <a:endParaRPr lang="en-NL" dirty="0">
+              <a:solidFill>
+                <a:sysClr val="windowText" lastClr="000000"/>
+              </a:solidFill>
+            </a:endParaRPr>
+          </a:p>
+        </p:txBody>
+      </p:sp>
+      <p:cxnSp>
+        <p:nvCxnSpPr>
+          <p:cNvPr id="19" name="Straight Arrow Connector 18">
+            <a:extLst>
+              <a:ext uri="{FF2B5EF4-FFF2-40B4-BE49-F238E27FC236}">
+                <a16:creationId xmlns:a16="http://schemas.microsoft.com/office/drawing/2014/main" id="{BAB33E75-E627-A9B8-3F7F-E18785FF9BC5}"/>
+              </a:ext>
+            </a:extLst>
+          </p:cNvPr>
+          <p:cNvCxnSpPr>
+            <a:stCxn id="6" idx="3"/>
+            <a:endCxn id="9" idx="1"/>
+          </p:cNvCxnSpPr>
+          <p:nvPr/>
+        </p:nvCxnSpPr>
+        <p:spPr>
+          <a:xfrm>
+            <a:off x="2454811" y="1811216"/>
+            <a:ext cx="2831710" cy="0"/>
+          </a:xfrm>
+          <a:prstGeom prst="straightConnector1">
+            <a:avLst/>
+          </a:prstGeom>
+          <a:ln>
+            <a:tailEnd type="triangle"/>
+          </a:ln>
+        </p:spPr>
+        <p:style>
+          <a:lnRef idx="1">
+            <a:schemeClr val="dk1"/>
+          </a:lnRef>
+          <a:fillRef idx="0">
+            <a:schemeClr val="dk1"/>
+          </a:fillRef>
+          <a:effectRef idx="0">
+            <a:schemeClr val="dk1"/>
+          </a:effectRef>
+          <a:fontRef idx="minor">
+            <a:schemeClr val="tx1"/>
+          </a:fontRef>
+        </p:style>
+      </p:cxnSp>
+      <p:pic>
+        <p:nvPicPr>
+          <p:cNvPr id="24" name="Picture 23" descr="A graph with red and blue dots&#10;&#10;Description automatically generated">
+            <a:extLst>
+              <a:ext uri="{FF2B5EF4-FFF2-40B4-BE49-F238E27FC236}">
+                <a16:creationId xmlns:a16="http://schemas.microsoft.com/office/drawing/2014/main" id="{604E590A-5EB9-1D44-4696-71614371D110}"/>
+              </a:ext>
+            </a:extLst>
+          </p:cNvPr>
+          <p:cNvPicPr>
+            <a:picLocks noChangeAspect="1"/>
+          </p:cNvPicPr>
+          <p:nvPr/>
+        </p:nvPicPr>
+        <p:blipFill>
+          <a:blip r:embed="rId3">
+            <a:extLst>
+              <a:ext uri="{28A0092B-C50C-407E-A947-70E740481C1C}">
+                <a14:useLocalDpi xmlns:a14="http://schemas.microsoft.com/office/drawing/2010/main" val="0"/>
+              </a:ext>
+            </a:extLst>
+          </a:blip>
+          <a:stretch>
+            <a:fillRect/>
+          </a:stretch>
+        </p:blipFill>
+        <p:spPr>
+          <a:xfrm>
+            <a:off x="502144" y="2538698"/>
+            <a:ext cx="2567729" cy="2562838"/>
+          </a:xfrm>
+          <a:prstGeom prst="rect">
+            <a:avLst/>
+          </a:prstGeom>
+        </p:spPr>
+      </p:pic>
+      <p:cxnSp>
+        <p:nvCxnSpPr>
+          <p:cNvPr id="26" name="Straight Arrow Connector 25">
+            <a:extLst>
+              <a:ext uri="{FF2B5EF4-FFF2-40B4-BE49-F238E27FC236}">
+                <a16:creationId xmlns:a16="http://schemas.microsoft.com/office/drawing/2014/main" id="{5A7F272D-2F23-18DB-94ED-BF41FC901F11}"/>
+              </a:ext>
+            </a:extLst>
+          </p:cNvPr>
+          <p:cNvCxnSpPr>
+            <a:stCxn id="6" idx="2"/>
+            <a:endCxn id="24" idx="0"/>
+          </p:cNvCxnSpPr>
+          <p:nvPr/>
+        </p:nvCxnSpPr>
+        <p:spPr>
+          <a:xfrm flipH="1">
+            <a:off x="1786009" y="2006406"/>
+            <a:ext cx="1" cy="532292"/>
+          </a:xfrm>
+          <a:prstGeom prst="straightConnector1">
+            <a:avLst/>
+          </a:prstGeom>
+          <a:ln>
+            <a:tailEnd type="triangle"/>
+          </a:ln>
+        </p:spPr>
+        <p:style>
+          <a:lnRef idx="2">
+            <a:schemeClr val="dk1"/>
+          </a:lnRef>
+          <a:fillRef idx="0">
+            <a:schemeClr val="dk1"/>
+          </a:fillRef>
+          <a:effectRef idx="1">
+            <a:schemeClr val="dk1"/>
+          </a:effectRef>
+          <a:fontRef idx="minor">
+            <a:schemeClr val="tx1"/>
+          </a:fontRef>
+        </p:style>
+      </p:cxnSp>
+      <p:sp>
+        <p:nvSpPr>
+          <p:cNvPr id="27" name="TextBox 26">
+            <a:extLst>
+              <a:ext uri="{FF2B5EF4-FFF2-40B4-BE49-F238E27FC236}">
+                <a16:creationId xmlns:a16="http://schemas.microsoft.com/office/drawing/2014/main" id="{AD0FDEE8-6CC7-0F7A-DFAD-7BFE8C4EBA39}"/>
+              </a:ext>
+            </a:extLst>
+          </p:cNvPr>
+          <p:cNvSpPr txBox="1"/>
+          <p:nvPr/>
+        </p:nvSpPr>
+        <p:spPr>
+          <a:xfrm>
+            <a:off x="583809" y="5337434"/>
+            <a:ext cx="2486064" cy="615553"/>
+          </a:xfrm>
+          <a:prstGeom prst="rect">
+            <a:avLst/>
+          </a:prstGeom>
+          <a:noFill/>
+        </p:spPr>
+        <p:txBody>
+          <a:bodyPr wrap="square" rtlCol="0">
+            <a:spAutoFit/>
+          </a:bodyPr>
+          <a:lstStyle/>
+          <a:p>
+            <a:pPr algn="ctr"/>
+            <a:r>
+              <a:rPr lang="en-US" sz="1600" dirty="0"/>
+              <a:t>mean absolute deviation:</a:t>
+            </a:r>
+          </a:p>
+          <a:p>
+            <a:pPr algn="ctr"/>
+            <a:r>
+              <a:rPr lang="en-US" b="1" dirty="0"/>
+              <a:t>3.1</a:t>
+            </a:r>
+          </a:p>
+        </p:txBody>
+      </p:sp>
+      <p:pic>
+        <p:nvPicPr>
+          <p:cNvPr id="30" name="Picture 29" descr="A graph with red and blue dots&#10;&#10;Description automatically generated">
+            <a:extLst>
+              <a:ext uri="{FF2B5EF4-FFF2-40B4-BE49-F238E27FC236}">
+                <a16:creationId xmlns:a16="http://schemas.microsoft.com/office/drawing/2014/main" id="{1CEDB59E-426B-AC0A-E28C-DD2F8E813870}"/>
+              </a:ext>
+            </a:extLst>
+          </p:cNvPr>
+          <p:cNvPicPr>
+            <a:picLocks noChangeAspect="1"/>
+          </p:cNvPicPr>
+          <p:nvPr/>
+        </p:nvPicPr>
+        <p:blipFill>
+          <a:blip r:embed="rId4">
+            <a:extLst>
+              <a:ext uri="{28A0092B-C50C-407E-A947-70E740481C1C}">
+                <a14:useLocalDpi xmlns:a14="http://schemas.microsoft.com/office/drawing/2010/main" val="0"/>
+              </a:ext>
+            </a:extLst>
+          </a:blip>
+          <a:stretch>
+            <a:fillRect/>
+          </a:stretch>
+        </p:blipFill>
+        <p:spPr>
+          <a:xfrm>
+            <a:off x="4666582" y="2538701"/>
+            <a:ext cx="2577480" cy="2562835"/>
+          </a:xfrm>
+          <a:prstGeom prst="rect">
+            <a:avLst/>
+          </a:prstGeom>
+        </p:spPr>
+      </p:pic>
+      <p:cxnSp>
+        <p:nvCxnSpPr>
+          <p:cNvPr id="31" name="Straight Arrow Connector 30">
+            <a:extLst>
+              <a:ext uri="{FF2B5EF4-FFF2-40B4-BE49-F238E27FC236}">
+                <a16:creationId xmlns:a16="http://schemas.microsoft.com/office/drawing/2014/main" id="{7EA0DD14-8A72-469F-B514-26C269E7864E}"/>
+              </a:ext>
+            </a:extLst>
+          </p:cNvPr>
+          <p:cNvCxnSpPr/>
+          <p:nvPr/>
+        </p:nvCxnSpPr>
+        <p:spPr>
+          <a:xfrm flipH="1">
+            <a:off x="5955321" y="2006406"/>
+            <a:ext cx="1" cy="532292"/>
+          </a:xfrm>
+          <a:prstGeom prst="straightConnector1">
+            <a:avLst/>
+          </a:prstGeom>
+          <a:ln>
+            <a:tailEnd type="triangle"/>
+          </a:ln>
+        </p:spPr>
+        <p:style>
+          <a:lnRef idx="2">
+            <a:schemeClr val="dk1"/>
+          </a:lnRef>
+          <a:fillRef idx="0">
+            <a:schemeClr val="dk1"/>
+          </a:fillRef>
+          <a:effectRef idx="1">
+            <a:schemeClr val="dk1"/>
+          </a:effectRef>
+          <a:fontRef idx="minor">
+            <a:schemeClr val="tx1"/>
+          </a:fontRef>
+        </p:style>
+      </p:cxnSp>
+      <p:sp>
+        <p:nvSpPr>
+          <p:cNvPr id="32" name="TextBox 31">
+            <a:extLst>
+              <a:ext uri="{FF2B5EF4-FFF2-40B4-BE49-F238E27FC236}">
+                <a16:creationId xmlns:a16="http://schemas.microsoft.com/office/drawing/2014/main" id="{FC498783-CCAC-E731-3011-3F81D8EFF81D}"/>
+              </a:ext>
+            </a:extLst>
+          </p:cNvPr>
+          <p:cNvSpPr txBox="1"/>
+          <p:nvPr/>
+        </p:nvSpPr>
+        <p:spPr>
+          <a:xfrm>
+            <a:off x="4712289" y="5337433"/>
+            <a:ext cx="2486064" cy="615553"/>
+          </a:xfrm>
+          <a:prstGeom prst="rect">
+            <a:avLst/>
+          </a:prstGeom>
+          <a:noFill/>
+        </p:spPr>
+        <p:txBody>
+          <a:bodyPr wrap="square" rtlCol="0">
+            <a:spAutoFit/>
+          </a:bodyPr>
+          <a:lstStyle/>
+          <a:p>
+            <a:pPr algn="ctr"/>
+            <a:r>
+              <a:rPr lang="en-US" sz="1600" dirty="0"/>
+              <a:t>mean absolute deviation:</a:t>
+            </a:r>
+          </a:p>
+          <a:p>
+            <a:pPr algn="ctr"/>
+            <a:r>
+              <a:rPr lang="en-US" b="1" dirty="0"/>
+              <a:t>1.6</a:t>
+            </a:r>
+          </a:p>
+        </p:txBody>
+      </p:sp>
+      <p:grpSp>
+        <p:nvGrpSpPr>
+          <p:cNvPr id="25" name="Group 24">
+            <a:extLst>
+              <a:ext uri="{FF2B5EF4-FFF2-40B4-BE49-F238E27FC236}">
+                <a16:creationId xmlns:a16="http://schemas.microsoft.com/office/drawing/2014/main" id="{4D74ECD8-335A-462F-9A09-86B4AD9F7F9E}"/>
+              </a:ext>
+            </a:extLst>
+          </p:cNvPr>
+          <p:cNvGrpSpPr/>
+          <p:nvPr/>
+        </p:nvGrpSpPr>
+        <p:grpSpPr>
+          <a:xfrm>
+            <a:off x="8180366" y="2368319"/>
+            <a:ext cx="2962018" cy="3357232"/>
+            <a:chOff x="8180366" y="2368319"/>
+            <a:chExt cx="2962018" cy="3357232"/>
+          </a:xfrm>
+        </p:grpSpPr>
+        <p:grpSp>
+          <p:nvGrpSpPr>
+            <p:cNvPr id="17" name="Group 16">
+              <a:extLst>
+                <a:ext uri="{FF2B5EF4-FFF2-40B4-BE49-F238E27FC236}">
+                  <a16:creationId xmlns:a16="http://schemas.microsoft.com/office/drawing/2014/main" id="{D2D752D5-5E0B-F491-B030-B3BC4E2769BF}"/>
+                </a:ext>
+              </a:extLst>
+            </p:cNvPr>
+            <p:cNvGrpSpPr/>
+            <p:nvPr/>
+          </p:nvGrpSpPr>
+          <p:grpSpPr>
+            <a:xfrm>
+              <a:off x="8180366" y="2368319"/>
+              <a:ext cx="2962018" cy="3357232"/>
+              <a:chOff x="8180366" y="2368319"/>
+              <a:chExt cx="2962018" cy="3357232"/>
+            </a:xfrm>
+          </p:grpSpPr>
+          <p:pic>
+            <p:nvPicPr>
+              <p:cNvPr id="4" name="Picture 3" descr="A graph with a line&#10;&#10;Description automatically generated">
+                <a:extLst>
+                  <a:ext uri="{FF2B5EF4-FFF2-40B4-BE49-F238E27FC236}">
+                    <a16:creationId xmlns:a16="http://schemas.microsoft.com/office/drawing/2014/main" id="{55A5EFC1-8156-5DB6-024B-03AFF3B50560}"/>
+                  </a:ext>
+                </a:extLst>
+              </p:cNvPr>
+              <p:cNvPicPr>
+                <a:picLocks noChangeAspect="1"/>
+              </p:cNvPicPr>
+              <p:nvPr/>
+            </p:nvPicPr>
+            <p:blipFill>
+              <a:blip r:embed="rId5">
+                <a:extLst>
+                  <a:ext uri="{28A0092B-C50C-407E-A947-70E740481C1C}">
+                    <a14:useLocalDpi xmlns:a14="http://schemas.microsoft.com/office/drawing/2010/main" val="0"/>
+                  </a:ext>
+                </a:extLst>
+              </a:blip>
+              <a:stretch>
+                <a:fillRect/>
+              </a:stretch>
+            </p:blipFill>
+            <p:spPr>
+              <a:xfrm>
+                <a:off x="8261240" y="2482638"/>
+                <a:ext cx="2800270" cy="2674957"/>
+              </a:xfrm>
+              <a:prstGeom prst="rect">
+                <a:avLst/>
+              </a:prstGeom>
+            </p:spPr>
+          </p:pic>
+          <p:cxnSp>
+            <p:nvCxnSpPr>
+              <p:cNvPr id="7" name="Straight Arrow Connector 6">
+                <a:extLst>
+                  <a:ext uri="{FF2B5EF4-FFF2-40B4-BE49-F238E27FC236}">
+                    <a16:creationId xmlns:a16="http://schemas.microsoft.com/office/drawing/2014/main" id="{C834F1AB-8428-2E0A-56B2-4D98CECD0D34}"/>
+                  </a:ext>
+                </a:extLst>
+              </p:cNvPr>
+              <p:cNvCxnSpPr/>
+              <p:nvPr/>
+            </p:nvCxnSpPr>
+            <p:spPr>
+              <a:xfrm>
+                <a:off x="8883748" y="3073791"/>
+                <a:ext cx="0" cy="907366"/>
+              </a:xfrm>
+              <a:prstGeom prst="straightConnector1">
+                <a:avLst/>
+              </a:prstGeom>
+              <a:ln>
+                <a:tailEnd type="triangle"/>
+              </a:ln>
+            </p:spPr>
+            <p:style>
+              <a:lnRef idx="3">
+                <a:schemeClr val="accent6"/>
+              </a:lnRef>
+              <a:fillRef idx="0">
+                <a:schemeClr val="accent6"/>
+              </a:fillRef>
+              <a:effectRef idx="2">
+                <a:schemeClr val="accent6"/>
+              </a:effectRef>
+              <a:fontRef idx="minor">
+                <a:schemeClr val="tx1"/>
+              </a:fontRef>
+            </p:style>
+          </p:cxnSp>
+          <p:cxnSp>
+            <p:nvCxnSpPr>
+              <p:cNvPr id="10" name="Straight Arrow Connector 9">
+                <a:extLst>
+                  <a:ext uri="{FF2B5EF4-FFF2-40B4-BE49-F238E27FC236}">
+                    <a16:creationId xmlns:a16="http://schemas.microsoft.com/office/drawing/2014/main" id="{7DF1165B-58F6-7C52-9D00-19A4079EA87B}"/>
+                  </a:ext>
+                </a:extLst>
+              </p:cNvPr>
+              <p:cNvCxnSpPr>
+                <a:cxnSpLocks/>
+              </p:cNvCxnSpPr>
+              <p:nvPr/>
+            </p:nvCxnSpPr>
+            <p:spPr>
+              <a:xfrm>
+                <a:off x="8883748" y="3974123"/>
+                <a:ext cx="330590" cy="0"/>
+              </a:xfrm>
+              <a:prstGeom prst="straightConnector1">
+                <a:avLst/>
+              </a:prstGeom>
+              <a:ln>
+                <a:tailEnd type="triangle"/>
+              </a:ln>
+            </p:spPr>
+            <p:style>
+              <a:lnRef idx="2">
+                <a:schemeClr val="accent6"/>
+              </a:lnRef>
+              <a:fillRef idx="0">
+                <a:schemeClr val="accent6"/>
+              </a:fillRef>
+              <a:effectRef idx="1">
+                <a:schemeClr val="accent6"/>
+              </a:effectRef>
+              <a:fontRef idx="minor">
+                <a:schemeClr val="tx1"/>
+              </a:fontRef>
+            </p:style>
+          </p:cxnSp>
+          <p:sp>
+            <p:nvSpPr>
+              <p:cNvPr id="12" name="TextBox 11">
+                <a:extLst>
+                  <a:ext uri="{FF2B5EF4-FFF2-40B4-BE49-F238E27FC236}">
+                    <a16:creationId xmlns:a16="http://schemas.microsoft.com/office/drawing/2014/main" id="{508B61BF-CAA0-C6B2-17EB-C63BA5811970}"/>
+                  </a:ext>
+                </a:extLst>
+              </p:cNvPr>
+              <p:cNvSpPr txBox="1"/>
+              <p:nvPr/>
+            </p:nvSpPr>
+            <p:spPr>
+              <a:xfrm>
+                <a:off x="8846120" y="5272296"/>
+                <a:ext cx="1630511" cy="338554"/>
+              </a:xfrm>
+              <a:prstGeom prst="rect">
+                <a:avLst/>
+              </a:prstGeom>
+              <a:noFill/>
+            </p:spPr>
+            <p:txBody>
+              <a:bodyPr wrap="none" rtlCol="0">
+                <a:spAutoFit/>
+              </a:bodyPr>
+              <a:lstStyle/>
+              <a:p>
+                <a:r>
+                  <a:rPr lang="en-US" sz="1600" dirty="0"/>
+                  <a:t>Gradient Descent</a:t>
+                </a:r>
+                <a:endParaRPr lang="en-NL" sz="1600" dirty="0"/>
+              </a:p>
+            </p:txBody>
+          </p:sp>
+          <p:sp>
+            <p:nvSpPr>
+              <p:cNvPr id="16" name="Rectangle 15">
+                <a:extLst>
+                  <a:ext uri="{FF2B5EF4-FFF2-40B4-BE49-F238E27FC236}">
+                    <a16:creationId xmlns:a16="http://schemas.microsoft.com/office/drawing/2014/main" id="{081F0E2A-BA09-AEA0-52A2-F0FD9AC3CC11}"/>
+                  </a:ext>
+                </a:extLst>
+              </p:cNvPr>
+              <p:cNvSpPr/>
+              <p:nvPr/>
+            </p:nvSpPr>
+            <p:spPr>
+              <a:xfrm>
+                <a:off x="8180366" y="2368319"/>
+                <a:ext cx="2962018" cy="3357232"/>
+              </a:xfrm>
+              <a:prstGeom prst="rect">
+                <a:avLst/>
+              </a:prstGeom>
+              <a:noFill/>
+              <a:ln>
+                <a:solidFill>
+                  <a:schemeClr val="bg1">
+                    <a:lumMod val="75000"/>
+                  </a:schemeClr>
+                </a:solidFill>
+              </a:ln>
+            </p:spPr>
+            <p:style>
+              <a:lnRef idx="2">
+                <a:schemeClr val="accent1">
+                  <a:shade val="15000"/>
+                </a:schemeClr>
+              </a:lnRef>
+              <a:fillRef idx="1">
+                <a:schemeClr val="accent1"/>
+              </a:fillRef>
+              <a:effectRef idx="0">
+                <a:schemeClr val="accent1"/>
+              </a:effectRef>
+              <a:fontRef idx="minor">
+                <a:schemeClr val="lt1"/>
+              </a:fontRef>
+            </p:style>
+            <p:txBody>
+              <a:bodyPr rtlCol="0" anchor="ctr"/>
+              <a:lstStyle/>
+              <a:p>
+                <a:pPr algn="ctr"/>
+                <a:endParaRPr lang="en-NL"/>
+              </a:p>
+            </p:txBody>
+          </p:sp>
+        </p:grpSp>
+        <p:sp>
+          <p:nvSpPr>
+            <p:cNvPr id="20" name="Arrow: Curved Up 19">
+              <a:extLst>
+                <a:ext uri="{FF2B5EF4-FFF2-40B4-BE49-F238E27FC236}">
+                  <a16:creationId xmlns:a16="http://schemas.microsoft.com/office/drawing/2014/main" id="{6B7A9A7A-304E-3FB6-30EE-6F67A3978FD9}"/>
+                </a:ext>
+              </a:extLst>
+            </p:cNvPr>
+            <p:cNvSpPr/>
+            <p:nvPr/>
+          </p:nvSpPr>
+          <p:spPr>
+            <a:xfrm>
+              <a:off x="8904848" y="4046935"/>
+              <a:ext cx="309490" cy="168812"/>
+            </a:xfrm>
+            <a:prstGeom prst="curvedUpArrow">
+              <a:avLst/>
+            </a:prstGeom>
+          </p:spPr>
+          <p:style>
+            <a:lnRef idx="1">
+              <a:schemeClr val="accent6"/>
+            </a:lnRef>
+            <a:fillRef idx="2">
+              <a:schemeClr val="accent6"/>
+            </a:fillRef>
+            <a:effectRef idx="1">
+              <a:schemeClr val="accent6"/>
+            </a:effectRef>
+            <a:fontRef idx="minor">
+              <a:schemeClr val="dk1"/>
+            </a:fontRef>
+          </p:style>
+          <p:txBody>
+            <a:bodyPr rtlCol="0" anchor="ctr"/>
+            <a:lstStyle/>
+            <a:p>
+              <a:pPr algn="ctr"/>
+              <a:endParaRPr lang="en-NL">
+                <a:solidFill>
+                  <a:schemeClr val="tx1"/>
+                </a:solidFill>
+              </a:endParaRPr>
+            </a:p>
+          </p:txBody>
+        </p:sp>
+        <p:sp>
+          <p:nvSpPr>
+            <p:cNvPr id="21" name="Arrow: Curved Up 20">
+              <a:extLst>
+                <a:ext uri="{FF2B5EF4-FFF2-40B4-BE49-F238E27FC236}">
+                  <a16:creationId xmlns:a16="http://schemas.microsoft.com/office/drawing/2014/main" id="{FB619545-E9FF-E8C4-D8AF-180F4FF9C351}"/>
+                </a:ext>
+              </a:extLst>
+            </p:cNvPr>
+            <p:cNvSpPr/>
+            <p:nvPr/>
+          </p:nvSpPr>
+          <p:spPr>
+            <a:xfrm>
+              <a:off x="9214338" y="4051881"/>
+              <a:ext cx="309490" cy="168812"/>
+            </a:xfrm>
+            <a:prstGeom prst="curvedUpArrow">
+              <a:avLst/>
+            </a:prstGeom>
+          </p:spPr>
+          <p:style>
+            <a:lnRef idx="1">
+              <a:schemeClr val="accent6"/>
+            </a:lnRef>
+            <a:fillRef idx="2">
+              <a:schemeClr val="accent6"/>
+            </a:fillRef>
+            <a:effectRef idx="1">
+              <a:schemeClr val="accent6"/>
+            </a:effectRef>
+            <a:fontRef idx="minor">
+              <a:schemeClr val="dk1"/>
+            </a:fontRef>
+          </p:style>
+          <p:txBody>
+            <a:bodyPr rtlCol="0" anchor="ctr"/>
+            <a:lstStyle/>
+            <a:p>
+              <a:pPr algn="ctr"/>
+              <a:endParaRPr lang="en-NL">
+                <a:solidFill>
+                  <a:schemeClr val="tx1"/>
+                </a:solidFill>
+              </a:endParaRPr>
+            </a:p>
+          </p:txBody>
+        </p:sp>
+        <p:sp>
+          <p:nvSpPr>
+            <p:cNvPr id="22" name="Arrow: Curved Up 21">
+              <a:extLst>
+                <a:ext uri="{FF2B5EF4-FFF2-40B4-BE49-F238E27FC236}">
+                  <a16:creationId xmlns:a16="http://schemas.microsoft.com/office/drawing/2014/main" id="{2DB9A184-3DD6-B765-2E1D-8A1C847DE6BE}"/>
+                </a:ext>
+              </a:extLst>
+            </p:cNvPr>
+            <p:cNvSpPr/>
+            <p:nvPr/>
+          </p:nvSpPr>
+          <p:spPr>
+            <a:xfrm>
+              <a:off x="9523828" y="4056827"/>
+              <a:ext cx="309490" cy="168812"/>
+            </a:xfrm>
+            <a:prstGeom prst="curvedUpArrow">
+              <a:avLst/>
+            </a:prstGeom>
+          </p:spPr>
+          <p:style>
+            <a:lnRef idx="1">
+              <a:schemeClr val="accent6"/>
+            </a:lnRef>
+            <a:fillRef idx="2">
+              <a:schemeClr val="accent6"/>
+            </a:fillRef>
+            <a:effectRef idx="1">
+              <a:schemeClr val="accent6"/>
+            </a:effectRef>
+            <a:fontRef idx="minor">
+              <a:schemeClr val="dk1"/>
+            </a:fontRef>
+          </p:style>
+          <p:txBody>
+            <a:bodyPr rtlCol="0" anchor="ctr"/>
+            <a:lstStyle/>
+            <a:p>
+              <a:pPr algn="ctr"/>
+              <a:endParaRPr lang="en-NL">
+                <a:solidFill>
+                  <a:schemeClr val="tx1"/>
+                </a:solidFill>
+              </a:endParaRPr>
+            </a:p>
+          </p:txBody>
+        </p:sp>
+        <p:sp>
+          <p:nvSpPr>
+            <p:cNvPr id="23" name="TextBox 22">
+              <a:extLst>
+                <a:ext uri="{FF2B5EF4-FFF2-40B4-BE49-F238E27FC236}">
+                  <a16:creationId xmlns:a16="http://schemas.microsoft.com/office/drawing/2014/main" id="{05A8C2BF-88D7-851B-BC9D-356BEE24B7CB}"/>
+                </a:ext>
+              </a:extLst>
+            </p:cNvPr>
+            <p:cNvSpPr txBox="1"/>
+            <p:nvPr/>
+          </p:nvSpPr>
+          <p:spPr>
+            <a:xfrm>
+              <a:off x="8883747" y="4199584"/>
+              <a:ext cx="1209819" cy="307777"/>
+            </a:xfrm>
+            <a:prstGeom prst="rect">
+              <a:avLst/>
+            </a:prstGeom>
+            <a:noFill/>
+          </p:spPr>
+          <p:txBody>
+            <a:bodyPr wrap="square" rtlCol="0">
+              <a:spAutoFit/>
+            </a:bodyPr>
+            <a:lstStyle/>
+            <a:p>
+              <a:r>
+                <a:rPr lang="en-US" sz="1400" dirty="0"/>
+                <a:t>learning rate</a:t>
+              </a:r>
+              <a:endParaRPr lang="en-NL" sz="1400" dirty="0"/>
+            </a:p>
+          </p:txBody>
+        </p:sp>
+      </p:grpSp>
+    </p:spTree>
+    <p:extLst>
+      <p:ext uri="{BB962C8B-B14F-4D97-AF65-F5344CB8AC3E}">
+        <p14:creationId xmlns:p14="http://schemas.microsoft.com/office/powerpoint/2010/main" val="2309266996"/>
+      </p:ext>
+    </p:extLst>
+  </p:cSld>
+  <p:clrMapOvr>
+    <a:masterClrMapping/>
+  </p:clrMapOvr>
+</p:sld>
+</file>
+
+<file path=ppt/slides/slide27.xml><?xml version="1.0" encoding="utf-8"?>
+<p:sld xmlns:a="http://schemas.openxmlformats.org/drawingml/2006/main" xmlns:r="http://schemas.openxmlformats.org/officeDocument/2006/relationships" xmlns:p="http://schemas.openxmlformats.org/presentationml/2006/main">
+  <p:cSld>
+    <p:spTree>
+      <p:nvGrpSpPr>
+        <p:cNvPr id="1" name="">
+          <a:extLst>
+            <a:ext uri="{FF2B5EF4-FFF2-40B4-BE49-F238E27FC236}">
+              <a16:creationId xmlns:a16="http://schemas.microsoft.com/office/drawing/2014/main" id="{2B6E9FE2-DD41-914F-E7A0-1679BE26BF5F}"/>
+            </a:ext>
+          </a:extLst>
+        </p:cNvPr>
+        <p:cNvGrpSpPr/>
+        <p:nvPr/>
+      </p:nvGrpSpPr>
+      <p:grpSpPr>
+        <a:xfrm>
+          <a:off x="0" y="0"/>
+          <a:ext cx="0" cy="0"/>
+          <a:chOff x="0" y="0"/>
+          <a:chExt cx="0" cy="0"/>
+        </a:xfrm>
+      </p:grpSpPr>
+      <p:sp>
+        <p:nvSpPr>
+          <p:cNvPr id="2" name="Title 1">
+            <a:extLst>
+              <a:ext uri="{FF2B5EF4-FFF2-40B4-BE49-F238E27FC236}">
+                <a16:creationId xmlns:a16="http://schemas.microsoft.com/office/drawing/2014/main" id="{C4B62FD0-C386-A4C3-DC55-45C08C900669}"/>
+              </a:ext>
+            </a:extLst>
+          </p:cNvPr>
+          <p:cNvSpPr>
+            <a:spLocks noGrp="1"/>
+          </p:cNvSpPr>
+          <p:nvPr>
+            <p:ph type="title"/>
+          </p:nvPr>
+        </p:nvSpPr>
+        <p:spPr>
+          <a:xfrm>
+            <a:off x="838200" y="365126"/>
+            <a:ext cx="10515600" cy="718608"/>
+          </a:xfrm>
+        </p:spPr>
+        <p:txBody>
+          <a:bodyPr>
+            <a:normAutofit/>
+          </a:bodyPr>
+          <a:lstStyle/>
+          <a:p>
+            <a:r>
+              <a:rPr lang="nl-NL" sz="3600" noProof="0" dirty="0"/>
+              <a:t>Modellen fitten</a:t>
+            </a:r>
+          </a:p>
+        </p:txBody>
+      </p:sp>
+      <p:sp>
+        <p:nvSpPr>
+          <p:cNvPr id="6" name="Rectangle 5">
+            <a:extLst>
+              <a:ext uri="{FF2B5EF4-FFF2-40B4-BE49-F238E27FC236}">
+                <a16:creationId xmlns:a16="http://schemas.microsoft.com/office/drawing/2014/main" id="{8D6E6E84-ABF2-AA09-0497-E92D91DE0456}"/>
+              </a:ext>
+            </a:extLst>
+          </p:cNvPr>
+          <p:cNvSpPr/>
+          <p:nvPr/>
+        </p:nvSpPr>
+        <p:spPr>
+          <a:xfrm>
+            <a:off x="1117208" y="1616026"/>
+            <a:ext cx="1337603" cy="390380"/>
+          </a:xfrm>
+          <a:prstGeom prst="rect">
+            <a:avLst/>
+          </a:prstGeom>
+          <a:solidFill>
+            <a:schemeClr val="bg1">
+              <a:lumMod val="95000"/>
+            </a:schemeClr>
+          </a:solidFill>
+        </p:spPr>
+        <p:style>
+          <a:lnRef idx="2">
+            <a:schemeClr val="accent3">
+              <a:shade val="15000"/>
+            </a:schemeClr>
+          </a:lnRef>
+          <a:fillRef idx="1">
+            <a:schemeClr val="accent3"/>
+          </a:fillRef>
+          <a:effectRef idx="0">
+            <a:schemeClr val="accent3"/>
+          </a:effectRef>
+          <a:fontRef idx="minor">
+            <a:schemeClr val="lt1"/>
+          </a:fontRef>
+        </p:style>
+        <p:txBody>
+          <a:bodyPr rtlCol="0" anchor="ctr"/>
+          <a:lstStyle/>
+          <a:p>
+            <a:pPr algn="ctr"/>
+            <a:r>
+              <a:rPr lang="el-GR" dirty="0">
+                <a:solidFill>
+                  <a:sysClr val="windowText" lastClr="000000"/>
+                </a:solidFill>
+              </a:rPr>
+              <a:t>β</a:t>
+            </a:r>
+            <a:r>
+              <a:rPr lang="en-US" dirty="0">
+                <a:solidFill>
+                  <a:sysClr val="windowText" lastClr="000000"/>
+                </a:solidFill>
+              </a:rPr>
+              <a:t> = 0.5</a:t>
+            </a:r>
+            <a:endParaRPr lang="en-NL" dirty="0">
+              <a:solidFill>
+                <a:sysClr val="windowText" lastClr="000000"/>
+              </a:solidFill>
+            </a:endParaRPr>
+          </a:p>
+        </p:txBody>
+      </p:sp>
+      <p:sp>
+        <p:nvSpPr>
+          <p:cNvPr id="9" name="Rectangle 8">
+            <a:extLst>
+              <a:ext uri="{FF2B5EF4-FFF2-40B4-BE49-F238E27FC236}">
+                <a16:creationId xmlns:a16="http://schemas.microsoft.com/office/drawing/2014/main" id="{52B82063-57A9-0B3F-AC53-515DF96C4A5B}"/>
+              </a:ext>
+            </a:extLst>
+          </p:cNvPr>
+          <p:cNvSpPr/>
+          <p:nvPr/>
+        </p:nvSpPr>
+        <p:spPr>
+          <a:xfrm>
+            <a:off x="5286521" y="1616026"/>
+            <a:ext cx="1337603" cy="390380"/>
+          </a:xfrm>
+          <a:prstGeom prst="rect">
+            <a:avLst/>
+          </a:prstGeom>
+          <a:solidFill>
+            <a:schemeClr val="bg1">
+              <a:lumMod val="95000"/>
+            </a:schemeClr>
+          </a:solidFill>
+        </p:spPr>
+        <p:style>
+          <a:lnRef idx="2">
+            <a:schemeClr val="accent3">
+              <a:shade val="15000"/>
+            </a:schemeClr>
+          </a:lnRef>
+          <a:fillRef idx="1">
+            <a:schemeClr val="accent3"/>
+          </a:fillRef>
+          <a:effectRef idx="0">
+            <a:schemeClr val="accent3"/>
+          </a:effectRef>
+          <a:fontRef idx="minor">
+            <a:schemeClr val="lt1"/>
+          </a:fontRef>
+        </p:style>
+        <p:txBody>
+          <a:bodyPr rtlCol="0" anchor="ctr"/>
+          <a:lstStyle/>
+          <a:p>
+            <a:pPr algn="ctr"/>
+            <a:r>
+              <a:rPr lang="el-GR" dirty="0">
+                <a:solidFill>
+                  <a:sysClr val="windowText" lastClr="000000"/>
+                </a:solidFill>
+              </a:rPr>
+              <a:t>β</a:t>
+            </a:r>
+            <a:r>
+              <a:rPr lang="en-US" dirty="0">
+                <a:solidFill>
+                  <a:sysClr val="windowText" lastClr="000000"/>
+                </a:solidFill>
+              </a:rPr>
+              <a:t> = 1.0</a:t>
+            </a:r>
+            <a:endParaRPr lang="en-NL" dirty="0">
+              <a:solidFill>
+                <a:sysClr val="windowText" lastClr="000000"/>
+              </a:solidFill>
+            </a:endParaRPr>
+          </a:p>
+        </p:txBody>
+      </p:sp>
+      <p:sp>
+        <p:nvSpPr>
+          <p:cNvPr id="15" name="Rectangle 14">
+            <a:extLst>
+              <a:ext uri="{FF2B5EF4-FFF2-40B4-BE49-F238E27FC236}">
+                <a16:creationId xmlns:a16="http://schemas.microsoft.com/office/drawing/2014/main" id="{299E7AB9-EDDB-30ED-FFF8-DC632FEC08EB}"/>
+              </a:ext>
+            </a:extLst>
+          </p:cNvPr>
+          <p:cNvSpPr/>
+          <p:nvPr/>
+        </p:nvSpPr>
+        <p:spPr>
+          <a:xfrm>
+            <a:off x="9455835" y="1616026"/>
+            <a:ext cx="1337603" cy="390380"/>
+          </a:xfrm>
+          <a:prstGeom prst="rect">
+            <a:avLst/>
+          </a:prstGeom>
+          <a:solidFill>
+            <a:schemeClr val="bg1">
+              <a:lumMod val="95000"/>
+            </a:schemeClr>
+          </a:solidFill>
+        </p:spPr>
+        <p:style>
+          <a:lnRef idx="2">
+            <a:schemeClr val="accent3">
+              <a:shade val="15000"/>
+            </a:schemeClr>
+          </a:lnRef>
+          <a:fillRef idx="1">
+            <a:schemeClr val="accent3"/>
+          </a:fillRef>
+          <a:effectRef idx="0">
+            <a:schemeClr val="accent3"/>
+          </a:effectRef>
+          <a:fontRef idx="minor">
+            <a:schemeClr val="lt1"/>
+          </a:fontRef>
+        </p:style>
+        <p:txBody>
+          <a:bodyPr rtlCol="0" anchor="ctr"/>
+          <a:lstStyle/>
+          <a:p>
+            <a:pPr algn="ctr"/>
+            <a:r>
+              <a:rPr lang="el-GR" dirty="0">
+                <a:solidFill>
+                  <a:sysClr val="windowText" lastClr="000000"/>
+                </a:solidFill>
+              </a:rPr>
+              <a:t>β</a:t>
+            </a:r>
+            <a:r>
+              <a:rPr lang="en-US" dirty="0">
+                <a:solidFill>
+                  <a:sysClr val="windowText" lastClr="000000"/>
+                </a:solidFill>
+              </a:rPr>
+              <a:t> = 1.5</a:t>
+            </a:r>
+            <a:endParaRPr lang="en-NL" dirty="0">
+              <a:solidFill>
+                <a:sysClr val="windowText" lastClr="000000"/>
+              </a:solidFill>
+            </a:endParaRPr>
+          </a:p>
+        </p:txBody>
+      </p:sp>
+      <p:cxnSp>
+        <p:nvCxnSpPr>
+          <p:cNvPr id="19" name="Straight Arrow Connector 18">
+            <a:extLst>
+              <a:ext uri="{FF2B5EF4-FFF2-40B4-BE49-F238E27FC236}">
+                <a16:creationId xmlns:a16="http://schemas.microsoft.com/office/drawing/2014/main" id="{B7CE5C23-29C3-FCB6-8DAF-1312B2182B9A}"/>
+              </a:ext>
+            </a:extLst>
+          </p:cNvPr>
+          <p:cNvCxnSpPr>
+            <a:stCxn id="6" idx="3"/>
+            <a:endCxn id="9" idx="1"/>
+          </p:cNvCxnSpPr>
+          <p:nvPr/>
+        </p:nvCxnSpPr>
+        <p:spPr>
+          <a:xfrm>
+            <a:off x="2454811" y="1811216"/>
+            <a:ext cx="2831710" cy="0"/>
+          </a:xfrm>
+          <a:prstGeom prst="straightConnector1">
+            <a:avLst/>
+          </a:prstGeom>
+          <a:ln>
+            <a:tailEnd type="triangle"/>
+          </a:ln>
+        </p:spPr>
+        <p:style>
+          <a:lnRef idx="1">
+            <a:schemeClr val="dk1"/>
+          </a:lnRef>
+          <a:fillRef idx="0">
+            <a:schemeClr val="dk1"/>
+          </a:fillRef>
+          <a:effectRef idx="0">
+            <a:schemeClr val="dk1"/>
+          </a:effectRef>
+          <a:fontRef idx="minor">
+            <a:schemeClr val="tx1"/>
+          </a:fontRef>
+        </p:style>
+      </p:cxnSp>
+      <p:cxnSp>
+        <p:nvCxnSpPr>
+          <p:cNvPr id="22" name="Straight Arrow Connector 21">
+            <a:extLst>
+              <a:ext uri="{FF2B5EF4-FFF2-40B4-BE49-F238E27FC236}">
+                <a16:creationId xmlns:a16="http://schemas.microsoft.com/office/drawing/2014/main" id="{69EAE5C1-6AF1-9F08-8AFF-6083CCD200ED}"/>
+              </a:ext>
+            </a:extLst>
+          </p:cNvPr>
+          <p:cNvCxnSpPr>
+            <a:stCxn id="9" idx="3"/>
+            <a:endCxn id="15" idx="1"/>
+          </p:cNvCxnSpPr>
+          <p:nvPr/>
+        </p:nvCxnSpPr>
+        <p:spPr>
+          <a:xfrm>
+            <a:off x="6624124" y="1811216"/>
+            <a:ext cx="2831711" cy="0"/>
+          </a:xfrm>
+          <a:prstGeom prst="straightConnector1">
+            <a:avLst/>
+          </a:prstGeom>
+          <a:ln>
+            <a:tailEnd type="triangle"/>
+          </a:ln>
+        </p:spPr>
+        <p:style>
+          <a:lnRef idx="1">
+            <a:schemeClr val="dk1"/>
+          </a:lnRef>
+          <a:fillRef idx="0">
+            <a:schemeClr val="dk1"/>
+          </a:fillRef>
+          <a:effectRef idx="0">
+            <a:schemeClr val="dk1"/>
+          </a:effectRef>
+          <a:fontRef idx="minor">
+            <a:schemeClr val="tx1"/>
+          </a:fontRef>
+        </p:style>
+      </p:cxnSp>
+      <p:pic>
+        <p:nvPicPr>
+          <p:cNvPr id="24" name="Picture 23" descr="A graph with red and blue dots&#10;&#10;Description automatically generated">
+            <a:extLst>
+              <a:ext uri="{FF2B5EF4-FFF2-40B4-BE49-F238E27FC236}">
+                <a16:creationId xmlns:a16="http://schemas.microsoft.com/office/drawing/2014/main" id="{07BDA943-88CD-6112-8D3D-2821C8BF6880}"/>
+              </a:ext>
+            </a:extLst>
+          </p:cNvPr>
+          <p:cNvPicPr>
+            <a:picLocks noChangeAspect="1"/>
+          </p:cNvPicPr>
+          <p:nvPr/>
+        </p:nvPicPr>
+        <p:blipFill>
+          <a:blip r:embed="rId3">
+            <a:extLst>
+              <a:ext uri="{28A0092B-C50C-407E-A947-70E740481C1C}">
+                <a14:useLocalDpi xmlns:a14="http://schemas.microsoft.com/office/drawing/2010/main" val="0"/>
+              </a:ext>
+            </a:extLst>
+          </a:blip>
+          <a:stretch>
+            <a:fillRect/>
+          </a:stretch>
+        </p:blipFill>
+        <p:spPr>
+          <a:xfrm>
+            <a:off x="502144" y="2538698"/>
+            <a:ext cx="2567729" cy="2562838"/>
+          </a:xfrm>
+          <a:prstGeom prst="rect">
+            <a:avLst/>
+          </a:prstGeom>
+        </p:spPr>
+      </p:pic>
+      <p:cxnSp>
+        <p:nvCxnSpPr>
+          <p:cNvPr id="26" name="Straight Arrow Connector 25">
+            <a:extLst>
+              <a:ext uri="{FF2B5EF4-FFF2-40B4-BE49-F238E27FC236}">
+                <a16:creationId xmlns:a16="http://schemas.microsoft.com/office/drawing/2014/main" id="{9B088DC2-342A-96B4-3AC1-7996049C4992}"/>
+              </a:ext>
+            </a:extLst>
+          </p:cNvPr>
+          <p:cNvCxnSpPr>
+            <a:stCxn id="6" idx="2"/>
+            <a:endCxn id="24" idx="0"/>
+          </p:cNvCxnSpPr>
+          <p:nvPr/>
+        </p:nvCxnSpPr>
+        <p:spPr>
+          <a:xfrm flipH="1">
+            <a:off x="1786009" y="2006406"/>
+            <a:ext cx="1" cy="532292"/>
+          </a:xfrm>
+          <a:prstGeom prst="straightConnector1">
+            <a:avLst/>
+          </a:prstGeom>
+          <a:ln>
+            <a:tailEnd type="triangle"/>
+          </a:ln>
+        </p:spPr>
+        <p:style>
+          <a:lnRef idx="2">
+            <a:schemeClr val="dk1"/>
+          </a:lnRef>
+          <a:fillRef idx="0">
+            <a:schemeClr val="dk1"/>
+          </a:fillRef>
+          <a:effectRef idx="1">
+            <a:schemeClr val="dk1"/>
+          </a:effectRef>
+          <a:fontRef idx="minor">
+            <a:schemeClr val="tx1"/>
+          </a:fontRef>
+        </p:style>
+      </p:cxnSp>
+      <p:sp>
+        <p:nvSpPr>
+          <p:cNvPr id="27" name="TextBox 26">
+            <a:extLst>
+              <a:ext uri="{FF2B5EF4-FFF2-40B4-BE49-F238E27FC236}">
+                <a16:creationId xmlns:a16="http://schemas.microsoft.com/office/drawing/2014/main" id="{83C9E141-3588-9A27-21FB-0B93B0034596}"/>
+              </a:ext>
+            </a:extLst>
+          </p:cNvPr>
+          <p:cNvSpPr txBox="1"/>
+          <p:nvPr/>
+        </p:nvSpPr>
+        <p:spPr>
+          <a:xfrm>
+            <a:off x="583809" y="5337434"/>
+            <a:ext cx="2486064" cy="615553"/>
+          </a:xfrm>
+          <a:prstGeom prst="rect">
+            <a:avLst/>
+          </a:prstGeom>
+          <a:noFill/>
+        </p:spPr>
+        <p:txBody>
+          <a:bodyPr wrap="square" rtlCol="0">
+            <a:spAutoFit/>
+          </a:bodyPr>
+          <a:lstStyle/>
+          <a:p>
+            <a:pPr algn="ctr"/>
+            <a:r>
+              <a:rPr lang="en-US" sz="1600" dirty="0"/>
+              <a:t>mean absolute deviation:</a:t>
+            </a:r>
+          </a:p>
+          <a:p>
+            <a:pPr algn="ctr"/>
+            <a:r>
+              <a:rPr lang="en-US" b="1" dirty="0"/>
+              <a:t>3.1</a:t>
+            </a:r>
+          </a:p>
+        </p:txBody>
+      </p:sp>
+      <p:pic>
+        <p:nvPicPr>
+          <p:cNvPr id="30" name="Picture 29" descr="A graph with red and blue dots&#10;&#10;Description automatically generated">
+            <a:extLst>
+              <a:ext uri="{FF2B5EF4-FFF2-40B4-BE49-F238E27FC236}">
+                <a16:creationId xmlns:a16="http://schemas.microsoft.com/office/drawing/2014/main" id="{7CBD065D-BFB2-0754-C73D-EB3195CFCE38}"/>
+              </a:ext>
+            </a:extLst>
+          </p:cNvPr>
+          <p:cNvPicPr>
+            <a:picLocks noChangeAspect="1"/>
+          </p:cNvPicPr>
+          <p:nvPr/>
+        </p:nvPicPr>
+        <p:blipFill>
+          <a:blip r:embed="rId4">
+            <a:extLst>
+              <a:ext uri="{28A0092B-C50C-407E-A947-70E740481C1C}">
+                <a14:useLocalDpi xmlns:a14="http://schemas.microsoft.com/office/drawing/2010/main" val="0"/>
+              </a:ext>
+            </a:extLst>
+          </a:blip>
+          <a:stretch>
+            <a:fillRect/>
+          </a:stretch>
+        </p:blipFill>
+        <p:spPr>
+          <a:xfrm>
+            <a:off x="4666582" y="2538701"/>
+            <a:ext cx="2577480" cy="2562835"/>
+          </a:xfrm>
+          <a:prstGeom prst="rect">
+            <a:avLst/>
+          </a:prstGeom>
+        </p:spPr>
+      </p:pic>
+      <p:cxnSp>
+        <p:nvCxnSpPr>
+          <p:cNvPr id="31" name="Straight Arrow Connector 30">
+            <a:extLst>
+              <a:ext uri="{FF2B5EF4-FFF2-40B4-BE49-F238E27FC236}">
+                <a16:creationId xmlns:a16="http://schemas.microsoft.com/office/drawing/2014/main" id="{112083A4-3220-1843-AF12-F2439417E4F1}"/>
+              </a:ext>
+            </a:extLst>
+          </p:cNvPr>
+          <p:cNvCxnSpPr/>
+          <p:nvPr/>
+        </p:nvCxnSpPr>
+        <p:spPr>
+          <a:xfrm flipH="1">
+            <a:off x="5955321" y="2006406"/>
+            <a:ext cx="1" cy="532292"/>
+          </a:xfrm>
+          <a:prstGeom prst="straightConnector1">
+            <a:avLst/>
+          </a:prstGeom>
+          <a:ln>
+            <a:tailEnd type="triangle"/>
+          </a:ln>
+        </p:spPr>
+        <p:style>
+          <a:lnRef idx="2">
+            <a:schemeClr val="dk1"/>
+          </a:lnRef>
+          <a:fillRef idx="0">
+            <a:schemeClr val="dk1"/>
+          </a:fillRef>
+          <a:effectRef idx="1">
+            <a:schemeClr val="dk1"/>
+          </a:effectRef>
+          <a:fontRef idx="minor">
+            <a:schemeClr val="tx1"/>
+          </a:fontRef>
+        </p:style>
+      </p:cxnSp>
+      <p:sp>
+        <p:nvSpPr>
+          <p:cNvPr id="32" name="TextBox 31">
+            <a:extLst>
+              <a:ext uri="{FF2B5EF4-FFF2-40B4-BE49-F238E27FC236}">
+                <a16:creationId xmlns:a16="http://schemas.microsoft.com/office/drawing/2014/main" id="{C6D377B5-4354-021E-7AF0-7C7599FD00FE}"/>
+              </a:ext>
+            </a:extLst>
+          </p:cNvPr>
+          <p:cNvSpPr txBox="1"/>
+          <p:nvPr/>
+        </p:nvSpPr>
+        <p:spPr>
+          <a:xfrm>
+            <a:off x="4712289" y="5337433"/>
+            <a:ext cx="2486064" cy="615553"/>
+          </a:xfrm>
+          <a:prstGeom prst="rect">
+            <a:avLst/>
+          </a:prstGeom>
+          <a:noFill/>
+        </p:spPr>
+        <p:txBody>
+          <a:bodyPr wrap="square" rtlCol="0">
+            <a:spAutoFit/>
+          </a:bodyPr>
+          <a:lstStyle/>
+          <a:p>
+            <a:pPr algn="ctr"/>
+            <a:r>
+              <a:rPr lang="en-US" sz="1600" dirty="0"/>
+              <a:t>mean absolute deviation:</a:t>
+            </a:r>
+          </a:p>
+          <a:p>
+            <a:pPr algn="ctr"/>
+            <a:r>
+              <a:rPr lang="en-US" b="1" dirty="0"/>
+              <a:t>1.6</a:t>
+            </a:r>
+          </a:p>
+        </p:txBody>
+      </p:sp>
+      <p:pic>
+        <p:nvPicPr>
+          <p:cNvPr id="34" name="Picture 33" descr="A graph of a line&#10;&#10;Description automatically generated">
+            <a:extLst>
+              <a:ext uri="{FF2B5EF4-FFF2-40B4-BE49-F238E27FC236}">
+                <a16:creationId xmlns:a16="http://schemas.microsoft.com/office/drawing/2014/main" id="{0411A0BC-1470-B4BE-3779-947C97099843}"/>
+              </a:ext>
+            </a:extLst>
+          </p:cNvPr>
+          <p:cNvPicPr>
+            <a:picLocks noChangeAspect="1"/>
+          </p:cNvPicPr>
+          <p:nvPr/>
+        </p:nvPicPr>
+        <p:blipFill>
+          <a:blip r:embed="rId5">
+            <a:extLst>
+              <a:ext uri="{28A0092B-C50C-407E-A947-70E740481C1C}">
+                <a14:useLocalDpi xmlns:a14="http://schemas.microsoft.com/office/drawing/2010/main" val="0"/>
+              </a:ext>
+            </a:extLst>
+          </a:blip>
+          <a:stretch>
+            <a:fillRect/>
+          </a:stretch>
+        </p:blipFill>
+        <p:spPr>
+          <a:xfrm>
+            <a:off x="8840770" y="2538698"/>
+            <a:ext cx="2577479" cy="2597230"/>
+          </a:xfrm>
+          <a:prstGeom prst="rect">
+            <a:avLst/>
+          </a:prstGeom>
+        </p:spPr>
+      </p:pic>
+      <p:sp>
+        <p:nvSpPr>
+          <p:cNvPr id="35" name="TextBox 34">
+            <a:extLst>
+              <a:ext uri="{FF2B5EF4-FFF2-40B4-BE49-F238E27FC236}">
+                <a16:creationId xmlns:a16="http://schemas.microsoft.com/office/drawing/2014/main" id="{CD02ABFD-9A70-A31A-FDED-7CE58B46499C}"/>
+              </a:ext>
+            </a:extLst>
+          </p:cNvPr>
+          <p:cNvSpPr txBox="1"/>
+          <p:nvPr/>
+        </p:nvSpPr>
+        <p:spPr>
+          <a:xfrm>
+            <a:off x="8881604" y="5337432"/>
+            <a:ext cx="2486064" cy="615553"/>
+          </a:xfrm>
+          <a:prstGeom prst="rect">
+            <a:avLst/>
+          </a:prstGeom>
+          <a:noFill/>
+        </p:spPr>
+        <p:txBody>
+          <a:bodyPr wrap="square" rtlCol="0">
+            <a:spAutoFit/>
+          </a:bodyPr>
+          <a:lstStyle/>
+          <a:p>
+            <a:pPr algn="ctr"/>
+            <a:r>
+              <a:rPr lang="en-US" sz="1600" dirty="0"/>
+              <a:t>mean absolute deviation:</a:t>
+            </a:r>
+          </a:p>
+          <a:p>
+            <a:pPr algn="ctr"/>
+            <a:r>
+              <a:rPr lang="en-US" b="1" dirty="0"/>
+              <a:t>0.3</a:t>
+            </a:r>
+          </a:p>
+        </p:txBody>
+      </p:sp>
+    </p:spTree>
+    <p:extLst>
+      <p:ext uri="{BB962C8B-B14F-4D97-AF65-F5344CB8AC3E}">
+        <p14:creationId xmlns:p14="http://schemas.microsoft.com/office/powerpoint/2010/main" val="2921518770"/>
+      </p:ext>
+    </p:extLst>
+  </p:cSld>
+  <p:clrMapOvr>
+    <a:masterClrMapping/>
+  </p:clrMapOvr>
+</p:sld>
+</file>
+
+<file path=ppt/slides/slide28.xml><?xml version="1.0" encoding="utf-8"?>
+<p:sld xmlns:a="http://schemas.openxmlformats.org/drawingml/2006/main" xmlns:r="http://schemas.openxmlformats.org/officeDocument/2006/relationships" xmlns:p="http://schemas.openxmlformats.org/presentationml/2006/main">
+  <p:cSld>
+    <p:spTree>
+      <p:nvGrpSpPr>
         <p:cNvPr id="1" name=""/>
         <p:cNvGrpSpPr/>
         <p:nvPr/>
@@ -14741,7 +18413,7 @@
 </p:sld>
 </file>
 
-<file path=ppt/slides/slide25.xml><?xml version="1.0" encoding="utf-8"?>
+<file path=ppt/slides/slide29.xml><?xml version="1.0" encoding="utf-8"?>
 <p:sld xmlns:a="http://schemas.openxmlformats.org/drawingml/2006/main" xmlns:r="http://schemas.openxmlformats.org/officeDocument/2006/relationships" xmlns:p="http://schemas.openxmlformats.org/presentationml/2006/main">
   <p:cSld>
     <p:spTree>
@@ -14962,7 +18634,7 @@
 </p:sld>
 </file>
 
-<file path=ppt/slides/slide26.xml><?xml version="1.0" encoding="utf-8"?>
+<file path=ppt/slides/slide3.xml><?xml version="1.0" encoding="utf-8"?>
 <p:sld xmlns:a="http://schemas.openxmlformats.org/drawingml/2006/main" xmlns:r="http://schemas.openxmlformats.org/officeDocument/2006/relationships" xmlns:p="http://schemas.openxmlformats.org/presentationml/2006/main">
   <p:cSld>
     <p:spTree>
@@ -15002,6 +18674,89 @@
           <a:p>
             <a:r>
               <a:rPr lang="nl-NL" noProof="0" dirty="0"/>
+              <a:t>Machine Learning</a:t>
+            </a:r>
+          </a:p>
+        </p:txBody>
+      </p:sp>
+      <p:sp>
+        <p:nvSpPr>
+          <p:cNvPr id="5" name="Text Placeholder 4">
+            <a:extLst>
+              <a:ext uri="{FF2B5EF4-FFF2-40B4-BE49-F238E27FC236}">
+                <a16:creationId xmlns:a16="http://schemas.microsoft.com/office/drawing/2014/main" id="{1AB31C95-91AF-DF13-FB58-0DA5F2D9F6F7}"/>
+              </a:ext>
+            </a:extLst>
+          </p:cNvPr>
+          <p:cNvSpPr>
+            <a:spLocks noGrp="1"/>
+          </p:cNvSpPr>
+          <p:nvPr>
+            <p:ph type="body" idx="1"/>
+          </p:nvPr>
+        </p:nvSpPr>
+        <p:spPr/>
+        <p:txBody>
+          <a:bodyPr/>
+          <a:lstStyle/>
+          <a:p>
+            <a:endParaRPr lang="en-NL"/>
+          </a:p>
+        </p:txBody>
+      </p:sp>
+    </p:spTree>
+    <p:extLst>
+      <p:ext uri="{BB962C8B-B14F-4D97-AF65-F5344CB8AC3E}">
+        <p14:creationId xmlns:p14="http://schemas.microsoft.com/office/powerpoint/2010/main" val="2018136929"/>
+      </p:ext>
+    </p:extLst>
+  </p:cSld>
+  <p:clrMapOvr>
+    <a:masterClrMapping/>
+  </p:clrMapOvr>
+</p:sld>
+</file>
+
+<file path=ppt/slides/slide30.xml><?xml version="1.0" encoding="utf-8"?>
+<p:sld xmlns:a="http://schemas.openxmlformats.org/drawingml/2006/main" xmlns:r="http://schemas.openxmlformats.org/officeDocument/2006/relationships" xmlns:p="http://schemas.openxmlformats.org/presentationml/2006/main">
+  <p:cSld>
+    <p:spTree>
+      <p:nvGrpSpPr>
+        <p:cNvPr id="1" name=""/>
+        <p:cNvGrpSpPr/>
+        <p:nvPr/>
+      </p:nvGrpSpPr>
+      <p:grpSpPr>
+        <a:xfrm>
+          <a:off x="0" y="0"/>
+          <a:ext cx="0" cy="0"/>
+          <a:chOff x="0" y="0"/>
+          <a:chExt cx="0" cy="0"/>
+        </a:xfrm>
+      </p:grpSpPr>
+      <p:sp>
+        <p:nvSpPr>
+          <p:cNvPr id="4" name="Title 3">
+            <a:extLst>
+              <a:ext uri="{FF2B5EF4-FFF2-40B4-BE49-F238E27FC236}">
+                <a16:creationId xmlns:a16="http://schemas.microsoft.com/office/drawing/2014/main" id="{72C925CA-BCA3-3701-E08E-95652380B32E}"/>
+              </a:ext>
+            </a:extLst>
+          </p:cNvPr>
+          <p:cNvSpPr>
+            <a:spLocks noGrp="1"/>
+          </p:cNvSpPr>
+          <p:nvPr>
+            <p:ph type="title"/>
+          </p:nvPr>
+        </p:nvSpPr>
+        <p:spPr/>
+        <p:txBody>
+          <a:bodyPr/>
+          <a:lstStyle/>
+          <a:p>
+            <a:r>
+              <a:rPr lang="nl-NL" noProof="0" dirty="0"/>
               <a:t>Valideren</a:t>
             </a:r>
           </a:p>
@@ -15045,7 +18800,7 @@
 </p:sld>
 </file>
 
-<file path=ppt/slides/slide27.xml><?xml version="1.0" encoding="utf-8"?>
+<file path=ppt/slides/slide31.xml><?xml version="1.0" encoding="utf-8"?>
 <p:sld xmlns:a="http://schemas.openxmlformats.org/drawingml/2006/main" xmlns:r="http://schemas.openxmlformats.org/officeDocument/2006/relationships" xmlns:p="http://schemas.openxmlformats.org/presentationml/2006/main">
   <p:cSld>
     <p:spTree>
@@ -15092,7 +18847,7 @@
           <a:p>
             <a:r>
               <a:rPr lang="nl-NL" sz="3600" noProof="0" dirty="0"/>
-              <a:t>Valideren van een model</a:t>
+              <a:t>Modellen valideren</a:t>
             </a:r>
           </a:p>
         </p:txBody>
@@ -15326,50 +19081,60 @@
             </a:pPr>
             <a:r>
               <a:rPr lang="nl-NL" sz="1800" b="1" dirty="0"/>
-              <a:t>Categorisch doelvariabele:</a:t>
-            </a:r>
-          </a:p>
-          <a:p>
+              <a:t>Continue doelvariabele:</a:t>
+            </a:r>
+          </a:p>
+          <a:p>
+            <a:r>
+              <a:rPr lang="nl-NL" sz="1800" dirty="0"/>
+              <a:t>RMSE		Root </a:t>
+            </a:r>
             <a:r>
               <a:rPr lang="nl-NL" sz="1800" dirty="0" err="1"/>
-              <a:t>Accuracy</a:t>
+              <a:t>Mean</a:t>
             </a:r>
             <a:r>
               <a:rPr lang="nl-NL" sz="1800" dirty="0"/>
-              <a:t>	TP + TN / N	Correct uit totaal.</a:t>
-            </a:r>
-          </a:p>
-          <a:p>
+              <a:t> </a:t>
+            </a:r>
             <a:r>
               <a:rPr lang="nl-NL" sz="1800" dirty="0" err="1"/>
-              <a:t>Recall</a:t>
+              <a:t>Squared</a:t>
             </a:r>
             <a:r>
               <a:rPr lang="nl-NL" sz="1800" dirty="0"/>
-              <a:t>		TP / TP + FN	Correct uit totaal positief.</a:t>
+              <a:t> Error</a:t>
             </a:r>
           </a:p>
           <a:p>
             <a:r>
               <a:rPr lang="nl-NL" sz="1800" dirty="0"/>
-              <a:t>Precision	TP / TP + FP	Correct uit voorspeld positief.</a:t>
-            </a:r>
-          </a:p>
-          <a:p>
+              <a:t>MAE		</a:t>
+            </a:r>
+            <a:r>
+              <a:rPr lang="nl-NL" sz="1800" dirty="0" err="1"/>
+              <a:t>Mean</a:t>
+            </a:r>
             <a:r>
               <a:rPr lang="nl-NL" sz="1800" dirty="0"/>
-              <a:t>F1-score</a:t>
+              <a:t> Absolute Error</a:t>
             </a:r>
           </a:p>
           <a:p>
             <a:r>
               <a:rPr lang="nl-NL" sz="1800" dirty="0"/>
-              <a:t>Log -</a:t>
+              <a:t>MAD		</a:t>
             </a:r>
             <a:r>
               <a:rPr lang="nl-NL" sz="1800" dirty="0" err="1"/>
-              <a:t>loss</a:t>
-            </a:r>
+              <a:t>Median</a:t>
+            </a:r>
+            <a:r>
+              <a:rPr lang="nl-NL" sz="1800" dirty="0"/>
+              <a:t> Absolute Error</a:t>
+            </a:r>
+          </a:p>
+          <a:p>
             <a:endParaRPr lang="nl-NL" sz="1800" dirty="0"/>
           </a:p>
           <a:p>
@@ -15384,58 +19149,54 @@
             </a:pPr>
             <a:r>
               <a:rPr lang="nl-NL" sz="1800" b="1" dirty="0"/>
-              <a:t>Continue doelvariabele:</a:t>
-            </a:r>
-          </a:p>
-          <a:p>
+              <a:t>Categorisch doelvariabele:</a:t>
+            </a:r>
+          </a:p>
+          <a:p>
+            <a:r>
+              <a:rPr lang="nl-NL" sz="1800" dirty="0" err="1"/>
+              <a:t>Accuracy</a:t>
+            </a:r>
             <a:r>
               <a:rPr lang="nl-NL" sz="1800" dirty="0"/>
-              <a:t>RMSE		Root </a:t>
-            </a:r>
+              <a:t>	TP + TN / N	Correct van totaal.</a:t>
+            </a:r>
+          </a:p>
+          <a:p>
             <a:r>
               <a:rPr lang="nl-NL" sz="1800" dirty="0" err="1"/>
-              <a:t>Mean</a:t>
+              <a:t>Recall</a:t>
             </a:r>
             <a:r>
               <a:rPr lang="nl-NL" sz="1800" dirty="0"/>
-              <a:t> </a:t>
+              <a:t>		TP / TP + FN	Correct van positief.</a:t>
+            </a:r>
+          </a:p>
+          <a:p>
+            <a:r>
+              <a:rPr lang="nl-NL" sz="1800" dirty="0"/>
+              <a:t>Precision	TP / TP + FP	Correct van voorspeld positief.</a:t>
+            </a:r>
+          </a:p>
+          <a:p>
+            <a:r>
+              <a:rPr lang="nl-NL" sz="1800" dirty="0"/>
+              <a:t>F1-score</a:t>
+            </a:r>
+          </a:p>
+          <a:p>
+            <a:r>
+              <a:rPr lang="nl-NL" sz="1800" dirty="0"/>
+              <a:t>Log-</a:t>
             </a:r>
             <a:r>
               <a:rPr lang="nl-NL" sz="1800" dirty="0" err="1"/>
-              <a:t>Squared</a:t>
-            </a:r>
-            <a:r>
-              <a:rPr lang="nl-NL" sz="1800" dirty="0"/>
-              <a:t> Error</a:t>
-            </a:r>
-          </a:p>
-          <a:p>
-            <a:r>
-              <a:rPr lang="nl-NL" sz="1800" dirty="0"/>
-              <a:t>MAE		</a:t>
-            </a:r>
-            <a:r>
-              <a:rPr lang="nl-NL" sz="1800" dirty="0" err="1"/>
-              <a:t>Mean</a:t>
-            </a:r>
-            <a:r>
-              <a:rPr lang="nl-NL" sz="1800" dirty="0"/>
-              <a:t> Absolute Error</a:t>
-            </a:r>
-          </a:p>
-          <a:p>
-            <a:r>
-              <a:rPr lang="nl-NL" sz="1800" dirty="0"/>
-              <a:t>MAD		</a:t>
-            </a:r>
-            <a:r>
-              <a:rPr lang="nl-NL" sz="1800" dirty="0" err="1"/>
-              <a:t>Median</a:t>
-            </a:r>
-            <a:r>
-              <a:rPr lang="nl-NL" sz="1800" dirty="0"/>
-              <a:t> Absolute Error</a:t>
-            </a:r>
+              <a:t>loss</a:t>
+            </a:r>
+            <a:endParaRPr lang="nl-NL" sz="1800" dirty="0"/>
+          </a:p>
+          <a:p>
+            <a:endParaRPr lang="nl-NL" sz="1800" dirty="0"/>
           </a:p>
         </p:txBody>
       </p:sp>
@@ -15461,8 +19222,8 @@
         </p:blipFill>
         <p:spPr>
           <a:xfrm>
-            <a:off x="8350833" y="3540190"/>
-            <a:ext cx="2850566" cy="2779139"/>
+            <a:off x="8447650" y="963637"/>
+            <a:ext cx="2648242" cy="2296914"/>
           </a:xfrm>
           <a:prstGeom prst="rect">
             <a:avLst/>
@@ -15484,14 +19245,14 @@
           <p:nvPr>
             <p:extLst>
               <p:ext uri="{D42A27DB-BD31-4B8C-83A1-F6EECF244321}">
-                <p14:modId xmlns:p14="http://schemas.microsoft.com/office/powerpoint/2010/main" val="3849837312"/>
+                <p14:modId xmlns:p14="http://schemas.microsoft.com/office/powerpoint/2010/main" val="1064287942"/>
               </p:ext>
             </p:extLst>
           </p:nvPr>
         </p:nvGraphicFramePr>
         <p:xfrm>
-          <a:off x="8591629" y="1282096"/>
-          <a:ext cx="2537925" cy="1709144"/>
+          <a:off x="8663474" y="4020476"/>
+          <a:ext cx="2537925" cy="2176341"/>
         </p:xfrm>
         <a:graphic>
           <a:graphicData uri="http://schemas.openxmlformats.org/drawingml/2006/table">
@@ -15522,7 +19283,7 @@
                   </a:extLst>
                 </a:gridCol>
               </a:tblGrid>
-              <a:tr h="400010">
+              <a:tr h="509353">
                 <a:tc>
                   <a:txBody>
                     <a:bodyPr/>
@@ -15570,7 +19331,7 @@
                   </a:ext>
                 </a:extLst>
               </a:tr>
-              <a:tr h="654567">
+              <a:tr h="833494">
                 <a:tc>
                   <a:txBody>
                     <a:bodyPr/>
@@ -15650,7 +19411,7 @@
                   </a:ext>
                 </a:extLst>
               </a:tr>
-              <a:tr h="654567">
+              <a:tr h="833494">
                 <a:tc>
                   <a:txBody>
                     <a:bodyPr/>
@@ -15673,9 +19434,10 @@
                     <a:p>
                       <a:pPr algn="ctr"/>
                       <a:r>
-                        <a:rPr lang="en-US" sz="1400" dirty="0"/>
-                        <a:t>False</a:t>
+                        <a:rPr lang="en-US" sz="1400" dirty="0" err="1"/>
+                        <a:t>Flse</a:t>
                       </a:r>
+                      <a:endParaRPr lang="en-US" sz="1400" dirty="0"/>
                     </a:p>
                     <a:p>
                       <a:pPr algn="ctr"/>
@@ -15747,7 +19509,7 @@
 </p:sld>
 </file>
 
-<file path=ppt/slides/slide28.xml><?xml version="1.0" encoding="utf-8"?>
+<file path=ppt/slides/slide32.xml><?xml version="1.0" encoding="utf-8"?>
 <p:sld xmlns:a="http://schemas.openxmlformats.org/drawingml/2006/main" xmlns:r="http://schemas.openxmlformats.org/officeDocument/2006/relationships" xmlns:p="http://schemas.openxmlformats.org/presentationml/2006/main">
   <p:cSld>
     <p:spTree>
@@ -16452,7 +20214,7 @@
 </p:sld>
 </file>
 
-<file path=ppt/slides/slide29.xml><?xml version="1.0" encoding="utf-8"?>
+<file path=ppt/slides/slide33.xml><?xml version="1.0" encoding="utf-8"?>
 <p:sld xmlns:a="http://schemas.openxmlformats.org/drawingml/2006/main" xmlns:r="http://schemas.openxmlformats.org/officeDocument/2006/relationships" xmlns:p="http://schemas.openxmlformats.org/presentationml/2006/main">
   <p:cSld>
     <p:spTree>
@@ -16499,7 +20261,7 @@
           <a:p>
             <a:r>
               <a:rPr lang="nl-NL" sz="3600" noProof="0" dirty="0"/>
-              <a:t>Prestaties goed meten</a:t>
+              <a:t>Zijn prestaties representatief?</a:t>
             </a:r>
           </a:p>
         </p:txBody>
@@ -16878,90 +20640,7 @@
 </p:sld>
 </file>
 
-<file path=ppt/slides/slide3.xml><?xml version="1.0" encoding="utf-8"?>
-<p:sld xmlns:a="http://schemas.openxmlformats.org/drawingml/2006/main" xmlns:r="http://schemas.openxmlformats.org/officeDocument/2006/relationships" xmlns:p="http://schemas.openxmlformats.org/presentationml/2006/main">
-  <p:cSld>
-    <p:spTree>
-      <p:nvGrpSpPr>
-        <p:cNvPr id="1" name=""/>
-        <p:cNvGrpSpPr/>
-        <p:nvPr/>
-      </p:nvGrpSpPr>
-      <p:grpSpPr>
-        <a:xfrm>
-          <a:off x="0" y="0"/>
-          <a:ext cx="0" cy="0"/>
-          <a:chOff x="0" y="0"/>
-          <a:chExt cx="0" cy="0"/>
-        </a:xfrm>
-      </p:grpSpPr>
-      <p:sp>
-        <p:nvSpPr>
-          <p:cNvPr id="4" name="Title 3">
-            <a:extLst>
-              <a:ext uri="{FF2B5EF4-FFF2-40B4-BE49-F238E27FC236}">
-                <a16:creationId xmlns:a16="http://schemas.microsoft.com/office/drawing/2014/main" id="{72C925CA-BCA3-3701-E08E-95652380B32E}"/>
-              </a:ext>
-            </a:extLst>
-          </p:cNvPr>
-          <p:cNvSpPr>
-            <a:spLocks noGrp="1"/>
-          </p:cNvSpPr>
-          <p:nvPr>
-            <p:ph type="title"/>
-          </p:nvPr>
-        </p:nvSpPr>
-        <p:spPr/>
-        <p:txBody>
-          <a:bodyPr/>
-          <a:lstStyle/>
-          <a:p>
-            <a:r>
-              <a:rPr lang="nl-NL" noProof="0" dirty="0"/>
-              <a:t>ML en Python</a:t>
-            </a:r>
-          </a:p>
-        </p:txBody>
-      </p:sp>
-      <p:sp>
-        <p:nvSpPr>
-          <p:cNvPr id="5" name="Text Placeholder 4">
-            <a:extLst>
-              <a:ext uri="{FF2B5EF4-FFF2-40B4-BE49-F238E27FC236}">
-                <a16:creationId xmlns:a16="http://schemas.microsoft.com/office/drawing/2014/main" id="{1AB31C95-91AF-DF13-FB58-0DA5F2D9F6F7}"/>
-              </a:ext>
-            </a:extLst>
-          </p:cNvPr>
-          <p:cNvSpPr>
-            <a:spLocks noGrp="1"/>
-          </p:cNvSpPr>
-          <p:nvPr>
-            <p:ph type="body" idx="1"/>
-          </p:nvPr>
-        </p:nvSpPr>
-        <p:spPr/>
-        <p:txBody>
-          <a:bodyPr/>
-          <a:lstStyle/>
-          <a:p>
-            <a:endParaRPr lang="en-NL"/>
-          </a:p>
-        </p:txBody>
-      </p:sp>
-    </p:spTree>
-    <p:extLst>
-      <p:ext uri="{BB962C8B-B14F-4D97-AF65-F5344CB8AC3E}">
-        <p14:creationId xmlns:p14="http://schemas.microsoft.com/office/powerpoint/2010/main" val="2018136929"/>
-      </p:ext>
-    </p:extLst>
-  </p:cSld>
-  <p:clrMapOvr>
-    <a:masterClrMapping/>
-  </p:clrMapOvr>
-</p:sld>
-</file>
-
-<file path=ppt/slides/slide30.xml><?xml version="1.0" encoding="utf-8"?>
+<file path=ppt/slides/slide34.xml><?xml version="1.0" encoding="utf-8"?>
 <p:sld xmlns:a="http://schemas.openxmlformats.org/drawingml/2006/main" xmlns:r="http://schemas.openxmlformats.org/officeDocument/2006/relationships" xmlns:p="http://schemas.openxmlformats.org/presentationml/2006/main">
   <p:cSld>
     <p:spTree>
@@ -17008,7 +20687,15 @@
           <a:p>
             <a:r>
               <a:rPr lang="nl-NL" sz="3600" dirty="0"/>
-              <a:t>Train – validatie – test</a:t>
+              <a:t>Train – </a:t>
+            </a:r>
+            <a:r>
+              <a:rPr lang="nl-NL" sz="3600" dirty="0" err="1"/>
+              <a:t>validate</a:t>
+            </a:r>
+            <a:r>
+              <a:rPr lang="nl-NL" sz="3600" dirty="0"/>
+              <a:t> – test</a:t>
             </a:r>
             <a:endParaRPr lang="nl-NL" sz="3600" noProof="0" dirty="0"/>
           </a:p>
@@ -17061,7 +20748,7 @@
           <p:nvPr>
             <p:extLst>
               <p:ext uri="{D42A27DB-BD31-4B8C-83A1-F6EECF244321}">
-                <p14:modId xmlns:p14="http://schemas.microsoft.com/office/powerpoint/2010/main" val="3639379451"/>
+                <p14:modId xmlns:p14="http://schemas.microsoft.com/office/powerpoint/2010/main" val="2339236226"/>
               </p:ext>
             </p:extLst>
           </p:nvPr>
@@ -17269,8 +20956,8 @@
                     <a:p>
                       <a:pPr algn="ctr"/>
                       <a:r>
-                        <a:rPr lang="en-US" dirty="0" err="1"/>
-                        <a:t>Validatie</a:t>
+                        <a:rPr lang="en-US" dirty="0"/>
+                        <a:t>Validate</a:t>
                       </a:r>
                       <a:endParaRPr lang="en-NL" dirty="0"/>
                     </a:p>
@@ -17549,7 +21236,7 @@
 </p:sld>
 </file>
 
-<file path=ppt/slides/slide31.xml><?xml version="1.0" encoding="utf-8"?>
+<file path=ppt/slides/slide35.xml><?xml version="1.0" encoding="utf-8"?>
 <p:sld xmlns:a="http://schemas.openxmlformats.org/drawingml/2006/main" xmlns:r="http://schemas.openxmlformats.org/officeDocument/2006/relationships" xmlns:p="http://schemas.openxmlformats.org/presentationml/2006/main">
   <p:cSld>
     <p:spTree>
@@ -17596,7 +21283,15 @@
           <a:p>
             <a:r>
               <a:rPr lang="nl-NL" sz="3600" dirty="0"/>
-              <a:t>Train – validatie – test</a:t>
+              <a:t>Train – </a:t>
+            </a:r>
+            <a:r>
+              <a:rPr lang="nl-NL" sz="3600" dirty="0" err="1"/>
+              <a:t>validate</a:t>
+            </a:r>
+            <a:r>
+              <a:rPr lang="nl-NL" sz="3600" dirty="0"/>
+              <a:t> – test</a:t>
             </a:r>
             <a:endParaRPr lang="nl-NL" sz="3600" noProof="0" dirty="0"/>
           </a:p>
@@ -17646,7 +21341,13 @@
           <p:cNvGraphicFramePr>
             <a:graphicFrameLocks noGrp="1"/>
           </p:cNvGraphicFramePr>
-          <p:nvPr/>
+          <p:nvPr>
+            <p:extLst>
+              <p:ext uri="{D42A27DB-BD31-4B8C-83A1-F6EECF244321}">
+                <p14:modId xmlns:p14="http://schemas.microsoft.com/office/powerpoint/2010/main" val="3779601049"/>
+              </p:ext>
+            </p:extLst>
+          </p:nvPr>
         </p:nvGraphicFramePr>
         <p:xfrm>
           <a:off x="990601" y="3131703"/>
@@ -17851,8 +21552,8 @@
                     <a:p>
                       <a:pPr algn="ctr"/>
                       <a:r>
-                        <a:rPr lang="en-US" dirty="0" err="1"/>
-                        <a:t>Validatie</a:t>
+                        <a:rPr lang="en-US" dirty="0"/>
+                        <a:t>Validate</a:t>
                       </a:r>
                       <a:endParaRPr lang="en-NL" dirty="0"/>
                     </a:p>
@@ -18103,8 +21804,12 @@
               <a:buNone/>
             </a:pPr>
             <a:r>
+              <a:rPr lang="nl-NL" sz="2000" dirty="0" err="1"/>
+              <a:t>Validate</a:t>
+            </a:r>
+            <a:r>
               <a:rPr lang="nl-NL" sz="2000" dirty="0"/>
-              <a:t>Validatie:	Voor vergelijken van modellen.</a:t>
+              <a:t>:	Voor vergelijken van modellen.</a:t>
             </a:r>
           </a:p>
           <a:p>
@@ -18213,7 +21918,7 @@
 </p:sld>
 </file>
 
-<file path=ppt/slides/slide32.xml><?xml version="1.0" encoding="utf-8"?>
+<file path=ppt/slides/slide36.xml><?xml version="1.0" encoding="utf-8"?>
 <p:sld xmlns:a="http://schemas.openxmlformats.org/drawingml/2006/main" xmlns:r="http://schemas.openxmlformats.org/officeDocument/2006/relationships" xmlns:p="http://schemas.openxmlformats.org/presentationml/2006/main">
   <p:cSld>
     <p:spTree>
@@ -18317,7 +22022,7 @@
           <p:nvPr>
             <p:extLst>
               <p:ext uri="{D42A27DB-BD31-4B8C-83A1-F6EECF244321}">
-                <p14:modId xmlns:p14="http://schemas.microsoft.com/office/powerpoint/2010/main" val="2739958825"/>
+                <p14:modId xmlns:p14="http://schemas.microsoft.com/office/powerpoint/2010/main" val="3189527249"/>
               </p:ext>
             </p:extLst>
           </p:nvPr>
@@ -18807,8 +22512,8 @@
                     <a:p>
                       <a:pPr algn="ctr"/>
                       <a:r>
-                        <a:rPr lang="en-US" dirty="0" err="1"/>
-                        <a:t>Validatie</a:t>
+                        <a:rPr lang="en-US" dirty="0"/>
+                        <a:t>Validate</a:t>
                       </a:r>
                       <a:endParaRPr lang="en-NL" dirty="0"/>
                     </a:p>
@@ -18958,8 +22663,8 @@
                     <a:p>
                       <a:pPr algn="ctr"/>
                       <a:r>
-                        <a:rPr lang="en-US" dirty="0" err="1"/>
-                        <a:t>Validatie</a:t>
+                        <a:rPr lang="en-US" dirty="0"/>
+                        <a:t>Validate</a:t>
                       </a:r>
                       <a:endParaRPr lang="en-NL" dirty="0"/>
                     </a:p>
@@ -19109,8 +22814,8 @@
                     <a:p>
                       <a:pPr algn="ctr"/>
                       <a:r>
-                        <a:rPr lang="en-US" dirty="0" err="1"/>
-                        <a:t>Validatie</a:t>
+                        <a:rPr lang="en-US" dirty="0"/>
+                        <a:t>Validate</a:t>
                       </a:r>
                       <a:endParaRPr lang="en-NL" dirty="0"/>
                     </a:p>
@@ -19260,8 +22965,8 @@
                     <a:p>
                       <a:pPr algn="ctr"/>
                       <a:r>
-                        <a:rPr lang="en-US" dirty="0" err="1"/>
-                        <a:t>Validatie</a:t>
+                        <a:rPr lang="en-US" dirty="0"/>
+                        <a:t>Validate</a:t>
                       </a:r>
                       <a:endParaRPr lang="en-NL" dirty="0"/>
                     </a:p>
@@ -19411,8 +23116,8 @@
                     <a:p>
                       <a:pPr algn="ctr"/>
                       <a:r>
-                        <a:rPr lang="en-US" dirty="0" err="1"/>
-                        <a:t>Validatie</a:t>
+                        <a:rPr lang="en-US"/>
+                        <a:t>Validate</a:t>
                       </a:r>
                       <a:endParaRPr lang="en-NL" dirty="0"/>
                     </a:p>
@@ -19668,7 +23373,7 @@
 </p:sld>
 </file>
 
-<file path=ppt/slides/slide33.xml><?xml version="1.0" encoding="utf-8"?>
+<file path=ppt/slides/slide37.xml><?xml version="1.0" encoding="utf-8"?>
 <p:sld xmlns:a="http://schemas.openxmlformats.org/drawingml/2006/main" xmlns:r="http://schemas.openxmlformats.org/officeDocument/2006/relationships" xmlns:p="http://schemas.openxmlformats.org/presentationml/2006/main">
   <p:cSld>
     <p:spTree>
@@ -20326,7 +24031,7 @@
 </p:sld>
 </file>
 
-<file path=ppt/slides/slide34.xml><?xml version="1.0" encoding="utf-8"?>
+<file path=ppt/slides/slide38.xml><?xml version="1.0" encoding="utf-8"?>
 <p:sld xmlns:a="http://schemas.openxmlformats.org/drawingml/2006/main" xmlns:r="http://schemas.openxmlformats.org/officeDocument/2006/relationships" xmlns:p="http://schemas.openxmlformats.org/presentationml/2006/main">
   <p:cSld>
     <p:spTree>
@@ -20925,7 +24630,7 @@
 </p:sld>
 </file>
 
-<file path=ppt/slides/slide35.xml><?xml version="1.0" encoding="utf-8"?>
+<file path=ppt/slides/slide39.xml><?xml version="1.0" encoding="utf-8"?>
 <p:sld xmlns:a="http://schemas.openxmlformats.org/drawingml/2006/main" xmlns:r="http://schemas.openxmlformats.org/officeDocument/2006/relationships" xmlns:p="http://schemas.openxmlformats.org/presentationml/2006/main">
   <p:cSld>
     <p:spTree>
@@ -21628,966 +25333,6 @@
 </p:sld>
 </file>
 
-<file path=ppt/slides/slide36.xml><?xml version="1.0" encoding="utf-8"?>
-<p:sld xmlns:a="http://schemas.openxmlformats.org/drawingml/2006/main" xmlns:r="http://schemas.openxmlformats.org/officeDocument/2006/relationships" xmlns:p="http://schemas.openxmlformats.org/presentationml/2006/main">
-  <p:cSld>
-    <p:spTree>
-      <p:nvGrpSpPr>
-        <p:cNvPr id="1" name=""/>
-        <p:cNvGrpSpPr/>
-        <p:nvPr/>
-      </p:nvGrpSpPr>
-      <p:grpSpPr>
-        <a:xfrm>
-          <a:off x="0" y="0"/>
-          <a:ext cx="0" cy="0"/>
-          <a:chOff x="0" y="0"/>
-          <a:chExt cx="0" cy="0"/>
-        </a:xfrm>
-      </p:grpSpPr>
-      <p:sp>
-        <p:nvSpPr>
-          <p:cNvPr id="2" name="Title 1">
-            <a:extLst>
-              <a:ext uri="{FF2B5EF4-FFF2-40B4-BE49-F238E27FC236}">
-                <a16:creationId xmlns:a16="http://schemas.microsoft.com/office/drawing/2014/main" id="{39A1D606-8DD1-369C-5C09-471CDD551AD5}"/>
-              </a:ext>
-            </a:extLst>
-          </p:cNvPr>
-          <p:cNvSpPr>
-            <a:spLocks noGrp="1"/>
-          </p:cNvSpPr>
-          <p:nvPr>
-            <p:ph type="title"/>
-          </p:nvPr>
-        </p:nvSpPr>
-        <p:spPr>
-          <a:xfrm>
-            <a:off x="838200" y="365126"/>
-            <a:ext cx="10515600" cy="718608"/>
-          </a:xfrm>
-        </p:spPr>
-        <p:txBody>
-          <a:bodyPr>
-            <a:normAutofit/>
-          </a:bodyPr>
-          <a:lstStyle/>
-          <a:p>
-            <a:r>
-              <a:rPr lang="nl-NL" sz="3600" noProof="0" dirty="0"/>
-              <a:t>Oefeningen IV</a:t>
-            </a:r>
-          </a:p>
-        </p:txBody>
-      </p:sp>
-      <p:sp>
-        <p:nvSpPr>
-          <p:cNvPr id="3" name="Content Placeholder 2">
-            <a:extLst>
-              <a:ext uri="{FF2B5EF4-FFF2-40B4-BE49-F238E27FC236}">
-                <a16:creationId xmlns:a16="http://schemas.microsoft.com/office/drawing/2014/main" id="{F4C2D286-E049-0AAB-1360-B7157E11AD7E}"/>
-              </a:ext>
-            </a:extLst>
-          </p:cNvPr>
-          <p:cNvSpPr>
-            <a:spLocks noGrp="1"/>
-          </p:cNvSpPr>
-          <p:nvPr>
-            <p:ph idx="1"/>
-          </p:nvPr>
-        </p:nvSpPr>
-        <p:spPr>
-          <a:xfrm>
-            <a:off x="838200" y="1456267"/>
-            <a:ext cx="10375900" cy="4720696"/>
-          </a:xfrm>
-        </p:spPr>
-        <p:txBody>
-          <a:bodyPr>
-            <a:normAutofit/>
-          </a:bodyPr>
-          <a:lstStyle/>
-          <a:p>
-            <a:pPr marL="457200" indent="-457200">
-              <a:buFont typeface="Arial" panose="020B0604020202020204" pitchFamily="34" charset="0"/>
-              <a:buAutoNum type="arabicPeriod"/>
-            </a:pPr>
-            <a:r>
-              <a:rPr lang="nl-NL" sz="2000" dirty="0"/>
-              <a:t>Open Notebook: </a:t>
-            </a:r>
-            <a:r>
-              <a:rPr lang="nl-NL" sz="2000" dirty="0" err="1">
-                <a:latin typeface="Courier New" panose="02070309020205020404" pitchFamily="49" charset="0"/>
-                <a:cs typeface="Courier New" panose="02070309020205020404" pitchFamily="49" charset="0"/>
-              </a:rPr>
-              <a:t>exercises</a:t>
-            </a:r>
-            <a:r>
-              <a:rPr lang="nl-NL" sz="2000" dirty="0">
-                <a:latin typeface="Courier New" panose="02070309020205020404" pitchFamily="49" charset="0"/>
-                <a:cs typeface="Courier New" panose="02070309020205020404" pitchFamily="49" charset="0"/>
-              </a:rPr>
-              <a:t>/4_validation.ipynb</a:t>
-            </a:r>
-          </a:p>
-          <a:p>
-            <a:pPr marL="457200" lvl="1" indent="0">
-              <a:buNone/>
-            </a:pPr>
-            <a:endParaRPr lang="nl-NL" sz="1600" noProof="0" dirty="0"/>
-          </a:p>
-          <a:p>
-            <a:pPr marL="457200" indent="-457200">
-              <a:buFont typeface="+mj-lt"/>
-              <a:buAutoNum type="arabicPeriod"/>
-            </a:pPr>
-            <a:r>
-              <a:rPr lang="nl-NL" sz="2000" dirty="0"/>
-              <a:t>Maak een </a:t>
-            </a:r>
-            <a:r>
-              <a:rPr lang="nl-NL" sz="2000" dirty="0" err="1">
-                <a:latin typeface="Courier New" panose="02070309020205020404" pitchFamily="49" charset="0"/>
-                <a:cs typeface="Courier New" panose="02070309020205020404" pitchFamily="49" charset="0"/>
-              </a:rPr>
-              <a:t>DummyClassifier</a:t>
-            </a:r>
-            <a:r>
-              <a:rPr lang="nl-NL" sz="2000" dirty="0"/>
-              <a:t> en </a:t>
-            </a:r>
-            <a:r>
-              <a:rPr lang="nl-NL" sz="2000" dirty="0" err="1">
-                <a:latin typeface="Courier New" panose="02070309020205020404" pitchFamily="49" charset="0"/>
-                <a:cs typeface="Courier New" panose="02070309020205020404" pitchFamily="49" charset="0"/>
-              </a:rPr>
-              <a:t>RandomForestClassifier</a:t>
-            </a:r>
-            <a:r>
-              <a:rPr lang="nl-NL" sz="2000" dirty="0"/>
-              <a:t>.</a:t>
-            </a:r>
-          </a:p>
-          <a:p>
-            <a:pPr lvl="1"/>
-            <a:r>
-              <a:rPr lang="nl-NL" sz="1600" noProof="0" dirty="0"/>
-              <a:t>Bundel de data preparatie en het model met een Pipeline.</a:t>
-            </a:r>
-          </a:p>
-          <a:p>
-            <a:pPr lvl="1"/>
-            <a:r>
-              <a:rPr lang="nl-NL" sz="1600" noProof="0" dirty="0"/>
-              <a:t>Gebruik </a:t>
-            </a:r>
-            <a:r>
-              <a:rPr lang="nl-NL" sz="1600" noProof="0" dirty="0" err="1">
-                <a:latin typeface="Courier New" panose="02070309020205020404" pitchFamily="49" charset="0"/>
-                <a:cs typeface="Courier New" panose="02070309020205020404" pitchFamily="49" charset="0"/>
-              </a:rPr>
-              <a:t>stratified</a:t>
-            </a:r>
-            <a:r>
-              <a:rPr lang="nl-NL" sz="1600" noProof="0" dirty="0"/>
-              <a:t> als strategie voor het dummy model.</a:t>
-            </a:r>
-          </a:p>
-          <a:p>
-            <a:pPr marL="457200" indent="-457200">
-              <a:buFont typeface="+mj-lt"/>
-              <a:buAutoNum type="arabicPeriod"/>
-            </a:pPr>
-            <a:endParaRPr lang="nl-NL" sz="2000" noProof="0" dirty="0"/>
-          </a:p>
-          <a:p>
-            <a:pPr marL="457200" indent="-457200">
-              <a:buFont typeface="+mj-lt"/>
-              <a:buAutoNum type="arabicPeriod"/>
-            </a:pPr>
-            <a:r>
-              <a:rPr lang="nl-NL" sz="2000" dirty="0"/>
-              <a:t>Splits de data met </a:t>
-            </a:r>
-            <a:r>
-              <a:rPr lang="nl-NL" sz="2000" dirty="0" err="1">
-                <a:latin typeface="Courier New" panose="02070309020205020404" pitchFamily="49" charset="0"/>
-                <a:cs typeface="Courier New" panose="02070309020205020404" pitchFamily="49" charset="0"/>
-              </a:rPr>
-              <a:t>train_test_split</a:t>
-            </a:r>
-            <a:r>
-              <a:rPr lang="nl-NL" sz="2000" dirty="0">
-                <a:latin typeface="Courier New" panose="02070309020205020404" pitchFamily="49" charset="0"/>
-                <a:cs typeface="Courier New" panose="02070309020205020404" pitchFamily="49" charset="0"/>
-              </a:rPr>
-              <a:t>()</a:t>
-            </a:r>
-            <a:r>
-              <a:rPr lang="nl-NL" sz="2000" dirty="0"/>
-              <a:t>.</a:t>
-            </a:r>
-          </a:p>
-          <a:p>
-            <a:pPr lvl="1"/>
-            <a:r>
-              <a:rPr lang="nl-NL" sz="1600" noProof="0" dirty="0"/>
-              <a:t>Gebruik 70% van de data om te trainen en 30% om te testen.</a:t>
-            </a:r>
-          </a:p>
-          <a:p>
-            <a:pPr lvl="1"/>
-            <a:r>
-              <a:rPr lang="nl-NL" sz="1600" noProof="0" dirty="0"/>
-              <a:t>Welk model doet het beter op de train set? En op de test set?</a:t>
-            </a:r>
-          </a:p>
-          <a:p>
-            <a:pPr lvl="1"/>
-            <a:r>
-              <a:rPr lang="nl-NL" sz="1600" dirty="0"/>
-              <a:t>Is de </a:t>
-            </a:r>
-            <a:r>
-              <a:rPr lang="nl-NL" sz="1600" dirty="0" err="1">
-                <a:latin typeface="Courier New" panose="02070309020205020404" pitchFamily="49" charset="0"/>
-                <a:cs typeface="Courier New" panose="02070309020205020404" pitchFamily="49" charset="0"/>
-              </a:rPr>
-              <a:t>DummyClassifier</a:t>
-            </a:r>
-            <a:r>
-              <a:rPr lang="nl-NL" sz="1600" dirty="0"/>
-              <a:t> accurater dan altijd "No" voorspellen? </a:t>
-            </a:r>
-            <a:r>
-              <a:rPr lang="nl-NL" sz="1600"/>
-              <a:t>Waarom?</a:t>
-            </a:r>
-            <a:endParaRPr lang="nl-NL" sz="1600" noProof="0" dirty="0"/>
-          </a:p>
-          <a:p>
-            <a:pPr marL="457200" lvl="1" indent="0">
-              <a:buNone/>
-            </a:pPr>
-            <a:endParaRPr lang="nl-NL" sz="1600" noProof="0" dirty="0"/>
-          </a:p>
-          <a:p>
-            <a:pPr marL="457200" indent="-457200">
-              <a:buFont typeface="+mj-lt"/>
-              <a:buAutoNum type="arabicPeriod"/>
-            </a:pPr>
-            <a:r>
-              <a:rPr lang="nl-NL" sz="2000" noProof="0" dirty="0"/>
-              <a:t>Gebruik </a:t>
-            </a:r>
-            <a:r>
-              <a:rPr lang="nl-NL" sz="2000" noProof="0" dirty="0" err="1">
-                <a:latin typeface="Courier New" panose="02070309020205020404" pitchFamily="49" charset="0"/>
-                <a:cs typeface="Courier New" panose="02070309020205020404" pitchFamily="49" charset="0"/>
-              </a:rPr>
-              <a:t>KFold</a:t>
-            </a:r>
-            <a:r>
-              <a:rPr lang="nl-NL" sz="2000" noProof="0" dirty="0"/>
-              <a:t> om de data 5 keer op te splitsen.</a:t>
-            </a:r>
-          </a:p>
-          <a:p>
-            <a:pPr lvl="1"/>
-            <a:r>
-              <a:rPr lang="nl-NL" sz="1600" dirty="0"/>
-              <a:t>Zijn de prestaties van </a:t>
-            </a:r>
-            <a:r>
-              <a:rPr lang="nl-NL" sz="1600" dirty="0" err="1">
-                <a:latin typeface="Courier New" panose="02070309020205020404" pitchFamily="49" charset="0"/>
-                <a:cs typeface="Courier New" panose="02070309020205020404" pitchFamily="49" charset="0"/>
-              </a:rPr>
-              <a:t>RandomForestClassifier</a:t>
-            </a:r>
-            <a:r>
-              <a:rPr lang="nl-NL" sz="1600" dirty="0"/>
-              <a:t> consistent over de splits?</a:t>
-            </a:r>
-          </a:p>
-          <a:p>
-            <a:pPr lvl="1"/>
-            <a:r>
-              <a:rPr lang="nl-NL" sz="1600" noProof="0" dirty="0"/>
-              <a:t>Wat zou er aan de hand kunnen zijn?</a:t>
-            </a:r>
-          </a:p>
-          <a:p>
-            <a:pPr lvl="1"/>
-            <a:endParaRPr lang="nl-NL" sz="1600" noProof="0" dirty="0"/>
-          </a:p>
-        </p:txBody>
-      </p:sp>
-    </p:spTree>
-    <p:extLst>
-      <p:ext uri="{BB962C8B-B14F-4D97-AF65-F5344CB8AC3E}">
-        <p14:creationId xmlns:p14="http://schemas.microsoft.com/office/powerpoint/2010/main" val="2660283998"/>
-      </p:ext>
-    </p:extLst>
-  </p:cSld>
-  <p:clrMapOvr>
-    <a:masterClrMapping/>
-  </p:clrMapOvr>
-</p:sld>
-</file>
-
-<file path=ppt/slides/slide37.xml><?xml version="1.0" encoding="utf-8"?>
-<p:sld xmlns:a="http://schemas.openxmlformats.org/drawingml/2006/main" xmlns:r="http://schemas.openxmlformats.org/officeDocument/2006/relationships" xmlns:p="http://schemas.openxmlformats.org/presentationml/2006/main">
-  <p:cSld>
-    <p:spTree>
-      <p:nvGrpSpPr>
-        <p:cNvPr id="1" name=""/>
-        <p:cNvGrpSpPr/>
-        <p:nvPr/>
-      </p:nvGrpSpPr>
-      <p:grpSpPr>
-        <a:xfrm>
-          <a:off x="0" y="0"/>
-          <a:ext cx="0" cy="0"/>
-          <a:chOff x="0" y="0"/>
-          <a:chExt cx="0" cy="0"/>
-        </a:xfrm>
-      </p:grpSpPr>
-      <p:sp>
-        <p:nvSpPr>
-          <p:cNvPr id="4" name="Title 3">
-            <a:extLst>
-              <a:ext uri="{FF2B5EF4-FFF2-40B4-BE49-F238E27FC236}">
-                <a16:creationId xmlns:a16="http://schemas.microsoft.com/office/drawing/2014/main" id="{72C925CA-BCA3-3701-E08E-95652380B32E}"/>
-              </a:ext>
-            </a:extLst>
-          </p:cNvPr>
-          <p:cNvSpPr>
-            <a:spLocks noGrp="1"/>
-          </p:cNvSpPr>
-          <p:nvPr>
-            <p:ph type="title"/>
-          </p:nvPr>
-        </p:nvSpPr>
-        <p:spPr/>
-        <p:txBody>
-          <a:bodyPr/>
-          <a:lstStyle/>
-          <a:p>
-            <a:r>
-              <a:rPr lang="nl-NL" noProof="0" dirty="0"/>
-              <a:t>Modellen in productie</a:t>
-            </a:r>
-          </a:p>
-        </p:txBody>
-      </p:sp>
-      <p:sp>
-        <p:nvSpPr>
-          <p:cNvPr id="5" name="Text Placeholder 4">
-            <a:extLst>
-              <a:ext uri="{FF2B5EF4-FFF2-40B4-BE49-F238E27FC236}">
-                <a16:creationId xmlns:a16="http://schemas.microsoft.com/office/drawing/2014/main" id="{1AB31C95-91AF-DF13-FB58-0DA5F2D9F6F7}"/>
-              </a:ext>
-            </a:extLst>
-          </p:cNvPr>
-          <p:cNvSpPr>
-            <a:spLocks noGrp="1"/>
-          </p:cNvSpPr>
-          <p:nvPr>
-            <p:ph type="body" idx="1"/>
-          </p:nvPr>
-        </p:nvSpPr>
-        <p:spPr/>
-        <p:txBody>
-          <a:bodyPr/>
-          <a:lstStyle/>
-          <a:p>
-            <a:endParaRPr lang="en-NL"/>
-          </a:p>
-        </p:txBody>
-      </p:sp>
-    </p:spTree>
-    <p:extLst>
-      <p:ext uri="{BB962C8B-B14F-4D97-AF65-F5344CB8AC3E}">
-        <p14:creationId xmlns:p14="http://schemas.microsoft.com/office/powerpoint/2010/main" val="140133291"/>
-      </p:ext>
-    </p:extLst>
-  </p:cSld>
-  <p:clrMapOvr>
-    <a:masterClrMapping/>
-  </p:clrMapOvr>
-</p:sld>
-</file>
-
-<file path=ppt/slides/slide38.xml><?xml version="1.0" encoding="utf-8"?>
-<p:sld xmlns:a="http://schemas.openxmlformats.org/drawingml/2006/main" xmlns:r="http://schemas.openxmlformats.org/officeDocument/2006/relationships" xmlns:p="http://schemas.openxmlformats.org/presentationml/2006/main">
-  <p:cSld>
-    <p:spTree>
-      <p:nvGrpSpPr>
-        <p:cNvPr id="1" name=""/>
-        <p:cNvGrpSpPr/>
-        <p:nvPr/>
-      </p:nvGrpSpPr>
-      <p:grpSpPr>
-        <a:xfrm>
-          <a:off x="0" y="0"/>
-          <a:ext cx="0" cy="0"/>
-          <a:chOff x="0" y="0"/>
-          <a:chExt cx="0" cy="0"/>
-        </a:xfrm>
-      </p:grpSpPr>
-      <p:sp>
-        <p:nvSpPr>
-          <p:cNvPr id="2" name="Title 1">
-            <a:extLst>
-              <a:ext uri="{FF2B5EF4-FFF2-40B4-BE49-F238E27FC236}">
-                <a16:creationId xmlns:a16="http://schemas.microsoft.com/office/drawing/2014/main" id="{39A1D606-8DD1-369C-5C09-471CDD551AD5}"/>
-              </a:ext>
-            </a:extLst>
-          </p:cNvPr>
-          <p:cNvSpPr>
-            <a:spLocks noGrp="1"/>
-          </p:cNvSpPr>
-          <p:nvPr>
-            <p:ph type="title"/>
-          </p:nvPr>
-        </p:nvSpPr>
-        <p:spPr>
-          <a:xfrm>
-            <a:off x="838200" y="365126"/>
-            <a:ext cx="10515600" cy="718608"/>
-          </a:xfrm>
-        </p:spPr>
-        <p:txBody>
-          <a:bodyPr>
-            <a:normAutofit/>
-          </a:bodyPr>
-          <a:lstStyle/>
-          <a:p>
-            <a:r>
-              <a:rPr lang="nl-NL" sz="3600" dirty="0"/>
-              <a:t>Naar productie!</a:t>
-            </a:r>
-            <a:endParaRPr lang="nl-NL" sz="3600" noProof="0" dirty="0"/>
-          </a:p>
-        </p:txBody>
-      </p:sp>
-      <p:sp>
-        <p:nvSpPr>
-          <p:cNvPr id="3" name="Rectangle 2">
-            <a:extLst>
-              <a:ext uri="{FF2B5EF4-FFF2-40B4-BE49-F238E27FC236}">
-                <a16:creationId xmlns:a16="http://schemas.microsoft.com/office/drawing/2014/main" id="{CC9A2C42-5C7C-8DA1-D81E-2E20B336CB22}"/>
-              </a:ext>
-            </a:extLst>
-          </p:cNvPr>
-          <p:cNvSpPr/>
-          <p:nvPr/>
-        </p:nvSpPr>
-        <p:spPr>
-          <a:xfrm>
-            <a:off x="838200" y="1972101"/>
-            <a:ext cx="2834640" cy="3749674"/>
-          </a:xfrm>
-          <a:prstGeom prst="rect">
-            <a:avLst/>
-          </a:prstGeom>
-        </p:spPr>
-        <p:style>
-          <a:lnRef idx="1">
-            <a:schemeClr val="accent6"/>
-          </a:lnRef>
-          <a:fillRef idx="2">
-            <a:schemeClr val="accent6"/>
-          </a:fillRef>
-          <a:effectRef idx="1">
-            <a:schemeClr val="accent6"/>
-          </a:effectRef>
-          <a:fontRef idx="minor">
-            <a:schemeClr val="dk1"/>
-          </a:fontRef>
-        </p:style>
-        <p:txBody>
-          <a:bodyPr lIns="180000" tIns="180000" rIns="180000" bIns="180000" rtlCol="0" anchor="t"/>
-          <a:lstStyle/>
-          <a:p>
-            <a:pPr algn="ctr"/>
-            <a:r>
-              <a:rPr lang="nl-NL" b="1" dirty="0"/>
-              <a:t>Validatie / Selectie</a:t>
-            </a:r>
-          </a:p>
-          <a:p>
-            <a:pPr algn="ctr"/>
-            <a:endParaRPr lang="nl-NL" b="1" dirty="0"/>
-          </a:p>
-          <a:p>
-            <a:r>
-              <a:rPr lang="nl-NL" dirty="0"/>
-              <a:t>Optimaliseer </a:t>
-            </a:r>
-            <a:r>
-              <a:rPr lang="nl-NL" u="sng" dirty="0"/>
-              <a:t>specificatie</a:t>
-            </a:r>
-            <a:r>
-              <a:rPr lang="nl-NL" dirty="0"/>
-              <a:t> van je model:</a:t>
-            </a:r>
-          </a:p>
-          <a:p>
-            <a:pPr marL="285750" indent="-285750">
-              <a:buFontTx/>
-              <a:buChar char="-"/>
-            </a:pPr>
-            <a:endParaRPr lang="nl-NL" dirty="0"/>
-          </a:p>
-          <a:p>
-            <a:pPr marL="285750" indent="-285750">
-              <a:buFontTx/>
-              <a:buChar char="-"/>
-            </a:pPr>
-            <a:r>
-              <a:rPr lang="nl-NL" dirty="0"/>
-              <a:t>data preparatie</a:t>
-            </a:r>
-          </a:p>
-          <a:p>
-            <a:pPr marL="285750" indent="-285750">
-              <a:buFontTx/>
-              <a:buChar char="-"/>
-            </a:pPr>
-            <a:r>
-              <a:rPr lang="nl-NL" dirty="0"/>
-              <a:t>features</a:t>
-            </a:r>
-          </a:p>
-          <a:p>
-            <a:pPr marL="285750" indent="-285750">
-              <a:buFontTx/>
-              <a:buChar char="-"/>
-            </a:pPr>
-            <a:r>
-              <a:rPr lang="nl-NL" dirty="0"/>
-              <a:t>algoritme</a:t>
-            </a:r>
-          </a:p>
-          <a:p>
-            <a:pPr marL="285750" indent="-285750">
-              <a:buFontTx/>
-              <a:buChar char="-"/>
-            </a:pPr>
-            <a:r>
-              <a:rPr lang="nl-NL" dirty="0"/>
-              <a:t>instellingen</a:t>
-            </a:r>
-          </a:p>
-          <a:p>
-            <a:pPr marL="285750" indent="-285750">
-              <a:buFontTx/>
-              <a:buChar char="-"/>
-            </a:pPr>
-            <a:endParaRPr lang="nl-NL" dirty="0"/>
-          </a:p>
-          <a:p>
-            <a:pPr algn="ctr"/>
-            <a:endParaRPr lang="nl-NL" dirty="0"/>
-          </a:p>
-        </p:txBody>
-      </p:sp>
-      <p:sp>
-        <p:nvSpPr>
-          <p:cNvPr id="4" name="Rectangle 3">
-            <a:extLst>
-              <a:ext uri="{FF2B5EF4-FFF2-40B4-BE49-F238E27FC236}">
-                <a16:creationId xmlns:a16="http://schemas.microsoft.com/office/drawing/2014/main" id="{2AC933C2-3D5A-0ACA-5AFE-5351303887C6}"/>
-              </a:ext>
-            </a:extLst>
-          </p:cNvPr>
-          <p:cNvSpPr/>
-          <p:nvPr/>
-        </p:nvSpPr>
-        <p:spPr>
-          <a:xfrm>
-            <a:off x="4678680" y="1972100"/>
-            <a:ext cx="2834640" cy="3749674"/>
-          </a:xfrm>
-          <a:prstGeom prst="rect">
-            <a:avLst/>
-          </a:prstGeom>
-        </p:spPr>
-        <p:style>
-          <a:lnRef idx="1">
-            <a:schemeClr val="accent5"/>
-          </a:lnRef>
-          <a:fillRef idx="2">
-            <a:schemeClr val="accent5"/>
-          </a:fillRef>
-          <a:effectRef idx="1">
-            <a:schemeClr val="accent5"/>
-          </a:effectRef>
-          <a:fontRef idx="minor">
-            <a:schemeClr val="dk1"/>
-          </a:fontRef>
-        </p:style>
-        <p:txBody>
-          <a:bodyPr lIns="180000" tIns="180000" rIns="180000" bIns="180000" rtlCol="0" anchor="t"/>
-          <a:lstStyle/>
-          <a:p>
-            <a:pPr algn="ctr"/>
-            <a:r>
-              <a:rPr lang="nl-NL" b="1" dirty="0"/>
-              <a:t>Finale training</a:t>
-            </a:r>
-          </a:p>
-          <a:p>
-            <a:pPr algn="ctr"/>
-            <a:endParaRPr lang="nl-NL" b="1" dirty="0"/>
-          </a:p>
-          <a:p>
-            <a:r>
-              <a:rPr lang="nl-NL" dirty="0"/>
-              <a:t>Optimaliseer </a:t>
-            </a:r>
-            <a:r>
-              <a:rPr lang="nl-NL" u="sng" dirty="0"/>
-              <a:t>gewichten</a:t>
-            </a:r>
-            <a:r>
-              <a:rPr lang="nl-NL" dirty="0"/>
-              <a:t> van je model.</a:t>
-            </a:r>
-          </a:p>
-          <a:p>
-            <a:endParaRPr lang="nl-NL" dirty="0"/>
-          </a:p>
-          <a:p>
-            <a:r>
-              <a:rPr lang="nl-NL" dirty="0"/>
-              <a:t>Train je model op </a:t>
-            </a:r>
-            <a:r>
-              <a:rPr lang="nl-NL" u="sng" dirty="0"/>
-              <a:t>alle beschikbare data</a:t>
-            </a:r>
-            <a:r>
-              <a:rPr lang="nl-NL" dirty="0"/>
-              <a:t> om zoveel </a:t>
-            </a:r>
-            <a:r>
-              <a:rPr lang="nl-NL"/>
-              <a:t>mogelijk informatie </a:t>
-            </a:r>
-            <a:r>
-              <a:rPr lang="nl-NL" dirty="0"/>
-              <a:t>te vangen.</a:t>
-            </a:r>
-          </a:p>
-        </p:txBody>
-      </p:sp>
-      <p:sp>
-        <p:nvSpPr>
-          <p:cNvPr id="5" name="Rectangle 4">
-            <a:extLst>
-              <a:ext uri="{FF2B5EF4-FFF2-40B4-BE49-F238E27FC236}">
-                <a16:creationId xmlns:a16="http://schemas.microsoft.com/office/drawing/2014/main" id="{789364A3-4528-7390-21E7-3B1FEFCDC7BA}"/>
-              </a:ext>
-            </a:extLst>
-          </p:cNvPr>
-          <p:cNvSpPr/>
-          <p:nvPr/>
-        </p:nvSpPr>
-        <p:spPr>
-          <a:xfrm>
-            <a:off x="8519160" y="1972100"/>
-            <a:ext cx="2834640" cy="3749674"/>
-          </a:xfrm>
-          <a:prstGeom prst="rect">
-            <a:avLst/>
-          </a:prstGeom>
-        </p:spPr>
-        <p:style>
-          <a:lnRef idx="1">
-            <a:schemeClr val="accent4"/>
-          </a:lnRef>
-          <a:fillRef idx="2">
-            <a:schemeClr val="accent4"/>
-          </a:fillRef>
-          <a:effectRef idx="1">
-            <a:schemeClr val="accent4"/>
-          </a:effectRef>
-          <a:fontRef idx="minor">
-            <a:schemeClr val="dk1"/>
-          </a:fontRef>
-        </p:style>
-        <p:txBody>
-          <a:bodyPr lIns="180000" tIns="180000" rIns="180000" bIns="180000" rtlCol="0" anchor="t"/>
-          <a:lstStyle/>
-          <a:p>
-            <a:pPr algn="ctr"/>
-            <a:r>
-              <a:rPr lang="nl-NL" b="1" dirty="0"/>
-              <a:t>Uitrol</a:t>
-            </a:r>
-          </a:p>
-          <a:p>
-            <a:pPr algn="ctr"/>
-            <a:endParaRPr lang="nl-NL" b="1" dirty="0"/>
-          </a:p>
-          <a:p>
-            <a:r>
-              <a:rPr lang="nl-NL" dirty="0"/>
-              <a:t>Gebruik het finale model in het bedrijfsproces.</a:t>
-            </a:r>
-          </a:p>
-          <a:p>
-            <a:endParaRPr lang="nl-NL" dirty="0"/>
-          </a:p>
-          <a:p>
-            <a:r>
-              <a:rPr lang="nl-NL" dirty="0"/>
-              <a:t>Uitdagingen qua:</a:t>
-            </a:r>
-          </a:p>
-          <a:p>
-            <a:pPr marL="285750" indent="-285750">
-              <a:buFontTx/>
-              <a:buChar char="-"/>
-            </a:pPr>
-            <a:r>
-              <a:rPr lang="nl-NL" dirty="0"/>
-              <a:t>Techniek</a:t>
-            </a:r>
-          </a:p>
-          <a:p>
-            <a:pPr marL="285750" indent="-285750">
-              <a:buFontTx/>
-              <a:buChar char="-"/>
-            </a:pPr>
-            <a:r>
-              <a:rPr lang="nl-NL" dirty="0"/>
-              <a:t>Gebruik</a:t>
-            </a:r>
-          </a:p>
-          <a:p>
-            <a:pPr marL="285750" indent="-285750">
-              <a:buFontTx/>
-              <a:buChar char="-"/>
-            </a:pPr>
-            <a:r>
-              <a:rPr lang="nl-NL" dirty="0"/>
-              <a:t>Duurzaamheid</a:t>
-            </a:r>
-          </a:p>
-        </p:txBody>
-      </p:sp>
-      <p:sp>
-        <p:nvSpPr>
-          <p:cNvPr id="10" name="Arrow: Right 9">
-            <a:extLst>
-              <a:ext uri="{FF2B5EF4-FFF2-40B4-BE49-F238E27FC236}">
-                <a16:creationId xmlns:a16="http://schemas.microsoft.com/office/drawing/2014/main" id="{4A21C4F3-49E6-41AF-A714-DA2393DC82DA}"/>
-              </a:ext>
-            </a:extLst>
-          </p:cNvPr>
-          <p:cNvSpPr/>
-          <p:nvPr/>
-        </p:nvSpPr>
-        <p:spPr>
-          <a:xfrm>
-            <a:off x="3921880" y="3616657"/>
-            <a:ext cx="506364" cy="462712"/>
-          </a:xfrm>
-          <a:prstGeom prst="rightArrow">
-            <a:avLst/>
-          </a:prstGeom>
-        </p:spPr>
-        <p:style>
-          <a:lnRef idx="1">
-            <a:schemeClr val="accent6"/>
-          </a:lnRef>
-          <a:fillRef idx="2">
-            <a:schemeClr val="accent6"/>
-          </a:fillRef>
-          <a:effectRef idx="1">
-            <a:schemeClr val="accent6"/>
-          </a:effectRef>
-          <a:fontRef idx="minor">
-            <a:schemeClr val="dk1"/>
-          </a:fontRef>
-        </p:style>
-        <p:txBody>
-          <a:bodyPr rtlCol="0" anchor="ctr"/>
-          <a:lstStyle/>
-          <a:p>
-            <a:pPr algn="ctr"/>
-            <a:endParaRPr lang="en-NL"/>
-          </a:p>
-        </p:txBody>
-      </p:sp>
-      <p:sp>
-        <p:nvSpPr>
-          <p:cNvPr id="12" name="Arrow: Right 11">
-            <a:extLst>
-              <a:ext uri="{FF2B5EF4-FFF2-40B4-BE49-F238E27FC236}">
-                <a16:creationId xmlns:a16="http://schemas.microsoft.com/office/drawing/2014/main" id="{8DAE0CBB-182F-60CC-5E30-302DBE0D772C}"/>
-              </a:ext>
-            </a:extLst>
-          </p:cNvPr>
-          <p:cNvSpPr/>
-          <p:nvPr/>
-        </p:nvSpPr>
-        <p:spPr>
-          <a:xfrm>
-            <a:off x="7763058" y="3616657"/>
-            <a:ext cx="506364" cy="462712"/>
-          </a:xfrm>
-          <a:prstGeom prst="rightArrow">
-            <a:avLst/>
-          </a:prstGeom>
-        </p:spPr>
-        <p:style>
-          <a:lnRef idx="1">
-            <a:schemeClr val="accent5"/>
-          </a:lnRef>
-          <a:fillRef idx="2">
-            <a:schemeClr val="accent5"/>
-          </a:fillRef>
-          <a:effectRef idx="1">
-            <a:schemeClr val="accent5"/>
-          </a:effectRef>
-          <a:fontRef idx="minor">
-            <a:schemeClr val="dk1"/>
-          </a:fontRef>
-        </p:style>
-        <p:txBody>
-          <a:bodyPr rtlCol="0" anchor="ctr"/>
-          <a:lstStyle/>
-          <a:p>
-            <a:pPr algn="ctr"/>
-            <a:endParaRPr lang="en-NL"/>
-          </a:p>
-        </p:txBody>
-      </p:sp>
-    </p:spTree>
-    <p:extLst>
-      <p:ext uri="{BB962C8B-B14F-4D97-AF65-F5344CB8AC3E}">
-        <p14:creationId xmlns:p14="http://schemas.microsoft.com/office/powerpoint/2010/main" val="1524292868"/>
-      </p:ext>
-    </p:extLst>
-  </p:cSld>
-  <p:clrMapOvr>
-    <a:masterClrMapping/>
-  </p:clrMapOvr>
-</p:sld>
-</file>
-
-<file path=ppt/slides/slide39.xml><?xml version="1.0" encoding="utf-8"?>
-<p:sld xmlns:a="http://schemas.openxmlformats.org/drawingml/2006/main" xmlns:r="http://schemas.openxmlformats.org/officeDocument/2006/relationships" xmlns:p="http://schemas.openxmlformats.org/presentationml/2006/main">
-  <p:cSld>
-    <p:spTree>
-      <p:nvGrpSpPr>
-        <p:cNvPr id="1" name=""/>
-        <p:cNvGrpSpPr/>
-        <p:nvPr/>
-      </p:nvGrpSpPr>
-      <p:grpSpPr>
-        <a:xfrm>
-          <a:off x="0" y="0"/>
-          <a:ext cx="0" cy="0"/>
-          <a:chOff x="0" y="0"/>
-          <a:chExt cx="0" cy="0"/>
-        </a:xfrm>
-      </p:grpSpPr>
-      <p:sp>
-        <p:nvSpPr>
-          <p:cNvPr id="2" name="Title 1">
-            <a:extLst>
-              <a:ext uri="{FF2B5EF4-FFF2-40B4-BE49-F238E27FC236}">
-                <a16:creationId xmlns:a16="http://schemas.microsoft.com/office/drawing/2014/main" id="{39A1D606-8DD1-369C-5C09-471CDD551AD5}"/>
-              </a:ext>
-            </a:extLst>
-          </p:cNvPr>
-          <p:cNvSpPr>
-            <a:spLocks noGrp="1"/>
-          </p:cNvSpPr>
-          <p:nvPr>
-            <p:ph type="title"/>
-          </p:nvPr>
-        </p:nvSpPr>
-        <p:spPr>
-          <a:xfrm>
-            <a:off x="838200" y="365126"/>
-            <a:ext cx="10515600" cy="718608"/>
-          </a:xfrm>
-        </p:spPr>
-        <p:txBody>
-          <a:bodyPr>
-            <a:normAutofit/>
-          </a:bodyPr>
-          <a:lstStyle/>
-          <a:p>
-            <a:r>
-              <a:rPr lang="nl-NL" sz="3600" noProof="0" dirty="0" err="1"/>
-              <a:t>MLOps</a:t>
-            </a:r>
-            <a:r>
-              <a:rPr lang="nl-NL" sz="3600" noProof="0" dirty="0"/>
-              <a:t> cyclus</a:t>
-            </a:r>
-          </a:p>
-        </p:txBody>
-      </p:sp>
-      <p:pic>
-        <p:nvPicPr>
-          <p:cNvPr id="10" name="Picture 9">
-            <a:extLst>
-              <a:ext uri="{FF2B5EF4-FFF2-40B4-BE49-F238E27FC236}">
-                <a16:creationId xmlns:a16="http://schemas.microsoft.com/office/drawing/2014/main" id="{687C3E92-5216-597F-6D18-5A36D8DB7E4C}"/>
-              </a:ext>
-            </a:extLst>
-          </p:cNvPr>
-          <p:cNvPicPr>
-            <a:picLocks noChangeAspect="1"/>
-          </p:cNvPicPr>
-          <p:nvPr/>
-        </p:nvPicPr>
-        <p:blipFill>
-          <a:blip r:embed="rId2">
-            <a:extLst>
-              <a:ext uri="{28A0092B-C50C-407E-A947-70E740481C1C}">
-                <a14:useLocalDpi xmlns:a14="http://schemas.microsoft.com/office/drawing/2010/main" val="0"/>
-              </a:ext>
-            </a:extLst>
-          </a:blip>
-          <a:stretch>
-            <a:fillRect/>
-          </a:stretch>
-        </p:blipFill>
-        <p:spPr>
-          <a:xfrm>
-            <a:off x="2235720" y="1687460"/>
-            <a:ext cx="7720559" cy="3920328"/>
-          </a:xfrm>
-          <a:prstGeom prst="rect">
-            <a:avLst/>
-          </a:prstGeom>
-        </p:spPr>
-      </p:pic>
-    </p:spTree>
-    <p:extLst>
-      <p:ext uri="{BB962C8B-B14F-4D97-AF65-F5344CB8AC3E}">
-        <p14:creationId xmlns:p14="http://schemas.microsoft.com/office/powerpoint/2010/main" val="4164616908"/>
-      </p:ext>
-    </p:extLst>
-  </p:cSld>
-  <p:clrMapOvr>
-    <a:masterClrMapping/>
-  </p:clrMapOvr>
-</p:sld>
-</file>
-
 <file path=ppt/slides/slide4.xml><?xml version="1.0" encoding="utf-8"?>
 <p:sld xmlns:a="http://schemas.openxmlformats.org/drawingml/2006/main" xmlns:r="http://schemas.openxmlformats.org/officeDocument/2006/relationships" xmlns:p="http://schemas.openxmlformats.org/presentationml/2006/main">
   <p:cSld>
@@ -22659,6 +25404,11 @@
             <a:chOff x="838200" y="1711410"/>
             <a:chExt cx="2756930" cy="1791726"/>
           </a:xfrm>
+          <a:solidFill>
+            <a:schemeClr val="bg1">
+              <a:lumMod val="95000"/>
+            </a:schemeClr>
+          </a:solidFill>
         </p:grpSpPr>
         <p:sp>
           <p:nvSpPr>
@@ -22680,6 +25430,7 @@
             <a:prstGeom prst="rect">
               <a:avLst/>
             </a:prstGeom>
+            <a:grpFill/>
           </p:spPr>
           <p:style>
             <a:lnRef idx="1">
@@ -22736,16 +25487,23 @@
             <a:prstGeom prst="rect">
               <a:avLst/>
             </a:prstGeom>
+            <a:solidFill>
+              <a:schemeClr val="accent6">
+                <a:lumMod val="40000"/>
+                <a:lumOff val="60000"/>
+              </a:schemeClr>
+            </a:solidFill>
+            <a:ln/>
           </p:spPr>
           <p:style>
             <a:lnRef idx="1">
-              <a:schemeClr val="accent4"/>
+              <a:schemeClr val="accent6"/>
             </a:lnRef>
             <a:fillRef idx="2">
-              <a:schemeClr val="accent4"/>
+              <a:schemeClr val="accent6"/>
             </a:fillRef>
             <a:effectRef idx="1">
-              <a:schemeClr val="accent4"/>
+              <a:schemeClr val="accent6"/>
             </a:effectRef>
             <a:fontRef idx="minor">
               <a:schemeClr val="dk1"/>
@@ -22787,54 +25545,12 @@
             <a:chOff x="4643394" y="1711412"/>
             <a:chExt cx="2756931" cy="1791722"/>
           </a:xfrm>
+          <a:solidFill>
+            <a:schemeClr val="bg1">
+              <a:lumMod val="95000"/>
+            </a:schemeClr>
+          </a:solidFill>
         </p:grpSpPr>
-        <p:sp>
-          <p:nvSpPr>
-            <p:cNvPr id="7" name="Rectangle 6">
-              <a:extLst>
-                <a:ext uri="{FF2B5EF4-FFF2-40B4-BE49-F238E27FC236}">
-                  <a16:creationId xmlns:a16="http://schemas.microsoft.com/office/drawing/2014/main" id="{4FCD6A8C-29D6-E5C6-1838-8B707C443CD5}"/>
-                </a:ext>
-              </a:extLst>
-            </p:cNvPr>
-            <p:cNvSpPr/>
-            <p:nvPr/>
-          </p:nvSpPr>
-          <p:spPr>
-            <a:xfrm>
-              <a:off x="4643394" y="1711412"/>
-              <a:ext cx="2756931" cy="383057"/>
-            </a:xfrm>
-            <a:prstGeom prst="rect">
-              <a:avLst/>
-            </a:prstGeom>
-          </p:spPr>
-          <p:style>
-            <a:lnRef idx="1">
-              <a:schemeClr val="accent6"/>
-            </a:lnRef>
-            <a:fillRef idx="2">
-              <a:schemeClr val="accent6"/>
-            </a:fillRef>
-            <a:effectRef idx="1">
-              <a:schemeClr val="accent6"/>
-            </a:effectRef>
-            <a:fontRef idx="minor">
-              <a:schemeClr val="dk1"/>
-            </a:fontRef>
-          </p:style>
-          <p:txBody>
-            <a:bodyPr rtlCol="0" anchor="t"/>
-            <a:lstStyle/>
-            <a:p>
-              <a:pPr algn="ctr"/>
-              <a:r>
-                <a:rPr lang="nl-NL" dirty="0"/>
-                <a:t>Machine Learning</a:t>
-              </a:r>
-            </a:p>
-          </p:txBody>
-        </p:sp>
         <p:sp>
           <p:nvSpPr>
             <p:cNvPr id="4" name="Rectangle 3">
@@ -22855,6 +25571,7 @@
             <a:prstGeom prst="rect">
               <a:avLst/>
             </a:prstGeom>
+            <a:grpFill/>
           </p:spPr>
           <p:style>
             <a:lnRef idx="1">
@@ -22889,35 +25606,22 @@
               </a:r>
               <a:endParaRPr lang="nl-NL" dirty="0"/>
             </a:p>
+            <a:p>
+              <a:pPr algn="ctr"/>
+              <a:r>
+                <a:rPr lang="nl-NL" dirty="0" err="1"/>
+                <a:t>XGBoost</a:t>
+              </a:r>
+              <a:endParaRPr lang="nl-NL" dirty="0"/>
+            </a:p>
           </p:txBody>
         </p:sp>
-      </p:grpSp>
-      <p:grpSp>
-        <p:nvGrpSpPr>
-          <p:cNvPr id="18" name="Group 17">
-            <a:extLst>
-              <a:ext uri="{FF2B5EF4-FFF2-40B4-BE49-F238E27FC236}">
-                <a16:creationId xmlns:a16="http://schemas.microsoft.com/office/drawing/2014/main" id="{90991C0E-5769-BE9C-7A45-FF1D2E979AAF}"/>
-              </a:ext>
-            </a:extLst>
-          </p:cNvPr>
-          <p:cNvGrpSpPr/>
-          <p:nvPr/>
-        </p:nvGrpSpPr>
-        <p:grpSpPr>
-          <a:xfrm>
-            <a:off x="1210739" y="1711412"/>
-            <a:ext cx="2756931" cy="1791722"/>
-            <a:chOff x="8448589" y="1711411"/>
-            <a:chExt cx="2756931" cy="1791722"/>
-          </a:xfrm>
-        </p:grpSpPr>
         <p:sp>
           <p:nvSpPr>
-            <p:cNvPr id="10" name="Rectangle 9">
+            <p:cNvPr id="7" name="Rectangle 6">
               <a:extLst>
                 <a:ext uri="{FF2B5EF4-FFF2-40B4-BE49-F238E27FC236}">
-                  <a16:creationId xmlns:a16="http://schemas.microsoft.com/office/drawing/2014/main" id="{06AA83AA-E066-ABF0-626E-4AF185EBD422}"/>
+                  <a16:creationId xmlns:a16="http://schemas.microsoft.com/office/drawing/2014/main" id="{4FCD6A8C-29D6-E5C6-1838-8B707C443CD5}"/>
                 </a:ext>
               </a:extLst>
             </p:cNvPr>
@@ -22926,12 +25630,19 @@
           </p:nvSpPr>
           <p:spPr>
             <a:xfrm>
-              <a:off x="8448589" y="1711411"/>
-              <a:ext cx="2756930" cy="383057"/>
+              <a:off x="4643394" y="1711412"/>
+              <a:ext cx="2756931" cy="383057"/>
             </a:xfrm>
             <a:prstGeom prst="rect">
               <a:avLst/>
             </a:prstGeom>
+            <a:solidFill>
+              <a:schemeClr val="accent5">
+                <a:lumMod val="40000"/>
+                <a:lumOff val="60000"/>
+              </a:schemeClr>
+            </a:solidFill>
+            <a:ln/>
           </p:spPr>
           <p:style>
             <a:lnRef idx="1">
@@ -22954,11 +25665,37 @@
               <a:pPr algn="ctr"/>
               <a:r>
                 <a:rPr lang="nl-NL" dirty="0"/>
-                <a:t>Statistiek</a:t>
+                <a:t>Machine Learning</a:t>
               </a:r>
             </a:p>
           </p:txBody>
         </p:sp>
+      </p:grpSp>
+      <p:grpSp>
+        <p:nvGrpSpPr>
+          <p:cNvPr id="18" name="Group 17">
+            <a:extLst>
+              <a:ext uri="{FF2B5EF4-FFF2-40B4-BE49-F238E27FC236}">
+                <a16:creationId xmlns:a16="http://schemas.microsoft.com/office/drawing/2014/main" id="{90991C0E-5769-BE9C-7A45-FF1D2E979AAF}"/>
+              </a:ext>
+            </a:extLst>
+          </p:cNvPr>
+          <p:cNvGrpSpPr/>
+          <p:nvPr/>
+        </p:nvGrpSpPr>
+        <p:grpSpPr>
+          <a:xfrm>
+            <a:off x="1210739" y="1711412"/>
+            <a:ext cx="2756931" cy="1791722"/>
+            <a:chOff x="8448589" y="1711411"/>
+            <a:chExt cx="2756931" cy="1791722"/>
+          </a:xfrm>
+          <a:solidFill>
+            <a:schemeClr val="bg1">
+              <a:lumMod val="95000"/>
+            </a:schemeClr>
+          </a:solidFill>
+        </p:grpSpPr>
         <p:sp>
           <p:nvSpPr>
             <p:cNvPr id="9" name="Rectangle 8">
@@ -22979,6 +25716,7 @@
             <a:prstGeom prst="rect">
               <a:avLst/>
             </a:prstGeom>
+            <a:grpFill/>
           </p:spPr>
           <p:style>
             <a:lnRef idx="1">
@@ -23015,6 +25753,60 @@
             </a:p>
           </p:txBody>
         </p:sp>
+        <p:sp>
+          <p:nvSpPr>
+            <p:cNvPr id="10" name="Rectangle 9">
+              <a:extLst>
+                <a:ext uri="{FF2B5EF4-FFF2-40B4-BE49-F238E27FC236}">
+                  <a16:creationId xmlns:a16="http://schemas.microsoft.com/office/drawing/2014/main" id="{06AA83AA-E066-ABF0-626E-4AF185EBD422}"/>
+                </a:ext>
+              </a:extLst>
+            </p:cNvPr>
+            <p:cNvSpPr/>
+            <p:nvPr/>
+          </p:nvSpPr>
+          <p:spPr>
+            <a:xfrm>
+              <a:off x="8448589" y="1711411"/>
+              <a:ext cx="2756930" cy="383057"/>
+            </a:xfrm>
+            <a:prstGeom prst="rect">
+              <a:avLst/>
+            </a:prstGeom>
+            <a:solidFill>
+              <a:schemeClr val="accent4">
+                <a:lumMod val="40000"/>
+                <a:lumOff val="60000"/>
+              </a:schemeClr>
+            </a:solidFill>
+            <a:ln/>
+          </p:spPr>
+          <p:style>
+            <a:lnRef idx="1">
+              <a:schemeClr val="accent4"/>
+            </a:lnRef>
+            <a:fillRef idx="2">
+              <a:schemeClr val="accent4"/>
+            </a:fillRef>
+            <a:effectRef idx="1">
+              <a:schemeClr val="accent4"/>
+            </a:effectRef>
+            <a:fontRef idx="minor">
+              <a:schemeClr val="dk1"/>
+            </a:fontRef>
+          </p:style>
+          <p:txBody>
+            <a:bodyPr rtlCol="0" anchor="t"/>
+            <a:lstStyle/>
+            <a:p>
+              <a:pPr algn="ctr"/>
+              <a:r>
+                <a:rPr lang="nl-NL" dirty="0"/>
+                <a:t>Statistiek</a:t>
+              </a:r>
+            </a:p>
+          </p:txBody>
+        </p:sp>
       </p:grpSp>
       <p:cxnSp>
         <p:nvCxnSpPr>
@@ -23219,6 +26011,966 @@
 </file>
 
 <file path=ppt/slides/slide40.xml><?xml version="1.0" encoding="utf-8"?>
+<p:sld xmlns:a="http://schemas.openxmlformats.org/drawingml/2006/main" xmlns:r="http://schemas.openxmlformats.org/officeDocument/2006/relationships" xmlns:p="http://schemas.openxmlformats.org/presentationml/2006/main">
+  <p:cSld>
+    <p:spTree>
+      <p:nvGrpSpPr>
+        <p:cNvPr id="1" name=""/>
+        <p:cNvGrpSpPr/>
+        <p:nvPr/>
+      </p:nvGrpSpPr>
+      <p:grpSpPr>
+        <a:xfrm>
+          <a:off x="0" y="0"/>
+          <a:ext cx="0" cy="0"/>
+          <a:chOff x="0" y="0"/>
+          <a:chExt cx="0" cy="0"/>
+        </a:xfrm>
+      </p:grpSpPr>
+      <p:sp>
+        <p:nvSpPr>
+          <p:cNvPr id="2" name="Title 1">
+            <a:extLst>
+              <a:ext uri="{FF2B5EF4-FFF2-40B4-BE49-F238E27FC236}">
+                <a16:creationId xmlns:a16="http://schemas.microsoft.com/office/drawing/2014/main" id="{39A1D606-8DD1-369C-5C09-471CDD551AD5}"/>
+              </a:ext>
+            </a:extLst>
+          </p:cNvPr>
+          <p:cNvSpPr>
+            <a:spLocks noGrp="1"/>
+          </p:cNvSpPr>
+          <p:nvPr>
+            <p:ph type="title"/>
+          </p:nvPr>
+        </p:nvSpPr>
+        <p:spPr>
+          <a:xfrm>
+            <a:off x="838200" y="365126"/>
+            <a:ext cx="10515600" cy="718608"/>
+          </a:xfrm>
+        </p:spPr>
+        <p:txBody>
+          <a:bodyPr>
+            <a:normAutofit/>
+          </a:bodyPr>
+          <a:lstStyle/>
+          <a:p>
+            <a:r>
+              <a:rPr lang="nl-NL" sz="3600" noProof="0" dirty="0"/>
+              <a:t>Oefeningen IV</a:t>
+            </a:r>
+          </a:p>
+        </p:txBody>
+      </p:sp>
+      <p:sp>
+        <p:nvSpPr>
+          <p:cNvPr id="3" name="Content Placeholder 2">
+            <a:extLst>
+              <a:ext uri="{FF2B5EF4-FFF2-40B4-BE49-F238E27FC236}">
+                <a16:creationId xmlns:a16="http://schemas.microsoft.com/office/drawing/2014/main" id="{F4C2D286-E049-0AAB-1360-B7157E11AD7E}"/>
+              </a:ext>
+            </a:extLst>
+          </p:cNvPr>
+          <p:cNvSpPr>
+            <a:spLocks noGrp="1"/>
+          </p:cNvSpPr>
+          <p:nvPr>
+            <p:ph idx="1"/>
+          </p:nvPr>
+        </p:nvSpPr>
+        <p:spPr>
+          <a:xfrm>
+            <a:off x="838200" y="1456267"/>
+            <a:ext cx="10375900" cy="4720696"/>
+          </a:xfrm>
+        </p:spPr>
+        <p:txBody>
+          <a:bodyPr>
+            <a:normAutofit/>
+          </a:bodyPr>
+          <a:lstStyle/>
+          <a:p>
+            <a:pPr marL="457200" indent="-457200">
+              <a:buFont typeface="Arial" panose="020B0604020202020204" pitchFamily="34" charset="0"/>
+              <a:buAutoNum type="arabicPeriod"/>
+            </a:pPr>
+            <a:r>
+              <a:rPr lang="nl-NL" sz="2000" dirty="0"/>
+              <a:t>Open Notebook: </a:t>
+            </a:r>
+            <a:r>
+              <a:rPr lang="nl-NL" sz="2000" dirty="0" err="1">
+                <a:latin typeface="Courier New" panose="02070309020205020404" pitchFamily="49" charset="0"/>
+                <a:cs typeface="Courier New" panose="02070309020205020404" pitchFamily="49" charset="0"/>
+              </a:rPr>
+              <a:t>exercises</a:t>
+            </a:r>
+            <a:r>
+              <a:rPr lang="nl-NL" sz="2000" dirty="0">
+                <a:latin typeface="Courier New" panose="02070309020205020404" pitchFamily="49" charset="0"/>
+                <a:cs typeface="Courier New" panose="02070309020205020404" pitchFamily="49" charset="0"/>
+              </a:rPr>
+              <a:t>/4_validation.ipynb</a:t>
+            </a:r>
+          </a:p>
+          <a:p>
+            <a:pPr marL="457200" lvl="1" indent="0">
+              <a:buNone/>
+            </a:pPr>
+            <a:endParaRPr lang="nl-NL" sz="1600" noProof="0" dirty="0"/>
+          </a:p>
+          <a:p>
+            <a:pPr marL="457200" indent="-457200">
+              <a:buFont typeface="+mj-lt"/>
+              <a:buAutoNum type="arabicPeriod"/>
+            </a:pPr>
+            <a:r>
+              <a:rPr lang="nl-NL" sz="2000" dirty="0"/>
+              <a:t>Maak een </a:t>
+            </a:r>
+            <a:r>
+              <a:rPr lang="nl-NL" sz="2000" dirty="0" err="1">
+                <a:latin typeface="Courier New" panose="02070309020205020404" pitchFamily="49" charset="0"/>
+                <a:cs typeface="Courier New" panose="02070309020205020404" pitchFamily="49" charset="0"/>
+              </a:rPr>
+              <a:t>DummyClassifier</a:t>
+            </a:r>
+            <a:r>
+              <a:rPr lang="nl-NL" sz="2000" dirty="0"/>
+              <a:t> en </a:t>
+            </a:r>
+            <a:r>
+              <a:rPr lang="nl-NL" sz="2000" dirty="0" err="1">
+                <a:latin typeface="Courier New" panose="02070309020205020404" pitchFamily="49" charset="0"/>
+                <a:cs typeface="Courier New" panose="02070309020205020404" pitchFamily="49" charset="0"/>
+              </a:rPr>
+              <a:t>RandomForestClassifier</a:t>
+            </a:r>
+            <a:r>
+              <a:rPr lang="nl-NL" sz="2000" dirty="0"/>
+              <a:t>.</a:t>
+            </a:r>
+          </a:p>
+          <a:p>
+            <a:pPr lvl="1"/>
+            <a:r>
+              <a:rPr lang="nl-NL" sz="1600" noProof="0" dirty="0"/>
+              <a:t>Bundel de data preparatie en het model met een Pipeline.</a:t>
+            </a:r>
+          </a:p>
+          <a:p>
+            <a:pPr lvl="1"/>
+            <a:r>
+              <a:rPr lang="nl-NL" sz="1600" noProof="0" dirty="0"/>
+              <a:t>Gebruik </a:t>
+            </a:r>
+            <a:r>
+              <a:rPr lang="nl-NL" sz="1600" noProof="0" dirty="0" err="1">
+                <a:latin typeface="Courier New" panose="02070309020205020404" pitchFamily="49" charset="0"/>
+                <a:cs typeface="Courier New" panose="02070309020205020404" pitchFamily="49" charset="0"/>
+              </a:rPr>
+              <a:t>stratified</a:t>
+            </a:r>
+            <a:r>
+              <a:rPr lang="nl-NL" sz="1600" noProof="0" dirty="0"/>
+              <a:t> als strategie voor het dummy model.</a:t>
+            </a:r>
+          </a:p>
+          <a:p>
+            <a:pPr marL="457200" indent="-457200">
+              <a:buFont typeface="+mj-lt"/>
+              <a:buAutoNum type="arabicPeriod"/>
+            </a:pPr>
+            <a:endParaRPr lang="nl-NL" sz="2000" noProof="0" dirty="0"/>
+          </a:p>
+          <a:p>
+            <a:pPr marL="457200" indent="-457200">
+              <a:buFont typeface="+mj-lt"/>
+              <a:buAutoNum type="arabicPeriod"/>
+            </a:pPr>
+            <a:r>
+              <a:rPr lang="nl-NL" sz="2000" dirty="0"/>
+              <a:t>Splits de data met </a:t>
+            </a:r>
+            <a:r>
+              <a:rPr lang="nl-NL" sz="2000" dirty="0" err="1">
+                <a:latin typeface="Courier New" panose="02070309020205020404" pitchFamily="49" charset="0"/>
+                <a:cs typeface="Courier New" panose="02070309020205020404" pitchFamily="49" charset="0"/>
+              </a:rPr>
+              <a:t>train_test_split</a:t>
+            </a:r>
+            <a:r>
+              <a:rPr lang="nl-NL" sz="2000" dirty="0">
+                <a:latin typeface="Courier New" panose="02070309020205020404" pitchFamily="49" charset="0"/>
+                <a:cs typeface="Courier New" panose="02070309020205020404" pitchFamily="49" charset="0"/>
+              </a:rPr>
+              <a:t>()</a:t>
+            </a:r>
+            <a:r>
+              <a:rPr lang="nl-NL" sz="2000" dirty="0"/>
+              <a:t>.</a:t>
+            </a:r>
+          </a:p>
+          <a:p>
+            <a:pPr lvl="1"/>
+            <a:r>
+              <a:rPr lang="nl-NL" sz="1600" noProof="0" dirty="0"/>
+              <a:t>Gebruik 70% van de data om te trainen en 30% om te testen.</a:t>
+            </a:r>
+          </a:p>
+          <a:p>
+            <a:pPr lvl="1"/>
+            <a:r>
+              <a:rPr lang="nl-NL" sz="1600" noProof="0" dirty="0"/>
+              <a:t>Welk model doet het beter op de train set? En op de test set?</a:t>
+            </a:r>
+          </a:p>
+          <a:p>
+            <a:pPr lvl="1"/>
+            <a:r>
+              <a:rPr lang="nl-NL" sz="1600" dirty="0"/>
+              <a:t>Is de </a:t>
+            </a:r>
+            <a:r>
+              <a:rPr lang="nl-NL" sz="1600" dirty="0" err="1">
+                <a:latin typeface="Courier New" panose="02070309020205020404" pitchFamily="49" charset="0"/>
+                <a:cs typeface="Courier New" panose="02070309020205020404" pitchFamily="49" charset="0"/>
+              </a:rPr>
+              <a:t>DummyClassifier</a:t>
+            </a:r>
+            <a:r>
+              <a:rPr lang="nl-NL" sz="1600" dirty="0"/>
+              <a:t> accurater dan altijd "No" voorspellen? </a:t>
+            </a:r>
+            <a:r>
+              <a:rPr lang="nl-NL" sz="1600"/>
+              <a:t>Waarom?</a:t>
+            </a:r>
+            <a:endParaRPr lang="nl-NL" sz="1600" noProof="0" dirty="0"/>
+          </a:p>
+          <a:p>
+            <a:pPr marL="457200" lvl="1" indent="0">
+              <a:buNone/>
+            </a:pPr>
+            <a:endParaRPr lang="nl-NL" sz="1600" noProof="0" dirty="0"/>
+          </a:p>
+          <a:p>
+            <a:pPr marL="457200" indent="-457200">
+              <a:buFont typeface="+mj-lt"/>
+              <a:buAutoNum type="arabicPeriod"/>
+            </a:pPr>
+            <a:r>
+              <a:rPr lang="nl-NL" sz="2000" noProof="0" dirty="0"/>
+              <a:t>Gebruik </a:t>
+            </a:r>
+            <a:r>
+              <a:rPr lang="nl-NL" sz="2000" noProof="0" dirty="0" err="1">
+                <a:latin typeface="Courier New" panose="02070309020205020404" pitchFamily="49" charset="0"/>
+                <a:cs typeface="Courier New" panose="02070309020205020404" pitchFamily="49" charset="0"/>
+              </a:rPr>
+              <a:t>KFold</a:t>
+            </a:r>
+            <a:r>
+              <a:rPr lang="nl-NL" sz="2000" noProof="0" dirty="0"/>
+              <a:t> om de data 5 keer op te splitsen.</a:t>
+            </a:r>
+          </a:p>
+          <a:p>
+            <a:pPr lvl="1"/>
+            <a:r>
+              <a:rPr lang="nl-NL" sz="1600" dirty="0"/>
+              <a:t>Zijn de prestaties van </a:t>
+            </a:r>
+            <a:r>
+              <a:rPr lang="nl-NL" sz="1600" dirty="0" err="1">
+                <a:latin typeface="Courier New" panose="02070309020205020404" pitchFamily="49" charset="0"/>
+                <a:cs typeface="Courier New" panose="02070309020205020404" pitchFamily="49" charset="0"/>
+              </a:rPr>
+              <a:t>RandomForestClassifier</a:t>
+            </a:r>
+            <a:r>
+              <a:rPr lang="nl-NL" sz="1600" dirty="0"/>
+              <a:t> consistent over de splits?</a:t>
+            </a:r>
+          </a:p>
+          <a:p>
+            <a:pPr lvl="1"/>
+            <a:r>
+              <a:rPr lang="nl-NL" sz="1600" noProof="0" dirty="0"/>
+              <a:t>Wat zou er aan de hand kunnen zijn?</a:t>
+            </a:r>
+          </a:p>
+          <a:p>
+            <a:pPr lvl="1"/>
+            <a:endParaRPr lang="nl-NL" sz="1600" noProof="0" dirty="0"/>
+          </a:p>
+        </p:txBody>
+      </p:sp>
+    </p:spTree>
+    <p:extLst>
+      <p:ext uri="{BB962C8B-B14F-4D97-AF65-F5344CB8AC3E}">
+        <p14:creationId xmlns:p14="http://schemas.microsoft.com/office/powerpoint/2010/main" val="2660283998"/>
+      </p:ext>
+    </p:extLst>
+  </p:cSld>
+  <p:clrMapOvr>
+    <a:masterClrMapping/>
+  </p:clrMapOvr>
+</p:sld>
+</file>
+
+<file path=ppt/slides/slide41.xml><?xml version="1.0" encoding="utf-8"?>
+<p:sld xmlns:a="http://schemas.openxmlformats.org/drawingml/2006/main" xmlns:r="http://schemas.openxmlformats.org/officeDocument/2006/relationships" xmlns:p="http://schemas.openxmlformats.org/presentationml/2006/main">
+  <p:cSld>
+    <p:spTree>
+      <p:nvGrpSpPr>
+        <p:cNvPr id="1" name=""/>
+        <p:cNvGrpSpPr/>
+        <p:nvPr/>
+      </p:nvGrpSpPr>
+      <p:grpSpPr>
+        <a:xfrm>
+          <a:off x="0" y="0"/>
+          <a:ext cx="0" cy="0"/>
+          <a:chOff x="0" y="0"/>
+          <a:chExt cx="0" cy="0"/>
+        </a:xfrm>
+      </p:grpSpPr>
+      <p:sp>
+        <p:nvSpPr>
+          <p:cNvPr id="4" name="Title 3">
+            <a:extLst>
+              <a:ext uri="{FF2B5EF4-FFF2-40B4-BE49-F238E27FC236}">
+                <a16:creationId xmlns:a16="http://schemas.microsoft.com/office/drawing/2014/main" id="{72C925CA-BCA3-3701-E08E-95652380B32E}"/>
+              </a:ext>
+            </a:extLst>
+          </p:cNvPr>
+          <p:cNvSpPr>
+            <a:spLocks noGrp="1"/>
+          </p:cNvSpPr>
+          <p:nvPr>
+            <p:ph type="title"/>
+          </p:nvPr>
+        </p:nvSpPr>
+        <p:spPr/>
+        <p:txBody>
+          <a:bodyPr/>
+          <a:lstStyle/>
+          <a:p>
+            <a:r>
+              <a:rPr lang="nl-NL" noProof="0" dirty="0"/>
+              <a:t>Modellen in productie</a:t>
+            </a:r>
+          </a:p>
+        </p:txBody>
+      </p:sp>
+      <p:sp>
+        <p:nvSpPr>
+          <p:cNvPr id="5" name="Text Placeholder 4">
+            <a:extLst>
+              <a:ext uri="{FF2B5EF4-FFF2-40B4-BE49-F238E27FC236}">
+                <a16:creationId xmlns:a16="http://schemas.microsoft.com/office/drawing/2014/main" id="{1AB31C95-91AF-DF13-FB58-0DA5F2D9F6F7}"/>
+              </a:ext>
+            </a:extLst>
+          </p:cNvPr>
+          <p:cNvSpPr>
+            <a:spLocks noGrp="1"/>
+          </p:cNvSpPr>
+          <p:nvPr>
+            <p:ph type="body" idx="1"/>
+          </p:nvPr>
+        </p:nvSpPr>
+        <p:spPr/>
+        <p:txBody>
+          <a:bodyPr/>
+          <a:lstStyle/>
+          <a:p>
+            <a:endParaRPr lang="en-NL"/>
+          </a:p>
+        </p:txBody>
+      </p:sp>
+    </p:spTree>
+    <p:extLst>
+      <p:ext uri="{BB962C8B-B14F-4D97-AF65-F5344CB8AC3E}">
+        <p14:creationId xmlns:p14="http://schemas.microsoft.com/office/powerpoint/2010/main" val="140133291"/>
+      </p:ext>
+    </p:extLst>
+  </p:cSld>
+  <p:clrMapOvr>
+    <a:masterClrMapping/>
+  </p:clrMapOvr>
+</p:sld>
+</file>
+
+<file path=ppt/slides/slide42.xml><?xml version="1.0" encoding="utf-8"?>
+<p:sld xmlns:a="http://schemas.openxmlformats.org/drawingml/2006/main" xmlns:r="http://schemas.openxmlformats.org/officeDocument/2006/relationships" xmlns:p="http://schemas.openxmlformats.org/presentationml/2006/main">
+  <p:cSld>
+    <p:spTree>
+      <p:nvGrpSpPr>
+        <p:cNvPr id="1" name=""/>
+        <p:cNvGrpSpPr/>
+        <p:nvPr/>
+      </p:nvGrpSpPr>
+      <p:grpSpPr>
+        <a:xfrm>
+          <a:off x="0" y="0"/>
+          <a:ext cx="0" cy="0"/>
+          <a:chOff x="0" y="0"/>
+          <a:chExt cx="0" cy="0"/>
+        </a:xfrm>
+      </p:grpSpPr>
+      <p:sp>
+        <p:nvSpPr>
+          <p:cNvPr id="2" name="Title 1">
+            <a:extLst>
+              <a:ext uri="{FF2B5EF4-FFF2-40B4-BE49-F238E27FC236}">
+                <a16:creationId xmlns:a16="http://schemas.microsoft.com/office/drawing/2014/main" id="{39A1D606-8DD1-369C-5C09-471CDD551AD5}"/>
+              </a:ext>
+            </a:extLst>
+          </p:cNvPr>
+          <p:cNvSpPr>
+            <a:spLocks noGrp="1"/>
+          </p:cNvSpPr>
+          <p:nvPr>
+            <p:ph type="title"/>
+          </p:nvPr>
+        </p:nvSpPr>
+        <p:spPr>
+          <a:xfrm>
+            <a:off x="838200" y="365126"/>
+            <a:ext cx="10515600" cy="718608"/>
+          </a:xfrm>
+        </p:spPr>
+        <p:txBody>
+          <a:bodyPr>
+            <a:normAutofit/>
+          </a:bodyPr>
+          <a:lstStyle/>
+          <a:p>
+            <a:r>
+              <a:rPr lang="nl-NL" sz="3600" dirty="0"/>
+              <a:t>Naar productie!</a:t>
+            </a:r>
+            <a:endParaRPr lang="nl-NL" sz="3600" noProof="0" dirty="0"/>
+          </a:p>
+        </p:txBody>
+      </p:sp>
+      <p:sp>
+        <p:nvSpPr>
+          <p:cNvPr id="3" name="Rectangle 2">
+            <a:extLst>
+              <a:ext uri="{FF2B5EF4-FFF2-40B4-BE49-F238E27FC236}">
+                <a16:creationId xmlns:a16="http://schemas.microsoft.com/office/drawing/2014/main" id="{CC9A2C42-5C7C-8DA1-D81E-2E20B336CB22}"/>
+              </a:ext>
+            </a:extLst>
+          </p:cNvPr>
+          <p:cNvSpPr/>
+          <p:nvPr/>
+        </p:nvSpPr>
+        <p:spPr>
+          <a:xfrm>
+            <a:off x="838200" y="1972101"/>
+            <a:ext cx="2834640" cy="3749674"/>
+          </a:xfrm>
+          <a:prstGeom prst="rect">
+            <a:avLst/>
+          </a:prstGeom>
+        </p:spPr>
+        <p:style>
+          <a:lnRef idx="1">
+            <a:schemeClr val="accent6"/>
+          </a:lnRef>
+          <a:fillRef idx="2">
+            <a:schemeClr val="accent6"/>
+          </a:fillRef>
+          <a:effectRef idx="1">
+            <a:schemeClr val="accent6"/>
+          </a:effectRef>
+          <a:fontRef idx="minor">
+            <a:schemeClr val="dk1"/>
+          </a:fontRef>
+        </p:style>
+        <p:txBody>
+          <a:bodyPr lIns="180000" tIns="180000" rIns="180000" bIns="180000" rtlCol="0" anchor="t"/>
+          <a:lstStyle/>
+          <a:p>
+            <a:pPr algn="ctr"/>
+            <a:r>
+              <a:rPr lang="nl-NL" b="1" dirty="0"/>
+              <a:t>Validatie / Selectie</a:t>
+            </a:r>
+          </a:p>
+          <a:p>
+            <a:pPr algn="ctr"/>
+            <a:endParaRPr lang="nl-NL" b="1" dirty="0"/>
+          </a:p>
+          <a:p>
+            <a:r>
+              <a:rPr lang="nl-NL" dirty="0"/>
+              <a:t>Optimaliseer </a:t>
+            </a:r>
+            <a:r>
+              <a:rPr lang="nl-NL" u="sng" dirty="0"/>
+              <a:t>specificatie</a:t>
+            </a:r>
+            <a:r>
+              <a:rPr lang="nl-NL" dirty="0"/>
+              <a:t> van je model:</a:t>
+            </a:r>
+          </a:p>
+          <a:p>
+            <a:pPr marL="285750" indent="-285750">
+              <a:buFontTx/>
+              <a:buChar char="-"/>
+            </a:pPr>
+            <a:endParaRPr lang="nl-NL" dirty="0"/>
+          </a:p>
+          <a:p>
+            <a:pPr marL="285750" indent="-285750">
+              <a:buFontTx/>
+              <a:buChar char="-"/>
+            </a:pPr>
+            <a:r>
+              <a:rPr lang="nl-NL" dirty="0"/>
+              <a:t>data preparatie</a:t>
+            </a:r>
+          </a:p>
+          <a:p>
+            <a:pPr marL="285750" indent="-285750">
+              <a:buFontTx/>
+              <a:buChar char="-"/>
+            </a:pPr>
+            <a:r>
+              <a:rPr lang="nl-NL" dirty="0"/>
+              <a:t>features</a:t>
+            </a:r>
+          </a:p>
+          <a:p>
+            <a:pPr marL="285750" indent="-285750">
+              <a:buFontTx/>
+              <a:buChar char="-"/>
+            </a:pPr>
+            <a:r>
+              <a:rPr lang="nl-NL" dirty="0"/>
+              <a:t>algoritme</a:t>
+            </a:r>
+          </a:p>
+          <a:p>
+            <a:pPr marL="285750" indent="-285750">
+              <a:buFontTx/>
+              <a:buChar char="-"/>
+            </a:pPr>
+            <a:r>
+              <a:rPr lang="nl-NL" dirty="0"/>
+              <a:t>instellingen</a:t>
+            </a:r>
+          </a:p>
+          <a:p>
+            <a:pPr marL="285750" indent="-285750">
+              <a:buFontTx/>
+              <a:buChar char="-"/>
+            </a:pPr>
+            <a:endParaRPr lang="nl-NL" dirty="0"/>
+          </a:p>
+          <a:p>
+            <a:pPr algn="ctr"/>
+            <a:endParaRPr lang="nl-NL" dirty="0"/>
+          </a:p>
+        </p:txBody>
+      </p:sp>
+      <p:sp>
+        <p:nvSpPr>
+          <p:cNvPr id="4" name="Rectangle 3">
+            <a:extLst>
+              <a:ext uri="{FF2B5EF4-FFF2-40B4-BE49-F238E27FC236}">
+                <a16:creationId xmlns:a16="http://schemas.microsoft.com/office/drawing/2014/main" id="{2AC933C2-3D5A-0ACA-5AFE-5351303887C6}"/>
+              </a:ext>
+            </a:extLst>
+          </p:cNvPr>
+          <p:cNvSpPr/>
+          <p:nvPr/>
+        </p:nvSpPr>
+        <p:spPr>
+          <a:xfrm>
+            <a:off x="4678680" y="1972100"/>
+            <a:ext cx="2834640" cy="3749674"/>
+          </a:xfrm>
+          <a:prstGeom prst="rect">
+            <a:avLst/>
+          </a:prstGeom>
+        </p:spPr>
+        <p:style>
+          <a:lnRef idx="1">
+            <a:schemeClr val="accent5"/>
+          </a:lnRef>
+          <a:fillRef idx="2">
+            <a:schemeClr val="accent5"/>
+          </a:fillRef>
+          <a:effectRef idx="1">
+            <a:schemeClr val="accent5"/>
+          </a:effectRef>
+          <a:fontRef idx="minor">
+            <a:schemeClr val="dk1"/>
+          </a:fontRef>
+        </p:style>
+        <p:txBody>
+          <a:bodyPr lIns="180000" tIns="180000" rIns="180000" bIns="180000" rtlCol="0" anchor="t"/>
+          <a:lstStyle/>
+          <a:p>
+            <a:pPr algn="ctr"/>
+            <a:r>
+              <a:rPr lang="nl-NL" b="1" dirty="0"/>
+              <a:t>Finale training</a:t>
+            </a:r>
+          </a:p>
+          <a:p>
+            <a:pPr algn="ctr"/>
+            <a:endParaRPr lang="nl-NL" b="1" dirty="0"/>
+          </a:p>
+          <a:p>
+            <a:r>
+              <a:rPr lang="nl-NL" dirty="0"/>
+              <a:t>Optimaliseer </a:t>
+            </a:r>
+            <a:r>
+              <a:rPr lang="nl-NL" u="sng" dirty="0"/>
+              <a:t>gewichten</a:t>
+            </a:r>
+            <a:r>
+              <a:rPr lang="nl-NL" dirty="0"/>
+              <a:t> van je model.</a:t>
+            </a:r>
+          </a:p>
+          <a:p>
+            <a:endParaRPr lang="nl-NL" dirty="0"/>
+          </a:p>
+          <a:p>
+            <a:r>
+              <a:rPr lang="nl-NL" dirty="0"/>
+              <a:t>Train je model op </a:t>
+            </a:r>
+            <a:r>
+              <a:rPr lang="nl-NL" u="sng" dirty="0"/>
+              <a:t>alle beschikbare data</a:t>
+            </a:r>
+            <a:r>
+              <a:rPr lang="nl-NL" dirty="0"/>
+              <a:t> om zoveel </a:t>
+            </a:r>
+            <a:r>
+              <a:rPr lang="nl-NL"/>
+              <a:t>mogelijk informatie </a:t>
+            </a:r>
+            <a:r>
+              <a:rPr lang="nl-NL" dirty="0"/>
+              <a:t>te vangen.</a:t>
+            </a:r>
+          </a:p>
+        </p:txBody>
+      </p:sp>
+      <p:sp>
+        <p:nvSpPr>
+          <p:cNvPr id="5" name="Rectangle 4">
+            <a:extLst>
+              <a:ext uri="{FF2B5EF4-FFF2-40B4-BE49-F238E27FC236}">
+                <a16:creationId xmlns:a16="http://schemas.microsoft.com/office/drawing/2014/main" id="{789364A3-4528-7390-21E7-3B1FEFCDC7BA}"/>
+              </a:ext>
+            </a:extLst>
+          </p:cNvPr>
+          <p:cNvSpPr/>
+          <p:nvPr/>
+        </p:nvSpPr>
+        <p:spPr>
+          <a:xfrm>
+            <a:off x="8519160" y="1972100"/>
+            <a:ext cx="2834640" cy="3749674"/>
+          </a:xfrm>
+          <a:prstGeom prst="rect">
+            <a:avLst/>
+          </a:prstGeom>
+        </p:spPr>
+        <p:style>
+          <a:lnRef idx="1">
+            <a:schemeClr val="accent4"/>
+          </a:lnRef>
+          <a:fillRef idx="2">
+            <a:schemeClr val="accent4"/>
+          </a:fillRef>
+          <a:effectRef idx="1">
+            <a:schemeClr val="accent4"/>
+          </a:effectRef>
+          <a:fontRef idx="minor">
+            <a:schemeClr val="dk1"/>
+          </a:fontRef>
+        </p:style>
+        <p:txBody>
+          <a:bodyPr lIns="180000" tIns="180000" rIns="180000" bIns="180000" rtlCol="0" anchor="t"/>
+          <a:lstStyle/>
+          <a:p>
+            <a:pPr algn="ctr"/>
+            <a:r>
+              <a:rPr lang="nl-NL" b="1" dirty="0"/>
+              <a:t>Uitrol</a:t>
+            </a:r>
+          </a:p>
+          <a:p>
+            <a:pPr algn="ctr"/>
+            <a:endParaRPr lang="nl-NL" b="1" dirty="0"/>
+          </a:p>
+          <a:p>
+            <a:r>
+              <a:rPr lang="nl-NL" dirty="0"/>
+              <a:t>Gebruik het finale model in het bedrijfsproces.</a:t>
+            </a:r>
+          </a:p>
+          <a:p>
+            <a:endParaRPr lang="nl-NL" dirty="0"/>
+          </a:p>
+          <a:p>
+            <a:r>
+              <a:rPr lang="nl-NL" dirty="0"/>
+              <a:t>Uitdagingen qua:</a:t>
+            </a:r>
+          </a:p>
+          <a:p>
+            <a:pPr marL="285750" indent="-285750">
+              <a:buFontTx/>
+              <a:buChar char="-"/>
+            </a:pPr>
+            <a:r>
+              <a:rPr lang="nl-NL" dirty="0"/>
+              <a:t>Techniek</a:t>
+            </a:r>
+          </a:p>
+          <a:p>
+            <a:pPr marL="285750" indent="-285750">
+              <a:buFontTx/>
+              <a:buChar char="-"/>
+            </a:pPr>
+            <a:r>
+              <a:rPr lang="nl-NL" dirty="0"/>
+              <a:t>Gebruik</a:t>
+            </a:r>
+          </a:p>
+          <a:p>
+            <a:pPr marL="285750" indent="-285750">
+              <a:buFontTx/>
+              <a:buChar char="-"/>
+            </a:pPr>
+            <a:r>
+              <a:rPr lang="nl-NL" dirty="0"/>
+              <a:t>Duurzaamheid</a:t>
+            </a:r>
+          </a:p>
+        </p:txBody>
+      </p:sp>
+      <p:sp>
+        <p:nvSpPr>
+          <p:cNvPr id="10" name="Arrow: Right 9">
+            <a:extLst>
+              <a:ext uri="{FF2B5EF4-FFF2-40B4-BE49-F238E27FC236}">
+                <a16:creationId xmlns:a16="http://schemas.microsoft.com/office/drawing/2014/main" id="{4A21C4F3-49E6-41AF-A714-DA2393DC82DA}"/>
+              </a:ext>
+            </a:extLst>
+          </p:cNvPr>
+          <p:cNvSpPr/>
+          <p:nvPr/>
+        </p:nvSpPr>
+        <p:spPr>
+          <a:xfrm>
+            <a:off x="3921880" y="3616657"/>
+            <a:ext cx="506364" cy="462712"/>
+          </a:xfrm>
+          <a:prstGeom prst="rightArrow">
+            <a:avLst/>
+          </a:prstGeom>
+        </p:spPr>
+        <p:style>
+          <a:lnRef idx="1">
+            <a:schemeClr val="accent6"/>
+          </a:lnRef>
+          <a:fillRef idx="2">
+            <a:schemeClr val="accent6"/>
+          </a:fillRef>
+          <a:effectRef idx="1">
+            <a:schemeClr val="accent6"/>
+          </a:effectRef>
+          <a:fontRef idx="minor">
+            <a:schemeClr val="dk1"/>
+          </a:fontRef>
+        </p:style>
+        <p:txBody>
+          <a:bodyPr rtlCol="0" anchor="ctr"/>
+          <a:lstStyle/>
+          <a:p>
+            <a:pPr algn="ctr"/>
+            <a:endParaRPr lang="en-NL"/>
+          </a:p>
+        </p:txBody>
+      </p:sp>
+      <p:sp>
+        <p:nvSpPr>
+          <p:cNvPr id="12" name="Arrow: Right 11">
+            <a:extLst>
+              <a:ext uri="{FF2B5EF4-FFF2-40B4-BE49-F238E27FC236}">
+                <a16:creationId xmlns:a16="http://schemas.microsoft.com/office/drawing/2014/main" id="{8DAE0CBB-182F-60CC-5E30-302DBE0D772C}"/>
+              </a:ext>
+            </a:extLst>
+          </p:cNvPr>
+          <p:cNvSpPr/>
+          <p:nvPr/>
+        </p:nvSpPr>
+        <p:spPr>
+          <a:xfrm>
+            <a:off x="7763058" y="3616657"/>
+            <a:ext cx="506364" cy="462712"/>
+          </a:xfrm>
+          <a:prstGeom prst="rightArrow">
+            <a:avLst/>
+          </a:prstGeom>
+        </p:spPr>
+        <p:style>
+          <a:lnRef idx="1">
+            <a:schemeClr val="accent5"/>
+          </a:lnRef>
+          <a:fillRef idx="2">
+            <a:schemeClr val="accent5"/>
+          </a:fillRef>
+          <a:effectRef idx="1">
+            <a:schemeClr val="accent5"/>
+          </a:effectRef>
+          <a:fontRef idx="minor">
+            <a:schemeClr val="dk1"/>
+          </a:fontRef>
+        </p:style>
+        <p:txBody>
+          <a:bodyPr rtlCol="0" anchor="ctr"/>
+          <a:lstStyle/>
+          <a:p>
+            <a:pPr algn="ctr"/>
+            <a:endParaRPr lang="en-NL"/>
+          </a:p>
+        </p:txBody>
+      </p:sp>
+    </p:spTree>
+    <p:extLst>
+      <p:ext uri="{BB962C8B-B14F-4D97-AF65-F5344CB8AC3E}">
+        <p14:creationId xmlns:p14="http://schemas.microsoft.com/office/powerpoint/2010/main" val="1524292868"/>
+      </p:ext>
+    </p:extLst>
+  </p:cSld>
+  <p:clrMapOvr>
+    <a:masterClrMapping/>
+  </p:clrMapOvr>
+</p:sld>
+</file>
+
+<file path=ppt/slides/slide43.xml><?xml version="1.0" encoding="utf-8"?>
+<p:sld xmlns:a="http://schemas.openxmlformats.org/drawingml/2006/main" xmlns:r="http://schemas.openxmlformats.org/officeDocument/2006/relationships" xmlns:p="http://schemas.openxmlformats.org/presentationml/2006/main">
+  <p:cSld>
+    <p:spTree>
+      <p:nvGrpSpPr>
+        <p:cNvPr id="1" name=""/>
+        <p:cNvGrpSpPr/>
+        <p:nvPr/>
+      </p:nvGrpSpPr>
+      <p:grpSpPr>
+        <a:xfrm>
+          <a:off x="0" y="0"/>
+          <a:ext cx="0" cy="0"/>
+          <a:chOff x="0" y="0"/>
+          <a:chExt cx="0" cy="0"/>
+        </a:xfrm>
+      </p:grpSpPr>
+      <p:sp>
+        <p:nvSpPr>
+          <p:cNvPr id="2" name="Title 1">
+            <a:extLst>
+              <a:ext uri="{FF2B5EF4-FFF2-40B4-BE49-F238E27FC236}">
+                <a16:creationId xmlns:a16="http://schemas.microsoft.com/office/drawing/2014/main" id="{39A1D606-8DD1-369C-5C09-471CDD551AD5}"/>
+              </a:ext>
+            </a:extLst>
+          </p:cNvPr>
+          <p:cNvSpPr>
+            <a:spLocks noGrp="1"/>
+          </p:cNvSpPr>
+          <p:nvPr>
+            <p:ph type="title"/>
+          </p:nvPr>
+        </p:nvSpPr>
+        <p:spPr>
+          <a:xfrm>
+            <a:off x="838200" y="365126"/>
+            <a:ext cx="10515600" cy="718608"/>
+          </a:xfrm>
+        </p:spPr>
+        <p:txBody>
+          <a:bodyPr>
+            <a:normAutofit/>
+          </a:bodyPr>
+          <a:lstStyle/>
+          <a:p>
+            <a:r>
+              <a:rPr lang="nl-NL" sz="3600" noProof="0" dirty="0" err="1"/>
+              <a:t>MLOps</a:t>
+            </a:r>
+            <a:r>
+              <a:rPr lang="nl-NL" sz="3600" noProof="0" dirty="0"/>
+              <a:t> cyclus</a:t>
+            </a:r>
+          </a:p>
+        </p:txBody>
+      </p:sp>
+      <p:pic>
+        <p:nvPicPr>
+          <p:cNvPr id="10" name="Picture 9">
+            <a:extLst>
+              <a:ext uri="{FF2B5EF4-FFF2-40B4-BE49-F238E27FC236}">
+                <a16:creationId xmlns:a16="http://schemas.microsoft.com/office/drawing/2014/main" id="{687C3E92-5216-597F-6D18-5A36D8DB7E4C}"/>
+              </a:ext>
+            </a:extLst>
+          </p:cNvPr>
+          <p:cNvPicPr>
+            <a:picLocks noChangeAspect="1"/>
+          </p:cNvPicPr>
+          <p:nvPr/>
+        </p:nvPicPr>
+        <p:blipFill>
+          <a:blip r:embed="rId2">
+            <a:extLst>
+              <a:ext uri="{28A0092B-C50C-407E-A947-70E740481C1C}">
+                <a14:useLocalDpi xmlns:a14="http://schemas.microsoft.com/office/drawing/2010/main" val="0"/>
+              </a:ext>
+            </a:extLst>
+          </a:blip>
+          <a:stretch>
+            <a:fillRect/>
+          </a:stretch>
+        </p:blipFill>
+        <p:spPr>
+          <a:xfrm>
+            <a:off x="2235720" y="1687460"/>
+            <a:ext cx="7720559" cy="3920328"/>
+          </a:xfrm>
+          <a:prstGeom prst="rect">
+            <a:avLst/>
+          </a:prstGeom>
+        </p:spPr>
+      </p:pic>
+    </p:spTree>
+    <p:extLst>
+      <p:ext uri="{BB962C8B-B14F-4D97-AF65-F5344CB8AC3E}">
+        <p14:creationId xmlns:p14="http://schemas.microsoft.com/office/powerpoint/2010/main" val="4164616908"/>
+      </p:ext>
+    </p:extLst>
+  </p:cSld>
+  <p:clrMapOvr>
+    <a:masterClrMapping/>
+  </p:clrMapOvr>
+</p:sld>
+</file>
+
+<file path=ppt/slides/slide44.xml><?xml version="1.0" encoding="utf-8"?>
 <p:sld xmlns:a="http://schemas.openxmlformats.org/drawingml/2006/main" xmlns:r="http://schemas.openxmlformats.org/officeDocument/2006/relationships" xmlns:p="http://schemas.openxmlformats.org/presentationml/2006/main">
   <p:cSld>
     <p:spTree>
@@ -24131,7 +27883,7 @@
 </p:sld>
 </file>
 
-<file path=ppt/slides/slide41.xml><?xml version="1.0" encoding="utf-8"?>
+<file path=ppt/slides/slide45.xml><?xml version="1.0" encoding="utf-8"?>
 <p:sld xmlns:a="http://schemas.openxmlformats.org/drawingml/2006/main" xmlns:r="http://schemas.openxmlformats.org/officeDocument/2006/relationships" xmlns:p="http://schemas.openxmlformats.org/presentationml/2006/main">
   <p:cSld>
     <p:spTree>
@@ -24843,7 +28595,7 @@
 </p:sld>
 </file>
 
-<file path=ppt/slides/slide42.xml><?xml version="1.0" encoding="utf-8"?>
+<file path=ppt/slides/slide46.xml><?xml version="1.0" encoding="utf-8"?>
 <p:sld xmlns:a="http://schemas.openxmlformats.org/drawingml/2006/main" xmlns:r="http://schemas.openxmlformats.org/officeDocument/2006/relationships" xmlns:p="http://schemas.openxmlformats.org/presentationml/2006/main">
   <p:cSld>
     <p:spTree>
@@ -25707,7 +29459,7 @@
 </p:sld>
 </file>
 
-<file path=ppt/slides/slide43.xml><?xml version="1.0" encoding="utf-8"?>
+<file path=ppt/slides/slide47.xml><?xml version="1.0" encoding="utf-8"?>
 <p:sld xmlns:a="http://schemas.openxmlformats.org/drawingml/2006/main" xmlns:r="http://schemas.openxmlformats.org/officeDocument/2006/relationships" xmlns:p="http://schemas.openxmlformats.org/presentationml/2006/main">
   <p:cSld>
     <p:spTree>
@@ -26665,7 +30417,7 @@
 </p:sld>
 </file>
 
-<file path=ppt/slides/slide44.xml><?xml version="1.0" encoding="utf-8"?>
+<file path=ppt/slides/slide48.xml><?xml version="1.0" encoding="utf-8"?>
 <p:sld xmlns:a="http://schemas.openxmlformats.org/drawingml/2006/main" xmlns:r="http://schemas.openxmlformats.org/officeDocument/2006/relationships" xmlns:p="http://schemas.openxmlformats.org/presentationml/2006/main">
   <p:cSld>
     <p:spTree>
@@ -27717,7 +31469,7 @@
 </p:sld>
 </file>
 
-<file path=ppt/slides/slide45.xml><?xml version="1.0" encoding="utf-8"?>
+<file path=ppt/slides/slide49.xml><?xml version="1.0" encoding="utf-8"?>
 <p:sld xmlns:a="http://schemas.openxmlformats.org/drawingml/2006/main" xmlns:r="http://schemas.openxmlformats.org/officeDocument/2006/relationships" xmlns:p="http://schemas.openxmlformats.org/presentationml/2006/main">
   <p:cSld>
     <p:spTree>
@@ -28307,7 +32059,913 @@
 </p:sld>
 </file>
 
-<file path=ppt/slides/slide46.xml><?xml version="1.0" encoding="utf-8"?>
+<file path=ppt/slides/slide5.xml><?xml version="1.0" encoding="utf-8"?>
+<p:sld xmlns:a="http://schemas.openxmlformats.org/drawingml/2006/main" xmlns:r="http://schemas.openxmlformats.org/officeDocument/2006/relationships" xmlns:p="http://schemas.openxmlformats.org/presentationml/2006/main">
+  <p:cSld>
+    <p:spTree>
+      <p:nvGrpSpPr>
+        <p:cNvPr id="1" name=""/>
+        <p:cNvGrpSpPr/>
+        <p:nvPr/>
+      </p:nvGrpSpPr>
+      <p:grpSpPr>
+        <a:xfrm>
+          <a:off x="0" y="0"/>
+          <a:ext cx="0" cy="0"/>
+          <a:chOff x="0" y="0"/>
+          <a:chExt cx="0" cy="0"/>
+        </a:xfrm>
+      </p:grpSpPr>
+      <p:sp>
+        <p:nvSpPr>
+          <p:cNvPr id="2" name="Title 1">
+            <a:extLst>
+              <a:ext uri="{FF2B5EF4-FFF2-40B4-BE49-F238E27FC236}">
+                <a16:creationId xmlns:a16="http://schemas.microsoft.com/office/drawing/2014/main" id="{39A1D606-8DD1-369C-5C09-471CDD551AD5}"/>
+              </a:ext>
+            </a:extLst>
+          </p:cNvPr>
+          <p:cNvSpPr>
+            <a:spLocks noGrp="1"/>
+          </p:cNvSpPr>
+          <p:nvPr>
+            <p:ph type="title"/>
+          </p:nvPr>
+        </p:nvSpPr>
+        <p:spPr>
+          <a:xfrm>
+            <a:off x="838200" y="365126"/>
+            <a:ext cx="10515600" cy="718608"/>
+          </a:xfrm>
+        </p:spPr>
+        <p:txBody>
+          <a:bodyPr>
+            <a:normAutofit/>
+          </a:bodyPr>
+          <a:lstStyle/>
+          <a:p>
+            <a:r>
+              <a:rPr lang="nl-NL" sz="3600" noProof="0" dirty="0"/>
+              <a:t>Overzicht frameworks</a:t>
+            </a:r>
+          </a:p>
+        </p:txBody>
+      </p:sp>
+      <p:grpSp>
+        <p:nvGrpSpPr>
+          <p:cNvPr id="12" name="Group 11">
+            <a:extLst>
+              <a:ext uri="{FF2B5EF4-FFF2-40B4-BE49-F238E27FC236}">
+                <a16:creationId xmlns:a16="http://schemas.microsoft.com/office/drawing/2014/main" id="{FBE57A9A-AFC4-C498-3A54-914F85369A61}"/>
+              </a:ext>
+            </a:extLst>
+          </p:cNvPr>
+          <p:cNvGrpSpPr/>
+          <p:nvPr/>
+        </p:nvGrpSpPr>
+        <p:grpSpPr>
+          <a:xfrm>
+            <a:off x="8076045" y="4504402"/>
+            <a:ext cx="2756930" cy="1398377"/>
+            <a:chOff x="7293591" y="4314423"/>
+            <a:chExt cx="2756930" cy="1398377"/>
+          </a:xfrm>
+          <a:solidFill>
+            <a:schemeClr val="bg1">
+              <a:lumMod val="95000"/>
+            </a:schemeClr>
+          </a:solidFill>
+        </p:grpSpPr>
+        <p:sp>
+          <p:nvSpPr>
+            <p:cNvPr id="5" name="Rectangle 4">
+              <a:extLst>
+                <a:ext uri="{FF2B5EF4-FFF2-40B4-BE49-F238E27FC236}">
+                  <a16:creationId xmlns:a16="http://schemas.microsoft.com/office/drawing/2014/main" id="{84488DC3-6414-14BB-E1C6-3BE9AFCE377B}"/>
+                </a:ext>
+              </a:extLst>
+            </p:cNvPr>
+            <p:cNvSpPr/>
+            <p:nvPr/>
+          </p:nvSpPr>
+          <p:spPr>
+            <a:xfrm>
+              <a:off x="7293591" y="4697486"/>
+              <a:ext cx="2756930" cy="1015314"/>
+            </a:xfrm>
+            <a:prstGeom prst="rect">
+              <a:avLst/>
+            </a:prstGeom>
+            <a:grpFill/>
+          </p:spPr>
+          <p:style>
+            <a:lnRef idx="1">
+              <a:schemeClr val="accent3"/>
+            </a:lnRef>
+            <a:fillRef idx="2">
+              <a:schemeClr val="accent3"/>
+            </a:fillRef>
+            <a:effectRef idx="1">
+              <a:schemeClr val="accent3"/>
+            </a:effectRef>
+            <a:fontRef idx="minor">
+              <a:schemeClr val="dk1"/>
+            </a:fontRef>
+          </p:style>
+          <p:txBody>
+            <a:bodyPr rtlCol="0" anchor="ctr"/>
+            <a:lstStyle/>
+            <a:p>
+              <a:pPr algn="ctr"/>
+              <a:r>
+                <a:rPr lang="nl-NL" dirty="0" err="1"/>
+                <a:t>SpaCy</a:t>
+              </a:r>
+              <a:r>
+                <a:rPr lang="nl-NL" dirty="0"/>
+                <a:t> </a:t>
+              </a:r>
+            </a:p>
+            <a:p>
+              <a:pPr algn="ctr"/>
+              <a:r>
+                <a:rPr lang="nl-NL" dirty="0"/>
+                <a:t>NLTK</a:t>
+              </a:r>
+            </a:p>
+          </p:txBody>
+        </p:sp>
+        <p:sp>
+          <p:nvSpPr>
+            <p:cNvPr id="11" name="Rectangle 10">
+              <a:extLst>
+                <a:ext uri="{FF2B5EF4-FFF2-40B4-BE49-F238E27FC236}">
+                  <a16:creationId xmlns:a16="http://schemas.microsoft.com/office/drawing/2014/main" id="{F6ED25AF-3F94-656D-09F2-3C2F6177585D}"/>
+                </a:ext>
+              </a:extLst>
+            </p:cNvPr>
+            <p:cNvSpPr/>
+            <p:nvPr/>
+          </p:nvSpPr>
+          <p:spPr>
+            <a:xfrm>
+              <a:off x="7293591" y="4314423"/>
+              <a:ext cx="2756930" cy="383059"/>
+            </a:xfrm>
+            <a:prstGeom prst="rect">
+              <a:avLst/>
+            </a:prstGeom>
+            <a:solidFill>
+              <a:schemeClr val="accent6">
+                <a:lumMod val="40000"/>
+                <a:lumOff val="60000"/>
+              </a:schemeClr>
+            </a:solidFill>
+          </p:spPr>
+          <p:style>
+            <a:lnRef idx="1">
+              <a:schemeClr val="accent6"/>
+            </a:lnRef>
+            <a:fillRef idx="2">
+              <a:schemeClr val="accent6"/>
+            </a:fillRef>
+            <a:effectRef idx="1">
+              <a:schemeClr val="accent6"/>
+            </a:effectRef>
+            <a:fontRef idx="minor">
+              <a:schemeClr val="dk1"/>
+            </a:fontRef>
+          </p:style>
+          <p:txBody>
+            <a:bodyPr rtlCol="0" anchor="t"/>
+            <a:lstStyle/>
+            <a:p>
+              <a:pPr algn="ctr"/>
+              <a:r>
+                <a:rPr lang="nl-NL" b="1" dirty="0"/>
+                <a:t>Taal</a:t>
+              </a:r>
+            </a:p>
+          </p:txBody>
+        </p:sp>
+      </p:grpSp>
+      <p:grpSp>
+        <p:nvGrpSpPr>
+          <p:cNvPr id="15" name="Group 14">
+            <a:extLst>
+              <a:ext uri="{FF2B5EF4-FFF2-40B4-BE49-F238E27FC236}">
+                <a16:creationId xmlns:a16="http://schemas.microsoft.com/office/drawing/2014/main" id="{175D64CE-1FB0-2D19-C119-42342A9C5153}"/>
+              </a:ext>
+            </a:extLst>
+          </p:cNvPr>
+          <p:cNvGrpSpPr/>
+          <p:nvPr/>
+        </p:nvGrpSpPr>
+        <p:grpSpPr>
+          <a:xfrm>
+            <a:off x="4643395" y="4504402"/>
+            <a:ext cx="2756928" cy="1398373"/>
+            <a:chOff x="3756288" y="4314423"/>
+            <a:chExt cx="2756931" cy="1398373"/>
+          </a:xfrm>
+          <a:solidFill>
+            <a:schemeClr val="bg1">
+              <a:lumMod val="95000"/>
+            </a:schemeClr>
+          </a:solidFill>
+        </p:grpSpPr>
+        <p:sp>
+          <p:nvSpPr>
+            <p:cNvPr id="13" name="Rectangle 12">
+              <a:extLst>
+                <a:ext uri="{FF2B5EF4-FFF2-40B4-BE49-F238E27FC236}">
+                  <a16:creationId xmlns:a16="http://schemas.microsoft.com/office/drawing/2014/main" id="{DE70765D-3A84-BC81-EE9C-61DA59F9A0DD}"/>
+                </a:ext>
+              </a:extLst>
+            </p:cNvPr>
+            <p:cNvSpPr/>
+            <p:nvPr/>
+          </p:nvSpPr>
+          <p:spPr>
+            <a:xfrm>
+              <a:off x="3756289" y="4697482"/>
+              <a:ext cx="2756930" cy="1015314"/>
+            </a:xfrm>
+            <a:prstGeom prst="rect">
+              <a:avLst/>
+            </a:prstGeom>
+            <a:grpFill/>
+          </p:spPr>
+          <p:style>
+            <a:lnRef idx="1">
+              <a:schemeClr val="accent3"/>
+            </a:lnRef>
+            <a:fillRef idx="2">
+              <a:schemeClr val="accent3"/>
+            </a:fillRef>
+            <a:effectRef idx="1">
+              <a:schemeClr val="accent3"/>
+            </a:effectRef>
+            <a:fontRef idx="minor">
+              <a:schemeClr val="dk1"/>
+            </a:fontRef>
+          </p:style>
+          <p:txBody>
+            <a:bodyPr rtlCol="0" anchor="ctr"/>
+            <a:lstStyle/>
+            <a:p>
+              <a:pPr algn="ctr"/>
+              <a:r>
+                <a:rPr lang="nl-NL" dirty="0" err="1"/>
+                <a:t>Sktime</a:t>
+              </a:r>
+              <a:endParaRPr lang="nl-NL" dirty="0"/>
+            </a:p>
+            <a:p>
+              <a:pPr algn="ctr"/>
+              <a:r>
+                <a:rPr lang="nl-NL" dirty="0" err="1"/>
+                <a:t>PyFlux</a:t>
+              </a:r>
+              <a:endParaRPr lang="nl-NL" dirty="0"/>
+            </a:p>
+            <a:p>
+              <a:pPr algn="ctr"/>
+              <a:r>
+                <a:rPr lang="nl-NL" dirty="0" err="1"/>
+                <a:t>Prophet</a:t>
+              </a:r>
+              <a:endParaRPr lang="nl-NL" dirty="0"/>
+            </a:p>
+          </p:txBody>
+        </p:sp>
+        <p:sp>
+          <p:nvSpPr>
+            <p:cNvPr id="14" name="Rectangle 13">
+              <a:extLst>
+                <a:ext uri="{FF2B5EF4-FFF2-40B4-BE49-F238E27FC236}">
+                  <a16:creationId xmlns:a16="http://schemas.microsoft.com/office/drawing/2014/main" id="{3447C395-6417-FE82-93FC-AE20CEE356A1}"/>
+                </a:ext>
+              </a:extLst>
+            </p:cNvPr>
+            <p:cNvSpPr/>
+            <p:nvPr/>
+          </p:nvSpPr>
+          <p:spPr>
+            <a:xfrm>
+              <a:off x="3756288" y="4314423"/>
+              <a:ext cx="2756931" cy="383057"/>
+            </a:xfrm>
+            <a:prstGeom prst="rect">
+              <a:avLst/>
+            </a:prstGeom>
+            <a:solidFill>
+              <a:schemeClr val="accent1">
+                <a:lumMod val="40000"/>
+                <a:lumOff val="60000"/>
+              </a:schemeClr>
+            </a:solidFill>
+          </p:spPr>
+          <p:style>
+            <a:lnRef idx="1">
+              <a:schemeClr val="accent5"/>
+            </a:lnRef>
+            <a:fillRef idx="2">
+              <a:schemeClr val="accent5"/>
+            </a:fillRef>
+            <a:effectRef idx="1">
+              <a:schemeClr val="accent5"/>
+            </a:effectRef>
+            <a:fontRef idx="minor">
+              <a:schemeClr val="dk1"/>
+            </a:fontRef>
+          </p:style>
+          <p:txBody>
+            <a:bodyPr rtlCol="0" anchor="t"/>
+            <a:lstStyle/>
+            <a:p>
+              <a:pPr algn="ctr"/>
+              <a:r>
+                <a:rPr lang="nl-NL" dirty="0"/>
+                <a:t>Tijdreeksen</a:t>
+              </a:r>
+            </a:p>
+          </p:txBody>
+        </p:sp>
+      </p:grpSp>
+      <p:grpSp>
+        <p:nvGrpSpPr>
+          <p:cNvPr id="22" name="Group 21">
+            <a:extLst>
+              <a:ext uri="{FF2B5EF4-FFF2-40B4-BE49-F238E27FC236}">
+                <a16:creationId xmlns:a16="http://schemas.microsoft.com/office/drawing/2014/main" id="{3C1079BF-1AB1-F78C-A525-47DC26228534}"/>
+              </a:ext>
+            </a:extLst>
+          </p:cNvPr>
+          <p:cNvGrpSpPr/>
+          <p:nvPr/>
+        </p:nvGrpSpPr>
+        <p:grpSpPr>
+          <a:xfrm>
+            <a:off x="1210740" y="4504402"/>
+            <a:ext cx="2756929" cy="1398373"/>
+            <a:chOff x="3756288" y="4314423"/>
+            <a:chExt cx="2756931" cy="1398373"/>
+          </a:xfrm>
+          <a:solidFill>
+            <a:schemeClr val="bg1">
+              <a:lumMod val="95000"/>
+            </a:schemeClr>
+          </a:solidFill>
+        </p:grpSpPr>
+        <p:sp>
+          <p:nvSpPr>
+            <p:cNvPr id="23" name="Rectangle 22">
+              <a:extLst>
+                <a:ext uri="{FF2B5EF4-FFF2-40B4-BE49-F238E27FC236}">
+                  <a16:creationId xmlns:a16="http://schemas.microsoft.com/office/drawing/2014/main" id="{632CDF7F-FA3A-CB88-2FA2-22FED616A9FF}"/>
+                </a:ext>
+              </a:extLst>
+            </p:cNvPr>
+            <p:cNvSpPr/>
+            <p:nvPr/>
+          </p:nvSpPr>
+          <p:spPr>
+            <a:xfrm>
+              <a:off x="3756289" y="4697482"/>
+              <a:ext cx="2756930" cy="1015314"/>
+            </a:xfrm>
+            <a:prstGeom prst="rect">
+              <a:avLst/>
+            </a:prstGeom>
+            <a:grpFill/>
+          </p:spPr>
+          <p:style>
+            <a:lnRef idx="1">
+              <a:schemeClr val="accent3"/>
+            </a:lnRef>
+            <a:fillRef idx="2">
+              <a:schemeClr val="accent3"/>
+            </a:fillRef>
+            <a:effectRef idx="1">
+              <a:schemeClr val="accent3"/>
+            </a:effectRef>
+            <a:fontRef idx="minor">
+              <a:schemeClr val="dk1"/>
+            </a:fontRef>
+          </p:style>
+          <p:txBody>
+            <a:bodyPr rtlCol="0" anchor="ctr"/>
+            <a:lstStyle/>
+            <a:p>
+              <a:pPr algn="ctr"/>
+              <a:r>
+                <a:rPr lang="nl-NL" dirty="0" err="1"/>
+                <a:t>PyMC</a:t>
+              </a:r>
+              <a:endParaRPr lang="nl-NL" dirty="0"/>
+            </a:p>
+            <a:p>
+              <a:pPr algn="ctr"/>
+              <a:r>
+                <a:rPr lang="nl-NL" dirty="0" err="1"/>
+                <a:t>Pyro</a:t>
+              </a:r>
+              <a:endParaRPr lang="nl-NL" dirty="0"/>
+            </a:p>
+          </p:txBody>
+        </p:sp>
+        <p:sp>
+          <p:nvSpPr>
+            <p:cNvPr id="24" name="Rectangle 23">
+              <a:extLst>
+                <a:ext uri="{FF2B5EF4-FFF2-40B4-BE49-F238E27FC236}">
+                  <a16:creationId xmlns:a16="http://schemas.microsoft.com/office/drawing/2014/main" id="{5ABAF762-DD5C-74F3-9DB8-43FF78C3E92C}"/>
+                </a:ext>
+              </a:extLst>
+            </p:cNvPr>
+            <p:cNvSpPr/>
+            <p:nvPr/>
+          </p:nvSpPr>
+          <p:spPr>
+            <a:xfrm>
+              <a:off x="3756288" y="4314423"/>
+              <a:ext cx="2756931" cy="383057"/>
+            </a:xfrm>
+            <a:prstGeom prst="rect">
+              <a:avLst/>
+            </a:prstGeom>
+            <a:solidFill>
+              <a:schemeClr val="accent4">
+                <a:lumMod val="40000"/>
+                <a:lumOff val="60000"/>
+              </a:schemeClr>
+            </a:solidFill>
+          </p:spPr>
+          <p:style>
+            <a:lnRef idx="1">
+              <a:schemeClr val="accent4"/>
+            </a:lnRef>
+            <a:fillRef idx="2">
+              <a:schemeClr val="accent4"/>
+            </a:fillRef>
+            <a:effectRef idx="1">
+              <a:schemeClr val="accent4"/>
+            </a:effectRef>
+            <a:fontRef idx="minor">
+              <a:schemeClr val="dk1"/>
+            </a:fontRef>
+          </p:style>
+          <p:txBody>
+            <a:bodyPr rtlCol="0" anchor="t"/>
+            <a:lstStyle/>
+            <a:p>
+              <a:pPr algn="ctr"/>
+              <a:r>
+                <a:rPr lang="nl-NL" dirty="0"/>
+                <a:t>Probabilistisch</a:t>
+              </a:r>
+            </a:p>
+          </p:txBody>
+        </p:sp>
+      </p:grpSp>
+      <p:grpSp>
+        <p:nvGrpSpPr>
+          <p:cNvPr id="19" name="Group 18">
+            <a:extLst>
+              <a:ext uri="{FF2B5EF4-FFF2-40B4-BE49-F238E27FC236}">
+                <a16:creationId xmlns:a16="http://schemas.microsoft.com/office/drawing/2014/main" id="{A033C8AE-4371-D594-81E9-B66182602633}"/>
+              </a:ext>
+            </a:extLst>
+          </p:cNvPr>
+          <p:cNvGrpSpPr/>
+          <p:nvPr/>
+        </p:nvGrpSpPr>
+        <p:grpSpPr>
+          <a:xfrm>
+            <a:off x="8076049" y="1711412"/>
+            <a:ext cx="2756930" cy="1791726"/>
+            <a:chOff x="838200" y="1711410"/>
+            <a:chExt cx="2756930" cy="1791726"/>
+          </a:xfrm>
+          <a:solidFill>
+            <a:schemeClr val="bg1">
+              <a:lumMod val="95000"/>
+            </a:schemeClr>
+          </a:solidFill>
+        </p:grpSpPr>
+        <p:sp>
+          <p:nvSpPr>
+            <p:cNvPr id="20" name="Rectangle 19">
+              <a:extLst>
+                <a:ext uri="{FF2B5EF4-FFF2-40B4-BE49-F238E27FC236}">
+                  <a16:creationId xmlns:a16="http://schemas.microsoft.com/office/drawing/2014/main" id="{AD08C436-AAC0-9466-8B28-EA71BB7A46AC}"/>
+                </a:ext>
+              </a:extLst>
+            </p:cNvPr>
+            <p:cNvSpPr/>
+            <p:nvPr/>
+          </p:nvSpPr>
+          <p:spPr>
+            <a:xfrm>
+              <a:off x="838200" y="2094470"/>
+              <a:ext cx="2756930" cy="1408666"/>
+            </a:xfrm>
+            <a:prstGeom prst="rect">
+              <a:avLst/>
+            </a:prstGeom>
+            <a:grpFill/>
+          </p:spPr>
+          <p:style>
+            <a:lnRef idx="1">
+              <a:schemeClr val="accent3"/>
+            </a:lnRef>
+            <a:fillRef idx="2">
+              <a:schemeClr val="accent3"/>
+            </a:fillRef>
+            <a:effectRef idx="1">
+              <a:schemeClr val="accent3"/>
+            </a:effectRef>
+            <a:fontRef idx="minor">
+              <a:schemeClr val="dk1"/>
+            </a:fontRef>
+          </p:style>
+          <p:txBody>
+            <a:bodyPr rtlCol="0" anchor="ctr"/>
+            <a:lstStyle/>
+            <a:p>
+              <a:pPr algn="ctr"/>
+              <a:r>
+                <a:rPr lang="nl-NL" dirty="0" err="1"/>
+                <a:t>PyTorch</a:t>
+              </a:r>
+              <a:endParaRPr lang="nl-NL" dirty="0"/>
+            </a:p>
+            <a:p>
+              <a:pPr algn="ctr"/>
+              <a:r>
+                <a:rPr lang="nl-NL" dirty="0" err="1"/>
+                <a:t>Keras</a:t>
+              </a:r>
+              <a:endParaRPr lang="nl-NL" dirty="0"/>
+            </a:p>
+          </p:txBody>
+        </p:sp>
+        <p:sp>
+          <p:nvSpPr>
+            <p:cNvPr id="21" name="Rectangle 20">
+              <a:extLst>
+                <a:ext uri="{FF2B5EF4-FFF2-40B4-BE49-F238E27FC236}">
+                  <a16:creationId xmlns:a16="http://schemas.microsoft.com/office/drawing/2014/main" id="{6093CF41-78D2-A39F-693D-D5DBDCFADF23}"/>
+                </a:ext>
+              </a:extLst>
+            </p:cNvPr>
+            <p:cNvSpPr/>
+            <p:nvPr/>
+          </p:nvSpPr>
+          <p:spPr>
+            <a:xfrm>
+              <a:off x="838200" y="1711410"/>
+              <a:ext cx="2756930" cy="383059"/>
+            </a:xfrm>
+            <a:prstGeom prst="rect">
+              <a:avLst/>
+            </a:prstGeom>
+            <a:solidFill>
+              <a:schemeClr val="accent6">
+                <a:lumMod val="40000"/>
+                <a:lumOff val="60000"/>
+              </a:schemeClr>
+            </a:solidFill>
+            <a:ln/>
+          </p:spPr>
+          <p:style>
+            <a:lnRef idx="1">
+              <a:schemeClr val="accent6"/>
+            </a:lnRef>
+            <a:fillRef idx="2">
+              <a:schemeClr val="accent6"/>
+            </a:fillRef>
+            <a:effectRef idx="1">
+              <a:schemeClr val="accent6"/>
+            </a:effectRef>
+            <a:fontRef idx="minor">
+              <a:schemeClr val="dk1"/>
+            </a:fontRef>
+          </p:style>
+          <p:txBody>
+            <a:bodyPr rtlCol="0" anchor="t"/>
+            <a:lstStyle/>
+            <a:p>
+              <a:pPr algn="ctr"/>
+              <a:r>
+                <a:rPr lang="nl-NL" b="1" dirty="0" err="1"/>
+                <a:t>Deep</a:t>
+              </a:r>
+              <a:r>
+                <a:rPr lang="nl-NL" b="1" dirty="0"/>
+                <a:t> Learning</a:t>
+              </a:r>
+            </a:p>
+          </p:txBody>
+        </p:sp>
+      </p:grpSp>
+      <p:grpSp>
+        <p:nvGrpSpPr>
+          <p:cNvPr id="25" name="Group 24">
+            <a:extLst>
+              <a:ext uri="{FF2B5EF4-FFF2-40B4-BE49-F238E27FC236}">
+                <a16:creationId xmlns:a16="http://schemas.microsoft.com/office/drawing/2014/main" id="{C3472853-D76C-7812-7534-B9249263C302}"/>
+              </a:ext>
+            </a:extLst>
+          </p:cNvPr>
+          <p:cNvGrpSpPr/>
+          <p:nvPr/>
+        </p:nvGrpSpPr>
+        <p:grpSpPr>
+          <a:xfrm>
+            <a:off x="4643394" y="1711412"/>
+            <a:ext cx="2756931" cy="1791722"/>
+            <a:chOff x="4643394" y="1711412"/>
+            <a:chExt cx="2756931" cy="1791722"/>
+          </a:xfrm>
+          <a:solidFill>
+            <a:schemeClr val="bg1">
+              <a:lumMod val="95000"/>
+            </a:schemeClr>
+          </a:solidFill>
+        </p:grpSpPr>
+        <p:sp>
+          <p:nvSpPr>
+            <p:cNvPr id="26" name="Rectangle 25">
+              <a:extLst>
+                <a:ext uri="{FF2B5EF4-FFF2-40B4-BE49-F238E27FC236}">
+                  <a16:creationId xmlns:a16="http://schemas.microsoft.com/office/drawing/2014/main" id="{1E929FA2-3FD4-A657-BD72-002CC1CD64D8}"/>
+                </a:ext>
+              </a:extLst>
+            </p:cNvPr>
+            <p:cNvSpPr/>
+            <p:nvPr/>
+          </p:nvSpPr>
+          <p:spPr>
+            <a:xfrm>
+              <a:off x="4643394" y="2094469"/>
+              <a:ext cx="2756931" cy="1408665"/>
+            </a:xfrm>
+            <a:prstGeom prst="rect">
+              <a:avLst/>
+            </a:prstGeom>
+            <a:grpFill/>
+          </p:spPr>
+          <p:style>
+            <a:lnRef idx="1">
+              <a:schemeClr val="accent3"/>
+            </a:lnRef>
+            <a:fillRef idx="2">
+              <a:schemeClr val="accent3"/>
+            </a:fillRef>
+            <a:effectRef idx="1">
+              <a:schemeClr val="accent3"/>
+            </a:effectRef>
+            <a:fontRef idx="minor">
+              <a:schemeClr val="dk1"/>
+            </a:fontRef>
+          </p:style>
+          <p:txBody>
+            <a:bodyPr rtlCol="0" anchor="ctr"/>
+            <a:lstStyle/>
+            <a:p>
+              <a:pPr algn="ctr"/>
+              <a:r>
+                <a:rPr lang="nl-NL" dirty="0" err="1"/>
+                <a:t>scikit-learn</a:t>
+              </a:r>
+              <a:endParaRPr lang="nl-NL" dirty="0"/>
+            </a:p>
+            <a:p>
+              <a:pPr algn="ctr"/>
+              <a:r>
+                <a:rPr lang="nl-NL" dirty="0" err="1"/>
+                <a:t>LightGBM</a:t>
+              </a:r>
+              <a:endParaRPr lang="nl-NL" dirty="0"/>
+            </a:p>
+            <a:p>
+              <a:pPr algn="ctr"/>
+              <a:r>
+                <a:rPr lang="nl-NL" dirty="0" err="1"/>
+                <a:t>XGBoost</a:t>
+              </a:r>
+              <a:endParaRPr lang="nl-NL" dirty="0"/>
+            </a:p>
+          </p:txBody>
+        </p:sp>
+        <p:sp>
+          <p:nvSpPr>
+            <p:cNvPr id="27" name="Rectangle 26">
+              <a:extLst>
+                <a:ext uri="{FF2B5EF4-FFF2-40B4-BE49-F238E27FC236}">
+                  <a16:creationId xmlns:a16="http://schemas.microsoft.com/office/drawing/2014/main" id="{B68B7550-B421-22B6-DDAB-1B4343DE333D}"/>
+                </a:ext>
+              </a:extLst>
+            </p:cNvPr>
+            <p:cNvSpPr/>
+            <p:nvPr/>
+          </p:nvSpPr>
+          <p:spPr>
+            <a:xfrm>
+              <a:off x="4643394" y="1711412"/>
+              <a:ext cx="2756931" cy="383057"/>
+            </a:xfrm>
+            <a:prstGeom prst="rect">
+              <a:avLst/>
+            </a:prstGeom>
+            <a:solidFill>
+              <a:schemeClr val="accent5">
+                <a:lumMod val="40000"/>
+                <a:lumOff val="60000"/>
+              </a:schemeClr>
+            </a:solidFill>
+            <a:ln/>
+          </p:spPr>
+          <p:style>
+            <a:lnRef idx="1">
+              <a:schemeClr val="accent5"/>
+            </a:lnRef>
+            <a:fillRef idx="2">
+              <a:schemeClr val="accent5"/>
+            </a:fillRef>
+            <a:effectRef idx="1">
+              <a:schemeClr val="accent5"/>
+            </a:effectRef>
+            <a:fontRef idx="minor">
+              <a:schemeClr val="dk1"/>
+            </a:fontRef>
+          </p:style>
+          <p:txBody>
+            <a:bodyPr rtlCol="0" anchor="t"/>
+            <a:lstStyle/>
+            <a:p>
+              <a:pPr algn="ctr"/>
+              <a:r>
+                <a:rPr lang="nl-NL" dirty="0"/>
+                <a:t>Machine Learning</a:t>
+              </a:r>
+            </a:p>
+          </p:txBody>
+        </p:sp>
+      </p:grpSp>
+      <p:grpSp>
+        <p:nvGrpSpPr>
+          <p:cNvPr id="28" name="Group 27">
+            <a:extLst>
+              <a:ext uri="{FF2B5EF4-FFF2-40B4-BE49-F238E27FC236}">
+                <a16:creationId xmlns:a16="http://schemas.microsoft.com/office/drawing/2014/main" id="{3C12859D-7654-BA6A-2A1A-3146C4F12A2F}"/>
+              </a:ext>
+            </a:extLst>
+          </p:cNvPr>
+          <p:cNvGrpSpPr/>
+          <p:nvPr/>
+        </p:nvGrpSpPr>
+        <p:grpSpPr>
+          <a:xfrm>
+            <a:off x="1210739" y="1711412"/>
+            <a:ext cx="2756931" cy="1791722"/>
+            <a:chOff x="8448589" y="1711411"/>
+            <a:chExt cx="2756931" cy="1791722"/>
+          </a:xfrm>
+          <a:solidFill>
+            <a:schemeClr val="bg1">
+              <a:lumMod val="95000"/>
+            </a:schemeClr>
+          </a:solidFill>
+        </p:grpSpPr>
+        <p:sp>
+          <p:nvSpPr>
+            <p:cNvPr id="29" name="Rectangle 28">
+              <a:extLst>
+                <a:ext uri="{FF2B5EF4-FFF2-40B4-BE49-F238E27FC236}">
+                  <a16:creationId xmlns:a16="http://schemas.microsoft.com/office/drawing/2014/main" id="{CB589E31-14B7-17CD-6452-EC25987AAEAE}"/>
+                </a:ext>
+              </a:extLst>
+            </p:cNvPr>
+            <p:cNvSpPr/>
+            <p:nvPr/>
+          </p:nvSpPr>
+          <p:spPr>
+            <a:xfrm>
+              <a:off x="8448589" y="2094468"/>
+              <a:ext cx="2756931" cy="1408665"/>
+            </a:xfrm>
+            <a:prstGeom prst="rect">
+              <a:avLst/>
+            </a:prstGeom>
+            <a:grpFill/>
+          </p:spPr>
+          <p:style>
+            <a:lnRef idx="1">
+              <a:schemeClr val="accent3"/>
+            </a:lnRef>
+            <a:fillRef idx="2">
+              <a:schemeClr val="accent3"/>
+            </a:fillRef>
+            <a:effectRef idx="1">
+              <a:schemeClr val="accent3"/>
+            </a:effectRef>
+            <a:fontRef idx="minor">
+              <a:schemeClr val="dk1"/>
+            </a:fontRef>
+          </p:style>
+          <p:txBody>
+            <a:bodyPr rtlCol="0" anchor="ctr"/>
+            <a:lstStyle/>
+            <a:p>
+              <a:pPr algn="ctr"/>
+              <a:r>
+                <a:rPr lang="nl-NL" dirty="0" err="1"/>
+                <a:t>statsmodels</a:t>
+              </a:r>
+              <a:endParaRPr lang="nl-NL" dirty="0"/>
+            </a:p>
+            <a:p>
+              <a:pPr algn="ctr"/>
+              <a:r>
+                <a:rPr lang="nl-NL" dirty="0" err="1"/>
+                <a:t>scipy</a:t>
+              </a:r>
+              <a:endParaRPr lang="nl-NL" dirty="0"/>
+            </a:p>
+          </p:txBody>
+        </p:sp>
+        <p:sp>
+          <p:nvSpPr>
+            <p:cNvPr id="30" name="Rectangle 29">
+              <a:extLst>
+                <a:ext uri="{FF2B5EF4-FFF2-40B4-BE49-F238E27FC236}">
+                  <a16:creationId xmlns:a16="http://schemas.microsoft.com/office/drawing/2014/main" id="{90E8B758-9A8A-8780-7455-7F56BC6DE364}"/>
+                </a:ext>
+              </a:extLst>
+            </p:cNvPr>
+            <p:cNvSpPr/>
+            <p:nvPr/>
+          </p:nvSpPr>
+          <p:spPr>
+            <a:xfrm>
+              <a:off x="8448589" y="1711411"/>
+              <a:ext cx="2756930" cy="383057"/>
+            </a:xfrm>
+            <a:prstGeom prst="rect">
+              <a:avLst/>
+            </a:prstGeom>
+            <a:solidFill>
+              <a:schemeClr val="accent4">
+                <a:lumMod val="40000"/>
+                <a:lumOff val="60000"/>
+              </a:schemeClr>
+            </a:solidFill>
+            <a:ln/>
+          </p:spPr>
+          <p:style>
+            <a:lnRef idx="1">
+              <a:schemeClr val="accent4"/>
+            </a:lnRef>
+            <a:fillRef idx="2">
+              <a:schemeClr val="accent4"/>
+            </a:fillRef>
+            <a:effectRef idx="1">
+              <a:schemeClr val="accent4"/>
+            </a:effectRef>
+            <a:fontRef idx="minor">
+              <a:schemeClr val="dk1"/>
+            </a:fontRef>
+          </p:style>
+          <p:txBody>
+            <a:bodyPr rtlCol="0" anchor="t"/>
+            <a:lstStyle/>
+            <a:p>
+              <a:pPr algn="ctr"/>
+              <a:r>
+                <a:rPr lang="nl-NL" dirty="0"/>
+                <a:t>Statistiek</a:t>
+              </a:r>
+            </a:p>
+          </p:txBody>
+        </p:sp>
+      </p:grpSp>
+    </p:spTree>
+    <p:extLst>
+      <p:ext uri="{BB962C8B-B14F-4D97-AF65-F5344CB8AC3E}">
+        <p14:creationId xmlns:p14="http://schemas.microsoft.com/office/powerpoint/2010/main" val="338114652"/>
+      </p:ext>
+    </p:extLst>
+  </p:cSld>
+  <p:clrMapOvr>
+    <a:masterClrMapping/>
+  </p:clrMapOvr>
+</p:sld>
+</file>
+
+<file path=ppt/slides/slide50.xml><?xml version="1.0" encoding="utf-8"?>
 <p:sld xmlns:a="http://schemas.openxmlformats.org/drawingml/2006/main" xmlns:r="http://schemas.openxmlformats.org/officeDocument/2006/relationships" xmlns:p="http://schemas.openxmlformats.org/presentationml/2006/main">
   <p:cSld>
     <p:spTree>
@@ -28536,7 +33194,7 @@
 </p:sld>
 </file>
 
-<file path=ppt/slides/slide47.xml><?xml version="1.0" encoding="utf-8"?>
+<file path=ppt/slides/slide51.xml><?xml version="1.0" encoding="utf-8"?>
 <p:sld xmlns:a="http://schemas.openxmlformats.org/drawingml/2006/main" xmlns:r="http://schemas.openxmlformats.org/officeDocument/2006/relationships" xmlns:p="http://schemas.openxmlformats.org/presentationml/2006/main">
   <p:cSld>
     <p:spTree>
@@ -29284,7 +33942,7 @@
 </p:sld>
 </file>
 
-<file path=ppt/slides/slide48.xml><?xml version="1.0" encoding="utf-8"?>
+<file path=ppt/slides/slide52.xml><?xml version="1.0" encoding="utf-8"?>
 <p:sld xmlns:a="http://schemas.openxmlformats.org/drawingml/2006/main" xmlns:r="http://schemas.openxmlformats.org/officeDocument/2006/relationships" xmlns:p="http://schemas.openxmlformats.org/presentationml/2006/main">
   <p:cSld>
     <p:spTree>
@@ -30238,7 +34896,7 @@
 </p:sld>
 </file>
 
-<file path=ppt/slides/slide49.xml><?xml version="1.0" encoding="utf-8"?>
+<file path=ppt/slides/slide53.xml><?xml version="1.0" encoding="utf-8"?>
 <p:sld xmlns:a="http://schemas.openxmlformats.org/drawingml/2006/main" xmlns:r="http://schemas.openxmlformats.org/officeDocument/2006/relationships" xmlns:p="http://schemas.openxmlformats.org/presentationml/2006/main">
   <p:cSld>
     <p:spTree>
@@ -30479,872 +35137,6 @@
 </p:sld>
 </file>
 
-<file path=ppt/slides/slide5.xml><?xml version="1.0" encoding="utf-8"?>
-<p:sld xmlns:a="http://schemas.openxmlformats.org/drawingml/2006/main" xmlns:r="http://schemas.openxmlformats.org/officeDocument/2006/relationships" xmlns:p="http://schemas.openxmlformats.org/presentationml/2006/main">
-  <p:cSld>
-    <p:spTree>
-      <p:nvGrpSpPr>
-        <p:cNvPr id="1" name=""/>
-        <p:cNvGrpSpPr/>
-        <p:nvPr/>
-      </p:nvGrpSpPr>
-      <p:grpSpPr>
-        <a:xfrm>
-          <a:off x="0" y="0"/>
-          <a:ext cx="0" cy="0"/>
-          <a:chOff x="0" y="0"/>
-          <a:chExt cx="0" cy="0"/>
-        </a:xfrm>
-      </p:grpSpPr>
-      <p:sp>
-        <p:nvSpPr>
-          <p:cNvPr id="2" name="Title 1">
-            <a:extLst>
-              <a:ext uri="{FF2B5EF4-FFF2-40B4-BE49-F238E27FC236}">
-                <a16:creationId xmlns:a16="http://schemas.microsoft.com/office/drawing/2014/main" id="{39A1D606-8DD1-369C-5C09-471CDD551AD5}"/>
-              </a:ext>
-            </a:extLst>
-          </p:cNvPr>
-          <p:cNvSpPr>
-            <a:spLocks noGrp="1"/>
-          </p:cNvSpPr>
-          <p:nvPr>
-            <p:ph type="title"/>
-          </p:nvPr>
-        </p:nvSpPr>
-        <p:spPr>
-          <a:xfrm>
-            <a:off x="838200" y="365126"/>
-            <a:ext cx="10515600" cy="718608"/>
-          </a:xfrm>
-        </p:spPr>
-        <p:txBody>
-          <a:bodyPr>
-            <a:normAutofit/>
-          </a:bodyPr>
-          <a:lstStyle/>
-          <a:p>
-            <a:r>
-              <a:rPr lang="nl-NL" sz="3600" noProof="0" dirty="0"/>
-              <a:t>Overzicht frameworks</a:t>
-            </a:r>
-          </a:p>
-        </p:txBody>
-      </p:sp>
-      <p:grpSp>
-        <p:nvGrpSpPr>
-          <p:cNvPr id="16" name="Group 15">
-            <a:extLst>
-              <a:ext uri="{FF2B5EF4-FFF2-40B4-BE49-F238E27FC236}">
-                <a16:creationId xmlns:a16="http://schemas.microsoft.com/office/drawing/2014/main" id="{BA1E66AA-A0A7-747F-3295-B5E6F5220E04}"/>
-              </a:ext>
-            </a:extLst>
-          </p:cNvPr>
-          <p:cNvGrpSpPr/>
-          <p:nvPr/>
-        </p:nvGrpSpPr>
-        <p:grpSpPr>
-          <a:xfrm>
-            <a:off x="8076049" y="1711412"/>
-            <a:ext cx="2756930" cy="1791726"/>
-            <a:chOff x="838200" y="1711410"/>
-            <a:chExt cx="2756930" cy="1791726"/>
-          </a:xfrm>
-        </p:grpSpPr>
-        <p:sp>
-          <p:nvSpPr>
-            <p:cNvPr id="6" name="Rectangle 5">
-              <a:extLst>
-                <a:ext uri="{FF2B5EF4-FFF2-40B4-BE49-F238E27FC236}">
-                  <a16:creationId xmlns:a16="http://schemas.microsoft.com/office/drawing/2014/main" id="{1D38F06A-7130-AC87-179C-0C18A1AA4CA8}"/>
-                </a:ext>
-              </a:extLst>
-            </p:cNvPr>
-            <p:cNvSpPr/>
-            <p:nvPr/>
-          </p:nvSpPr>
-          <p:spPr>
-            <a:xfrm>
-              <a:off x="838200" y="2094470"/>
-              <a:ext cx="2756930" cy="1408666"/>
-            </a:xfrm>
-            <a:prstGeom prst="rect">
-              <a:avLst/>
-            </a:prstGeom>
-          </p:spPr>
-          <p:style>
-            <a:lnRef idx="1">
-              <a:schemeClr val="accent3"/>
-            </a:lnRef>
-            <a:fillRef idx="2">
-              <a:schemeClr val="accent3"/>
-            </a:fillRef>
-            <a:effectRef idx="1">
-              <a:schemeClr val="accent3"/>
-            </a:effectRef>
-            <a:fontRef idx="minor">
-              <a:schemeClr val="dk1"/>
-            </a:fontRef>
-          </p:style>
-          <p:txBody>
-            <a:bodyPr rtlCol="0" anchor="ctr"/>
-            <a:lstStyle/>
-            <a:p>
-              <a:pPr algn="ctr"/>
-              <a:r>
-                <a:rPr lang="nl-NL" dirty="0" err="1"/>
-                <a:t>PyTorch</a:t>
-              </a:r>
-              <a:endParaRPr lang="nl-NL" dirty="0"/>
-            </a:p>
-            <a:p>
-              <a:pPr algn="ctr"/>
-              <a:r>
-                <a:rPr lang="nl-NL" dirty="0" err="1"/>
-                <a:t>Keras</a:t>
-              </a:r>
-              <a:endParaRPr lang="nl-NL" dirty="0"/>
-            </a:p>
-          </p:txBody>
-        </p:sp>
-        <p:sp>
-          <p:nvSpPr>
-            <p:cNvPr id="3" name="Rectangle 2">
-              <a:extLst>
-                <a:ext uri="{FF2B5EF4-FFF2-40B4-BE49-F238E27FC236}">
-                  <a16:creationId xmlns:a16="http://schemas.microsoft.com/office/drawing/2014/main" id="{0BCC9F7A-27F2-C61D-B926-0E68B6D7DAA4}"/>
-                </a:ext>
-              </a:extLst>
-            </p:cNvPr>
-            <p:cNvSpPr/>
-            <p:nvPr/>
-          </p:nvSpPr>
-          <p:spPr>
-            <a:xfrm>
-              <a:off x="838200" y="1711410"/>
-              <a:ext cx="2756930" cy="383059"/>
-            </a:xfrm>
-            <a:prstGeom prst="rect">
-              <a:avLst/>
-            </a:prstGeom>
-          </p:spPr>
-          <p:style>
-            <a:lnRef idx="1">
-              <a:schemeClr val="accent4"/>
-            </a:lnRef>
-            <a:fillRef idx="2">
-              <a:schemeClr val="accent4"/>
-            </a:fillRef>
-            <a:effectRef idx="1">
-              <a:schemeClr val="accent4"/>
-            </a:effectRef>
-            <a:fontRef idx="minor">
-              <a:schemeClr val="dk1"/>
-            </a:fontRef>
-          </p:style>
-          <p:txBody>
-            <a:bodyPr rtlCol="0" anchor="t"/>
-            <a:lstStyle/>
-            <a:p>
-              <a:pPr algn="ctr"/>
-              <a:r>
-                <a:rPr lang="nl-NL" b="1" dirty="0" err="1"/>
-                <a:t>Deep</a:t>
-              </a:r>
-              <a:r>
-                <a:rPr lang="nl-NL" b="1" dirty="0"/>
-                <a:t> Learning</a:t>
-              </a:r>
-            </a:p>
-          </p:txBody>
-        </p:sp>
-      </p:grpSp>
-      <p:grpSp>
-        <p:nvGrpSpPr>
-          <p:cNvPr id="17" name="Group 16">
-            <a:extLst>
-              <a:ext uri="{FF2B5EF4-FFF2-40B4-BE49-F238E27FC236}">
-                <a16:creationId xmlns:a16="http://schemas.microsoft.com/office/drawing/2014/main" id="{E0DF0368-47EB-A9DC-B3CC-1B3CA1E64867}"/>
-              </a:ext>
-            </a:extLst>
-          </p:cNvPr>
-          <p:cNvGrpSpPr/>
-          <p:nvPr/>
-        </p:nvGrpSpPr>
-        <p:grpSpPr>
-          <a:xfrm>
-            <a:off x="4643394" y="1711412"/>
-            <a:ext cx="2756931" cy="1791722"/>
-            <a:chOff x="4643394" y="1711412"/>
-            <a:chExt cx="2756931" cy="1791722"/>
-          </a:xfrm>
-        </p:grpSpPr>
-        <p:sp>
-          <p:nvSpPr>
-            <p:cNvPr id="7" name="Rectangle 6">
-              <a:extLst>
-                <a:ext uri="{FF2B5EF4-FFF2-40B4-BE49-F238E27FC236}">
-                  <a16:creationId xmlns:a16="http://schemas.microsoft.com/office/drawing/2014/main" id="{4FCD6A8C-29D6-E5C6-1838-8B707C443CD5}"/>
-                </a:ext>
-              </a:extLst>
-            </p:cNvPr>
-            <p:cNvSpPr/>
-            <p:nvPr/>
-          </p:nvSpPr>
-          <p:spPr>
-            <a:xfrm>
-              <a:off x="4643394" y="1711412"/>
-              <a:ext cx="2756931" cy="383057"/>
-            </a:xfrm>
-            <a:prstGeom prst="rect">
-              <a:avLst/>
-            </a:prstGeom>
-          </p:spPr>
-          <p:style>
-            <a:lnRef idx="1">
-              <a:schemeClr val="accent6"/>
-            </a:lnRef>
-            <a:fillRef idx="2">
-              <a:schemeClr val="accent6"/>
-            </a:fillRef>
-            <a:effectRef idx="1">
-              <a:schemeClr val="accent6"/>
-            </a:effectRef>
-            <a:fontRef idx="minor">
-              <a:schemeClr val="dk1"/>
-            </a:fontRef>
-          </p:style>
-          <p:txBody>
-            <a:bodyPr rtlCol="0" anchor="t"/>
-            <a:lstStyle/>
-            <a:p>
-              <a:pPr algn="ctr"/>
-              <a:r>
-                <a:rPr lang="nl-NL" dirty="0"/>
-                <a:t>Machine Learning</a:t>
-              </a:r>
-            </a:p>
-          </p:txBody>
-        </p:sp>
-        <p:sp>
-          <p:nvSpPr>
-            <p:cNvPr id="4" name="Rectangle 3">
-              <a:extLst>
-                <a:ext uri="{FF2B5EF4-FFF2-40B4-BE49-F238E27FC236}">
-                  <a16:creationId xmlns:a16="http://schemas.microsoft.com/office/drawing/2014/main" id="{2C38E716-E909-96D4-4449-564CCA453D46}"/>
-                </a:ext>
-              </a:extLst>
-            </p:cNvPr>
-            <p:cNvSpPr/>
-            <p:nvPr/>
-          </p:nvSpPr>
-          <p:spPr>
-            <a:xfrm>
-              <a:off x="4643394" y="2094469"/>
-              <a:ext cx="2756931" cy="1408665"/>
-            </a:xfrm>
-            <a:prstGeom prst="rect">
-              <a:avLst/>
-            </a:prstGeom>
-          </p:spPr>
-          <p:style>
-            <a:lnRef idx="1">
-              <a:schemeClr val="accent3"/>
-            </a:lnRef>
-            <a:fillRef idx="2">
-              <a:schemeClr val="accent3"/>
-            </a:fillRef>
-            <a:effectRef idx="1">
-              <a:schemeClr val="accent3"/>
-            </a:effectRef>
-            <a:fontRef idx="minor">
-              <a:schemeClr val="dk1"/>
-            </a:fontRef>
-          </p:style>
-          <p:txBody>
-            <a:bodyPr rtlCol="0" anchor="ctr"/>
-            <a:lstStyle/>
-            <a:p>
-              <a:pPr algn="ctr"/>
-              <a:r>
-                <a:rPr lang="nl-NL" dirty="0" err="1"/>
-                <a:t>scikit-learn</a:t>
-              </a:r>
-              <a:endParaRPr lang="nl-NL" dirty="0"/>
-            </a:p>
-            <a:p>
-              <a:pPr algn="ctr"/>
-              <a:r>
-                <a:rPr lang="nl-NL" dirty="0" err="1"/>
-                <a:t>LightGBM</a:t>
-              </a:r>
-              <a:endParaRPr lang="nl-NL" dirty="0"/>
-            </a:p>
-          </p:txBody>
-        </p:sp>
-      </p:grpSp>
-      <p:grpSp>
-        <p:nvGrpSpPr>
-          <p:cNvPr id="18" name="Group 17">
-            <a:extLst>
-              <a:ext uri="{FF2B5EF4-FFF2-40B4-BE49-F238E27FC236}">
-                <a16:creationId xmlns:a16="http://schemas.microsoft.com/office/drawing/2014/main" id="{90991C0E-5769-BE9C-7A45-FF1D2E979AAF}"/>
-              </a:ext>
-            </a:extLst>
-          </p:cNvPr>
-          <p:cNvGrpSpPr/>
-          <p:nvPr/>
-        </p:nvGrpSpPr>
-        <p:grpSpPr>
-          <a:xfrm>
-            <a:off x="1210739" y="1711412"/>
-            <a:ext cx="2756931" cy="1791722"/>
-            <a:chOff x="8448589" y="1711411"/>
-            <a:chExt cx="2756931" cy="1791722"/>
-          </a:xfrm>
-        </p:grpSpPr>
-        <p:sp>
-          <p:nvSpPr>
-            <p:cNvPr id="10" name="Rectangle 9">
-              <a:extLst>
-                <a:ext uri="{FF2B5EF4-FFF2-40B4-BE49-F238E27FC236}">
-                  <a16:creationId xmlns:a16="http://schemas.microsoft.com/office/drawing/2014/main" id="{06AA83AA-E066-ABF0-626E-4AF185EBD422}"/>
-                </a:ext>
-              </a:extLst>
-            </p:cNvPr>
-            <p:cNvSpPr/>
-            <p:nvPr/>
-          </p:nvSpPr>
-          <p:spPr>
-            <a:xfrm>
-              <a:off x="8448589" y="1711411"/>
-              <a:ext cx="2756930" cy="383057"/>
-            </a:xfrm>
-            <a:prstGeom prst="rect">
-              <a:avLst/>
-            </a:prstGeom>
-          </p:spPr>
-          <p:style>
-            <a:lnRef idx="1">
-              <a:schemeClr val="accent5"/>
-            </a:lnRef>
-            <a:fillRef idx="2">
-              <a:schemeClr val="accent5"/>
-            </a:fillRef>
-            <a:effectRef idx="1">
-              <a:schemeClr val="accent5"/>
-            </a:effectRef>
-            <a:fontRef idx="minor">
-              <a:schemeClr val="dk1"/>
-            </a:fontRef>
-          </p:style>
-          <p:txBody>
-            <a:bodyPr rtlCol="0" anchor="t"/>
-            <a:lstStyle/>
-            <a:p>
-              <a:pPr algn="ctr"/>
-              <a:r>
-                <a:rPr lang="nl-NL" dirty="0"/>
-                <a:t>Statistiek</a:t>
-              </a:r>
-            </a:p>
-          </p:txBody>
-        </p:sp>
-        <p:sp>
-          <p:nvSpPr>
-            <p:cNvPr id="9" name="Rectangle 8">
-              <a:extLst>
-                <a:ext uri="{FF2B5EF4-FFF2-40B4-BE49-F238E27FC236}">
-                  <a16:creationId xmlns:a16="http://schemas.microsoft.com/office/drawing/2014/main" id="{5812AC52-D6EC-F3C4-889C-01479D3B8644}"/>
-                </a:ext>
-              </a:extLst>
-            </p:cNvPr>
-            <p:cNvSpPr/>
-            <p:nvPr/>
-          </p:nvSpPr>
-          <p:spPr>
-            <a:xfrm>
-              <a:off x="8448589" y="2094468"/>
-              <a:ext cx="2756931" cy="1408665"/>
-            </a:xfrm>
-            <a:prstGeom prst="rect">
-              <a:avLst/>
-            </a:prstGeom>
-          </p:spPr>
-          <p:style>
-            <a:lnRef idx="1">
-              <a:schemeClr val="accent3"/>
-            </a:lnRef>
-            <a:fillRef idx="2">
-              <a:schemeClr val="accent3"/>
-            </a:fillRef>
-            <a:effectRef idx="1">
-              <a:schemeClr val="accent3"/>
-            </a:effectRef>
-            <a:fontRef idx="minor">
-              <a:schemeClr val="dk1"/>
-            </a:fontRef>
-          </p:style>
-          <p:txBody>
-            <a:bodyPr rtlCol="0" anchor="ctr"/>
-            <a:lstStyle/>
-            <a:p>
-              <a:pPr algn="ctr"/>
-              <a:r>
-                <a:rPr lang="nl-NL" dirty="0" err="1"/>
-                <a:t>statsmodels</a:t>
-              </a:r>
-              <a:endParaRPr lang="nl-NL" dirty="0"/>
-            </a:p>
-            <a:p>
-              <a:pPr algn="ctr"/>
-              <a:r>
-                <a:rPr lang="nl-NL" dirty="0" err="1"/>
-                <a:t>scipy</a:t>
-              </a:r>
-              <a:endParaRPr lang="nl-NL" dirty="0"/>
-            </a:p>
-          </p:txBody>
-        </p:sp>
-      </p:grpSp>
-      <p:grpSp>
-        <p:nvGrpSpPr>
-          <p:cNvPr id="12" name="Group 11">
-            <a:extLst>
-              <a:ext uri="{FF2B5EF4-FFF2-40B4-BE49-F238E27FC236}">
-                <a16:creationId xmlns:a16="http://schemas.microsoft.com/office/drawing/2014/main" id="{FBE57A9A-AFC4-C498-3A54-914F85369A61}"/>
-              </a:ext>
-            </a:extLst>
-          </p:cNvPr>
-          <p:cNvGrpSpPr/>
-          <p:nvPr/>
-        </p:nvGrpSpPr>
-        <p:grpSpPr>
-          <a:xfrm>
-            <a:off x="8076045" y="4504402"/>
-            <a:ext cx="2756930" cy="1398377"/>
-            <a:chOff x="7293591" y="4314423"/>
-            <a:chExt cx="2756930" cy="1398377"/>
-          </a:xfrm>
-        </p:grpSpPr>
-        <p:sp>
-          <p:nvSpPr>
-            <p:cNvPr id="5" name="Rectangle 4">
-              <a:extLst>
-                <a:ext uri="{FF2B5EF4-FFF2-40B4-BE49-F238E27FC236}">
-                  <a16:creationId xmlns:a16="http://schemas.microsoft.com/office/drawing/2014/main" id="{84488DC3-6414-14BB-E1C6-3BE9AFCE377B}"/>
-                </a:ext>
-              </a:extLst>
-            </p:cNvPr>
-            <p:cNvSpPr/>
-            <p:nvPr/>
-          </p:nvSpPr>
-          <p:spPr>
-            <a:xfrm>
-              <a:off x="7293591" y="4697486"/>
-              <a:ext cx="2756930" cy="1015314"/>
-            </a:xfrm>
-            <a:prstGeom prst="rect">
-              <a:avLst/>
-            </a:prstGeom>
-          </p:spPr>
-          <p:style>
-            <a:lnRef idx="1">
-              <a:schemeClr val="accent3"/>
-            </a:lnRef>
-            <a:fillRef idx="2">
-              <a:schemeClr val="accent3"/>
-            </a:fillRef>
-            <a:effectRef idx="1">
-              <a:schemeClr val="accent3"/>
-            </a:effectRef>
-            <a:fontRef idx="minor">
-              <a:schemeClr val="dk1"/>
-            </a:fontRef>
-          </p:style>
-          <p:txBody>
-            <a:bodyPr rtlCol="0" anchor="ctr"/>
-            <a:lstStyle/>
-            <a:p>
-              <a:pPr algn="ctr"/>
-              <a:r>
-                <a:rPr lang="nl-NL" dirty="0" err="1"/>
-                <a:t>SpaCy</a:t>
-              </a:r>
-              <a:r>
-                <a:rPr lang="nl-NL" dirty="0"/>
-                <a:t> </a:t>
-              </a:r>
-            </a:p>
-            <a:p>
-              <a:pPr algn="ctr"/>
-              <a:r>
-                <a:rPr lang="nl-NL" dirty="0"/>
-                <a:t>NLTK</a:t>
-              </a:r>
-            </a:p>
-          </p:txBody>
-        </p:sp>
-        <p:sp>
-          <p:nvSpPr>
-            <p:cNvPr id="11" name="Rectangle 10">
-              <a:extLst>
-                <a:ext uri="{FF2B5EF4-FFF2-40B4-BE49-F238E27FC236}">
-                  <a16:creationId xmlns:a16="http://schemas.microsoft.com/office/drawing/2014/main" id="{F6ED25AF-3F94-656D-09F2-3C2F6177585D}"/>
-                </a:ext>
-              </a:extLst>
-            </p:cNvPr>
-            <p:cNvSpPr/>
-            <p:nvPr/>
-          </p:nvSpPr>
-          <p:spPr>
-            <a:xfrm>
-              <a:off x="7293591" y="4314423"/>
-              <a:ext cx="2756930" cy="383059"/>
-            </a:xfrm>
-            <a:prstGeom prst="rect">
-              <a:avLst/>
-            </a:prstGeom>
-          </p:spPr>
-          <p:style>
-            <a:lnRef idx="1">
-              <a:schemeClr val="accent4"/>
-            </a:lnRef>
-            <a:fillRef idx="2">
-              <a:schemeClr val="accent4"/>
-            </a:fillRef>
-            <a:effectRef idx="1">
-              <a:schemeClr val="accent4"/>
-            </a:effectRef>
-            <a:fontRef idx="minor">
-              <a:schemeClr val="dk1"/>
-            </a:fontRef>
-          </p:style>
-          <p:txBody>
-            <a:bodyPr rtlCol="0" anchor="t"/>
-            <a:lstStyle/>
-            <a:p>
-              <a:pPr algn="ctr"/>
-              <a:r>
-                <a:rPr lang="nl-NL" b="1" dirty="0"/>
-                <a:t>Taal</a:t>
-              </a:r>
-            </a:p>
-          </p:txBody>
-        </p:sp>
-      </p:grpSp>
-      <p:grpSp>
-        <p:nvGrpSpPr>
-          <p:cNvPr id="15" name="Group 14">
-            <a:extLst>
-              <a:ext uri="{FF2B5EF4-FFF2-40B4-BE49-F238E27FC236}">
-                <a16:creationId xmlns:a16="http://schemas.microsoft.com/office/drawing/2014/main" id="{175D64CE-1FB0-2D19-C119-42342A9C5153}"/>
-              </a:ext>
-            </a:extLst>
-          </p:cNvPr>
-          <p:cNvGrpSpPr/>
-          <p:nvPr/>
-        </p:nvGrpSpPr>
-        <p:grpSpPr>
-          <a:xfrm>
-            <a:off x="4643395" y="4504402"/>
-            <a:ext cx="2756928" cy="1398373"/>
-            <a:chOff x="3756288" y="4314423"/>
-            <a:chExt cx="2756931" cy="1398373"/>
-          </a:xfrm>
-        </p:grpSpPr>
-        <p:sp>
-          <p:nvSpPr>
-            <p:cNvPr id="13" name="Rectangle 12">
-              <a:extLst>
-                <a:ext uri="{FF2B5EF4-FFF2-40B4-BE49-F238E27FC236}">
-                  <a16:creationId xmlns:a16="http://schemas.microsoft.com/office/drawing/2014/main" id="{DE70765D-3A84-BC81-EE9C-61DA59F9A0DD}"/>
-                </a:ext>
-              </a:extLst>
-            </p:cNvPr>
-            <p:cNvSpPr/>
-            <p:nvPr/>
-          </p:nvSpPr>
-          <p:spPr>
-            <a:xfrm>
-              <a:off x="3756289" y="4697482"/>
-              <a:ext cx="2756930" cy="1015314"/>
-            </a:xfrm>
-            <a:prstGeom prst="rect">
-              <a:avLst/>
-            </a:prstGeom>
-          </p:spPr>
-          <p:style>
-            <a:lnRef idx="1">
-              <a:schemeClr val="accent3"/>
-            </a:lnRef>
-            <a:fillRef idx="2">
-              <a:schemeClr val="accent3"/>
-            </a:fillRef>
-            <a:effectRef idx="1">
-              <a:schemeClr val="accent3"/>
-            </a:effectRef>
-            <a:fontRef idx="minor">
-              <a:schemeClr val="dk1"/>
-            </a:fontRef>
-          </p:style>
-          <p:txBody>
-            <a:bodyPr rtlCol="0" anchor="ctr"/>
-            <a:lstStyle/>
-            <a:p>
-              <a:pPr algn="ctr"/>
-              <a:r>
-                <a:rPr lang="nl-NL" dirty="0" err="1"/>
-                <a:t>Sktime</a:t>
-              </a:r>
-              <a:endParaRPr lang="nl-NL" dirty="0"/>
-            </a:p>
-            <a:p>
-              <a:pPr algn="ctr"/>
-              <a:r>
-                <a:rPr lang="nl-NL" dirty="0" err="1"/>
-                <a:t>PyFlux</a:t>
-              </a:r>
-              <a:endParaRPr lang="nl-NL" dirty="0"/>
-            </a:p>
-            <a:p>
-              <a:pPr algn="ctr"/>
-              <a:r>
-                <a:rPr lang="nl-NL" dirty="0" err="1"/>
-                <a:t>Prophet</a:t>
-              </a:r>
-              <a:endParaRPr lang="nl-NL" dirty="0"/>
-            </a:p>
-          </p:txBody>
-        </p:sp>
-        <p:sp>
-          <p:nvSpPr>
-            <p:cNvPr id="14" name="Rectangle 13">
-              <a:extLst>
-                <a:ext uri="{FF2B5EF4-FFF2-40B4-BE49-F238E27FC236}">
-                  <a16:creationId xmlns:a16="http://schemas.microsoft.com/office/drawing/2014/main" id="{3447C395-6417-FE82-93FC-AE20CEE356A1}"/>
-                </a:ext>
-              </a:extLst>
-            </p:cNvPr>
-            <p:cNvSpPr/>
-            <p:nvPr/>
-          </p:nvSpPr>
-          <p:spPr>
-            <a:xfrm>
-              <a:off x="3756288" y="4314423"/>
-              <a:ext cx="2756931" cy="383057"/>
-            </a:xfrm>
-            <a:prstGeom prst="rect">
-              <a:avLst/>
-            </a:prstGeom>
-          </p:spPr>
-          <p:style>
-            <a:lnRef idx="1">
-              <a:schemeClr val="accent6"/>
-            </a:lnRef>
-            <a:fillRef idx="2">
-              <a:schemeClr val="accent6"/>
-            </a:fillRef>
-            <a:effectRef idx="1">
-              <a:schemeClr val="accent6"/>
-            </a:effectRef>
-            <a:fontRef idx="minor">
-              <a:schemeClr val="dk1"/>
-            </a:fontRef>
-          </p:style>
-          <p:txBody>
-            <a:bodyPr rtlCol="0" anchor="t"/>
-            <a:lstStyle/>
-            <a:p>
-              <a:pPr algn="ctr"/>
-              <a:r>
-                <a:rPr lang="nl-NL" dirty="0"/>
-                <a:t>Tijdreeksen</a:t>
-              </a:r>
-            </a:p>
-          </p:txBody>
-        </p:sp>
-      </p:grpSp>
-      <p:grpSp>
-        <p:nvGrpSpPr>
-          <p:cNvPr id="22" name="Group 21">
-            <a:extLst>
-              <a:ext uri="{FF2B5EF4-FFF2-40B4-BE49-F238E27FC236}">
-                <a16:creationId xmlns:a16="http://schemas.microsoft.com/office/drawing/2014/main" id="{3C1079BF-1AB1-F78C-A525-47DC26228534}"/>
-              </a:ext>
-            </a:extLst>
-          </p:cNvPr>
-          <p:cNvGrpSpPr/>
-          <p:nvPr/>
-        </p:nvGrpSpPr>
-        <p:grpSpPr>
-          <a:xfrm>
-            <a:off x="1210740" y="4504402"/>
-            <a:ext cx="2756929" cy="1398373"/>
-            <a:chOff x="3756288" y="4314423"/>
-            <a:chExt cx="2756931" cy="1398373"/>
-          </a:xfrm>
-        </p:grpSpPr>
-        <p:sp>
-          <p:nvSpPr>
-            <p:cNvPr id="23" name="Rectangle 22">
-              <a:extLst>
-                <a:ext uri="{FF2B5EF4-FFF2-40B4-BE49-F238E27FC236}">
-                  <a16:creationId xmlns:a16="http://schemas.microsoft.com/office/drawing/2014/main" id="{632CDF7F-FA3A-CB88-2FA2-22FED616A9FF}"/>
-                </a:ext>
-              </a:extLst>
-            </p:cNvPr>
-            <p:cNvSpPr/>
-            <p:nvPr/>
-          </p:nvSpPr>
-          <p:spPr>
-            <a:xfrm>
-              <a:off x="3756289" y="4697482"/>
-              <a:ext cx="2756930" cy="1015314"/>
-            </a:xfrm>
-            <a:prstGeom prst="rect">
-              <a:avLst/>
-            </a:prstGeom>
-          </p:spPr>
-          <p:style>
-            <a:lnRef idx="1">
-              <a:schemeClr val="accent3"/>
-            </a:lnRef>
-            <a:fillRef idx="2">
-              <a:schemeClr val="accent3"/>
-            </a:fillRef>
-            <a:effectRef idx="1">
-              <a:schemeClr val="accent3"/>
-            </a:effectRef>
-            <a:fontRef idx="minor">
-              <a:schemeClr val="dk1"/>
-            </a:fontRef>
-          </p:style>
-          <p:txBody>
-            <a:bodyPr rtlCol="0" anchor="ctr"/>
-            <a:lstStyle/>
-            <a:p>
-              <a:pPr algn="ctr"/>
-              <a:r>
-                <a:rPr lang="nl-NL" dirty="0" err="1"/>
-                <a:t>PyMC</a:t>
-              </a:r>
-              <a:endParaRPr lang="nl-NL" dirty="0"/>
-            </a:p>
-            <a:p>
-              <a:pPr algn="ctr"/>
-              <a:r>
-                <a:rPr lang="nl-NL" dirty="0" err="1"/>
-                <a:t>Pyro</a:t>
-              </a:r>
-              <a:endParaRPr lang="nl-NL" dirty="0"/>
-            </a:p>
-          </p:txBody>
-        </p:sp>
-        <p:sp>
-          <p:nvSpPr>
-            <p:cNvPr id="24" name="Rectangle 23">
-              <a:extLst>
-                <a:ext uri="{FF2B5EF4-FFF2-40B4-BE49-F238E27FC236}">
-                  <a16:creationId xmlns:a16="http://schemas.microsoft.com/office/drawing/2014/main" id="{5ABAF762-DD5C-74F3-9DB8-43FF78C3E92C}"/>
-                </a:ext>
-              </a:extLst>
-            </p:cNvPr>
-            <p:cNvSpPr/>
-            <p:nvPr/>
-          </p:nvSpPr>
-          <p:spPr>
-            <a:xfrm>
-              <a:off x="3756288" y="4314423"/>
-              <a:ext cx="2756931" cy="383057"/>
-            </a:xfrm>
-            <a:prstGeom prst="rect">
-              <a:avLst/>
-            </a:prstGeom>
-          </p:spPr>
-          <p:style>
-            <a:lnRef idx="1">
-              <a:schemeClr val="accent5"/>
-            </a:lnRef>
-            <a:fillRef idx="2">
-              <a:schemeClr val="accent5"/>
-            </a:fillRef>
-            <a:effectRef idx="1">
-              <a:schemeClr val="accent5"/>
-            </a:effectRef>
-            <a:fontRef idx="minor">
-              <a:schemeClr val="dk1"/>
-            </a:fontRef>
-          </p:style>
-          <p:txBody>
-            <a:bodyPr rtlCol="0" anchor="t"/>
-            <a:lstStyle/>
-            <a:p>
-              <a:pPr algn="ctr"/>
-              <a:r>
-                <a:rPr lang="nl-NL" dirty="0"/>
-                <a:t>Probabilistisch</a:t>
-              </a:r>
-            </a:p>
-          </p:txBody>
-        </p:sp>
-      </p:grpSp>
-      <p:cxnSp>
-        <p:nvCxnSpPr>
-          <p:cNvPr id="8" name="Straight Arrow Connector 7">
-            <a:extLst>
-              <a:ext uri="{FF2B5EF4-FFF2-40B4-BE49-F238E27FC236}">
-                <a16:creationId xmlns:a16="http://schemas.microsoft.com/office/drawing/2014/main" id="{5EE83CE2-7002-F104-CFE0-2DEEF065C2CF}"/>
-              </a:ext>
-            </a:extLst>
-          </p:cNvPr>
-          <p:cNvCxnSpPr>
-            <a:cxnSpLocks/>
-          </p:cNvCxnSpPr>
-          <p:nvPr/>
-        </p:nvCxnSpPr>
-        <p:spPr>
-          <a:xfrm>
-            <a:off x="1210739" y="4118672"/>
-            <a:ext cx="9622240" cy="0"/>
-          </a:xfrm>
-          <a:prstGeom prst="straightConnector1">
-            <a:avLst/>
-          </a:prstGeom>
-          <a:ln>
-            <a:prstDash val="dash"/>
-            <a:headEnd type="none" w="sm" len="sm"/>
-            <a:tailEnd type="none" w="lg" len="lg"/>
-          </a:ln>
-        </p:spPr>
-        <p:style>
-          <a:lnRef idx="2">
-            <a:schemeClr val="dk1"/>
-          </a:lnRef>
-          <a:fillRef idx="0">
-            <a:schemeClr val="dk1"/>
-          </a:fillRef>
-          <a:effectRef idx="1">
-            <a:schemeClr val="dk1"/>
-          </a:effectRef>
-          <a:fontRef idx="minor">
-            <a:schemeClr val="tx1"/>
-          </a:fontRef>
-        </p:style>
-      </p:cxnSp>
-    </p:spTree>
-    <p:extLst>
-      <p:ext uri="{BB962C8B-B14F-4D97-AF65-F5344CB8AC3E}">
-        <p14:creationId xmlns:p14="http://schemas.microsoft.com/office/powerpoint/2010/main" val="338114652"/>
-      </p:ext>
-    </p:extLst>
-  </p:cSld>
-  <p:clrMapOvr>
-    <a:masterClrMapping/>
-  </p:clrMapOvr>
-</p:sld>
-</file>
-
 <file path=ppt/slides/slide6.xml><?xml version="1.0" encoding="utf-8"?>
 <p:sld xmlns:a="http://schemas.openxmlformats.org/drawingml/2006/main" xmlns:r="http://schemas.openxmlformats.org/officeDocument/2006/relationships" xmlns:p="http://schemas.openxmlformats.org/presentationml/2006/main">
   <p:cSld>
@@ -31421,6 +35213,16 @@
           <a:prstGeom prst="rect">
             <a:avLst/>
           </a:prstGeom>
+          <a:solidFill>
+            <a:schemeClr val="bg1">
+              <a:lumMod val="95000"/>
+            </a:schemeClr>
+          </a:solidFill>
+          <a:ln>
+            <a:solidFill>
+              <a:schemeClr val="tx1"/>
+            </a:solidFill>
+          </a:ln>
         </p:spPr>
         <p:style>
           <a:lnRef idx="1">
@@ -31468,6 +35270,16 @@
           <a:prstGeom prst="rect">
             <a:avLst/>
           </a:prstGeom>
+          <a:solidFill>
+            <a:schemeClr val="bg1">
+              <a:lumMod val="95000"/>
+            </a:schemeClr>
+          </a:solidFill>
+          <a:ln>
+            <a:solidFill>
+              <a:schemeClr val="tx1"/>
+            </a:solidFill>
+          </a:ln>
         </p:spPr>
         <p:style>
           <a:lnRef idx="1">
@@ -31515,6 +35327,16 @@
           <a:prstGeom prst="rect">
             <a:avLst/>
           </a:prstGeom>
+          <a:solidFill>
+            <a:schemeClr val="bg1">
+              <a:lumMod val="95000"/>
+            </a:schemeClr>
+          </a:solidFill>
+          <a:ln>
+            <a:solidFill>
+              <a:schemeClr val="tx1"/>
+            </a:solidFill>
+          </a:ln>
         </p:spPr>
         <p:style>
           <a:lnRef idx="1">
@@ -31562,6 +35384,16 @@
           <a:prstGeom prst="rect">
             <a:avLst/>
           </a:prstGeom>
+          <a:solidFill>
+            <a:schemeClr val="bg1">
+              <a:lumMod val="95000"/>
+            </a:schemeClr>
+          </a:solidFill>
+          <a:ln>
+            <a:solidFill>
+              <a:schemeClr val="tx1"/>
+            </a:solidFill>
+          </a:ln>
         </p:spPr>
         <p:style>
           <a:lnRef idx="1">
@@ -31589,6 +35421,132 @@
           </a:p>
         </p:txBody>
       </p:sp>
+      <p:cxnSp>
+        <p:nvCxnSpPr>
+          <p:cNvPr id="12" name="Connector: Elbow 11">
+            <a:extLst>
+              <a:ext uri="{FF2B5EF4-FFF2-40B4-BE49-F238E27FC236}">
+                <a16:creationId xmlns:a16="http://schemas.microsoft.com/office/drawing/2014/main" id="{D472EB4E-B9D0-04A8-E307-240516C920A0}"/>
+              </a:ext>
+            </a:extLst>
+          </p:cNvPr>
+          <p:cNvCxnSpPr>
+            <a:stCxn id="6" idx="2"/>
+            <a:endCxn id="7" idx="1"/>
+          </p:cNvCxnSpPr>
+          <p:nvPr/>
+        </p:nvCxnSpPr>
+        <p:spPr>
+          <a:xfrm rot="16200000" flipH="1">
+            <a:off x="2628398" y="2405951"/>
+            <a:ext cx="328800" cy="1485213"/>
+          </a:xfrm>
+          <a:prstGeom prst="bentConnector2">
+            <a:avLst/>
+          </a:prstGeom>
+          <a:ln>
+            <a:tailEnd type="triangle"/>
+          </a:ln>
+        </p:spPr>
+        <p:style>
+          <a:lnRef idx="1">
+            <a:schemeClr val="dk1"/>
+          </a:lnRef>
+          <a:fillRef idx="0">
+            <a:schemeClr val="dk1"/>
+          </a:fillRef>
+          <a:effectRef idx="0">
+            <a:schemeClr val="dk1"/>
+          </a:effectRef>
+          <a:fontRef idx="minor">
+            <a:schemeClr val="tx1"/>
+          </a:fontRef>
+        </p:style>
+      </p:cxnSp>
+      <p:cxnSp>
+        <p:nvCxnSpPr>
+          <p:cNvPr id="14" name="Connector: Elbow 13">
+            <a:extLst>
+              <a:ext uri="{FF2B5EF4-FFF2-40B4-BE49-F238E27FC236}">
+                <a16:creationId xmlns:a16="http://schemas.microsoft.com/office/drawing/2014/main" id="{D48A7BD3-06A9-5CD2-9B24-6B1C00AE05E5}"/>
+              </a:ext>
+            </a:extLst>
+          </p:cNvPr>
+          <p:cNvCxnSpPr>
+            <a:stCxn id="7" idx="2"/>
+            <a:endCxn id="10" idx="1"/>
+          </p:cNvCxnSpPr>
+          <p:nvPr/>
+        </p:nvCxnSpPr>
+        <p:spPr>
+          <a:xfrm rot="16200000" flipH="1">
+            <a:off x="5325603" y="3540074"/>
+            <a:ext cx="328800" cy="1485213"/>
+          </a:xfrm>
+          <a:prstGeom prst="bentConnector2">
+            <a:avLst/>
+          </a:prstGeom>
+          <a:ln>
+            <a:tailEnd type="triangle"/>
+          </a:ln>
+        </p:spPr>
+        <p:style>
+          <a:lnRef idx="1">
+            <a:schemeClr val="dk1"/>
+          </a:lnRef>
+          <a:fillRef idx="0">
+            <a:schemeClr val="dk1"/>
+          </a:fillRef>
+          <a:effectRef idx="0">
+            <a:schemeClr val="dk1"/>
+          </a:effectRef>
+          <a:fontRef idx="minor">
+            <a:schemeClr val="tx1"/>
+          </a:fontRef>
+        </p:style>
+      </p:cxnSp>
+      <p:cxnSp>
+        <p:nvCxnSpPr>
+          <p:cNvPr id="16" name="Connector: Elbow 15">
+            <a:extLst>
+              <a:ext uri="{FF2B5EF4-FFF2-40B4-BE49-F238E27FC236}">
+                <a16:creationId xmlns:a16="http://schemas.microsoft.com/office/drawing/2014/main" id="{F953DED8-884D-722C-57EB-0F771576D37C}"/>
+              </a:ext>
+            </a:extLst>
+          </p:cNvPr>
+          <p:cNvCxnSpPr>
+            <a:stCxn id="10" idx="2"/>
+            <a:endCxn id="11" idx="1"/>
+          </p:cNvCxnSpPr>
+          <p:nvPr/>
+        </p:nvCxnSpPr>
+        <p:spPr>
+          <a:xfrm rot="16200000" flipH="1">
+            <a:off x="8022809" y="4674197"/>
+            <a:ext cx="328800" cy="1485214"/>
+          </a:xfrm>
+          <a:prstGeom prst="bentConnector2">
+            <a:avLst/>
+          </a:prstGeom>
+          <a:ln>
+            <a:tailEnd type="triangle"/>
+          </a:ln>
+        </p:spPr>
+        <p:style>
+          <a:lnRef idx="1">
+            <a:schemeClr val="dk1"/>
+          </a:lnRef>
+          <a:fillRef idx="0">
+            <a:schemeClr val="dk1"/>
+          </a:fillRef>
+          <a:effectRef idx="0">
+            <a:schemeClr val="dk1"/>
+          </a:effectRef>
+          <a:fontRef idx="minor">
+            <a:schemeClr val="tx1"/>
+          </a:fontRef>
+        </p:style>
+      </p:cxnSp>
     </p:spTree>
     <p:extLst>
       <p:ext uri="{BB962C8B-B14F-4D97-AF65-F5344CB8AC3E}">
@@ -31674,6 +35632,16 @@
           <a:prstGeom prst="rect">
             <a:avLst/>
           </a:prstGeom>
+          <a:solidFill>
+            <a:schemeClr val="bg1">
+              <a:lumMod val="95000"/>
+            </a:schemeClr>
+          </a:solidFill>
+          <a:ln>
+            <a:solidFill>
+              <a:schemeClr val="tx1"/>
+            </a:solidFill>
+          </a:ln>
         </p:spPr>
         <p:style>
           <a:lnRef idx="1">
@@ -31760,6 +35728,16 @@
           <a:prstGeom prst="rect">
             <a:avLst/>
           </a:prstGeom>
+          <a:solidFill>
+            <a:schemeClr val="bg1">
+              <a:lumMod val="95000"/>
+            </a:schemeClr>
+          </a:solidFill>
+          <a:ln>
+            <a:solidFill>
+              <a:schemeClr val="tx1"/>
+            </a:solidFill>
+          </a:ln>
         </p:spPr>
         <p:style>
           <a:lnRef idx="1">
@@ -31843,6 +35821,16 @@
           <a:prstGeom prst="rect">
             <a:avLst/>
           </a:prstGeom>
+          <a:solidFill>
+            <a:schemeClr val="bg1">
+              <a:lumMod val="95000"/>
+            </a:schemeClr>
+          </a:solidFill>
+          <a:ln>
+            <a:solidFill>
+              <a:schemeClr val="tx1"/>
+            </a:solidFill>
+          </a:ln>
         </p:spPr>
         <p:style>
           <a:lnRef idx="1">
@@ -31905,6 +35893,16 @@
           <a:prstGeom prst="rect">
             <a:avLst/>
           </a:prstGeom>
+          <a:solidFill>
+            <a:schemeClr val="bg1">
+              <a:lumMod val="95000"/>
+            </a:schemeClr>
+          </a:solidFill>
+          <a:ln>
+            <a:solidFill>
+              <a:schemeClr val="tx1"/>
+            </a:solidFill>
+          </a:ln>
         </p:spPr>
         <p:style>
           <a:lnRef idx="1">
@@ -31947,6 +35945,132 @@
           </a:p>
         </p:txBody>
       </p:sp>
+      <p:cxnSp>
+        <p:nvCxnSpPr>
+          <p:cNvPr id="4" name="Connector: Elbow 3">
+            <a:extLst>
+              <a:ext uri="{FF2B5EF4-FFF2-40B4-BE49-F238E27FC236}">
+                <a16:creationId xmlns:a16="http://schemas.microsoft.com/office/drawing/2014/main" id="{A1D544B5-F2D8-C906-FC4C-3AD38D39E3CD}"/>
+              </a:ext>
+            </a:extLst>
+          </p:cNvPr>
+          <p:cNvCxnSpPr>
+            <a:stCxn id="6" idx="2"/>
+            <a:endCxn id="7" idx="1"/>
+          </p:cNvCxnSpPr>
+          <p:nvPr/>
+        </p:nvCxnSpPr>
+        <p:spPr>
+          <a:xfrm rot="16200000" flipH="1">
+            <a:off x="2628398" y="2405951"/>
+            <a:ext cx="328800" cy="1485213"/>
+          </a:xfrm>
+          <a:prstGeom prst="bentConnector2">
+            <a:avLst/>
+          </a:prstGeom>
+          <a:ln>
+            <a:tailEnd type="triangle"/>
+          </a:ln>
+        </p:spPr>
+        <p:style>
+          <a:lnRef idx="1">
+            <a:schemeClr val="dk1"/>
+          </a:lnRef>
+          <a:fillRef idx="0">
+            <a:schemeClr val="dk1"/>
+          </a:fillRef>
+          <a:effectRef idx="0">
+            <a:schemeClr val="dk1"/>
+          </a:effectRef>
+          <a:fontRef idx="minor">
+            <a:schemeClr val="tx1"/>
+          </a:fontRef>
+        </p:style>
+      </p:cxnSp>
+      <p:cxnSp>
+        <p:nvCxnSpPr>
+          <p:cNvPr id="8" name="Connector: Elbow 7">
+            <a:extLst>
+              <a:ext uri="{FF2B5EF4-FFF2-40B4-BE49-F238E27FC236}">
+                <a16:creationId xmlns:a16="http://schemas.microsoft.com/office/drawing/2014/main" id="{AFE094AF-A701-9378-A85C-99A4E665DE81}"/>
+              </a:ext>
+            </a:extLst>
+          </p:cNvPr>
+          <p:cNvCxnSpPr>
+            <a:stCxn id="7" idx="2"/>
+            <a:endCxn id="10" idx="1"/>
+          </p:cNvCxnSpPr>
+          <p:nvPr/>
+        </p:nvCxnSpPr>
+        <p:spPr>
+          <a:xfrm rot="16200000" flipH="1">
+            <a:off x="5325603" y="3540074"/>
+            <a:ext cx="328800" cy="1485213"/>
+          </a:xfrm>
+          <a:prstGeom prst="bentConnector2">
+            <a:avLst/>
+          </a:prstGeom>
+          <a:ln>
+            <a:tailEnd type="triangle"/>
+          </a:ln>
+        </p:spPr>
+        <p:style>
+          <a:lnRef idx="1">
+            <a:schemeClr val="dk1"/>
+          </a:lnRef>
+          <a:fillRef idx="0">
+            <a:schemeClr val="dk1"/>
+          </a:fillRef>
+          <a:effectRef idx="0">
+            <a:schemeClr val="dk1"/>
+          </a:effectRef>
+          <a:fontRef idx="minor">
+            <a:schemeClr val="tx1"/>
+          </a:fontRef>
+        </p:style>
+      </p:cxnSp>
+      <p:cxnSp>
+        <p:nvCxnSpPr>
+          <p:cNvPr id="12" name="Connector: Elbow 11">
+            <a:extLst>
+              <a:ext uri="{FF2B5EF4-FFF2-40B4-BE49-F238E27FC236}">
+                <a16:creationId xmlns:a16="http://schemas.microsoft.com/office/drawing/2014/main" id="{973A1135-AAD0-EF43-F17B-F96760F8AA68}"/>
+              </a:ext>
+            </a:extLst>
+          </p:cNvPr>
+          <p:cNvCxnSpPr>
+            <a:stCxn id="10" idx="2"/>
+            <a:endCxn id="11" idx="1"/>
+          </p:cNvCxnSpPr>
+          <p:nvPr/>
+        </p:nvCxnSpPr>
+        <p:spPr>
+          <a:xfrm rot="16200000" flipH="1">
+            <a:off x="8022809" y="4674197"/>
+            <a:ext cx="328800" cy="1485214"/>
+          </a:xfrm>
+          <a:prstGeom prst="bentConnector2">
+            <a:avLst/>
+          </a:prstGeom>
+          <a:ln>
+            <a:tailEnd type="triangle"/>
+          </a:ln>
+        </p:spPr>
+        <p:style>
+          <a:lnRef idx="1">
+            <a:schemeClr val="dk1"/>
+          </a:lnRef>
+          <a:fillRef idx="0">
+            <a:schemeClr val="dk1"/>
+          </a:fillRef>
+          <a:effectRef idx="0">
+            <a:schemeClr val="dk1"/>
+          </a:effectRef>
+          <a:fontRef idx="minor">
+            <a:schemeClr val="tx1"/>
+          </a:fontRef>
+        </p:style>
+      </p:cxnSp>
     </p:spTree>
     <p:extLst>
       <p:ext uri="{BB962C8B-B14F-4D97-AF65-F5344CB8AC3E}">

--- a/python_course/4_scikit_learn/python_cursus_4.pptx
+++ b/python_course/4_scikit_learn/python_cursus_4.pptx
@@ -5,7 +5,7 @@
     <p:sldMasterId id="2147483648" r:id="rId1"/>
   </p:sldMasterIdLst>
   <p:notesMasterIdLst>
-    <p:notesMasterId r:id="rId55"/>
+    <p:notesMasterId r:id="rId56"/>
   </p:notesMasterIdLst>
   <p:sldIdLst>
     <p:sldId id="334" r:id="rId2"/>
@@ -35,32 +35,33 @@
     <p:sldId id="397" r:id="rId26"/>
     <p:sldId id="399" r:id="rId27"/>
     <p:sldId id="398" r:id="rId28"/>
-    <p:sldId id="366" r:id="rId29"/>
-    <p:sldId id="382" r:id="rId30"/>
-    <p:sldId id="345" r:id="rId31"/>
-    <p:sldId id="358" r:id="rId32"/>
-    <p:sldId id="361" r:id="rId33"/>
-    <p:sldId id="368" r:id="rId34"/>
-    <p:sldId id="391" r:id="rId35"/>
-    <p:sldId id="392" r:id="rId36"/>
-    <p:sldId id="390" r:id="rId37"/>
-    <p:sldId id="395" r:id="rId38"/>
-    <p:sldId id="383" r:id="rId39"/>
-    <p:sldId id="362" r:id="rId40"/>
-    <p:sldId id="385" r:id="rId41"/>
-    <p:sldId id="384" r:id="rId42"/>
-    <p:sldId id="370" r:id="rId43"/>
-    <p:sldId id="377" r:id="rId44"/>
-    <p:sldId id="371" r:id="rId45"/>
-    <p:sldId id="372" r:id="rId46"/>
-    <p:sldId id="373" r:id="rId47"/>
-    <p:sldId id="374" r:id="rId48"/>
-    <p:sldId id="375" r:id="rId49"/>
-    <p:sldId id="336" r:id="rId50"/>
-    <p:sldId id="378" r:id="rId51"/>
-    <p:sldId id="380" r:id="rId52"/>
-    <p:sldId id="381" r:id="rId53"/>
-    <p:sldId id="387" r:id="rId54"/>
+    <p:sldId id="400" r:id="rId29"/>
+    <p:sldId id="366" r:id="rId30"/>
+    <p:sldId id="382" r:id="rId31"/>
+    <p:sldId id="345" r:id="rId32"/>
+    <p:sldId id="358" r:id="rId33"/>
+    <p:sldId id="361" r:id="rId34"/>
+    <p:sldId id="368" r:id="rId35"/>
+    <p:sldId id="391" r:id="rId36"/>
+    <p:sldId id="392" r:id="rId37"/>
+    <p:sldId id="390" r:id="rId38"/>
+    <p:sldId id="395" r:id="rId39"/>
+    <p:sldId id="383" r:id="rId40"/>
+    <p:sldId id="362" r:id="rId41"/>
+    <p:sldId id="385" r:id="rId42"/>
+    <p:sldId id="384" r:id="rId43"/>
+    <p:sldId id="370" r:id="rId44"/>
+    <p:sldId id="377" r:id="rId45"/>
+    <p:sldId id="371" r:id="rId46"/>
+    <p:sldId id="372" r:id="rId47"/>
+    <p:sldId id="373" r:id="rId48"/>
+    <p:sldId id="374" r:id="rId49"/>
+    <p:sldId id="375" r:id="rId50"/>
+    <p:sldId id="336" r:id="rId51"/>
+    <p:sldId id="378" r:id="rId52"/>
+    <p:sldId id="380" r:id="rId53"/>
+    <p:sldId id="381" r:id="rId54"/>
+    <p:sldId id="387" r:id="rId55"/>
   </p:sldIdLst>
   <p:sldSz cx="12192000" cy="6858000"/>
   <p:notesSz cx="6858000" cy="9144000"/>
@@ -1158,7 +1159,7 @@
           <a:p>
             <a:fld id="{6F54D322-06CD-4C3F-9549-759BC5FDB94E}" type="datetimeFigureOut">
               <a:rPr lang="nl-NL" smtClean="0"/>
-              <a:t>11-10-2024</a:t>
+              <a:t>14-10-2024</a:t>
             </a:fld>
             <a:endParaRPr lang="nl-NL"/>
           </a:p>
@@ -1514,6 +1515,94 @@
 </p:notes>
 </file>
 
+<file path=ppt/notesSlides/notesSlide10.xml><?xml version="1.0" encoding="utf-8"?>
+<p:notes xmlns:a="http://schemas.openxmlformats.org/drawingml/2006/main" xmlns:r="http://schemas.openxmlformats.org/officeDocument/2006/relationships" xmlns:p="http://schemas.openxmlformats.org/presentationml/2006/main">
+  <p:cSld>
+    <p:spTree>
+      <p:nvGrpSpPr>
+        <p:cNvPr id="1" name=""/>
+        <p:cNvGrpSpPr/>
+        <p:nvPr/>
+      </p:nvGrpSpPr>
+      <p:grpSpPr>
+        <a:xfrm>
+          <a:off x="0" y="0"/>
+          <a:ext cx="0" cy="0"/>
+          <a:chOff x="0" y="0"/>
+          <a:chExt cx="0" cy="0"/>
+        </a:xfrm>
+      </p:grpSpPr>
+      <p:sp>
+        <p:nvSpPr>
+          <p:cNvPr id="2" name="Slide Image Placeholder 1"/>
+          <p:cNvSpPr>
+            <a:spLocks noGrp="1" noRot="1" noChangeAspect="1"/>
+          </p:cNvSpPr>
+          <p:nvPr>
+            <p:ph type="sldImg"/>
+          </p:nvPr>
+        </p:nvSpPr>
+        <p:spPr/>
+      </p:sp>
+      <p:sp>
+        <p:nvSpPr>
+          <p:cNvPr id="3" name="Notes Placeholder 2"/>
+          <p:cNvSpPr>
+            <a:spLocks noGrp="1"/>
+          </p:cNvSpPr>
+          <p:nvPr>
+            <p:ph type="body" idx="1"/>
+          </p:nvPr>
+        </p:nvSpPr>
+        <p:spPr/>
+        <p:txBody>
+          <a:bodyPr/>
+          <a:lstStyle/>
+          <a:p>
+            <a:r>
+              <a:rPr lang="en-US" dirty="0"/>
+              <a:t>Notebook: 3_validation.ipynb</a:t>
+            </a:r>
+            <a:endParaRPr lang="nl-NL" dirty="0"/>
+          </a:p>
+        </p:txBody>
+      </p:sp>
+      <p:sp>
+        <p:nvSpPr>
+          <p:cNvPr id="4" name="Slide Number Placeholder 3"/>
+          <p:cNvSpPr>
+            <a:spLocks noGrp="1"/>
+          </p:cNvSpPr>
+          <p:nvPr>
+            <p:ph type="sldNum" sz="quarter" idx="5"/>
+          </p:nvPr>
+        </p:nvSpPr>
+        <p:spPr/>
+        <p:txBody>
+          <a:bodyPr/>
+          <a:lstStyle/>
+          <a:p>
+            <a:fld id="{E65DFEEA-F20E-4282-B486-E48C3273787F}" type="slidenum">
+              <a:rPr lang="nl-NL" smtClean="0"/>
+              <a:t>33</a:t>
+            </a:fld>
+            <a:endParaRPr lang="nl-NL"/>
+          </a:p>
+        </p:txBody>
+      </p:sp>
+    </p:spTree>
+    <p:extLst>
+      <p:ext uri="{BB962C8B-B14F-4D97-AF65-F5344CB8AC3E}">
+        <p14:creationId xmlns:p14="http://schemas.microsoft.com/office/powerpoint/2010/main" val="14703383"/>
+      </p:ext>
+    </p:extLst>
+  </p:cSld>
+  <p:clrMapOvr>
+    <a:masterClrMapping/>
+  </p:clrMapOvr>
+</p:notes>
+</file>
+
 <file path=ppt/notesSlides/notesSlide2.xml><?xml version="1.0" encoding="utf-8"?>
 <p:notes xmlns:a="http://schemas.openxmlformats.org/drawingml/2006/main" xmlns:r="http://schemas.openxmlformats.org/officeDocument/2006/relationships" xmlns:p="http://schemas.openxmlformats.org/presentationml/2006/main">
   <p:cSld>
@@ -2157,10 +2246,6 @@
               <a:tabLst/>
               <a:defRPr/>
             </a:pPr>
-            <a:r>
-              <a:rPr lang="en-US" dirty="0"/>
-              <a:t>Notebook: 2_modelling.ipynb</a:t>
-            </a:r>
             <a:endParaRPr lang="nl-NL" dirty="0"/>
           </a:p>
         </p:txBody>
@@ -2212,7 +2297,13 @@
   <p:cSld>
     <p:spTree>
       <p:nvGrpSpPr>
-        <p:cNvPr id="1" name=""/>
+        <p:cNvPr id="1" name="">
+          <a:extLst>
+            <a:ext uri="{FF2B5EF4-FFF2-40B4-BE49-F238E27FC236}">
+              <a16:creationId xmlns:a16="http://schemas.microsoft.com/office/drawing/2014/main" id="{E1505CB5-EE8D-E7DA-CC4C-533094926363}"/>
+            </a:ext>
+          </a:extLst>
+        </p:cNvPr>
         <p:cNvGrpSpPr/>
         <p:nvPr/>
       </p:nvGrpSpPr>
@@ -2226,7 +2317,13 @@
       </p:grpSpPr>
       <p:sp>
         <p:nvSpPr>
-          <p:cNvPr id="2" name="Slide Image Placeholder 1"/>
+          <p:cNvPr id="2" name="Slide Image Placeholder 1">
+            <a:extLst>
+              <a:ext uri="{FF2B5EF4-FFF2-40B4-BE49-F238E27FC236}">
+                <a16:creationId xmlns:a16="http://schemas.microsoft.com/office/drawing/2014/main" id="{40D7489B-8632-33C9-22C2-D5D07BA9FFC7}"/>
+              </a:ext>
+            </a:extLst>
+          </p:cNvPr>
           <p:cNvSpPr>
             <a:spLocks noGrp="1" noRot="1" noChangeAspect="1"/>
           </p:cNvSpPr>
@@ -2238,7 +2335,13 @@
       </p:sp>
       <p:sp>
         <p:nvSpPr>
-          <p:cNvPr id="3" name="Notes Placeholder 2"/>
+          <p:cNvPr id="3" name="Notes Placeholder 2">
+            <a:extLst>
+              <a:ext uri="{FF2B5EF4-FFF2-40B4-BE49-F238E27FC236}">
+                <a16:creationId xmlns:a16="http://schemas.microsoft.com/office/drawing/2014/main" id="{ADB331B4-BBBD-0FF4-AED1-8E283740217B}"/>
+              </a:ext>
+            </a:extLst>
+          </p:cNvPr>
           <p:cNvSpPr>
             <a:spLocks noGrp="1"/>
           </p:cNvSpPr>
@@ -2251,13 +2354,40 @@
           <a:bodyPr/>
           <a:lstStyle/>
           <a:p>
+            <a:pPr marL="0" marR="0" lvl="0" indent="0" algn="l" defTabSz="914400" rtl="0" eaLnBrk="1" fontAlgn="auto" latinLnBrk="0" hangingPunct="1">
+              <a:lnSpc>
+                <a:spcPct val="100000"/>
+              </a:lnSpc>
+              <a:spcBef>
+                <a:spcPts val="0"/>
+              </a:spcBef>
+              <a:spcAft>
+                <a:spcPts val="0"/>
+              </a:spcAft>
+              <a:buClrTx/>
+              <a:buSzTx/>
+              <a:buFontTx/>
+              <a:buNone/>
+              <a:tabLst/>
+              <a:defRPr/>
+            </a:pPr>
+            <a:r>
+              <a:rPr lang="en-US" dirty="0"/>
+              <a:t>Notebook: 2_modelling.ipynb</a:t>
+            </a:r>
             <a:endParaRPr lang="nl-NL" dirty="0"/>
           </a:p>
         </p:txBody>
       </p:sp>
       <p:sp>
         <p:nvSpPr>
-          <p:cNvPr id="4" name="Slide Number Placeholder 3"/>
+          <p:cNvPr id="4" name="Slide Number Placeholder 3">
+            <a:extLst>
+              <a:ext uri="{FF2B5EF4-FFF2-40B4-BE49-F238E27FC236}">
+                <a16:creationId xmlns:a16="http://schemas.microsoft.com/office/drawing/2014/main" id="{C739722A-F98B-CAD9-7A1A-8EC4114A5DF5}"/>
+              </a:ext>
+            </a:extLst>
+          </p:cNvPr>
           <p:cNvSpPr>
             <a:spLocks noGrp="1"/>
           </p:cNvSpPr>
@@ -2281,7 +2411,7 @@
     </p:spTree>
     <p:extLst>
       <p:ext uri="{BB962C8B-B14F-4D97-AF65-F5344CB8AC3E}">
-        <p14:creationId xmlns:p14="http://schemas.microsoft.com/office/powerpoint/2010/main" val="1120669651"/>
+        <p14:creationId xmlns:p14="http://schemas.microsoft.com/office/powerpoint/2010/main" val="1757277655"/>
       </p:ext>
     </p:extLst>
   </p:cSld>
@@ -2335,10 +2465,6 @@
           <a:bodyPr/>
           <a:lstStyle/>
           <a:p>
-            <a:r>
-              <a:rPr lang="en-US" dirty="0"/>
-              <a:t>Notebook: 3_validation.ipynb</a:t>
-            </a:r>
             <a:endParaRPr lang="nl-NL" dirty="0"/>
           </a:p>
         </p:txBody>
@@ -2360,7 +2486,7 @@
           <a:p>
             <a:fld id="{E65DFEEA-F20E-4282-B486-E48C3273787F}" type="slidenum">
               <a:rPr lang="nl-NL" smtClean="0"/>
-              <a:t>32</a:t>
+              <a:t>29</a:t>
             </a:fld>
             <a:endParaRPr lang="nl-NL"/>
           </a:p>
@@ -2369,7 +2495,7 @@
     </p:spTree>
     <p:extLst>
       <p:ext uri="{BB962C8B-B14F-4D97-AF65-F5344CB8AC3E}">
-        <p14:creationId xmlns:p14="http://schemas.microsoft.com/office/powerpoint/2010/main" val="14703383"/>
+        <p14:creationId xmlns:p14="http://schemas.microsoft.com/office/powerpoint/2010/main" val="1120669651"/>
       </p:ext>
     </p:extLst>
   </p:cSld>
@@ -2528,7 +2654,7 @@
           <a:p>
             <a:fld id="{5E9D55AD-DA6B-4A9D-BFE6-D0A1673E6EA9}" type="datetimeFigureOut">
               <a:rPr lang="en-NL" smtClean="0"/>
-              <a:t>11/10/2024</a:t>
+              <a:t>14/10/2024</a:t>
             </a:fld>
             <a:endParaRPr lang="en-NL"/>
           </a:p>
@@ -2728,7 +2854,7 @@
           <a:p>
             <a:fld id="{5E9D55AD-DA6B-4A9D-BFE6-D0A1673E6EA9}" type="datetimeFigureOut">
               <a:rPr lang="en-NL" smtClean="0"/>
-              <a:t>11/10/2024</a:t>
+              <a:t>14/10/2024</a:t>
             </a:fld>
             <a:endParaRPr lang="en-NL"/>
           </a:p>
@@ -2938,7 +3064,7 @@
           <a:p>
             <a:fld id="{5E9D55AD-DA6B-4A9D-BFE6-D0A1673E6EA9}" type="datetimeFigureOut">
               <a:rPr lang="en-NL" smtClean="0"/>
-              <a:t>11/10/2024</a:t>
+              <a:t>14/10/2024</a:t>
             </a:fld>
             <a:endParaRPr lang="en-NL"/>
           </a:p>
@@ -3138,7 +3264,7 @@
           <a:p>
             <a:fld id="{5E9D55AD-DA6B-4A9D-BFE6-D0A1673E6EA9}" type="datetimeFigureOut">
               <a:rPr lang="en-NL" smtClean="0"/>
-              <a:t>11/10/2024</a:t>
+              <a:t>14/10/2024</a:t>
             </a:fld>
             <a:endParaRPr lang="en-NL"/>
           </a:p>
@@ -3414,7 +3540,7 @@
           <a:p>
             <a:fld id="{5E9D55AD-DA6B-4A9D-BFE6-D0A1673E6EA9}" type="datetimeFigureOut">
               <a:rPr lang="en-NL" smtClean="0"/>
-              <a:t>11/10/2024</a:t>
+              <a:t>14/10/2024</a:t>
             </a:fld>
             <a:endParaRPr lang="en-NL"/>
           </a:p>
@@ -3682,7 +3808,7 @@
           <a:p>
             <a:fld id="{5E9D55AD-DA6B-4A9D-BFE6-D0A1673E6EA9}" type="datetimeFigureOut">
               <a:rPr lang="en-NL" smtClean="0"/>
-              <a:t>11/10/2024</a:t>
+              <a:t>14/10/2024</a:t>
             </a:fld>
             <a:endParaRPr lang="en-NL"/>
           </a:p>
@@ -4097,7 +4223,7 @@
           <a:p>
             <a:fld id="{5E9D55AD-DA6B-4A9D-BFE6-D0A1673E6EA9}" type="datetimeFigureOut">
               <a:rPr lang="en-NL" smtClean="0"/>
-              <a:t>11/10/2024</a:t>
+              <a:t>14/10/2024</a:t>
             </a:fld>
             <a:endParaRPr lang="en-NL"/>
           </a:p>
@@ -4239,7 +4365,7 @@
           <a:p>
             <a:fld id="{5E9D55AD-DA6B-4A9D-BFE6-D0A1673E6EA9}" type="datetimeFigureOut">
               <a:rPr lang="en-NL" smtClean="0"/>
-              <a:t>11/10/2024</a:t>
+              <a:t>14/10/2024</a:t>
             </a:fld>
             <a:endParaRPr lang="en-NL"/>
           </a:p>
@@ -4352,7 +4478,7 @@
           <a:p>
             <a:fld id="{5E9D55AD-DA6B-4A9D-BFE6-D0A1673E6EA9}" type="datetimeFigureOut">
               <a:rPr lang="en-NL" smtClean="0"/>
-              <a:t>11/10/2024</a:t>
+              <a:t>14/10/2024</a:t>
             </a:fld>
             <a:endParaRPr lang="en-NL"/>
           </a:p>
@@ -4665,7 +4791,7 @@
           <a:p>
             <a:fld id="{5E9D55AD-DA6B-4A9D-BFE6-D0A1673E6EA9}" type="datetimeFigureOut">
               <a:rPr lang="en-NL" smtClean="0"/>
-              <a:t>11/10/2024</a:t>
+              <a:t>14/10/2024</a:t>
             </a:fld>
             <a:endParaRPr lang="en-NL"/>
           </a:p>
@@ -4954,7 +5080,7 @@
           <a:p>
             <a:fld id="{5E9D55AD-DA6B-4A9D-BFE6-D0A1673E6EA9}" type="datetimeFigureOut">
               <a:rPr lang="en-NL" smtClean="0"/>
-              <a:t>11/10/2024</a:t>
+              <a:t>14/10/2024</a:t>
             </a:fld>
             <a:endParaRPr lang="en-NL"/>
           </a:p>
@@ -5197,7 +5323,7 @@
           <a:p>
             <a:fld id="{5E9D55AD-DA6B-4A9D-BFE6-D0A1673E6EA9}" type="datetimeFigureOut">
               <a:rPr lang="en-NL" smtClean="0"/>
-              <a:t>11/10/2024</a:t>
+              <a:t>14/10/2024</a:t>
             </a:fld>
             <a:endParaRPr lang="en-NL"/>
           </a:p>
@@ -17528,6 +17654,370 @@
   <p:cSld>
     <p:spTree>
       <p:nvGrpSpPr>
+        <p:cNvPr id="1" name="">
+          <a:extLst>
+            <a:ext uri="{FF2B5EF4-FFF2-40B4-BE49-F238E27FC236}">
+              <a16:creationId xmlns:a16="http://schemas.microsoft.com/office/drawing/2014/main" id="{2B6E9FE2-DD41-914F-E7A0-1679BE26BF5F}"/>
+            </a:ext>
+          </a:extLst>
+        </p:cNvPr>
+        <p:cNvGrpSpPr/>
+        <p:nvPr/>
+      </p:nvGrpSpPr>
+      <p:grpSpPr>
+        <a:xfrm>
+          <a:off x="0" y="0"/>
+          <a:ext cx="0" cy="0"/>
+          <a:chOff x="0" y="0"/>
+          <a:chExt cx="0" cy="0"/>
+        </a:xfrm>
+      </p:grpSpPr>
+      <p:sp>
+        <p:nvSpPr>
+          <p:cNvPr id="2" name="Title 1">
+            <a:extLst>
+              <a:ext uri="{FF2B5EF4-FFF2-40B4-BE49-F238E27FC236}">
+                <a16:creationId xmlns:a16="http://schemas.microsoft.com/office/drawing/2014/main" id="{C4B62FD0-C386-A4C3-DC55-45C08C900669}"/>
+              </a:ext>
+            </a:extLst>
+          </p:cNvPr>
+          <p:cNvSpPr>
+            <a:spLocks noGrp="1"/>
+          </p:cNvSpPr>
+          <p:nvPr>
+            <p:ph type="title"/>
+          </p:nvPr>
+        </p:nvSpPr>
+        <p:spPr>
+          <a:xfrm>
+            <a:off x="838200" y="365126"/>
+            <a:ext cx="10515600" cy="718608"/>
+          </a:xfrm>
+        </p:spPr>
+        <p:txBody>
+          <a:bodyPr>
+            <a:normAutofit/>
+          </a:bodyPr>
+          <a:lstStyle/>
+          <a:p>
+            <a:r>
+              <a:rPr lang="nl-NL" sz="3600" noProof="0" dirty="0"/>
+              <a:t>Niet altijd optimaal</a:t>
+            </a:r>
+          </a:p>
+        </p:txBody>
+      </p:sp>
+      <p:pic>
+        <p:nvPicPr>
+          <p:cNvPr id="4" name="Picture 3">
+            <a:extLst>
+              <a:ext uri="{FF2B5EF4-FFF2-40B4-BE49-F238E27FC236}">
+                <a16:creationId xmlns:a16="http://schemas.microsoft.com/office/drawing/2014/main" id="{DB977701-EFBD-E654-EC4C-44D35E5DC824}"/>
+              </a:ext>
+            </a:extLst>
+          </p:cNvPr>
+          <p:cNvPicPr>
+            <a:picLocks noChangeAspect="1"/>
+          </p:cNvPicPr>
+          <p:nvPr/>
+        </p:nvPicPr>
+        <p:blipFill>
+          <a:blip r:embed="rId3">
+            <a:extLst>
+              <a:ext uri="{28A0092B-C50C-407E-A947-70E740481C1C}">
+                <a14:useLocalDpi xmlns:a14="http://schemas.microsoft.com/office/drawing/2010/main" val="0"/>
+              </a:ext>
+            </a:extLst>
+          </a:blip>
+          <a:srcRect l="12541" r="12353"/>
+          <a:stretch/>
+        </p:blipFill>
+        <p:spPr>
+          <a:xfrm>
+            <a:off x="838200" y="1986673"/>
+            <a:ext cx="4941454" cy="3090720"/>
+          </a:xfrm>
+          <a:prstGeom prst="rect">
+            <a:avLst/>
+          </a:prstGeom>
+        </p:spPr>
+      </p:pic>
+      <p:sp>
+        <p:nvSpPr>
+          <p:cNvPr id="5" name="Content Placeholder 2">
+            <a:extLst>
+              <a:ext uri="{FF2B5EF4-FFF2-40B4-BE49-F238E27FC236}">
+                <a16:creationId xmlns:a16="http://schemas.microsoft.com/office/drawing/2014/main" id="{B43BED5D-8F6B-2F77-3166-4F6201A99E15}"/>
+              </a:ext>
+            </a:extLst>
+          </p:cNvPr>
+          <p:cNvSpPr txBox="1">
+            <a:spLocks/>
+          </p:cNvSpPr>
+          <p:nvPr/>
+        </p:nvSpPr>
+        <p:spPr>
+          <a:xfrm>
+            <a:off x="6412349" y="1507067"/>
+            <a:ext cx="4941452" cy="4720696"/>
+          </a:xfrm>
+          <a:prstGeom prst="rect">
+            <a:avLst/>
+          </a:prstGeom>
+        </p:spPr>
+        <p:txBody>
+          <a:bodyPr vert="horz" lIns="91440" tIns="45720" rIns="91440" bIns="45720" rtlCol="0">
+            <a:normAutofit/>
+          </a:bodyPr>
+          <a:lstStyle>
+            <a:lvl1pPr marL="228600" indent="-228600" algn="l" defTabSz="914400" rtl="0" eaLnBrk="1" latinLnBrk="0" hangingPunct="1">
+              <a:lnSpc>
+                <a:spcPct val="90000"/>
+              </a:lnSpc>
+              <a:spcBef>
+                <a:spcPts val="1000"/>
+              </a:spcBef>
+              <a:buFont typeface="Arial" panose="020B0604020202020204" pitchFamily="34" charset="0"/>
+              <a:buChar char="•"/>
+              <a:defRPr sz="2800" kern="1200">
+                <a:solidFill>
+                  <a:schemeClr val="tx1"/>
+                </a:solidFill>
+                <a:latin typeface="+mn-lt"/>
+                <a:ea typeface="+mn-ea"/>
+                <a:cs typeface="+mn-cs"/>
+              </a:defRPr>
+            </a:lvl1pPr>
+            <a:lvl2pPr marL="685800" indent="-228600" algn="l" defTabSz="914400" rtl="0" eaLnBrk="1" latinLnBrk="0" hangingPunct="1">
+              <a:lnSpc>
+                <a:spcPct val="90000"/>
+              </a:lnSpc>
+              <a:spcBef>
+                <a:spcPts val="500"/>
+              </a:spcBef>
+              <a:buFont typeface="Arial" panose="020B0604020202020204" pitchFamily="34" charset="0"/>
+              <a:buChar char="•"/>
+              <a:defRPr sz="2400" kern="1200">
+                <a:solidFill>
+                  <a:schemeClr val="tx1"/>
+                </a:solidFill>
+                <a:latin typeface="+mn-lt"/>
+                <a:ea typeface="+mn-ea"/>
+                <a:cs typeface="+mn-cs"/>
+              </a:defRPr>
+            </a:lvl2pPr>
+            <a:lvl3pPr marL="1143000" indent="-228600" algn="l" defTabSz="914400" rtl="0" eaLnBrk="1" latinLnBrk="0" hangingPunct="1">
+              <a:lnSpc>
+                <a:spcPct val="90000"/>
+              </a:lnSpc>
+              <a:spcBef>
+                <a:spcPts val="500"/>
+              </a:spcBef>
+              <a:buFont typeface="Arial" panose="020B0604020202020204" pitchFamily="34" charset="0"/>
+              <a:buChar char="•"/>
+              <a:defRPr sz="2000" kern="1200">
+                <a:solidFill>
+                  <a:schemeClr val="tx1"/>
+                </a:solidFill>
+                <a:latin typeface="+mn-lt"/>
+                <a:ea typeface="+mn-ea"/>
+                <a:cs typeface="+mn-cs"/>
+              </a:defRPr>
+            </a:lvl3pPr>
+            <a:lvl4pPr marL="1600200" indent="-228600" algn="l" defTabSz="914400" rtl="0" eaLnBrk="1" latinLnBrk="0" hangingPunct="1">
+              <a:lnSpc>
+                <a:spcPct val="90000"/>
+              </a:lnSpc>
+              <a:spcBef>
+                <a:spcPts val="500"/>
+              </a:spcBef>
+              <a:buFont typeface="Arial" panose="020B0604020202020204" pitchFamily="34" charset="0"/>
+              <a:buChar char="•"/>
+              <a:defRPr sz="1800" kern="1200">
+                <a:solidFill>
+                  <a:schemeClr val="tx1"/>
+                </a:solidFill>
+                <a:latin typeface="+mn-lt"/>
+                <a:ea typeface="+mn-ea"/>
+                <a:cs typeface="+mn-cs"/>
+              </a:defRPr>
+            </a:lvl4pPr>
+            <a:lvl5pPr marL="2057400" indent="-228600" algn="l" defTabSz="914400" rtl="0" eaLnBrk="1" latinLnBrk="0" hangingPunct="1">
+              <a:lnSpc>
+                <a:spcPct val="90000"/>
+              </a:lnSpc>
+              <a:spcBef>
+                <a:spcPts val="500"/>
+              </a:spcBef>
+              <a:buFont typeface="Arial" panose="020B0604020202020204" pitchFamily="34" charset="0"/>
+              <a:buChar char="•"/>
+              <a:defRPr sz="1800" kern="1200">
+                <a:solidFill>
+                  <a:schemeClr val="tx1"/>
+                </a:solidFill>
+                <a:latin typeface="+mn-lt"/>
+                <a:ea typeface="+mn-ea"/>
+                <a:cs typeface="+mn-cs"/>
+              </a:defRPr>
+            </a:lvl5pPr>
+            <a:lvl6pPr marL="2514600" indent="-228600" algn="l" defTabSz="914400" rtl="0" eaLnBrk="1" latinLnBrk="0" hangingPunct="1">
+              <a:lnSpc>
+                <a:spcPct val="90000"/>
+              </a:lnSpc>
+              <a:spcBef>
+                <a:spcPts val="500"/>
+              </a:spcBef>
+              <a:buFont typeface="Arial" panose="020B0604020202020204" pitchFamily="34" charset="0"/>
+              <a:buChar char="•"/>
+              <a:defRPr sz="1800" kern="1200">
+                <a:solidFill>
+                  <a:schemeClr val="tx1"/>
+                </a:solidFill>
+                <a:latin typeface="+mn-lt"/>
+                <a:ea typeface="+mn-ea"/>
+                <a:cs typeface="+mn-cs"/>
+              </a:defRPr>
+            </a:lvl6pPr>
+            <a:lvl7pPr marL="2971800" indent="-228600" algn="l" defTabSz="914400" rtl="0" eaLnBrk="1" latinLnBrk="0" hangingPunct="1">
+              <a:lnSpc>
+                <a:spcPct val="90000"/>
+              </a:lnSpc>
+              <a:spcBef>
+                <a:spcPts val="500"/>
+              </a:spcBef>
+              <a:buFont typeface="Arial" panose="020B0604020202020204" pitchFamily="34" charset="0"/>
+              <a:buChar char="•"/>
+              <a:defRPr sz="1800" kern="1200">
+                <a:solidFill>
+                  <a:schemeClr val="tx1"/>
+                </a:solidFill>
+                <a:latin typeface="+mn-lt"/>
+                <a:ea typeface="+mn-ea"/>
+                <a:cs typeface="+mn-cs"/>
+              </a:defRPr>
+            </a:lvl7pPr>
+            <a:lvl8pPr marL="3429000" indent="-228600" algn="l" defTabSz="914400" rtl="0" eaLnBrk="1" latinLnBrk="0" hangingPunct="1">
+              <a:lnSpc>
+                <a:spcPct val="90000"/>
+              </a:lnSpc>
+              <a:spcBef>
+                <a:spcPts val="500"/>
+              </a:spcBef>
+              <a:buFont typeface="Arial" panose="020B0604020202020204" pitchFamily="34" charset="0"/>
+              <a:buChar char="•"/>
+              <a:defRPr sz="1800" kern="1200">
+                <a:solidFill>
+                  <a:schemeClr val="tx1"/>
+                </a:solidFill>
+                <a:latin typeface="+mn-lt"/>
+                <a:ea typeface="+mn-ea"/>
+                <a:cs typeface="+mn-cs"/>
+              </a:defRPr>
+            </a:lvl8pPr>
+            <a:lvl9pPr marL="3886200" indent="-228600" algn="l" defTabSz="914400" rtl="0" eaLnBrk="1" latinLnBrk="0" hangingPunct="1">
+              <a:lnSpc>
+                <a:spcPct val="90000"/>
+              </a:lnSpc>
+              <a:spcBef>
+                <a:spcPts val="500"/>
+              </a:spcBef>
+              <a:buFont typeface="Arial" panose="020B0604020202020204" pitchFamily="34" charset="0"/>
+              <a:buChar char="•"/>
+              <a:defRPr sz="1800" kern="1200">
+                <a:solidFill>
+                  <a:schemeClr val="tx1"/>
+                </a:solidFill>
+                <a:latin typeface="+mn-lt"/>
+                <a:ea typeface="+mn-ea"/>
+                <a:cs typeface="+mn-cs"/>
+              </a:defRPr>
+            </a:lvl9pPr>
+          </a:lstStyle>
+          <a:p>
+            <a:pPr marL="0" indent="0">
+              <a:buNone/>
+            </a:pPr>
+            <a:r>
+              <a:rPr lang="nl-NL" sz="2000" dirty="0"/>
+              <a:t>Model convergeert niet altijd naar (globaal) optimum:</a:t>
+            </a:r>
+          </a:p>
+          <a:p>
+            <a:pPr marL="0" indent="0">
+              <a:buNone/>
+            </a:pPr>
+            <a:endParaRPr lang="nl-NL" sz="2000" dirty="0"/>
+          </a:p>
+          <a:p>
+            <a:pPr>
+              <a:buFontTx/>
+              <a:buChar char="-"/>
+            </a:pPr>
+            <a:r>
+              <a:rPr lang="nl-NL" sz="2000" dirty="0"/>
+              <a:t>Kan terecht komen in een lokaal optimum, dat net minder goed is.</a:t>
+            </a:r>
+          </a:p>
+          <a:p>
+            <a:pPr>
+              <a:buFontTx/>
+              <a:buChar char="-"/>
+            </a:pPr>
+            <a:endParaRPr lang="nl-NL" sz="2000" dirty="0"/>
+          </a:p>
+          <a:p>
+            <a:pPr>
+              <a:buFontTx/>
+              <a:buChar char="-"/>
+            </a:pPr>
+            <a:r>
+              <a:rPr lang="nl-NL" sz="2000" dirty="0"/>
+              <a:t>Kan terecht komen op een plateau, waardoor progressie stopt.</a:t>
+            </a:r>
+          </a:p>
+          <a:p>
+            <a:pPr marL="0" indent="0">
+              <a:buNone/>
+            </a:pPr>
+            <a:endParaRPr lang="nl-NL" sz="2000" dirty="0"/>
+          </a:p>
+          <a:p>
+            <a:pPr marL="0" indent="0">
+              <a:buNone/>
+            </a:pPr>
+            <a:r>
+              <a:rPr lang="nl-NL" sz="2000" dirty="0"/>
+              <a:t>Afhankelijk van waar </a:t>
+            </a:r>
+            <a:r>
+              <a:rPr lang="nl-NL" sz="2000"/>
+              <a:t>de optimalisatie start</a:t>
+            </a:r>
+            <a:r>
+              <a:rPr lang="nl-NL" sz="2000" dirty="0"/>
+              <a:t>!</a:t>
+            </a:r>
+          </a:p>
+        </p:txBody>
+      </p:sp>
+    </p:spTree>
+    <p:extLst>
+      <p:ext uri="{BB962C8B-B14F-4D97-AF65-F5344CB8AC3E}">
+        <p14:creationId xmlns:p14="http://schemas.microsoft.com/office/powerpoint/2010/main" val="3545815801"/>
+      </p:ext>
+    </p:extLst>
+  </p:cSld>
+  <p:clrMapOvr>
+    <a:masterClrMapping/>
+  </p:clrMapOvr>
+</p:sld>
+</file>
+
+<file path=ppt/slides/slide29.xml><?xml version="1.0" encoding="utf-8"?>
+<p:sld xmlns:a="http://schemas.openxmlformats.org/drawingml/2006/main" xmlns:r="http://schemas.openxmlformats.org/officeDocument/2006/relationships" xmlns:p="http://schemas.openxmlformats.org/presentationml/2006/main">
+  <p:cSld>
+    <p:spTree>
+      <p:nvGrpSpPr>
         <p:cNvPr id="1" name=""/>
         <p:cNvGrpSpPr/>
         <p:nvPr/>
@@ -18413,227 +18903,6 @@
 </p:sld>
 </file>
 
-<file path=ppt/slides/slide29.xml><?xml version="1.0" encoding="utf-8"?>
-<p:sld xmlns:a="http://schemas.openxmlformats.org/drawingml/2006/main" xmlns:r="http://schemas.openxmlformats.org/officeDocument/2006/relationships" xmlns:p="http://schemas.openxmlformats.org/presentationml/2006/main">
-  <p:cSld>
-    <p:spTree>
-      <p:nvGrpSpPr>
-        <p:cNvPr id="1" name=""/>
-        <p:cNvGrpSpPr/>
-        <p:nvPr/>
-      </p:nvGrpSpPr>
-      <p:grpSpPr>
-        <a:xfrm>
-          <a:off x="0" y="0"/>
-          <a:ext cx="0" cy="0"/>
-          <a:chOff x="0" y="0"/>
-          <a:chExt cx="0" cy="0"/>
-        </a:xfrm>
-      </p:grpSpPr>
-      <p:sp>
-        <p:nvSpPr>
-          <p:cNvPr id="2" name="Title 1">
-            <a:extLst>
-              <a:ext uri="{FF2B5EF4-FFF2-40B4-BE49-F238E27FC236}">
-                <a16:creationId xmlns:a16="http://schemas.microsoft.com/office/drawing/2014/main" id="{39A1D606-8DD1-369C-5C09-471CDD551AD5}"/>
-              </a:ext>
-            </a:extLst>
-          </p:cNvPr>
-          <p:cNvSpPr>
-            <a:spLocks noGrp="1"/>
-          </p:cNvSpPr>
-          <p:nvPr>
-            <p:ph type="title"/>
-          </p:nvPr>
-        </p:nvSpPr>
-        <p:spPr>
-          <a:xfrm>
-            <a:off x="838200" y="365126"/>
-            <a:ext cx="10515600" cy="718608"/>
-          </a:xfrm>
-        </p:spPr>
-        <p:txBody>
-          <a:bodyPr>
-            <a:normAutofit/>
-          </a:bodyPr>
-          <a:lstStyle/>
-          <a:p>
-            <a:r>
-              <a:rPr lang="nl-NL" sz="3600" noProof="0" dirty="0"/>
-              <a:t>Oefeningen III</a:t>
-            </a:r>
-          </a:p>
-        </p:txBody>
-      </p:sp>
-      <p:sp>
-        <p:nvSpPr>
-          <p:cNvPr id="3" name="Content Placeholder 2">
-            <a:extLst>
-              <a:ext uri="{FF2B5EF4-FFF2-40B4-BE49-F238E27FC236}">
-                <a16:creationId xmlns:a16="http://schemas.microsoft.com/office/drawing/2014/main" id="{F4C2D286-E049-0AAB-1360-B7157E11AD7E}"/>
-              </a:ext>
-            </a:extLst>
-          </p:cNvPr>
-          <p:cNvSpPr>
-            <a:spLocks noGrp="1"/>
-          </p:cNvSpPr>
-          <p:nvPr>
-            <p:ph idx="1"/>
-          </p:nvPr>
-        </p:nvSpPr>
-        <p:spPr>
-          <a:xfrm>
-            <a:off x="838200" y="1456267"/>
-            <a:ext cx="10375900" cy="4720696"/>
-          </a:xfrm>
-        </p:spPr>
-        <p:txBody>
-          <a:bodyPr>
-            <a:normAutofit/>
-          </a:bodyPr>
-          <a:lstStyle/>
-          <a:p>
-            <a:pPr marL="457200" indent="-457200">
-              <a:buFont typeface="Arial" panose="020B0604020202020204" pitchFamily="34" charset="0"/>
-              <a:buAutoNum type="arabicPeriod"/>
-            </a:pPr>
-            <a:r>
-              <a:rPr lang="nl-NL" sz="2000" dirty="0"/>
-              <a:t>Open Notebook: </a:t>
-            </a:r>
-            <a:r>
-              <a:rPr lang="nl-NL" sz="2000" dirty="0" err="1">
-                <a:latin typeface="Courier New" panose="02070309020205020404" pitchFamily="49" charset="0"/>
-                <a:cs typeface="Courier New" panose="02070309020205020404" pitchFamily="49" charset="0"/>
-              </a:rPr>
-              <a:t>exercises</a:t>
-            </a:r>
-            <a:r>
-              <a:rPr lang="nl-NL" sz="2000" dirty="0">
-                <a:latin typeface="Courier New" panose="02070309020205020404" pitchFamily="49" charset="0"/>
-                <a:cs typeface="Courier New" panose="02070309020205020404" pitchFamily="49" charset="0"/>
-              </a:rPr>
-              <a:t>/4_modelling.ipynb</a:t>
-            </a:r>
-          </a:p>
-          <a:p>
-            <a:pPr marL="457200" lvl="1" indent="0">
-              <a:buNone/>
-            </a:pPr>
-            <a:endParaRPr lang="nl-NL" sz="2000" noProof="0" dirty="0"/>
-          </a:p>
-          <a:p>
-            <a:pPr marL="457200" indent="-457200">
-              <a:buFont typeface="+mj-lt"/>
-              <a:buAutoNum type="arabicPeriod"/>
-            </a:pPr>
-            <a:r>
-              <a:rPr lang="nl-NL" sz="2000" dirty="0"/>
-              <a:t>Maak een </a:t>
-            </a:r>
-            <a:r>
-              <a:rPr lang="nl-NL" sz="2000" dirty="0" err="1">
-                <a:latin typeface="Courier New" panose="02070309020205020404" pitchFamily="49" charset="0"/>
-                <a:cs typeface="Courier New" panose="02070309020205020404" pitchFamily="49" charset="0"/>
-              </a:rPr>
-              <a:t>RandomForestClassifier</a:t>
-            </a:r>
-            <a:r>
-              <a:rPr lang="nl-NL" sz="2000" dirty="0"/>
-              <a:t>.</a:t>
-            </a:r>
-          </a:p>
-          <a:p>
-            <a:pPr lvl="1"/>
-            <a:r>
-              <a:rPr lang="nl-NL" sz="2000" noProof="0" dirty="0"/>
-              <a:t>Prepareer de data zodat deze geschikt is voor het model</a:t>
-            </a:r>
-            <a:r>
-              <a:rPr lang="nl-NL" sz="2000" dirty="0"/>
-              <a:t>.</a:t>
-            </a:r>
-          </a:p>
-          <a:p>
-            <a:pPr lvl="1"/>
-            <a:r>
-              <a:rPr lang="nl-NL" sz="2000" noProof="0" dirty="0"/>
-              <a:t>Welke variabelen zijn belangrijk in het model?</a:t>
-            </a:r>
-          </a:p>
-          <a:p>
-            <a:pPr marL="457200" indent="-457200">
-              <a:buFont typeface="+mj-lt"/>
-              <a:buAutoNum type="arabicPeriod"/>
-            </a:pPr>
-            <a:endParaRPr lang="nl-NL" sz="2000" noProof="0" dirty="0"/>
-          </a:p>
-          <a:p>
-            <a:pPr marL="457200" indent="-457200">
-              <a:buFont typeface="+mj-lt"/>
-              <a:buAutoNum type="arabicPeriod"/>
-            </a:pPr>
-            <a:r>
-              <a:rPr lang="nl-NL" sz="2000" dirty="0"/>
-              <a:t>Gebruik </a:t>
-            </a:r>
-            <a:r>
-              <a:rPr lang="nl-NL" sz="2000" dirty="0" err="1">
-                <a:latin typeface="Courier New" panose="02070309020205020404" pitchFamily="49" charset="0"/>
-                <a:cs typeface="Courier New" panose="02070309020205020404" pitchFamily="49" charset="0"/>
-              </a:rPr>
-              <a:t>predict_proba</a:t>
-            </a:r>
-            <a:r>
-              <a:rPr lang="nl-NL" sz="2000" dirty="0">
-                <a:latin typeface="Courier New" panose="02070309020205020404" pitchFamily="49" charset="0"/>
-                <a:cs typeface="Courier New" panose="02070309020205020404" pitchFamily="49" charset="0"/>
-              </a:rPr>
-              <a:t>()</a:t>
-            </a:r>
-            <a:r>
-              <a:rPr lang="nl-NL" sz="2000" dirty="0"/>
-              <a:t> om de kans op "yes" te achterhalen.</a:t>
-            </a:r>
-          </a:p>
-          <a:p>
-            <a:pPr lvl="1"/>
-            <a:r>
-              <a:rPr lang="nl-NL" sz="2000" noProof="0" dirty="0"/>
-              <a:t>Over welke 10 records was het model het meest onzeker?</a:t>
-            </a:r>
-          </a:p>
-          <a:p>
-            <a:pPr lvl="1"/>
-            <a:r>
-              <a:rPr lang="nl-NL" sz="2000" noProof="0" dirty="0"/>
-              <a:t>Over welke records </a:t>
-            </a:r>
-            <a:r>
-              <a:rPr lang="nl-NL" sz="2000" noProof="0" dirty="0" err="1"/>
-              <a:t>wa</a:t>
-            </a:r>
-            <a:r>
-              <a:rPr lang="nl-NL" sz="2000" dirty="0"/>
-              <a:t>s het model heel zeker, maar klopte de voorspelling niet?</a:t>
-            </a:r>
-            <a:endParaRPr lang="nl-NL" sz="2000" noProof="0" dirty="0"/>
-          </a:p>
-        </p:txBody>
-      </p:sp>
-    </p:spTree>
-    <p:extLst>
-      <p:ext uri="{BB962C8B-B14F-4D97-AF65-F5344CB8AC3E}">
-        <p14:creationId xmlns:p14="http://schemas.microsoft.com/office/powerpoint/2010/main" val="1531896841"/>
-      </p:ext>
-    </p:extLst>
-  </p:cSld>
-  <p:clrMapOvr>
-    <a:masterClrMapping/>
-  </p:clrMapOvr>
-</p:sld>
-</file>
-
 <file path=ppt/slides/slide3.xml><?xml version="1.0" encoding="utf-8"?>
 <p:sld xmlns:a="http://schemas.openxmlformats.org/drawingml/2006/main" xmlns:r="http://schemas.openxmlformats.org/officeDocument/2006/relationships" xmlns:p="http://schemas.openxmlformats.org/presentationml/2006/main">
   <p:cSld>
@@ -18736,6 +19005,227 @@
       </p:grpSpPr>
       <p:sp>
         <p:nvSpPr>
+          <p:cNvPr id="2" name="Title 1">
+            <a:extLst>
+              <a:ext uri="{FF2B5EF4-FFF2-40B4-BE49-F238E27FC236}">
+                <a16:creationId xmlns:a16="http://schemas.microsoft.com/office/drawing/2014/main" id="{39A1D606-8DD1-369C-5C09-471CDD551AD5}"/>
+              </a:ext>
+            </a:extLst>
+          </p:cNvPr>
+          <p:cNvSpPr>
+            <a:spLocks noGrp="1"/>
+          </p:cNvSpPr>
+          <p:nvPr>
+            <p:ph type="title"/>
+          </p:nvPr>
+        </p:nvSpPr>
+        <p:spPr>
+          <a:xfrm>
+            <a:off x="838200" y="365126"/>
+            <a:ext cx="10515600" cy="718608"/>
+          </a:xfrm>
+        </p:spPr>
+        <p:txBody>
+          <a:bodyPr>
+            <a:normAutofit/>
+          </a:bodyPr>
+          <a:lstStyle/>
+          <a:p>
+            <a:r>
+              <a:rPr lang="nl-NL" sz="3600" noProof="0" dirty="0"/>
+              <a:t>Oefeningen III</a:t>
+            </a:r>
+          </a:p>
+        </p:txBody>
+      </p:sp>
+      <p:sp>
+        <p:nvSpPr>
+          <p:cNvPr id="3" name="Content Placeholder 2">
+            <a:extLst>
+              <a:ext uri="{FF2B5EF4-FFF2-40B4-BE49-F238E27FC236}">
+                <a16:creationId xmlns:a16="http://schemas.microsoft.com/office/drawing/2014/main" id="{F4C2D286-E049-0AAB-1360-B7157E11AD7E}"/>
+              </a:ext>
+            </a:extLst>
+          </p:cNvPr>
+          <p:cNvSpPr>
+            <a:spLocks noGrp="1"/>
+          </p:cNvSpPr>
+          <p:nvPr>
+            <p:ph idx="1"/>
+          </p:nvPr>
+        </p:nvSpPr>
+        <p:spPr>
+          <a:xfrm>
+            <a:off x="838200" y="1456267"/>
+            <a:ext cx="10375900" cy="4720696"/>
+          </a:xfrm>
+        </p:spPr>
+        <p:txBody>
+          <a:bodyPr>
+            <a:normAutofit/>
+          </a:bodyPr>
+          <a:lstStyle/>
+          <a:p>
+            <a:pPr marL="457200" indent="-457200">
+              <a:buFont typeface="Arial" panose="020B0604020202020204" pitchFamily="34" charset="0"/>
+              <a:buAutoNum type="arabicPeriod"/>
+            </a:pPr>
+            <a:r>
+              <a:rPr lang="nl-NL" sz="2000" dirty="0"/>
+              <a:t>Open Notebook: </a:t>
+            </a:r>
+            <a:r>
+              <a:rPr lang="nl-NL" sz="2000" dirty="0" err="1">
+                <a:latin typeface="Courier New" panose="02070309020205020404" pitchFamily="49" charset="0"/>
+                <a:cs typeface="Courier New" panose="02070309020205020404" pitchFamily="49" charset="0"/>
+              </a:rPr>
+              <a:t>exercises</a:t>
+            </a:r>
+            <a:r>
+              <a:rPr lang="nl-NL" sz="2000" dirty="0">
+                <a:latin typeface="Courier New" panose="02070309020205020404" pitchFamily="49" charset="0"/>
+                <a:cs typeface="Courier New" panose="02070309020205020404" pitchFamily="49" charset="0"/>
+              </a:rPr>
+              <a:t>/4_modelling.ipynb</a:t>
+            </a:r>
+          </a:p>
+          <a:p>
+            <a:pPr marL="457200" lvl="1" indent="0">
+              <a:buNone/>
+            </a:pPr>
+            <a:endParaRPr lang="nl-NL" sz="2000" noProof="0" dirty="0"/>
+          </a:p>
+          <a:p>
+            <a:pPr marL="457200" indent="-457200">
+              <a:buFont typeface="+mj-lt"/>
+              <a:buAutoNum type="arabicPeriod"/>
+            </a:pPr>
+            <a:r>
+              <a:rPr lang="nl-NL" sz="2000" dirty="0"/>
+              <a:t>Maak een </a:t>
+            </a:r>
+            <a:r>
+              <a:rPr lang="nl-NL" sz="2000" dirty="0" err="1">
+                <a:latin typeface="Courier New" panose="02070309020205020404" pitchFamily="49" charset="0"/>
+                <a:cs typeface="Courier New" panose="02070309020205020404" pitchFamily="49" charset="0"/>
+              </a:rPr>
+              <a:t>RandomForestClassifier</a:t>
+            </a:r>
+            <a:r>
+              <a:rPr lang="nl-NL" sz="2000" dirty="0"/>
+              <a:t>.</a:t>
+            </a:r>
+          </a:p>
+          <a:p>
+            <a:pPr lvl="1"/>
+            <a:r>
+              <a:rPr lang="nl-NL" sz="2000" noProof="0" dirty="0"/>
+              <a:t>Prepareer de data zodat deze geschikt is voor het model</a:t>
+            </a:r>
+            <a:r>
+              <a:rPr lang="nl-NL" sz="2000" dirty="0"/>
+              <a:t>.</a:t>
+            </a:r>
+          </a:p>
+          <a:p>
+            <a:pPr lvl="1"/>
+            <a:r>
+              <a:rPr lang="nl-NL" sz="2000" noProof="0" dirty="0"/>
+              <a:t>Welke variabelen zijn belangrijk in het model?</a:t>
+            </a:r>
+          </a:p>
+          <a:p>
+            <a:pPr marL="457200" indent="-457200">
+              <a:buFont typeface="+mj-lt"/>
+              <a:buAutoNum type="arabicPeriod"/>
+            </a:pPr>
+            <a:endParaRPr lang="nl-NL" sz="2000" noProof="0" dirty="0"/>
+          </a:p>
+          <a:p>
+            <a:pPr marL="457200" indent="-457200">
+              <a:buFont typeface="+mj-lt"/>
+              <a:buAutoNum type="arabicPeriod"/>
+            </a:pPr>
+            <a:r>
+              <a:rPr lang="nl-NL" sz="2000" dirty="0"/>
+              <a:t>Gebruik </a:t>
+            </a:r>
+            <a:r>
+              <a:rPr lang="nl-NL" sz="2000" dirty="0" err="1">
+                <a:latin typeface="Courier New" panose="02070309020205020404" pitchFamily="49" charset="0"/>
+                <a:cs typeface="Courier New" panose="02070309020205020404" pitchFamily="49" charset="0"/>
+              </a:rPr>
+              <a:t>predict_proba</a:t>
+            </a:r>
+            <a:r>
+              <a:rPr lang="nl-NL" sz="2000" dirty="0">
+                <a:latin typeface="Courier New" panose="02070309020205020404" pitchFamily="49" charset="0"/>
+                <a:cs typeface="Courier New" panose="02070309020205020404" pitchFamily="49" charset="0"/>
+              </a:rPr>
+              <a:t>()</a:t>
+            </a:r>
+            <a:r>
+              <a:rPr lang="nl-NL" sz="2000" dirty="0"/>
+              <a:t> om de kans op "yes" te achterhalen.</a:t>
+            </a:r>
+          </a:p>
+          <a:p>
+            <a:pPr lvl="1"/>
+            <a:r>
+              <a:rPr lang="nl-NL" sz="2000" noProof="0" dirty="0"/>
+              <a:t>Over welke 10 records was het model het meest onzeker?</a:t>
+            </a:r>
+          </a:p>
+          <a:p>
+            <a:pPr lvl="1"/>
+            <a:r>
+              <a:rPr lang="nl-NL" sz="2000" noProof="0" dirty="0"/>
+              <a:t>Over welke records </a:t>
+            </a:r>
+            <a:r>
+              <a:rPr lang="nl-NL" sz="2000" noProof="0" dirty="0" err="1"/>
+              <a:t>wa</a:t>
+            </a:r>
+            <a:r>
+              <a:rPr lang="nl-NL" sz="2000" dirty="0"/>
+              <a:t>s het model heel zeker, maar klopte de voorspelling niet?</a:t>
+            </a:r>
+            <a:endParaRPr lang="nl-NL" sz="2000" noProof="0" dirty="0"/>
+          </a:p>
+        </p:txBody>
+      </p:sp>
+    </p:spTree>
+    <p:extLst>
+      <p:ext uri="{BB962C8B-B14F-4D97-AF65-F5344CB8AC3E}">
+        <p14:creationId xmlns:p14="http://schemas.microsoft.com/office/powerpoint/2010/main" val="1531896841"/>
+      </p:ext>
+    </p:extLst>
+  </p:cSld>
+  <p:clrMapOvr>
+    <a:masterClrMapping/>
+  </p:clrMapOvr>
+</p:sld>
+</file>
+
+<file path=ppt/slides/slide31.xml><?xml version="1.0" encoding="utf-8"?>
+<p:sld xmlns:a="http://schemas.openxmlformats.org/drawingml/2006/main" xmlns:r="http://schemas.openxmlformats.org/officeDocument/2006/relationships" xmlns:p="http://schemas.openxmlformats.org/presentationml/2006/main">
+  <p:cSld>
+    <p:spTree>
+      <p:nvGrpSpPr>
+        <p:cNvPr id="1" name=""/>
+        <p:cNvGrpSpPr/>
+        <p:nvPr/>
+      </p:nvGrpSpPr>
+      <p:grpSpPr>
+        <a:xfrm>
+          <a:off x="0" y="0"/>
+          <a:ext cx="0" cy="0"/>
+          <a:chOff x="0" y="0"/>
+          <a:chExt cx="0" cy="0"/>
+        </a:xfrm>
+      </p:grpSpPr>
+      <p:sp>
+        <p:nvSpPr>
           <p:cNvPr id="4" name="Title 3">
             <a:extLst>
               <a:ext uri="{FF2B5EF4-FFF2-40B4-BE49-F238E27FC236}">
@@ -18800,7 +19290,7 @@
 </p:sld>
 </file>
 
-<file path=ppt/slides/slide31.xml><?xml version="1.0" encoding="utf-8"?>
+<file path=ppt/slides/slide32.xml><?xml version="1.0" encoding="utf-8"?>
 <p:sld xmlns:a="http://schemas.openxmlformats.org/drawingml/2006/main" xmlns:r="http://schemas.openxmlformats.org/officeDocument/2006/relationships" xmlns:p="http://schemas.openxmlformats.org/presentationml/2006/main">
   <p:cSld>
     <p:spTree>
@@ -19509,7 +19999,7 @@
 </p:sld>
 </file>
 
-<file path=ppt/slides/slide32.xml><?xml version="1.0" encoding="utf-8"?>
+<file path=ppt/slides/slide33.xml><?xml version="1.0" encoding="utf-8"?>
 <p:sld xmlns:a="http://schemas.openxmlformats.org/drawingml/2006/main" xmlns:r="http://schemas.openxmlformats.org/officeDocument/2006/relationships" xmlns:p="http://schemas.openxmlformats.org/presentationml/2006/main">
   <p:cSld>
     <p:spTree>
@@ -20214,7 +20704,7 @@
 </p:sld>
 </file>
 
-<file path=ppt/slides/slide33.xml><?xml version="1.0" encoding="utf-8"?>
+<file path=ppt/slides/slide34.xml><?xml version="1.0" encoding="utf-8"?>
 <p:sld xmlns:a="http://schemas.openxmlformats.org/drawingml/2006/main" xmlns:r="http://schemas.openxmlformats.org/officeDocument/2006/relationships" xmlns:p="http://schemas.openxmlformats.org/presentationml/2006/main">
   <p:cSld>
     <p:spTree>
@@ -20640,7 +21130,7 @@
 </p:sld>
 </file>
 
-<file path=ppt/slides/slide34.xml><?xml version="1.0" encoding="utf-8"?>
+<file path=ppt/slides/slide35.xml><?xml version="1.0" encoding="utf-8"?>
 <p:sld xmlns:a="http://schemas.openxmlformats.org/drawingml/2006/main" xmlns:r="http://schemas.openxmlformats.org/officeDocument/2006/relationships" xmlns:p="http://schemas.openxmlformats.org/presentationml/2006/main">
   <p:cSld>
     <p:spTree>
@@ -21236,7 +21726,7 @@
 </p:sld>
 </file>
 
-<file path=ppt/slides/slide35.xml><?xml version="1.0" encoding="utf-8"?>
+<file path=ppt/slides/slide36.xml><?xml version="1.0" encoding="utf-8"?>
 <p:sld xmlns:a="http://schemas.openxmlformats.org/drawingml/2006/main" xmlns:r="http://schemas.openxmlformats.org/officeDocument/2006/relationships" xmlns:p="http://schemas.openxmlformats.org/presentationml/2006/main">
   <p:cSld>
     <p:spTree>
@@ -21918,7 +22408,7 @@
 </p:sld>
 </file>
 
-<file path=ppt/slides/slide36.xml><?xml version="1.0" encoding="utf-8"?>
+<file path=ppt/slides/slide37.xml><?xml version="1.0" encoding="utf-8"?>
 <p:sld xmlns:a="http://schemas.openxmlformats.org/drawingml/2006/main" xmlns:r="http://schemas.openxmlformats.org/officeDocument/2006/relationships" xmlns:p="http://schemas.openxmlformats.org/presentationml/2006/main">
   <p:cSld>
     <p:spTree>
@@ -23373,7 +23863,7 @@
 </p:sld>
 </file>
 
-<file path=ppt/slides/slide37.xml><?xml version="1.0" encoding="utf-8"?>
+<file path=ppt/slides/slide38.xml><?xml version="1.0" encoding="utf-8"?>
 <p:sld xmlns:a="http://schemas.openxmlformats.org/drawingml/2006/main" xmlns:r="http://schemas.openxmlformats.org/officeDocument/2006/relationships" xmlns:p="http://schemas.openxmlformats.org/presentationml/2006/main">
   <p:cSld>
     <p:spTree>
@@ -24031,7 +24521,7 @@
 </p:sld>
 </file>
 
-<file path=ppt/slides/slide38.xml><?xml version="1.0" encoding="utf-8"?>
+<file path=ppt/slides/slide39.xml><?xml version="1.0" encoding="utf-8"?>
 <p:sld xmlns:a="http://schemas.openxmlformats.org/drawingml/2006/main" xmlns:r="http://schemas.openxmlformats.org/officeDocument/2006/relationships" xmlns:p="http://schemas.openxmlformats.org/presentationml/2006/main">
   <p:cSld>
     <p:spTree>
@@ -24630,7 +25120,684 @@
 </p:sld>
 </file>
 
-<file path=ppt/slides/slide39.xml><?xml version="1.0" encoding="utf-8"?>
+<file path=ppt/slides/slide4.xml><?xml version="1.0" encoding="utf-8"?>
+<p:sld xmlns:a="http://schemas.openxmlformats.org/drawingml/2006/main" xmlns:r="http://schemas.openxmlformats.org/officeDocument/2006/relationships" xmlns:p="http://schemas.openxmlformats.org/presentationml/2006/main">
+  <p:cSld>
+    <p:spTree>
+      <p:nvGrpSpPr>
+        <p:cNvPr id="1" name=""/>
+        <p:cNvGrpSpPr/>
+        <p:nvPr/>
+      </p:nvGrpSpPr>
+      <p:grpSpPr>
+        <a:xfrm>
+          <a:off x="0" y="0"/>
+          <a:ext cx="0" cy="0"/>
+          <a:chOff x="0" y="0"/>
+          <a:chExt cx="0" cy="0"/>
+        </a:xfrm>
+      </p:grpSpPr>
+      <p:sp>
+        <p:nvSpPr>
+          <p:cNvPr id="2" name="Title 1">
+            <a:extLst>
+              <a:ext uri="{FF2B5EF4-FFF2-40B4-BE49-F238E27FC236}">
+                <a16:creationId xmlns:a16="http://schemas.microsoft.com/office/drawing/2014/main" id="{39A1D606-8DD1-369C-5C09-471CDD551AD5}"/>
+              </a:ext>
+            </a:extLst>
+          </p:cNvPr>
+          <p:cNvSpPr>
+            <a:spLocks noGrp="1"/>
+          </p:cNvSpPr>
+          <p:nvPr>
+            <p:ph type="title"/>
+          </p:nvPr>
+        </p:nvSpPr>
+        <p:spPr>
+          <a:xfrm>
+            <a:off x="838200" y="365126"/>
+            <a:ext cx="10515600" cy="718608"/>
+          </a:xfrm>
+        </p:spPr>
+        <p:txBody>
+          <a:bodyPr>
+            <a:normAutofit/>
+          </a:bodyPr>
+          <a:lstStyle/>
+          <a:p>
+            <a:r>
+              <a:rPr lang="nl-NL" sz="3600" noProof="0" dirty="0"/>
+              <a:t>Overzicht frameworks</a:t>
+            </a:r>
+          </a:p>
+        </p:txBody>
+      </p:sp>
+      <p:grpSp>
+        <p:nvGrpSpPr>
+          <p:cNvPr id="16" name="Group 15">
+            <a:extLst>
+              <a:ext uri="{FF2B5EF4-FFF2-40B4-BE49-F238E27FC236}">
+                <a16:creationId xmlns:a16="http://schemas.microsoft.com/office/drawing/2014/main" id="{BA1E66AA-A0A7-747F-3295-B5E6F5220E04}"/>
+              </a:ext>
+            </a:extLst>
+          </p:cNvPr>
+          <p:cNvGrpSpPr/>
+          <p:nvPr/>
+        </p:nvGrpSpPr>
+        <p:grpSpPr>
+          <a:xfrm>
+            <a:off x="8076049" y="1711412"/>
+            <a:ext cx="2756930" cy="1791726"/>
+            <a:chOff x="838200" y="1711410"/>
+            <a:chExt cx="2756930" cy="1791726"/>
+          </a:xfrm>
+          <a:solidFill>
+            <a:schemeClr val="bg1">
+              <a:lumMod val="95000"/>
+            </a:schemeClr>
+          </a:solidFill>
+        </p:grpSpPr>
+        <p:sp>
+          <p:nvSpPr>
+            <p:cNvPr id="6" name="Rectangle 5">
+              <a:extLst>
+                <a:ext uri="{FF2B5EF4-FFF2-40B4-BE49-F238E27FC236}">
+                  <a16:creationId xmlns:a16="http://schemas.microsoft.com/office/drawing/2014/main" id="{1D38F06A-7130-AC87-179C-0C18A1AA4CA8}"/>
+                </a:ext>
+              </a:extLst>
+            </p:cNvPr>
+            <p:cNvSpPr/>
+            <p:nvPr/>
+          </p:nvSpPr>
+          <p:spPr>
+            <a:xfrm>
+              <a:off x="838200" y="2094470"/>
+              <a:ext cx="2756930" cy="1408666"/>
+            </a:xfrm>
+            <a:prstGeom prst="rect">
+              <a:avLst/>
+            </a:prstGeom>
+            <a:grpFill/>
+          </p:spPr>
+          <p:style>
+            <a:lnRef idx="1">
+              <a:schemeClr val="accent3"/>
+            </a:lnRef>
+            <a:fillRef idx="2">
+              <a:schemeClr val="accent3"/>
+            </a:fillRef>
+            <a:effectRef idx="1">
+              <a:schemeClr val="accent3"/>
+            </a:effectRef>
+            <a:fontRef idx="minor">
+              <a:schemeClr val="dk1"/>
+            </a:fontRef>
+          </p:style>
+          <p:txBody>
+            <a:bodyPr rtlCol="0" anchor="ctr"/>
+            <a:lstStyle/>
+            <a:p>
+              <a:pPr algn="ctr"/>
+              <a:r>
+                <a:rPr lang="nl-NL" dirty="0" err="1"/>
+                <a:t>PyTorch</a:t>
+              </a:r>
+              <a:endParaRPr lang="nl-NL" dirty="0"/>
+            </a:p>
+            <a:p>
+              <a:pPr algn="ctr"/>
+              <a:r>
+                <a:rPr lang="nl-NL" dirty="0" err="1"/>
+                <a:t>Keras</a:t>
+              </a:r>
+              <a:endParaRPr lang="nl-NL" dirty="0"/>
+            </a:p>
+          </p:txBody>
+        </p:sp>
+        <p:sp>
+          <p:nvSpPr>
+            <p:cNvPr id="3" name="Rectangle 2">
+              <a:extLst>
+                <a:ext uri="{FF2B5EF4-FFF2-40B4-BE49-F238E27FC236}">
+                  <a16:creationId xmlns:a16="http://schemas.microsoft.com/office/drawing/2014/main" id="{0BCC9F7A-27F2-C61D-B926-0E68B6D7DAA4}"/>
+                </a:ext>
+              </a:extLst>
+            </p:cNvPr>
+            <p:cNvSpPr/>
+            <p:nvPr/>
+          </p:nvSpPr>
+          <p:spPr>
+            <a:xfrm>
+              <a:off x="838200" y="1711410"/>
+              <a:ext cx="2756930" cy="383059"/>
+            </a:xfrm>
+            <a:prstGeom prst="rect">
+              <a:avLst/>
+            </a:prstGeom>
+            <a:solidFill>
+              <a:schemeClr val="accent6">
+                <a:lumMod val="40000"/>
+                <a:lumOff val="60000"/>
+              </a:schemeClr>
+            </a:solidFill>
+            <a:ln/>
+          </p:spPr>
+          <p:style>
+            <a:lnRef idx="1">
+              <a:schemeClr val="accent6"/>
+            </a:lnRef>
+            <a:fillRef idx="2">
+              <a:schemeClr val="accent6"/>
+            </a:fillRef>
+            <a:effectRef idx="1">
+              <a:schemeClr val="accent6"/>
+            </a:effectRef>
+            <a:fontRef idx="minor">
+              <a:schemeClr val="dk1"/>
+            </a:fontRef>
+          </p:style>
+          <p:txBody>
+            <a:bodyPr rtlCol="0" anchor="t"/>
+            <a:lstStyle/>
+            <a:p>
+              <a:pPr algn="ctr"/>
+              <a:r>
+                <a:rPr lang="nl-NL" b="1" dirty="0" err="1"/>
+                <a:t>Deep</a:t>
+              </a:r>
+              <a:r>
+                <a:rPr lang="nl-NL" b="1" dirty="0"/>
+                <a:t> Learning</a:t>
+              </a:r>
+            </a:p>
+          </p:txBody>
+        </p:sp>
+      </p:grpSp>
+      <p:grpSp>
+        <p:nvGrpSpPr>
+          <p:cNvPr id="17" name="Group 16">
+            <a:extLst>
+              <a:ext uri="{FF2B5EF4-FFF2-40B4-BE49-F238E27FC236}">
+                <a16:creationId xmlns:a16="http://schemas.microsoft.com/office/drawing/2014/main" id="{E0DF0368-47EB-A9DC-B3CC-1B3CA1E64867}"/>
+              </a:ext>
+            </a:extLst>
+          </p:cNvPr>
+          <p:cNvGrpSpPr/>
+          <p:nvPr/>
+        </p:nvGrpSpPr>
+        <p:grpSpPr>
+          <a:xfrm>
+            <a:off x="4643394" y="1711412"/>
+            <a:ext cx="2756931" cy="1791722"/>
+            <a:chOff x="4643394" y="1711412"/>
+            <a:chExt cx="2756931" cy="1791722"/>
+          </a:xfrm>
+          <a:solidFill>
+            <a:schemeClr val="bg1">
+              <a:lumMod val="95000"/>
+            </a:schemeClr>
+          </a:solidFill>
+        </p:grpSpPr>
+        <p:sp>
+          <p:nvSpPr>
+            <p:cNvPr id="4" name="Rectangle 3">
+              <a:extLst>
+                <a:ext uri="{FF2B5EF4-FFF2-40B4-BE49-F238E27FC236}">
+                  <a16:creationId xmlns:a16="http://schemas.microsoft.com/office/drawing/2014/main" id="{2C38E716-E909-96D4-4449-564CCA453D46}"/>
+                </a:ext>
+              </a:extLst>
+            </p:cNvPr>
+            <p:cNvSpPr/>
+            <p:nvPr/>
+          </p:nvSpPr>
+          <p:spPr>
+            <a:xfrm>
+              <a:off x="4643394" y="2094469"/>
+              <a:ext cx="2756931" cy="1408665"/>
+            </a:xfrm>
+            <a:prstGeom prst="rect">
+              <a:avLst/>
+            </a:prstGeom>
+            <a:grpFill/>
+          </p:spPr>
+          <p:style>
+            <a:lnRef idx="1">
+              <a:schemeClr val="accent3"/>
+            </a:lnRef>
+            <a:fillRef idx="2">
+              <a:schemeClr val="accent3"/>
+            </a:fillRef>
+            <a:effectRef idx="1">
+              <a:schemeClr val="accent3"/>
+            </a:effectRef>
+            <a:fontRef idx="minor">
+              <a:schemeClr val="dk1"/>
+            </a:fontRef>
+          </p:style>
+          <p:txBody>
+            <a:bodyPr rtlCol="0" anchor="ctr"/>
+            <a:lstStyle/>
+            <a:p>
+              <a:pPr algn="ctr"/>
+              <a:r>
+                <a:rPr lang="nl-NL" dirty="0" err="1"/>
+                <a:t>scikit-learn</a:t>
+              </a:r>
+              <a:endParaRPr lang="nl-NL" dirty="0"/>
+            </a:p>
+            <a:p>
+              <a:pPr algn="ctr"/>
+              <a:r>
+                <a:rPr lang="nl-NL" dirty="0" err="1"/>
+                <a:t>LightGBM</a:t>
+              </a:r>
+              <a:endParaRPr lang="nl-NL" dirty="0"/>
+            </a:p>
+            <a:p>
+              <a:pPr algn="ctr"/>
+              <a:r>
+                <a:rPr lang="nl-NL" dirty="0" err="1"/>
+                <a:t>XGBoost</a:t>
+              </a:r>
+              <a:endParaRPr lang="nl-NL" dirty="0"/>
+            </a:p>
+          </p:txBody>
+        </p:sp>
+        <p:sp>
+          <p:nvSpPr>
+            <p:cNvPr id="7" name="Rectangle 6">
+              <a:extLst>
+                <a:ext uri="{FF2B5EF4-FFF2-40B4-BE49-F238E27FC236}">
+                  <a16:creationId xmlns:a16="http://schemas.microsoft.com/office/drawing/2014/main" id="{4FCD6A8C-29D6-E5C6-1838-8B707C443CD5}"/>
+                </a:ext>
+              </a:extLst>
+            </p:cNvPr>
+            <p:cNvSpPr/>
+            <p:nvPr/>
+          </p:nvSpPr>
+          <p:spPr>
+            <a:xfrm>
+              <a:off x="4643394" y="1711412"/>
+              <a:ext cx="2756931" cy="383057"/>
+            </a:xfrm>
+            <a:prstGeom prst="rect">
+              <a:avLst/>
+            </a:prstGeom>
+            <a:solidFill>
+              <a:schemeClr val="accent5">
+                <a:lumMod val="40000"/>
+                <a:lumOff val="60000"/>
+              </a:schemeClr>
+            </a:solidFill>
+            <a:ln/>
+          </p:spPr>
+          <p:style>
+            <a:lnRef idx="1">
+              <a:schemeClr val="accent5"/>
+            </a:lnRef>
+            <a:fillRef idx="2">
+              <a:schemeClr val="accent5"/>
+            </a:fillRef>
+            <a:effectRef idx="1">
+              <a:schemeClr val="accent5"/>
+            </a:effectRef>
+            <a:fontRef idx="minor">
+              <a:schemeClr val="dk1"/>
+            </a:fontRef>
+          </p:style>
+          <p:txBody>
+            <a:bodyPr rtlCol="0" anchor="t"/>
+            <a:lstStyle/>
+            <a:p>
+              <a:pPr algn="ctr"/>
+              <a:r>
+                <a:rPr lang="nl-NL" dirty="0"/>
+                <a:t>Machine Learning</a:t>
+              </a:r>
+            </a:p>
+          </p:txBody>
+        </p:sp>
+      </p:grpSp>
+      <p:grpSp>
+        <p:nvGrpSpPr>
+          <p:cNvPr id="18" name="Group 17">
+            <a:extLst>
+              <a:ext uri="{FF2B5EF4-FFF2-40B4-BE49-F238E27FC236}">
+                <a16:creationId xmlns:a16="http://schemas.microsoft.com/office/drawing/2014/main" id="{90991C0E-5769-BE9C-7A45-FF1D2E979AAF}"/>
+              </a:ext>
+            </a:extLst>
+          </p:cNvPr>
+          <p:cNvGrpSpPr/>
+          <p:nvPr/>
+        </p:nvGrpSpPr>
+        <p:grpSpPr>
+          <a:xfrm>
+            <a:off x="1210739" y="1711412"/>
+            <a:ext cx="2756931" cy="1791722"/>
+            <a:chOff x="8448589" y="1711411"/>
+            <a:chExt cx="2756931" cy="1791722"/>
+          </a:xfrm>
+          <a:solidFill>
+            <a:schemeClr val="bg1">
+              <a:lumMod val="95000"/>
+            </a:schemeClr>
+          </a:solidFill>
+        </p:grpSpPr>
+        <p:sp>
+          <p:nvSpPr>
+            <p:cNvPr id="9" name="Rectangle 8">
+              <a:extLst>
+                <a:ext uri="{FF2B5EF4-FFF2-40B4-BE49-F238E27FC236}">
+                  <a16:creationId xmlns:a16="http://schemas.microsoft.com/office/drawing/2014/main" id="{5812AC52-D6EC-F3C4-889C-01479D3B8644}"/>
+                </a:ext>
+              </a:extLst>
+            </p:cNvPr>
+            <p:cNvSpPr/>
+            <p:nvPr/>
+          </p:nvSpPr>
+          <p:spPr>
+            <a:xfrm>
+              <a:off x="8448589" y="2094468"/>
+              <a:ext cx="2756931" cy="1408665"/>
+            </a:xfrm>
+            <a:prstGeom prst="rect">
+              <a:avLst/>
+            </a:prstGeom>
+            <a:grpFill/>
+          </p:spPr>
+          <p:style>
+            <a:lnRef idx="1">
+              <a:schemeClr val="accent3"/>
+            </a:lnRef>
+            <a:fillRef idx="2">
+              <a:schemeClr val="accent3"/>
+            </a:fillRef>
+            <a:effectRef idx="1">
+              <a:schemeClr val="accent3"/>
+            </a:effectRef>
+            <a:fontRef idx="minor">
+              <a:schemeClr val="dk1"/>
+            </a:fontRef>
+          </p:style>
+          <p:txBody>
+            <a:bodyPr rtlCol="0" anchor="ctr"/>
+            <a:lstStyle/>
+            <a:p>
+              <a:pPr algn="ctr"/>
+              <a:r>
+                <a:rPr lang="nl-NL" dirty="0" err="1"/>
+                <a:t>statsmodels</a:t>
+              </a:r>
+              <a:endParaRPr lang="nl-NL" dirty="0"/>
+            </a:p>
+            <a:p>
+              <a:pPr algn="ctr"/>
+              <a:r>
+                <a:rPr lang="nl-NL" dirty="0" err="1"/>
+                <a:t>scipy</a:t>
+              </a:r>
+              <a:endParaRPr lang="nl-NL" dirty="0"/>
+            </a:p>
+          </p:txBody>
+        </p:sp>
+        <p:sp>
+          <p:nvSpPr>
+            <p:cNvPr id="10" name="Rectangle 9">
+              <a:extLst>
+                <a:ext uri="{FF2B5EF4-FFF2-40B4-BE49-F238E27FC236}">
+                  <a16:creationId xmlns:a16="http://schemas.microsoft.com/office/drawing/2014/main" id="{06AA83AA-E066-ABF0-626E-4AF185EBD422}"/>
+                </a:ext>
+              </a:extLst>
+            </p:cNvPr>
+            <p:cNvSpPr/>
+            <p:nvPr/>
+          </p:nvSpPr>
+          <p:spPr>
+            <a:xfrm>
+              <a:off x="8448589" y="1711411"/>
+              <a:ext cx="2756930" cy="383057"/>
+            </a:xfrm>
+            <a:prstGeom prst="rect">
+              <a:avLst/>
+            </a:prstGeom>
+            <a:solidFill>
+              <a:schemeClr val="accent4">
+                <a:lumMod val="40000"/>
+                <a:lumOff val="60000"/>
+              </a:schemeClr>
+            </a:solidFill>
+            <a:ln/>
+          </p:spPr>
+          <p:style>
+            <a:lnRef idx="1">
+              <a:schemeClr val="accent4"/>
+            </a:lnRef>
+            <a:fillRef idx="2">
+              <a:schemeClr val="accent4"/>
+            </a:fillRef>
+            <a:effectRef idx="1">
+              <a:schemeClr val="accent4"/>
+            </a:effectRef>
+            <a:fontRef idx="minor">
+              <a:schemeClr val="dk1"/>
+            </a:fontRef>
+          </p:style>
+          <p:txBody>
+            <a:bodyPr rtlCol="0" anchor="t"/>
+            <a:lstStyle/>
+            <a:p>
+              <a:pPr algn="ctr"/>
+              <a:r>
+                <a:rPr lang="nl-NL" dirty="0"/>
+                <a:t>Statistiek</a:t>
+              </a:r>
+            </a:p>
+          </p:txBody>
+        </p:sp>
+      </p:grpSp>
+      <p:cxnSp>
+        <p:nvCxnSpPr>
+          <p:cNvPr id="8" name="Straight Arrow Connector 7">
+            <a:extLst>
+              <a:ext uri="{FF2B5EF4-FFF2-40B4-BE49-F238E27FC236}">
+                <a16:creationId xmlns:a16="http://schemas.microsoft.com/office/drawing/2014/main" id="{6375CAA6-3461-D17A-D9A6-2304019D8466}"/>
+              </a:ext>
+            </a:extLst>
+          </p:cNvPr>
+          <p:cNvCxnSpPr>
+            <a:cxnSpLocks/>
+          </p:cNvCxnSpPr>
+          <p:nvPr/>
+        </p:nvCxnSpPr>
+        <p:spPr>
+          <a:xfrm>
+            <a:off x="1210739" y="4118672"/>
+            <a:ext cx="9622240" cy="0"/>
+          </a:xfrm>
+          <a:prstGeom prst="straightConnector1">
+            <a:avLst/>
+          </a:prstGeom>
+          <a:ln>
+            <a:headEnd type="none" w="lg" len="lg"/>
+            <a:tailEnd type="triangle" w="lg" len="lg"/>
+          </a:ln>
+        </p:spPr>
+        <p:style>
+          <a:lnRef idx="2">
+            <a:schemeClr val="dk1"/>
+          </a:lnRef>
+          <a:fillRef idx="0">
+            <a:schemeClr val="dk1"/>
+          </a:fillRef>
+          <a:effectRef idx="1">
+            <a:schemeClr val="dk1"/>
+          </a:effectRef>
+          <a:fontRef idx="minor">
+            <a:schemeClr val="tx1"/>
+          </a:fontRef>
+        </p:style>
+      </p:cxnSp>
+      <p:sp>
+        <p:nvSpPr>
+          <p:cNvPr id="19" name="TextBox 18">
+            <a:extLst>
+              <a:ext uri="{FF2B5EF4-FFF2-40B4-BE49-F238E27FC236}">
+                <a16:creationId xmlns:a16="http://schemas.microsoft.com/office/drawing/2014/main" id="{72F1BCE1-B698-3A93-E90A-113B364B3AFE}"/>
+              </a:ext>
+            </a:extLst>
+          </p:cNvPr>
+          <p:cNvSpPr txBox="1"/>
+          <p:nvPr/>
+        </p:nvSpPr>
+        <p:spPr>
+          <a:xfrm>
+            <a:off x="1210738" y="3685485"/>
+            <a:ext cx="9622240" cy="369332"/>
+          </a:xfrm>
+          <a:prstGeom prst="rect">
+            <a:avLst/>
+          </a:prstGeom>
+          <a:noFill/>
+        </p:spPr>
+        <p:txBody>
+          <a:bodyPr wrap="square" rtlCol="0">
+            <a:spAutoFit/>
+          </a:bodyPr>
+          <a:lstStyle/>
+          <a:p>
+            <a:pPr algn="ctr"/>
+            <a:r>
+              <a:rPr lang="nl-NL" dirty="0"/>
+              <a:t>Complexiteit modellen</a:t>
+            </a:r>
+          </a:p>
+        </p:txBody>
+      </p:sp>
+      <p:sp>
+        <p:nvSpPr>
+          <p:cNvPr id="20" name="TextBox 19">
+            <a:extLst>
+              <a:ext uri="{FF2B5EF4-FFF2-40B4-BE49-F238E27FC236}">
+                <a16:creationId xmlns:a16="http://schemas.microsoft.com/office/drawing/2014/main" id="{2922F921-723B-5393-646C-CAC75091C053}"/>
+              </a:ext>
+            </a:extLst>
+          </p:cNvPr>
+          <p:cNvSpPr txBox="1"/>
+          <p:nvPr/>
+        </p:nvSpPr>
+        <p:spPr>
+          <a:xfrm>
+            <a:off x="1201730" y="4304392"/>
+            <a:ext cx="2216825" cy="1477328"/>
+          </a:xfrm>
+          <a:prstGeom prst="rect">
+            <a:avLst/>
+          </a:prstGeom>
+          <a:noFill/>
+        </p:spPr>
+        <p:txBody>
+          <a:bodyPr wrap="none" rtlCol="0">
+            <a:spAutoFit/>
+          </a:bodyPr>
+          <a:lstStyle/>
+          <a:p>
+            <a:r>
+              <a:rPr lang="nl-NL" dirty="0"/>
+              <a:t>Kleine datasets</a:t>
+            </a:r>
+          </a:p>
+          <a:p>
+            <a:endParaRPr lang="nl-NL" dirty="0"/>
+          </a:p>
+          <a:p>
+            <a:r>
+              <a:rPr lang="nl-NL" dirty="0"/>
+              <a:t>Gestructureerde data</a:t>
+            </a:r>
+          </a:p>
+          <a:p>
+            <a:endParaRPr lang="nl-NL" dirty="0"/>
+          </a:p>
+          <a:p>
+            <a:r>
+              <a:rPr lang="nl-NL" dirty="0"/>
+              <a:t>Begrijpelijk</a:t>
+            </a:r>
+          </a:p>
+        </p:txBody>
+      </p:sp>
+      <p:sp>
+        <p:nvSpPr>
+          <p:cNvPr id="21" name="TextBox 20">
+            <a:extLst>
+              <a:ext uri="{FF2B5EF4-FFF2-40B4-BE49-F238E27FC236}">
+                <a16:creationId xmlns:a16="http://schemas.microsoft.com/office/drawing/2014/main" id="{3D2123A2-80E5-F3E7-1C0B-8C21DBE90121}"/>
+              </a:ext>
+            </a:extLst>
+          </p:cNvPr>
+          <p:cNvSpPr txBox="1"/>
+          <p:nvPr/>
+        </p:nvSpPr>
+        <p:spPr>
+          <a:xfrm>
+            <a:off x="8388495" y="4306998"/>
+            <a:ext cx="2454838" cy="1477328"/>
+          </a:xfrm>
+          <a:prstGeom prst="rect">
+            <a:avLst/>
+          </a:prstGeom>
+          <a:noFill/>
+        </p:spPr>
+        <p:txBody>
+          <a:bodyPr wrap="none" rtlCol="0">
+            <a:spAutoFit/>
+          </a:bodyPr>
+          <a:lstStyle/>
+          <a:p>
+            <a:pPr algn="r"/>
+            <a:r>
+              <a:rPr lang="nl-NL" dirty="0"/>
+              <a:t>Grote datasets</a:t>
+            </a:r>
+          </a:p>
+          <a:p>
+            <a:pPr algn="r"/>
+            <a:endParaRPr lang="nl-NL" dirty="0"/>
+          </a:p>
+          <a:p>
+            <a:pPr algn="r"/>
+            <a:r>
+              <a:rPr lang="nl-NL" dirty="0"/>
+              <a:t>Ongestructureerde data</a:t>
+            </a:r>
+          </a:p>
+          <a:p>
+            <a:pPr algn="r"/>
+            <a:endParaRPr lang="nl-NL" dirty="0"/>
+          </a:p>
+          <a:p>
+            <a:pPr algn="r"/>
+            <a:r>
+              <a:rPr lang="nl-NL" dirty="0"/>
+              <a:t>"Black box"</a:t>
+            </a:r>
+          </a:p>
+        </p:txBody>
+      </p:sp>
+    </p:spTree>
+    <p:extLst>
+      <p:ext uri="{BB962C8B-B14F-4D97-AF65-F5344CB8AC3E}">
+        <p14:creationId xmlns:p14="http://schemas.microsoft.com/office/powerpoint/2010/main" val="2346225741"/>
+      </p:ext>
+    </p:extLst>
+  </p:cSld>
+  <p:clrMapOvr>
+    <a:masterClrMapping/>
+  </p:clrMapOvr>
+</p:sld>
+</file>
+
+<file path=ppt/slides/slide40.xml><?xml version="1.0" encoding="utf-8"?>
 <p:sld xmlns:a="http://schemas.openxmlformats.org/drawingml/2006/main" xmlns:r="http://schemas.openxmlformats.org/officeDocument/2006/relationships" xmlns:p="http://schemas.openxmlformats.org/presentationml/2006/main">
   <p:cSld>
     <p:spTree>
@@ -25333,7 +26500,7 @@
 </p:sld>
 </file>
 
-<file path=ppt/slides/slide4.xml><?xml version="1.0" encoding="utf-8"?>
+<file path=ppt/slides/slide41.xml><?xml version="1.0" encoding="utf-8"?>
 <p:sld xmlns:a="http://schemas.openxmlformats.org/drawingml/2006/main" xmlns:r="http://schemas.openxmlformats.org/officeDocument/2006/relationships" xmlns:p="http://schemas.openxmlformats.org/presentationml/2006/main">
   <p:cSld>
     <p:spTree>
@@ -25380,683 +26547,6 @@
           <a:p>
             <a:r>
               <a:rPr lang="nl-NL" sz="3600" noProof="0" dirty="0"/>
-              <a:t>Overzicht frameworks</a:t>
-            </a:r>
-          </a:p>
-        </p:txBody>
-      </p:sp>
-      <p:grpSp>
-        <p:nvGrpSpPr>
-          <p:cNvPr id="16" name="Group 15">
-            <a:extLst>
-              <a:ext uri="{FF2B5EF4-FFF2-40B4-BE49-F238E27FC236}">
-                <a16:creationId xmlns:a16="http://schemas.microsoft.com/office/drawing/2014/main" id="{BA1E66AA-A0A7-747F-3295-B5E6F5220E04}"/>
-              </a:ext>
-            </a:extLst>
-          </p:cNvPr>
-          <p:cNvGrpSpPr/>
-          <p:nvPr/>
-        </p:nvGrpSpPr>
-        <p:grpSpPr>
-          <a:xfrm>
-            <a:off x="8076049" y="1711412"/>
-            <a:ext cx="2756930" cy="1791726"/>
-            <a:chOff x="838200" y="1711410"/>
-            <a:chExt cx="2756930" cy="1791726"/>
-          </a:xfrm>
-          <a:solidFill>
-            <a:schemeClr val="bg1">
-              <a:lumMod val="95000"/>
-            </a:schemeClr>
-          </a:solidFill>
-        </p:grpSpPr>
-        <p:sp>
-          <p:nvSpPr>
-            <p:cNvPr id="6" name="Rectangle 5">
-              <a:extLst>
-                <a:ext uri="{FF2B5EF4-FFF2-40B4-BE49-F238E27FC236}">
-                  <a16:creationId xmlns:a16="http://schemas.microsoft.com/office/drawing/2014/main" id="{1D38F06A-7130-AC87-179C-0C18A1AA4CA8}"/>
-                </a:ext>
-              </a:extLst>
-            </p:cNvPr>
-            <p:cNvSpPr/>
-            <p:nvPr/>
-          </p:nvSpPr>
-          <p:spPr>
-            <a:xfrm>
-              <a:off x="838200" y="2094470"/>
-              <a:ext cx="2756930" cy="1408666"/>
-            </a:xfrm>
-            <a:prstGeom prst="rect">
-              <a:avLst/>
-            </a:prstGeom>
-            <a:grpFill/>
-          </p:spPr>
-          <p:style>
-            <a:lnRef idx="1">
-              <a:schemeClr val="accent3"/>
-            </a:lnRef>
-            <a:fillRef idx="2">
-              <a:schemeClr val="accent3"/>
-            </a:fillRef>
-            <a:effectRef idx="1">
-              <a:schemeClr val="accent3"/>
-            </a:effectRef>
-            <a:fontRef idx="minor">
-              <a:schemeClr val="dk1"/>
-            </a:fontRef>
-          </p:style>
-          <p:txBody>
-            <a:bodyPr rtlCol="0" anchor="ctr"/>
-            <a:lstStyle/>
-            <a:p>
-              <a:pPr algn="ctr"/>
-              <a:r>
-                <a:rPr lang="nl-NL" dirty="0" err="1"/>
-                <a:t>PyTorch</a:t>
-              </a:r>
-              <a:endParaRPr lang="nl-NL" dirty="0"/>
-            </a:p>
-            <a:p>
-              <a:pPr algn="ctr"/>
-              <a:r>
-                <a:rPr lang="nl-NL" dirty="0" err="1"/>
-                <a:t>Keras</a:t>
-              </a:r>
-              <a:endParaRPr lang="nl-NL" dirty="0"/>
-            </a:p>
-          </p:txBody>
-        </p:sp>
-        <p:sp>
-          <p:nvSpPr>
-            <p:cNvPr id="3" name="Rectangle 2">
-              <a:extLst>
-                <a:ext uri="{FF2B5EF4-FFF2-40B4-BE49-F238E27FC236}">
-                  <a16:creationId xmlns:a16="http://schemas.microsoft.com/office/drawing/2014/main" id="{0BCC9F7A-27F2-C61D-B926-0E68B6D7DAA4}"/>
-                </a:ext>
-              </a:extLst>
-            </p:cNvPr>
-            <p:cNvSpPr/>
-            <p:nvPr/>
-          </p:nvSpPr>
-          <p:spPr>
-            <a:xfrm>
-              <a:off x="838200" y="1711410"/>
-              <a:ext cx="2756930" cy="383059"/>
-            </a:xfrm>
-            <a:prstGeom prst="rect">
-              <a:avLst/>
-            </a:prstGeom>
-            <a:solidFill>
-              <a:schemeClr val="accent6">
-                <a:lumMod val="40000"/>
-                <a:lumOff val="60000"/>
-              </a:schemeClr>
-            </a:solidFill>
-            <a:ln/>
-          </p:spPr>
-          <p:style>
-            <a:lnRef idx="1">
-              <a:schemeClr val="accent6"/>
-            </a:lnRef>
-            <a:fillRef idx="2">
-              <a:schemeClr val="accent6"/>
-            </a:fillRef>
-            <a:effectRef idx="1">
-              <a:schemeClr val="accent6"/>
-            </a:effectRef>
-            <a:fontRef idx="minor">
-              <a:schemeClr val="dk1"/>
-            </a:fontRef>
-          </p:style>
-          <p:txBody>
-            <a:bodyPr rtlCol="0" anchor="t"/>
-            <a:lstStyle/>
-            <a:p>
-              <a:pPr algn="ctr"/>
-              <a:r>
-                <a:rPr lang="nl-NL" b="1" dirty="0" err="1"/>
-                <a:t>Deep</a:t>
-              </a:r>
-              <a:r>
-                <a:rPr lang="nl-NL" b="1" dirty="0"/>
-                <a:t> Learning</a:t>
-              </a:r>
-            </a:p>
-          </p:txBody>
-        </p:sp>
-      </p:grpSp>
-      <p:grpSp>
-        <p:nvGrpSpPr>
-          <p:cNvPr id="17" name="Group 16">
-            <a:extLst>
-              <a:ext uri="{FF2B5EF4-FFF2-40B4-BE49-F238E27FC236}">
-                <a16:creationId xmlns:a16="http://schemas.microsoft.com/office/drawing/2014/main" id="{E0DF0368-47EB-A9DC-B3CC-1B3CA1E64867}"/>
-              </a:ext>
-            </a:extLst>
-          </p:cNvPr>
-          <p:cNvGrpSpPr/>
-          <p:nvPr/>
-        </p:nvGrpSpPr>
-        <p:grpSpPr>
-          <a:xfrm>
-            <a:off x="4643394" y="1711412"/>
-            <a:ext cx="2756931" cy="1791722"/>
-            <a:chOff x="4643394" y="1711412"/>
-            <a:chExt cx="2756931" cy="1791722"/>
-          </a:xfrm>
-          <a:solidFill>
-            <a:schemeClr val="bg1">
-              <a:lumMod val="95000"/>
-            </a:schemeClr>
-          </a:solidFill>
-        </p:grpSpPr>
-        <p:sp>
-          <p:nvSpPr>
-            <p:cNvPr id="4" name="Rectangle 3">
-              <a:extLst>
-                <a:ext uri="{FF2B5EF4-FFF2-40B4-BE49-F238E27FC236}">
-                  <a16:creationId xmlns:a16="http://schemas.microsoft.com/office/drawing/2014/main" id="{2C38E716-E909-96D4-4449-564CCA453D46}"/>
-                </a:ext>
-              </a:extLst>
-            </p:cNvPr>
-            <p:cNvSpPr/>
-            <p:nvPr/>
-          </p:nvSpPr>
-          <p:spPr>
-            <a:xfrm>
-              <a:off x="4643394" y="2094469"/>
-              <a:ext cx="2756931" cy="1408665"/>
-            </a:xfrm>
-            <a:prstGeom prst="rect">
-              <a:avLst/>
-            </a:prstGeom>
-            <a:grpFill/>
-          </p:spPr>
-          <p:style>
-            <a:lnRef idx="1">
-              <a:schemeClr val="accent3"/>
-            </a:lnRef>
-            <a:fillRef idx="2">
-              <a:schemeClr val="accent3"/>
-            </a:fillRef>
-            <a:effectRef idx="1">
-              <a:schemeClr val="accent3"/>
-            </a:effectRef>
-            <a:fontRef idx="minor">
-              <a:schemeClr val="dk1"/>
-            </a:fontRef>
-          </p:style>
-          <p:txBody>
-            <a:bodyPr rtlCol="0" anchor="ctr"/>
-            <a:lstStyle/>
-            <a:p>
-              <a:pPr algn="ctr"/>
-              <a:r>
-                <a:rPr lang="nl-NL" dirty="0" err="1"/>
-                <a:t>scikit-learn</a:t>
-              </a:r>
-              <a:endParaRPr lang="nl-NL" dirty="0"/>
-            </a:p>
-            <a:p>
-              <a:pPr algn="ctr"/>
-              <a:r>
-                <a:rPr lang="nl-NL" dirty="0" err="1"/>
-                <a:t>LightGBM</a:t>
-              </a:r>
-              <a:endParaRPr lang="nl-NL" dirty="0"/>
-            </a:p>
-            <a:p>
-              <a:pPr algn="ctr"/>
-              <a:r>
-                <a:rPr lang="nl-NL" dirty="0" err="1"/>
-                <a:t>XGBoost</a:t>
-              </a:r>
-              <a:endParaRPr lang="nl-NL" dirty="0"/>
-            </a:p>
-          </p:txBody>
-        </p:sp>
-        <p:sp>
-          <p:nvSpPr>
-            <p:cNvPr id="7" name="Rectangle 6">
-              <a:extLst>
-                <a:ext uri="{FF2B5EF4-FFF2-40B4-BE49-F238E27FC236}">
-                  <a16:creationId xmlns:a16="http://schemas.microsoft.com/office/drawing/2014/main" id="{4FCD6A8C-29D6-E5C6-1838-8B707C443CD5}"/>
-                </a:ext>
-              </a:extLst>
-            </p:cNvPr>
-            <p:cNvSpPr/>
-            <p:nvPr/>
-          </p:nvSpPr>
-          <p:spPr>
-            <a:xfrm>
-              <a:off x="4643394" y="1711412"/>
-              <a:ext cx="2756931" cy="383057"/>
-            </a:xfrm>
-            <a:prstGeom prst="rect">
-              <a:avLst/>
-            </a:prstGeom>
-            <a:solidFill>
-              <a:schemeClr val="accent5">
-                <a:lumMod val="40000"/>
-                <a:lumOff val="60000"/>
-              </a:schemeClr>
-            </a:solidFill>
-            <a:ln/>
-          </p:spPr>
-          <p:style>
-            <a:lnRef idx="1">
-              <a:schemeClr val="accent5"/>
-            </a:lnRef>
-            <a:fillRef idx="2">
-              <a:schemeClr val="accent5"/>
-            </a:fillRef>
-            <a:effectRef idx="1">
-              <a:schemeClr val="accent5"/>
-            </a:effectRef>
-            <a:fontRef idx="minor">
-              <a:schemeClr val="dk1"/>
-            </a:fontRef>
-          </p:style>
-          <p:txBody>
-            <a:bodyPr rtlCol="0" anchor="t"/>
-            <a:lstStyle/>
-            <a:p>
-              <a:pPr algn="ctr"/>
-              <a:r>
-                <a:rPr lang="nl-NL" dirty="0"/>
-                <a:t>Machine Learning</a:t>
-              </a:r>
-            </a:p>
-          </p:txBody>
-        </p:sp>
-      </p:grpSp>
-      <p:grpSp>
-        <p:nvGrpSpPr>
-          <p:cNvPr id="18" name="Group 17">
-            <a:extLst>
-              <a:ext uri="{FF2B5EF4-FFF2-40B4-BE49-F238E27FC236}">
-                <a16:creationId xmlns:a16="http://schemas.microsoft.com/office/drawing/2014/main" id="{90991C0E-5769-BE9C-7A45-FF1D2E979AAF}"/>
-              </a:ext>
-            </a:extLst>
-          </p:cNvPr>
-          <p:cNvGrpSpPr/>
-          <p:nvPr/>
-        </p:nvGrpSpPr>
-        <p:grpSpPr>
-          <a:xfrm>
-            <a:off x="1210739" y="1711412"/>
-            <a:ext cx="2756931" cy="1791722"/>
-            <a:chOff x="8448589" y="1711411"/>
-            <a:chExt cx="2756931" cy="1791722"/>
-          </a:xfrm>
-          <a:solidFill>
-            <a:schemeClr val="bg1">
-              <a:lumMod val="95000"/>
-            </a:schemeClr>
-          </a:solidFill>
-        </p:grpSpPr>
-        <p:sp>
-          <p:nvSpPr>
-            <p:cNvPr id="9" name="Rectangle 8">
-              <a:extLst>
-                <a:ext uri="{FF2B5EF4-FFF2-40B4-BE49-F238E27FC236}">
-                  <a16:creationId xmlns:a16="http://schemas.microsoft.com/office/drawing/2014/main" id="{5812AC52-D6EC-F3C4-889C-01479D3B8644}"/>
-                </a:ext>
-              </a:extLst>
-            </p:cNvPr>
-            <p:cNvSpPr/>
-            <p:nvPr/>
-          </p:nvSpPr>
-          <p:spPr>
-            <a:xfrm>
-              <a:off x="8448589" y="2094468"/>
-              <a:ext cx="2756931" cy="1408665"/>
-            </a:xfrm>
-            <a:prstGeom prst="rect">
-              <a:avLst/>
-            </a:prstGeom>
-            <a:grpFill/>
-          </p:spPr>
-          <p:style>
-            <a:lnRef idx="1">
-              <a:schemeClr val="accent3"/>
-            </a:lnRef>
-            <a:fillRef idx="2">
-              <a:schemeClr val="accent3"/>
-            </a:fillRef>
-            <a:effectRef idx="1">
-              <a:schemeClr val="accent3"/>
-            </a:effectRef>
-            <a:fontRef idx="minor">
-              <a:schemeClr val="dk1"/>
-            </a:fontRef>
-          </p:style>
-          <p:txBody>
-            <a:bodyPr rtlCol="0" anchor="ctr"/>
-            <a:lstStyle/>
-            <a:p>
-              <a:pPr algn="ctr"/>
-              <a:r>
-                <a:rPr lang="nl-NL" dirty="0" err="1"/>
-                <a:t>statsmodels</a:t>
-              </a:r>
-              <a:endParaRPr lang="nl-NL" dirty="0"/>
-            </a:p>
-            <a:p>
-              <a:pPr algn="ctr"/>
-              <a:r>
-                <a:rPr lang="nl-NL" dirty="0" err="1"/>
-                <a:t>scipy</a:t>
-              </a:r>
-              <a:endParaRPr lang="nl-NL" dirty="0"/>
-            </a:p>
-          </p:txBody>
-        </p:sp>
-        <p:sp>
-          <p:nvSpPr>
-            <p:cNvPr id="10" name="Rectangle 9">
-              <a:extLst>
-                <a:ext uri="{FF2B5EF4-FFF2-40B4-BE49-F238E27FC236}">
-                  <a16:creationId xmlns:a16="http://schemas.microsoft.com/office/drawing/2014/main" id="{06AA83AA-E066-ABF0-626E-4AF185EBD422}"/>
-                </a:ext>
-              </a:extLst>
-            </p:cNvPr>
-            <p:cNvSpPr/>
-            <p:nvPr/>
-          </p:nvSpPr>
-          <p:spPr>
-            <a:xfrm>
-              <a:off x="8448589" y="1711411"/>
-              <a:ext cx="2756930" cy="383057"/>
-            </a:xfrm>
-            <a:prstGeom prst="rect">
-              <a:avLst/>
-            </a:prstGeom>
-            <a:solidFill>
-              <a:schemeClr val="accent4">
-                <a:lumMod val="40000"/>
-                <a:lumOff val="60000"/>
-              </a:schemeClr>
-            </a:solidFill>
-            <a:ln/>
-          </p:spPr>
-          <p:style>
-            <a:lnRef idx="1">
-              <a:schemeClr val="accent4"/>
-            </a:lnRef>
-            <a:fillRef idx="2">
-              <a:schemeClr val="accent4"/>
-            </a:fillRef>
-            <a:effectRef idx="1">
-              <a:schemeClr val="accent4"/>
-            </a:effectRef>
-            <a:fontRef idx="minor">
-              <a:schemeClr val="dk1"/>
-            </a:fontRef>
-          </p:style>
-          <p:txBody>
-            <a:bodyPr rtlCol="0" anchor="t"/>
-            <a:lstStyle/>
-            <a:p>
-              <a:pPr algn="ctr"/>
-              <a:r>
-                <a:rPr lang="nl-NL" dirty="0"/>
-                <a:t>Statistiek</a:t>
-              </a:r>
-            </a:p>
-          </p:txBody>
-        </p:sp>
-      </p:grpSp>
-      <p:cxnSp>
-        <p:nvCxnSpPr>
-          <p:cNvPr id="8" name="Straight Arrow Connector 7">
-            <a:extLst>
-              <a:ext uri="{FF2B5EF4-FFF2-40B4-BE49-F238E27FC236}">
-                <a16:creationId xmlns:a16="http://schemas.microsoft.com/office/drawing/2014/main" id="{6375CAA6-3461-D17A-D9A6-2304019D8466}"/>
-              </a:ext>
-            </a:extLst>
-          </p:cNvPr>
-          <p:cNvCxnSpPr>
-            <a:cxnSpLocks/>
-          </p:cNvCxnSpPr>
-          <p:nvPr/>
-        </p:nvCxnSpPr>
-        <p:spPr>
-          <a:xfrm>
-            <a:off x="1210739" y="4118672"/>
-            <a:ext cx="9622240" cy="0"/>
-          </a:xfrm>
-          <a:prstGeom prst="straightConnector1">
-            <a:avLst/>
-          </a:prstGeom>
-          <a:ln>
-            <a:headEnd type="none" w="lg" len="lg"/>
-            <a:tailEnd type="triangle" w="lg" len="lg"/>
-          </a:ln>
-        </p:spPr>
-        <p:style>
-          <a:lnRef idx="2">
-            <a:schemeClr val="dk1"/>
-          </a:lnRef>
-          <a:fillRef idx="0">
-            <a:schemeClr val="dk1"/>
-          </a:fillRef>
-          <a:effectRef idx="1">
-            <a:schemeClr val="dk1"/>
-          </a:effectRef>
-          <a:fontRef idx="minor">
-            <a:schemeClr val="tx1"/>
-          </a:fontRef>
-        </p:style>
-      </p:cxnSp>
-      <p:sp>
-        <p:nvSpPr>
-          <p:cNvPr id="19" name="TextBox 18">
-            <a:extLst>
-              <a:ext uri="{FF2B5EF4-FFF2-40B4-BE49-F238E27FC236}">
-                <a16:creationId xmlns:a16="http://schemas.microsoft.com/office/drawing/2014/main" id="{72F1BCE1-B698-3A93-E90A-113B364B3AFE}"/>
-              </a:ext>
-            </a:extLst>
-          </p:cNvPr>
-          <p:cNvSpPr txBox="1"/>
-          <p:nvPr/>
-        </p:nvSpPr>
-        <p:spPr>
-          <a:xfrm>
-            <a:off x="1210738" y="3685485"/>
-            <a:ext cx="9622240" cy="369332"/>
-          </a:xfrm>
-          <a:prstGeom prst="rect">
-            <a:avLst/>
-          </a:prstGeom>
-          <a:noFill/>
-        </p:spPr>
-        <p:txBody>
-          <a:bodyPr wrap="square" rtlCol="0">
-            <a:spAutoFit/>
-          </a:bodyPr>
-          <a:lstStyle/>
-          <a:p>
-            <a:pPr algn="ctr"/>
-            <a:r>
-              <a:rPr lang="nl-NL" dirty="0"/>
-              <a:t>Complexiteit modellen</a:t>
-            </a:r>
-          </a:p>
-        </p:txBody>
-      </p:sp>
-      <p:sp>
-        <p:nvSpPr>
-          <p:cNvPr id="20" name="TextBox 19">
-            <a:extLst>
-              <a:ext uri="{FF2B5EF4-FFF2-40B4-BE49-F238E27FC236}">
-                <a16:creationId xmlns:a16="http://schemas.microsoft.com/office/drawing/2014/main" id="{2922F921-723B-5393-646C-CAC75091C053}"/>
-              </a:ext>
-            </a:extLst>
-          </p:cNvPr>
-          <p:cNvSpPr txBox="1"/>
-          <p:nvPr/>
-        </p:nvSpPr>
-        <p:spPr>
-          <a:xfrm>
-            <a:off x="1201730" y="4304392"/>
-            <a:ext cx="2216825" cy="1477328"/>
-          </a:xfrm>
-          <a:prstGeom prst="rect">
-            <a:avLst/>
-          </a:prstGeom>
-          <a:noFill/>
-        </p:spPr>
-        <p:txBody>
-          <a:bodyPr wrap="none" rtlCol="0">
-            <a:spAutoFit/>
-          </a:bodyPr>
-          <a:lstStyle/>
-          <a:p>
-            <a:r>
-              <a:rPr lang="nl-NL" dirty="0"/>
-              <a:t>Kleine datasets</a:t>
-            </a:r>
-          </a:p>
-          <a:p>
-            <a:endParaRPr lang="nl-NL" dirty="0"/>
-          </a:p>
-          <a:p>
-            <a:r>
-              <a:rPr lang="nl-NL" dirty="0"/>
-              <a:t>Gestructureerde data</a:t>
-            </a:r>
-          </a:p>
-          <a:p>
-            <a:endParaRPr lang="nl-NL" dirty="0"/>
-          </a:p>
-          <a:p>
-            <a:r>
-              <a:rPr lang="nl-NL" dirty="0"/>
-              <a:t>Begrijpelijk</a:t>
-            </a:r>
-          </a:p>
-        </p:txBody>
-      </p:sp>
-      <p:sp>
-        <p:nvSpPr>
-          <p:cNvPr id="21" name="TextBox 20">
-            <a:extLst>
-              <a:ext uri="{FF2B5EF4-FFF2-40B4-BE49-F238E27FC236}">
-                <a16:creationId xmlns:a16="http://schemas.microsoft.com/office/drawing/2014/main" id="{3D2123A2-80E5-F3E7-1C0B-8C21DBE90121}"/>
-              </a:ext>
-            </a:extLst>
-          </p:cNvPr>
-          <p:cNvSpPr txBox="1"/>
-          <p:nvPr/>
-        </p:nvSpPr>
-        <p:spPr>
-          <a:xfrm>
-            <a:off x="8388495" y="4306998"/>
-            <a:ext cx="2454838" cy="1477328"/>
-          </a:xfrm>
-          <a:prstGeom prst="rect">
-            <a:avLst/>
-          </a:prstGeom>
-          <a:noFill/>
-        </p:spPr>
-        <p:txBody>
-          <a:bodyPr wrap="none" rtlCol="0">
-            <a:spAutoFit/>
-          </a:bodyPr>
-          <a:lstStyle/>
-          <a:p>
-            <a:pPr algn="r"/>
-            <a:r>
-              <a:rPr lang="nl-NL" dirty="0"/>
-              <a:t>Grote datasets</a:t>
-            </a:r>
-          </a:p>
-          <a:p>
-            <a:pPr algn="r"/>
-            <a:endParaRPr lang="nl-NL" dirty="0"/>
-          </a:p>
-          <a:p>
-            <a:pPr algn="r"/>
-            <a:r>
-              <a:rPr lang="nl-NL" dirty="0"/>
-              <a:t>Ongestructureerde data</a:t>
-            </a:r>
-          </a:p>
-          <a:p>
-            <a:pPr algn="r"/>
-            <a:endParaRPr lang="nl-NL" dirty="0"/>
-          </a:p>
-          <a:p>
-            <a:pPr algn="r"/>
-            <a:r>
-              <a:rPr lang="nl-NL" dirty="0"/>
-              <a:t>"Black box"</a:t>
-            </a:r>
-          </a:p>
-        </p:txBody>
-      </p:sp>
-    </p:spTree>
-    <p:extLst>
-      <p:ext uri="{BB962C8B-B14F-4D97-AF65-F5344CB8AC3E}">
-        <p14:creationId xmlns:p14="http://schemas.microsoft.com/office/powerpoint/2010/main" val="2346225741"/>
-      </p:ext>
-    </p:extLst>
-  </p:cSld>
-  <p:clrMapOvr>
-    <a:masterClrMapping/>
-  </p:clrMapOvr>
-</p:sld>
-</file>
-
-<file path=ppt/slides/slide40.xml><?xml version="1.0" encoding="utf-8"?>
-<p:sld xmlns:a="http://schemas.openxmlformats.org/drawingml/2006/main" xmlns:r="http://schemas.openxmlformats.org/officeDocument/2006/relationships" xmlns:p="http://schemas.openxmlformats.org/presentationml/2006/main">
-  <p:cSld>
-    <p:spTree>
-      <p:nvGrpSpPr>
-        <p:cNvPr id="1" name=""/>
-        <p:cNvGrpSpPr/>
-        <p:nvPr/>
-      </p:nvGrpSpPr>
-      <p:grpSpPr>
-        <a:xfrm>
-          <a:off x="0" y="0"/>
-          <a:ext cx="0" cy="0"/>
-          <a:chOff x="0" y="0"/>
-          <a:chExt cx="0" cy="0"/>
-        </a:xfrm>
-      </p:grpSpPr>
-      <p:sp>
-        <p:nvSpPr>
-          <p:cNvPr id="2" name="Title 1">
-            <a:extLst>
-              <a:ext uri="{FF2B5EF4-FFF2-40B4-BE49-F238E27FC236}">
-                <a16:creationId xmlns:a16="http://schemas.microsoft.com/office/drawing/2014/main" id="{39A1D606-8DD1-369C-5C09-471CDD551AD5}"/>
-              </a:ext>
-            </a:extLst>
-          </p:cNvPr>
-          <p:cNvSpPr>
-            <a:spLocks noGrp="1"/>
-          </p:cNvSpPr>
-          <p:nvPr>
-            <p:ph type="title"/>
-          </p:nvPr>
-        </p:nvSpPr>
-        <p:spPr>
-          <a:xfrm>
-            <a:off x="838200" y="365126"/>
-            <a:ext cx="10515600" cy="718608"/>
-          </a:xfrm>
-        </p:spPr>
-        <p:txBody>
-          <a:bodyPr>
-            <a:normAutofit/>
-          </a:bodyPr>
-          <a:lstStyle/>
-          <a:p>
-            <a:r>
-              <a:rPr lang="nl-NL" sz="3600" noProof="0" dirty="0"/>
               <a:t>Oefeningen IV</a:t>
             </a:r>
           </a:p>
@@ -26319,7 +26809,7 @@
 </p:sld>
 </file>
 
-<file path=ppt/slides/slide41.xml><?xml version="1.0" encoding="utf-8"?>
+<file path=ppt/slides/slide42.xml><?xml version="1.0" encoding="utf-8"?>
 <p:sld xmlns:a="http://schemas.openxmlformats.org/drawingml/2006/main" xmlns:r="http://schemas.openxmlformats.org/officeDocument/2006/relationships" xmlns:p="http://schemas.openxmlformats.org/presentationml/2006/main">
   <p:cSld>
     <p:spTree>
@@ -26402,7 +26892,7 @@
 </p:sld>
 </file>
 
-<file path=ppt/slides/slide42.xml><?xml version="1.0" encoding="utf-8"?>
+<file path=ppt/slides/slide43.xml><?xml version="1.0" encoding="utf-8"?>
 <p:sld xmlns:a="http://schemas.openxmlformats.org/drawingml/2006/main" xmlns:r="http://schemas.openxmlformats.org/officeDocument/2006/relationships" xmlns:p="http://schemas.openxmlformats.org/presentationml/2006/main">
   <p:cSld>
     <p:spTree>
@@ -26865,7 +27355,7 @@
 </p:sld>
 </file>
 
-<file path=ppt/slides/slide43.xml><?xml version="1.0" encoding="utf-8"?>
+<file path=ppt/slides/slide44.xml><?xml version="1.0" encoding="utf-8"?>
 <p:sld xmlns:a="http://schemas.openxmlformats.org/drawingml/2006/main" xmlns:r="http://schemas.openxmlformats.org/officeDocument/2006/relationships" xmlns:p="http://schemas.openxmlformats.org/presentationml/2006/main">
   <p:cSld>
     <p:spTree>
@@ -26970,7 +27460,7 @@
 </p:sld>
 </file>
 
-<file path=ppt/slides/slide44.xml><?xml version="1.0" encoding="utf-8"?>
+<file path=ppt/slides/slide45.xml><?xml version="1.0" encoding="utf-8"?>
 <p:sld xmlns:a="http://schemas.openxmlformats.org/drawingml/2006/main" xmlns:r="http://schemas.openxmlformats.org/officeDocument/2006/relationships" xmlns:p="http://schemas.openxmlformats.org/presentationml/2006/main">
   <p:cSld>
     <p:spTree>
@@ -27883,7 +28373,7 @@
 </p:sld>
 </file>
 
-<file path=ppt/slides/slide45.xml><?xml version="1.0" encoding="utf-8"?>
+<file path=ppt/slides/slide46.xml><?xml version="1.0" encoding="utf-8"?>
 <p:sld xmlns:a="http://schemas.openxmlformats.org/drawingml/2006/main" xmlns:r="http://schemas.openxmlformats.org/officeDocument/2006/relationships" xmlns:p="http://schemas.openxmlformats.org/presentationml/2006/main">
   <p:cSld>
     <p:spTree>
@@ -28595,7 +29085,7 @@
 </p:sld>
 </file>
 
-<file path=ppt/slides/slide46.xml><?xml version="1.0" encoding="utf-8"?>
+<file path=ppt/slides/slide47.xml><?xml version="1.0" encoding="utf-8"?>
 <p:sld xmlns:a="http://schemas.openxmlformats.org/drawingml/2006/main" xmlns:r="http://schemas.openxmlformats.org/officeDocument/2006/relationships" xmlns:p="http://schemas.openxmlformats.org/presentationml/2006/main">
   <p:cSld>
     <p:spTree>
@@ -29459,7 +29949,7 @@
 </p:sld>
 </file>
 
-<file path=ppt/slides/slide47.xml><?xml version="1.0" encoding="utf-8"?>
+<file path=ppt/slides/slide48.xml><?xml version="1.0" encoding="utf-8"?>
 <p:sld xmlns:a="http://schemas.openxmlformats.org/drawingml/2006/main" xmlns:r="http://schemas.openxmlformats.org/officeDocument/2006/relationships" xmlns:p="http://schemas.openxmlformats.org/presentationml/2006/main">
   <p:cSld>
     <p:spTree>
@@ -30417,7 +30907,7 @@
 </p:sld>
 </file>
 
-<file path=ppt/slides/slide48.xml><?xml version="1.0" encoding="utf-8"?>
+<file path=ppt/slides/slide49.xml><?xml version="1.0" encoding="utf-8"?>
 <p:sld xmlns:a="http://schemas.openxmlformats.org/drawingml/2006/main" xmlns:r="http://schemas.openxmlformats.org/officeDocument/2006/relationships" xmlns:p="http://schemas.openxmlformats.org/presentationml/2006/main">
   <p:cSld>
     <p:spTree>
@@ -31469,7 +31959,913 @@
 </p:sld>
 </file>
 
-<file path=ppt/slides/slide49.xml><?xml version="1.0" encoding="utf-8"?>
+<file path=ppt/slides/slide5.xml><?xml version="1.0" encoding="utf-8"?>
+<p:sld xmlns:a="http://schemas.openxmlformats.org/drawingml/2006/main" xmlns:r="http://schemas.openxmlformats.org/officeDocument/2006/relationships" xmlns:p="http://schemas.openxmlformats.org/presentationml/2006/main">
+  <p:cSld>
+    <p:spTree>
+      <p:nvGrpSpPr>
+        <p:cNvPr id="1" name=""/>
+        <p:cNvGrpSpPr/>
+        <p:nvPr/>
+      </p:nvGrpSpPr>
+      <p:grpSpPr>
+        <a:xfrm>
+          <a:off x="0" y="0"/>
+          <a:ext cx="0" cy="0"/>
+          <a:chOff x="0" y="0"/>
+          <a:chExt cx="0" cy="0"/>
+        </a:xfrm>
+      </p:grpSpPr>
+      <p:sp>
+        <p:nvSpPr>
+          <p:cNvPr id="2" name="Title 1">
+            <a:extLst>
+              <a:ext uri="{FF2B5EF4-FFF2-40B4-BE49-F238E27FC236}">
+                <a16:creationId xmlns:a16="http://schemas.microsoft.com/office/drawing/2014/main" id="{39A1D606-8DD1-369C-5C09-471CDD551AD5}"/>
+              </a:ext>
+            </a:extLst>
+          </p:cNvPr>
+          <p:cNvSpPr>
+            <a:spLocks noGrp="1"/>
+          </p:cNvSpPr>
+          <p:nvPr>
+            <p:ph type="title"/>
+          </p:nvPr>
+        </p:nvSpPr>
+        <p:spPr>
+          <a:xfrm>
+            <a:off x="838200" y="365126"/>
+            <a:ext cx="10515600" cy="718608"/>
+          </a:xfrm>
+        </p:spPr>
+        <p:txBody>
+          <a:bodyPr>
+            <a:normAutofit/>
+          </a:bodyPr>
+          <a:lstStyle/>
+          <a:p>
+            <a:r>
+              <a:rPr lang="nl-NL" sz="3600" noProof="0" dirty="0"/>
+              <a:t>Overzicht frameworks</a:t>
+            </a:r>
+          </a:p>
+        </p:txBody>
+      </p:sp>
+      <p:grpSp>
+        <p:nvGrpSpPr>
+          <p:cNvPr id="12" name="Group 11">
+            <a:extLst>
+              <a:ext uri="{FF2B5EF4-FFF2-40B4-BE49-F238E27FC236}">
+                <a16:creationId xmlns:a16="http://schemas.microsoft.com/office/drawing/2014/main" id="{FBE57A9A-AFC4-C498-3A54-914F85369A61}"/>
+              </a:ext>
+            </a:extLst>
+          </p:cNvPr>
+          <p:cNvGrpSpPr/>
+          <p:nvPr/>
+        </p:nvGrpSpPr>
+        <p:grpSpPr>
+          <a:xfrm>
+            <a:off x="8076045" y="4504402"/>
+            <a:ext cx="2756930" cy="1398377"/>
+            <a:chOff x="7293591" y="4314423"/>
+            <a:chExt cx="2756930" cy="1398377"/>
+          </a:xfrm>
+          <a:solidFill>
+            <a:schemeClr val="bg1">
+              <a:lumMod val="95000"/>
+            </a:schemeClr>
+          </a:solidFill>
+        </p:grpSpPr>
+        <p:sp>
+          <p:nvSpPr>
+            <p:cNvPr id="5" name="Rectangle 4">
+              <a:extLst>
+                <a:ext uri="{FF2B5EF4-FFF2-40B4-BE49-F238E27FC236}">
+                  <a16:creationId xmlns:a16="http://schemas.microsoft.com/office/drawing/2014/main" id="{84488DC3-6414-14BB-E1C6-3BE9AFCE377B}"/>
+                </a:ext>
+              </a:extLst>
+            </p:cNvPr>
+            <p:cNvSpPr/>
+            <p:nvPr/>
+          </p:nvSpPr>
+          <p:spPr>
+            <a:xfrm>
+              <a:off x="7293591" y="4697486"/>
+              <a:ext cx="2756930" cy="1015314"/>
+            </a:xfrm>
+            <a:prstGeom prst="rect">
+              <a:avLst/>
+            </a:prstGeom>
+            <a:grpFill/>
+          </p:spPr>
+          <p:style>
+            <a:lnRef idx="1">
+              <a:schemeClr val="accent3"/>
+            </a:lnRef>
+            <a:fillRef idx="2">
+              <a:schemeClr val="accent3"/>
+            </a:fillRef>
+            <a:effectRef idx="1">
+              <a:schemeClr val="accent3"/>
+            </a:effectRef>
+            <a:fontRef idx="minor">
+              <a:schemeClr val="dk1"/>
+            </a:fontRef>
+          </p:style>
+          <p:txBody>
+            <a:bodyPr rtlCol="0" anchor="ctr"/>
+            <a:lstStyle/>
+            <a:p>
+              <a:pPr algn="ctr"/>
+              <a:r>
+                <a:rPr lang="nl-NL" dirty="0" err="1"/>
+                <a:t>SpaCy</a:t>
+              </a:r>
+              <a:r>
+                <a:rPr lang="nl-NL" dirty="0"/>
+                <a:t> </a:t>
+              </a:r>
+            </a:p>
+            <a:p>
+              <a:pPr algn="ctr"/>
+              <a:r>
+                <a:rPr lang="nl-NL" dirty="0"/>
+                <a:t>NLTK</a:t>
+              </a:r>
+            </a:p>
+          </p:txBody>
+        </p:sp>
+        <p:sp>
+          <p:nvSpPr>
+            <p:cNvPr id="11" name="Rectangle 10">
+              <a:extLst>
+                <a:ext uri="{FF2B5EF4-FFF2-40B4-BE49-F238E27FC236}">
+                  <a16:creationId xmlns:a16="http://schemas.microsoft.com/office/drawing/2014/main" id="{F6ED25AF-3F94-656D-09F2-3C2F6177585D}"/>
+                </a:ext>
+              </a:extLst>
+            </p:cNvPr>
+            <p:cNvSpPr/>
+            <p:nvPr/>
+          </p:nvSpPr>
+          <p:spPr>
+            <a:xfrm>
+              <a:off x="7293591" y="4314423"/>
+              <a:ext cx="2756930" cy="383059"/>
+            </a:xfrm>
+            <a:prstGeom prst="rect">
+              <a:avLst/>
+            </a:prstGeom>
+            <a:solidFill>
+              <a:schemeClr val="accent6">
+                <a:lumMod val="40000"/>
+                <a:lumOff val="60000"/>
+              </a:schemeClr>
+            </a:solidFill>
+          </p:spPr>
+          <p:style>
+            <a:lnRef idx="1">
+              <a:schemeClr val="accent6"/>
+            </a:lnRef>
+            <a:fillRef idx="2">
+              <a:schemeClr val="accent6"/>
+            </a:fillRef>
+            <a:effectRef idx="1">
+              <a:schemeClr val="accent6"/>
+            </a:effectRef>
+            <a:fontRef idx="minor">
+              <a:schemeClr val="dk1"/>
+            </a:fontRef>
+          </p:style>
+          <p:txBody>
+            <a:bodyPr rtlCol="0" anchor="t"/>
+            <a:lstStyle/>
+            <a:p>
+              <a:pPr algn="ctr"/>
+              <a:r>
+                <a:rPr lang="nl-NL" b="1" dirty="0"/>
+                <a:t>Taal</a:t>
+              </a:r>
+            </a:p>
+          </p:txBody>
+        </p:sp>
+      </p:grpSp>
+      <p:grpSp>
+        <p:nvGrpSpPr>
+          <p:cNvPr id="15" name="Group 14">
+            <a:extLst>
+              <a:ext uri="{FF2B5EF4-FFF2-40B4-BE49-F238E27FC236}">
+                <a16:creationId xmlns:a16="http://schemas.microsoft.com/office/drawing/2014/main" id="{175D64CE-1FB0-2D19-C119-42342A9C5153}"/>
+              </a:ext>
+            </a:extLst>
+          </p:cNvPr>
+          <p:cNvGrpSpPr/>
+          <p:nvPr/>
+        </p:nvGrpSpPr>
+        <p:grpSpPr>
+          <a:xfrm>
+            <a:off x="4643395" y="4504402"/>
+            <a:ext cx="2756928" cy="1398373"/>
+            <a:chOff x="3756288" y="4314423"/>
+            <a:chExt cx="2756931" cy="1398373"/>
+          </a:xfrm>
+          <a:solidFill>
+            <a:schemeClr val="bg1">
+              <a:lumMod val="95000"/>
+            </a:schemeClr>
+          </a:solidFill>
+        </p:grpSpPr>
+        <p:sp>
+          <p:nvSpPr>
+            <p:cNvPr id="13" name="Rectangle 12">
+              <a:extLst>
+                <a:ext uri="{FF2B5EF4-FFF2-40B4-BE49-F238E27FC236}">
+                  <a16:creationId xmlns:a16="http://schemas.microsoft.com/office/drawing/2014/main" id="{DE70765D-3A84-BC81-EE9C-61DA59F9A0DD}"/>
+                </a:ext>
+              </a:extLst>
+            </p:cNvPr>
+            <p:cNvSpPr/>
+            <p:nvPr/>
+          </p:nvSpPr>
+          <p:spPr>
+            <a:xfrm>
+              <a:off x="3756289" y="4697482"/>
+              <a:ext cx="2756930" cy="1015314"/>
+            </a:xfrm>
+            <a:prstGeom prst="rect">
+              <a:avLst/>
+            </a:prstGeom>
+            <a:grpFill/>
+          </p:spPr>
+          <p:style>
+            <a:lnRef idx="1">
+              <a:schemeClr val="accent3"/>
+            </a:lnRef>
+            <a:fillRef idx="2">
+              <a:schemeClr val="accent3"/>
+            </a:fillRef>
+            <a:effectRef idx="1">
+              <a:schemeClr val="accent3"/>
+            </a:effectRef>
+            <a:fontRef idx="minor">
+              <a:schemeClr val="dk1"/>
+            </a:fontRef>
+          </p:style>
+          <p:txBody>
+            <a:bodyPr rtlCol="0" anchor="ctr"/>
+            <a:lstStyle/>
+            <a:p>
+              <a:pPr algn="ctr"/>
+              <a:r>
+                <a:rPr lang="nl-NL" dirty="0" err="1"/>
+                <a:t>Sktime</a:t>
+              </a:r>
+              <a:endParaRPr lang="nl-NL" dirty="0"/>
+            </a:p>
+            <a:p>
+              <a:pPr algn="ctr"/>
+              <a:r>
+                <a:rPr lang="nl-NL" dirty="0" err="1"/>
+                <a:t>PyFlux</a:t>
+              </a:r>
+              <a:endParaRPr lang="nl-NL" dirty="0"/>
+            </a:p>
+            <a:p>
+              <a:pPr algn="ctr"/>
+              <a:r>
+                <a:rPr lang="nl-NL" dirty="0" err="1"/>
+                <a:t>Prophet</a:t>
+              </a:r>
+              <a:endParaRPr lang="nl-NL" dirty="0"/>
+            </a:p>
+          </p:txBody>
+        </p:sp>
+        <p:sp>
+          <p:nvSpPr>
+            <p:cNvPr id="14" name="Rectangle 13">
+              <a:extLst>
+                <a:ext uri="{FF2B5EF4-FFF2-40B4-BE49-F238E27FC236}">
+                  <a16:creationId xmlns:a16="http://schemas.microsoft.com/office/drawing/2014/main" id="{3447C395-6417-FE82-93FC-AE20CEE356A1}"/>
+                </a:ext>
+              </a:extLst>
+            </p:cNvPr>
+            <p:cNvSpPr/>
+            <p:nvPr/>
+          </p:nvSpPr>
+          <p:spPr>
+            <a:xfrm>
+              <a:off x="3756288" y="4314423"/>
+              <a:ext cx="2756931" cy="383057"/>
+            </a:xfrm>
+            <a:prstGeom prst="rect">
+              <a:avLst/>
+            </a:prstGeom>
+            <a:solidFill>
+              <a:schemeClr val="accent1">
+                <a:lumMod val="40000"/>
+                <a:lumOff val="60000"/>
+              </a:schemeClr>
+            </a:solidFill>
+          </p:spPr>
+          <p:style>
+            <a:lnRef idx="1">
+              <a:schemeClr val="accent5"/>
+            </a:lnRef>
+            <a:fillRef idx="2">
+              <a:schemeClr val="accent5"/>
+            </a:fillRef>
+            <a:effectRef idx="1">
+              <a:schemeClr val="accent5"/>
+            </a:effectRef>
+            <a:fontRef idx="minor">
+              <a:schemeClr val="dk1"/>
+            </a:fontRef>
+          </p:style>
+          <p:txBody>
+            <a:bodyPr rtlCol="0" anchor="t"/>
+            <a:lstStyle/>
+            <a:p>
+              <a:pPr algn="ctr"/>
+              <a:r>
+                <a:rPr lang="nl-NL" dirty="0"/>
+                <a:t>Tijdreeksen</a:t>
+              </a:r>
+            </a:p>
+          </p:txBody>
+        </p:sp>
+      </p:grpSp>
+      <p:grpSp>
+        <p:nvGrpSpPr>
+          <p:cNvPr id="22" name="Group 21">
+            <a:extLst>
+              <a:ext uri="{FF2B5EF4-FFF2-40B4-BE49-F238E27FC236}">
+                <a16:creationId xmlns:a16="http://schemas.microsoft.com/office/drawing/2014/main" id="{3C1079BF-1AB1-F78C-A525-47DC26228534}"/>
+              </a:ext>
+            </a:extLst>
+          </p:cNvPr>
+          <p:cNvGrpSpPr/>
+          <p:nvPr/>
+        </p:nvGrpSpPr>
+        <p:grpSpPr>
+          <a:xfrm>
+            <a:off x="1210740" y="4504402"/>
+            <a:ext cx="2756929" cy="1398373"/>
+            <a:chOff x="3756288" y="4314423"/>
+            <a:chExt cx="2756931" cy="1398373"/>
+          </a:xfrm>
+          <a:solidFill>
+            <a:schemeClr val="bg1">
+              <a:lumMod val="95000"/>
+            </a:schemeClr>
+          </a:solidFill>
+        </p:grpSpPr>
+        <p:sp>
+          <p:nvSpPr>
+            <p:cNvPr id="23" name="Rectangle 22">
+              <a:extLst>
+                <a:ext uri="{FF2B5EF4-FFF2-40B4-BE49-F238E27FC236}">
+                  <a16:creationId xmlns:a16="http://schemas.microsoft.com/office/drawing/2014/main" id="{632CDF7F-FA3A-CB88-2FA2-22FED616A9FF}"/>
+                </a:ext>
+              </a:extLst>
+            </p:cNvPr>
+            <p:cNvSpPr/>
+            <p:nvPr/>
+          </p:nvSpPr>
+          <p:spPr>
+            <a:xfrm>
+              <a:off x="3756289" y="4697482"/>
+              <a:ext cx="2756930" cy="1015314"/>
+            </a:xfrm>
+            <a:prstGeom prst="rect">
+              <a:avLst/>
+            </a:prstGeom>
+            <a:grpFill/>
+          </p:spPr>
+          <p:style>
+            <a:lnRef idx="1">
+              <a:schemeClr val="accent3"/>
+            </a:lnRef>
+            <a:fillRef idx="2">
+              <a:schemeClr val="accent3"/>
+            </a:fillRef>
+            <a:effectRef idx="1">
+              <a:schemeClr val="accent3"/>
+            </a:effectRef>
+            <a:fontRef idx="minor">
+              <a:schemeClr val="dk1"/>
+            </a:fontRef>
+          </p:style>
+          <p:txBody>
+            <a:bodyPr rtlCol="0" anchor="ctr"/>
+            <a:lstStyle/>
+            <a:p>
+              <a:pPr algn="ctr"/>
+              <a:r>
+                <a:rPr lang="nl-NL" dirty="0" err="1"/>
+                <a:t>PyMC</a:t>
+              </a:r>
+              <a:endParaRPr lang="nl-NL" dirty="0"/>
+            </a:p>
+            <a:p>
+              <a:pPr algn="ctr"/>
+              <a:r>
+                <a:rPr lang="nl-NL" dirty="0" err="1"/>
+                <a:t>Pyro</a:t>
+              </a:r>
+              <a:endParaRPr lang="nl-NL" dirty="0"/>
+            </a:p>
+          </p:txBody>
+        </p:sp>
+        <p:sp>
+          <p:nvSpPr>
+            <p:cNvPr id="24" name="Rectangle 23">
+              <a:extLst>
+                <a:ext uri="{FF2B5EF4-FFF2-40B4-BE49-F238E27FC236}">
+                  <a16:creationId xmlns:a16="http://schemas.microsoft.com/office/drawing/2014/main" id="{5ABAF762-DD5C-74F3-9DB8-43FF78C3E92C}"/>
+                </a:ext>
+              </a:extLst>
+            </p:cNvPr>
+            <p:cNvSpPr/>
+            <p:nvPr/>
+          </p:nvSpPr>
+          <p:spPr>
+            <a:xfrm>
+              <a:off x="3756288" y="4314423"/>
+              <a:ext cx="2756931" cy="383057"/>
+            </a:xfrm>
+            <a:prstGeom prst="rect">
+              <a:avLst/>
+            </a:prstGeom>
+            <a:solidFill>
+              <a:schemeClr val="accent4">
+                <a:lumMod val="40000"/>
+                <a:lumOff val="60000"/>
+              </a:schemeClr>
+            </a:solidFill>
+          </p:spPr>
+          <p:style>
+            <a:lnRef idx="1">
+              <a:schemeClr val="accent4"/>
+            </a:lnRef>
+            <a:fillRef idx="2">
+              <a:schemeClr val="accent4"/>
+            </a:fillRef>
+            <a:effectRef idx="1">
+              <a:schemeClr val="accent4"/>
+            </a:effectRef>
+            <a:fontRef idx="minor">
+              <a:schemeClr val="dk1"/>
+            </a:fontRef>
+          </p:style>
+          <p:txBody>
+            <a:bodyPr rtlCol="0" anchor="t"/>
+            <a:lstStyle/>
+            <a:p>
+              <a:pPr algn="ctr"/>
+              <a:r>
+                <a:rPr lang="nl-NL" dirty="0"/>
+                <a:t>Probabilistisch</a:t>
+              </a:r>
+            </a:p>
+          </p:txBody>
+        </p:sp>
+      </p:grpSp>
+      <p:grpSp>
+        <p:nvGrpSpPr>
+          <p:cNvPr id="19" name="Group 18">
+            <a:extLst>
+              <a:ext uri="{FF2B5EF4-FFF2-40B4-BE49-F238E27FC236}">
+                <a16:creationId xmlns:a16="http://schemas.microsoft.com/office/drawing/2014/main" id="{A033C8AE-4371-D594-81E9-B66182602633}"/>
+              </a:ext>
+            </a:extLst>
+          </p:cNvPr>
+          <p:cNvGrpSpPr/>
+          <p:nvPr/>
+        </p:nvGrpSpPr>
+        <p:grpSpPr>
+          <a:xfrm>
+            <a:off x="8076049" y="1711412"/>
+            <a:ext cx="2756930" cy="1791726"/>
+            <a:chOff x="838200" y="1711410"/>
+            <a:chExt cx="2756930" cy="1791726"/>
+          </a:xfrm>
+          <a:solidFill>
+            <a:schemeClr val="bg1">
+              <a:lumMod val="95000"/>
+            </a:schemeClr>
+          </a:solidFill>
+        </p:grpSpPr>
+        <p:sp>
+          <p:nvSpPr>
+            <p:cNvPr id="20" name="Rectangle 19">
+              <a:extLst>
+                <a:ext uri="{FF2B5EF4-FFF2-40B4-BE49-F238E27FC236}">
+                  <a16:creationId xmlns:a16="http://schemas.microsoft.com/office/drawing/2014/main" id="{AD08C436-AAC0-9466-8B28-EA71BB7A46AC}"/>
+                </a:ext>
+              </a:extLst>
+            </p:cNvPr>
+            <p:cNvSpPr/>
+            <p:nvPr/>
+          </p:nvSpPr>
+          <p:spPr>
+            <a:xfrm>
+              <a:off x="838200" y="2094470"/>
+              <a:ext cx="2756930" cy="1408666"/>
+            </a:xfrm>
+            <a:prstGeom prst="rect">
+              <a:avLst/>
+            </a:prstGeom>
+            <a:grpFill/>
+          </p:spPr>
+          <p:style>
+            <a:lnRef idx="1">
+              <a:schemeClr val="accent3"/>
+            </a:lnRef>
+            <a:fillRef idx="2">
+              <a:schemeClr val="accent3"/>
+            </a:fillRef>
+            <a:effectRef idx="1">
+              <a:schemeClr val="accent3"/>
+            </a:effectRef>
+            <a:fontRef idx="minor">
+              <a:schemeClr val="dk1"/>
+            </a:fontRef>
+          </p:style>
+          <p:txBody>
+            <a:bodyPr rtlCol="0" anchor="ctr"/>
+            <a:lstStyle/>
+            <a:p>
+              <a:pPr algn="ctr"/>
+              <a:r>
+                <a:rPr lang="nl-NL" dirty="0" err="1"/>
+                <a:t>PyTorch</a:t>
+              </a:r>
+              <a:endParaRPr lang="nl-NL" dirty="0"/>
+            </a:p>
+            <a:p>
+              <a:pPr algn="ctr"/>
+              <a:r>
+                <a:rPr lang="nl-NL" dirty="0" err="1"/>
+                <a:t>Keras</a:t>
+              </a:r>
+              <a:endParaRPr lang="nl-NL" dirty="0"/>
+            </a:p>
+          </p:txBody>
+        </p:sp>
+        <p:sp>
+          <p:nvSpPr>
+            <p:cNvPr id="21" name="Rectangle 20">
+              <a:extLst>
+                <a:ext uri="{FF2B5EF4-FFF2-40B4-BE49-F238E27FC236}">
+                  <a16:creationId xmlns:a16="http://schemas.microsoft.com/office/drawing/2014/main" id="{6093CF41-78D2-A39F-693D-D5DBDCFADF23}"/>
+                </a:ext>
+              </a:extLst>
+            </p:cNvPr>
+            <p:cNvSpPr/>
+            <p:nvPr/>
+          </p:nvSpPr>
+          <p:spPr>
+            <a:xfrm>
+              <a:off x="838200" y="1711410"/>
+              <a:ext cx="2756930" cy="383059"/>
+            </a:xfrm>
+            <a:prstGeom prst="rect">
+              <a:avLst/>
+            </a:prstGeom>
+            <a:solidFill>
+              <a:schemeClr val="accent6">
+                <a:lumMod val="40000"/>
+                <a:lumOff val="60000"/>
+              </a:schemeClr>
+            </a:solidFill>
+            <a:ln/>
+          </p:spPr>
+          <p:style>
+            <a:lnRef idx="1">
+              <a:schemeClr val="accent6"/>
+            </a:lnRef>
+            <a:fillRef idx="2">
+              <a:schemeClr val="accent6"/>
+            </a:fillRef>
+            <a:effectRef idx="1">
+              <a:schemeClr val="accent6"/>
+            </a:effectRef>
+            <a:fontRef idx="minor">
+              <a:schemeClr val="dk1"/>
+            </a:fontRef>
+          </p:style>
+          <p:txBody>
+            <a:bodyPr rtlCol="0" anchor="t"/>
+            <a:lstStyle/>
+            <a:p>
+              <a:pPr algn="ctr"/>
+              <a:r>
+                <a:rPr lang="nl-NL" b="1" dirty="0" err="1"/>
+                <a:t>Deep</a:t>
+              </a:r>
+              <a:r>
+                <a:rPr lang="nl-NL" b="1" dirty="0"/>
+                <a:t> Learning</a:t>
+              </a:r>
+            </a:p>
+          </p:txBody>
+        </p:sp>
+      </p:grpSp>
+      <p:grpSp>
+        <p:nvGrpSpPr>
+          <p:cNvPr id="25" name="Group 24">
+            <a:extLst>
+              <a:ext uri="{FF2B5EF4-FFF2-40B4-BE49-F238E27FC236}">
+                <a16:creationId xmlns:a16="http://schemas.microsoft.com/office/drawing/2014/main" id="{C3472853-D76C-7812-7534-B9249263C302}"/>
+              </a:ext>
+            </a:extLst>
+          </p:cNvPr>
+          <p:cNvGrpSpPr/>
+          <p:nvPr/>
+        </p:nvGrpSpPr>
+        <p:grpSpPr>
+          <a:xfrm>
+            <a:off x="4643394" y="1711412"/>
+            <a:ext cx="2756931" cy="1791722"/>
+            <a:chOff x="4643394" y="1711412"/>
+            <a:chExt cx="2756931" cy="1791722"/>
+          </a:xfrm>
+          <a:solidFill>
+            <a:schemeClr val="bg1">
+              <a:lumMod val="95000"/>
+            </a:schemeClr>
+          </a:solidFill>
+        </p:grpSpPr>
+        <p:sp>
+          <p:nvSpPr>
+            <p:cNvPr id="26" name="Rectangle 25">
+              <a:extLst>
+                <a:ext uri="{FF2B5EF4-FFF2-40B4-BE49-F238E27FC236}">
+                  <a16:creationId xmlns:a16="http://schemas.microsoft.com/office/drawing/2014/main" id="{1E929FA2-3FD4-A657-BD72-002CC1CD64D8}"/>
+                </a:ext>
+              </a:extLst>
+            </p:cNvPr>
+            <p:cNvSpPr/>
+            <p:nvPr/>
+          </p:nvSpPr>
+          <p:spPr>
+            <a:xfrm>
+              <a:off x="4643394" y="2094469"/>
+              <a:ext cx="2756931" cy="1408665"/>
+            </a:xfrm>
+            <a:prstGeom prst="rect">
+              <a:avLst/>
+            </a:prstGeom>
+            <a:grpFill/>
+          </p:spPr>
+          <p:style>
+            <a:lnRef idx="1">
+              <a:schemeClr val="accent3"/>
+            </a:lnRef>
+            <a:fillRef idx="2">
+              <a:schemeClr val="accent3"/>
+            </a:fillRef>
+            <a:effectRef idx="1">
+              <a:schemeClr val="accent3"/>
+            </a:effectRef>
+            <a:fontRef idx="minor">
+              <a:schemeClr val="dk1"/>
+            </a:fontRef>
+          </p:style>
+          <p:txBody>
+            <a:bodyPr rtlCol="0" anchor="ctr"/>
+            <a:lstStyle/>
+            <a:p>
+              <a:pPr algn="ctr"/>
+              <a:r>
+                <a:rPr lang="nl-NL" dirty="0" err="1"/>
+                <a:t>scikit-learn</a:t>
+              </a:r>
+              <a:endParaRPr lang="nl-NL" dirty="0"/>
+            </a:p>
+            <a:p>
+              <a:pPr algn="ctr"/>
+              <a:r>
+                <a:rPr lang="nl-NL" dirty="0" err="1"/>
+                <a:t>LightGBM</a:t>
+              </a:r>
+              <a:endParaRPr lang="nl-NL" dirty="0"/>
+            </a:p>
+            <a:p>
+              <a:pPr algn="ctr"/>
+              <a:r>
+                <a:rPr lang="nl-NL" dirty="0" err="1"/>
+                <a:t>XGBoost</a:t>
+              </a:r>
+              <a:endParaRPr lang="nl-NL" dirty="0"/>
+            </a:p>
+          </p:txBody>
+        </p:sp>
+        <p:sp>
+          <p:nvSpPr>
+            <p:cNvPr id="27" name="Rectangle 26">
+              <a:extLst>
+                <a:ext uri="{FF2B5EF4-FFF2-40B4-BE49-F238E27FC236}">
+                  <a16:creationId xmlns:a16="http://schemas.microsoft.com/office/drawing/2014/main" id="{B68B7550-B421-22B6-DDAB-1B4343DE333D}"/>
+                </a:ext>
+              </a:extLst>
+            </p:cNvPr>
+            <p:cNvSpPr/>
+            <p:nvPr/>
+          </p:nvSpPr>
+          <p:spPr>
+            <a:xfrm>
+              <a:off x="4643394" y="1711412"/>
+              <a:ext cx="2756931" cy="383057"/>
+            </a:xfrm>
+            <a:prstGeom prst="rect">
+              <a:avLst/>
+            </a:prstGeom>
+            <a:solidFill>
+              <a:schemeClr val="accent5">
+                <a:lumMod val="40000"/>
+                <a:lumOff val="60000"/>
+              </a:schemeClr>
+            </a:solidFill>
+            <a:ln/>
+          </p:spPr>
+          <p:style>
+            <a:lnRef idx="1">
+              <a:schemeClr val="accent5"/>
+            </a:lnRef>
+            <a:fillRef idx="2">
+              <a:schemeClr val="accent5"/>
+            </a:fillRef>
+            <a:effectRef idx="1">
+              <a:schemeClr val="accent5"/>
+            </a:effectRef>
+            <a:fontRef idx="minor">
+              <a:schemeClr val="dk1"/>
+            </a:fontRef>
+          </p:style>
+          <p:txBody>
+            <a:bodyPr rtlCol="0" anchor="t"/>
+            <a:lstStyle/>
+            <a:p>
+              <a:pPr algn="ctr"/>
+              <a:r>
+                <a:rPr lang="nl-NL" dirty="0"/>
+                <a:t>Machine Learning</a:t>
+              </a:r>
+            </a:p>
+          </p:txBody>
+        </p:sp>
+      </p:grpSp>
+      <p:grpSp>
+        <p:nvGrpSpPr>
+          <p:cNvPr id="28" name="Group 27">
+            <a:extLst>
+              <a:ext uri="{FF2B5EF4-FFF2-40B4-BE49-F238E27FC236}">
+                <a16:creationId xmlns:a16="http://schemas.microsoft.com/office/drawing/2014/main" id="{3C12859D-7654-BA6A-2A1A-3146C4F12A2F}"/>
+              </a:ext>
+            </a:extLst>
+          </p:cNvPr>
+          <p:cNvGrpSpPr/>
+          <p:nvPr/>
+        </p:nvGrpSpPr>
+        <p:grpSpPr>
+          <a:xfrm>
+            <a:off x="1210739" y="1711412"/>
+            <a:ext cx="2756931" cy="1791722"/>
+            <a:chOff x="8448589" y="1711411"/>
+            <a:chExt cx="2756931" cy="1791722"/>
+          </a:xfrm>
+          <a:solidFill>
+            <a:schemeClr val="bg1">
+              <a:lumMod val="95000"/>
+            </a:schemeClr>
+          </a:solidFill>
+        </p:grpSpPr>
+        <p:sp>
+          <p:nvSpPr>
+            <p:cNvPr id="29" name="Rectangle 28">
+              <a:extLst>
+                <a:ext uri="{FF2B5EF4-FFF2-40B4-BE49-F238E27FC236}">
+                  <a16:creationId xmlns:a16="http://schemas.microsoft.com/office/drawing/2014/main" id="{CB589E31-14B7-17CD-6452-EC25987AAEAE}"/>
+                </a:ext>
+              </a:extLst>
+            </p:cNvPr>
+            <p:cNvSpPr/>
+            <p:nvPr/>
+          </p:nvSpPr>
+          <p:spPr>
+            <a:xfrm>
+              <a:off x="8448589" y="2094468"/>
+              <a:ext cx="2756931" cy="1408665"/>
+            </a:xfrm>
+            <a:prstGeom prst="rect">
+              <a:avLst/>
+            </a:prstGeom>
+            <a:grpFill/>
+          </p:spPr>
+          <p:style>
+            <a:lnRef idx="1">
+              <a:schemeClr val="accent3"/>
+            </a:lnRef>
+            <a:fillRef idx="2">
+              <a:schemeClr val="accent3"/>
+            </a:fillRef>
+            <a:effectRef idx="1">
+              <a:schemeClr val="accent3"/>
+            </a:effectRef>
+            <a:fontRef idx="minor">
+              <a:schemeClr val="dk1"/>
+            </a:fontRef>
+          </p:style>
+          <p:txBody>
+            <a:bodyPr rtlCol="0" anchor="ctr"/>
+            <a:lstStyle/>
+            <a:p>
+              <a:pPr algn="ctr"/>
+              <a:r>
+                <a:rPr lang="nl-NL" dirty="0" err="1"/>
+                <a:t>statsmodels</a:t>
+              </a:r>
+              <a:endParaRPr lang="nl-NL" dirty="0"/>
+            </a:p>
+            <a:p>
+              <a:pPr algn="ctr"/>
+              <a:r>
+                <a:rPr lang="nl-NL" dirty="0" err="1"/>
+                <a:t>scipy</a:t>
+              </a:r>
+              <a:endParaRPr lang="nl-NL" dirty="0"/>
+            </a:p>
+          </p:txBody>
+        </p:sp>
+        <p:sp>
+          <p:nvSpPr>
+            <p:cNvPr id="30" name="Rectangle 29">
+              <a:extLst>
+                <a:ext uri="{FF2B5EF4-FFF2-40B4-BE49-F238E27FC236}">
+                  <a16:creationId xmlns:a16="http://schemas.microsoft.com/office/drawing/2014/main" id="{90E8B758-9A8A-8780-7455-7F56BC6DE364}"/>
+                </a:ext>
+              </a:extLst>
+            </p:cNvPr>
+            <p:cNvSpPr/>
+            <p:nvPr/>
+          </p:nvSpPr>
+          <p:spPr>
+            <a:xfrm>
+              <a:off x="8448589" y="1711411"/>
+              <a:ext cx="2756930" cy="383057"/>
+            </a:xfrm>
+            <a:prstGeom prst="rect">
+              <a:avLst/>
+            </a:prstGeom>
+            <a:solidFill>
+              <a:schemeClr val="accent4">
+                <a:lumMod val="40000"/>
+                <a:lumOff val="60000"/>
+              </a:schemeClr>
+            </a:solidFill>
+            <a:ln/>
+          </p:spPr>
+          <p:style>
+            <a:lnRef idx="1">
+              <a:schemeClr val="accent4"/>
+            </a:lnRef>
+            <a:fillRef idx="2">
+              <a:schemeClr val="accent4"/>
+            </a:fillRef>
+            <a:effectRef idx="1">
+              <a:schemeClr val="accent4"/>
+            </a:effectRef>
+            <a:fontRef idx="minor">
+              <a:schemeClr val="dk1"/>
+            </a:fontRef>
+          </p:style>
+          <p:txBody>
+            <a:bodyPr rtlCol="0" anchor="t"/>
+            <a:lstStyle/>
+            <a:p>
+              <a:pPr algn="ctr"/>
+              <a:r>
+                <a:rPr lang="nl-NL" dirty="0"/>
+                <a:t>Statistiek</a:t>
+              </a:r>
+            </a:p>
+          </p:txBody>
+        </p:sp>
+      </p:grpSp>
+    </p:spTree>
+    <p:extLst>
+      <p:ext uri="{BB962C8B-B14F-4D97-AF65-F5344CB8AC3E}">
+        <p14:creationId xmlns:p14="http://schemas.microsoft.com/office/powerpoint/2010/main" val="338114652"/>
+      </p:ext>
+    </p:extLst>
+  </p:cSld>
+  <p:clrMapOvr>
+    <a:masterClrMapping/>
+  </p:clrMapOvr>
+</p:sld>
+</file>
+
+<file path=ppt/slides/slide50.xml><?xml version="1.0" encoding="utf-8"?>
 <p:sld xmlns:a="http://schemas.openxmlformats.org/drawingml/2006/main" xmlns:r="http://schemas.openxmlformats.org/officeDocument/2006/relationships" xmlns:p="http://schemas.openxmlformats.org/presentationml/2006/main">
   <p:cSld>
     <p:spTree>
@@ -32059,913 +33455,7 @@
 </p:sld>
 </file>
 
-<file path=ppt/slides/slide5.xml><?xml version="1.0" encoding="utf-8"?>
-<p:sld xmlns:a="http://schemas.openxmlformats.org/drawingml/2006/main" xmlns:r="http://schemas.openxmlformats.org/officeDocument/2006/relationships" xmlns:p="http://schemas.openxmlformats.org/presentationml/2006/main">
-  <p:cSld>
-    <p:spTree>
-      <p:nvGrpSpPr>
-        <p:cNvPr id="1" name=""/>
-        <p:cNvGrpSpPr/>
-        <p:nvPr/>
-      </p:nvGrpSpPr>
-      <p:grpSpPr>
-        <a:xfrm>
-          <a:off x="0" y="0"/>
-          <a:ext cx="0" cy="0"/>
-          <a:chOff x="0" y="0"/>
-          <a:chExt cx="0" cy="0"/>
-        </a:xfrm>
-      </p:grpSpPr>
-      <p:sp>
-        <p:nvSpPr>
-          <p:cNvPr id="2" name="Title 1">
-            <a:extLst>
-              <a:ext uri="{FF2B5EF4-FFF2-40B4-BE49-F238E27FC236}">
-                <a16:creationId xmlns:a16="http://schemas.microsoft.com/office/drawing/2014/main" id="{39A1D606-8DD1-369C-5C09-471CDD551AD5}"/>
-              </a:ext>
-            </a:extLst>
-          </p:cNvPr>
-          <p:cNvSpPr>
-            <a:spLocks noGrp="1"/>
-          </p:cNvSpPr>
-          <p:nvPr>
-            <p:ph type="title"/>
-          </p:nvPr>
-        </p:nvSpPr>
-        <p:spPr>
-          <a:xfrm>
-            <a:off x="838200" y="365126"/>
-            <a:ext cx="10515600" cy="718608"/>
-          </a:xfrm>
-        </p:spPr>
-        <p:txBody>
-          <a:bodyPr>
-            <a:normAutofit/>
-          </a:bodyPr>
-          <a:lstStyle/>
-          <a:p>
-            <a:r>
-              <a:rPr lang="nl-NL" sz="3600" noProof="0" dirty="0"/>
-              <a:t>Overzicht frameworks</a:t>
-            </a:r>
-          </a:p>
-        </p:txBody>
-      </p:sp>
-      <p:grpSp>
-        <p:nvGrpSpPr>
-          <p:cNvPr id="12" name="Group 11">
-            <a:extLst>
-              <a:ext uri="{FF2B5EF4-FFF2-40B4-BE49-F238E27FC236}">
-                <a16:creationId xmlns:a16="http://schemas.microsoft.com/office/drawing/2014/main" id="{FBE57A9A-AFC4-C498-3A54-914F85369A61}"/>
-              </a:ext>
-            </a:extLst>
-          </p:cNvPr>
-          <p:cNvGrpSpPr/>
-          <p:nvPr/>
-        </p:nvGrpSpPr>
-        <p:grpSpPr>
-          <a:xfrm>
-            <a:off x="8076045" y="4504402"/>
-            <a:ext cx="2756930" cy="1398377"/>
-            <a:chOff x="7293591" y="4314423"/>
-            <a:chExt cx="2756930" cy="1398377"/>
-          </a:xfrm>
-          <a:solidFill>
-            <a:schemeClr val="bg1">
-              <a:lumMod val="95000"/>
-            </a:schemeClr>
-          </a:solidFill>
-        </p:grpSpPr>
-        <p:sp>
-          <p:nvSpPr>
-            <p:cNvPr id="5" name="Rectangle 4">
-              <a:extLst>
-                <a:ext uri="{FF2B5EF4-FFF2-40B4-BE49-F238E27FC236}">
-                  <a16:creationId xmlns:a16="http://schemas.microsoft.com/office/drawing/2014/main" id="{84488DC3-6414-14BB-E1C6-3BE9AFCE377B}"/>
-                </a:ext>
-              </a:extLst>
-            </p:cNvPr>
-            <p:cNvSpPr/>
-            <p:nvPr/>
-          </p:nvSpPr>
-          <p:spPr>
-            <a:xfrm>
-              <a:off x="7293591" y="4697486"/>
-              <a:ext cx="2756930" cy="1015314"/>
-            </a:xfrm>
-            <a:prstGeom prst="rect">
-              <a:avLst/>
-            </a:prstGeom>
-            <a:grpFill/>
-          </p:spPr>
-          <p:style>
-            <a:lnRef idx="1">
-              <a:schemeClr val="accent3"/>
-            </a:lnRef>
-            <a:fillRef idx="2">
-              <a:schemeClr val="accent3"/>
-            </a:fillRef>
-            <a:effectRef idx="1">
-              <a:schemeClr val="accent3"/>
-            </a:effectRef>
-            <a:fontRef idx="minor">
-              <a:schemeClr val="dk1"/>
-            </a:fontRef>
-          </p:style>
-          <p:txBody>
-            <a:bodyPr rtlCol="0" anchor="ctr"/>
-            <a:lstStyle/>
-            <a:p>
-              <a:pPr algn="ctr"/>
-              <a:r>
-                <a:rPr lang="nl-NL" dirty="0" err="1"/>
-                <a:t>SpaCy</a:t>
-              </a:r>
-              <a:r>
-                <a:rPr lang="nl-NL" dirty="0"/>
-                <a:t> </a:t>
-              </a:r>
-            </a:p>
-            <a:p>
-              <a:pPr algn="ctr"/>
-              <a:r>
-                <a:rPr lang="nl-NL" dirty="0"/>
-                <a:t>NLTK</a:t>
-              </a:r>
-            </a:p>
-          </p:txBody>
-        </p:sp>
-        <p:sp>
-          <p:nvSpPr>
-            <p:cNvPr id="11" name="Rectangle 10">
-              <a:extLst>
-                <a:ext uri="{FF2B5EF4-FFF2-40B4-BE49-F238E27FC236}">
-                  <a16:creationId xmlns:a16="http://schemas.microsoft.com/office/drawing/2014/main" id="{F6ED25AF-3F94-656D-09F2-3C2F6177585D}"/>
-                </a:ext>
-              </a:extLst>
-            </p:cNvPr>
-            <p:cNvSpPr/>
-            <p:nvPr/>
-          </p:nvSpPr>
-          <p:spPr>
-            <a:xfrm>
-              <a:off x="7293591" y="4314423"/>
-              <a:ext cx="2756930" cy="383059"/>
-            </a:xfrm>
-            <a:prstGeom prst="rect">
-              <a:avLst/>
-            </a:prstGeom>
-            <a:solidFill>
-              <a:schemeClr val="accent6">
-                <a:lumMod val="40000"/>
-                <a:lumOff val="60000"/>
-              </a:schemeClr>
-            </a:solidFill>
-          </p:spPr>
-          <p:style>
-            <a:lnRef idx="1">
-              <a:schemeClr val="accent6"/>
-            </a:lnRef>
-            <a:fillRef idx="2">
-              <a:schemeClr val="accent6"/>
-            </a:fillRef>
-            <a:effectRef idx="1">
-              <a:schemeClr val="accent6"/>
-            </a:effectRef>
-            <a:fontRef idx="minor">
-              <a:schemeClr val="dk1"/>
-            </a:fontRef>
-          </p:style>
-          <p:txBody>
-            <a:bodyPr rtlCol="0" anchor="t"/>
-            <a:lstStyle/>
-            <a:p>
-              <a:pPr algn="ctr"/>
-              <a:r>
-                <a:rPr lang="nl-NL" b="1" dirty="0"/>
-                <a:t>Taal</a:t>
-              </a:r>
-            </a:p>
-          </p:txBody>
-        </p:sp>
-      </p:grpSp>
-      <p:grpSp>
-        <p:nvGrpSpPr>
-          <p:cNvPr id="15" name="Group 14">
-            <a:extLst>
-              <a:ext uri="{FF2B5EF4-FFF2-40B4-BE49-F238E27FC236}">
-                <a16:creationId xmlns:a16="http://schemas.microsoft.com/office/drawing/2014/main" id="{175D64CE-1FB0-2D19-C119-42342A9C5153}"/>
-              </a:ext>
-            </a:extLst>
-          </p:cNvPr>
-          <p:cNvGrpSpPr/>
-          <p:nvPr/>
-        </p:nvGrpSpPr>
-        <p:grpSpPr>
-          <a:xfrm>
-            <a:off x="4643395" y="4504402"/>
-            <a:ext cx="2756928" cy="1398373"/>
-            <a:chOff x="3756288" y="4314423"/>
-            <a:chExt cx="2756931" cy="1398373"/>
-          </a:xfrm>
-          <a:solidFill>
-            <a:schemeClr val="bg1">
-              <a:lumMod val="95000"/>
-            </a:schemeClr>
-          </a:solidFill>
-        </p:grpSpPr>
-        <p:sp>
-          <p:nvSpPr>
-            <p:cNvPr id="13" name="Rectangle 12">
-              <a:extLst>
-                <a:ext uri="{FF2B5EF4-FFF2-40B4-BE49-F238E27FC236}">
-                  <a16:creationId xmlns:a16="http://schemas.microsoft.com/office/drawing/2014/main" id="{DE70765D-3A84-BC81-EE9C-61DA59F9A0DD}"/>
-                </a:ext>
-              </a:extLst>
-            </p:cNvPr>
-            <p:cNvSpPr/>
-            <p:nvPr/>
-          </p:nvSpPr>
-          <p:spPr>
-            <a:xfrm>
-              <a:off x="3756289" y="4697482"/>
-              <a:ext cx="2756930" cy="1015314"/>
-            </a:xfrm>
-            <a:prstGeom prst="rect">
-              <a:avLst/>
-            </a:prstGeom>
-            <a:grpFill/>
-          </p:spPr>
-          <p:style>
-            <a:lnRef idx="1">
-              <a:schemeClr val="accent3"/>
-            </a:lnRef>
-            <a:fillRef idx="2">
-              <a:schemeClr val="accent3"/>
-            </a:fillRef>
-            <a:effectRef idx="1">
-              <a:schemeClr val="accent3"/>
-            </a:effectRef>
-            <a:fontRef idx="minor">
-              <a:schemeClr val="dk1"/>
-            </a:fontRef>
-          </p:style>
-          <p:txBody>
-            <a:bodyPr rtlCol="0" anchor="ctr"/>
-            <a:lstStyle/>
-            <a:p>
-              <a:pPr algn="ctr"/>
-              <a:r>
-                <a:rPr lang="nl-NL" dirty="0" err="1"/>
-                <a:t>Sktime</a:t>
-              </a:r>
-              <a:endParaRPr lang="nl-NL" dirty="0"/>
-            </a:p>
-            <a:p>
-              <a:pPr algn="ctr"/>
-              <a:r>
-                <a:rPr lang="nl-NL" dirty="0" err="1"/>
-                <a:t>PyFlux</a:t>
-              </a:r>
-              <a:endParaRPr lang="nl-NL" dirty="0"/>
-            </a:p>
-            <a:p>
-              <a:pPr algn="ctr"/>
-              <a:r>
-                <a:rPr lang="nl-NL" dirty="0" err="1"/>
-                <a:t>Prophet</a:t>
-              </a:r>
-              <a:endParaRPr lang="nl-NL" dirty="0"/>
-            </a:p>
-          </p:txBody>
-        </p:sp>
-        <p:sp>
-          <p:nvSpPr>
-            <p:cNvPr id="14" name="Rectangle 13">
-              <a:extLst>
-                <a:ext uri="{FF2B5EF4-FFF2-40B4-BE49-F238E27FC236}">
-                  <a16:creationId xmlns:a16="http://schemas.microsoft.com/office/drawing/2014/main" id="{3447C395-6417-FE82-93FC-AE20CEE356A1}"/>
-                </a:ext>
-              </a:extLst>
-            </p:cNvPr>
-            <p:cNvSpPr/>
-            <p:nvPr/>
-          </p:nvSpPr>
-          <p:spPr>
-            <a:xfrm>
-              <a:off x="3756288" y="4314423"/>
-              <a:ext cx="2756931" cy="383057"/>
-            </a:xfrm>
-            <a:prstGeom prst="rect">
-              <a:avLst/>
-            </a:prstGeom>
-            <a:solidFill>
-              <a:schemeClr val="accent1">
-                <a:lumMod val="40000"/>
-                <a:lumOff val="60000"/>
-              </a:schemeClr>
-            </a:solidFill>
-          </p:spPr>
-          <p:style>
-            <a:lnRef idx="1">
-              <a:schemeClr val="accent5"/>
-            </a:lnRef>
-            <a:fillRef idx="2">
-              <a:schemeClr val="accent5"/>
-            </a:fillRef>
-            <a:effectRef idx="1">
-              <a:schemeClr val="accent5"/>
-            </a:effectRef>
-            <a:fontRef idx="minor">
-              <a:schemeClr val="dk1"/>
-            </a:fontRef>
-          </p:style>
-          <p:txBody>
-            <a:bodyPr rtlCol="0" anchor="t"/>
-            <a:lstStyle/>
-            <a:p>
-              <a:pPr algn="ctr"/>
-              <a:r>
-                <a:rPr lang="nl-NL" dirty="0"/>
-                <a:t>Tijdreeksen</a:t>
-              </a:r>
-            </a:p>
-          </p:txBody>
-        </p:sp>
-      </p:grpSp>
-      <p:grpSp>
-        <p:nvGrpSpPr>
-          <p:cNvPr id="22" name="Group 21">
-            <a:extLst>
-              <a:ext uri="{FF2B5EF4-FFF2-40B4-BE49-F238E27FC236}">
-                <a16:creationId xmlns:a16="http://schemas.microsoft.com/office/drawing/2014/main" id="{3C1079BF-1AB1-F78C-A525-47DC26228534}"/>
-              </a:ext>
-            </a:extLst>
-          </p:cNvPr>
-          <p:cNvGrpSpPr/>
-          <p:nvPr/>
-        </p:nvGrpSpPr>
-        <p:grpSpPr>
-          <a:xfrm>
-            <a:off x="1210740" y="4504402"/>
-            <a:ext cx="2756929" cy="1398373"/>
-            <a:chOff x="3756288" y="4314423"/>
-            <a:chExt cx="2756931" cy="1398373"/>
-          </a:xfrm>
-          <a:solidFill>
-            <a:schemeClr val="bg1">
-              <a:lumMod val="95000"/>
-            </a:schemeClr>
-          </a:solidFill>
-        </p:grpSpPr>
-        <p:sp>
-          <p:nvSpPr>
-            <p:cNvPr id="23" name="Rectangle 22">
-              <a:extLst>
-                <a:ext uri="{FF2B5EF4-FFF2-40B4-BE49-F238E27FC236}">
-                  <a16:creationId xmlns:a16="http://schemas.microsoft.com/office/drawing/2014/main" id="{632CDF7F-FA3A-CB88-2FA2-22FED616A9FF}"/>
-                </a:ext>
-              </a:extLst>
-            </p:cNvPr>
-            <p:cNvSpPr/>
-            <p:nvPr/>
-          </p:nvSpPr>
-          <p:spPr>
-            <a:xfrm>
-              <a:off x="3756289" y="4697482"/>
-              <a:ext cx="2756930" cy="1015314"/>
-            </a:xfrm>
-            <a:prstGeom prst="rect">
-              <a:avLst/>
-            </a:prstGeom>
-            <a:grpFill/>
-          </p:spPr>
-          <p:style>
-            <a:lnRef idx="1">
-              <a:schemeClr val="accent3"/>
-            </a:lnRef>
-            <a:fillRef idx="2">
-              <a:schemeClr val="accent3"/>
-            </a:fillRef>
-            <a:effectRef idx="1">
-              <a:schemeClr val="accent3"/>
-            </a:effectRef>
-            <a:fontRef idx="minor">
-              <a:schemeClr val="dk1"/>
-            </a:fontRef>
-          </p:style>
-          <p:txBody>
-            <a:bodyPr rtlCol="0" anchor="ctr"/>
-            <a:lstStyle/>
-            <a:p>
-              <a:pPr algn="ctr"/>
-              <a:r>
-                <a:rPr lang="nl-NL" dirty="0" err="1"/>
-                <a:t>PyMC</a:t>
-              </a:r>
-              <a:endParaRPr lang="nl-NL" dirty="0"/>
-            </a:p>
-            <a:p>
-              <a:pPr algn="ctr"/>
-              <a:r>
-                <a:rPr lang="nl-NL" dirty="0" err="1"/>
-                <a:t>Pyro</a:t>
-              </a:r>
-              <a:endParaRPr lang="nl-NL" dirty="0"/>
-            </a:p>
-          </p:txBody>
-        </p:sp>
-        <p:sp>
-          <p:nvSpPr>
-            <p:cNvPr id="24" name="Rectangle 23">
-              <a:extLst>
-                <a:ext uri="{FF2B5EF4-FFF2-40B4-BE49-F238E27FC236}">
-                  <a16:creationId xmlns:a16="http://schemas.microsoft.com/office/drawing/2014/main" id="{5ABAF762-DD5C-74F3-9DB8-43FF78C3E92C}"/>
-                </a:ext>
-              </a:extLst>
-            </p:cNvPr>
-            <p:cNvSpPr/>
-            <p:nvPr/>
-          </p:nvSpPr>
-          <p:spPr>
-            <a:xfrm>
-              <a:off x="3756288" y="4314423"/>
-              <a:ext cx="2756931" cy="383057"/>
-            </a:xfrm>
-            <a:prstGeom prst="rect">
-              <a:avLst/>
-            </a:prstGeom>
-            <a:solidFill>
-              <a:schemeClr val="accent4">
-                <a:lumMod val="40000"/>
-                <a:lumOff val="60000"/>
-              </a:schemeClr>
-            </a:solidFill>
-          </p:spPr>
-          <p:style>
-            <a:lnRef idx="1">
-              <a:schemeClr val="accent4"/>
-            </a:lnRef>
-            <a:fillRef idx="2">
-              <a:schemeClr val="accent4"/>
-            </a:fillRef>
-            <a:effectRef idx="1">
-              <a:schemeClr val="accent4"/>
-            </a:effectRef>
-            <a:fontRef idx="minor">
-              <a:schemeClr val="dk1"/>
-            </a:fontRef>
-          </p:style>
-          <p:txBody>
-            <a:bodyPr rtlCol="0" anchor="t"/>
-            <a:lstStyle/>
-            <a:p>
-              <a:pPr algn="ctr"/>
-              <a:r>
-                <a:rPr lang="nl-NL" dirty="0"/>
-                <a:t>Probabilistisch</a:t>
-              </a:r>
-            </a:p>
-          </p:txBody>
-        </p:sp>
-      </p:grpSp>
-      <p:grpSp>
-        <p:nvGrpSpPr>
-          <p:cNvPr id="19" name="Group 18">
-            <a:extLst>
-              <a:ext uri="{FF2B5EF4-FFF2-40B4-BE49-F238E27FC236}">
-                <a16:creationId xmlns:a16="http://schemas.microsoft.com/office/drawing/2014/main" id="{A033C8AE-4371-D594-81E9-B66182602633}"/>
-              </a:ext>
-            </a:extLst>
-          </p:cNvPr>
-          <p:cNvGrpSpPr/>
-          <p:nvPr/>
-        </p:nvGrpSpPr>
-        <p:grpSpPr>
-          <a:xfrm>
-            <a:off x="8076049" y="1711412"/>
-            <a:ext cx="2756930" cy="1791726"/>
-            <a:chOff x="838200" y="1711410"/>
-            <a:chExt cx="2756930" cy="1791726"/>
-          </a:xfrm>
-          <a:solidFill>
-            <a:schemeClr val="bg1">
-              <a:lumMod val="95000"/>
-            </a:schemeClr>
-          </a:solidFill>
-        </p:grpSpPr>
-        <p:sp>
-          <p:nvSpPr>
-            <p:cNvPr id="20" name="Rectangle 19">
-              <a:extLst>
-                <a:ext uri="{FF2B5EF4-FFF2-40B4-BE49-F238E27FC236}">
-                  <a16:creationId xmlns:a16="http://schemas.microsoft.com/office/drawing/2014/main" id="{AD08C436-AAC0-9466-8B28-EA71BB7A46AC}"/>
-                </a:ext>
-              </a:extLst>
-            </p:cNvPr>
-            <p:cNvSpPr/>
-            <p:nvPr/>
-          </p:nvSpPr>
-          <p:spPr>
-            <a:xfrm>
-              <a:off x="838200" y="2094470"/>
-              <a:ext cx="2756930" cy="1408666"/>
-            </a:xfrm>
-            <a:prstGeom prst="rect">
-              <a:avLst/>
-            </a:prstGeom>
-            <a:grpFill/>
-          </p:spPr>
-          <p:style>
-            <a:lnRef idx="1">
-              <a:schemeClr val="accent3"/>
-            </a:lnRef>
-            <a:fillRef idx="2">
-              <a:schemeClr val="accent3"/>
-            </a:fillRef>
-            <a:effectRef idx="1">
-              <a:schemeClr val="accent3"/>
-            </a:effectRef>
-            <a:fontRef idx="minor">
-              <a:schemeClr val="dk1"/>
-            </a:fontRef>
-          </p:style>
-          <p:txBody>
-            <a:bodyPr rtlCol="0" anchor="ctr"/>
-            <a:lstStyle/>
-            <a:p>
-              <a:pPr algn="ctr"/>
-              <a:r>
-                <a:rPr lang="nl-NL" dirty="0" err="1"/>
-                <a:t>PyTorch</a:t>
-              </a:r>
-              <a:endParaRPr lang="nl-NL" dirty="0"/>
-            </a:p>
-            <a:p>
-              <a:pPr algn="ctr"/>
-              <a:r>
-                <a:rPr lang="nl-NL" dirty="0" err="1"/>
-                <a:t>Keras</a:t>
-              </a:r>
-              <a:endParaRPr lang="nl-NL" dirty="0"/>
-            </a:p>
-          </p:txBody>
-        </p:sp>
-        <p:sp>
-          <p:nvSpPr>
-            <p:cNvPr id="21" name="Rectangle 20">
-              <a:extLst>
-                <a:ext uri="{FF2B5EF4-FFF2-40B4-BE49-F238E27FC236}">
-                  <a16:creationId xmlns:a16="http://schemas.microsoft.com/office/drawing/2014/main" id="{6093CF41-78D2-A39F-693D-D5DBDCFADF23}"/>
-                </a:ext>
-              </a:extLst>
-            </p:cNvPr>
-            <p:cNvSpPr/>
-            <p:nvPr/>
-          </p:nvSpPr>
-          <p:spPr>
-            <a:xfrm>
-              <a:off x="838200" y="1711410"/>
-              <a:ext cx="2756930" cy="383059"/>
-            </a:xfrm>
-            <a:prstGeom prst="rect">
-              <a:avLst/>
-            </a:prstGeom>
-            <a:solidFill>
-              <a:schemeClr val="accent6">
-                <a:lumMod val="40000"/>
-                <a:lumOff val="60000"/>
-              </a:schemeClr>
-            </a:solidFill>
-            <a:ln/>
-          </p:spPr>
-          <p:style>
-            <a:lnRef idx="1">
-              <a:schemeClr val="accent6"/>
-            </a:lnRef>
-            <a:fillRef idx="2">
-              <a:schemeClr val="accent6"/>
-            </a:fillRef>
-            <a:effectRef idx="1">
-              <a:schemeClr val="accent6"/>
-            </a:effectRef>
-            <a:fontRef idx="minor">
-              <a:schemeClr val="dk1"/>
-            </a:fontRef>
-          </p:style>
-          <p:txBody>
-            <a:bodyPr rtlCol="0" anchor="t"/>
-            <a:lstStyle/>
-            <a:p>
-              <a:pPr algn="ctr"/>
-              <a:r>
-                <a:rPr lang="nl-NL" b="1" dirty="0" err="1"/>
-                <a:t>Deep</a:t>
-              </a:r>
-              <a:r>
-                <a:rPr lang="nl-NL" b="1" dirty="0"/>
-                <a:t> Learning</a:t>
-              </a:r>
-            </a:p>
-          </p:txBody>
-        </p:sp>
-      </p:grpSp>
-      <p:grpSp>
-        <p:nvGrpSpPr>
-          <p:cNvPr id="25" name="Group 24">
-            <a:extLst>
-              <a:ext uri="{FF2B5EF4-FFF2-40B4-BE49-F238E27FC236}">
-                <a16:creationId xmlns:a16="http://schemas.microsoft.com/office/drawing/2014/main" id="{C3472853-D76C-7812-7534-B9249263C302}"/>
-              </a:ext>
-            </a:extLst>
-          </p:cNvPr>
-          <p:cNvGrpSpPr/>
-          <p:nvPr/>
-        </p:nvGrpSpPr>
-        <p:grpSpPr>
-          <a:xfrm>
-            <a:off x="4643394" y="1711412"/>
-            <a:ext cx="2756931" cy="1791722"/>
-            <a:chOff x="4643394" y="1711412"/>
-            <a:chExt cx="2756931" cy="1791722"/>
-          </a:xfrm>
-          <a:solidFill>
-            <a:schemeClr val="bg1">
-              <a:lumMod val="95000"/>
-            </a:schemeClr>
-          </a:solidFill>
-        </p:grpSpPr>
-        <p:sp>
-          <p:nvSpPr>
-            <p:cNvPr id="26" name="Rectangle 25">
-              <a:extLst>
-                <a:ext uri="{FF2B5EF4-FFF2-40B4-BE49-F238E27FC236}">
-                  <a16:creationId xmlns:a16="http://schemas.microsoft.com/office/drawing/2014/main" id="{1E929FA2-3FD4-A657-BD72-002CC1CD64D8}"/>
-                </a:ext>
-              </a:extLst>
-            </p:cNvPr>
-            <p:cNvSpPr/>
-            <p:nvPr/>
-          </p:nvSpPr>
-          <p:spPr>
-            <a:xfrm>
-              <a:off x="4643394" y="2094469"/>
-              <a:ext cx="2756931" cy="1408665"/>
-            </a:xfrm>
-            <a:prstGeom prst="rect">
-              <a:avLst/>
-            </a:prstGeom>
-            <a:grpFill/>
-          </p:spPr>
-          <p:style>
-            <a:lnRef idx="1">
-              <a:schemeClr val="accent3"/>
-            </a:lnRef>
-            <a:fillRef idx="2">
-              <a:schemeClr val="accent3"/>
-            </a:fillRef>
-            <a:effectRef idx="1">
-              <a:schemeClr val="accent3"/>
-            </a:effectRef>
-            <a:fontRef idx="minor">
-              <a:schemeClr val="dk1"/>
-            </a:fontRef>
-          </p:style>
-          <p:txBody>
-            <a:bodyPr rtlCol="0" anchor="ctr"/>
-            <a:lstStyle/>
-            <a:p>
-              <a:pPr algn="ctr"/>
-              <a:r>
-                <a:rPr lang="nl-NL" dirty="0" err="1"/>
-                <a:t>scikit-learn</a:t>
-              </a:r>
-              <a:endParaRPr lang="nl-NL" dirty="0"/>
-            </a:p>
-            <a:p>
-              <a:pPr algn="ctr"/>
-              <a:r>
-                <a:rPr lang="nl-NL" dirty="0" err="1"/>
-                <a:t>LightGBM</a:t>
-              </a:r>
-              <a:endParaRPr lang="nl-NL" dirty="0"/>
-            </a:p>
-            <a:p>
-              <a:pPr algn="ctr"/>
-              <a:r>
-                <a:rPr lang="nl-NL" dirty="0" err="1"/>
-                <a:t>XGBoost</a:t>
-              </a:r>
-              <a:endParaRPr lang="nl-NL" dirty="0"/>
-            </a:p>
-          </p:txBody>
-        </p:sp>
-        <p:sp>
-          <p:nvSpPr>
-            <p:cNvPr id="27" name="Rectangle 26">
-              <a:extLst>
-                <a:ext uri="{FF2B5EF4-FFF2-40B4-BE49-F238E27FC236}">
-                  <a16:creationId xmlns:a16="http://schemas.microsoft.com/office/drawing/2014/main" id="{B68B7550-B421-22B6-DDAB-1B4343DE333D}"/>
-                </a:ext>
-              </a:extLst>
-            </p:cNvPr>
-            <p:cNvSpPr/>
-            <p:nvPr/>
-          </p:nvSpPr>
-          <p:spPr>
-            <a:xfrm>
-              <a:off x="4643394" y="1711412"/>
-              <a:ext cx="2756931" cy="383057"/>
-            </a:xfrm>
-            <a:prstGeom prst="rect">
-              <a:avLst/>
-            </a:prstGeom>
-            <a:solidFill>
-              <a:schemeClr val="accent5">
-                <a:lumMod val="40000"/>
-                <a:lumOff val="60000"/>
-              </a:schemeClr>
-            </a:solidFill>
-            <a:ln/>
-          </p:spPr>
-          <p:style>
-            <a:lnRef idx="1">
-              <a:schemeClr val="accent5"/>
-            </a:lnRef>
-            <a:fillRef idx="2">
-              <a:schemeClr val="accent5"/>
-            </a:fillRef>
-            <a:effectRef idx="1">
-              <a:schemeClr val="accent5"/>
-            </a:effectRef>
-            <a:fontRef idx="minor">
-              <a:schemeClr val="dk1"/>
-            </a:fontRef>
-          </p:style>
-          <p:txBody>
-            <a:bodyPr rtlCol="0" anchor="t"/>
-            <a:lstStyle/>
-            <a:p>
-              <a:pPr algn="ctr"/>
-              <a:r>
-                <a:rPr lang="nl-NL" dirty="0"/>
-                <a:t>Machine Learning</a:t>
-              </a:r>
-            </a:p>
-          </p:txBody>
-        </p:sp>
-      </p:grpSp>
-      <p:grpSp>
-        <p:nvGrpSpPr>
-          <p:cNvPr id="28" name="Group 27">
-            <a:extLst>
-              <a:ext uri="{FF2B5EF4-FFF2-40B4-BE49-F238E27FC236}">
-                <a16:creationId xmlns:a16="http://schemas.microsoft.com/office/drawing/2014/main" id="{3C12859D-7654-BA6A-2A1A-3146C4F12A2F}"/>
-              </a:ext>
-            </a:extLst>
-          </p:cNvPr>
-          <p:cNvGrpSpPr/>
-          <p:nvPr/>
-        </p:nvGrpSpPr>
-        <p:grpSpPr>
-          <a:xfrm>
-            <a:off x="1210739" y="1711412"/>
-            <a:ext cx="2756931" cy="1791722"/>
-            <a:chOff x="8448589" y="1711411"/>
-            <a:chExt cx="2756931" cy="1791722"/>
-          </a:xfrm>
-          <a:solidFill>
-            <a:schemeClr val="bg1">
-              <a:lumMod val="95000"/>
-            </a:schemeClr>
-          </a:solidFill>
-        </p:grpSpPr>
-        <p:sp>
-          <p:nvSpPr>
-            <p:cNvPr id="29" name="Rectangle 28">
-              <a:extLst>
-                <a:ext uri="{FF2B5EF4-FFF2-40B4-BE49-F238E27FC236}">
-                  <a16:creationId xmlns:a16="http://schemas.microsoft.com/office/drawing/2014/main" id="{CB589E31-14B7-17CD-6452-EC25987AAEAE}"/>
-                </a:ext>
-              </a:extLst>
-            </p:cNvPr>
-            <p:cNvSpPr/>
-            <p:nvPr/>
-          </p:nvSpPr>
-          <p:spPr>
-            <a:xfrm>
-              <a:off x="8448589" y="2094468"/>
-              <a:ext cx="2756931" cy="1408665"/>
-            </a:xfrm>
-            <a:prstGeom prst="rect">
-              <a:avLst/>
-            </a:prstGeom>
-            <a:grpFill/>
-          </p:spPr>
-          <p:style>
-            <a:lnRef idx="1">
-              <a:schemeClr val="accent3"/>
-            </a:lnRef>
-            <a:fillRef idx="2">
-              <a:schemeClr val="accent3"/>
-            </a:fillRef>
-            <a:effectRef idx="1">
-              <a:schemeClr val="accent3"/>
-            </a:effectRef>
-            <a:fontRef idx="minor">
-              <a:schemeClr val="dk1"/>
-            </a:fontRef>
-          </p:style>
-          <p:txBody>
-            <a:bodyPr rtlCol="0" anchor="ctr"/>
-            <a:lstStyle/>
-            <a:p>
-              <a:pPr algn="ctr"/>
-              <a:r>
-                <a:rPr lang="nl-NL" dirty="0" err="1"/>
-                <a:t>statsmodels</a:t>
-              </a:r>
-              <a:endParaRPr lang="nl-NL" dirty="0"/>
-            </a:p>
-            <a:p>
-              <a:pPr algn="ctr"/>
-              <a:r>
-                <a:rPr lang="nl-NL" dirty="0" err="1"/>
-                <a:t>scipy</a:t>
-              </a:r>
-              <a:endParaRPr lang="nl-NL" dirty="0"/>
-            </a:p>
-          </p:txBody>
-        </p:sp>
-        <p:sp>
-          <p:nvSpPr>
-            <p:cNvPr id="30" name="Rectangle 29">
-              <a:extLst>
-                <a:ext uri="{FF2B5EF4-FFF2-40B4-BE49-F238E27FC236}">
-                  <a16:creationId xmlns:a16="http://schemas.microsoft.com/office/drawing/2014/main" id="{90E8B758-9A8A-8780-7455-7F56BC6DE364}"/>
-                </a:ext>
-              </a:extLst>
-            </p:cNvPr>
-            <p:cNvSpPr/>
-            <p:nvPr/>
-          </p:nvSpPr>
-          <p:spPr>
-            <a:xfrm>
-              <a:off x="8448589" y="1711411"/>
-              <a:ext cx="2756930" cy="383057"/>
-            </a:xfrm>
-            <a:prstGeom prst="rect">
-              <a:avLst/>
-            </a:prstGeom>
-            <a:solidFill>
-              <a:schemeClr val="accent4">
-                <a:lumMod val="40000"/>
-                <a:lumOff val="60000"/>
-              </a:schemeClr>
-            </a:solidFill>
-            <a:ln/>
-          </p:spPr>
-          <p:style>
-            <a:lnRef idx="1">
-              <a:schemeClr val="accent4"/>
-            </a:lnRef>
-            <a:fillRef idx="2">
-              <a:schemeClr val="accent4"/>
-            </a:fillRef>
-            <a:effectRef idx="1">
-              <a:schemeClr val="accent4"/>
-            </a:effectRef>
-            <a:fontRef idx="minor">
-              <a:schemeClr val="dk1"/>
-            </a:fontRef>
-          </p:style>
-          <p:txBody>
-            <a:bodyPr rtlCol="0" anchor="t"/>
-            <a:lstStyle/>
-            <a:p>
-              <a:pPr algn="ctr"/>
-              <a:r>
-                <a:rPr lang="nl-NL" dirty="0"/>
-                <a:t>Statistiek</a:t>
-              </a:r>
-            </a:p>
-          </p:txBody>
-        </p:sp>
-      </p:grpSp>
-    </p:spTree>
-    <p:extLst>
-      <p:ext uri="{BB962C8B-B14F-4D97-AF65-F5344CB8AC3E}">
-        <p14:creationId xmlns:p14="http://schemas.microsoft.com/office/powerpoint/2010/main" val="338114652"/>
-      </p:ext>
-    </p:extLst>
-  </p:cSld>
-  <p:clrMapOvr>
-    <a:masterClrMapping/>
-  </p:clrMapOvr>
-</p:sld>
-</file>
-
-<file path=ppt/slides/slide50.xml><?xml version="1.0" encoding="utf-8"?>
+<file path=ppt/slides/slide51.xml><?xml version="1.0" encoding="utf-8"?>
 <p:sld xmlns:a="http://schemas.openxmlformats.org/drawingml/2006/main" xmlns:r="http://schemas.openxmlformats.org/officeDocument/2006/relationships" xmlns:p="http://schemas.openxmlformats.org/presentationml/2006/main">
   <p:cSld>
     <p:spTree>
@@ -33194,7 +33684,7 @@
 </p:sld>
 </file>
 
-<file path=ppt/slides/slide51.xml><?xml version="1.0" encoding="utf-8"?>
+<file path=ppt/slides/slide52.xml><?xml version="1.0" encoding="utf-8"?>
 <p:sld xmlns:a="http://schemas.openxmlformats.org/drawingml/2006/main" xmlns:r="http://schemas.openxmlformats.org/officeDocument/2006/relationships" xmlns:p="http://schemas.openxmlformats.org/presentationml/2006/main">
   <p:cSld>
     <p:spTree>
@@ -33942,7 +34432,7 @@
 </p:sld>
 </file>
 
-<file path=ppt/slides/slide52.xml><?xml version="1.0" encoding="utf-8"?>
+<file path=ppt/slides/slide53.xml><?xml version="1.0" encoding="utf-8"?>
 <p:sld xmlns:a="http://schemas.openxmlformats.org/drawingml/2006/main" xmlns:r="http://schemas.openxmlformats.org/officeDocument/2006/relationships" xmlns:p="http://schemas.openxmlformats.org/presentationml/2006/main">
   <p:cSld>
     <p:spTree>
@@ -34896,7 +35386,7 @@
 </p:sld>
 </file>
 
-<file path=ppt/slides/slide53.xml><?xml version="1.0" encoding="utf-8"?>
+<file path=ppt/slides/slide54.xml><?xml version="1.0" encoding="utf-8"?>
 <p:sld xmlns:a="http://schemas.openxmlformats.org/drawingml/2006/main" xmlns:r="http://schemas.openxmlformats.org/officeDocument/2006/relationships" xmlns:p="http://schemas.openxmlformats.org/presentationml/2006/main">
   <p:cSld>
     <p:spTree>

--- a/python_course/4_scikit_learn/python_cursus_4.pptx
+++ b/python_course/4_scikit_learn/python_cursus_4.pptx
@@ -51,17 +51,17 @@
     <p:sldId id="385" r:id="rId42"/>
     <p:sldId id="384" r:id="rId43"/>
     <p:sldId id="370" r:id="rId44"/>
-    <p:sldId id="377" r:id="rId45"/>
-    <p:sldId id="371" r:id="rId46"/>
-    <p:sldId id="372" r:id="rId47"/>
-    <p:sldId id="373" r:id="rId48"/>
-    <p:sldId id="374" r:id="rId49"/>
-    <p:sldId id="375" r:id="rId50"/>
-    <p:sldId id="336" r:id="rId51"/>
-    <p:sldId id="378" r:id="rId52"/>
-    <p:sldId id="380" r:id="rId53"/>
-    <p:sldId id="381" r:id="rId54"/>
-    <p:sldId id="387" r:id="rId55"/>
+    <p:sldId id="371" r:id="rId45"/>
+    <p:sldId id="401" r:id="rId46"/>
+    <p:sldId id="403" r:id="rId47"/>
+    <p:sldId id="402" r:id="rId48"/>
+    <p:sldId id="404" r:id="rId49"/>
+    <p:sldId id="387" r:id="rId50"/>
+    <p:sldId id="377" r:id="rId51"/>
+    <p:sldId id="336" r:id="rId52"/>
+    <p:sldId id="378" r:id="rId53"/>
+    <p:sldId id="380" r:id="rId54"/>
+    <p:sldId id="381" r:id="rId55"/>
   </p:sldIdLst>
   <p:sldSz cx="12192000" cy="6858000"/>
   <p:notesSz cx="6858000" cy="9144000"/>
@@ -1159,7 +1159,7 @@
           <a:p>
             <a:fld id="{6F54D322-06CD-4C3F-9549-759BC5FDB94E}" type="datetimeFigureOut">
               <a:rPr lang="nl-NL" smtClean="0"/>
-              <a:t>14-10-2024</a:t>
+              <a:t>16-10-2024</a:t>
             </a:fld>
             <a:endParaRPr lang="nl-NL"/>
           </a:p>
@@ -2654,7 +2654,7 @@
           <a:p>
             <a:fld id="{5E9D55AD-DA6B-4A9D-BFE6-D0A1673E6EA9}" type="datetimeFigureOut">
               <a:rPr lang="en-NL" smtClean="0"/>
-              <a:t>14/10/2024</a:t>
+              <a:t>16/10/2024</a:t>
             </a:fld>
             <a:endParaRPr lang="en-NL"/>
           </a:p>
@@ -2854,7 +2854,7 @@
           <a:p>
             <a:fld id="{5E9D55AD-DA6B-4A9D-BFE6-D0A1673E6EA9}" type="datetimeFigureOut">
               <a:rPr lang="en-NL" smtClean="0"/>
-              <a:t>14/10/2024</a:t>
+              <a:t>16/10/2024</a:t>
             </a:fld>
             <a:endParaRPr lang="en-NL"/>
           </a:p>
@@ -3064,7 +3064,7 @@
           <a:p>
             <a:fld id="{5E9D55AD-DA6B-4A9D-BFE6-D0A1673E6EA9}" type="datetimeFigureOut">
               <a:rPr lang="en-NL" smtClean="0"/>
-              <a:t>14/10/2024</a:t>
+              <a:t>16/10/2024</a:t>
             </a:fld>
             <a:endParaRPr lang="en-NL"/>
           </a:p>
@@ -3264,7 +3264,7 @@
           <a:p>
             <a:fld id="{5E9D55AD-DA6B-4A9D-BFE6-D0A1673E6EA9}" type="datetimeFigureOut">
               <a:rPr lang="en-NL" smtClean="0"/>
-              <a:t>14/10/2024</a:t>
+              <a:t>16/10/2024</a:t>
             </a:fld>
             <a:endParaRPr lang="en-NL"/>
           </a:p>
@@ -3540,7 +3540,7 @@
           <a:p>
             <a:fld id="{5E9D55AD-DA6B-4A9D-BFE6-D0A1673E6EA9}" type="datetimeFigureOut">
               <a:rPr lang="en-NL" smtClean="0"/>
-              <a:t>14/10/2024</a:t>
+              <a:t>16/10/2024</a:t>
             </a:fld>
             <a:endParaRPr lang="en-NL"/>
           </a:p>
@@ -3808,7 +3808,7 @@
           <a:p>
             <a:fld id="{5E9D55AD-DA6B-4A9D-BFE6-D0A1673E6EA9}" type="datetimeFigureOut">
               <a:rPr lang="en-NL" smtClean="0"/>
-              <a:t>14/10/2024</a:t>
+              <a:t>16/10/2024</a:t>
             </a:fld>
             <a:endParaRPr lang="en-NL"/>
           </a:p>
@@ -4223,7 +4223,7 @@
           <a:p>
             <a:fld id="{5E9D55AD-DA6B-4A9D-BFE6-D0A1673E6EA9}" type="datetimeFigureOut">
               <a:rPr lang="en-NL" smtClean="0"/>
-              <a:t>14/10/2024</a:t>
+              <a:t>16/10/2024</a:t>
             </a:fld>
             <a:endParaRPr lang="en-NL"/>
           </a:p>
@@ -4365,7 +4365,7 @@
           <a:p>
             <a:fld id="{5E9D55AD-DA6B-4A9D-BFE6-D0A1673E6EA9}" type="datetimeFigureOut">
               <a:rPr lang="en-NL" smtClean="0"/>
-              <a:t>14/10/2024</a:t>
+              <a:t>16/10/2024</a:t>
             </a:fld>
             <a:endParaRPr lang="en-NL"/>
           </a:p>
@@ -4478,7 +4478,7 @@
           <a:p>
             <a:fld id="{5E9D55AD-DA6B-4A9D-BFE6-D0A1673E6EA9}" type="datetimeFigureOut">
               <a:rPr lang="en-NL" smtClean="0"/>
-              <a:t>14/10/2024</a:t>
+              <a:t>16/10/2024</a:t>
             </a:fld>
             <a:endParaRPr lang="en-NL"/>
           </a:p>
@@ -4791,7 +4791,7 @@
           <a:p>
             <a:fld id="{5E9D55AD-DA6B-4A9D-BFE6-D0A1673E6EA9}" type="datetimeFigureOut">
               <a:rPr lang="en-NL" smtClean="0"/>
-              <a:t>14/10/2024</a:t>
+              <a:t>16/10/2024</a:t>
             </a:fld>
             <a:endParaRPr lang="en-NL"/>
           </a:p>
@@ -5080,7 +5080,7 @@
           <a:p>
             <a:fld id="{5E9D55AD-DA6B-4A9D-BFE6-D0A1673E6EA9}" type="datetimeFigureOut">
               <a:rPr lang="en-NL" smtClean="0"/>
-              <a:t>14/10/2024</a:t>
+              <a:t>16/10/2024</a:t>
             </a:fld>
             <a:endParaRPr lang="en-NL"/>
           </a:p>
@@ -5323,7 +5323,7 @@
           <a:p>
             <a:fld id="{5E9D55AD-DA6B-4A9D-BFE6-D0A1673E6EA9}" type="datetimeFigureOut">
               <a:rPr lang="en-NL" smtClean="0"/>
-              <a:t>14/10/2024</a:t>
+              <a:t>16/10/2024</a:t>
             </a:fld>
             <a:endParaRPr lang="en-NL"/>
           </a:p>
@@ -7641,6 +7641,12 @@
             <a:prstGeom prst="rect">
               <a:avLst/>
             </a:prstGeom>
+            <a:solidFill>
+              <a:schemeClr val="accent6">
+                <a:lumMod val="40000"/>
+                <a:lumOff val="60000"/>
+              </a:schemeClr>
+            </a:solidFill>
           </p:spPr>
           <p:style>
             <a:lnRef idx="1">
@@ -7696,6 +7702,12 @@
             <a:prstGeom prst="roundRect">
               <a:avLst/>
             </a:prstGeom>
+            <a:solidFill>
+              <a:schemeClr val="accent5">
+                <a:lumMod val="40000"/>
+                <a:lumOff val="60000"/>
+              </a:schemeClr>
+            </a:solidFill>
           </p:spPr>
           <p:style>
             <a:lnRef idx="1">
@@ -7864,6 +7876,12 @@
             <a:prstGeom prst="rect">
               <a:avLst/>
             </a:prstGeom>
+            <a:solidFill>
+              <a:schemeClr val="accent6">
+                <a:lumMod val="40000"/>
+                <a:lumOff val="60000"/>
+              </a:schemeClr>
+            </a:solidFill>
           </p:spPr>
           <p:style>
             <a:lnRef idx="1">
@@ -7919,6 +7937,12 @@
             <a:prstGeom prst="roundRect">
               <a:avLst/>
             </a:prstGeom>
+            <a:solidFill>
+              <a:schemeClr val="accent5">
+                <a:lumMod val="40000"/>
+                <a:lumOff val="60000"/>
+              </a:schemeClr>
+            </a:solidFill>
           </p:spPr>
           <p:style>
             <a:lnRef idx="1">
@@ -8186,6 +8210,12 @@
           <a:prstGeom prst="rect">
             <a:avLst/>
           </a:prstGeom>
+          <a:solidFill>
+            <a:schemeClr val="accent4">
+              <a:lumMod val="40000"/>
+              <a:lumOff val="60000"/>
+            </a:schemeClr>
+          </a:solidFill>
         </p:spPr>
         <p:style>
           <a:lnRef idx="1">
@@ -8240,6 +8270,12 @@
           <a:prstGeom prst="rect">
             <a:avLst/>
           </a:prstGeom>
+          <a:solidFill>
+            <a:schemeClr val="accent5">
+              <a:lumMod val="40000"/>
+              <a:lumOff val="60000"/>
+            </a:schemeClr>
+          </a:solidFill>
         </p:spPr>
         <p:style>
           <a:lnRef idx="1">
@@ -8599,6 +8635,12 @@
           <a:prstGeom prst="rect">
             <a:avLst/>
           </a:prstGeom>
+          <a:solidFill>
+            <a:schemeClr val="accent4">
+              <a:lumMod val="40000"/>
+              <a:lumOff val="60000"/>
+            </a:schemeClr>
+          </a:solidFill>
         </p:spPr>
         <p:style>
           <a:lnRef idx="1">
@@ -8653,6 +8695,12 @@
           <a:prstGeom prst="rect">
             <a:avLst/>
           </a:prstGeom>
+          <a:solidFill>
+            <a:schemeClr val="accent5">
+              <a:lumMod val="40000"/>
+              <a:lumOff val="60000"/>
+            </a:schemeClr>
+          </a:solidFill>
         </p:spPr>
         <p:style>
           <a:lnRef idx="1">
@@ -8700,6 +8748,12 @@
           <a:prstGeom prst="rect">
             <a:avLst/>
           </a:prstGeom>
+          <a:solidFill>
+            <a:schemeClr val="accent6">
+              <a:lumMod val="40000"/>
+              <a:lumOff val="60000"/>
+            </a:schemeClr>
+          </a:solidFill>
         </p:spPr>
         <p:style>
           <a:lnRef idx="1">
@@ -9219,6 +9273,12 @@
           <a:prstGeom prst="rect">
             <a:avLst/>
           </a:prstGeom>
+          <a:solidFill>
+            <a:schemeClr val="accent4">
+              <a:lumMod val="40000"/>
+              <a:lumOff val="60000"/>
+            </a:schemeClr>
+          </a:solidFill>
         </p:spPr>
         <p:style>
           <a:lnRef idx="1">
@@ -9273,6 +9333,12 @@
           <a:prstGeom prst="rect">
             <a:avLst/>
           </a:prstGeom>
+          <a:solidFill>
+            <a:schemeClr val="accent5">
+              <a:lumMod val="40000"/>
+              <a:lumOff val="60000"/>
+            </a:schemeClr>
+          </a:solidFill>
         </p:spPr>
         <p:style>
           <a:lnRef idx="1">
@@ -9320,6 +9386,12 @@
           <a:prstGeom prst="rect">
             <a:avLst/>
           </a:prstGeom>
+          <a:solidFill>
+            <a:schemeClr val="accent6">
+              <a:lumMod val="40000"/>
+              <a:lumOff val="60000"/>
+            </a:schemeClr>
+          </a:solidFill>
         </p:spPr>
         <p:style>
           <a:lnRef idx="1">
@@ -9725,6 +9797,12 @@
           <a:prstGeom prst="rect">
             <a:avLst/>
           </a:prstGeom>
+          <a:solidFill>
+            <a:schemeClr val="accent6">
+              <a:lumMod val="40000"/>
+              <a:lumOff val="60000"/>
+            </a:schemeClr>
+          </a:solidFill>
         </p:spPr>
         <p:style>
           <a:lnRef idx="1">
@@ -12361,6 +12439,12 @@
           <a:prstGeom prst="rect">
             <a:avLst/>
           </a:prstGeom>
+          <a:solidFill>
+            <a:schemeClr val="accent4">
+              <a:lumMod val="40000"/>
+              <a:lumOff val="60000"/>
+            </a:schemeClr>
+          </a:solidFill>
         </p:spPr>
         <p:style>
           <a:lnRef idx="1">
@@ -12408,6 +12492,12 @@
           <a:prstGeom prst="rect">
             <a:avLst/>
           </a:prstGeom>
+          <a:solidFill>
+            <a:schemeClr val="accent5">
+              <a:lumMod val="40000"/>
+              <a:lumOff val="60000"/>
+            </a:schemeClr>
+          </a:solidFill>
         </p:spPr>
         <p:style>
           <a:lnRef idx="1">
@@ -12948,6 +13038,12 @@
           <a:prstGeom prst="rect">
             <a:avLst/>
           </a:prstGeom>
+          <a:solidFill>
+            <a:schemeClr val="accent4">
+              <a:lumMod val="40000"/>
+              <a:lumOff val="60000"/>
+            </a:schemeClr>
+          </a:solidFill>
         </p:spPr>
         <p:style>
           <a:lnRef idx="1">
@@ -12995,6 +13091,12 @@
           <a:prstGeom prst="rect">
             <a:avLst/>
           </a:prstGeom>
+          <a:solidFill>
+            <a:schemeClr val="accent5">
+              <a:lumMod val="40000"/>
+              <a:lumOff val="60000"/>
+            </a:schemeClr>
+          </a:solidFill>
         </p:spPr>
         <p:style>
           <a:lnRef idx="1">
@@ -13457,6 +13559,12 @@
           <a:prstGeom prst="rect">
             <a:avLst/>
           </a:prstGeom>
+          <a:solidFill>
+            <a:schemeClr val="accent6">
+              <a:lumMod val="40000"/>
+              <a:lumOff val="60000"/>
+            </a:schemeClr>
+          </a:solidFill>
         </p:spPr>
         <p:style>
           <a:lnRef idx="1">
@@ -13746,6 +13854,12 @@
           <a:prstGeom prst="rect">
             <a:avLst/>
           </a:prstGeom>
+          <a:solidFill>
+            <a:schemeClr val="accent4">
+              <a:lumMod val="40000"/>
+              <a:lumOff val="60000"/>
+            </a:schemeClr>
+          </a:solidFill>
         </p:spPr>
         <p:style>
           <a:lnRef idx="1">
@@ -13793,6 +13907,12 @@
           <a:prstGeom prst="rect">
             <a:avLst/>
           </a:prstGeom>
+          <a:solidFill>
+            <a:schemeClr val="accent5">
+              <a:lumMod val="40000"/>
+              <a:lumOff val="60000"/>
+            </a:schemeClr>
+          </a:solidFill>
         </p:spPr>
         <p:style>
           <a:lnRef idx="1">
@@ -14255,6 +14375,12 @@
           <a:prstGeom prst="rect">
             <a:avLst/>
           </a:prstGeom>
+          <a:solidFill>
+            <a:schemeClr val="accent6">
+              <a:lumMod val="40000"/>
+              <a:lumOff val="60000"/>
+            </a:schemeClr>
+          </a:solidFill>
         </p:spPr>
         <p:style>
           <a:lnRef idx="1">
@@ -14466,6 +14592,12 @@
           <a:prstGeom prst="rect">
             <a:avLst/>
           </a:prstGeom>
+          <a:solidFill>
+            <a:schemeClr val="accent6">
+              <a:lumMod val="40000"/>
+              <a:lumOff val="60000"/>
+            </a:schemeClr>
+          </a:solidFill>
         </p:spPr>
         <p:style>
           <a:lnRef idx="1">
@@ -19033,7 +19165,7 @@
           <a:p>
             <a:r>
               <a:rPr lang="nl-NL" sz="3600" noProof="0" dirty="0"/>
-              <a:t>Oefeningen III</a:t>
+              <a:t>Oefeningen IV</a:t>
             </a:r>
           </a:p>
         </p:txBody>
@@ -19577,7 +19709,7 @@
           <a:p>
             <a:r>
               <a:rPr lang="nl-NL" sz="1800" dirty="0"/>
-              <a:t>RMSE		Root </a:t>
+              <a:t>MAE		</a:t>
             </a:r>
             <a:r>
               <a:rPr lang="nl-NL" sz="1800" dirty="0" err="1"/>
@@ -19585,6 +19717,34 @@
             </a:r>
             <a:r>
               <a:rPr lang="nl-NL" sz="1800" dirty="0"/>
+              <a:t> Absolute Error</a:t>
+            </a:r>
+          </a:p>
+          <a:p>
+            <a:r>
+              <a:rPr lang="nl-NL" sz="1800" dirty="0"/>
+              <a:t>MAD		</a:t>
+            </a:r>
+            <a:r>
+              <a:rPr lang="nl-NL" sz="1800" dirty="0" err="1"/>
+              <a:t>Median</a:t>
+            </a:r>
+            <a:r>
+              <a:rPr lang="nl-NL" sz="1800" dirty="0"/>
+              <a:t> Absolute Error</a:t>
+            </a:r>
+          </a:p>
+          <a:p>
+            <a:r>
+              <a:rPr lang="nl-NL" sz="1800" dirty="0"/>
+              <a:t>RMSE		Root </a:t>
+            </a:r>
+            <a:r>
+              <a:rPr lang="nl-NL" sz="1800" dirty="0" err="1"/>
+              <a:t>Mean</a:t>
+            </a:r>
+            <a:r>
+              <a:rPr lang="nl-NL" sz="1800" dirty="0"/>
               <a:t> </a:t>
             </a:r>
             <a:r>
@@ -19597,34 +19757,9 @@
             </a:r>
           </a:p>
           <a:p>
-            <a:r>
-              <a:rPr lang="nl-NL" sz="1800" dirty="0"/>
-              <a:t>MAE		</a:t>
-            </a:r>
-            <a:r>
-              <a:rPr lang="nl-NL" sz="1800" dirty="0" err="1"/>
-              <a:t>Mean</a:t>
-            </a:r>
-            <a:r>
-              <a:rPr lang="nl-NL" sz="1800" dirty="0"/>
-              <a:t> Absolute Error</a:t>
-            </a:r>
-          </a:p>
-          <a:p>
-            <a:r>
-              <a:rPr lang="nl-NL" sz="1800" dirty="0"/>
-              <a:t>MAD		</a:t>
-            </a:r>
-            <a:r>
-              <a:rPr lang="nl-NL" sz="1800" dirty="0" err="1"/>
-              <a:t>Median</a:t>
-            </a:r>
-            <a:r>
-              <a:rPr lang="nl-NL" sz="1800" dirty="0"/>
-              <a:t> Absolute Error</a:t>
-            </a:r>
-          </a:p>
-          <a:p>
+            <a:pPr marL="0" indent="0">
+              <a:buNone/>
+            </a:pPr>
             <a:endParaRPr lang="nl-NL" sz="1800" dirty="0"/>
           </a:p>
           <a:p>
@@ -19735,7 +19870,7 @@
           <p:nvPr>
             <p:extLst>
               <p:ext uri="{D42A27DB-BD31-4B8C-83A1-F6EECF244321}">
-                <p14:modId xmlns:p14="http://schemas.microsoft.com/office/powerpoint/2010/main" val="1064287942"/>
+                <p14:modId xmlns:p14="http://schemas.microsoft.com/office/powerpoint/2010/main" val="1904675907"/>
               </p:ext>
             </p:extLst>
           </p:nvPr>
@@ -21223,276 +21358,6 @@
           </a:p>
         </p:txBody>
       </p:sp>
-      <p:graphicFrame>
-        <p:nvGraphicFramePr>
-          <p:cNvPr id="3" name="Table 4">
-            <a:extLst>
-              <a:ext uri="{FF2B5EF4-FFF2-40B4-BE49-F238E27FC236}">
-                <a16:creationId xmlns:a16="http://schemas.microsoft.com/office/drawing/2014/main" id="{0408A2A4-E22C-57CD-A15A-3BE581161F35}"/>
-              </a:ext>
-            </a:extLst>
-          </p:cNvPr>
-          <p:cNvGraphicFramePr>
-            <a:graphicFrameLocks noGrp="1"/>
-          </p:cNvGraphicFramePr>
-          <p:nvPr>
-            <p:extLst>
-              <p:ext uri="{D42A27DB-BD31-4B8C-83A1-F6EECF244321}">
-                <p14:modId xmlns:p14="http://schemas.microsoft.com/office/powerpoint/2010/main" val="2339236226"/>
-              </p:ext>
-            </p:extLst>
-          </p:nvPr>
-        </p:nvGraphicFramePr>
-        <p:xfrm>
-          <a:off x="990601" y="3131703"/>
-          <a:ext cx="9956074" cy="1294956"/>
-        </p:xfrm>
-        <a:graphic>
-          <a:graphicData uri="http://schemas.openxmlformats.org/drawingml/2006/table">
-            <a:tbl>
-              <a:tblPr firstRow="1" bandRow="1">
-                <a:tableStyleId>{5940675A-B579-460E-94D1-54222C63F5DA}</a:tableStyleId>
-              </a:tblPr>
-              <a:tblGrid>
-                <a:gridCol w="6378786">
-                  <a:extLst>
-                    <a:ext uri="{9D8B030D-6E8A-4147-A177-3AD203B41FA5}">
-                      <a16:colId xmlns:a16="http://schemas.microsoft.com/office/drawing/2014/main" val="2438186123"/>
-                    </a:ext>
-                  </a:extLst>
-                </a:gridCol>
-                <a:gridCol w="1788644">
-                  <a:extLst>
-                    <a:ext uri="{9D8B030D-6E8A-4147-A177-3AD203B41FA5}">
-                      <a16:colId xmlns:a16="http://schemas.microsoft.com/office/drawing/2014/main" val="247526330"/>
-                    </a:ext>
-                  </a:extLst>
-                </a:gridCol>
-                <a:gridCol w="1788644">
-                  <a:extLst>
-                    <a:ext uri="{9D8B030D-6E8A-4147-A177-3AD203B41FA5}">
-                      <a16:colId xmlns:a16="http://schemas.microsoft.com/office/drawing/2014/main" val="3505697190"/>
-                    </a:ext>
-                  </a:extLst>
-                </a:gridCol>
-              </a:tblGrid>
-              <a:tr h="0">
-                <a:tc gridSpan="3">
-                  <a:txBody>
-                    <a:bodyPr/>
-                    <a:lstStyle/>
-                    <a:p>
-                      <a:pPr algn="ctr"/>
-                      <a:r>
-                        <a:rPr lang="en-US" b="1" dirty="0"/>
-                        <a:t>Records</a:t>
-                      </a:r>
-                      <a:endParaRPr lang="en-NL" b="1" dirty="0"/>
-                    </a:p>
-                  </a:txBody>
-                  <a:tcPr anchor="ctr">
-                    <a:lnL w="12700" cap="flat" cmpd="sng" algn="ctr">
-                      <a:solidFill>
-                        <a:schemeClr val="tx1"/>
-                      </a:solidFill>
-                      <a:prstDash val="solid"/>
-                      <a:round/>
-                      <a:headEnd type="none" w="med" len="med"/>
-                      <a:tailEnd type="none" w="med" len="med"/>
-                    </a:lnL>
-                    <a:solidFill>
-                      <a:schemeClr val="accent6">
-                        <a:lumMod val="40000"/>
-                        <a:lumOff val="60000"/>
-                      </a:schemeClr>
-                    </a:solidFill>
-                  </a:tcPr>
-                </a:tc>
-                <a:tc hMerge="1">
-                  <a:txBody>
-                    <a:bodyPr/>
-                    <a:lstStyle/>
-                    <a:p>
-                      <a:endParaRPr lang="en-NL" dirty="0"/>
-                    </a:p>
-                  </a:txBody>
-                  <a:tcPr/>
-                </a:tc>
-                <a:tc hMerge="1">
-                  <a:txBody>
-                    <a:bodyPr/>
-                    <a:lstStyle/>
-                    <a:p>
-                      <a:endParaRPr lang="en-NL" dirty="0"/>
-                    </a:p>
-                  </a:txBody>
-                  <a:tcPr/>
-                </a:tc>
-                <a:extLst>
-                  <a:ext uri="{0D108BD9-81ED-4DB2-BD59-A6C34878D82A}">
-                    <a16:rowId xmlns:a16="http://schemas.microsoft.com/office/drawing/2014/main" val="2595353408"/>
-                  </a:ext>
-                </a:extLst>
-              </a:tr>
-              <a:tr h="464598">
-                <a:tc>
-                  <a:txBody>
-                    <a:bodyPr/>
-                    <a:lstStyle/>
-                    <a:p>
-                      <a:pPr algn="ctr"/>
-                      <a:r>
-                        <a:rPr lang="en-US" dirty="0"/>
-                        <a:t>1 - 60</a:t>
-                      </a:r>
-                      <a:endParaRPr lang="en-NL" dirty="0"/>
-                    </a:p>
-                  </a:txBody>
-                  <a:tcPr anchor="ctr">
-                    <a:lnL w="12700" cap="flat" cmpd="sng" algn="ctr">
-                      <a:solidFill>
-                        <a:schemeClr val="tx1"/>
-                      </a:solidFill>
-                      <a:prstDash val="solid"/>
-                      <a:round/>
-                      <a:headEnd type="none" w="med" len="med"/>
-                      <a:tailEnd type="none" w="med" len="med"/>
-                    </a:lnL>
-                    <a:solidFill>
-                      <a:schemeClr val="accent6">
-                        <a:lumMod val="20000"/>
-                        <a:lumOff val="80000"/>
-                      </a:schemeClr>
-                    </a:solidFill>
-                  </a:tcPr>
-                </a:tc>
-                <a:tc>
-                  <a:txBody>
-                    <a:bodyPr/>
-                    <a:lstStyle/>
-                    <a:p>
-                      <a:pPr algn="ctr"/>
-                      <a:r>
-                        <a:rPr lang="en-US" dirty="0"/>
-                        <a:t>61 - 80</a:t>
-                      </a:r>
-                      <a:endParaRPr lang="en-NL" dirty="0"/>
-                    </a:p>
-                  </a:txBody>
-                  <a:tcPr anchor="ctr">
-                    <a:solidFill>
-                      <a:schemeClr val="accent6">
-                        <a:lumMod val="20000"/>
-                        <a:lumOff val="80000"/>
-                      </a:schemeClr>
-                    </a:solidFill>
-                  </a:tcPr>
-                </a:tc>
-                <a:tc>
-                  <a:txBody>
-                    <a:bodyPr/>
-                    <a:lstStyle/>
-                    <a:p>
-                      <a:pPr algn="ctr"/>
-                      <a:r>
-                        <a:rPr lang="en-US" dirty="0"/>
-                        <a:t>81 - 100</a:t>
-                      </a:r>
-                      <a:endParaRPr lang="en-NL" dirty="0"/>
-                    </a:p>
-                  </a:txBody>
-                  <a:tcPr anchor="ctr">
-                    <a:solidFill>
-                      <a:schemeClr val="accent6">
-                        <a:lumMod val="20000"/>
-                        <a:lumOff val="80000"/>
-                      </a:schemeClr>
-                    </a:solidFill>
-                  </a:tcPr>
-                </a:tc>
-                <a:extLst>
-                  <a:ext uri="{0D108BD9-81ED-4DB2-BD59-A6C34878D82A}">
-                    <a16:rowId xmlns:a16="http://schemas.microsoft.com/office/drawing/2014/main" val="575539422"/>
-                  </a:ext>
-                </a:extLst>
-              </a:tr>
-              <a:tr h="464598">
-                <a:tc>
-                  <a:txBody>
-                    <a:bodyPr/>
-                    <a:lstStyle/>
-                    <a:p>
-                      <a:pPr algn="ctr"/>
-                      <a:r>
-                        <a:rPr lang="en-US" dirty="0"/>
-                        <a:t>Train</a:t>
-                      </a:r>
-                      <a:endParaRPr lang="en-NL" dirty="0"/>
-                    </a:p>
-                  </a:txBody>
-                  <a:tcPr anchor="ctr">
-                    <a:solidFill>
-                      <a:schemeClr val="accent4">
-                        <a:lumMod val="40000"/>
-                        <a:lumOff val="60000"/>
-                      </a:schemeClr>
-                    </a:solidFill>
-                  </a:tcPr>
-                </a:tc>
-                <a:tc>
-                  <a:txBody>
-                    <a:bodyPr/>
-                    <a:lstStyle/>
-                    <a:p>
-                      <a:pPr algn="ctr"/>
-                      <a:r>
-                        <a:rPr lang="en-US" dirty="0"/>
-                        <a:t>Validate</a:t>
-                      </a:r>
-                      <a:endParaRPr lang="en-NL" dirty="0"/>
-                    </a:p>
-                  </a:txBody>
-                  <a:tcPr anchor="ctr">
-                    <a:solidFill>
-                      <a:schemeClr val="accent2">
-                        <a:lumMod val="60000"/>
-                        <a:lumOff val="40000"/>
-                      </a:schemeClr>
-                    </a:solidFill>
-                  </a:tcPr>
-                </a:tc>
-                <a:tc>
-                  <a:txBody>
-                    <a:bodyPr/>
-                    <a:lstStyle/>
-                    <a:p>
-                      <a:pPr algn="ctr"/>
-                      <a:r>
-                        <a:rPr lang="en-US" dirty="0"/>
-                        <a:t>Test</a:t>
-                      </a:r>
-                      <a:endParaRPr lang="en-NL" dirty="0"/>
-                    </a:p>
-                  </a:txBody>
-                  <a:tcPr anchor="ctr">
-                    <a:solidFill>
-                      <a:schemeClr val="accent5">
-                        <a:lumMod val="60000"/>
-                        <a:lumOff val="40000"/>
-                      </a:schemeClr>
-                    </a:solidFill>
-                  </a:tcPr>
-                </a:tc>
-                <a:extLst>
-                  <a:ext uri="{0D108BD9-81ED-4DB2-BD59-A6C34878D82A}">
-                    <a16:rowId xmlns:a16="http://schemas.microsoft.com/office/drawing/2014/main" val="2643503451"/>
-                  </a:ext>
-                </a:extLst>
-              </a:tr>
-            </a:tbl>
-          </a:graphicData>
-        </a:graphic>
-      </p:graphicFrame>
       <p:sp>
         <p:nvSpPr>
           <p:cNvPr id="5" name="Content Placeholder 2">
@@ -21713,118 +21578,12 @@
           </a:p>
         </p:txBody>
       </p:sp>
-    </p:spTree>
-    <p:extLst>
-      <p:ext uri="{BB962C8B-B14F-4D97-AF65-F5344CB8AC3E}">
-        <p14:creationId xmlns:p14="http://schemas.microsoft.com/office/powerpoint/2010/main" val="4286542286"/>
-      </p:ext>
-    </p:extLst>
-  </p:cSld>
-  <p:clrMapOvr>
-    <a:masterClrMapping/>
-  </p:clrMapOvr>
-</p:sld>
-</file>
-
-<file path=ppt/slides/slide36.xml><?xml version="1.0" encoding="utf-8"?>
-<p:sld xmlns:a="http://schemas.openxmlformats.org/drawingml/2006/main" xmlns:r="http://schemas.openxmlformats.org/officeDocument/2006/relationships" xmlns:p="http://schemas.openxmlformats.org/presentationml/2006/main">
-  <p:cSld>
-    <p:spTree>
-      <p:nvGrpSpPr>
-        <p:cNvPr id="1" name=""/>
-        <p:cNvGrpSpPr/>
-        <p:nvPr/>
-      </p:nvGrpSpPr>
-      <p:grpSpPr>
-        <a:xfrm>
-          <a:off x="0" y="0"/>
-          <a:ext cx="0" cy="0"/>
-          <a:chOff x="0" y="0"/>
-          <a:chExt cx="0" cy="0"/>
-        </a:xfrm>
-      </p:grpSpPr>
-      <p:sp>
-        <p:nvSpPr>
-          <p:cNvPr id="2" name="Title 1">
-            <a:extLst>
-              <a:ext uri="{FF2B5EF4-FFF2-40B4-BE49-F238E27FC236}">
-                <a16:creationId xmlns:a16="http://schemas.microsoft.com/office/drawing/2014/main" id="{39A1D606-8DD1-369C-5C09-471CDD551AD5}"/>
-              </a:ext>
-            </a:extLst>
-          </p:cNvPr>
-          <p:cNvSpPr>
-            <a:spLocks noGrp="1"/>
-          </p:cNvSpPr>
-          <p:nvPr>
-            <p:ph type="title"/>
-          </p:nvPr>
-        </p:nvSpPr>
-        <p:spPr>
-          <a:xfrm>
-            <a:off x="838200" y="365126"/>
-            <a:ext cx="10515600" cy="718608"/>
-          </a:xfrm>
-        </p:spPr>
-        <p:txBody>
-          <a:bodyPr>
-            <a:normAutofit/>
-          </a:bodyPr>
-          <a:lstStyle/>
-          <a:p>
-            <a:r>
-              <a:rPr lang="nl-NL" sz="3600" dirty="0"/>
-              <a:t>Train – </a:t>
-            </a:r>
-            <a:r>
-              <a:rPr lang="nl-NL" sz="3600" dirty="0" err="1"/>
-              <a:t>validate</a:t>
-            </a:r>
-            <a:r>
-              <a:rPr lang="nl-NL" sz="3600" dirty="0"/>
-              <a:t> – test</a:t>
-            </a:r>
-            <a:endParaRPr lang="nl-NL" sz="3600" noProof="0" dirty="0"/>
-          </a:p>
-        </p:txBody>
-      </p:sp>
-      <p:sp>
-        <p:nvSpPr>
-          <p:cNvPr id="4" name="TextBox 3">
-            <a:extLst>
-              <a:ext uri="{FF2B5EF4-FFF2-40B4-BE49-F238E27FC236}">
-                <a16:creationId xmlns:a16="http://schemas.microsoft.com/office/drawing/2014/main" id="{B47EA95A-6DDD-ED89-357A-943A5BC87A94}"/>
-              </a:ext>
-            </a:extLst>
-          </p:cNvPr>
-          <p:cNvSpPr txBox="1"/>
-          <p:nvPr/>
-        </p:nvSpPr>
-        <p:spPr>
-          <a:xfrm>
-            <a:off x="6555232" y="2530561"/>
-            <a:ext cx="184731" cy="369332"/>
-          </a:xfrm>
-          <a:prstGeom prst="rect">
-            <a:avLst/>
-          </a:prstGeom>
-          <a:noFill/>
-        </p:spPr>
-        <p:txBody>
-          <a:bodyPr wrap="none" rtlCol="0">
-            <a:spAutoFit/>
-          </a:bodyPr>
-          <a:lstStyle/>
-          <a:p>
-            <a:endParaRPr lang="en-NL" dirty="0"/>
-          </a:p>
-        </p:txBody>
-      </p:sp>
       <p:graphicFrame>
         <p:nvGraphicFramePr>
-          <p:cNvPr id="3" name="Table 4">
-            <a:extLst>
-              <a:ext uri="{FF2B5EF4-FFF2-40B4-BE49-F238E27FC236}">
-                <a16:creationId xmlns:a16="http://schemas.microsoft.com/office/drawing/2014/main" id="{0408A2A4-E22C-57CD-A15A-3BE581161F35}"/>
+          <p:cNvPr id="6" name="Table 4">
+            <a:extLst>
+              <a:ext uri="{FF2B5EF4-FFF2-40B4-BE49-F238E27FC236}">
+                <a16:creationId xmlns:a16="http://schemas.microsoft.com/office/drawing/2014/main" id="{90B75AF7-8BB9-6ADA-E8F1-5DE65521E316}"/>
               </a:ext>
             </a:extLst>
           </p:cNvPr>
@@ -21834,7 +21593,7 @@
           <p:nvPr>
             <p:extLst>
               <p:ext uri="{D42A27DB-BD31-4B8C-83A1-F6EECF244321}">
-                <p14:modId xmlns:p14="http://schemas.microsoft.com/office/powerpoint/2010/main" val="3779601049"/>
+                <p14:modId xmlns:p14="http://schemas.microsoft.com/office/powerpoint/2010/main" val="390434277"/>
               </p:ext>
             </p:extLst>
           </p:nvPr>
@@ -21897,9 +21656,8 @@
                       <a:tailEnd type="none" w="med" len="med"/>
                     </a:lnL>
                     <a:solidFill>
-                      <a:schemeClr val="accent6">
-                        <a:lumMod val="40000"/>
-                        <a:lumOff val="60000"/>
+                      <a:schemeClr val="bg1">
+                        <a:lumMod val="95000"/>
                       </a:schemeClr>
                     </a:solidFill>
                   </a:tcPr>
@@ -21955,9 +21713,8 @@
                       <a:tailEnd type="none" w="med" len="med"/>
                     </a:lnL>
                     <a:solidFill>
-                      <a:schemeClr val="accent6">
-                        <a:lumMod val="20000"/>
-                        <a:lumOff val="80000"/>
+                      <a:schemeClr val="bg1">
+                        <a:lumMod val="95000"/>
                       </a:schemeClr>
                     </a:solidFill>
                   </a:tcPr>
@@ -21977,9 +21734,8 @@
                   </a:txBody>
                   <a:tcPr anchor="ctr">
                     <a:solidFill>
-                      <a:schemeClr val="accent6">
-                        <a:lumMod val="20000"/>
-                        <a:lumOff val="80000"/>
+                      <a:schemeClr val="bg1">
+                        <a:lumMod val="95000"/>
                       </a:schemeClr>
                     </a:solidFill>
                   </a:tcPr>
@@ -21999,9 +21755,8 @@
                   </a:txBody>
                   <a:tcPr anchor="ctr">
                     <a:solidFill>
-                      <a:schemeClr val="accent6">
-                        <a:lumMod val="20000"/>
-                        <a:lumOff val="80000"/>
+                      <a:schemeClr val="bg1">
+                        <a:lumMod val="95000"/>
                       </a:schemeClr>
                     </a:solidFill>
                   </a:tcPr>
@@ -22050,9 +21805,9 @@
                   </a:txBody>
                   <a:tcPr anchor="ctr">
                     <a:solidFill>
-                      <a:schemeClr val="accent2">
-                        <a:lumMod val="60000"/>
-                        <a:lumOff val="40000"/>
+                      <a:schemeClr val="accent5">
+                        <a:lumMod val="40000"/>
+                        <a:lumOff val="60000"/>
                       </a:schemeClr>
                     </a:solidFill>
                   </a:tcPr>
@@ -22072,9 +21827,381 @@
                   </a:txBody>
                   <a:tcPr anchor="ctr">
                     <a:solidFill>
+                      <a:schemeClr val="accent6">
+                        <a:lumMod val="40000"/>
+                        <a:lumOff val="60000"/>
+                      </a:schemeClr>
+                    </a:solidFill>
+                  </a:tcPr>
+                </a:tc>
+                <a:extLst>
+                  <a:ext uri="{0D108BD9-81ED-4DB2-BD59-A6C34878D82A}">
+                    <a16:rowId xmlns:a16="http://schemas.microsoft.com/office/drawing/2014/main" val="2643503451"/>
+                  </a:ext>
+                </a:extLst>
+              </a:tr>
+            </a:tbl>
+          </a:graphicData>
+        </a:graphic>
+      </p:graphicFrame>
+    </p:spTree>
+    <p:extLst>
+      <p:ext uri="{BB962C8B-B14F-4D97-AF65-F5344CB8AC3E}">
+        <p14:creationId xmlns:p14="http://schemas.microsoft.com/office/powerpoint/2010/main" val="4286542286"/>
+      </p:ext>
+    </p:extLst>
+  </p:cSld>
+  <p:clrMapOvr>
+    <a:masterClrMapping/>
+  </p:clrMapOvr>
+</p:sld>
+</file>
+
+<file path=ppt/slides/slide36.xml><?xml version="1.0" encoding="utf-8"?>
+<p:sld xmlns:a="http://schemas.openxmlformats.org/drawingml/2006/main" xmlns:r="http://schemas.openxmlformats.org/officeDocument/2006/relationships" xmlns:p="http://schemas.openxmlformats.org/presentationml/2006/main">
+  <p:cSld>
+    <p:spTree>
+      <p:nvGrpSpPr>
+        <p:cNvPr id="1" name=""/>
+        <p:cNvGrpSpPr/>
+        <p:nvPr/>
+      </p:nvGrpSpPr>
+      <p:grpSpPr>
+        <a:xfrm>
+          <a:off x="0" y="0"/>
+          <a:ext cx="0" cy="0"/>
+          <a:chOff x="0" y="0"/>
+          <a:chExt cx="0" cy="0"/>
+        </a:xfrm>
+      </p:grpSpPr>
+      <p:sp>
+        <p:nvSpPr>
+          <p:cNvPr id="2" name="Title 1">
+            <a:extLst>
+              <a:ext uri="{FF2B5EF4-FFF2-40B4-BE49-F238E27FC236}">
+                <a16:creationId xmlns:a16="http://schemas.microsoft.com/office/drawing/2014/main" id="{39A1D606-8DD1-369C-5C09-471CDD551AD5}"/>
+              </a:ext>
+            </a:extLst>
+          </p:cNvPr>
+          <p:cNvSpPr>
+            <a:spLocks noGrp="1"/>
+          </p:cNvSpPr>
+          <p:nvPr>
+            <p:ph type="title"/>
+          </p:nvPr>
+        </p:nvSpPr>
+        <p:spPr>
+          <a:xfrm>
+            <a:off x="838200" y="365126"/>
+            <a:ext cx="10515600" cy="718608"/>
+          </a:xfrm>
+        </p:spPr>
+        <p:txBody>
+          <a:bodyPr>
+            <a:normAutofit/>
+          </a:bodyPr>
+          <a:lstStyle/>
+          <a:p>
+            <a:r>
+              <a:rPr lang="nl-NL" sz="3600" dirty="0"/>
+              <a:t>Train – </a:t>
+            </a:r>
+            <a:r>
+              <a:rPr lang="nl-NL" sz="3600" dirty="0" err="1"/>
+              <a:t>validate</a:t>
+            </a:r>
+            <a:r>
+              <a:rPr lang="nl-NL" sz="3600" dirty="0"/>
+              <a:t> – test</a:t>
+            </a:r>
+            <a:endParaRPr lang="nl-NL" sz="3600" noProof="0" dirty="0"/>
+          </a:p>
+        </p:txBody>
+      </p:sp>
+      <p:sp>
+        <p:nvSpPr>
+          <p:cNvPr id="4" name="TextBox 3">
+            <a:extLst>
+              <a:ext uri="{FF2B5EF4-FFF2-40B4-BE49-F238E27FC236}">
+                <a16:creationId xmlns:a16="http://schemas.microsoft.com/office/drawing/2014/main" id="{B47EA95A-6DDD-ED89-357A-943A5BC87A94}"/>
+              </a:ext>
+            </a:extLst>
+          </p:cNvPr>
+          <p:cNvSpPr txBox="1"/>
+          <p:nvPr/>
+        </p:nvSpPr>
+        <p:spPr>
+          <a:xfrm>
+            <a:off x="6555232" y="2530561"/>
+            <a:ext cx="184731" cy="369332"/>
+          </a:xfrm>
+          <a:prstGeom prst="rect">
+            <a:avLst/>
+          </a:prstGeom>
+          <a:noFill/>
+        </p:spPr>
+        <p:txBody>
+          <a:bodyPr wrap="none" rtlCol="0">
+            <a:spAutoFit/>
+          </a:bodyPr>
+          <a:lstStyle/>
+          <a:p>
+            <a:endParaRPr lang="en-NL" dirty="0"/>
+          </a:p>
+        </p:txBody>
+      </p:sp>
+      <p:graphicFrame>
+        <p:nvGraphicFramePr>
+          <p:cNvPr id="3" name="Table 4">
+            <a:extLst>
+              <a:ext uri="{FF2B5EF4-FFF2-40B4-BE49-F238E27FC236}">
+                <a16:creationId xmlns:a16="http://schemas.microsoft.com/office/drawing/2014/main" id="{0408A2A4-E22C-57CD-A15A-3BE581161F35}"/>
+              </a:ext>
+            </a:extLst>
+          </p:cNvPr>
+          <p:cNvGraphicFramePr>
+            <a:graphicFrameLocks noGrp="1"/>
+          </p:cNvGraphicFramePr>
+          <p:nvPr>
+            <p:extLst>
+              <p:ext uri="{D42A27DB-BD31-4B8C-83A1-F6EECF244321}">
+                <p14:modId xmlns:p14="http://schemas.microsoft.com/office/powerpoint/2010/main" val="262522069"/>
+              </p:ext>
+            </p:extLst>
+          </p:nvPr>
+        </p:nvGraphicFramePr>
+        <p:xfrm>
+          <a:off x="990601" y="3131703"/>
+          <a:ext cx="9956074" cy="1294956"/>
+        </p:xfrm>
+        <a:graphic>
+          <a:graphicData uri="http://schemas.openxmlformats.org/drawingml/2006/table">
+            <a:tbl>
+              <a:tblPr firstRow="1" bandRow="1">
+                <a:tableStyleId>{5940675A-B579-460E-94D1-54222C63F5DA}</a:tableStyleId>
+              </a:tblPr>
+              <a:tblGrid>
+                <a:gridCol w="6378786">
+                  <a:extLst>
+                    <a:ext uri="{9D8B030D-6E8A-4147-A177-3AD203B41FA5}">
+                      <a16:colId xmlns:a16="http://schemas.microsoft.com/office/drawing/2014/main" val="2438186123"/>
+                    </a:ext>
+                  </a:extLst>
+                </a:gridCol>
+                <a:gridCol w="1788644">
+                  <a:extLst>
+                    <a:ext uri="{9D8B030D-6E8A-4147-A177-3AD203B41FA5}">
+                      <a16:colId xmlns:a16="http://schemas.microsoft.com/office/drawing/2014/main" val="247526330"/>
+                    </a:ext>
+                  </a:extLst>
+                </a:gridCol>
+                <a:gridCol w="1788644">
+                  <a:extLst>
+                    <a:ext uri="{9D8B030D-6E8A-4147-A177-3AD203B41FA5}">
+                      <a16:colId xmlns:a16="http://schemas.microsoft.com/office/drawing/2014/main" val="3505697190"/>
+                    </a:ext>
+                  </a:extLst>
+                </a:gridCol>
+              </a:tblGrid>
+              <a:tr h="0">
+                <a:tc gridSpan="3">
+                  <a:txBody>
+                    <a:bodyPr/>
+                    <a:lstStyle/>
+                    <a:p>
+                      <a:pPr algn="ctr"/>
+                      <a:r>
+                        <a:rPr lang="en-US" b="1" dirty="0"/>
+                        <a:t>Records</a:t>
+                      </a:r>
+                      <a:endParaRPr lang="en-NL" b="1" dirty="0"/>
+                    </a:p>
+                  </a:txBody>
+                  <a:tcPr anchor="ctr">
+                    <a:lnL w="12700" cap="flat" cmpd="sng" algn="ctr">
+                      <a:solidFill>
+                        <a:schemeClr val="tx1"/>
+                      </a:solidFill>
+                      <a:prstDash val="solid"/>
+                      <a:round/>
+                      <a:headEnd type="none" w="med" len="med"/>
+                      <a:tailEnd type="none" w="med" len="med"/>
+                    </a:lnL>
+                    <a:solidFill>
+                      <a:schemeClr val="bg1">
+                        <a:lumMod val="95000"/>
+                      </a:schemeClr>
+                    </a:solidFill>
+                  </a:tcPr>
+                </a:tc>
+                <a:tc hMerge="1">
+                  <a:txBody>
+                    <a:bodyPr/>
+                    <a:lstStyle/>
+                    <a:p>
+                      <a:endParaRPr lang="en-NL" dirty="0"/>
+                    </a:p>
+                  </a:txBody>
+                  <a:tcPr/>
+                </a:tc>
+                <a:tc hMerge="1">
+                  <a:txBody>
+                    <a:bodyPr/>
+                    <a:lstStyle/>
+                    <a:p>
+                      <a:endParaRPr lang="en-NL" dirty="0"/>
+                    </a:p>
+                  </a:txBody>
+                  <a:tcPr/>
+                </a:tc>
+                <a:extLst>
+                  <a:ext uri="{0D108BD9-81ED-4DB2-BD59-A6C34878D82A}">
+                    <a16:rowId xmlns:a16="http://schemas.microsoft.com/office/drawing/2014/main" val="2595353408"/>
+                  </a:ext>
+                </a:extLst>
+              </a:tr>
+              <a:tr h="464598">
+                <a:tc>
+                  <a:txBody>
+                    <a:bodyPr/>
+                    <a:lstStyle/>
+                    <a:p>
+                      <a:pPr algn="ctr"/>
+                      <a:r>
+                        <a:rPr lang="en-US" dirty="0"/>
+                        <a:t>1 - 60</a:t>
+                      </a:r>
+                      <a:endParaRPr lang="en-NL" dirty="0"/>
+                    </a:p>
+                  </a:txBody>
+                  <a:tcPr anchor="ctr">
+                    <a:lnL w="12700" cap="flat" cmpd="sng" algn="ctr">
+                      <a:solidFill>
+                        <a:schemeClr val="tx1"/>
+                      </a:solidFill>
+                      <a:prstDash val="solid"/>
+                      <a:round/>
+                      <a:headEnd type="none" w="med" len="med"/>
+                      <a:tailEnd type="none" w="med" len="med"/>
+                    </a:lnL>
+                    <a:solidFill>
+                      <a:schemeClr val="bg1">
+                        <a:lumMod val="95000"/>
+                      </a:schemeClr>
+                    </a:solidFill>
+                  </a:tcPr>
+                </a:tc>
+                <a:tc>
+                  <a:txBody>
+                    <a:bodyPr/>
+                    <a:lstStyle/>
+                    <a:p>
+                      <a:pPr algn="ctr"/>
+                      <a:r>
+                        <a:rPr lang="en-US" dirty="0"/>
+                        <a:t>61 - 80</a:t>
+                      </a:r>
+                      <a:endParaRPr lang="en-NL" dirty="0"/>
+                    </a:p>
+                  </a:txBody>
+                  <a:tcPr anchor="ctr">
+                    <a:solidFill>
+                      <a:schemeClr val="bg1">
+                        <a:lumMod val="95000"/>
+                      </a:schemeClr>
+                    </a:solidFill>
+                  </a:tcPr>
+                </a:tc>
+                <a:tc>
+                  <a:txBody>
+                    <a:bodyPr/>
+                    <a:lstStyle/>
+                    <a:p>
+                      <a:pPr algn="ctr"/>
+                      <a:r>
+                        <a:rPr lang="en-US" dirty="0"/>
+                        <a:t>81 - 100</a:t>
+                      </a:r>
+                      <a:endParaRPr lang="en-NL" dirty="0"/>
+                    </a:p>
+                  </a:txBody>
+                  <a:tcPr anchor="ctr">
+                    <a:solidFill>
+                      <a:schemeClr val="bg1">
+                        <a:lumMod val="95000"/>
+                      </a:schemeClr>
+                    </a:solidFill>
+                  </a:tcPr>
+                </a:tc>
+                <a:extLst>
+                  <a:ext uri="{0D108BD9-81ED-4DB2-BD59-A6C34878D82A}">
+                    <a16:rowId xmlns:a16="http://schemas.microsoft.com/office/drawing/2014/main" val="575539422"/>
+                  </a:ext>
+                </a:extLst>
+              </a:tr>
+              <a:tr h="464598">
+                <a:tc>
+                  <a:txBody>
+                    <a:bodyPr/>
+                    <a:lstStyle/>
+                    <a:p>
+                      <a:pPr algn="ctr"/>
+                      <a:r>
+                        <a:rPr lang="en-US" dirty="0"/>
+                        <a:t>Train</a:t>
+                      </a:r>
+                      <a:endParaRPr lang="en-NL" dirty="0"/>
+                    </a:p>
+                  </a:txBody>
+                  <a:tcPr anchor="ctr">
+                    <a:solidFill>
+                      <a:schemeClr val="accent4">
+                        <a:lumMod val="40000"/>
+                        <a:lumOff val="60000"/>
+                      </a:schemeClr>
+                    </a:solidFill>
+                  </a:tcPr>
+                </a:tc>
+                <a:tc>
+                  <a:txBody>
+                    <a:bodyPr/>
+                    <a:lstStyle/>
+                    <a:p>
+                      <a:pPr algn="ctr"/>
+                      <a:r>
+                        <a:rPr lang="en-US" dirty="0"/>
+                        <a:t>Validate</a:t>
+                      </a:r>
+                      <a:endParaRPr lang="en-NL" dirty="0"/>
+                    </a:p>
+                  </a:txBody>
+                  <a:tcPr anchor="ctr">
+                    <a:solidFill>
                       <a:schemeClr val="accent5">
-                        <a:lumMod val="60000"/>
-                        <a:lumOff val="40000"/>
+                        <a:lumMod val="40000"/>
+                        <a:lumOff val="60000"/>
+                      </a:schemeClr>
+                    </a:solidFill>
+                  </a:tcPr>
+                </a:tc>
+                <a:tc>
+                  <a:txBody>
+                    <a:bodyPr/>
+                    <a:lstStyle/>
+                    <a:p>
+                      <a:pPr algn="ctr"/>
+                      <a:r>
+                        <a:rPr lang="en-US" dirty="0"/>
+                        <a:t>Test</a:t>
+                      </a:r>
+                      <a:endParaRPr lang="en-NL" dirty="0"/>
+                    </a:p>
+                  </a:txBody>
+                  <a:tcPr anchor="ctr">
+                    <a:solidFill>
+                      <a:schemeClr val="accent6">
+                        <a:lumMod val="40000"/>
+                        <a:lumOff val="60000"/>
                       </a:schemeClr>
                     </a:solidFill>
                   </a:tcPr>
@@ -22294,12 +22421,8 @@
               <a:buNone/>
             </a:pPr>
             <a:r>
-              <a:rPr lang="nl-NL" sz="2000" dirty="0" err="1"/>
-              <a:t>Validate</a:t>
-            </a:r>
-            <a:r>
               <a:rPr lang="nl-NL" sz="2000" dirty="0"/>
-              <a:t>:	Voor vergelijken van modellen.</a:t>
+              <a:t>Validatie:	Voor vergelijken van modellen.</a:t>
             </a:r>
           </a:p>
           <a:p>
@@ -22512,7 +22635,7 @@
           <p:nvPr>
             <p:extLst>
               <p:ext uri="{D42A27DB-BD31-4B8C-83A1-F6EECF244321}">
-                <p14:modId xmlns:p14="http://schemas.microsoft.com/office/powerpoint/2010/main" val="3189527249"/>
+                <p14:modId xmlns:p14="http://schemas.microsoft.com/office/powerpoint/2010/main" val="2660129241"/>
               </p:ext>
             </p:extLst>
           </p:nvPr>
@@ -22672,9 +22795,8 @@
                       <a:tailEnd type="none" w="med" len="med"/>
                     </a:lnL>
                     <a:solidFill>
-                      <a:schemeClr val="accent6">
-                        <a:lumMod val="40000"/>
-                        <a:lumOff val="60000"/>
+                      <a:schemeClr val="bg1">
+                        <a:lumMod val="95000"/>
                       </a:schemeClr>
                     </a:solidFill>
                   </a:tcPr>
@@ -22831,9 +22953,8 @@
                       <a:tailEnd type="none" w="med" len="med"/>
                     </a:lnL>
                     <a:solidFill>
-                      <a:schemeClr val="accent6">
-                        <a:lumMod val="20000"/>
-                        <a:lumOff val="80000"/>
+                      <a:schemeClr val="bg1">
+                        <a:lumMod val="95000"/>
                       </a:schemeClr>
                     </a:solidFill>
                   </a:tcPr>
@@ -22853,9 +22974,8 @@
                   </a:txBody>
                   <a:tcPr anchor="ctr">
                     <a:solidFill>
-                      <a:schemeClr val="accent6">
-                        <a:lumMod val="20000"/>
-                        <a:lumOff val="80000"/>
+                      <a:schemeClr val="bg1">
+                        <a:lumMod val="95000"/>
                       </a:schemeClr>
                     </a:solidFill>
                   </a:tcPr>
@@ -22875,9 +22995,8 @@
                   </a:txBody>
                   <a:tcPr anchor="ctr">
                     <a:solidFill>
-                      <a:schemeClr val="accent6">
-                        <a:lumMod val="20000"/>
-                        <a:lumOff val="80000"/>
+                      <a:schemeClr val="bg1">
+                        <a:lumMod val="95000"/>
                       </a:schemeClr>
                     </a:solidFill>
                   </a:tcPr>
@@ -22897,9 +23016,8 @@
                   </a:txBody>
                   <a:tcPr anchor="ctr">
                     <a:solidFill>
-                      <a:schemeClr val="accent6">
-                        <a:lumMod val="20000"/>
-                        <a:lumOff val="80000"/>
+                      <a:schemeClr val="bg1">
+                        <a:lumMod val="95000"/>
                       </a:schemeClr>
                     </a:solidFill>
                   </a:tcPr>
@@ -22919,9 +23037,8 @@
                   </a:txBody>
                   <a:tcPr anchor="ctr">
                     <a:solidFill>
-                      <a:schemeClr val="accent6">
-                        <a:lumMod val="20000"/>
-                        <a:lumOff val="80000"/>
+                      <a:schemeClr val="bg1">
+                        <a:lumMod val="95000"/>
                       </a:schemeClr>
                     </a:solidFill>
                   </a:tcPr>
@@ -22957,9 +23074,8 @@
                       <a:tailEnd type="none" w="med" len="med"/>
                     </a:lnT>
                     <a:solidFill>
-                      <a:schemeClr val="accent6">
-                        <a:lumMod val="40000"/>
-                        <a:lumOff val="60000"/>
+                      <a:schemeClr val="bg1">
+                        <a:lumMod val="95000"/>
                       </a:schemeClr>
                     </a:solidFill>
                   </a:tcPr>
@@ -22988,9 +23104,8 @@
                       <a:tailEnd type="none" w="med" len="med"/>
                     </a:lnT>
                     <a:solidFill>
-                      <a:schemeClr val="accent6">
-                        <a:lumMod val="40000"/>
-                        <a:lumOff val="60000"/>
+                      <a:schemeClr val="bg1">
+                        <a:lumMod val="95000"/>
                       </a:schemeClr>
                     </a:solidFill>
                   </a:tcPr>
@@ -23010,9 +23125,9 @@
                   </a:txBody>
                   <a:tcPr anchor="ctr">
                     <a:solidFill>
-                      <a:schemeClr val="accent2">
-                        <a:lumMod val="60000"/>
-                        <a:lumOff val="40000"/>
+                      <a:schemeClr val="accent5">
+                        <a:lumMod val="40000"/>
+                        <a:lumOff val="60000"/>
                       </a:schemeClr>
                     </a:solidFill>
                   </a:tcPr>
@@ -23121,10 +23236,7 @@
                   </a:txBody>
                   <a:tcPr anchor="ctr">
                     <a:solidFill>
-                      <a:schemeClr val="accent6">
-                        <a:lumMod val="20000"/>
-                        <a:lumOff val="80000"/>
-                      </a:schemeClr>
+                      <a:schemeClr val="bg1"/>
                     </a:solidFill>
                   </a:tcPr>
                 </a:tc>
@@ -23161,9 +23273,9 @@
                   </a:txBody>
                   <a:tcPr anchor="ctr">
                     <a:solidFill>
-                      <a:schemeClr val="accent2">
-                        <a:lumMod val="60000"/>
-                        <a:lumOff val="40000"/>
+                      <a:schemeClr val="accent5">
+                        <a:lumMod val="40000"/>
+                        <a:lumOff val="60000"/>
                       </a:schemeClr>
                     </a:solidFill>
                   </a:tcPr>
@@ -23254,9 +23366,8 @@
                   </a:txBody>
                   <a:tcPr anchor="ctr">
                     <a:solidFill>
-                      <a:schemeClr val="accent6">
-                        <a:lumMod val="40000"/>
-                        <a:lumOff val="60000"/>
+                      <a:schemeClr val="bg1">
+                        <a:lumMod val="95000"/>
                       </a:schemeClr>
                     </a:solidFill>
                   </a:tcPr>
@@ -23312,9 +23423,9 @@
                   </a:txBody>
                   <a:tcPr anchor="ctr">
                     <a:solidFill>
-                      <a:schemeClr val="accent2">
-                        <a:lumMod val="60000"/>
-                        <a:lumOff val="40000"/>
+                      <a:schemeClr val="accent5">
+                        <a:lumMod val="40000"/>
+                        <a:lumOff val="60000"/>
                       </a:schemeClr>
                     </a:solidFill>
                   </a:tcPr>
@@ -23387,10 +23498,7 @@
                   </a:txBody>
                   <a:tcPr anchor="ctr">
                     <a:solidFill>
-                      <a:schemeClr val="accent6">
-                        <a:lumMod val="20000"/>
-                        <a:lumOff val="80000"/>
-                      </a:schemeClr>
+                      <a:schemeClr val="bg1"/>
                     </a:solidFill>
                   </a:tcPr>
                 </a:tc>
@@ -23463,9 +23571,9 @@
                   </a:txBody>
                   <a:tcPr anchor="ctr">
                     <a:solidFill>
-                      <a:schemeClr val="accent2">
-                        <a:lumMod val="60000"/>
-                        <a:lumOff val="40000"/>
+                      <a:schemeClr val="accent5">
+                        <a:lumMod val="40000"/>
+                        <a:lumOff val="60000"/>
                       </a:schemeClr>
                     </a:solidFill>
                   </a:tcPr>
@@ -23520,9 +23628,8 @@
                   </a:txBody>
                   <a:tcPr anchor="ctr">
                     <a:solidFill>
-                      <a:schemeClr val="accent6">
-                        <a:lumMod val="40000"/>
-                        <a:lumOff val="60000"/>
+                      <a:schemeClr val="bg1">
+                        <a:lumMod val="85000"/>
                       </a:schemeClr>
                     </a:solidFill>
                   </a:tcPr>
@@ -23606,7 +23713,7 @@
                     <a:p>
                       <a:pPr algn="ctr"/>
                       <a:r>
-                        <a:rPr lang="en-US"/>
+                        <a:rPr lang="en-US" dirty="0"/>
                         <a:t>Validate</a:t>
                       </a:r>
                       <a:endParaRPr lang="en-NL" dirty="0"/>
@@ -23614,9 +23721,9 @@
                   </a:txBody>
                   <a:tcPr anchor="ctr">
                     <a:solidFill>
-                      <a:schemeClr val="accent2">
-                        <a:lumMod val="60000"/>
-                        <a:lumOff val="40000"/>
+                      <a:schemeClr val="accent5">
+                        <a:lumMod val="40000"/>
+                        <a:lumOff val="60000"/>
                       </a:schemeClr>
                     </a:solidFill>
                   </a:tcPr>
@@ -23977,7 +24084,7 @@
         </p:spPr>
         <p:txBody>
           <a:bodyPr vert="horz" lIns="91440" tIns="45720" rIns="91440" bIns="45720" rtlCol="0">
-            <a:normAutofit/>
+            <a:normAutofit lnSpcReduction="10000"/>
           </a:bodyPr>
           <a:lstStyle>
             <a:lvl1pPr marL="228600" indent="-228600" algn="l" defTabSz="914400" rtl="0" eaLnBrk="1" latinLnBrk="0" hangingPunct="1">
@@ -24186,24 +24293,42 @@
             <a:pPr marL="0" indent="0">
               <a:buNone/>
             </a:pPr>
-            <a:endParaRPr lang="nl-NL" sz="2000" dirty="0"/>
+            <a:r>
+              <a:rPr lang="nl-NL" sz="2000" u="sng" dirty="0"/>
+              <a:t>Grote validatie sets</a:t>
+            </a:r>
           </a:p>
           <a:p>
             <a:pPr marL="0" indent="0">
               <a:buNone/>
             </a:pPr>
             <a:r>
-              <a:rPr lang="nl-NL" sz="2000" u="sng" dirty="0"/>
-              <a:t>Grote validatie sets</a:t>
+              <a:rPr lang="nl-NL" sz="2000" dirty="0"/>
+              <a:t>Meer cases, foutmarges nauwkeuriger gemeten.</a:t>
             </a:r>
           </a:p>
           <a:p>
             <a:pPr marL="0" indent="0">
               <a:buNone/>
             </a:pPr>
+            <a:endParaRPr lang="nl-NL" sz="2000" dirty="0"/>
+          </a:p>
+          <a:p>
+            <a:pPr marL="0" indent="0">
+              <a:buNone/>
+            </a:pPr>
+            <a:r>
+              <a:rPr lang="nl-NL" sz="2000" u="sng" dirty="0"/>
+              <a:t>Sneller</a:t>
+            </a:r>
+          </a:p>
+          <a:p>
+            <a:pPr marL="0" indent="0">
+              <a:buNone/>
+            </a:pPr>
             <a:r>
               <a:rPr lang="nl-NL" sz="2000" dirty="0"/>
-              <a:t>Meer cases, foutmarges nauwkeuriger gemeten.</a:t>
+              <a:t>Minder modellen te trainen.</a:t>
             </a:r>
           </a:p>
         </p:txBody>
@@ -24233,7 +24358,7 @@
         </p:spPr>
         <p:txBody>
           <a:bodyPr vert="horz" lIns="91440" tIns="45720" rIns="91440" bIns="45720" rtlCol="0">
-            <a:normAutofit/>
+            <a:normAutofit lnSpcReduction="10000"/>
           </a:bodyPr>
           <a:lstStyle>
             <a:lvl1pPr marL="228600" indent="-228600" algn="l" defTabSz="914400" rtl="0" eaLnBrk="1" latinLnBrk="0" hangingPunct="1">
@@ -24442,32 +24567,42 @@
             <a:pPr marL="0" indent="0">
               <a:buNone/>
             </a:pPr>
-            <a:endParaRPr lang="nl-NL" sz="2000" dirty="0"/>
+            <a:r>
+              <a:rPr lang="nl-NL" sz="2000" u="sng" dirty="0"/>
+              <a:t>Kleine validatie sets</a:t>
+            </a:r>
           </a:p>
           <a:p>
             <a:pPr marL="0" indent="0">
               <a:buNone/>
             </a:pPr>
             <a:r>
-              <a:rPr lang="nl-NL" sz="2000" u="sng" dirty="0"/>
-              <a:t>Kleine validatie sets</a:t>
+              <a:rPr lang="nl-NL" sz="2000" dirty="0"/>
+              <a:t>Minder cases, foutmarges onnauwkeuriger.</a:t>
             </a:r>
           </a:p>
           <a:p>
             <a:pPr marL="0" indent="0">
               <a:buNone/>
             </a:pPr>
+            <a:endParaRPr lang="nl-NL" sz="2000" dirty="0"/>
+          </a:p>
+          <a:p>
+            <a:pPr marL="0" indent="0">
+              <a:buNone/>
+            </a:pPr>
+            <a:r>
+              <a:rPr lang="nl-NL" sz="2000" u="sng" dirty="0"/>
+              <a:t>Langzamer</a:t>
+            </a:r>
+          </a:p>
+          <a:p>
+            <a:pPr marL="0" indent="0">
+              <a:buNone/>
+            </a:pPr>
             <a:r>
               <a:rPr lang="nl-NL" sz="2000" dirty="0"/>
-              <a:t>Minder cases</a:t>
-            </a:r>
-            <a:r>
-              <a:rPr lang="nl-NL" sz="2000"/>
-              <a:t>, foutmarges </a:t>
-            </a:r>
-            <a:r>
-              <a:rPr lang="nl-NL" sz="2000" dirty="0"/>
-              <a:t>onnauwkeuriger.</a:t>
+              <a:t>Meer modellen te trainen.</a:t>
             </a:r>
           </a:p>
         </p:txBody>
@@ -26248,7 +26383,7 @@
         <p:spPr>
           <a:xfrm>
             <a:off x="8092440" y="1608667"/>
-            <a:ext cx="3657600" cy="3323987"/>
+            <a:ext cx="3657600" cy="3970318"/>
           </a:xfrm>
           <a:prstGeom prst="rect">
             <a:avLst/>
@@ -26318,6 +26453,20 @@
           <a:p>
             <a:r>
               <a:rPr lang="en-US" sz="1400" dirty="0">
+                <a:solidFill>
+                  <a:schemeClr val="accent6">
+                    <a:lumMod val="75000"/>
+                  </a:schemeClr>
+                </a:solidFill>
+                <a:latin typeface="Courier New" panose="02070309020205020404" pitchFamily="49" charset="0"/>
+                <a:cs typeface="Courier New" panose="02070309020205020404" pitchFamily="49" charset="0"/>
+              </a:rPr>
+              <a:t># Create dummy data.</a:t>
+            </a:r>
+          </a:p>
+          <a:p>
+            <a:r>
+              <a:rPr lang="en-US" sz="1400" dirty="0">
                 <a:latin typeface="Courier New" panose="02070309020205020404" pitchFamily="49" charset="0"/>
                 <a:cs typeface="Courier New" panose="02070309020205020404" pitchFamily="49" charset="0"/>
               </a:rPr>
@@ -26344,6 +26493,20 @@
               <a:latin typeface="Courier New" panose="02070309020205020404" pitchFamily="49" charset="0"/>
               <a:cs typeface="Courier New" panose="02070309020205020404" pitchFamily="49" charset="0"/>
             </a:endParaRPr>
+          </a:p>
+          <a:p>
+            <a:r>
+              <a:rPr lang="en-US" sz="1400" dirty="0">
+                <a:solidFill>
+                  <a:schemeClr val="accent6">
+                    <a:lumMod val="75000"/>
+                  </a:schemeClr>
+                </a:solidFill>
+                <a:latin typeface="Courier New" panose="02070309020205020404" pitchFamily="49" charset="0"/>
+                <a:cs typeface="Courier New" panose="02070309020205020404" pitchFamily="49" charset="0"/>
+              </a:rPr>
+              <a:t># Create dummy model.</a:t>
+            </a:r>
           </a:p>
           <a:p>
             <a:r>
@@ -26399,6 +26562,26 @@
             </a:r>
           </a:p>
           <a:p>
+            <a:endParaRPr lang="en-US" sz="1400" dirty="0">
+              <a:latin typeface="Courier New" panose="02070309020205020404" pitchFamily="49" charset="0"/>
+              <a:cs typeface="Courier New" panose="02070309020205020404" pitchFamily="49" charset="0"/>
+            </a:endParaRPr>
+          </a:p>
+          <a:p>
+            <a:r>
+              <a:rPr lang="en-US" sz="1400" dirty="0">
+                <a:solidFill>
+                  <a:schemeClr val="accent6">
+                    <a:lumMod val="75000"/>
+                  </a:schemeClr>
+                </a:solidFill>
+                <a:latin typeface="Courier New" panose="02070309020205020404" pitchFamily="49" charset="0"/>
+                <a:cs typeface="Courier New" panose="02070309020205020404" pitchFamily="49" charset="0"/>
+              </a:rPr>
+              <a:t># Fit and predict.</a:t>
+            </a:r>
+          </a:p>
+          <a:p>
             <a:r>
               <a:rPr lang="en-US" sz="1400" dirty="0" err="1">
                 <a:latin typeface="Courier New" panose="02070309020205020404" pitchFamily="49" charset="0"/>
@@ -26415,12 +26598,6 @@
             </a:r>
           </a:p>
           <a:p>
-            <a:endParaRPr lang="en-US" sz="1400" dirty="0">
-              <a:latin typeface="Courier New" panose="02070309020205020404" pitchFamily="49" charset="0"/>
-              <a:cs typeface="Courier New" panose="02070309020205020404" pitchFamily="49" charset="0"/>
-            </a:endParaRPr>
-          </a:p>
-          <a:p>
             <a:r>
               <a:rPr lang="en-US" sz="1400" dirty="0" err="1">
                 <a:latin typeface="Courier New" panose="02070309020205020404" pitchFamily="49" charset="0"/>
@@ -26439,12 +26616,22 @@
           <a:p>
             <a:r>
               <a:rPr lang="en-US" sz="1400" dirty="0">
+                <a:solidFill>
+                  <a:schemeClr val="accent6">
+                    <a:lumMod val="75000"/>
+                  </a:schemeClr>
+                </a:solidFill>
                 <a:latin typeface="Courier New" panose="02070309020205020404" pitchFamily="49" charset="0"/>
                 <a:cs typeface="Courier New" panose="02070309020205020404" pitchFamily="49" charset="0"/>
               </a:rPr>
               <a:t># returns [75, 75]</a:t>
             </a:r>
             <a:endParaRPr lang="en-NL" sz="1400" dirty="0">
+              <a:solidFill>
+                <a:schemeClr val="accent6">
+                  <a:lumMod val="75000"/>
+                </a:schemeClr>
+              </a:solidFill>
               <a:latin typeface="Courier New" panose="02070309020205020404" pitchFamily="49" charset="0"/>
               <a:cs typeface="Courier New" panose="02070309020205020404" pitchFamily="49" charset="0"/>
             </a:endParaRPr>
@@ -26547,7 +26734,7 @@
           <a:p>
             <a:r>
               <a:rPr lang="nl-NL" sz="3600" noProof="0" dirty="0"/>
-              <a:t>Oefeningen IV</a:t>
+              <a:t>Oefeningen V</a:t>
             </a:r>
           </a:p>
         </p:txBody>
@@ -26600,7 +26787,7 @@
                 <a:latin typeface="Courier New" panose="02070309020205020404" pitchFamily="49" charset="0"/>
                 <a:cs typeface="Courier New" panose="02070309020205020404" pitchFamily="49" charset="0"/>
               </a:rPr>
-              <a:t>/4_validation.ipynb</a:t>
+              <a:t>/5_validation.ipynb</a:t>
             </a:r>
           </a:p>
           <a:p>
@@ -26645,7 +26832,7 @@
             <a:pPr lvl="1"/>
             <a:r>
               <a:rPr lang="nl-NL" sz="1600" noProof="0" dirty="0"/>
-              <a:t>Bundel de data preparatie en het model met een Pipeline.</a:t>
+              <a:t>Bundel data preparatie en model in een Pipeline.</a:t>
             </a:r>
           </a:p>
           <a:p>
@@ -26730,11 +26917,7 @@
             </a:r>
             <a:r>
               <a:rPr lang="nl-NL" sz="1600" dirty="0"/>
-              <a:t> accurater dan altijd "No" voorspellen? </a:t>
-            </a:r>
-            <a:r>
-              <a:rPr lang="nl-NL" sz="1600"/>
-              <a:t>Waarom?</a:t>
+              <a:t> accurater dan altijd "No" voorspellen? Waarom?</a:t>
             </a:r>
             <a:endParaRPr lang="nl-NL" sz="1600" noProof="0" dirty="0"/>
           </a:p>
@@ -26965,16 +27148,21 @@
           <a:prstGeom prst="rect">
             <a:avLst/>
           </a:prstGeom>
+          <a:solidFill>
+            <a:schemeClr val="bg1">
+              <a:lumMod val="95000"/>
+            </a:schemeClr>
+          </a:solidFill>
         </p:spPr>
         <p:style>
           <a:lnRef idx="1">
-            <a:schemeClr val="accent6"/>
+            <a:schemeClr val="accent3"/>
           </a:lnRef>
           <a:fillRef idx="2">
-            <a:schemeClr val="accent6"/>
+            <a:schemeClr val="accent3"/>
           </a:fillRef>
           <a:effectRef idx="1">
-            <a:schemeClr val="accent6"/>
+            <a:schemeClr val="accent3"/>
           </a:effectRef>
           <a:fontRef idx="minor">
             <a:schemeClr val="dk1"/>
@@ -27001,11 +27189,11 @@
             </a:r>
             <a:r>
               <a:rPr lang="nl-NL" u="sng" dirty="0"/>
-              <a:t>specificatie</a:t>
+              <a:t>configuratie</a:t>
             </a:r>
             <a:r>
               <a:rPr lang="nl-NL" dirty="0"/>
-              <a:t> van je model:</a:t>
+              <a:t> van het model:</a:t>
             </a:r>
           </a:p>
           <a:p>
@@ -27042,7 +27230,7 @@
             </a:pPr>
             <a:r>
               <a:rPr lang="nl-NL" dirty="0"/>
-              <a:t>algoritme</a:t>
+              <a:t>soort algoritme</a:t>
             </a:r>
           </a:p>
           <a:p>
@@ -27052,7 +27240,7 @@
             </a:pPr>
             <a:r>
               <a:rPr lang="nl-NL" dirty="0"/>
-              <a:t>instellingen</a:t>
+              <a:t>instellingen model</a:t>
             </a:r>
           </a:p>
           <a:p>
@@ -27088,16 +27276,21 @@
           <a:prstGeom prst="rect">
             <a:avLst/>
           </a:prstGeom>
+          <a:solidFill>
+            <a:schemeClr val="bg1">
+              <a:lumMod val="95000"/>
+            </a:schemeClr>
+          </a:solidFill>
         </p:spPr>
         <p:style>
           <a:lnRef idx="1">
-            <a:schemeClr val="accent5"/>
+            <a:schemeClr val="accent3"/>
           </a:lnRef>
           <a:fillRef idx="2">
-            <a:schemeClr val="accent5"/>
+            <a:schemeClr val="accent3"/>
           </a:fillRef>
           <a:effectRef idx="1">
-            <a:schemeClr val="accent5"/>
+            <a:schemeClr val="accent3"/>
           </a:effectRef>
           <a:fontRef idx="minor">
             <a:schemeClr val="dk1"/>
@@ -27128,7 +27321,7 @@
             </a:r>
             <a:r>
               <a:rPr lang="nl-NL" dirty="0"/>
-              <a:t> van je model.</a:t>
+              <a:t> van het model.</a:t>
             </a:r>
           </a:p>
           <a:p>
@@ -27137,7 +27330,7 @@
           <a:p>
             <a:r>
               <a:rPr lang="nl-NL" dirty="0"/>
-              <a:t>Train je model op </a:t>
+              <a:t>Train op </a:t>
             </a:r>
             <a:r>
               <a:rPr lang="nl-NL" u="sng" dirty="0"/>
@@ -27145,15 +27338,7 @@
             </a:r>
             <a:r>
               <a:rPr lang="nl-NL" dirty="0"/>
-              <a:t> om zoveel </a:t>
-            </a:r>
-            <a:r>
-              <a:rPr lang="nl-NL"/>
-              <a:t>mogelijk informatie </a:t>
-            </a:r>
-            <a:r>
-              <a:rPr lang="nl-NL" dirty="0"/>
-              <a:t>te vangen.</a:t>
+              <a:t> om zoveel mogelijk informatie te vangen.</a:t>
             </a:r>
           </a:p>
         </p:txBody>
@@ -27178,16 +27363,21 @@
           <a:prstGeom prst="rect">
             <a:avLst/>
           </a:prstGeom>
+          <a:solidFill>
+            <a:schemeClr val="bg1">
+              <a:lumMod val="95000"/>
+            </a:schemeClr>
+          </a:solidFill>
         </p:spPr>
         <p:style>
           <a:lnRef idx="1">
-            <a:schemeClr val="accent4"/>
+            <a:schemeClr val="accent3"/>
           </a:lnRef>
           <a:fillRef idx="2">
-            <a:schemeClr val="accent4"/>
+            <a:schemeClr val="accent3"/>
           </a:fillRef>
           <a:effectRef idx="1">
-            <a:schemeClr val="accent4"/>
+            <a:schemeClr val="accent3"/>
           </a:effectRef>
           <a:fontRef idx="minor">
             <a:schemeClr val="dk1"/>
@@ -27229,7 +27419,7 @@
             </a:pPr>
             <a:r>
               <a:rPr lang="nl-NL" dirty="0"/>
-              <a:t>Techniek</a:t>
+              <a:t>Data</a:t>
             </a:r>
           </a:p>
           <a:p>
@@ -27239,7 +27429,7 @@
             </a:pPr>
             <a:r>
               <a:rPr lang="nl-NL" dirty="0"/>
-              <a:t>Gebruik</a:t>
+              <a:t>Techniek</a:t>
             </a:r>
           </a:p>
           <a:p>
@@ -27274,16 +27464,21 @@
           <a:prstGeom prst="rightArrow">
             <a:avLst/>
           </a:prstGeom>
+          <a:solidFill>
+            <a:schemeClr val="bg1">
+              <a:lumMod val="95000"/>
+            </a:schemeClr>
+          </a:solidFill>
         </p:spPr>
         <p:style>
           <a:lnRef idx="1">
-            <a:schemeClr val="accent6"/>
+            <a:schemeClr val="accent3"/>
           </a:lnRef>
           <a:fillRef idx="2">
-            <a:schemeClr val="accent6"/>
+            <a:schemeClr val="accent3"/>
           </a:fillRef>
           <a:effectRef idx="1">
-            <a:schemeClr val="accent6"/>
+            <a:schemeClr val="accent3"/>
           </a:effectRef>
           <a:fontRef idx="minor">
             <a:schemeClr val="dk1"/>
@@ -27318,16 +27513,21 @@
           <a:prstGeom prst="rightArrow">
             <a:avLst/>
           </a:prstGeom>
+          <a:solidFill>
+            <a:schemeClr val="bg1">
+              <a:lumMod val="95000"/>
+            </a:schemeClr>
+          </a:solidFill>
         </p:spPr>
         <p:style>
           <a:lnRef idx="1">
-            <a:schemeClr val="accent5"/>
+            <a:schemeClr val="accent3"/>
           </a:lnRef>
           <a:fillRef idx="2">
-            <a:schemeClr val="accent5"/>
+            <a:schemeClr val="accent3"/>
           </a:fillRef>
           <a:effectRef idx="1">
-            <a:schemeClr val="accent5"/>
+            <a:schemeClr val="accent3"/>
           </a:effectRef>
           <a:fontRef idx="minor">
             <a:schemeClr val="dk1"/>
@@ -27401,111 +27601,6 @@
           <a:lstStyle/>
           <a:p>
             <a:r>
-              <a:rPr lang="nl-NL" sz="3600" noProof="0" dirty="0" err="1"/>
-              <a:t>MLOps</a:t>
-            </a:r>
-            <a:r>
-              <a:rPr lang="nl-NL" sz="3600" noProof="0" dirty="0"/>
-              <a:t> cyclus</a:t>
-            </a:r>
-          </a:p>
-        </p:txBody>
-      </p:sp>
-      <p:pic>
-        <p:nvPicPr>
-          <p:cNvPr id="10" name="Picture 9">
-            <a:extLst>
-              <a:ext uri="{FF2B5EF4-FFF2-40B4-BE49-F238E27FC236}">
-                <a16:creationId xmlns:a16="http://schemas.microsoft.com/office/drawing/2014/main" id="{687C3E92-5216-597F-6D18-5A36D8DB7E4C}"/>
-              </a:ext>
-            </a:extLst>
-          </p:cNvPr>
-          <p:cNvPicPr>
-            <a:picLocks noChangeAspect="1"/>
-          </p:cNvPicPr>
-          <p:nvPr/>
-        </p:nvPicPr>
-        <p:blipFill>
-          <a:blip r:embed="rId2">
-            <a:extLst>
-              <a:ext uri="{28A0092B-C50C-407E-A947-70E740481C1C}">
-                <a14:useLocalDpi xmlns:a14="http://schemas.microsoft.com/office/drawing/2010/main" val="0"/>
-              </a:ext>
-            </a:extLst>
-          </a:blip>
-          <a:stretch>
-            <a:fillRect/>
-          </a:stretch>
-        </p:blipFill>
-        <p:spPr>
-          <a:xfrm>
-            <a:off x="2235720" y="1687460"/>
-            <a:ext cx="7720559" cy="3920328"/>
-          </a:xfrm>
-          <a:prstGeom prst="rect">
-            <a:avLst/>
-          </a:prstGeom>
-        </p:spPr>
-      </p:pic>
-    </p:spTree>
-    <p:extLst>
-      <p:ext uri="{BB962C8B-B14F-4D97-AF65-F5344CB8AC3E}">
-        <p14:creationId xmlns:p14="http://schemas.microsoft.com/office/powerpoint/2010/main" val="4164616908"/>
-      </p:ext>
-    </p:extLst>
-  </p:cSld>
-  <p:clrMapOvr>
-    <a:masterClrMapping/>
-  </p:clrMapOvr>
-</p:sld>
-</file>
-
-<file path=ppt/slides/slide45.xml><?xml version="1.0" encoding="utf-8"?>
-<p:sld xmlns:a="http://schemas.openxmlformats.org/drawingml/2006/main" xmlns:r="http://schemas.openxmlformats.org/officeDocument/2006/relationships" xmlns:p="http://schemas.openxmlformats.org/presentationml/2006/main">
-  <p:cSld>
-    <p:spTree>
-      <p:nvGrpSpPr>
-        <p:cNvPr id="1" name=""/>
-        <p:cNvGrpSpPr/>
-        <p:nvPr/>
-      </p:nvGrpSpPr>
-      <p:grpSpPr>
-        <a:xfrm>
-          <a:off x="0" y="0"/>
-          <a:ext cx="0" cy="0"/>
-          <a:chOff x="0" y="0"/>
-          <a:chExt cx="0" cy="0"/>
-        </a:xfrm>
-      </p:grpSpPr>
-      <p:sp>
-        <p:nvSpPr>
-          <p:cNvPr id="2" name="Title 1">
-            <a:extLst>
-              <a:ext uri="{FF2B5EF4-FFF2-40B4-BE49-F238E27FC236}">
-                <a16:creationId xmlns:a16="http://schemas.microsoft.com/office/drawing/2014/main" id="{39A1D606-8DD1-369C-5C09-471CDD551AD5}"/>
-              </a:ext>
-            </a:extLst>
-          </p:cNvPr>
-          <p:cNvSpPr>
-            <a:spLocks noGrp="1"/>
-          </p:cNvSpPr>
-          <p:nvPr>
-            <p:ph type="title"/>
-          </p:nvPr>
-        </p:nvSpPr>
-        <p:spPr>
-          <a:xfrm>
-            <a:off x="838200" y="365126"/>
-            <a:ext cx="10515600" cy="718608"/>
-          </a:xfrm>
-        </p:spPr>
-        <p:txBody>
-          <a:bodyPr>
-            <a:normAutofit/>
-          </a:bodyPr>
-          <a:lstStyle/>
-          <a:p>
-            <a:r>
               <a:rPr lang="nl-NL" sz="3600" dirty="0"/>
               <a:t>Naar productie!</a:t>
             </a:r>
@@ -27527,22 +27622,27 @@
         </p:nvSpPr>
         <p:spPr>
           <a:xfrm>
-            <a:off x="1119052" y="3494312"/>
-            <a:ext cx="2440577" cy="2070463"/>
+            <a:off x="1037720" y="3291317"/>
+            <a:ext cx="2044042" cy="779976"/>
           </a:xfrm>
           <a:prstGeom prst="rect">
             <a:avLst/>
           </a:prstGeom>
+          <a:solidFill>
+            <a:schemeClr val="bg1">
+              <a:lumMod val="85000"/>
+            </a:schemeClr>
+          </a:solidFill>
         </p:spPr>
         <p:style>
           <a:lnRef idx="1">
-            <a:schemeClr val="accent6"/>
+            <a:schemeClr val="accent3"/>
           </a:lnRef>
           <a:fillRef idx="2">
-            <a:schemeClr val="accent6"/>
+            <a:schemeClr val="accent3"/>
           </a:fillRef>
           <a:effectRef idx="1">
-            <a:schemeClr val="accent6"/>
+            <a:schemeClr val="accent3"/>
           </a:effectRef>
           <a:fontRef idx="minor">
             <a:schemeClr val="dk1"/>
@@ -27554,7 +27654,7 @@
           <a:p>
             <a:pPr algn="ctr"/>
             <a:r>
-              <a:rPr lang="nl-NL"/>
+              <a:rPr lang="nl-NL" sz="1600" dirty="0"/>
               <a:t>Training omgeving</a:t>
             </a:r>
           </a:p>
@@ -27574,22 +27674,27 @@
         </p:nvSpPr>
         <p:spPr>
           <a:xfrm>
-            <a:off x="6510750" y="3494313"/>
-            <a:ext cx="2440577" cy="2070463"/>
+            <a:off x="6066947" y="3291318"/>
+            <a:ext cx="2044042" cy="777240"/>
           </a:xfrm>
           <a:prstGeom prst="rect">
             <a:avLst/>
           </a:prstGeom>
+          <a:solidFill>
+            <a:schemeClr val="bg1">
+              <a:lumMod val="85000"/>
+            </a:schemeClr>
+          </a:solidFill>
         </p:spPr>
         <p:style>
           <a:lnRef idx="1">
-            <a:schemeClr val="accent5"/>
+            <a:schemeClr val="accent3"/>
           </a:lnRef>
           <a:fillRef idx="2">
-            <a:schemeClr val="accent5"/>
+            <a:schemeClr val="accent3"/>
           </a:fillRef>
           <a:effectRef idx="1">
-            <a:schemeClr val="accent5"/>
+            <a:schemeClr val="accent3"/>
           </a:effectRef>
           <a:fontRef idx="minor">
             <a:schemeClr val="dk1"/>
@@ -27601,7 +27706,7 @@
           <a:p>
             <a:pPr algn="ctr"/>
             <a:r>
-              <a:rPr lang="nl-NL" dirty="0"/>
+              <a:rPr lang="nl-NL" sz="1600" dirty="0"/>
               <a:t>Scoring omgeving</a:t>
             </a:r>
           </a:p>
@@ -27621,12 +27726,18 @@
         </p:nvSpPr>
         <p:spPr>
           <a:xfrm>
-            <a:off x="1119052" y="1774459"/>
-            <a:ext cx="2440577" cy="947057"/>
+            <a:off x="1037720" y="1688324"/>
+            <a:ext cx="2044042" cy="779976"/>
           </a:xfrm>
           <a:prstGeom prst="rect">
             <a:avLst/>
           </a:prstGeom>
+          <a:solidFill>
+            <a:schemeClr val="accent4">
+              <a:lumMod val="40000"/>
+              <a:lumOff val="60000"/>
+            </a:schemeClr>
+          </a:solidFill>
         </p:spPr>
         <p:style>
           <a:lnRef idx="1">
@@ -27648,7 +27759,7 @@
           <a:p>
             <a:pPr algn="ctr"/>
             <a:r>
-              <a:rPr lang="nl-NL"/>
+              <a:rPr lang="nl-NL" sz="1600" dirty="0"/>
               <a:t>Training Data</a:t>
             </a:r>
           </a:p>
@@ -27668,12 +27779,18 @@
         </p:nvSpPr>
         <p:spPr>
           <a:xfrm>
-            <a:off x="6510749" y="1774459"/>
-            <a:ext cx="2440577" cy="947057"/>
+            <a:off x="6066946" y="1688324"/>
+            <a:ext cx="2044042" cy="779976"/>
           </a:xfrm>
           <a:prstGeom prst="rect">
             <a:avLst/>
           </a:prstGeom>
+          <a:solidFill>
+            <a:schemeClr val="accent4">
+              <a:lumMod val="40000"/>
+              <a:lumOff val="60000"/>
+            </a:schemeClr>
+          </a:solidFill>
         </p:spPr>
         <p:style>
           <a:lnRef idx="1">
@@ -27695,55 +27812,8 @@
           <a:p>
             <a:pPr algn="ctr"/>
             <a:r>
-              <a:rPr lang="nl-NL"/>
+              <a:rPr lang="nl-NL" sz="1600" dirty="0"/>
               <a:t>Scoring Data</a:t>
-            </a:r>
-          </a:p>
-        </p:txBody>
-      </p:sp>
-      <p:sp>
-        <p:nvSpPr>
-          <p:cNvPr id="14" name="Rectangle: Rounded Corners 13">
-            <a:extLst>
-              <a:ext uri="{FF2B5EF4-FFF2-40B4-BE49-F238E27FC236}">
-                <a16:creationId xmlns:a16="http://schemas.microsoft.com/office/drawing/2014/main" id="{09717716-BF59-0EB3-97A8-9968CA5A1E00}"/>
-              </a:ext>
-            </a:extLst>
-          </p:cNvPr>
-          <p:cNvSpPr/>
-          <p:nvPr/>
-        </p:nvSpPr>
-        <p:spPr>
-          <a:xfrm>
-            <a:off x="9639850" y="4139222"/>
-            <a:ext cx="1574074" cy="777240"/>
-          </a:xfrm>
-          <a:prstGeom prst="roundRect">
-            <a:avLst/>
-          </a:prstGeom>
-        </p:spPr>
-        <p:style>
-          <a:lnRef idx="1">
-            <a:schemeClr val="accent5"/>
-          </a:lnRef>
-          <a:fillRef idx="2">
-            <a:schemeClr val="accent5"/>
-          </a:fillRef>
-          <a:effectRef idx="1">
-            <a:schemeClr val="accent5"/>
-          </a:effectRef>
-          <a:fontRef idx="minor">
-            <a:schemeClr val="dk1"/>
-          </a:fontRef>
-        </p:style>
-        <p:txBody>
-          <a:bodyPr rtlCol="0" anchor="ctr"/>
-          <a:lstStyle/>
-          <a:p>
-            <a:pPr algn="ctr"/>
-            <a:r>
-              <a:rPr lang="nl-NL" dirty="0"/>
-              <a:t>Voorspelling</a:t>
             </a:r>
           </a:p>
         </p:txBody>
@@ -27765,9 +27835,9 @@
           <p:nvPr/>
         </p:nvCxnSpPr>
         <p:spPr>
-          <a:xfrm flipV="1">
-            <a:off x="3559629" y="4527841"/>
-            <a:ext cx="688523" cy="1703"/>
+          <a:xfrm>
+            <a:off x="3081762" y="3681305"/>
+            <a:ext cx="715990" cy="1368"/>
           </a:xfrm>
           <a:prstGeom prst="straightConnector1">
             <a:avLst/>
@@ -27808,9 +27878,9 @@
           <p:nvPr/>
         </p:nvCxnSpPr>
         <p:spPr>
-          <a:xfrm>
-            <a:off x="5822226" y="4527841"/>
-            <a:ext cx="688524" cy="1704"/>
+          <a:xfrm flipV="1">
+            <a:off x="5350957" y="3679938"/>
+            <a:ext cx="715990" cy="2735"/>
           </a:xfrm>
           <a:prstGeom prst="straightConnector1">
             <a:avLst/>
@@ -27844,15 +27914,15 @@
             </a:extLst>
           </p:cNvPr>
           <p:cNvCxnSpPr>
+            <a:cxnSpLocks/>
             <a:stCxn id="7" idx="3"/>
-            <a:endCxn id="14" idx="1"/>
           </p:cNvCxnSpPr>
           <p:nvPr/>
         </p:nvCxnSpPr>
         <p:spPr>
-          <a:xfrm flipV="1">
-            <a:off x="8951327" y="4527842"/>
-            <a:ext cx="688523" cy="1703"/>
+          <a:xfrm>
+            <a:off x="8110989" y="3679938"/>
+            <a:ext cx="1057592" cy="2736"/>
           </a:xfrm>
           <a:prstGeom prst="straightConnector1">
             <a:avLst/>
@@ -27886,6 +27956,7 @@
             </a:extLst>
           </p:cNvPr>
           <p:cNvCxnSpPr>
+            <a:cxnSpLocks/>
             <a:stCxn id="8" idx="2"/>
             <a:endCxn id="6" idx="0"/>
           </p:cNvCxnSpPr>
@@ -27893,8 +27964,8 @@
         </p:nvCxnSpPr>
         <p:spPr>
           <a:xfrm>
-            <a:off x="2339341" y="2721516"/>
-            <a:ext cx="0" cy="772796"/>
+            <a:off x="2059741" y="2468300"/>
+            <a:ext cx="0" cy="823017"/>
           </a:xfrm>
           <a:prstGeom prst="straightConnector1">
             <a:avLst/>
@@ -27928,6 +27999,7 @@
             </a:extLst>
           </p:cNvPr>
           <p:cNvCxnSpPr>
+            <a:cxnSpLocks/>
             <a:stCxn id="9" idx="2"/>
             <a:endCxn id="7" idx="0"/>
           </p:cNvCxnSpPr>
@@ -27935,8 +28007,8 @@
         </p:nvCxnSpPr>
         <p:spPr>
           <a:xfrm>
-            <a:off x="7731038" y="2721516"/>
-            <a:ext cx="1" cy="772797"/>
+            <a:off x="7088967" y="2468300"/>
+            <a:ext cx="1" cy="823018"/>
           </a:xfrm>
           <a:prstGeom prst="straightConnector1">
             <a:avLst/>
@@ -27974,12 +28046,18 @@
         </p:nvSpPr>
         <p:spPr>
           <a:xfrm>
-            <a:off x="4248152" y="4139221"/>
-            <a:ext cx="1574074" cy="777240"/>
+            <a:off x="3797752" y="3294053"/>
+            <a:ext cx="1553205" cy="777240"/>
           </a:xfrm>
           <a:prstGeom prst="roundRect">
             <a:avLst/>
           </a:prstGeom>
+          <a:solidFill>
+            <a:schemeClr val="accent6">
+              <a:lumMod val="40000"/>
+              <a:lumOff val="60000"/>
+            </a:schemeClr>
+          </a:solidFill>
         </p:spPr>
         <p:style>
           <a:lnRef idx="1">
@@ -28001,7 +28079,7 @@
           <a:p>
             <a:pPr algn="ctr"/>
             <a:r>
-              <a:rPr lang="nl-NL" dirty="0"/>
+              <a:rPr lang="nl-NL" sz="1600" dirty="0"/>
               <a:t>Model</a:t>
             </a:r>
           </a:p>
@@ -28021,7 +28099,7 @@
         </p:nvGrpSpPr>
         <p:grpSpPr>
           <a:xfrm>
-            <a:off x="4518768" y="1631858"/>
+            <a:off x="1543320" y="4198597"/>
             <a:ext cx="1032841" cy="1232258"/>
             <a:chOff x="4518061" y="1732274"/>
             <a:chExt cx="1032841" cy="1232258"/>
@@ -28103,86 +28181,6 @@
           </p:txBody>
         </p:sp>
       </p:grpSp>
-      <p:cxnSp>
-        <p:nvCxnSpPr>
-          <p:cNvPr id="13" name="Straight Arrow Connector 12">
-            <a:extLst>
-              <a:ext uri="{FF2B5EF4-FFF2-40B4-BE49-F238E27FC236}">
-                <a16:creationId xmlns:a16="http://schemas.microsoft.com/office/drawing/2014/main" id="{E78001DC-506D-2869-D6A8-9379D514B144}"/>
-              </a:ext>
-            </a:extLst>
-          </p:cNvPr>
-          <p:cNvCxnSpPr>
-            <a:endCxn id="8" idx="3"/>
-          </p:cNvCxnSpPr>
-          <p:nvPr/>
-        </p:nvCxnSpPr>
-        <p:spPr>
-          <a:xfrm flipH="1">
-            <a:off x="3559629" y="2247987"/>
-            <a:ext cx="901334" cy="1"/>
-          </a:xfrm>
-          <a:prstGeom prst="straightConnector1">
-            <a:avLst/>
-          </a:prstGeom>
-          <a:ln>
-            <a:tailEnd type="triangle"/>
-          </a:ln>
-        </p:spPr>
-        <p:style>
-          <a:lnRef idx="3">
-            <a:schemeClr val="dk1"/>
-          </a:lnRef>
-          <a:fillRef idx="0">
-            <a:schemeClr val="dk1"/>
-          </a:fillRef>
-          <a:effectRef idx="2">
-            <a:schemeClr val="dk1"/>
-          </a:effectRef>
-          <a:fontRef idx="minor">
-            <a:schemeClr val="tx1"/>
-          </a:fontRef>
-        </p:style>
-      </p:cxnSp>
-      <p:cxnSp>
-        <p:nvCxnSpPr>
-          <p:cNvPr id="16" name="Straight Arrow Connector 15">
-            <a:extLst>
-              <a:ext uri="{FF2B5EF4-FFF2-40B4-BE49-F238E27FC236}">
-                <a16:creationId xmlns:a16="http://schemas.microsoft.com/office/drawing/2014/main" id="{5D29F043-07F8-B8F8-CD83-6489E6E77DA7}"/>
-              </a:ext>
-            </a:extLst>
-          </p:cNvPr>
-          <p:cNvCxnSpPr/>
-          <p:nvPr/>
-        </p:nvCxnSpPr>
-        <p:spPr>
-          <a:xfrm flipH="1">
-            <a:off x="3559629" y="2289022"/>
-            <a:ext cx="959139" cy="1203588"/>
-          </a:xfrm>
-          <a:prstGeom prst="straightConnector1">
-            <a:avLst/>
-          </a:prstGeom>
-          <a:ln>
-            <a:tailEnd type="triangle"/>
-          </a:ln>
-        </p:spPr>
-        <p:style>
-          <a:lnRef idx="3">
-            <a:schemeClr val="dk1"/>
-          </a:lnRef>
-          <a:fillRef idx="0">
-            <a:schemeClr val="dk1"/>
-          </a:fillRef>
-          <a:effectRef idx="2">
-            <a:schemeClr val="dk1"/>
-          </a:effectRef>
-          <a:fontRef idx="minor">
-            <a:schemeClr val="tx1"/>
-          </a:fontRef>
-        </p:style>
-      </p:cxnSp>
       <p:grpSp>
         <p:nvGrpSpPr>
           <p:cNvPr id="23" name="Group 22">
@@ -28197,10 +28195,10 @@
         </p:nvGrpSpPr>
         <p:grpSpPr>
           <a:xfrm>
-            <a:off x="9910033" y="1680049"/>
-            <a:ext cx="1033272" cy="1125738"/>
-            <a:chOff x="10039676" y="1605738"/>
-            <a:chExt cx="1033272" cy="1125738"/>
+            <a:off x="9190848" y="4156576"/>
+            <a:ext cx="1316300" cy="1368185"/>
+            <a:chOff x="10039672" y="1559991"/>
+            <a:chExt cx="1079020" cy="1121552"/>
           </a:xfrm>
         </p:grpSpPr>
         <p:pic>
@@ -28234,8 +28232,8 @@
           </p:blipFill>
           <p:spPr>
             <a:xfrm>
-              <a:off x="10039676" y="1605738"/>
-              <a:ext cx="1033272" cy="1033272"/>
+              <a:off x="10039672" y="1559991"/>
+              <a:ext cx="1079020" cy="1079020"/>
             </a:xfrm>
             <a:prstGeom prst="rect">
               <a:avLst/>
@@ -28257,7 +28255,7 @@
           <p:spPr>
             <a:xfrm>
               <a:off x="10138986" y="2454477"/>
-              <a:ext cx="861583" cy="276999"/>
+              <a:ext cx="861583" cy="227066"/>
             </a:xfrm>
             <a:prstGeom prst="rect">
               <a:avLst/>
@@ -28265,101 +28263,73 @@
             <a:noFill/>
           </p:spPr>
           <p:txBody>
-            <a:bodyPr wrap="none" rtlCol="0">
+            <a:bodyPr wrap="square" rtlCol="0">
               <a:spAutoFit/>
             </a:bodyPr>
             <a:lstStyle/>
             <a:p>
+              <a:pPr algn="ctr"/>
               <a:r>
-                <a:rPr lang="nl-NL" sz="1200"/>
+                <a:rPr lang="nl-NL" sz="1200" dirty="0"/>
                 <a:t>Gebruikers</a:t>
               </a:r>
             </a:p>
           </p:txBody>
         </p:sp>
       </p:grpSp>
-      <p:cxnSp>
-        <p:nvCxnSpPr>
-          <p:cNvPr id="30" name="Straight Arrow Connector 29">
-            <a:extLst>
-              <a:ext uri="{FF2B5EF4-FFF2-40B4-BE49-F238E27FC236}">
-                <a16:creationId xmlns:a16="http://schemas.microsoft.com/office/drawing/2014/main" id="{D79DA817-2FD0-8B66-B34D-1BD9480EEF1F}"/>
-              </a:ext>
-            </a:extLst>
-          </p:cNvPr>
-          <p:cNvCxnSpPr>
-            <a:endCxn id="9" idx="3"/>
-          </p:cNvCxnSpPr>
+      <p:sp>
+        <p:nvSpPr>
+          <p:cNvPr id="47" name="Rectangle 46">
+            <a:extLst>
+              <a:ext uri="{FF2B5EF4-FFF2-40B4-BE49-F238E27FC236}">
+                <a16:creationId xmlns:a16="http://schemas.microsoft.com/office/drawing/2014/main" id="{5630CB60-7519-B574-7E53-0D98C8E9854F}"/>
+              </a:ext>
+            </a:extLst>
+          </p:cNvPr>
+          <p:cNvSpPr/>
           <p:nvPr/>
-        </p:nvCxnSpPr>
+        </p:nvSpPr>
         <p:spPr>
-          <a:xfrm flipH="1">
-            <a:off x="8951326" y="2242918"/>
-            <a:ext cx="901333" cy="5070"/>
+          <a:xfrm>
+            <a:off x="8826977" y="3288582"/>
+            <a:ext cx="2044042" cy="779976"/>
           </a:xfrm>
-          <a:prstGeom prst="straightConnector1">
+          <a:prstGeom prst="rect">
             <a:avLst/>
           </a:prstGeom>
-          <a:ln>
-            <a:tailEnd type="triangle"/>
-          </a:ln>
+          <a:solidFill>
+            <a:schemeClr val="accent4">
+              <a:lumMod val="40000"/>
+              <a:lumOff val="60000"/>
+            </a:schemeClr>
+          </a:solidFill>
         </p:spPr>
         <p:style>
-          <a:lnRef idx="3">
-            <a:schemeClr val="dk1"/>
+          <a:lnRef idx="1">
+            <a:schemeClr val="accent4"/>
           </a:lnRef>
-          <a:fillRef idx="0">
-            <a:schemeClr val="dk1"/>
+          <a:fillRef idx="2">
+            <a:schemeClr val="accent4"/>
           </a:fillRef>
-          <a:effectRef idx="2">
-            <a:schemeClr val="dk1"/>
+          <a:effectRef idx="1">
+            <a:schemeClr val="accent4"/>
           </a:effectRef>
           <a:fontRef idx="minor">
-            <a:schemeClr val="tx1"/>
+            <a:schemeClr val="dk1"/>
           </a:fontRef>
         </p:style>
-      </p:cxnSp>
-      <p:cxnSp>
-        <p:nvCxnSpPr>
-          <p:cNvPr id="32" name="Straight Arrow Connector 31">
-            <a:extLst>
-              <a:ext uri="{FF2B5EF4-FFF2-40B4-BE49-F238E27FC236}">
-                <a16:creationId xmlns:a16="http://schemas.microsoft.com/office/drawing/2014/main" id="{CD99A209-B0FF-CF20-021E-FE29DED8E91F}"/>
-              </a:ext>
-            </a:extLst>
-          </p:cNvPr>
-          <p:cNvCxnSpPr>
-            <a:endCxn id="21" idx="2"/>
-          </p:cNvCxnSpPr>
-          <p:nvPr/>
-        </p:nvCxnSpPr>
-        <p:spPr>
-          <a:xfrm flipV="1">
-            <a:off x="10426669" y="2805787"/>
-            <a:ext cx="13466" cy="1249164"/>
-          </a:xfrm>
-          <a:prstGeom prst="straightConnector1">
-            <a:avLst/>
-          </a:prstGeom>
-          <a:ln>
-            <a:tailEnd type="triangle"/>
-          </a:ln>
-        </p:spPr>
-        <p:style>
-          <a:lnRef idx="3">
-            <a:schemeClr val="dk1"/>
-          </a:lnRef>
-          <a:fillRef idx="0">
-            <a:schemeClr val="dk1"/>
-          </a:fillRef>
-          <a:effectRef idx="2">
-            <a:schemeClr val="dk1"/>
-          </a:effectRef>
-          <a:fontRef idx="minor">
-            <a:schemeClr val="tx1"/>
-          </a:fontRef>
-        </p:style>
-      </p:cxnSp>
+        <p:txBody>
+          <a:bodyPr rtlCol="0" anchor="ctr"/>
+          <a:lstStyle/>
+          <a:p>
+            <a:pPr algn="ctr"/>
+            <a:r>
+              <a:rPr lang="nl-NL" sz="1600" dirty="0"/>
+              <a:t>Voorspellingen</a:t>
+            </a:r>
+          </a:p>
+        </p:txBody>
+      </p:sp>
     </p:spTree>
     <p:extLst>
       <p:ext uri="{BB962C8B-B14F-4D97-AF65-F5344CB8AC3E}">
@@ -28373,12 +28343,18 @@
 </p:sld>
 </file>
 
-<file path=ppt/slides/slide46.xml><?xml version="1.0" encoding="utf-8"?>
+<file path=ppt/slides/slide45.xml><?xml version="1.0" encoding="utf-8"?>
 <p:sld xmlns:a="http://schemas.openxmlformats.org/drawingml/2006/main" xmlns:r="http://schemas.openxmlformats.org/officeDocument/2006/relationships" xmlns:p="http://schemas.openxmlformats.org/presentationml/2006/main">
   <p:cSld>
     <p:spTree>
       <p:nvGrpSpPr>
-        <p:cNvPr id="1" name=""/>
+        <p:cNvPr id="1" name="">
+          <a:extLst>
+            <a:ext uri="{FF2B5EF4-FFF2-40B4-BE49-F238E27FC236}">
+              <a16:creationId xmlns:a16="http://schemas.microsoft.com/office/drawing/2014/main" id="{27966BF5-D331-3F15-A2E3-68DA32D5039F}"/>
+            </a:ext>
+          </a:extLst>
+        </p:cNvPr>
         <p:cNvGrpSpPr/>
         <p:nvPr/>
       </p:nvGrpSpPr>
@@ -28395,7 +28371,7 @@
           <p:cNvPr id="2" name="Title 1">
             <a:extLst>
               <a:ext uri="{FF2B5EF4-FFF2-40B4-BE49-F238E27FC236}">
-                <a16:creationId xmlns:a16="http://schemas.microsoft.com/office/drawing/2014/main" id="{39A1D606-8DD1-369C-5C09-471CDD551AD5}"/>
+                <a16:creationId xmlns:a16="http://schemas.microsoft.com/office/drawing/2014/main" id="{9BAE9E41-88CA-9205-3B95-1CB90F64A5B4}"/>
               </a:ext>
             </a:extLst>
           </p:cNvPr>
@@ -28420,7 +28396,7 @@
           <a:p>
             <a:r>
               <a:rPr lang="nl-NL" sz="3600" dirty="0"/>
-              <a:t>Productie problemen</a:t>
+              <a:t>Naar productie!</a:t>
             </a:r>
             <a:endParaRPr lang="nl-NL" sz="3600" noProof="0" dirty="0"/>
           </a:p>
@@ -28431,7 +28407,7 @@
           <p:cNvPr id="6" name="Rectangle 5">
             <a:extLst>
               <a:ext uri="{FF2B5EF4-FFF2-40B4-BE49-F238E27FC236}">
-                <a16:creationId xmlns:a16="http://schemas.microsoft.com/office/drawing/2014/main" id="{B32E2B49-6A16-A1DE-7F5E-041E6F9732FF}"/>
+                <a16:creationId xmlns:a16="http://schemas.microsoft.com/office/drawing/2014/main" id="{12973E4F-11F2-5280-8E0B-5CB21008AC5E}"/>
               </a:ext>
             </a:extLst>
           </p:cNvPr>
@@ -28440,22 +28416,27 @@
         </p:nvSpPr>
         <p:spPr>
           <a:xfrm>
-            <a:off x="1119052" y="3494312"/>
-            <a:ext cx="2440577" cy="2070463"/>
+            <a:off x="1037720" y="3291317"/>
+            <a:ext cx="2044042" cy="779976"/>
           </a:xfrm>
           <a:prstGeom prst="rect">
             <a:avLst/>
           </a:prstGeom>
+          <a:solidFill>
+            <a:schemeClr val="bg1">
+              <a:lumMod val="85000"/>
+            </a:schemeClr>
+          </a:solidFill>
         </p:spPr>
         <p:style>
           <a:lnRef idx="1">
-            <a:schemeClr val="accent6"/>
+            <a:schemeClr val="accent3"/>
           </a:lnRef>
           <a:fillRef idx="2">
-            <a:schemeClr val="accent6"/>
+            <a:schemeClr val="accent3"/>
           </a:fillRef>
           <a:effectRef idx="1">
-            <a:schemeClr val="accent6"/>
+            <a:schemeClr val="accent3"/>
           </a:effectRef>
           <a:fontRef idx="minor">
             <a:schemeClr val="dk1"/>
@@ -28467,7 +28448,7 @@
           <a:p>
             <a:pPr algn="ctr"/>
             <a:r>
-              <a:rPr lang="nl-NL"/>
+              <a:rPr lang="nl-NL" sz="1600" dirty="0"/>
               <a:t>Training omgeving</a:t>
             </a:r>
           </a:p>
@@ -28478,7 +28459,7 @@
           <p:cNvPr id="7" name="Rectangle 6">
             <a:extLst>
               <a:ext uri="{FF2B5EF4-FFF2-40B4-BE49-F238E27FC236}">
-                <a16:creationId xmlns:a16="http://schemas.microsoft.com/office/drawing/2014/main" id="{D7AC7AB4-D61A-0671-093A-D3C8149D6127}"/>
+                <a16:creationId xmlns:a16="http://schemas.microsoft.com/office/drawing/2014/main" id="{17C85584-1C84-3D9A-C9A7-332863021C00}"/>
               </a:ext>
             </a:extLst>
           </p:cNvPr>
@@ -28487,22 +28468,27 @@
         </p:nvSpPr>
         <p:spPr>
           <a:xfrm>
-            <a:off x="6510750" y="3494313"/>
-            <a:ext cx="2440577" cy="2070463"/>
+            <a:off x="6066947" y="3291318"/>
+            <a:ext cx="2044042" cy="777240"/>
           </a:xfrm>
           <a:prstGeom prst="rect">
             <a:avLst/>
           </a:prstGeom>
+          <a:solidFill>
+            <a:schemeClr val="bg1">
+              <a:lumMod val="85000"/>
+            </a:schemeClr>
+          </a:solidFill>
         </p:spPr>
         <p:style>
           <a:lnRef idx="1">
-            <a:schemeClr val="accent5"/>
+            <a:schemeClr val="accent3"/>
           </a:lnRef>
           <a:fillRef idx="2">
-            <a:schemeClr val="accent5"/>
+            <a:schemeClr val="accent3"/>
           </a:fillRef>
           <a:effectRef idx="1">
-            <a:schemeClr val="accent5"/>
+            <a:schemeClr val="accent3"/>
           </a:effectRef>
           <a:fontRef idx="minor">
             <a:schemeClr val="dk1"/>
@@ -28514,7 +28500,7 @@
           <a:p>
             <a:pPr algn="ctr"/>
             <a:r>
-              <a:rPr lang="nl-NL" dirty="0"/>
+              <a:rPr lang="nl-NL" sz="1600" dirty="0"/>
               <a:t>Scoring omgeving</a:t>
             </a:r>
           </a:p>
@@ -28525,7 +28511,7 @@
           <p:cNvPr id="8" name="Rectangle 7">
             <a:extLst>
               <a:ext uri="{FF2B5EF4-FFF2-40B4-BE49-F238E27FC236}">
-                <a16:creationId xmlns:a16="http://schemas.microsoft.com/office/drawing/2014/main" id="{21BF7B99-FC60-5852-E264-562437EEA80E}"/>
+                <a16:creationId xmlns:a16="http://schemas.microsoft.com/office/drawing/2014/main" id="{38DFBDA3-C3BC-E73F-CAC6-1054AE81D6DB}"/>
               </a:ext>
             </a:extLst>
           </p:cNvPr>
@@ -28534,12 +28520,18 @@
         </p:nvSpPr>
         <p:spPr>
           <a:xfrm>
-            <a:off x="1119052" y="1774459"/>
-            <a:ext cx="2440577" cy="947057"/>
+            <a:off x="1037720" y="1688324"/>
+            <a:ext cx="2044042" cy="779976"/>
           </a:xfrm>
           <a:prstGeom prst="rect">
             <a:avLst/>
           </a:prstGeom>
+          <a:solidFill>
+            <a:schemeClr val="accent4">
+              <a:lumMod val="40000"/>
+              <a:lumOff val="60000"/>
+            </a:schemeClr>
+          </a:solidFill>
         </p:spPr>
         <p:style>
           <a:lnRef idx="1">
@@ -28561,7 +28553,7 @@
           <a:p>
             <a:pPr algn="ctr"/>
             <a:r>
-              <a:rPr lang="nl-NL"/>
+              <a:rPr lang="nl-NL" sz="1600" dirty="0"/>
               <a:t>Training Data</a:t>
             </a:r>
           </a:p>
@@ -28572,7 +28564,7 @@
           <p:cNvPr id="9" name="Rectangle 8">
             <a:extLst>
               <a:ext uri="{FF2B5EF4-FFF2-40B4-BE49-F238E27FC236}">
-                <a16:creationId xmlns:a16="http://schemas.microsoft.com/office/drawing/2014/main" id="{2ABCA7DB-5B45-060C-B58D-6E39BE3475FB}"/>
+                <a16:creationId xmlns:a16="http://schemas.microsoft.com/office/drawing/2014/main" id="{FD42880F-C09E-8222-3930-C042DEA7DF7F}"/>
               </a:ext>
             </a:extLst>
           </p:cNvPr>
@@ -28581,12 +28573,18 @@
         </p:nvSpPr>
         <p:spPr>
           <a:xfrm>
-            <a:off x="6510749" y="1774459"/>
-            <a:ext cx="2440577" cy="947057"/>
+            <a:off x="6066946" y="1688324"/>
+            <a:ext cx="2044042" cy="779976"/>
           </a:xfrm>
           <a:prstGeom prst="rect">
             <a:avLst/>
           </a:prstGeom>
+          <a:solidFill>
+            <a:schemeClr val="accent4">
+              <a:lumMod val="40000"/>
+              <a:lumOff val="60000"/>
+            </a:schemeClr>
+          </a:solidFill>
         </p:spPr>
         <p:style>
           <a:lnRef idx="1">
@@ -28608,55 +28606,8 @@
           <a:p>
             <a:pPr algn="ctr"/>
             <a:r>
-              <a:rPr lang="nl-NL"/>
+              <a:rPr lang="nl-NL" sz="1600" dirty="0"/>
               <a:t>Scoring Data</a:t>
-            </a:r>
-          </a:p>
-        </p:txBody>
-      </p:sp>
-      <p:sp>
-        <p:nvSpPr>
-          <p:cNvPr id="14" name="Rectangle: Rounded Corners 13">
-            <a:extLst>
-              <a:ext uri="{FF2B5EF4-FFF2-40B4-BE49-F238E27FC236}">
-                <a16:creationId xmlns:a16="http://schemas.microsoft.com/office/drawing/2014/main" id="{09717716-BF59-0EB3-97A8-9968CA5A1E00}"/>
-              </a:ext>
-            </a:extLst>
-          </p:cNvPr>
-          <p:cNvSpPr/>
-          <p:nvPr/>
-        </p:nvSpPr>
-        <p:spPr>
-          <a:xfrm>
-            <a:off x="9639850" y="4139222"/>
-            <a:ext cx="1574074" cy="777240"/>
-          </a:xfrm>
-          <a:prstGeom prst="roundRect">
-            <a:avLst/>
-          </a:prstGeom>
-        </p:spPr>
-        <p:style>
-          <a:lnRef idx="1">
-            <a:schemeClr val="accent5"/>
-          </a:lnRef>
-          <a:fillRef idx="2">
-            <a:schemeClr val="accent5"/>
-          </a:fillRef>
-          <a:effectRef idx="1">
-            <a:schemeClr val="accent5"/>
-          </a:effectRef>
-          <a:fontRef idx="minor">
-            <a:schemeClr val="dk1"/>
-          </a:fontRef>
-        </p:style>
-        <p:txBody>
-          <a:bodyPr rtlCol="0" anchor="ctr"/>
-          <a:lstStyle/>
-          <a:p>
-            <a:pPr algn="ctr"/>
-            <a:r>
-              <a:rPr lang="nl-NL" dirty="0"/>
-              <a:t>Voorspelling</a:t>
             </a:r>
           </a:p>
         </p:txBody>
@@ -28666,7 +28617,7 @@
           <p:cNvPr id="17" name="Straight Arrow Connector 16">
             <a:extLst>
               <a:ext uri="{FF2B5EF4-FFF2-40B4-BE49-F238E27FC236}">
-                <a16:creationId xmlns:a16="http://schemas.microsoft.com/office/drawing/2014/main" id="{9AA1BFE4-AECF-A957-D0D5-5B89FE926C2D}"/>
+                <a16:creationId xmlns:a16="http://schemas.microsoft.com/office/drawing/2014/main" id="{71E45207-B8D6-C242-44B2-F0C49A01EF73}"/>
               </a:ext>
             </a:extLst>
           </p:cNvPr>
@@ -28678,9 +28629,9 @@
           <p:nvPr/>
         </p:nvCxnSpPr>
         <p:spPr>
-          <a:xfrm flipV="1">
-            <a:off x="3559629" y="4527841"/>
-            <a:ext cx="688523" cy="1703"/>
+          <a:xfrm>
+            <a:off x="3081762" y="3681305"/>
+            <a:ext cx="715990" cy="1368"/>
           </a:xfrm>
           <a:prstGeom prst="straightConnector1">
             <a:avLst/>
@@ -28709,7 +28660,7 @@
           <p:cNvPr id="19" name="Straight Arrow Connector 18">
             <a:extLst>
               <a:ext uri="{FF2B5EF4-FFF2-40B4-BE49-F238E27FC236}">
-                <a16:creationId xmlns:a16="http://schemas.microsoft.com/office/drawing/2014/main" id="{732D8E31-4E5A-53C3-967E-9B05BD33FA82}"/>
+                <a16:creationId xmlns:a16="http://schemas.microsoft.com/office/drawing/2014/main" id="{27E2CC09-EED1-8A65-8707-8F786699FB4D}"/>
               </a:ext>
             </a:extLst>
           </p:cNvPr>
@@ -28721,9 +28672,9 @@
           <p:nvPr/>
         </p:nvCxnSpPr>
         <p:spPr>
-          <a:xfrm>
-            <a:off x="5822226" y="4527841"/>
-            <a:ext cx="688524" cy="1704"/>
+          <a:xfrm flipV="1">
+            <a:off x="5350957" y="3679938"/>
+            <a:ext cx="715990" cy="2735"/>
           </a:xfrm>
           <a:prstGeom prst="straightConnector1">
             <a:avLst/>
@@ -28752,20 +28703,20 @@
           <p:cNvPr id="22" name="Straight Arrow Connector 21">
             <a:extLst>
               <a:ext uri="{FF2B5EF4-FFF2-40B4-BE49-F238E27FC236}">
-                <a16:creationId xmlns:a16="http://schemas.microsoft.com/office/drawing/2014/main" id="{BD591FEB-E40A-5883-527D-5C938694ACFB}"/>
+                <a16:creationId xmlns:a16="http://schemas.microsoft.com/office/drawing/2014/main" id="{819465CF-CBE4-4532-CFA2-28A2A3E1B87B}"/>
               </a:ext>
             </a:extLst>
           </p:cNvPr>
           <p:cNvCxnSpPr>
+            <a:cxnSpLocks/>
             <a:stCxn id="7" idx="3"/>
-            <a:endCxn id="14" idx="1"/>
           </p:cNvCxnSpPr>
           <p:nvPr/>
         </p:nvCxnSpPr>
         <p:spPr>
-          <a:xfrm flipV="1">
-            <a:off x="8951327" y="4527842"/>
-            <a:ext cx="688523" cy="1703"/>
+          <a:xfrm>
+            <a:off x="8110989" y="3679938"/>
+            <a:ext cx="1057592" cy="2736"/>
           </a:xfrm>
           <a:prstGeom prst="straightConnector1">
             <a:avLst/>
@@ -28794,11 +28745,12 @@
           <p:cNvPr id="24" name="Straight Arrow Connector 23">
             <a:extLst>
               <a:ext uri="{FF2B5EF4-FFF2-40B4-BE49-F238E27FC236}">
-                <a16:creationId xmlns:a16="http://schemas.microsoft.com/office/drawing/2014/main" id="{926D003C-9F25-39B0-F989-A5E70674A1AA}"/>
+                <a16:creationId xmlns:a16="http://schemas.microsoft.com/office/drawing/2014/main" id="{CDD5655E-8EEF-7848-584E-103E316BFC2A}"/>
               </a:ext>
             </a:extLst>
           </p:cNvPr>
           <p:cNvCxnSpPr>
+            <a:cxnSpLocks/>
             <a:stCxn id="8" idx="2"/>
             <a:endCxn id="6" idx="0"/>
           </p:cNvCxnSpPr>
@@ -28806,8 +28758,8 @@
         </p:nvCxnSpPr>
         <p:spPr>
           <a:xfrm>
-            <a:off x="2339341" y="2721516"/>
-            <a:ext cx="0" cy="772796"/>
+            <a:off x="2059741" y="2468300"/>
+            <a:ext cx="0" cy="823017"/>
           </a:xfrm>
           <a:prstGeom prst="straightConnector1">
             <a:avLst/>
@@ -28836,11 +28788,12 @@
           <p:cNvPr id="26" name="Straight Arrow Connector 25">
             <a:extLst>
               <a:ext uri="{FF2B5EF4-FFF2-40B4-BE49-F238E27FC236}">
-                <a16:creationId xmlns:a16="http://schemas.microsoft.com/office/drawing/2014/main" id="{53338556-318B-747A-4F1C-21E738F16174}"/>
+                <a16:creationId xmlns:a16="http://schemas.microsoft.com/office/drawing/2014/main" id="{8EC14076-09E3-C285-F2CD-E04BC3232AA2}"/>
               </a:ext>
             </a:extLst>
           </p:cNvPr>
           <p:cNvCxnSpPr>
+            <a:cxnSpLocks/>
             <a:stCxn id="9" idx="2"/>
             <a:endCxn id="7" idx="0"/>
           </p:cNvCxnSpPr>
@@ -28848,8 +28801,8 @@
         </p:nvCxnSpPr>
         <p:spPr>
           <a:xfrm>
-            <a:off x="7731038" y="2721516"/>
-            <a:ext cx="1" cy="772797"/>
+            <a:off x="7088967" y="2468300"/>
+            <a:ext cx="1" cy="823018"/>
           </a:xfrm>
           <a:prstGeom prst="straightConnector1">
             <a:avLst/>
@@ -28878,7 +28831,7 @@
           <p:cNvPr id="29" name="Rectangle: Rounded Corners 28">
             <a:extLst>
               <a:ext uri="{FF2B5EF4-FFF2-40B4-BE49-F238E27FC236}">
-                <a16:creationId xmlns:a16="http://schemas.microsoft.com/office/drawing/2014/main" id="{863D9589-CDB7-2989-9954-8509CA1E905A}"/>
+                <a16:creationId xmlns:a16="http://schemas.microsoft.com/office/drawing/2014/main" id="{8EE5DB75-93EA-E457-EFCA-79FDBCD433A3}"/>
               </a:ext>
             </a:extLst>
           </p:cNvPr>
@@ -28887,12 +28840,18 @@
         </p:nvSpPr>
         <p:spPr>
           <a:xfrm>
-            <a:off x="4248152" y="4139221"/>
-            <a:ext cx="1574074" cy="777240"/>
+            <a:off x="3797752" y="3294053"/>
+            <a:ext cx="1553205" cy="777240"/>
           </a:xfrm>
           <a:prstGeom prst="roundRect">
             <a:avLst/>
           </a:prstGeom>
+          <a:solidFill>
+            <a:schemeClr val="accent6">
+              <a:lumMod val="40000"/>
+              <a:lumOff val="60000"/>
+            </a:schemeClr>
+          </a:solidFill>
         </p:spPr>
         <p:style>
           <a:lnRef idx="1">
@@ -28914,7 +28873,7 @@
           <a:p>
             <a:pPr algn="ctr"/>
             <a:r>
-              <a:rPr lang="nl-NL" dirty="0"/>
+              <a:rPr lang="nl-NL" sz="1600" dirty="0"/>
               <a:t>Model</a:t>
             </a:r>
           </a:p>
@@ -28922,10 +28881,10 @@
       </p:sp>
       <p:grpSp>
         <p:nvGrpSpPr>
-          <p:cNvPr id="13" name="Group 12">
-            <a:extLst>
-              <a:ext uri="{FF2B5EF4-FFF2-40B4-BE49-F238E27FC236}">
-                <a16:creationId xmlns:a16="http://schemas.microsoft.com/office/drawing/2014/main" id="{B7D37394-7E54-1E1F-2844-414DE1963AE2}"/>
+          <p:cNvPr id="11" name="Group 10">
+            <a:extLst>
+              <a:ext uri="{FF2B5EF4-FFF2-40B4-BE49-F238E27FC236}">
+                <a16:creationId xmlns:a16="http://schemas.microsoft.com/office/drawing/2014/main" id="{60ADE522-71ED-B7B9-9FAC-2D99C432DF19}"/>
               </a:ext>
             </a:extLst>
           </p:cNvPr>
@@ -28934,148 +28893,379 @@
         </p:nvGrpSpPr>
         <p:grpSpPr>
           <a:xfrm>
-            <a:off x="3559629" y="2002327"/>
-            <a:ext cx="2951120" cy="491320"/>
-            <a:chOff x="3559629" y="2002327"/>
-            <a:chExt cx="2951120" cy="491320"/>
+            <a:off x="1543320" y="4198597"/>
+            <a:ext cx="1032841" cy="1232258"/>
+            <a:chOff x="4518061" y="1732274"/>
+            <a:chExt cx="1032841" cy="1232258"/>
           </a:xfrm>
         </p:grpSpPr>
-        <p:sp>
-          <p:nvSpPr>
-            <p:cNvPr id="4" name="Rectangle: Rounded Corners 3">
+        <p:pic>
+          <p:nvPicPr>
+            <p:cNvPr id="4" name="Graphic 3" descr="Scientist">
               <a:extLst>
                 <a:ext uri="{FF2B5EF4-FFF2-40B4-BE49-F238E27FC236}">
-                  <a16:creationId xmlns:a16="http://schemas.microsoft.com/office/drawing/2014/main" id="{B8AFF28A-C1BB-B8B4-D6FC-49147E0DAFC9}"/>
+                  <a16:creationId xmlns:a16="http://schemas.microsoft.com/office/drawing/2014/main" id="{95B68A63-38E8-D8DC-876D-E17F9E79D1C1}"/>
                 </a:ext>
               </a:extLst>
             </p:cNvPr>
-            <p:cNvSpPr/>
+            <p:cNvPicPr>
+              <a:picLocks noChangeAspect="1"/>
+            </p:cNvPicPr>
+            <p:nvPr/>
+          </p:nvPicPr>
+          <p:blipFill>
+            <a:blip r:embed="rId2">
+              <a:extLst>
+                <a:ext uri="{28A0092B-C50C-407E-A947-70E740481C1C}">
+                  <a14:useLocalDpi xmlns:a14="http://schemas.microsoft.com/office/drawing/2010/main" val="0"/>
+                </a:ext>
+                <a:ext uri="{96DAC541-7B7A-43D3-8B79-37D633B846F1}">
+                  <asvg:svgBlip xmlns:asvg="http://schemas.microsoft.com/office/drawing/2016/SVG/main" r:embed="rId3"/>
+                </a:ext>
+              </a:extLst>
+            </a:blip>
+            <a:stretch>
+              <a:fillRect/>
+            </a:stretch>
+          </p:blipFill>
+          <p:spPr>
+            <a:xfrm>
+              <a:off x="4519476" y="1732274"/>
+              <a:ext cx="1031426" cy="1031426"/>
+            </a:xfrm>
+            <a:prstGeom prst="rect">
+              <a:avLst/>
+            </a:prstGeom>
+          </p:spPr>
+        </p:pic>
+        <p:sp>
+          <p:nvSpPr>
+            <p:cNvPr id="5" name="TextBox 4">
+              <a:extLst>
+                <a:ext uri="{FF2B5EF4-FFF2-40B4-BE49-F238E27FC236}">
+                  <a16:creationId xmlns:a16="http://schemas.microsoft.com/office/drawing/2014/main" id="{9E6FDE6E-983C-9EB7-8EE4-B93509F74CC6}"/>
+                </a:ext>
+              </a:extLst>
+            </p:cNvPr>
+            <p:cNvSpPr txBox="1"/>
             <p:nvPr/>
           </p:nvSpPr>
           <p:spPr>
             <a:xfrm>
-              <a:off x="4066615" y="2002327"/>
-              <a:ext cx="1937147" cy="491320"/>
+              <a:off x="4518061" y="2687533"/>
+              <a:ext cx="1024639" cy="276999"/>
             </a:xfrm>
-            <a:prstGeom prst="roundRect">
+            <a:prstGeom prst="rect">
+              <a:avLst/>
+            </a:prstGeom>
+            <a:noFill/>
+          </p:spPr>
+          <p:txBody>
+            <a:bodyPr wrap="none" rtlCol="0">
+              <a:spAutoFit/>
+            </a:bodyPr>
+            <a:lstStyle/>
+            <a:p>
+              <a:r>
+                <a:rPr lang="en-US" sz="1200" dirty="0"/>
+                <a:t>Data Scientist</a:t>
+              </a:r>
+              <a:endParaRPr lang="en-NL" sz="1200" dirty="0"/>
+            </a:p>
+          </p:txBody>
+        </p:sp>
+      </p:grpSp>
+      <p:grpSp>
+        <p:nvGrpSpPr>
+          <p:cNvPr id="23" name="Group 22">
+            <a:extLst>
+              <a:ext uri="{FF2B5EF4-FFF2-40B4-BE49-F238E27FC236}">
+                <a16:creationId xmlns:a16="http://schemas.microsoft.com/office/drawing/2014/main" id="{56C1D2FF-C270-D818-5CD3-2F6E6543BB25}"/>
+              </a:ext>
+            </a:extLst>
+          </p:cNvPr>
+          <p:cNvGrpSpPr/>
+          <p:nvPr/>
+        </p:nvGrpSpPr>
+        <p:grpSpPr>
+          <a:xfrm>
+            <a:off x="9190848" y="4156576"/>
+            <a:ext cx="1316300" cy="1368185"/>
+            <a:chOff x="10039672" y="1559991"/>
+            <a:chExt cx="1079020" cy="1121552"/>
+          </a:xfrm>
+        </p:grpSpPr>
+        <p:pic>
+          <p:nvPicPr>
+            <p:cNvPr id="20" name="Graphic 19" descr="Users">
+              <a:extLst>
+                <a:ext uri="{FF2B5EF4-FFF2-40B4-BE49-F238E27FC236}">
+                  <a16:creationId xmlns:a16="http://schemas.microsoft.com/office/drawing/2014/main" id="{D3B68A25-D287-42E1-A29E-927CBDF0C463}"/>
+                </a:ext>
+              </a:extLst>
+            </p:cNvPr>
+            <p:cNvPicPr>
+              <a:picLocks noChangeAspect="1"/>
+            </p:cNvPicPr>
+            <p:nvPr/>
+          </p:nvPicPr>
+          <p:blipFill>
+            <a:blip r:embed="rId4">
+              <a:extLst>
+                <a:ext uri="{28A0092B-C50C-407E-A947-70E740481C1C}">
+                  <a14:useLocalDpi xmlns:a14="http://schemas.microsoft.com/office/drawing/2010/main" val="0"/>
+                </a:ext>
+                <a:ext uri="{96DAC541-7B7A-43D3-8B79-37D633B846F1}">
+                  <asvg:svgBlip xmlns:asvg="http://schemas.microsoft.com/office/drawing/2016/SVG/main" r:embed="rId5"/>
+                </a:ext>
+              </a:extLst>
+            </a:blip>
+            <a:stretch>
+              <a:fillRect/>
+            </a:stretch>
+          </p:blipFill>
+          <p:spPr>
+            <a:xfrm>
+              <a:off x="10039672" y="1559991"/>
+              <a:ext cx="1079020" cy="1079020"/>
+            </a:xfrm>
+            <a:prstGeom prst="rect">
               <a:avLst/>
             </a:prstGeom>
           </p:spPr>
-          <p:style>
-            <a:lnRef idx="1">
-              <a:schemeClr val="accent2"/>
-            </a:lnRef>
-            <a:fillRef idx="2">
-              <a:schemeClr val="accent2"/>
-            </a:fillRef>
-            <a:effectRef idx="1">
-              <a:schemeClr val="accent2"/>
-            </a:effectRef>
-            <a:fontRef idx="minor">
-              <a:schemeClr val="dk1"/>
-            </a:fontRef>
-          </p:style>
+        </p:pic>
+        <p:sp>
+          <p:nvSpPr>
+            <p:cNvPr id="21" name="TextBox 20">
+              <a:extLst>
+                <a:ext uri="{FF2B5EF4-FFF2-40B4-BE49-F238E27FC236}">
+                  <a16:creationId xmlns:a16="http://schemas.microsoft.com/office/drawing/2014/main" id="{C66E7942-6E7B-E45F-44A1-763C38374A70}"/>
+                </a:ext>
+              </a:extLst>
+            </p:cNvPr>
+            <p:cNvSpPr txBox="1"/>
+            <p:nvPr/>
+          </p:nvSpPr>
+          <p:spPr>
+            <a:xfrm>
+              <a:off x="10138986" y="2454477"/>
+              <a:ext cx="861583" cy="227066"/>
+            </a:xfrm>
+            <a:prstGeom prst="rect">
+              <a:avLst/>
+            </a:prstGeom>
+            <a:noFill/>
+          </p:spPr>
           <p:txBody>
-            <a:bodyPr rtlCol="0" anchor="ctr"/>
+            <a:bodyPr wrap="square" rtlCol="0">
+              <a:spAutoFit/>
+            </a:bodyPr>
             <a:lstStyle/>
             <a:p>
               <a:pPr algn="ctr"/>
               <a:r>
-                <a:rPr lang="en-US" dirty="0"/>
-                <a:t>incompatible</a:t>
+                <a:rPr lang="nl-NL" sz="1200" dirty="0"/>
+                <a:t>Gebruikers</a:t>
               </a:r>
-              <a:endParaRPr lang="en-NL" dirty="0"/>
             </a:p>
           </p:txBody>
         </p:sp>
-        <p:cxnSp>
-          <p:nvCxnSpPr>
-            <p:cNvPr id="10" name="Straight Arrow Connector 9">
-              <a:extLst>
-                <a:ext uri="{FF2B5EF4-FFF2-40B4-BE49-F238E27FC236}">
-                  <a16:creationId xmlns:a16="http://schemas.microsoft.com/office/drawing/2014/main" id="{6A0DFF0A-A0AA-FA5B-9CA8-816CB911BDBC}"/>
-                </a:ext>
-              </a:extLst>
-            </p:cNvPr>
-            <p:cNvCxnSpPr>
-              <a:endCxn id="8" idx="3"/>
-            </p:cNvCxnSpPr>
-            <p:nvPr/>
-          </p:nvCxnSpPr>
-          <p:spPr>
-            <a:xfrm flipH="1">
-              <a:off x="3559629" y="2247987"/>
-              <a:ext cx="506986" cy="1"/>
-            </a:xfrm>
-            <a:prstGeom prst="straightConnector1">
-              <a:avLst/>
-            </a:prstGeom>
-            <a:ln>
-              <a:tailEnd type="triangle"/>
-            </a:ln>
-          </p:spPr>
-          <p:style>
-            <a:lnRef idx="3">
-              <a:schemeClr val="accent2"/>
-            </a:lnRef>
-            <a:fillRef idx="0">
-              <a:schemeClr val="accent2"/>
-            </a:fillRef>
-            <a:effectRef idx="2">
-              <a:schemeClr val="accent2"/>
-            </a:effectRef>
-            <a:fontRef idx="minor">
-              <a:schemeClr val="tx1"/>
-            </a:fontRef>
-          </p:style>
-        </p:cxnSp>
-        <p:cxnSp>
-          <p:nvCxnSpPr>
-            <p:cNvPr id="12" name="Straight Arrow Connector 11">
-              <a:extLst>
-                <a:ext uri="{FF2B5EF4-FFF2-40B4-BE49-F238E27FC236}">
-                  <a16:creationId xmlns:a16="http://schemas.microsoft.com/office/drawing/2014/main" id="{E80C47D3-4310-5994-1A0B-FF7CBF6C5021}"/>
-                </a:ext>
-              </a:extLst>
-            </p:cNvPr>
-            <p:cNvCxnSpPr>
-              <a:stCxn id="4" idx="3"/>
-              <a:endCxn id="9" idx="1"/>
-            </p:cNvCxnSpPr>
-            <p:nvPr/>
-          </p:nvCxnSpPr>
-          <p:spPr>
-            <a:xfrm>
-              <a:off x="6003762" y="2247987"/>
-              <a:ext cx="506987" cy="1"/>
-            </a:xfrm>
-            <a:prstGeom prst="straightConnector1">
-              <a:avLst/>
-            </a:prstGeom>
-            <a:ln>
-              <a:tailEnd type="triangle"/>
-            </a:ln>
-          </p:spPr>
-          <p:style>
-            <a:lnRef idx="3">
-              <a:schemeClr val="accent2"/>
-            </a:lnRef>
-            <a:fillRef idx="0">
-              <a:schemeClr val="accent2"/>
-            </a:fillRef>
-            <a:effectRef idx="2">
-              <a:schemeClr val="accent2"/>
-            </a:effectRef>
-            <a:fontRef idx="minor">
-              <a:schemeClr val="tx1"/>
-            </a:fontRef>
-          </p:style>
-        </p:cxnSp>
       </p:grpSp>
+      <p:sp>
+        <p:nvSpPr>
+          <p:cNvPr id="47" name="Rectangle 46">
+            <a:extLst>
+              <a:ext uri="{FF2B5EF4-FFF2-40B4-BE49-F238E27FC236}">
+                <a16:creationId xmlns:a16="http://schemas.microsoft.com/office/drawing/2014/main" id="{2EE91F39-07B5-E647-D25F-7FEE59A60035}"/>
+              </a:ext>
+            </a:extLst>
+          </p:cNvPr>
+          <p:cNvSpPr/>
+          <p:nvPr/>
+        </p:nvSpPr>
+        <p:spPr>
+          <a:xfrm>
+            <a:off x="8826977" y="3288582"/>
+            <a:ext cx="2044042" cy="779976"/>
+          </a:xfrm>
+          <a:prstGeom prst="rect">
+            <a:avLst/>
+          </a:prstGeom>
+          <a:solidFill>
+            <a:schemeClr val="accent4">
+              <a:lumMod val="40000"/>
+              <a:lumOff val="60000"/>
+            </a:schemeClr>
+          </a:solidFill>
+        </p:spPr>
+        <p:style>
+          <a:lnRef idx="1">
+            <a:schemeClr val="accent4"/>
+          </a:lnRef>
+          <a:fillRef idx="2">
+            <a:schemeClr val="accent4"/>
+          </a:fillRef>
+          <a:effectRef idx="1">
+            <a:schemeClr val="accent4"/>
+          </a:effectRef>
+          <a:fontRef idx="minor">
+            <a:schemeClr val="dk1"/>
+          </a:fontRef>
+        </p:style>
+        <p:txBody>
+          <a:bodyPr rtlCol="0" anchor="ctr"/>
+          <a:lstStyle/>
+          <a:p>
+            <a:pPr algn="ctr"/>
+            <a:r>
+              <a:rPr lang="nl-NL" sz="1600" dirty="0"/>
+              <a:t>Voorspellingen</a:t>
+            </a:r>
+          </a:p>
+        </p:txBody>
+      </p:sp>
+      <p:sp>
+        <p:nvSpPr>
+          <p:cNvPr id="3" name="Rectangle 2">
+            <a:extLst>
+              <a:ext uri="{FF2B5EF4-FFF2-40B4-BE49-F238E27FC236}">
+                <a16:creationId xmlns:a16="http://schemas.microsoft.com/office/drawing/2014/main" id="{2AD4271C-8486-FB42-E50D-B4E6EAA89224}"/>
+              </a:ext>
+            </a:extLst>
+          </p:cNvPr>
+          <p:cNvSpPr/>
+          <p:nvPr/>
+        </p:nvSpPr>
+        <p:spPr>
+          <a:xfrm>
+            <a:off x="3733547" y="1808977"/>
+            <a:ext cx="1681614" cy="538670"/>
+          </a:xfrm>
+          <a:prstGeom prst="rect">
+            <a:avLst/>
+          </a:prstGeom>
+          <a:solidFill>
+            <a:schemeClr val="accent2">
+              <a:lumMod val="40000"/>
+              <a:lumOff val="60000"/>
+            </a:schemeClr>
+          </a:solidFill>
+        </p:spPr>
+        <p:style>
+          <a:lnRef idx="1">
+            <a:schemeClr val="accent2"/>
+          </a:lnRef>
+          <a:fillRef idx="2">
+            <a:schemeClr val="accent2"/>
+          </a:fillRef>
+          <a:effectRef idx="1">
+            <a:schemeClr val="accent2"/>
+          </a:effectRef>
+          <a:fontRef idx="minor">
+            <a:schemeClr val="dk1"/>
+          </a:fontRef>
+        </p:style>
+        <p:txBody>
+          <a:bodyPr rtlCol="0" anchor="ctr"/>
+          <a:lstStyle/>
+          <a:p>
+            <a:pPr algn="ctr"/>
+            <a:r>
+              <a:rPr lang="en-US" sz="1600" dirty="0" err="1"/>
+              <a:t>Verschillen</a:t>
+            </a:r>
+            <a:endParaRPr lang="en-NL" sz="1600" dirty="0"/>
+          </a:p>
+        </p:txBody>
+      </p:sp>
+      <p:cxnSp>
+        <p:nvCxnSpPr>
+          <p:cNvPr id="12" name="Straight Arrow Connector 11">
+            <a:extLst>
+              <a:ext uri="{FF2B5EF4-FFF2-40B4-BE49-F238E27FC236}">
+                <a16:creationId xmlns:a16="http://schemas.microsoft.com/office/drawing/2014/main" id="{C25E1438-8C89-62C4-3AB8-810812C23DB7}"/>
+              </a:ext>
+            </a:extLst>
+          </p:cNvPr>
+          <p:cNvCxnSpPr>
+            <a:stCxn id="3" idx="1"/>
+            <a:endCxn id="8" idx="3"/>
+          </p:cNvCxnSpPr>
+          <p:nvPr/>
+        </p:nvCxnSpPr>
+        <p:spPr>
+          <a:xfrm flipH="1">
+            <a:off x="3081762" y="2078312"/>
+            <a:ext cx="651785" cy="0"/>
+          </a:xfrm>
+          <a:prstGeom prst="straightConnector1">
+            <a:avLst/>
+          </a:prstGeom>
+          <a:ln>
+            <a:tailEnd type="triangle"/>
+          </a:ln>
+        </p:spPr>
+        <p:style>
+          <a:lnRef idx="2">
+            <a:schemeClr val="accent2"/>
+          </a:lnRef>
+          <a:fillRef idx="0">
+            <a:schemeClr val="accent2"/>
+          </a:fillRef>
+          <a:effectRef idx="1">
+            <a:schemeClr val="accent2"/>
+          </a:effectRef>
+          <a:fontRef idx="minor">
+            <a:schemeClr val="tx1"/>
+          </a:fontRef>
+        </p:style>
+      </p:cxnSp>
+      <p:cxnSp>
+        <p:nvCxnSpPr>
+          <p:cNvPr id="14" name="Straight Arrow Connector 13">
+            <a:extLst>
+              <a:ext uri="{FF2B5EF4-FFF2-40B4-BE49-F238E27FC236}">
+                <a16:creationId xmlns:a16="http://schemas.microsoft.com/office/drawing/2014/main" id="{D6E90361-BC33-6199-4E9B-692E1238ED92}"/>
+              </a:ext>
+            </a:extLst>
+          </p:cNvPr>
+          <p:cNvCxnSpPr>
+            <a:stCxn id="3" idx="3"/>
+            <a:endCxn id="9" idx="1"/>
+          </p:cNvCxnSpPr>
+          <p:nvPr/>
+        </p:nvCxnSpPr>
+        <p:spPr>
+          <a:xfrm>
+            <a:off x="5415161" y="2078312"/>
+            <a:ext cx="651785" cy="0"/>
+          </a:xfrm>
+          <a:prstGeom prst="straightConnector1">
+            <a:avLst/>
+          </a:prstGeom>
+          <a:ln>
+            <a:tailEnd type="triangle"/>
+          </a:ln>
+        </p:spPr>
+        <p:style>
+          <a:lnRef idx="2">
+            <a:schemeClr val="accent2"/>
+          </a:lnRef>
+          <a:fillRef idx="0">
+            <a:schemeClr val="accent2"/>
+          </a:fillRef>
+          <a:effectRef idx="1">
+            <a:schemeClr val="accent2"/>
+          </a:effectRef>
+          <a:fontRef idx="minor">
+            <a:schemeClr val="tx1"/>
+          </a:fontRef>
+        </p:style>
+      </p:cxnSp>
     </p:spTree>
     <p:extLst>
       <p:ext uri="{BB962C8B-B14F-4D97-AF65-F5344CB8AC3E}">
-        <p14:creationId xmlns:p14="http://schemas.microsoft.com/office/powerpoint/2010/main" val="49563331"/>
+        <p14:creationId xmlns:p14="http://schemas.microsoft.com/office/powerpoint/2010/main" val="4141205474"/>
       </p:ext>
     </p:extLst>
   </p:cSld>
@@ -29085,12 +29275,18 @@
 </p:sld>
 </file>
 
-<file path=ppt/slides/slide47.xml><?xml version="1.0" encoding="utf-8"?>
+<file path=ppt/slides/slide46.xml><?xml version="1.0" encoding="utf-8"?>
 <p:sld xmlns:a="http://schemas.openxmlformats.org/drawingml/2006/main" xmlns:r="http://schemas.openxmlformats.org/officeDocument/2006/relationships" xmlns:p="http://schemas.openxmlformats.org/presentationml/2006/main">
   <p:cSld>
     <p:spTree>
       <p:nvGrpSpPr>
-        <p:cNvPr id="1" name=""/>
+        <p:cNvPr id="1" name="">
+          <a:extLst>
+            <a:ext uri="{FF2B5EF4-FFF2-40B4-BE49-F238E27FC236}">
+              <a16:creationId xmlns:a16="http://schemas.microsoft.com/office/drawing/2014/main" id="{15E9877E-821B-3039-B725-C49A2035F3B3}"/>
+            </a:ext>
+          </a:extLst>
+        </p:cNvPr>
         <p:cNvGrpSpPr/>
         <p:nvPr/>
       </p:nvGrpSpPr>
@@ -29107,7 +29303,7 @@
           <p:cNvPr id="2" name="Title 1">
             <a:extLst>
               <a:ext uri="{FF2B5EF4-FFF2-40B4-BE49-F238E27FC236}">
-                <a16:creationId xmlns:a16="http://schemas.microsoft.com/office/drawing/2014/main" id="{39A1D606-8DD1-369C-5C09-471CDD551AD5}"/>
+                <a16:creationId xmlns:a16="http://schemas.microsoft.com/office/drawing/2014/main" id="{BE8BD82E-5D9B-2789-91D8-5E855AE9FF7E}"/>
               </a:ext>
             </a:extLst>
           </p:cNvPr>
@@ -29132,7 +29328,7 @@
           <a:p>
             <a:r>
               <a:rPr lang="nl-NL" sz="3600" dirty="0"/>
-              <a:t>Productie problemen</a:t>
+              <a:t>Naar productie!</a:t>
             </a:r>
             <a:endParaRPr lang="nl-NL" sz="3600" noProof="0" dirty="0"/>
           </a:p>
@@ -29143,7 +29339,7 @@
           <p:cNvPr id="6" name="Rectangle 5">
             <a:extLst>
               <a:ext uri="{FF2B5EF4-FFF2-40B4-BE49-F238E27FC236}">
-                <a16:creationId xmlns:a16="http://schemas.microsoft.com/office/drawing/2014/main" id="{B32E2B49-6A16-A1DE-7F5E-041E6F9732FF}"/>
+                <a16:creationId xmlns:a16="http://schemas.microsoft.com/office/drawing/2014/main" id="{CD13FD39-7E46-18A3-1EA4-6D4D18F874DD}"/>
               </a:ext>
             </a:extLst>
           </p:cNvPr>
@@ -29152,22 +29348,27 @@
         </p:nvSpPr>
         <p:spPr>
           <a:xfrm>
-            <a:off x="1119052" y="3494312"/>
-            <a:ext cx="2440577" cy="2070463"/>
+            <a:off x="1037720" y="3291317"/>
+            <a:ext cx="2044042" cy="779976"/>
           </a:xfrm>
           <a:prstGeom prst="rect">
             <a:avLst/>
           </a:prstGeom>
+          <a:solidFill>
+            <a:schemeClr val="bg1">
+              <a:lumMod val="85000"/>
+            </a:schemeClr>
+          </a:solidFill>
         </p:spPr>
         <p:style>
           <a:lnRef idx="1">
-            <a:schemeClr val="accent6"/>
+            <a:schemeClr val="accent3"/>
           </a:lnRef>
           <a:fillRef idx="2">
-            <a:schemeClr val="accent6"/>
+            <a:schemeClr val="accent3"/>
           </a:fillRef>
           <a:effectRef idx="1">
-            <a:schemeClr val="accent6"/>
+            <a:schemeClr val="accent3"/>
           </a:effectRef>
           <a:fontRef idx="minor">
             <a:schemeClr val="dk1"/>
@@ -29179,7 +29380,7 @@
           <a:p>
             <a:pPr algn="ctr"/>
             <a:r>
-              <a:rPr lang="nl-NL"/>
+              <a:rPr lang="nl-NL" sz="1600" dirty="0"/>
               <a:t>Training omgeving</a:t>
             </a:r>
           </a:p>
@@ -29190,7 +29391,7 @@
           <p:cNvPr id="7" name="Rectangle 6">
             <a:extLst>
               <a:ext uri="{FF2B5EF4-FFF2-40B4-BE49-F238E27FC236}">
-                <a16:creationId xmlns:a16="http://schemas.microsoft.com/office/drawing/2014/main" id="{D7AC7AB4-D61A-0671-093A-D3C8149D6127}"/>
+                <a16:creationId xmlns:a16="http://schemas.microsoft.com/office/drawing/2014/main" id="{51D9FAA1-DB20-9D07-0DC9-35B129AFAE31}"/>
               </a:ext>
             </a:extLst>
           </p:cNvPr>
@@ -29199,22 +29400,27 @@
         </p:nvSpPr>
         <p:spPr>
           <a:xfrm>
-            <a:off x="6510750" y="3494313"/>
-            <a:ext cx="2440577" cy="2070463"/>
+            <a:off x="6066947" y="3291318"/>
+            <a:ext cx="2044042" cy="777240"/>
           </a:xfrm>
           <a:prstGeom prst="rect">
             <a:avLst/>
           </a:prstGeom>
+          <a:solidFill>
+            <a:schemeClr val="bg1">
+              <a:lumMod val="85000"/>
+            </a:schemeClr>
+          </a:solidFill>
         </p:spPr>
         <p:style>
           <a:lnRef idx="1">
-            <a:schemeClr val="accent5"/>
+            <a:schemeClr val="accent3"/>
           </a:lnRef>
           <a:fillRef idx="2">
-            <a:schemeClr val="accent5"/>
+            <a:schemeClr val="accent3"/>
           </a:fillRef>
           <a:effectRef idx="1">
-            <a:schemeClr val="accent5"/>
+            <a:schemeClr val="accent3"/>
           </a:effectRef>
           <a:fontRef idx="minor">
             <a:schemeClr val="dk1"/>
@@ -29226,7 +29432,7 @@
           <a:p>
             <a:pPr algn="ctr"/>
             <a:r>
-              <a:rPr lang="nl-NL" dirty="0"/>
+              <a:rPr lang="nl-NL" sz="1600" dirty="0"/>
               <a:t>Scoring omgeving</a:t>
             </a:r>
           </a:p>
@@ -29237,7 +29443,7 @@
           <p:cNvPr id="8" name="Rectangle 7">
             <a:extLst>
               <a:ext uri="{FF2B5EF4-FFF2-40B4-BE49-F238E27FC236}">
-                <a16:creationId xmlns:a16="http://schemas.microsoft.com/office/drawing/2014/main" id="{21BF7B99-FC60-5852-E264-562437EEA80E}"/>
+                <a16:creationId xmlns:a16="http://schemas.microsoft.com/office/drawing/2014/main" id="{BB9EB645-FD90-4783-2912-ED64F1489987}"/>
               </a:ext>
             </a:extLst>
           </p:cNvPr>
@@ -29246,12 +29452,18 @@
         </p:nvSpPr>
         <p:spPr>
           <a:xfrm>
-            <a:off x="1119052" y="1774459"/>
-            <a:ext cx="2440577" cy="947057"/>
+            <a:off x="1037720" y="1688324"/>
+            <a:ext cx="2044042" cy="779976"/>
           </a:xfrm>
           <a:prstGeom prst="rect">
             <a:avLst/>
           </a:prstGeom>
+          <a:solidFill>
+            <a:schemeClr val="accent4">
+              <a:lumMod val="40000"/>
+              <a:lumOff val="60000"/>
+            </a:schemeClr>
+          </a:solidFill>
         </p:spPr>
         <p:style>
           <a:lnRef idx="1">
@@ -29273,7 +29485,7 @@
           <a:p>
             <a:pPr algn="ctr"/>
             <a:r>
-              <a:rPr lang="nl-NL"/>
+              <a:rPr lang="nl-NL" sz="1600" dirty="0"/>
               <a:t>Training Data</a:t>
             </a:r>
           </a:p>
@@ -29284,7 +29496,7 @@
           <p:cNvPr id="9" name="Rectangle 8">
             <a:extLst>
               <a:ext uri="{FF2B5EF4-FFF2-40B4-BE49-F238E27FC236}">
-                <a16:creationId xmlns:a16="http://schemas.microsoft.com/office/drawing/2014/main" id="{2ABCA7DB-5B45-060C-B58D-6E39BE3475FB}"/>
+                <a16:creationId xmlns:a16="http://schemas.microsoft.com/office/drawing/2014/main" id="{E44953A8-5BA7-46FB-8A12-C777A74A17AF}"/>
               </a:ext>
             </a:extLst>
           </p:cNvPr>
@@ -29293,12 +29505,18 @@
         </p:nvSpPr>
         <p:spPr>
           <a:xfrm>
-            <a:off x="6510749" y="1774459"/>
-            <a:ext cx="2440577" cy="947057"/>
+            <a:off x="6066946" y="1688324"/>
+            <a:ext cx="2044042" cy="779976"/>
           </a:xfrm>
           <a:prstGeom prst="rect">
             <a:avLst/>
           </a:prstGeom>
+          <a:solidFill>
+            <a:schemeClr val="accent4">
+              <a:lumMod val="40000"/>
+              <a:lumOff val="60000"/>
+            </a:schemeClr>
+          </a:solidFill>
         </p:spPr>
         <p:style>
           <a:lnRef idx="1">
@@ -29320,55 +29538,8 @@
           <a:p>
             <a:pPr algn="ctr"/>
             <a:r>
-              <a:rPr lang="nl-NL"/>
+              <a:rPr lang="nl-NL" sz="1600" dirty="0"/>
               <a:t>Scoring Data</a:t>
-            </a:r>
-          </a:p>
-        </p:txBody>
-      </p:sp>
-      <p:sp>
-        <p:nvSpPr>
-          <p:cNvPr id="14" name="Rectangle: Rounded Corners 13">
-            <a:extLst>
-              <a:ext uri="{FF2B5EF4-FFF2-40B4-BE49-F238E27FC236}">
-                <a16:creationId xmlns:a16="http://schemas.microsoft.com/office/drawing/2014/main" id="{09717716-BF59-0EB3-97A8-9968CA5A1E00}"/>
-              </a:ext>
-            </a:extLst>
-          </p:cNvPr>
-          <p:cNvSpPr/>
-          <p:nvPr/>
-        </p:nvSpPr>
-        <p:spPr>
-          <a:xfrm>
-            <a:off x="9639850" y="4139222"/>
-            <a:ext cx="1574074" cy="777240"/>
-          </a:xfrm>
-          <a:prstGeom prst="roundRect">
-            <a:avLst/>
-          </a:prstGeom>
-        </p:spPr>
-        <p:style>
-          <a:lnRef idx="1">
-            <a:schemeClr val="accent5"/>
-          </a:lnRef>
-          <a:fillRef idx="2">
-            <a:schemeClr val="accent5"/>
-          </a:fillRef>
-          <a:effectRef idx="1">
-            <a:schemeClr val="accent5"/>
-          </a:effectRef>
-          <a:fontRef idx="minor">
-            <a:schemeClr val="dk1"/>
-          </a:fontRef>
-        </p:style>
-        <p:txBody>
-          <a:bodyPr rtlCol="0" anchor="ctr"/>
-          <a:lstStyle/>
-          <a:p>
-            <a:pPr algn="ctr"/>
-            <a:r>
-              <a:rPr lang="nl-NL" dirty="0"/>
-              <a:t>Voorspelling</a:t>
             </a:r>
           </a:p>
         </p:txBody>
@@ -29378,7 +29549,7 @@
           <p:cNvPr id="17" name="Straight Arrow Connector 16">
             <a:extLst>
               <a:ext uri="{FF2B5EF4-FFF2-40B4-BE49-F238E27FC236}">
-                <a16:creationId xmlns:a16="http://schemas.microsoft.com/office/drawing/2014/main" id="{9AA1BFE4-AECF-A957-D0D5-5B89FE926C2D}"/>
+                <a16:creationId xmlns:a16="http://schemas.microsoft.com/office/drawing/2014/main" id="{207AA977-4259-565A-BA28-43C48CB51DE1}"/>
               </a:ext>
             </a:extLst>
           </p:cNvPr>
@@ -29390,9 +29561,9 @@
           <p:nvPr/>
         </p:nvCxnSpPr>
         <p:spPr>
-          <a:xfrm flipV="1">
-            <a:off x="3559629" y="4527841"/>
-            <a:ext cx="688523" cy="1703"/>
+          <a:xfrm>
+            <a:off x="3081762" y="3681305"/>
+            <a:ext cx="715990" cy="1368"/>
           </a:xfrm>
           <a:prstGeom prst="straightConnector1">
             <a:avLst/>
@@ -29421,7 +29592,7 @@
           <p:cNvPr id="19" name="Straight Arrow Connector 18">
             <a:extLst>
               <a:ext uri="{FF2B5EF4-FFF2-40B4-BE49-F238E27FC236}">
-                <a16:creationId xmlns:a16="http://schemas.microsoft.com/office/drawing/2014/main" id="{732D8E31-4E5A-53C3-967E-9B05BD33FA82}"/>
+                <a16:creationId xmlns:a16="http://schemas.microsoft.com/office/drawing/2014/main" id="{6B58CB4A-9B11-12C0-D4EA-FCBB61B43C03}"/>
               </a:ext>
             </a:extLst>
           </p:cNvPr>
@@ -29433,9 +29604,9 @@
           <p:nvPr/>
         </p:nvCxnSpPr>
         <p:spPr>
-          <a:xfrm>
-            <a:off x="5822226" y="4527841"/>
-            <a:ext cx="688524" cy="1704"/>
+          <a:xfrm flipV="1">
+            <a:off x="5350957" y="3679938"/>
+            <a:ext cx="715990" cy="2735"/>
           </a:xfrm>
           <a:prstGeom prst="straightConnector1">
             <a:avLst/>
@@ -29464,20 +29635,20 @@
           <p:cNvPr id="22" name="Straight Arrow Connector 21">
             <a:extLst>
               <a:ext uri="{FF2B5EF4-FFF2-40B4-BE49-F238E27FC236}">
-                <a16:creationId xmlns:a16="http://schemas.microsoft.com/office/drawing/2014/main" id="{BD591FEB-E40A-5883-527D-5C938694ACFB}"/>
+                <a16:creationId xmlns:a16="http://schemas.microsoft.com/office/drawing/2014/main" id="{0E28321F-0AC1-D93D-C011-D42D6A3D1CCB}"/>
               </a:ext>
             </a:extLst>
           </p:cNvPr>
           <p:cNvCxnSpPr>
+            <a:cxnSpLocks/>
             <a:stCxn id="7" idx="3"/>
-            <a:endCxn id="14" idx="1"/>
           </p:cNvCxnSpPr>
           <p:nvPr/>
         </p:nvCxnSpPr>
         <p:spPr>
-          <a:xfrm flipV="1">
-            <a:off x="8951327" y="4527842"/>
-            <a:ext cx="688523" cy="1703"/>
+          <a:xfrm>
+            <a:off x="8110989" y="3679938"/>
+            <a:ext cx="1057592" cy="2736"/>
           </a:xfrm>
           <a:prstGeom prst="straightConnector1">
             <a:avLst/>
@@ -29506,11 +29677,12 @@
           <p:cNvPr id="24" name="Straight Arrow Connector 23">
             <a:extLst>
               <a:ext uri="{FF2B5EF4-FFF2-40B4-BE49-F238E27FC236}">
-                <a16:creationId xmlns:a16="http://schemas.microsoft.com/office/drawing/2014/main" id="{926D003C-9F25-39B0-F989-A5E70674A1AA}"/>
+                <a16:creationId xmlns:a16="http://schemas.microsoft.com/office/drawing/2014/main" id="{AF7913FB-8FE1-D474-1ED0-AF12B99B6162}"/>
               </a:ext>
             </a:extLst>
           </p:cNvPr>
           <p:cNvCxnSpPr>
+            <a:cxnSpLocks/>
             <a:stCxn id="8" idx="2"/>
             <a:endCxn id="6" idx="0"/>
           </p:cNvCxnSpPr>
@@ -29518,8 +29690,8 @@
         </p:nvCxnSpPr>
         <p:spPr>
           <a:xfrm>
-            <a:off x="2339341" y="2721516"/>
-            <a:ext cx="0" cy="772796"/>
+            <a:off x="2059741" y="2468300"/>
+            <a:ext cx="0" cy="823017"/>
           </a:xfrm>
           <a:prstGeom prst="straightConnector1">
             <a:avLst/>
@@ -29548,11 +29720,12 @@
           <p:cNvPr id="26" name="Straight Arrow Connector 25">
             <a:extLst>
               <a:ext uri="{FF2B5EF4-FFF2-40B4-BE49-F238E27FC236}">
-                <a16:creationId xmlns:a16="http://schemas.microsoft.com/office/drawing/2014/main" id="{53338556-318B-747A-4F1C-21E738F16174}"/>
+                <a16:creationId xmlns:a16="http://schemas.microsoft.com/office/drawing/2014/main" id="{F960E1C3-1531-5ED3-C2D2-57830C0F0F9E}"/>
               </a:ext>
             </a:extLst>
           </p:cNvPr>
           <p:cNvCxnSpPr>
+            <a:cxnSpLocks/>
             <a:stCxn id="9" idx="2"/>
             <a:endCxn id="7" idx="0"/>
           </p:cNvCxnSpPr>
@@ -29560,8 +29733,8 @@
         </p:nvCxnSpPr>
         <p:spPr>
           <a:xfrm>
-            <a:off x="7731038" y="2721516"/>
-            <a:ext cx="1" cy="772797"/>
+            <a:off x="7088967" y="2468300"/>
+            <a:ext cx="1" cy="823018"/>
           </a:xfrm>
           <a:prstGeom prst="straightConnector1">
             <a:avLst/>
@@ -29590,7 +29763,7 @@
           <p:cNvPr id="29" name="Rectangle: Rounded Corners 28">
             <a:extLst>
               <a:ext uri="{FF2B5EF4-FFF2-40B4-BE49-F238E27FC236}">
-                <a16:creationId xmlns:a16="http://schemas.microsoft.com/office/drawing/2014/main" id="{863D9589-CDB7-2989-9954-8509CA1E905A}"/>
+                <a16:creationId xmlns:a16="http://schemas.microsoft.com/office/drawing/2014/main" id="{A2E2C849-0B9E-C14C-0EE1-1B429C830342}"/>
               </a:ext>
             </a:extLst>
           </p:cNvPr>
@@ -29599,12 +29772,18 @@
         </p:nvSpPr>
         <p:spPr>
           <a:xfrm>
-            <a:off x="4248152" y="4139221"/>
-            <a:ext cx="1574074" cy="777240"/>
+            <a:off x="3797752" y="3294053"/>
+            <a:ext cx="1553205" cy="777240"/>
           </a:xfrm>
           <a:prstGeom prst="roundRect">
             <a:avLst/>
           </a:prstGeom>
+          <a:solidFill>
+            <a:schemeClr val="accent6">
+              <a:lumMod val="40000"/>
+              <a:lumOff val="60000"/>
+            </a:schemeClr>
+          </a:solidFill>
         </p:spPr>
         <p:style>
           <a:lnRef idx="1">
@@ -29626,7 +29805,7 @@
           <a:p>
             <a:pPr algn="ctr"/>
             <a:r>
-              <a:rPr lang="nl-NL" dirty="0"/>
+              <a:rPr lang="nl-NL" sz="1600" dirty="0"/>
               <a:t>Model</a:t>
             </a:r>
           </a:p>
@@ -29634,10 +29813,10 @@
       </p:sp>
       <p:grpSp>
         <p:nvGrpSpPr>
-          <p:cNvPr id="13" name="Group 12">
-            <a:extLst>
-              <a:ext uri="{FF2B5EF4-FFF2-40B4-BE49-F238E27FC236}">
-                <a16:creationId xmlns:a16="http://schemas.microsoft.com/office/drawing/2014/main" id="{B7D37394-7E54-1E1F-2844-414DE1963AE2}"/>
+          <p:cNvPr id="11" name="Group 10">
+            <a:extLst>
+              <a:ext uri="{FF2B5EF4-FFF2-40B4-BE49-F238E27FC236}">
+                <a16:creationId xmlns:a16="http://schemas.microsoft.com/office/drawing/2014/main" id="{51E80BB2-6CA6-2913-4C44-FC1FE131AAB4}"/>
               </a:ext>
             </a:extLst>
           </p:cNvPr>
@@ -29646,150 +29825,94 @@
         </p:nvGrpSpPr>
         <p:grpSpPr>
           <a:xfrm>
-            <a:off x="3559629" y="2002327"/>
-            <a:ext cx="2951120" cy="491320"/>
-            <a:chOff x="3559629" y="2002327"/>
-            <a:chExt cx="2951120" cy="491320"/>
+            <a:off x="1543320" y="4198597"/>
+            <a:ext cx="1032841" cy="1232258"/>
+            <a:chOff x="4518061" y="1732274"/>
+            <a:chExt cx="1032841" cy="1232258"/>
           </a:xfrm>
         </p:grpSpPr>
-        <p:sp>
-          <p:nvSpPr>
-            <p:cNvPr id="4" name="Rectangle: Rounded Corners 3">
+        <p:pic>
+          <p:nvPicPr>
+            <p:cNvPr id="4" name="Graphic 3" descr="Scientist">
               <a:extLst>
                 <a:ext uri="{FF2B5EF4-FFF2-40B4-BE49-F238E27FC236}">
-                  <a16:creationId xmlns:a16="http://schemas.microsoft.com/office/drawing/2014/main" id="{B8AFF28A-C1BB-B8B4-D6FC-49147E0DAFC9}"/>
+                  <a16:creationId xmlns:a16="http://schemas.microsoft.com/office/drawing/2014/main" id="{2415ABB1-3B80-9815-157F-8C572DF2DB68}"/>
                 </a:ext>
               </a:extLst>
             </p:cNvPr>
-            <p:cNvSpPr/>
+            <p:cNvPicPr>
+              <a:picLocks noChangeAspect="1"/>
+            </p:cNvPicPr>
+            <p:nvPr/>
+          </p:nvPicPr>
+          <p:blipFill>
+            <a:blip r:embed="rId2">
+              <a:extLst>
+                <a:ext uri="{28A0092B-C50C-407E-A947-70E740481C1C}">
+                  <a14:useLocalDpi xmlns:a14="http://schemas.microsoft.com/office/drawing/2010/main" val="0"/>
+                </a:ext>
+                <a:ext uri="{96DAC541-7B7A-43D3-8B79-37D633B846F1}">
+                  <asvg:svgBlip xmlns:asvg="http://schemas.microsoft.com/office/drawing/2016/SVG/main" r:embed="rId3"/>
+                </a:ext>
+              </a:extLst>
+            </a:blip>
+            <a:stretch>
+              <a:fillRect/>
+            </a:stretch>
+          </p:blipFill>
+          <p:spPr>
+            <a:xfrm>
+              <a:off x="4519476" y="1732274"/>
+              <a:ext cx="1031426" cy="1031426"/>
+            </a:xfrm>
+            <a:prstGeom prst="rect">
+              <a:avLst/>
+            </a:prstGeom>
+          </p:spPr>
+        </p:pic>
+        <p:sp>
+          <p:nvSpPr>
+            <p:cNvPr id="5" name="TextBox 4">
+              <a:extLst>
+                <a:ext uri="{FF2B5EF4-FFF2-40B4-BE49-F238E27FC236}">
+                  <a16:creationId xmlns:a16="http://schemas.microsoft.com/office/drawing/2014/main" id="{49164C03-BA3C-7E51-7B08-2F6DA71B8B32}"/>
+                </a:ext>
+              </a:extLst>
+            </p:cNvPr>
+            <p:cNvSpPr txBox="1"/>
             <p:nvPr/>
           </p:nvSpPr>
           <p:spPr>
             <a:xfrm>
-              <a:off x="4066615" y="2002327"/>
-              <a:ext cx="1937147" cy="491320"/>
+              <a:off x="4518061" y="2687533"/>
+              <a:ext cx="1024639" cy="276999"/>
             </a:xfrm>
-            <a:prstGeom prst="roundRect">
+            <a:prstGeom prst="rect">
               <a:avLst/>
             </a:prstGeom>
+            <a:noFill/>
           </p:spPr>
-          <p:style>
-            <a:lnRef idx="1">
-              <a:schemeClr val="accent2"/>
-            </a:lnRef>
-            <a:fillRef idx="2">
-              <a:schemeClr val="accent2"/>
-            </a:fillRef>
-            <a:effectRef idx="1">
-              <a:schemeClr val="accent2"/>
-            </a:effectRef>
-            <a:fontRef idx="minor">
-              <a:schemeClr val="dk1"/>
-            </a:fontRef>
-          </p:style>
           <p:txBody>
-            <a:bodyPr rtlCol="0" anchor="ctr"/>
+            <a:bodyPr wrap="none" rtlCol="0">
+              <a:spAutoFit/>
+            </a:bodyPr>
             <a:lstStyle/>
             <a:p>
-              <a:pPr algn="ctr"/>
               <a:r>
-                <a:rPr lang="en-US" dirty="0"/>
-                <a:t>incompatible</a:t>
+                <a:rPr lang="en-US" sz="1200" dirty="0"/>
+                <a:t>Data Scientist</a:t>
               </a:r>
-              <a:endParaRPr lang="en-NL" dirty="0"/>
+              <a:endParaRPr lang="en-NL" sz="1200" dirty="0"/>
             </a:p>
           </p:txBody>
         </p:sp>
-        <p:cxnSp>
-          <p:nvCxnSpPr>
-            <p:cNvPr id="10" name="Straight Arrow Connector 9">
-              <a:extLst>
-                <a:ext uri="{FF2B5EF4-FFF2-40B4-BE49-F238E27FC236}">
-                  <a16:creationId xmlns:a16="http://schemas.microsoft.com/office/drawing/2014/main" id="{6A0DFF0A-A0AA-FA5B-9CA8-816CB911BDBC}"/>
-                </a:ext>
-              </a:extLst>
-            </p:cNvPr>
-            <p:cNvCxnSpPr>
-              <a:endCxn id="8" idx="3"/>
-            </p:cNvCxnSpPr>
-            <p:nvPr/>
-          </p:nvCxnSpPr>
-          <p:spPr>
-            <a:xfrm flipH="1">
-              <a:off x="3559629" y="2247987"/>
-              <a:ext cx="506986" cy="1"/>
-            </a:xfrm>
-            <a:prstGeom prst="straightConnector1">
-              <a:avLst/>
-            </a:prstGeom>
-            <a:ln>
-              <a:tailEnd type="triangle"/>
-            </a:ln>
-          </p:spPr>
-          <p:style>
-            <a:lnRef idx="3">
-              <a:schemeClr val="accent2"/>
-            </a:lnRef>
-            <a:fillRef idx="0">
-              <a:schemeClr val="accent2"/>
-            </a:fillRef>
-            <a:effectRef idx="2">
-              <a:schemeClr val="accent2"/>
-            </a:effectRef>
-            <a:fontRef idx="minor">
-              <a:schemeClr val="tx1"/>
-            </a:fontRef>
-          </p:style>
-        </p:cxnSp>
-        <p:cxnSp>
-          <p:nvCxnSpPr>
-            <p:cNvPr id="12" name="Straight Arrow Connector 11">
-              <a:extLst>
-                <a:ext uri="{FF2B5EF4-FFF2-40B4-BE49-F238E27FC236}">
-                  <a16:creationId xmlns:a16="http://schemas.microsoft.com/office/drawing/2014/main" id="{E80C47D3-4310-5994-1A0B-FF7CBF6C5021}"/>
-                </a:ext>
-              </a:extLst>
-            </p:cNvPr>
-            <p:cNvCxnSpPr>
-              <a:stCxn id="4" idx="3"/>
-              <a:endCxn id="9" idx="1"/>
-            </p:cNvCxnSpPr>
-            <p:nvPr/>
-          </p:nvCxnSpPr>
-          <p:spPr>
-            <a:xfrm>
-              <a:off x="6003762" y="2247987"/>
-              <a:ext cx="506987" cy="1"/>
-            </a:xfrm>
-            <a:prstGeom prst="straightConnector1">
-              <a:avLst/>
-            </a:prstGeom>
-            <a:ln>
-              <a:tailEnd type="triangle"/>
-            </a:ln>
-          </p:spPr>
-          <p:style>
-            <a:lnRef idx="3">
-              <a:schemeClr val="accent2"/>
-            </a:lnRef>
-            <a:fillRef idx="0">
-              <a:schemeClr val="accent2"/>
-            </a:fillRef>
-            <a:effectRef idx="2">
-              <a:schemeClr val="accent2"/>
-            </a:effectRef>
-            <a:fontRef idx="minor">
-              <a:schemeClr val="tx1"/>
-            </a:fontRef>
-          </p:style>
-        </p:cxnSp>
       </p:grpSp>
       <p:grpSp>
         <p:nvGrpSpPr>
-          <p:cNvPr id="15" name="Group 14">
-            <a:extLst>
-              <a:ext uri="{FF2B5EF4-FFF2-40B4-BE49-F238E27FC236}">
-                <a16:creationId xmlns:a16="http://schemas.microsoft.com/office/drawing/2014/main" id="{6B1ADA3F-DB9B-63D0-B8BC-48CC68177A55}"/>
+          <p:cNvPr id="23" name="Group 22">
+            <a:extLst>
+              <a:ext uri="{FF2B5EF4-FFF2-40B4-BE49-F238E27FC236}">
+                <a16:creationId xmlns:a16="http://schemas.microsoft.com/office/drawing/2014/main" id="{78E6EEA3-0B3B-43A7-4B55-F1A720B2D893}"/>
               </a:ext>
             </a:extLst>
           </p:cNvPr>
@@ -29798,148 +29921,240 @@
         </p:nvGrpSpPr>
         <p:grpSpPr>
           <a:xfrm>
-            <a:off x="3559629" y="2860578"/>
-            <a:ext cx="2951119" cy="632032"/>
-            <a:chOff x="3559629" y="2002327"/>
-            <a:chExt cx="2951119" cy="632032"/>
+            <a:off x="9190848" y="4156576"/>
+            <a:ext cx="1316300" cy="1368185"/>
+            <a:chOff x="10039672" y="1559991"/>
+            <a:chExt cx="1079020" cy="1121552"/>
           </a:xfrm>
         </p:grpSpPr>
-        <p:sp>
-          <p:nvSpPr>
-            <p:cNvPr id="16" name="Rectangle: Rounded Corners 15">
+        <p:pic>
+          <p:nvPicPr>
+            <p:cNvPr id="20" name="Graphic 19" descr="Users">
               <a:extLst>
                 <a:ext uri="{FF2B5EF4-FFF2-40B4-BE49-F238E27FC236}">
-                  <a16:creationId xmlns:a16="http://schemas.microsoft.com/office/drawing/2014/main" id="{3164D936-7CEE-8BD6-3AEB-7FEFF65A8CD0}"/>
+                  <a16:creationId xmlns:a16="http://schemas.microsoft.com/office/drawing/2014/main" id="{188476B9-AC64-E3B7-5068-2B79256CB320}"/>
                 </a:ext>
               </a:extLst>
             </p:cNvPr>
-            <p:cNvSpPr/>
+            <p:cNvPicPr>
+              <a:picLocks noChangeAspect="1"/>
+            </p:cNvPicPr>
+            <p:nvPr/>
+          </p:nvPicPr>
+          <p:blipFill>
+            <a:blip r:embed="rId4">
+              <a:extLst>
+                <a:ext uri="{28A0092B-C50C-407E-A947-70E740481C1C}">
+                  <a14:useLocalDpi xmlns:a14="http://schemas.microsoft.com/office/drawing/2010/main" val="0"/>
+                </a:ext>
+                <a:ext uri="{96DAC541-7B7A-43D3-8B79-37D633B846F1}">
+                  <asvg:svgBlip xmlns:asvg="http://schemas.microsoft.com/office/drawing/2016/SVG/main" r:embed="rId5"/>
+                </a:ext>
+              </a:extLst>
+            </a:blip>
+            <a:stretch>
+              <a:fillRect/>
+            </a:stretch>
+          </p:blipFill>
+          <p:spPr>
+            <a:xfrm>
+              <a:off x="10039672" y="1559991"/>
+              <a:ext cx="1079020" cy="1079020"/>
+            </a:xfrm>
+            <a:prstGeom prst="rect">
+              <a:avLst/>
+            </a:prstGeom>
+          </p:spPr>
+        </p:pic>
+        <p:sp>
+          <p:nvSpPr>
+            <p:cNvPr id="21" name="TextBox 20">
+              <a:extLst>
+                <a:ext uri="{FF2B5EF4-FFF2-40B4-BE49-F238E27FC236}">
+                  <a16:creationId xmlns:a16="http://schemas.microsoft.com/office/drawing/2014/main" id="{18FAD1CC-52F4-DA0B-2E38-925F2C8765F3}"/>
+                </a:ext>
+              </a:extLst>
+            </p:cNvPr>
+            <p:cNvSpPr txBox="1"/>
             <p:nvPr/>
           </p:nvSpPr>
           <p:spPr>
             <a:xfrm>
-              <a:off x="4066615" y="2002327"/>
-              <a:ext cx="1937147" cy="491320"/>
+              <a:off x="10138986" y="2454477"/>
+              <a:ext cx="861583" cy="227066"/>
             </a:xfrm>
-            <a:prstGeom prst="roundRect">
+            <a:prstGeom prst="rect">
               <a:avLst/>
             </a:prstGeom>
+            <a:noFill/>
           </p:spPr>
-          <p:style>
-            <a:lnRef idx="1">
-              <a:schemeClr val="accent2"/>
-            </a:lnRef>
-            <a:fillRef idx="2">
-              <a:schemeClr val="accent2"/>
-            </a:fillRef>
-            <a:effectRef idx="1">
-              <a:schemeClr val="accent2"/>
-            </a:effectRef>
-            <a:fontRef idx="minor">
-              <a:schemeClr val="dk1"/>
-            </a:fontRef>
-          </p:style>
           <p:txBody>
-            <a:bodyPr rtlCol="0" anchor="ctr"/>
+            <a:bodyPr wrap="square" rtlCol="0">
+              <a:spAutoFit/>
+            </a:bodyPr>
             <a:lstStyle/>
             <a:p>
               <a:pPr algn="ctr"/>
               <a:r>
-                <a:rPr lang="en-US" dirty="0"/>
-                <a:t>incompatible</a:t>
+                <a:rPr lang="nl-NL" sz="1200" dirty="0"/>
+                <a:t>Gebruikers</a:t>
               </a:r>
-              <a:endParaRPr lang="en-NL" dirty="0"/>
             </a:p>
           </p:txBody>
         </p:sp>
-        <p:cxnSp>
-          <p:nvCxnSpPr>
-            <p:cNvPr id="18" name="Straight Arrow Connector 17">
-              <a:extLst>
-                <a:ext uri="{FF2B5EF4-FFF2-40B4-BE49-F238E27FC236}">
-                  <a16:creationId xmlns:a16="http://schemas.microsoft.com/office/drawing/2014/main" id="{CD6CDEF9-2153-5F50-B07B-4CF42FD66496}"/>
-                </a:ext>
-              </a:extLst>
-            </p:cNvPr>
-            <p:cNvCxnSpPr>
-              <a:cxnSpLocks/>
-            </p:cNvCxnSpPr>
-            <p:nvPr/>
-          </p:nvCxnSpPr>
-          <p:spPr>
-            <a:xfrm flipH="1">
-              <a:off x="3559629" y="2247987"/>
-              <a:ext cx="506986" cy="386372"/>
-            </a:xfrm>
-            <a:prstGeom prst="straightConnector1">
-              <a:avLst/>
-            </a:prstGeom>
-            <a:ln>
-              <a:tailEnd type="triangle"/>
-            </a:ln>
-          </p:spPr>
-          <p:style>
-            <a:lnRef idx="3">
-              <a:schemeClr val="accent2"/>
-            </a:lnRef>
-            <a:fillRef idx="0">
-              <a:schemeClr val="accent2"/>
-            </a:fillRef>
-            <a:effectRef idx="2">
-              <a:schemeClr val="accent2"/>
-            </a:effectRef>
-            <a:fontRef idx="minor">
-              <a:schemeClr val="tx1"/>
-            </a:fontRef>
-          </p:style>
-        </p:cxnSp>
-        <p:cxnSp>
-          <p:nvCxnSpPr>
-            <p:cNvPr id="20" name="Straight Arrow Connector 19">
-              <a:extLst>
-                <a:ext uri="{FF2B5EF4-FFF2-40B4-BE49-F238E27FC236}">
-                  <a16:creationId xmlns:a16="http://schemas.microsoft.com/office/drawing/2014/main" id="{3F186183-0BBE-EA1D-2E5B-042176837AC6}"/>
-                </a:ext>
-              </a:extLst>
-            </p:cNvPr>
-            <p:cNvCxnSpPr>
-              <a:cxnSpLocks/>
-              <a:stCxn id="16" idx="3"/>
-            </p:cNvCxnSpPr>
-            <p:nvPr/>
-          </p:nvCxnSpPr>
-          <p:spPr>
-            <a:xfrm>
-              <a:off x="6003762" y="2247987"/>
-              <a:ext cx="506986" cy="386372"/>
-            </a:xfrm>
-            <a:prstGeom prst="straightConnector1">
-              <a:avLst/>
-            </a:prstGeom>
-            <a:ln>
-              <a:tailEnd type="triangle"/>
-            </a:ln>
-          </p:spPr>
-          <p:style>
-            <a:lnRef idx="3">
-              <a:schemeClr val="accent2"/>
-            </a:lnRef>
-            <a:fillRef idx="0">
-              <a:schemeClr val="accent2"/>
-            </a:fillRef>
-            <a:effectRef idx="2">
-              <a:schemeClr val="accent2"/>
-            </a:effectRef>
-            <a:fontRef idx="minor">
-              <a:schemeClr val="tx1"/>
-            </a:fontRef>
-          </p:style>
-        </p:cxnSp>
       </p:grpSp>
+      <p:sp>
+        <p:nvSpPr>
+          <p:cNvPr id="47" name="Rectangle 46">
+            <a:extLst>
+              <a:ext uri="{FF2B5EF4-FFF2-40B4-BE49-F238E27FC236}">
+                <a16:creationId xmlns:a16="http://schemas.microsoft.com/office/drawing/2014/main" id="{1A131AE2-EBD9-619C-469F-DF9091BC0A31}"/>
+              </a:ext>
+            </a:extLst>
+          </p:cNvPr>
+          <p:cNvSpPr/>
+          <p:nvPr/>
+        </p:nvSpPr>
+        <p:spPr>
+          <a:xfrm>
+            <a:off x="8826977" y="3288582"/>
+            <a:ext cx="2044042" cy="779976"/>
+          </a:xfrm>
+          <a:prstGeom prst="rect">
+            <a:avLst/>
+          </a:prstGeom>
+          <a:solidFill>
+            <a:schemeClr val="accent4">
+              <a:lumMod val="40000"/>
+              <a:lumOff val="60000"/>
+            </a:schemeClr>
+          </a:solidFill>
+        </p:spPr>
+        <p:style>
+          <a:lnRef idx="1">
+            <a:schemeClr val="accent4"/>
+          </a:lnRef>
+          <a:fillRef idx="2">
+            <a:schemeClr val="accent4"/>
+          </a:fillRef>
+          <a:effectRef idx="1">
+            <a:schemeClr val="accent4"/>
+          </a:effectRef>
+          <a:fontRef idx="minor">
+            <a:schemeClr val="dk1"/>
+          </a:fontRef>
+        </p:style>
+        <p:txBody>
+          <a:bodyPr rtlCol="0" anchor="ctr"/>
+          <a:lstStyle/>
+          <a:p>
+            <a:pPr algn="ctr"/>
+            <a:r>
+              <a:rPr lang="nl-NL" sz="1600" dirty="0"/>
+              <a:t>Voorspellingen</a:t>
+            </a:r>
+          </a:p>
+        </p:txBody>
+      </p:sp>
+      <p:sp>
+        <p:nvSpPr>
+          <p:cNvPr id="3" name="Rectangle 2">
+            <a:extLst>
+              <a:ext uri="{FF2B5EF4-FFF2-40B4-BE49-F238E27FC236}">
+                <a16:creationId xmlns:a16="http://schemas.microsoft.com/office/drawing/2014/main" id="{48A36AB6-6B53-CFC8-BAA9-8DB9818D876E}"/>
+              </a:ext>
+            </a:extLst>
+          </p:cNvPr>
+          <p:cNvSpPr/>
+          <p:nvPr/>
+        </p:nvSpPr>
+        <p:spPr>
+          <a:xfrm>
+            <a:off x="3733547" y="1808977"/>
+            <a:ext cx="1681614" cy="538670"/>
+          </a:xfrm>
+          <a:prstGeom prst="rect">
+            <a:avLst/>
+          </a:prstGeom>
+          <a:solidFill>
+            <a:schemeClr val="accent2">
+              <a:lumMod val="40000"/>
+              <a:lumOff val="60000"/>
+            </a:schemeClr>
+          </a:solidFill>
+        </p:spPr>
+        <p:style>
+          <a:lnRef idx="1">
+            <a:schemeClr val="accent2"/>
+          </a:lnRef>
+          <a:fillRef idx="2">
+            <a:schemeClr val="accent2"/>
+          </a:fillRef>
+          <a:effectRef idx="1">
+            <a:schemeClr val="accent2"/>
+          </a:effectRef>
+          <a:fontRef idx="minor">
+            <a:schemeClr val="dk1"/>
+          </a:fontRef>
+        </p:style>
+        <p:txBody>
+          <a:bodyPr rtlCol="0" anchor="ctr"/>
+          <a:lstStyle/>
+          <a:p>
+            <a:pPr algn="ctr"/>
+            <a:r>
+              <a:rPr lang="nl-NL" sz="1600" noProof="0"/>
+              <a:t>Versies???</a:t>
+            </a:r>
+          </a:p>
+        </p:txBody>
+      </p:sp>
+      <p:cxnSp>
+        <p:nvCxnSpPr>
+          <p:cNvPr id="13" name="Straight Arrow Connector 12">
+            <a:extLst>
+              <a:ext uri="{FF2B5EF4-FFF2-40B4-BE49-F238E27FC236}">
+                <a16:creationId xmlns:a16="http://schemas.microsoft.com/office/drawing/2014/main" id="{8A6F77B5-FA92-2E71-125C-D80680B06A88}"/>
+              </a:ext>
+            </a:extLst>
+          </p:cNvPr>
+          <p:cNvCxnSpPr>
+            <a:stCxn id="3" idx="2"/>
+            <a:endCxn id="29" idx="0"/>
+          </p:cNvCxnSpPr>
+          <p:nvPr/>
+        </p:nvCxnSpPr>
+        <p:spPr>
+          <a:xfrm>
+            <a:off x="4574354" y="2347647"/>
+            <a:ext cx="1" cy="946406"/>
+          </a:xfrm>
+          <a:prstGeom prst="straightConnector1">
+            <a:avLst/>
+          </a:prstGeom>
+          <a:ln>
+            <a:tailEnd type="triangle"/>
+          </a:ln>
+        </p:spPr>
+        <p:style>
+          <a:lnRef idx="2">
+            <a:schemeClr val="accent2"/>
+          </a:lnRef>
+          <a:fillRef idx="0">
+            <a:schemeClr val="accent2"/>
+          </a:fillRef>
+          <a:effectRef idx="1">
+            <a:schemeClr val="accent2"/>
+          </a:effectRef>
+          <a:fontRef idx="minor">
+            <a:schemeClr val="tx1"/>
+          </a:fontRef>
+        </p:style>
+      </p:cxnSp>
     </p:spTree>
     <p:extLst>
       <p:ext uri="{BB962C8B-B14F-4D97-AF65-F5344CB8AC3E}">
-        <p14:creationId xmlns:p14="http://schemas.microsoft.com/office/powerpoint/2010/main" val="988709269"/>
+        <p14:creationId xmlns:p14="http://schemas.microsoft.com/office/powerpoint/2010/main" val="1235531903"/>
       </p:ext>
     </p:extLst>
   </p:cSld>
@@ -29949,12 +30164,18 @@
 </p:sld>
 </file>
 
-<file path=ppt/slides/slide48.xml><?xml version="1.0" encoding="utf-8"?>
+<file path=ppt/slides/slide47.xml><?xml version="1.0" encoding="utf-8"?>
 <p:sld xmlns:a="http://schemas.openxmlformats.org/drawingml/2006/main" xmlns:r="http://schemas.openxmlformats.org/officeDocument/2006/relationships" xmlns:p="http://schemas.openxmlformats.org/presentationml/2006/main">
   <p:cSld>
     <p:spTree>
       <p:nvGrpSpPr>
-        <p:cNvPr id="1" name=""/>
+        <p:cNvPr id="1" name="">
+          <a:extLst>
+            <a:ext uri="{FF2B5EF4-FFF2-40B4-BE49-F238E27FC236}">
+              <a16:creationId xmlns:a16="http://schemas.microsoft.com/office/drawing/2014/main" id="{5FAB692C-AA4D-C195-03EF-72534EF0AE6C}"/>
+            </a:ext>
+          </a:extLst>
+        </p:cNvPr>
         <p:cNvGrpSpPr/>
         <p:nvPr/>
       </p:nvGrpSpPr>
@@ -29971,7 +30192,7 @@
           <p:cNvPr id="2" name="Title 1">
             <a:extLst>
               <a:ext uri="{FF2B5EF4-FFF2-40B4-BE49-F238E27FC236}">
-                <a16:creationId xmlns:a16="http://schemas.microsoft.com/office/drawing/2014/main" id="{39A1D606-8DD1-369C-5C09-471CDD551AD5}"/>
+                <a16:creationId xmlns:a16="http://schemas.microsoft.com/office/drawing/2014/main" id="{239C3E59-37D2-1544-7AF5-5EBD90E15950}"/>
               </a:ext>
             </a:extLst>
           </p:cNvPr>
@@ -29996,7 +30217,7 @@
           <a:p>
             <a:r>
               <a:rPr lang="nl-NL" sz="3600" dirty="0"/>
-              <a:t>Productie problemen</a:t>
+              <a:t>Naar productie!</a:t>
             </a:r>
             <a:endParaRPr lang="nl-NL" sz="3600" noProof="0" dirty="0"/>
           </a:p>
@@ -30007,7 +30228,7 @@
           <p:cNvPr id="6" name="Rectangle 5">
             <a:extLst>
               <a:ext uri="{FF2B5EF4-FFF2-40B4-BE49-F238E27FC236}">
-                <a16:creationId xmlns:a16="http://schemas.microsoft.com/office/drawing/2014/main" id="{B32E2B49-6A16-A1DE-7F5E-041E6F9732FF}"/>
+                <a16:creationId xmlns:a16="http://schemas.microsoft.com/office/drawing/2014/main" id="{FADFEE06-B92D-A840-6D27-0C178C849129}"/>
               </a:ext>
             </a:extLst>
           </p:cNvPr>
@@ -30016,22 +30237,27 @@
         </p:nvSpPr>
         <p:spPr>
           <a:xfrm>
-            <a:off x="1119052" y="3494312"/>
-            <a:ext cx="2440577" cy="2070463"/>
+            <a:off x="1037720" y="3291317"/>
+            <a:ext cx="2044042" cy="779976"/>
           </a:xfrm>
           <a:prstGeom prst="rect">
             <a:avLst/>
           </a:prstGeom>
+          <a:solidFill>
+            <a:schemeClr val="bg1">
+              <a:lumMod val="85000"/>
+            </a:schemeClr>
+          </a:solidFill>
         </p:spPr>
         <p:style>
           <a:lnRef idx="1">
-            <a:schemeClr val="accent6"/>
+            <a:schemeClr val="accent3"/>
           </a:lnRef>
           <a:fillRef idx="2">
-            <a:schemeClr val="accent6"/>
+            <a:schemeClr val="accent3"/>
           </a:fillRef>
           <a:effectRef idx="1">
-            <a:schemeClr val="accent6"/>
+            <a:schemeClr val="accent3"/>
           </a:effectRef>
           <a:fontRef idx="minor">
             <a:schemeClr val="dk1"/>
@@ -30043,7 +30269,7 @@
           <a:p>
             <a:pPr algn="ctr"/>
             <a:r>
-              <a:rPr lang="nl-NL"/>
+              <a:rPr lang="nl-NL" sz="1600" dirty="0"/>
               <a:t>Training omgeving</a:t>
             </a:r>
           </a:p>
@@ -30054,7 +30280,7 @@
           <p:cNvPr id="7" name="Rectangle 6">
             <a:extLst>
               <a:ext uri="{FF2B5EF4-FFF2-40B4-BE49-F238E27FC236}">
-                <a16:creationId xmlns:a16="http://schemas.microsoft.com/office/drawing/2014/main" id="{D7AC7AB4-D61A-0671-093A-D3C8149D6127}"/>
+                <a16:creationId xmlns:a16="http://schemas.microsoft.com/office/drawing/2014/main" id="{6C5A3F8E-9288-BAD7-DD62-F2F2B80F7212}"/>
               </a:ext>
             </a:extLst>
           </p:cNvPr>
@@ -30063,22 +30289,27 @@
         </p:nvSpPr>
         <p:spPr>
           <a:xfrm>
-            <a:off x="6510750" y="3494313"/>
-            <a:ext cx="2440577" cy="2070463"/>
+            <a:off x="6066947" y="3291318"/>
+            <a:ext cx="2044042" cy="777240"/>
           </a:xfrm>
           <a:prstGeom prst="rect">
             <a:avLst/>
           </a:prstGeom>
+          <a:solidFill>
+            <a:schemeClr val="bg1">
+              <a:lumMod val="85000"/>
+            </a:schemeClr>
+          </a:solidFill>
         </p:spPr>
         <p:style>
           <a:lnRef idx="1">
-            <a:schemeClr val="accent5"/>
+            <a:schemeClr val="accent3"/>
           </a:lnRef>
           <a:fillRef idx="2">
-            <a:schemeClr val="accent5"/>
+            <a:schemeClr val="accent3"/>
           </a:fillRef>
           <a:effectRef idx="1">
-            <a:schemeClr val="accent5"/>
+            <a:schemeClr val="accent3"/>
           </a:effectRef>
           <a:fontRef idx="minor">
             <a:schemeClr val="dk1"/>
@@ -30090,7 +30321,7 @@
           <a:p>
             <a:pPr algn="ctr"/>
             <a:r>
-              <a:rPr lang="nl-NL" dirty="0"/>
+              <a:rPr lang="nl-NL" sz="1600" dirty="0"/>
               <a:t>Scoring omgeving</a:t>
             </a:r>
           </a:p>
@@ -30101,7 +30332,7 @@
           <p:cNvPr id="8" name="Rectangle 7">
             <a:extLst>
               <a:ext uri="{FF2B5EF4-FFF2-40B4-BE49-F238E27FC236}">
-                <a16:creationId xmlns:a16="http://schemas.microsoft.com/office/drawing/2014/main" id="{21BF7B99-FC60-5852-E264-562437EEA80E}"/>
+                <a16:creationId xmlns:a16="http://schemas.microsoft.com/office/drawing/2014/main" id="{69AD7878-0891-A552-4EEE-9EE5038D4FB2}"/>
               </a:ext>
             </a:extLst>
           </p:cNvPr>
@@ -30110,12 +30341,18 @@
         </p:nvSpPr>
         <p:spPr>
           <a:xfrm>
-            <a:off x="1119052" y="1774459"/>
-            <a:ext cx="2440577" cy="947057"/>
+            <a:off x="1037720" y="1688324"/>
+            <a:ext cx="2044042" cy="779976"/>
           </a:xfrm>
           <a:prstGeom prst="rect">
             <a:avLst/>
           </a:prstGeom>
+          <a:solidFill>
+            <a:schemeClr val="accent4">
+              <a:lumMod val="40000"/>
+              <a:lumOff val="60000"/>
+            </a:schemeClr>
+          </a:solidFill>
         </p:spPr>
         <p:style>
           <a:lnRef idx="1">
@@ -30137,7 +30374,7 @@
           <a:p>
             <a:pPr algn="ctr"/>
             <a:r>
-              <a:rPr lang="nl-NL"/>
+              <a:rPr lang="nl-NL" sz="1600" dirty="0"/>
               <a:t>Training Data</a:t>
             </a:r>
           </a:p>
@@ -30148,7 +30385,7 @@
           <p:cNvPr id="9" name="Rectangle 8">
             <a:extLst>
               <a:ext uri="{FF2B5EF4-FFF2-40B4-BE49-F238E27FC236}">
-                <a16:creationId xmlns:a16="http://schemas.microsoft.com/office/drawing/2014/main" id="{2ABCA7DB-5B45-060C-B58D-6E39BE3475FB}"/>
+                <a16:creationId xmlns:a16="http://schemas.microsoft.com/office/drawing/2014/main" id="{B99F316E-A076-2A29-6B11-63FE18C8F194}"/>
               </a:ext>
             </a:extLst>
           </p:cNvPr>
@@ -30157,12 +30394,18 @@
         </p:nvSpPr>
         <p:spPr>
           <a:xfrm>
-            <a:off x="6510749" y="1774459"/>
-            <a:ext cx="2440577" cy="947057"/>
+            <a:off x="6066946" y="1688324"/>
+            <a:ext cx="2044042" cy="779976"/>
           </a:xfrm>
           <a:prstGeom prst="rect">
             <a:avLst/>
           </a:prstGeom>
+          <a:solidFill>
+            <a:schemeClr val="accent4">
+              <a:lumMod val="40000"/>
+              <a:lumOff val="60000"/>
+            </a:schemeClr>
+          </a:solidFill>
         </p:spPr>
         <p:style>
           <a:lnRef idx="1">
@@ -30184,55 +30427,8 @@
           <a:p>
             <a:pPr algn="ctr"/>
             <a:r>
-              <a:rPr lang="nl-NL"/>
+              <a:rPr lang="nl-NL" sz="1600" dirty="0"/>
               <a:t>Scoring Data</a:t>
-            </a:r>
-          </a:p>
-        </p:txBody>
-      </p:sp>
-      <p:sp>
-        <p:nvSpPr>
-          <p:cNvPr id="14" name="Rectangle: Rounded Corners 13">
-            <a:extLst>
-              <a:ext uri="{FF2B5EF4-FFF2-40B4-BE49-F238E27FC236}">
-                <a16:creationId xmlns:a16="http://schemas.microsoft.com/office/drawing/2014/main" id="{09717716-BF59-0EB3-97A8-9968CA5A1E00}"/>
-              </a:ext>
-            </a:extLst>
-          </p:cNvPr>
-          <p:cNvSpPr/>
-          <p:nvPr/>
-        </p:nvSpPr>
-        <p:spPr>
-          <a:xfrm>
-            <a:off x="9639850" y="4139222"/>
-            <a:ext cx="1574074" cy="777240"/>
-          </a:xfrm>
-          <a:prstGeom prst="roundRect">
-            <a:avLst/>
-          </a:prstGeom>
-        </p:spPr>
-        <p:style>
-          <a:lnRef idx="1">
-            <a:schemeClr val="accent5"/>
-          </a:lnRef>
-          <a:fillRef idx="2">
-            <a:schemeClr val="accent5"/>
-          </a:fillRef>
-          <a:effectRef idx="1">
-            <a:schemeClr val="accent5"/>
-          </a:effectRef>
-          <a:fontRef idx="minor">
-            <a:schemeClr val="dk1"/>
-          </a:fontRef>
-        </p:style>
-        <p:txBody>
-          <a:bodyPr rtlCol="0" anchor="ctr"/>
-          <a:lstStyle/>
-          <a:p>
-            <a:pPr algn="ctr"/>
-            <a:r>
-              <a:rPr lang="nl-NL" dirty="0"/>
-              <a:t>Voorspelling</a:t>
             </a:r>
           </a:p>
         </p:txBody>
@@ -30242,7 +30438,7 @@
           <p:cNvPr id="17" name="Straight Arrow Connector 16">
             <a:extLst>
               <a:ext uri="{FF2B5EF4-FFF2-40B4-BE49-F238E27FC236}">
-                <a16:creationId xmlns:a16="http://schemas.microsoft.com/office/drawing/2014/main" id="{9AA1BFE4-AECF-A957-D0D5-5B89FE926C2D}"/>
+                <a16:creationId xmlns:a16="http://schemas.microsoft.com/office/drawing/2014/main" id="{8954C07D-0141-A505-A805-E9B9AAED2E7E}"/>
               </a:ext>
             </a:extLst>
           </p:cNvPr>
@@ -30254,9 +30450,9 @@
           <p:nvPr/>
         </p:nvCxnSpPr>
         <p:spPr>
-          <a:xfrm flipV="1">
-            <a:off x="3559629" y="4527841"/>
-            <a:ext cx="688523" cy="1703"/>
+          <a:xfrm>
+            <a:off x="3081762" y="3681305"/>
+            <a:ext cx="715990" cy="1368"/>
           </a:xfrm>
           <a:prstGeom prst="straightConnector1">
             <a:avLst/>
@@ -30285,7 +30481,7 @@
           <p:cNvPr id="19" name="Straight Arrow Connector 18">
             <a:extLst>
               <a:ext uri="{FF2B5EF4-FFF2-40B4-BE49-F238E27FC236}">
-                <a16:creationId xmlns:a16="http://schemas.microsoft.com/office/drawing/2014/main" id="{732D8E31-4E5A-53C3-967E-9B05BD33FA82}"/>
+                <a16:creationId xmlns:a16="http://schemas.microsoft.com/office/drawing/2014/main" id="{9AA2AC4D-991B-AC7F-F7DE-E3E0FB91028D}"/>
               </a:ext>
             </a:extLst>
           </p:cNvPr>
@@ -30297,9 +30493,9 @@
           <p:nvPr/>
         </p:nvCxnSpPr>
         <p:spPr>
-          <a:xfrm>
-            <a:off x="5822226" y="4527841"/>
-            <a:ext cx="688524" cy="1704"/>
+          <a:xfrm flipV="1">
+            <a:off x="5350957" y="3679938"/>
+            <a:ext cx="715990" cy="2735"/>
           </a:xfrm>
           <a:prstGeom prst="straightConnector1">
             <a:avLst/>
@@ -30328,20 +30524,20 @@
           <p:cNvPr id="22" name="Straight Arrow Connector 21">
             <a:extLst>
               <a:ext uri="{FF2B5EF4-FFF2-40B4-BE49-F238E27FC236}">
-                <a16:creationId xmlns:a16="http://schemas.microsoft.com/office/drawing/2014/main" id="{BD591FEB-E40A-5883-527D-5C938694ACFB}"/>
+                <a16:creationId xmlns:a16="http://schemas.microsoft.com/office/drawing/2014/main" id="{727DED11-0BAB-165F-A370-F13EEDD9D3BA}"/>
               </a:ext>
             </a:extLst>
           </p:cNvPr>
           <p:cNvCxnSpPr>
+            <a:cxnSpLocks/>
             <a:stCxn id="7" idx="3"/>
-            <a:endCxn id="14" idx="1"/>
           </p:cNvCxnSpPr>
           <p:nvPr/>
         </p:nvCxnSpPr>
         <p:spPr>
-          <a:xfrm flipV="1">
-            <a:off x="8951327" y="4527842"/>
-            <a:ext cx="688523" cy="1703"/>
+          <a:xfrm>
+            <a:off x="8110989" y="3679938"/>
+            <a:ext cx="1057592" cy="2736"/>
           </a:xfrm>
           <a:prstGeom prst="straightConnector1">
             <a:avLst/>
@@ -30370,11 +30566,12 @@
           <p:cNvPr id="24" name="Straight Arrow Connector 23">
             <a:extLst>
               <a:ext uri="{FF2B5EF4-FFF2-40B4-BE49-F238E27FC236}">
-                <a16:creationId xmlns:a16="http://schemas.microsoft.com/office/drawing/2014/main" id="{926D003C-9F25-39B0-F989-A5E70674A1AA}"/>
+                <a16:creationId xmlns:a16="http://schemas.microsoft.com/office/drawing/2014/main" id="{4B0B6732-B1C9-BA7C-9A82-E7EC7BC23B61}"/>
               </a:ext>
             </a:extLst>
           </p:cNvPr>
           <p:cNvCxnSpPr>
+            <a:cxnSpLocks/>
             <a:stCxn id="8" idx="2"/>
             <a:endCxn id="6" idx="0"/>
           </p:cNvCxnSpPr>
@@ -30382,8 +30579,8 @@
         </p:nvCxnSpPr>
         <p:spPr>
           <a:xfrm>
-            <a:off x="2339341" y="2721516"/>
-            <a:ext cx="0" cy="772796"/>
+            <a:off x="2059741" y="2468300"/>
+            <a:ext cx="0" cy="823017"/>
           </a:xfrm>
           <a:prstGeom prst="straightConnector1">
             <a:avLst/>
@@ -30412,11 +30609,12 @@
           <p:cNvPr id="26" name="Straight Arrow Connector 25">
             <a:extLst>
               <a:ext uri="{FF2B5EF4-FFF2-40B4-BE49-F238E27FC236}">
-                <a16:creationId xmlns:a16="http://schemas.microsoft.com/office/drawing/2014/main" id="{53338556-318B-747A-4F1C-21E738F16174}"/>
+                <a16:creationId xmlns:a16="http://schemas.microsoft.com/office/drawing/2014/main" id="{5EC7B728-3603-18CC-923C-99A4AAA0A2DA}"/>
               </a:ext>
             </a:extLst>
           </p:cNvPr>
           <p:cNvCxnSpPr>
+            <a:cxnSpLocks/>
             <a:stCxn id="9" idx="2"/>
             <a:endCxn id="7" idx="0"/>
           </p:cNvCxnSpPr>
@@ -30424,8 +30622,8 @@
         </p:nvCxnSpPr>
         <p:spPr>
           <a:xfrm>
-            <a:off x="7731038" y="2721516"/>
-            <a:ext cx="1" cy="772797"/>
+            <a:off x="7088967" y="2468300"/>
+            <a:ext cx="1" cy="823018"/>
           </a:xfrm>
           <a:prstGeom prst="straightConnector1">
             <a:avLst/>
@@ -30454,7 +30652,7 @@
           <p:cNvPr id="29" name="Rectangle: Rounded Corners 28">
             <a:extLst>
               <a:ext uri="{FF2B5EF4-FFF2-40B4-BE49-F238E27FC236}">
-                <a16:creationId xmlns:a16="http://schemas.microsoft.com/office/drawing/2014/main" id="{863D9589-CDB7-2989-9954-8509CA1E905A}"/>
+                <a16:creationId xmlns:a16="http://schemas.microsoft.com/office/drawing/2014/main" id="{CC47531B-C095-8941-B89F-A3B5309506AF}"/>
               </a:ext>
             </a:extLst>
           </p:cNvPr>
@@ -30463,12 +30661,18 @@
         </p:nvSpPr>
         <p:spPr>
           <a:xfrm>
-            <a:off x="4248152" y="4139221"/>
-            <a:ext cx="1574074" cy="777240"/>
+            <a:off x="3797752" y="3294053"/>
+            <a:ext cx="1553205" cy="777240"/>
           </a:xfrm>
           <a:prstGeom prst="roundRect">
             <a:avLst/>
           </a:prstGeom>
+          <a:solidFill>
+            <a:schemeClr val="accent6">
+              <a:lumMod val="40000"/>
+              <a:lumOff val="60000"/>
+            </a:schemeClr>
+          </a:solidFill>
         </p:spPr>
         <p:style>
           <a:lnRef idx="1">
@@ -30490,7 +30694,7 @@
           <a:p>
             <a:pPr algn="ctr"/>
             <a:r>
-              <a:rPr lang="nl-NL" dirty="0"/>
+              <a:rPr lang="nl-NL" sz="1600" dirty="0"/>
               <a:t>Model</a:t>
             </a:r>
           </a:p>
@@ -30498,10 +30702,10 @@
       </p:sp>
       <p:grpSp>
         <p:nvGrpSpPr>
-          <p:cNvPr id="13" name="Group 12">
-            <a:extLst>
-              <a:ext uri="{FF2B5EF4-FFF2-40B4-BE49-F238E27FC236}">
-                <a16:creationId xmlns:a16="http://schemas.microsoft.com/office/drawing/2014/main" id="{B7D37394-7E54-1E1F-2844-414DE1963AE2}"/>
+          <p:cNvPr id="11" name="Group 10">
+            <a:extLst>
+              <a:ext uri="{FF2B5EF4-FFF2-40B4-BE49-F238E27FC236}">
+                <a16:creationId xmlns:a16="http://schemas.microsoft.com/office/drawing/2014/main" id="{7E8EF6F2-BBF5-2BC5-C742-C24251C750AF}"/>
               </a:ext>
             </a:extLst>
           </p:cNvPr>
@@ -30510,150 +30714,94 @@
         </p:nvGrpSpPr>
         <p:grpSpPr>
           <a:xfrm>
-            <a:off x="3559629" y="2002327"/>
-            <a:ext cx="2951120" cy="491320"/>
-            <a:chOff x="3559629" y="2002327"/>
-            <a:chExt cx="2951120" cy="491320"/>
+            <a:off x="1543320" y="4198597"/>
+            <a:ext cx="1032841" cy="1232258"/>
+            <a:chOff x="4518061" y="1732274"/>
+            <a:chExt cx="1032841" cy="1232258"/>
           </a:xfrm>
         </p:grpSpPr>
-        <p:sp>
-          <p:nvSpPr>
-            <p:cNvPr id="4" name="Rectangle: Rounded Corners 3">
+        <p:pic>
+          <p:nvPicPr>
+            <p:cNvPr id="4" name="Graphic 3" descr="Scientist">
               <a:extLst>
                 <a:ext uri="{FF2B5EF4-FFF2-40B4-BE49-F238E27FC236}">
-                  <a16:creationId xmlns:a16="http://schemas.microsoft.com/office/drawing/2014/main" id="{B8AFF28A-C1BB-B8B4-D6FC-49147E0DAFC9}"/>
+                  <a16:creationId xmlns:a16="http://schemas.microsoft.com/office/drawing/2014/main" id="{8E7F0F0B-A8CF-0DD1-5709-E87F9C64F761}"/>
                 </a:ext>
               </a:extLst>
             </p:cNvPr>
-            <p:cNvSpPr/>
+            <p:cNvPicPr>
+              <a:picLocks noChangeAspect="1"/>
+            </p:cNvPicPr>
+            <p:nvPr/>
+          </p:nvPicPr>
+          <p:blipFill>
+            <a:blip r:embed="rId2">
+              <a:extLst>
+                <a:ext uri="{28A0092B-C50C-407E-A947-70E740481C1C}">
+                  <a14:useLocalDpi xmlns:a14="http://schemas.microsoft.com/office/drawing/2010/main" val="0"/>
+                </a:ext>
+                <a:ext uri="{96DAC541-7B7A-43D3-8B79-37D633B846F1}">
+                  <asvg:svgBlip xmlns:asvg="http://schemas.microsoft.com/office/drawing/2016/SVG/main" r:embed="rId3"/>
+                </a:ext>
+              </a:extLst>
+            </a:blip>
+            <a:stretch>
+              <a:fillRect/>
+            </a:stretch>
+          </p:blipFill>
+          <p:spPr>
+            <a:xfrm>
+              <a:off x="4519476" y="1732274"/>
+              <a:ext cx="1031426" cy="1031426"/>
+            </a:xfrm>
+            <a:prstGeom prst="rect">
+              <a:avLst/>
+            </a:prstGeom>
+          </p:spPr>
+        </p:pic>
+        <p:sp>
+          <p:nvSpPr>
+            <p:cNvPr id="5" name="TextBox 4">
+              <a:extLst>
+                <a:ext uri="{FF2B5EF4-FFF2-40B4-BE49-F238E27FC236}">
+                  <a16:creationId xmlns:a16="http://schemas.microsoft.com/office/drawing/2014/main" id="{1C90076B-BF9F-A3B8-959F-2E74C119822A}"/>
+                </a:ext>
+              </a:extLst>
+            </p:cNvPr>
+            <p:cNvSpPr txBox="1"/>
             <p:nvPr/>
           </p:nvSpPr>
           <p:spPr>
             <a:xfrm>
-              <a:off x="4066615" y="2002327"/>
-              <a:ext cx="1937147" cy="491320"/>
+              <a:off x="4518061" y="2687533"/>
+              <a:ext cx="1024639" cy="276999"/>
             </a:xfrm>
-            <a:prstGeom prst="roundRect">
+            <a:prstGeom prst="rect">
               <a:avLst/>
             </a:prstGeom>
+            <a:noFill/>
           </p:spPr>
-          <p:style>
-            <a:lnRef idx="1">
-              <a:schemeClr val="accent2"/>
-            </a:lnRef>
-            <a:fillRef idx="2">
-              <a:schemeClr val="accent2"/>
-            </a:fillRef>
-            <a:effectRef idx="1">
-              <a:schemeClr val="accent2"/>
-            </a:effectRef>
-            <a:fontRef idx="minor">
-              <a:schemeClr val="dk1"/>
-            </a:fontRef>
-          </p:style>
           <p:txBody>
-            <a:bodyPr rtlCol="0" anchor="ctr"/>
+            <a:bodyPr wrap="none" rtlCol="0">
+              <a:spAutoFit/>
+            </a:bodyPr>
             <a:lstStyle/>
             <a:p>
-              <a:pPr algn="ctr"/>
               <a:r>
-                <a:rPr lang="en-US" dirty="0"/>
-                <a:t>incompatible</a:t>
+                <a:rPr lang="en-US" sz="1200" dirty="0"/>
+                <a:t>Data Scientist</a:t>
               </a:r>
-              <a:endParaRPr lang="en-NL" dirty="0"/>
+              <a:endParaRPr lang="en-NL" sz="1200" dirty="0"/>
             </a:p>
           </p:txBody>
         </p:sp>
-        <p:cxnSp>
-          <p:nvCxnSpPr>
-            <p:cNvPr id="10" name="Straight Arrow Connector 9">
-              <a:extLst>
-                <a:ext uri="{FF2B5EF4-FFF2-40B4-BE49-F238E27FC236}">
-                  <a16:creationId xmlns:a16="http://schemas.microsoft.com/office/drawing/2014/main" id="{6A0DFF0A-A0AA-FA5B-9CA8-816CB911BDBC}"/>
-                </a:ext>
-              </a:extLst>
-            </p:cNvPr>
-            <p:cNvCxnSpPr>
-              <a:endCxn id="8" idx="3"/>
-            </p:cNvCxnSpPr>
-            <p:nvPr/>
-          </p:nvCxnSpPr>
-          <p:spPr>
-            <a:xfrm flipH="1">
-              <a:off x="3559629" y="2247987"/>
-              <a:ext cx="506986" cy="1"/>
-            </a:xfrm>
-            <a:prstGeom prst="straightConnector1">
-              <a:avLst/>
-            </a:prstGeom>
-            <a:ln>
-              <a:tailEnd type="triangle"/>
-            </a:ln>
-          </p:spPr>
-          <p:style>
-            <a:lnRef idx="3">
-              <a:schemeClr val="accent2"/>
-            </a:lnRef>
-            <a:fillRef idx="0">
-              <a:schemeClr val="accent2"/>
-            </a:fillRef>
-            <a:effectRef idx="2">
-              <a:schemeClr val="accent2"/>
-            </a:effectRef>
-            <a:fontRef idx="minor">
-              <a:schemeClr val="tx1"/>
-            </a:fontRef>
-          </p:style>
-        </p:cxnSp>
-        <p:cxnSp>
-          <p:nvCxnSpPr>
-            <p:cNvPr id="12" name="Straight Arrow Connector 11">
-              <a:extLst>
-                <a:ext uri="{FF2B5EF4-FFF2-40B4-BE49-F238E27FC236}">
-                  <a16:creationId xmlns:a16="http://schemas.microsoft.com/office/drawing/2014/main" id="{E80C47D3-4310-5994-1A0B-FF7CBF6C5021}"/>
-                </a:ext>
-              </a:extLst>
-            </p:cNvPr>
-            <p:cNvCxnSpPr>
-              <a:stCxn id="4" idx="3"/>
-              <a:endCxn id="9" idx="1"/>
-            </p:cNvCxnSpPr>
-            <p:nvPr/>
-          </p:nvCxnSpPr>
-          <p:spPr>
-            <a:xfrm>
-              <a:off x="6003762" y="2247987"/>
-              <a:ext cx="506987" cy="1"/>
-            </a:xfrm>
-            <a:prstGeom prst="straightConnector1">
-              <a:avLst/>
-            </a:prstGeom>
-            <a:ln>
-              <a:tailEnd type="triangle"/>
-            </a:ln>
-          </p:spPr>
-          <p:style>
-            <a:lnRef idx="3">
-              <a:schemeClr val="accent2"/>
-            </a:lnRef>
-            <a:fillRef idx="0">
-              <a:schemeClr val="accent2"/>
-            </a:fillRef>
-            <a:effectRef idx="2">
-              <a:schemeClr val="accent2"/>
-            </a:effectRef>
-            <a:fontRef idx="minor">
-              <a:schemeClr val="tx1"/>
-            </a:fontRef>
-          </p:style>
-        </p:cxnSp>
       </p:grpSp>
       <p:grpSp>
         <p:nvGrpSpPr>
-          <p:cNvPr id="15" name="Group 14">
-            <a:extLst>
-              <a:ext uri="{FF2B5EF4-FFF2-40B4-BE49-F238E27FC236}">
-                <a16:creationId xmlns:a16="http://schemas.microsoft.com/office/drawing/2014/main" id="{6B1ADA3F-DB9B-63D0-B8BC-48CC68177A55}"/>
+          <p:cNvPr id="23" name="Group 22">
+            <a:extLst>
+              <a:ext uri="{FF2B5EF4-FFF2-40B4-BE49-F238E27FC236}">
+                <a16:creationId xmlns:a16="http://schemas.microsoft.com/office/drawing/2014/main" id="{CAF8B019-8738-B786-6D9A-420C024BFDD7}"/>
               </a:ext>
             </a:extLst>
           </p:cNvPr>
@@ -30662,150 +30810,94 @@
         </p:nvGrpSpPr>
         <p:grpSpPr>
           <a:xfrm>
-            <a:off x="3559629" y="2860578"/>
-            <a:ext cx="2951119" cy="632032"/>
-            <a:chOff x="3559629" y="2002327"/>
-            <a:chExt cx="2951119" cy="632032"/>
+            <a:off x="9190848" y="4156576"/>
+            <a:ext cx="1316300" cy="1368185"/>
+            <a:chOff x="10039672" y="1559991"/>
+            <a:chExt cx="1079020" cy="1121552"/>
           </a:xfrm>
         </p:grpSpPr>
-        <p:sp>
-          <p:nvSpPr>
-            <p:cNvPr id="16" name="Rectangle: Rounded Corners 15">
+        <p:pic>
+          <p:nvPicPr>
+            <p:cNvPr id="20" name="Graphic 19" descr="Users">
               <a:extLst>
                 <a:ext uri="{FF2B5EF4-FFF2-40B4-BE49-F238E27FC236}">
-                  <a16:creationId xmlns:a16="http://schemas.microsoft.com/office/drawing/2014/main" id="{3164D936-7CEE-8BD6-3AEB-7FEFF65A8CD0}"/>
+                  <a16:creationId xmlns:a16="http://schemas.microsoft.com/office/drawing/2014/main" id="{87B55747-060B-C9C1-5323-7DB5EF379F49}"/>
                 </a:ext>
               </a:extLst>
             </p:cNvPr>
-            <p:cNvSpPr/>
+            <p:cNvPicPr>
+              <a:picLocks noChangeAspect="1"/>
+            </p:cNvPicPr>
+            <p:nvPr/>
+          </p:nvPicPr>
+          <p:blipFill>
+            <a:blip r:embed="rId4">
+              <a:extLst>
+                <a:ext uri="{28A0092B-C50C-407E-A947-70E740481C1C}">
+                  <a14:useLocalDpi xmlns:a14="http://schemas.microsoft.com/office/drawing/2010/main" val="0"/>
+                </a:ext>
+                <a:ext uri="{96DAC541-7B7A-43D3-8B79-37D633B846F1}">
+                  <asvg:svgBlip xmlns:asvg="http://schemas.microsoft.com/office/drawing/2016/SVG/main" r:embed="rId5"/>
+                </a:ext>
+              </a:extLst>
+            </a:blip>
+            <a:stretch>
+              <a:fillRect/>
+            </a:stretch>
+          </p:blipFill>
+          <p:spPr>
+            <a:xfrm>
+              <a:off x="10039672" y="1559991"/>
+              <a:ext cx="1079020" cy="1079020"/>
+            </a:xfrm>
+            <a:prstGeom prst="rect">
+              <a:avLst/>
+            </a:prstGeom>
+          </p:spPr>
+        </p:pic>
+        <p:sp>
+          <p:nvSpPr>
+            <p:cNvPr id="21" name="TextBox 20">
+              <a:extLst>
+                <a:ext uri="{FF2B5EF4-FFF2-40B4-BE49-F238E27FC236}">
+                  <a16:creationId xmlns:a16="http://schemas.microsoft.com/office/drawing/2014/main" id="{3B88AF63-1CAE-A157-FE7D-1DCAC3323D3F}"/>
+                </a:ext>
+              </a:extLst>
+            </p:cNvPr>
+            <p:cNvSpPr txBox="1"/>
             <p:nvPr/>
           </p:nvSpPr>
           <p:spPr>
             <a:xfrm>
-              <a:off x="4066615" y="2002327"/>
-              <a:ext cx="1937147" cy="491320"/>
+              <a:off x="10138986" y="2454477"/>
+              <a:ext cx="861583" cy="227066"/>
             </a:xfrm>
-            <a:prstGeom prst="roundRect">
+            <a:prstGeom prst="rect">
               <a:avLst/>
             </a:prstGeom>
+            <a:noFill/>
           </p:spPr>
-          <p:style>
-            <a:lnRef idx="1">
-              <a:schemeClr val="accent2"/>
-            </a:lnRef>
-            <a:fillRef idx="2">
-              <a:schemeClr val="accent2"/>
-            </a:fillRef>
-            <a:effectRef idx="1">
-              <a:schemeClr val="accent2"/>
-            </a:effectRef>
-            <a:fontRef idx="minor">
-              <a:schemeClr val="dk1"/>
-            </a:fontRef>
-          </p:style>
           <p:txBody>
-            <a:bodyPr rtlCol="0" anchor="ctr"/>
+            <a:bodyPr wrap="square" rtlCol="0">
+              <a:spAutoFit/>
+            </a:bodyPr>
             <a:lstStyle/>
             <a:p>
               <a:pPr algn="ctr"/>
               <a:r>
-                <a:rPr lang="en-US" dirty="0"/>
-                <a:t>incompatible</a:t>
+                <a:rPr lang="nl-NL" sz="1200" dirty="0"/>
+                <a:t>Gebruikers</a:t>
               </a:r>
-              <a:endParaRPr lang="en-NL" dirty="0"/>
             </a:p>
           </p:txBody>
         </p:sp>
-        <p:cxnSp>
-          <p:nvCxnSpPr>
-            <p:cNvPr id="18" name="Straight Arrow Connector 17">
-              <a:extLst>
-                <a:ext uri="{FF2B5EF4-FFF2-40B4-BE49-F238E27FC236}">
-                  <a16:creationId xmlns:a16="http://schemas.microsoft.com/office/drawing/2014/main" id="{CD6CDEF9-2153-5F50-B07B-4CF42FD66496}"/>
-                </a:ext>
-              </a:extLst>
-            </p:cNvPr>
-            <p:cNvCxnSpPr>
-              <a:cxnSpLocks/>
-            </p:cNvCxnSpPr>
-            <p:nvPr/>
-          </p:nvCxnSpPr>
-          <p:spPr>
-            <a:xfrm flipH="1">
-              <a:off x="3559629" y="2247987"/>
-              <a:ext cx="506986" cy="386372"/>
-            </a:xfrm>
-            <a:prstGeom prst="straightConnector1">
-              <a:avLst/>
-            </a:prstGeom>
-            <a:ln>
-              <a:tailEnd type="triangle"/>
-            </a:ln>
-          </p:spPr>
-          <p:style>
-            <a:lnRef idx="3">
-              <a:schemeClr val="accent2"/>
-            </a:lnRef>
-            <a:fillRef idx="0">
-              <a:schemeClr val="accent2"/>
-            </a:fillRef>
-            <a:effectRef idx="2">
-              <a:schemeClr val="accent2"/>
-            </a:effectRef>
-            <a:fontRef idx="minor">
-              <a:schemeClr val="tx1"/>
-            </a:fontRef>
-          </p:style>
-        </p:cxnSp>
-        <p:cxnSp>
-          <p:nvCxnSpPr>
-            <p:cNvPr id="20" name="Straight Arrow Connector 19">
-              <a:extLst>
-                <a:ext uri="{FF2B5EF4-FFF2-40B4-BE49-F238E27FC236}">
-                  <a16:creationId xmlns:a16="http://schemas.microsoft.com/office/drawing/2014/main" id="{3F186183-0BBE-EA1D-2E5B-042176837AC6}"/>
-                </a:ext>
-              </a:extLst>
-            </p:cNvPr>
-            <p:cNvCxnSpPr>
-              <a:cxnSpLocks/>
-              <a:stCxn id="16" idx="3"/>
-            </p:cNvCxnSpPr>
-            <p:nvPr/>
-          </p:nvCxnSpPr>
-          <p:spPr>
-            <a:xfrm>
-              <a:off x="6003762" y="2247987"/>
-              <a:ext cx="506986" cy="386372"/>
-            </a:xfrm>
-            <a:prstGeom prst="straightConnector1">
-              <a:avLst/>
-            </a:prstGeom>
-            <a:ln>
-              <a:tailEnd type="triangle"/>
-            </a:ln>
-          </p:spPr>
-          <p:style>
-            <a:lnRef idx="3">
-              <a:schemeClr val="accent2"/>
-            </a:lnRef>
-            <a:fillRef idx="0">
-              <a:schemeClr val="accent2"/>
-            </a:fillRef>
-            <a:effectRef idx="2">
-              <a:schemeClr val="accent2"/>
-            </a:effectRef>
-            <a:fontRef idx="minor">
-              <a:schemeClr val="tx1"/>
-            </a:fontRef>
-          </p:style>
-        </p:cxnSp>
       </p:grpSp>
       <p:sp>
         <p:nvSpPr>
-          <p:cNvPr id="25" name="Rectangle: Rounded Corners 24">
-            <a:extLst>
-              <a:ext uri="{FF2B5EF4-FFF2-40B4-BE49-F238E27FC236}">
-                <a16:creationId xmlns:a16="http://schemas.microsoft.com/office/drawing/2014/main" id="{B069D86B-E436-970C-BD01-18CA0BB51E1A}"/>
+          <p:cNvPr id="47" name="Rectangle 46">
+            <a:extLst>
+              <a:ext uri="{FF2B5EF4-FFF2-40B4-BE49-F238E27FC236}">
+                <a16:creationId xmlns:a16="http://schemas.microsoft.com/office/drawing/2014/main" id="{AFBB19B0-B58E-7BE8-4C3D-DD1251BDAAFD}"/>
               </a:ext>
             </a:extLst>
           </p:cNvPr>
@@ -30814,12 +30906,71 @@
         </p:nvSpPr>
         <p:spPr>
           <a:xfrm>
-            <a:off x="4070619" y="5813741"/>
-            <a:ext cx="1933143" cy="491321"/>
+            <a:off x="8826977" y="3288582"/>
+            <a:ext cx="2044042" cy="779976"/>
           </a:xfrm>
-          <a:prstGeom prst="roundRect">
+          <a:prstGeom prst="rect">
             <a:avLst/>
           </a:prstGeom>
+          <a:solidFill>
+            <a:schemeClr val="accent4">
+              <a:lumMod val="40000"/>
+              <a:lumOff val="60000"/>
+            </a:schemeClr>
+          </a:solidFill>
+        </p:spPr>
+        <p:style>
+          <a:lnRef idx="1">
+            <a:schemeClr val="accent4"/>
+          </a:lnRef>
+          <a:fillRef idx="2">
+            <a:schemeClr val="accent4"/>
+          </a:fillRef>
+          <a:effectRef idx="1">
+            <a:schemeClr val="accent4"/>
+          </a:effectRef>
+          <a:fontRef idx="minor">
+            <a:schemeClr val="dk1"/>
+          </a:fontRef>
+        </p:style>
+        <p:txBody>
+          <a:bodyPr rtlCol="0" anchor="ctr"/>
+          <a:lstStyle/>
+          <a:p>
+            <a:pPr algn="ctr"/>
+            <a:r>
+              <a:rPr lang="nl-NL" sz="1600" dirty="0"/>
+              <a:t>Voorspellingen</a:t>
+            </a:r>
+          </a:p>
+        </p:txBody>
+      </p:sp>
+      <p:sp>
+        <p:nvSpPr>
+          <p:cNvPr id="3" name="Rectangle 2">
+            <a:extLst>
+              <a:ext uri="{FF2B5EF4-FFF2-40B4-BE49-F238E27FC236}">
+                <a16:creationId xmlns:a16="http://schemas.microsoft.com/office/drawing/2014/main" id="{8590B73F-0F79-E738-2182-21E48A26D822}"/>
+              </a:ext>
+            </a:extLst>
+          </p:cNvPr>
+          <p:cNvSpPr/>
+          <p:nvPr/>
+        </p:nvSpPr>
+        <p:spPr>
+          <a:xfrm>
+            <a:off x="3797752" y="4741526"/>
+            <a:ext cx="1681614" cy="538670"/>
+          </a:xfrm>
+          <a:prstGeom prst="rect">
+            <a:avLst/>
+          </a:prstGeom>
+          <a:solidFill>
+            <a:schemeClr val="accent2">
+              <a:lumMod val="40000"/>
+              <a:lumOff val="60000"/>
+            </a:schemeClr>
+          </a:solidFill>
         </p:spPr>
         <p:style>
           <a:lnRef idx="1">
@@ -30841,36 +30992,396 @@
           <a:p>
             <a:pPr algn="ctr"/>
             <a:r>
-              <a:rPr lang="en-US" dirty="0" err="1"/>
-              <a:t>versies</a:t>
-            </a:r>
-            <a:r>
-              <a:rPr lang="en-US" dirty="0"/>
-              <a:t>?</a:t>
-            </a:r>
-            <a:endParaRPr lang="en-NL" dirty="0"/>
+              <a:rPr lang="nl-NL" sz="1600" noProof="0"/>
+              <a:t>Verschillen</a:t>
+            </a:r>
           </a:p>
         </p:txBody>
       </p:sp>
       <p:cxnSp>
         <p:nvCxnSpPr>
-          <p:cNvPr id="28" name="Straight Arrow Connector 27">
-            <a:extLst>
-              <a:ext uri="{FF2B5EF4-FFF2-40B4-BE49-F238E27FC236}">
-                <a16:creationId xmlns:a16="http://schemas.microsoft.com/office/drawing/2014/main" id="{C5E64489-1A93-9151-FE15-5B4142628006}"/>
+          <p:cNvPr id="12" name="Straight Arrow Connector 11">
+            <a:extLst>
+              <a:ext uri="{FF2B5EF4-FFF2-40B4-BE49-F238E27FC236}">
+                <a16:creationId xmlns:a16="http://schemas.microsoft.com/office/drawing/2014/main" id="{5189CA36-B902-8A08-FCB7-9B74C5C8B225}"/>
               </a:ext>
             </a:extLst>
           </p:cNvPr>
           <p:cNvCxnSpPr>
-            <a:stCxn id="25" idx="0"/>
-            <a:endCxn id="29" idx="2"/>
+            <a:cxnSpLocks/>
           </p:cNvCxnSpPr>
           <p:nvPr/>
         </p:nvCxnSpPr>
         <p:spPr>
           <a:xfrm flipH="1" flipV="1">
-            <a:off x="5035189" y="4916461"/>
-            <a:ext cx="2002" cy="897280"/>
+            <a:off x="3081762" y="4068558"/>
+            <a:ext cx="715990" cy="672968"/>
+          </a:xfrm>
+          <a:prstGeom prst="straightConnector1">
+            <a:avLst/>
+          </a:prstGeom>
+          <a:ln>
+            <a:tailEnd type="triangle"/>
+          </a:ln>
+        </p:spPr>
+        <p:style>
+          <a:lnRef idx="2">
+            <a:schemeClr val="accent2"/>
+          </a:lnRef>
+          <a:fillRef idx="0">
+            <a:schemeClr val="accent2"/>
+          </a:fillRef>
+          <a:effectRef idx="1">
+            <a:schemeClr val="accent2"/>
+          </a:effectRef>
+          <a:fontRef idx="minor">
+            <a:schemeClr val="tx1"/>
+          </a:fontRef>
+        </p:style>
+      </p:cxnSp>
+      <p:cxnSp>
+        <p:nvCxnSpPr>
+          <p:cNvPr id="14" name="Straight Arrow Connector 13">
+            <a:extLst>
+              <a:ext uri="{FF2B5EF4-FFF2-40B4-BE49-F238E27FC236}">
+                <a16:creationId xmlns:a16="http://schemas.microsoft.com/office/drawing/2014/main" id="{D96DA74D-34A2-B153-A294-27D0D2BDD85C}"/>
+              </a:ext>
+            </a:extLst>
+          </p:cNvPr>
+          <p:cNvCxnSpPr>
+            <a:cxnSpLocks/>
+          </p:cNvCxnSpPr>
+          <p:nvPr/>
+        </p:nvCxnSpPr>
+        <p:spPr>
+          <a:xfrm flipV="1">
+            <a:off x="5479366" y="4068558"/>
+            <a:ext cx="587579" cy="670233"/>
+          </a:xfrm>
+          <a:prstGeom prst="straightConnector1">
+            <a:avLst/>
+          </a:prstGeom>
+          <a:ln>
+            <a:tailEnd type="triangle"/>
+          </a:ln>
+        </p:spPr>
+        <p:style>
+          <a:lnRef idx="2">
+            <a:schemeClr val="accent2"/>
+          </a:lnRef>
+          <a:fillRef idx="0">
+            <a:schemeClr val="accent2"/>
+          </a:fillRef>
+          <a:effectRef idx="1">
+            <a:schemeClr val="accent2"/>
+          </a:effectRef>
+          <a:fontRef idx="minor">
+            <a:schemeClr val="tx1"/>
+          </a:fontRef>
+        </p:style>
+      </p:cxnSp>
+    </p:spTree>
+    <p:extLst>
+      <p:ext uri="{BB962C8B-B14F-4D97-AF65-F5344CB8AC3E}">
+        <p14:creationId xmlns:p14="http://schemas.microsoft.com/office/powerpoint/2010/main" val="3545375876"/>
+      </p:ext>
+    </p:extLst>
+  </p:cSld>
+  <p:clrMapOvr>
+    <a:masterClrMapping/>
+  </p:clrMapOvr>
+</p:sld>
+</file>
+
+<file path=ppt/slides/slide48.xml><?xml version="1.0" encoding="utf-8"?>
+<p:sld xmlns:a="http://schemas.openxmlformats.org/drawingml/2006/main" xmlns:r="http://schemas.openxmlformats.org/officeDocument/2006/relationships" xmlns:p="http://schemas.openxmlformats.org/presentationml/2006/main">
+  <p:cSld>
+    <p:spTree>
+      <p:nvGrpSpPr>
+        <p:cNvPr id="1" name="">
+          <a:extLst>
+            <a:ext uri="{FF2B5EF4-FFF2-40B4-BE49-F238E27FC236}">
+              <a16:creationId xmlns:a16="http://schemas.microsoft.com/office/drawing/2014/main" id="{79A8321B-6A87-2FF7-3D34-9757B02C579B}"/>
+            </a:ext>
+          </a:extLst>
+        </p:cNvPr>
+        <p:cNvGrpSpPr/>
+        <p:nvPr/>
+      </p:nvGrpSpPr>
+      <p:grpSpPr>
+        <a:xfrm>
+          <a:off x="0" y="0"/>
+          <a:ext cx="0" cy="0"/>
+          <a:chOff x="0" y="0"/>
+          <a:chExt cx="0" cy="0"/>
+        </a:xfrm>
+      </p:grpSpPr>
+      <p:sp>
+        <p:nvSpPr>
+          <p:cNvPr id="2" name="Title 1">
+            <a:extLst>
+              <a:ext uri="{FF2B5EF4-FFF2-40B4-BE49-F238E27FC236}">
+                <a16:creationId xmlns:a16="http://schemas.microsoft.com/office/drawing/2014/main" id="{FCE61AFD-C7A6-3AAC-85E2-02BC9E48BC47}"/>
+              </a:ext>
+            </a:extLst>
+          </p:cNvPr>
+          <p:cNvSpPr>
+            <a:spLocks noGrp="1"/>
+          </p:cNvSpPr>
+          <p:nvPr>
+            <p:ph type="title"/>
+          </p:nvPr>
+        </p:nvSpPr>
+        <p:spPr>
+          <a:xfrm>
+            <a:off x="838200" y="365126"/>
+            <a:ext cx="10515600" cy="718608"/>
+          </a:xfrm>
+        </p:spPr>
+        <p:txBody>
+          <a:bodyPr>
+            <a:normAutofit/>
+          </a:bodyPr>
+          <a:lstStyle/>
+          <a:p>
+            <a:r>
+              <a:rPr lang="nl-NL" sz="3600" dirty="0"/>
+              <a:t>Naar productie!</a:t>
+            </a:r>
+            <a:endParaRPr lang="nl-NL" sz="3600" noProof="0" dirty="0"/>
+          </a:p>
+        </p:txBody>
+      </p:sp>
+      <p:sp>
+        <p:nvSpPr>
+          <p:cNvPr id="6" name="Rectangle 5">
+            <a:extLst>
+              <a:ext uri="{FF2B5EF4-FFF2-40B4-BE49-F238E27FC236}">
+                <a16:creationId xmlns:a16="http://schemas.microsoft.com/office/drawing/2014/main" id="{5CC5675F-FE39-76B6-7A5F-4AD53BAB19FB}"/>
+              </a:ext>
+            </a:extLst>
+          </p:cNvPr>
+          <p:cNvSpPr/>
+          <p:nvPr/>
+        </p:nvSpPr>
+        <p:spPr>
+          <a:xfrm>
+            <a:off x="1037720" y="3291317"/>
+            <a:ext cx="2044042" cy="779976"/>
+          </a:xfrm>
+          <a:prstGeom prst="rect">
+            <a:avLst/>
+          </a:prstGeom>
+          <a:solidFill>
+            <a:schemeClr val="bg1">
+              <a:lumMod val="85000"/>
+            </a:schemeClr>
+          </a:solidFill>
+        </p:spPr>
+        <p:style>
+          <a:lnRef idx="1">
+            <a:schemeClr val="accent3"/>
+          </a:lnRef>
+          <a:fillRef idx="2">
+            <a:schemeClr val="accent3"/>
+          </a:fillRef>
+          <a:effectRef idx="1">
+            <a:schemeClr val="accent3"/>
+          </a:effectRef>
+          <a:fontRef idx="minor">
+            <a:schemeClr val="dk1"/>
+          </a:fontRef>
+        </p:style>
+        <p:txBody>
+          <a:bodyPr rtlCol="0" anchor="ctr"/>
+          <a:lstStyle/>
+          <a:p>
+            <a:pPr algn="ctr"/>
+            <a:r>
+              <a:rPr lang="nl-NL" sz="1600" dirty="0"/>
+              <a:t>Training omgeving</a:t>
+            </a:r>
+          </a:p>
+        </p:txBody>
+      </p:sp>
+      <p:sp>
+        <p:nvSpPr>
+          <p:cNvPr id="7" name="Rectangle 6">
+            <a:extLst>
+              <a:ext uri="{FF2B5EF4-FFF2-40B4-BE49-F238E27FC236}">
+                <a16:creationId xmlns:a16="http://schemas.microsoft.com/office/drawing/2014/main" id="{88B713B6-12D1-A08E-4C07-5594EB976BDC}"/>
+              </a:ext>
+            </a:extLst>
+          </p:cNvPr>
+          <p:cNvSpPr/>
+          <p:nvPr/>
+        </p:nvSpPr>
+        <p:spPr>
+          <a:xfrm>
+            <a:off x="6066947" y="3291318"/>
+            <a:ext cx="2044042" cy="777240"/>
+          </a:xfrm>
+          <a:prstGeom prst="rect">
+            <a:avLst/>
+          </a:prstGeom>
+          <a:solidFill>
+            <a:schemeClr val="bg1">
+              <a:lumMod val="85000"/>
+            </a:schemeClr>
+          </a:solidFill>
+        </p:spPr>
+        <p:style>
+          <a:lnRef idx="1">
+            <a:schemeClr val="accent3"/>
+          </a:lnRef>
+          <a:fillRef idx="2">
+            <a:schemeClr val="accent3"/>
+          </a:fillRef>
+          <a:effectRef idx="1">
+            <a:schemeClr val="accent3"/>
+          </a:effectRef>
+          <a:fontRef idx="minor">
+            <a:schemeClr val="dk1"/>
+          </a:fontRef>
+        </p:style>
+        <p:txBody>
+          <a:bodyPr rtlCol="0" anchor="ctr"/>
+          <a:lstStyle/>
+          <a:p>
+            <a:pPr algn="ctr"/>
+            <a:r>
+              <a:rPr lang="nl-NL" sz="1600" dirty="0"/>
+              <a:t>Scoring omgeving</a:t>
+            </a:r>
+          </a:p>
+        </p:txBody>
+      </p:sp>
+      <p:sp>
+        <p:nvSpPr>
+          <p:cNvPr id="8" name="Rectangle 7">
+            <a:extLst>
+              <a:ext uri="{FF2B5EF4-FFF2-40B4-BE49-F238E27FC236}">
+                <a16:creationId xmlns:a16="http://schemas.microsoft.com/office/drawing/2014/main" id="{175CCC20-70C2-643A-2330-7A11615B8A00}"/>
+              </a:ext>
+            </a:extLst>
+          </p:cNvPr>
+          <p:cNvSpPr/>
+          <p:nvPr/>
+        </p:nvSpPr>
+        <p:spPr>
+          <a:xfrm>
+            <a:off x="1037720" y="1688324"/>
+            <a:ext cx="2044042" cy="779976"/>
+          </a:xfrm>
+          <a:prstGeom prst="rect">
+            <a:avLst/>
+          </a:prstGeom>
+          <a:solidFill>
+            <a:schemeClr val="accent4">
+              <a:lumMod val="40000"/>
+              <a:lumOff val="60000"/>
+            </a:schemeClr>
+          </a:solidFill>
+        </p:spPr>
+        <p:style>
+          <a:lnRef idx="1">
+            <a:schemeClr val="accent4"/>
+          </a:lnRef>
+          <a:fillRef idx="2">
+            <a:schemeClr val="accent4"/>
+          </a:fillRef>
+          <a:effectRef idx="1">
+            <a:schemeClr val="accent4"/>
+          </a:effectRef>
+          <a:fontRef idx="minor">
+            <a:schemeClr val="dk1"/>
+          </a:fontRef>
+        </p:style>
+        <p:txBody>
+          <a:bodyPr rtlCol="0" anchor="ctr"/>
+          <a:lstStyle/>
+          <a:p>
+            <a:pPr algn="ctr"/>
+            <a:r>
+              <a:rPr lang="nl-NL" sz="1600" dirty="0"/>
+              <a:t>Training Data</a:t>
+            </a:r>
+          </a:p>
+        </p:txBody>
+      </p:sp>
+      <p:sp>
+        <p:nvSpPr>
+          <p:cNvPr id="9" name="Rectangle 8">
+            <a:extLst>
+              <a:ext uri="{FF2B5EF4-FFF2-40B4-BE49-F238E27FC236}">
+                <a16:creationId xmlns:a16="http://schemas.microsoft.com/office/drawing/2014/main" id="{BC66568D-9974-D539-D357-726E18846A4A}"/>
+              </a:ext>
+            </a:extLst>
+          </p:cNvPr>
+          <p:cNvSpPr/>
+          <p:nvPr/>
+        </p:nvSpPr>
+        <p:spPr>
+          <a:xfrm>
+            <a:off x="6066946" y="1688324"/>
+            <a:ext cx="2044042" cy="779976"/>
+          </a:xfrm>
+          <a:prstGeom prst="rect">
+            <a:avLst/>
+          </a:prstGeom>
+          <a:solidFill>
+            <a:schemeClr val="accent4">
+              <a:lumMod val="40000"/>
+              <a:lumOff val="60000"/>
+            </a:schemeClr>
+          </a:solidFill>
+        </p:spPr>
+        <p:style>
+          <a:lnRef idx="1">
+            <a:schemeClr val="accent4"/>
+          </a:lnRef>
+          <a:fillRef idx="2">
+            <a:schemeClr val="accent4"/>
+          </a:fillRef>
+          <a:effectRef idx="1">
+            <a:schemeClr val="accent4"/>
+          </a:effectRef>
+          <a:fontRef idx="minor">
+            <a:schemeClr val="dk1"/>
+          </a:fontRef>
+        </p:style>
+        <p:txBody>
+          <a:bodyPr rtlCol="0" anchor="ctr"/>
+          <a:lstStyle/>
+          <a:p>
+            <a:pPr algn="ctr"/>
+            <a:r>
+              <a:rPr lang="nl-NL" sz="1600" dirty="0"/>
+              <a:t>Scoring Data</a:t>
+            </a:r>
+          </a:p>
+        </p:txBody>
+      </p:sp>
+      <p:cxnSp>
+        <p:nvCxnSpPr>
+          <p:cNvPr id="17" name="Straight Arrow Connector 16">
+            <a:extLst>
+              <a:ext uri="{FF2B5EF4-FFF2-40B4-BE49-F238E27FC236}">
+                <a16:creationId xmlns:a16="http://schemas.microsoft.com/office/drawing/2014/main" id="{AF50F7AF-E388-9134-F5D9-31C91B356EBF}"/>
+              </a:ext>
+            </a:extLst>
+          </p:cNvPr>
+          <p:cNvCxnSpPr>
+            <a:cxnSpLocks/>
+            <a:stCxn id="6" idx="3"/>
+            <a:endCxn id="29" idx="1"/>
+          </p:cNvCxnSpPr>
+          <p:nvPr/>
+        </p:nvCxnSpPr>
+        <p:spPr>
+          <a:xfrm>
+            <a:off x="3081762" y="3681305"/>
+            <a:ext cx="715990" cy="1368"/>
           </a:xfrm>
           <a:prstGeom prst="straightConnector1">
             <a:avLst/>
@@ -30881,13 +31392,746 @@
         </p:spPr>
         <p:style>
           <a:lnRef idx="3">
-            <a:schemeClr val="accent2"/>
+            <a:schemeClr val="dk1"/>
           </a:lnRef>
           <a:fillRef idx="0">
-            <a:schemeClr val="accent2"/>
+            <a:schemeClr val="dk1"/>
           </a:fillRef>
           <a:effectRef idx="2">
-            <a:schemeClr val="accent2"/>
+            <a:schemeClr val="dk1"/>
+          </a:effectRef>
+          <a:fontRef idx="minor">
+            <a:schemeClr val="tx1"/>
+          </a:fontRef>
+        </p:style>
+      </p:cxnSp>
+      <p:cxnSp>
+        <p:nvCxnSpPr>
+          <p:cNvPr id="19" name="Straight Arrow Connector 18">
+            <a:extLst>
+              <a:ext uri="{FF2B5EF4-FFF2-40B4-BE49-F238E27FC236}">
+                <a16:creationId xmlns:a16="http://schemas.microsoft.com/office/drawing/2014/main" id="{1FE5A92B-8708-2D4E-D98A-D7FCE9D2052E}"/>
+              </a:ext>
+            </a:extLst>
+          </p:cNvPr>
+          <p:cNvCxnSpPr>
+            <a:cxnSpLocks/>
+            <a:stCxn id="29" idx="3"/>
+            <a:endCxn id="7" idx="1"/>
+          </p:cNvCxnSpPr>
+          <p:nvPr/>
+        </p:nvCxnSpPr>
+        <p:spPr>
+          <a:xfrm flipV="1">
+            <a:off x="5350957" y="3679938"/>
+            <a:ext cx="715990" cy="2735"/>
+          </a:xfrm>
+          <a:prstGeom prst="straightConnector1">
+            <a:avLst/>
+          </a:prstGeom>
+          <a:ln>
+            <a:tailEnd type="triangle"/>
+          </a:ln>
+        </p:spPr>
+        <p:style>
+          <a:lnRef idx="3">
+            <a:schemeClr val="dk1"/>
+          </a:lnRef>
+          <a:fillRef idx="0">
+            <a:schemeClr val="dk1"/>
+          </a:fillRef>
+          <a:effectRef idx="2">
+            <a:schemeClr val="dk1"/>
+          </a:effectRef>
+          <a:fontRef idx="minor">
+            <a:schemeClr val="tx1"/>
+          </a:fontRef>
+        </p:style>
+      </p:cxnSp>
+      <p:cxnSp>
+        <p:nvCxnSpPr>
+          <p:cNvPr id="22" name="Straight Arrow Connector 21">
+            <a:extLst>
+              <a:ext uri="{FF2B5EF4-FFF2-40B4-BE49-F238E27FC236}">
+                <a16:creationId xmlns:a16="http://schemas.microsoft.com/office/drawing/2014/main" id="{6F9CBAC7-E49E-CA28-2276-5E41FA3F7F61}"/>
+              </a:ext>
+            </a:extLst>
+          </p:cNvPr>
+          <p:cNvCxnSpPr>
+            <a:cxnSpLocks/>
+            <a:stCxn id="7" idx="3"/>
+          </p:cNvCxnSpPr>
+          <p:nvPr/>
+        </p:nvCxnSpPr>
+        <p:spPr>
+          <a:xfrm>
+            <a:off x="8110989" y="3679938"/>
+            <a:ext cx="1057592" cy="2736"/>
+          </a:xfrm>
+          <a:prstGeom prst="straightConnector1">
+            <a:avLst/>
+          </a:prstGeom>
+          <a:ln>
+            <a:tailEnd type="triangle"/>
+          </a:ln>
+        </p:spPr>
+        <p:style>
+          <a:lnRef idx="3">
+            <a:schemeClr val="dk1"/>
+          </a:lnRef>
+          <a:fillRef idx="0">
+            <a:schemeClr val="dk1"/>
+          </a:fillRef>
+          <a:effectRef idx="2">
+            <a:schemeClr val="dk1"/>
+          </a:effectRef>
+          <a:fontRef idx="minor">
+            <a:schemeClr val="tx1"/>
+          </a:fontRef>
+        </p:style>
+      </p:cxnSp>
+      <p:cxnSp>
+        <p:nvCxnSpPr>
+          <p:cNvPr id="24" name="Straight Arrow Connector 23">
+            <a:extLst>
+              <a:ext uri="{FF2B5EF4-FFF2-40B4-BE49-F238E27FC236}">
+                <a16:creationId xmlns:a16="http://schemas.microsoft.com/office/drawing/2014/main" id="{2EA0C9E2-1754-9A11-9B9D-EE7D0DDA4EE6}"/>
+              </a:ext>
+            </a:extLst>
+          </p:cNvPr>
+          <p:cNvCxnSpPr>
+            <a:cxnSpLocks/>
+            <a:stCxn id="8" idx="2"/>
+            <a:endCxn id="6" idx="0"/>
+          </p:cNvCxnSpPr>
+          <p:nvPr/>
+        </p:nvCxnSpPr>
+        <p:spPr>
+          <a:xfrm>
+            <a:off x="2059741" y="2468300"/>
+            <a:ext cx="0" cy="823017"/>
+          </a:xfrm>
+          <a:prstGeom prst="straightConnector1">
+            <a:avLst/>
+          </a:prstGeom>
+          <a:ln>
+            <a:tailEnd type="triangle"/>
+          </a:ln>
+        </p:spPr>
+        <p:style>
+          <a:lnRef idx="3">
+            <a:schemeClr val="dk1"/>
+          </a:lnRef>
+          <a:fillRef idx="0">
+            <a:schemeClr val="dk1"/>
+          </a:fillRef>
+          <a:effectRef idx="2">
+            <a:schemeClr val="dk1"/>
+          </a:effectRef>
+          <a:fontRef idx="minor">
+            <a:schemeClr val="tx1"/>
+          </a:fontRef>
+        </p:style>
+      </p:cxnSp>
+      <p:cxnSp>
+        <p:nvCxnSpPr>
+          <p:cNvPr id="26" name="Straight Arrow Connector 25">
+            <a:extLst>
+              <a:ext uri="{FF2B5EF4-FFF2-40B4-BE49-F238E27FC236}">
+                <a16:creationId xmlns:a16="http://schemas.microsoft.com/office/drawing/2014/main" id="{6507C600-1C15-FAD0-3D51-28180C6DF731}"/>
+              </a:ext>
+            </a:extLst>
+          </p:cNvPr>
+          <p:cNvCxnSpPr>
+            <a:cxnSpLocks/>
+            <a:stCxn id="9" idx="2"/>
+            <a:endCxn id="7" idx="0"/>
+          </p:cNvCxnSpPr>
+          <p:nvPr/>
+        </p:nvCxnSpPr>
+        <p:spPr>
+          <a:xfrm>
+            <a:off x="7088967" y="2468300"/>
+            <a:ext cx="1" cy="823018"/>
+          </a:xfrm>
+          <a:prstGeom prst="straightConnector1">
+            <a:avLst/>
+          </a:prstGeom>
+          <a:ln>
+            <a:tailEnd type="triangle"/>
+          </a:ln>
+        </p:spPr>
+        <p:style>
+          <a:lnRef idx="3">
+            <a:schemeClr val="dk1"/>
+          </a:lnRef>
+          <a:fillRef idx="0">
+            <a:schemeClr val="dk1"/>
+          </a:fillRef>
+          <a:effectRef idx="2">
+            <a:schemeClr val="dk1"/>
+          </a:effectRef>
+          <a:fontRef idx="minor">
+            <a:schemeClr val="tx1"/>
+          </a:fontRef>
+        </p:style>
+      </p:cxnSp>
+      <p:sp>
+        <p:nvSpPr>
+          <p:cNvPr id="29" name="Rectangle: Rounded Corners 28">
+            <a:extLst>
+              <a:ext uri="{FF2B5EF4-FFF2-40B4-BE49-F238E27FC236}">
+                <a16:creationId xmlns:a16="http://schemas.microsoft.com/office/drawing/2014/main" id="{BB1CFC6E-5548-C112-EA53-412FC8B673BC}"/>
+              </a:ext>
+            </a:extLst>
+          </p:cNvPr>
+          <p:cNvSpPr/>
+          <p:nvPr/>
+        </p:nvSpPr>
+        <p:spPr>
+          <a:xfrm>
+            <a:off x="3797752" y="3294053"/>
+            <a:ext cx="1553205" cy="777240"/>
+          </a:xfrm>
+          <a:prstGeom prst="roundRect">
+            <a:avLst/>
+          </a:prstGeom>
+          <a:solidFill>
+            <a:schemeClr val="accent6">
+              <a:lumMod val="40000"/>
+              <a:lumOff val="60000"/>
+            </a:schemeClr>
+          </a:solidFill>
+        </p:spPr>
+        <p:style>
+          <a:lnRef idx="1">
+            <a:schemeClr val="accent6"/>
+          </a:lnRef>
+          <a:fillRef idx="2">
+            <a:schemeClr val="accent6"/>
+          </a:fillRef>
+          <a:effectRef idx="1">
+            <a:schemeClr val="accent6"/>
+          </a:effectRef>
+          <a:fontRef idx="minor">
+            <a:schemeClr val="dk1"/>
+          </a:fontRef>
+        </p:style>
+        <p:txBody>
+          <a:bodyPr rtlCol="0" anchor="ctr"/>
+          <a:lstStyle/>
+          <a:p>
+            <a:pPr algn="ctr"/>
+            <a:endParaRPr lang="nl-NL" dirty="0"/>
+          </a:p>
+        </p:txBody>
+      </p:sp>
+      <p:grpSp>
+        <p:nvGrpSpPr>
+          <p:cNvPr id="11" name="Group 10">
+            <a:extLst>
+              <a:ext uri="{FF2B5EF4-FFF2-40B4-BE49-F238E27FC236}">
+                <a16:creationId xmlns:a16="http://schemas.microsoft.com/office/drawing/2014/main" id="{2F5743DE-D721-D7C2-3FEC-7CF5C1C79D58}"/>
+              </a:ext>
+            </a:extLst>
+          </p:cNvPr>
+          <p:cNvGrpSpPr/>
+          <p:nvPr/>
+        </p:nvGrpSpPr>
+        <p:grpSpPr>
+          <a:xfrm>
+            <a:off x="1543320" y="4198597"/>
+            <a:ext cx="1032841" cy="1232258"/>
+            <a:chOff x="4518061" y="1732274"/>
+            <a:chExt cx="1032841" cy="1232258"/>
+          </a:xfrm>
+        </p:grpSpPr>
+        <p:pic>
+          <p:nvPicPr>
+            <p:cNvPr id="4" name="Graphic 3" descr="Scientist">
+              <a:extLst>
+                <a:ext uri="{FF2B5EF4-FFF2-40B4-BE49-F238E27FC236}">
+                  <a16:creationId xmlns:a16="http://schemas.microsoft.com/office/drawing/2014/main" id="{0BDA6E12-F6E3-47EC-749C-01BE49E5A6C0}"/>
+                </a:ext>
+              </a:extLst>
+            </p:cNvPr>
+            <p:cNvPicPr>
+              <a:picLocks noChangeAspect="1"/>
+            </p:cNvPicPr>
+            <p:nvPr/>
+          </p:nvPicPr>
+          <p:blipFill>
+            <a:blip r:embed="rId2">
+              <a:extLst>
+                <a:ext uri="{28A0092B-C50C-407E-A947-70E740481C1C}">
+                  <a14:useLocalDpi xmlns:a14="http://schemas.microsoft.com/office/drawing/2010/main" val="0"/>
+                </a:ext>
+                <a:ext uri="{96DAC541-7B7A-43D3-8B79-37D633B846F1}">
+                  <asvg:svgBlip xmlns:asvg="http://schemas.microsoft.com/office/drawing/2016/SVG/main" r:embed="rId3"/>
+                </a:ext>
+              </a:extLst>
+            </a:blip>
+            <a:stretch>
+              <a:fillRect/>
+            </a:stretch>
+          </p:blipFill>
+          <p:spPr>
+            <a:xfrm>
+              <a:off x="4519476" y="1732274"/>
+              <a:ext cx="1031426" cy="1031426"/>
+            </a:xfrm>
+            <a:prstGeom prst="rect">
+              <a:avLst/>
+            </a:prstGeom>
+          </p:spPr>
+        </p:pic>
+        <p:sp>
+          <p:nvSpPr>
+            <p:cNvPr id="5" name="TextBox 4">
+              <a:extLst>
+                <a:ext uri="{FF2B5EF4-FFF2-40B4-BE49-F238E27FC236}">
+                  <a16:creationId xmlns:a16="http://schemas.microsoft.com/office/drawing/2014/main" id="{A23CF08D-3A6D-78D4-F9D4-6F832BC83F06}"/>
+                </a:ext>
+              </a:extLst>
+            </p:cNvPr>
+            <p:cNvSpPr txBox="1"/>
+            <p:nvPr/>
+          </p:nvSpPr>
+          <p:spPr>
+            <a:xfrm>
+              <a:off x="4518061" y="2687533"/>
+              <a:ext cx="1024639" cy="276999"/>
+            </a:xfrm>
+            <a:prstGeom prst="rect">
+              <a:avLst/>
+            </a:prstGeom>
+            <a:noFill/>
+          </p:spPr>
+          <p:txBody>
+            <a:bodyPr wrap="none" rtlCol="0">
+              <a:spAutoFit/>
+            </a:bodyPr>
+            <a:lstStyle/>
+            <a:p>
+              <a:r>
+                <a:rPr lang="en-US" sz="1200" dirty="0"/>
+                <a:t>Data Scientist</a:t>
+              </a:r>
+              <a:endParaRPr lang="en-NL" sz="1200" dirty="0"/>
+            </a:p>
+          </p:txBody>
+        </p:sp>
+      </p:grpSp>
+      <p:grpSp>
+        <p:nvGrpSpPr>
+          <p:cNvPr id="23" name="Group 22">
+            <a:extLst>
+              <a:ext uri="{FF2B5EF4-FFF2-40B4-BE49-F238E27FC236}">
+                <a16:creationId xmlns:a16="http://schemas.microsoft.com/office/drawing/2014/main" id="{B8508148-F6E6-55CB-EE3B-FD46EBF4DCD4}"/>
+              </a:ext>
+            </a:extLst>
+          </p:cNvPr>
+          <p:cNvGrpSpPr/>
+          <p:nvPr/>
+        </p:nvGrpSpPr>
+        <p:grpSpPr>
+          <a:xfrm>
+            <a:off x="9190848" y="4156576"/>
+            <a:ext cx="1316300" cy="1368185"/>
+            <a:chOff x="10039672" y="1559991"/>
+            <a:chExt cx="1079020" cy="1121552"/>
+          </a:xfrm>
+        </p:grpSpPr>
+        <p:pic>
+          <p:nvPicPr>
+            <p:cNvPr id="20" name="Graphic 19" descr="Users">
+              <a:extLst>
+                <a:ext uri="{FF2B5EF4-FFF2-40B4-BE49-F238E27FC236}">
+                  <a16:creationId xmlns:a16="http://schemas.microsoft.com/office/drawing/2014/main" id="{75505C11-4CC9-D19A-C41C-A1DAB240C87A}"/>
+                </a:ext>
+              </a:extLst>
+            </p:cNvPr>
+            <p:cNvPicPr>
+              <a:picLocks noChangeAspect="1"/>
+            </p:cNvPicPr>
+            <p:nvPr/>
+          </p:nvPicPr>
+          <p:blipFill>
+            <a:blip r:embed="rId4">
+              <a:extLst>
+                <a:ext uri="{28A0092B-C50C-407E-A947-70E740481C1C}">
+                  <a14:useLocalDpi xmlns:a14="http://schemas.microsoft.com/office/drawing/2010/main" val="0"/>
+                </a:ext>
+                <a:ext uri="{96DAC541-7B7A-43D3-8B79-37D633B846F1}">
+                  <asvg:svgBlip xmlns:asvg="http://schemas.microsoft.com/office/drawing/2016/SVG/main" r:embed="rId5"/>
+                </a:ext>
+              </a:extLst>
+            </a:blip>
+            <a:stretch>
+              <a:fillRect/>
+            </a:stretch>
+          </p:blipFill>
+          <p:spPr>
+            <a:xfrm>
+              <a:off x="10039672" y="1559991"/>
+              <a:ext cx="1079020" cy="1079020"/>
+            </a:xfrm>
+            <a:prstGeom prst="rect">
+              <a:avLst/>
+            </a:prstGeom>
+          </p:spPr>
+        </p:pic>
+        <p:sp>
+          <p:nvSpPr>
+            <p:cNvPr id="21" name="TextBox 20">
+              <a:extLst>
+                <a:ext uri="{FF2B5EF4-FFF2-40B4-BE49-F238E27FC236}">
+                  <a16:creationId xmlns:a16="http://schemas.microsoft.com/office/drawing/2014/main" id="{2758956C-F998-3B74-186A-4FF7FBC25624}"/>
+                </a:ext>
+              </a:extLst>
+            </p:cNvPr>
+            <p:cNvSpPr txBox="1"/>
+            <p:nvPr/>
+          </p:nvSpPr>
+          <p:spPr>
+            <a:xfrm>
+              <a:off x="10138986" y="2454477"/>
+              <a:ext cx="861583" cy="227066"/>
+            </a:xfrm>
+            <a:prstGeom prst="rect">
+              <a:avLst/>
+            </a:prstGeom>
+            <a:noFill/>
+          </p:spPr>
+          <p:txBody>
+            <a:bodyPr wrap="square" rtlCol="0">
+              <a:spAutoFit/>
+            </a:bodyPr>
+            <a:lstStyle/>
+            <a:p>
+              <a:pPr algn="ctr"/>
+              <a:r>
+                <a:rPr lang="nl-NL" sz="1200" dirty="0"/>
+                <a:t>Gebruikers</a:t>
+              </a:r>
+            </a:p>
+          </p:txBody>
+        </p:sp>
+      </p:grpSp>
+      <p:sp>
+        <p:nvSpPr>
+          <p:cNvPr id="47" name="Rectangle 46">
+            <a:extLst>
+              <a:ext uri="{FF2B5EF4-FFF2-40B4-BE49-F238E27FC236}">
+                <a16:creationId xmlns:a16="http://schemas.microsoft.com/office/drawing/2014/main" id="{891E23FD-0433-4E30-7E57-293B5B6666A8}"/>
+              </a:ext>
+            </a:extLst>
+          </p:cNvPr>
+          <p:cNvSpPr/>
+          <p:nvPr/>
+        </p:nvSpPr>
+        <p:spPr>
+          <a:xfrm>
+            <a:off x="8826977" y="3288582"/>
+            <a:ext cx="2044042" cy="779976"/>
+          </a:xfrm>
+          <a:prstGeom prst="rect">
+            <a:avLst/>
+          </a:prstGeom>
+          <a:solidFill>
+            <a:schemeClr val="accent4">
+              <a:lumMod val="40000"/>
+              <a:lumOff val="60000"/>
+            </a:schemeClr>
+          </a:solidFill>
+        </p:spPr>
+        <p:style>
+          <a:lnRef idx="1">
+            <a:schemeClr val="accent4"/>
+          </a:lnRef>
+          <a:fillRef idx="2">
+            <a:schemeClr val="accent4"/>
+          </a:fillRef>
+          <a:effectRef idx="1">
+            <a:schemeClr val="accent4"/>
+          </a:effectRef>
+          <a:fontRef idx="minor">
+            <a:schemeClr val="dk1"/>
+          </a:fontRef>
+        </p:style>
+        <p:txBody>
+          <a:bodyPr rtlCol="0" anchor="ctr"/>
+          <a:lstStyle/>
+          <a:p>
+            <a:pPr algn="ctr"/>
+            <a:r>
+              <a:rPr lang="nl-NL" sz="1600" dirty="0"/>
+              <a:t>Voorspellingen</a:t>
+            </a:r>
+          </a:p>
+        </p:txBody>
+      </p:sp>
+      <p:pic>
+        <p:nvPicPr>
+          <p:cNvPr id="13" name="Picture 12" descr="A blue and black logo&#10;&#10;Description automatically generated">
+            <a:extLst>
+              <a:ext uri="{FF2B5EF4-FFF2-40B4-BE49-F238E27FC236}">
+                <a16:creationId xmlns:a16="http://schemas.microsoft.com/office/drawing/2014/main" id="{23153B39-7B82-2F3D-AAFC-65D81579EF66}"/>
+              </a:ext>
+            </a:extLst>
+          </p:cNvPr>
+          <p:cNvPicPr>
+            <a:picLocks noChangeAspect="1"/>
+          </p:cNvPicPr>
+          <p:nvPr/>
+        </p:nvPicPr>
+        <p:blipFill>
+          <a:blip r:embed="rId6">
+            <a:extLst>
+              <a:ext uri="{28A0092B-C50C-407E-A947-70E740481C1C}">
+                <a14:useLocalDpi xmlns:a14="http://schemas.microsoft.com/office/drawing/2010/main" val="0"/>
+              </a:ext>
+            </a:extLst>
+          </a:blip>
+          <a:stretch>
+            <a:fillRect/>
+          </a:stretch>
+        </p:blipFill>
+        <p:spPr>
+          <a:xfrm>
+            <a:off x="4037083" y="3449553"/>
+            <a:ext cx="1195768" cy="460769"/>
+          </a:xfrm>
+          <a:prstGeom prst="rect">
+            <a:avLst/>
+          </a:prstGeom>
+        </p:spPr>
+      </p:pic>
+      <p:sp>
+        <p:nvSpPr>
+          <p:cNvPr id="15" name="Rectangle 14">
+            <a:extLst>
+              <a:ext uri="{FF2B5EF4-FFF2-40B4-BE49-F238E27FC236}">
+                <a16:creationId xmlns:a16="http://schemas.microsoft.com/office/drawing/2014/main" id="{8CD5D53C-60A5-6184-6A98-B97E480A22AB}"/>
+              </a:ext>
+            </a:extLst>
+          </p:cNvPr>
+          <p:cNvSpPr/>
+          <p:nvPr/>
+        </p:nvSpPr>
+        <p:spPr>
+          <a:xfrm>
+            <a:off x="3184415" y="4636336"/>
+            <a:ext cx="2779878" cy="1673079"/>
+          </a:xfrm>
+          <a:prstGeom prst="rect">
+            <a:avLst/>
+          </a:prstGeom>
+          <a:solidFill>
+            <a:schemeClr val="bg1">
+              <a:lumMod val="95000"/>
+            </a:schemeClr>
+          </a:solidFill>
+        </p:spPr>
+        <p:style>
+          <a:lnRef idx="2">
+            <a:schemeClr val="accent3">
+              <a:shade val="15000"/>
+            </a:schemeClr>
+          </a:lnRef>
+          <a:fillRef idx="1">
+            <a:schemeClr val="accent3"/>
+          </a:fillRef>
+          <a:effectRef idx="0">
+            <a:schemeClr val="accent3"/>
+          </a:effectRef>
+          <a:fontRef idx="minor">
+            <a:schemeClr val="lt1"/>
+          </a:fontRef>
+        </p:style>
+        <p:txBody>
+          <a:bodyPr rtlCol="0" anchor="ctr"/>
+          <a:lstStyle/>
+          <a:p>
+            <a:pPr marL="285750" indent="-285750">
+              <a:buFont typeface="Arial" panose="020B0604020202020204" pitchFamily="34" charset="0"/>
+              <a:buChar char="•"/>
+            </a:pPr>
+            <a:r>
+              <a:rPr lang="en-US" sz="1600" dirty="0" err="1">
+                <a:solidFill>
+                  <a:sysClr val="windowText" lastClr="000000"/>
+                </a:solidFill>
+              </a:rPr>
+              <a:t>Opslag</a:t>
+            </a:r>
+            <a:r>
+              <a:rPr lang="en-US" sz="1600" dirty="0">
+                <a:solidFill>
+                  <a:sysClr val="windowText" lastClr="000000"/>
+                </a:solidFill>
+              </a:rPr>
+              <a:t> </a:t>
+            </a:r>
+            <a:r>
+              <a:rPr lang="en-US" sz="1600" dirty="0" err="1">
+                <a:solidFill>
+                  <a:sysClr val="windowText" lastClr="000000"/>
+                </a:solidFill>
+              </a:rPr>
+              <a:t>modellen</a:t>
+            </a:r>
+            <a:r>
+              <a:rPr lang="en-US" sz="1600" dirty="0">
+                <a:solidFill>
+                  <a:sysClr val="windowText" lastClr="000000"/>
+                </a:solidFill>
+              </a:rPr>
+              <a:t>.</a:t>
+            </a:r>
+          </a:p>
+          <a:p>
+            <a:pPr marL="285750" indent="-285750">
+              <a:buFont typeface="Arial" panose="020B0604020202020204" pitchFamily="34" charset="0"/>
+              <a:buChar char="•"/>
+            </a:pPr>
+            <a:r>
+              <a:rPr lang="en-US" sz="1600" dirty="0" err="1">
+                <a:solidFill>
+                  <a:sysClr val="windowText" lastClr="000000"/>
+                </a:solidFill>
+              </a:rPr>
+              <a:t>Modellen</a:t>
+            </a:r>
+            <a:r>
+              <a:rPr lang="en-US" sz="1600" dirty="0">
+                <a:solidFill>
+                  <a:sysClr val="windowText" lastClr="000000"/>
+                </a:solidFill>
+              </a:rPr>
+              <a:t> </a:t>
+            </a:r>
+            <a:r>
+              <a:rPr lang="en-US" sz="1600" dirty="0" err="1">
+                <a:solidFill>
+                  <a:sysClr val="windowText" lastClr="000000"/>
+                </a:solidFill>
+              </a:rPr>
+              <a:t>uitrollen</a:t>
+            </a:r>
+            <a:r>
+              <a:rPr lang="en-US" sz="1600" dirty="0">
+                <a:solidFill>
+                  <a:sysClr val="windowText" lastClr="000000"/>
+                </a:solidFill>
+              </a:rPr>
+              <a:t>.</a:t>
+            </a:r>
+            <a:endParaRPr lang="en-NL" sz="1600" dirty="0">
+              <a:solidFill>
+                <a:sysClr val="windowText" lastClr="000000"/>
+              </a:solidFill>
+            </a:endParaRPr>
+          </a:p>
+          <a:p>
+            <a:pPr marL="285750" indent="-285750">
+              <a:buFont typeface="Arial" panose="020B0604020202020204" pitchFamily="34" charset="0"/>
+              <a:buChar char="•"/>
+            </a:pPr>
+            <a:r>
+              <a:rPr lang="en-US" sz="1600" dirty="0" err="1">
+                <a:solidFill>
+                  <a:sysClr val="windowText" lastClr="000000"/>
+                </a:solidFill>
+              </a:rPr>
+              <a:t>Bijhouden</a:t>
+            </a:r>
+            <a:r>
+              <a:rPr lang="en-US" sz="1600" dirty="0">
+                <a:solidFill>
+                  <a:sysClr val="windowText" lastClr="000000"/>
+                </a:solidFill>
+              </a:rPr>
+              <a:t> parameters.</a:t>
+            </a:r>
+          </a:p>
+          <a:p>
+            <a:pPr marL="285750" indent="-285750">
+              <a:buFont typeface="Arial" panose="020B0604020202020204" pitchFamily="34" charset="0"/>
+              <a:buChar char="•"/>
+            </a:pPr>
+            <a:r>
+              <a:rPr lang="en-US" sz="1600" dirty="0" err="1">
+                <a:solidFill>
+                  <a:sysClr val="windowText" lastClr="000000"/>
+                </a:solidFill>
+              </a:rPr>
+              <a:t>Bijhouden</a:t>
+            </a:r>
+            <a:r>
+              <a:rPr lang="en-US" sz="1600" dirty="0">
+                <a:solidFill>
+                  <a:sysClr val="windowText" lastClr="000000"/>
+                </a:solidFill>
+              </a:rPr>
+              <a:t> </a:t>
+            </a:r>
+            <a:r>
+              <a:rPr lang="en-US" sz="1600" dirty="0" err="1">
+                <a:solidFill>
+                  <a:sysClr val="windowText" lastClr="000000"/>
+                </a:solidFill>
+              </a:rPr>
+              <a:t>accuratesse</a:t>
+            </a:r>
+            <a:r>
+              <a:rPr lang="en-US" sz="1600" dirty="0">
+                <a:solidFill>
+                  <a:sysClr val="windowText" lastClr="000000"/>
+                </a:solidFill>
+              </a:rPr>
+              <a:t>.</a:t>
+            </a:r>
+          </a:p>
+        </p:txBody>
+      </p:sp>
+      <p:cxnSp>
+        <p:nvCxnSpPr>
+          <p:cNvPr id="18" name="Straight Arrow Connector 17">
+            <a:extLst>
+              <a:ext uri="{FF2B5EF4-FFF2-40B4-BE49-F238E27FC236}">
+                <a16:creationId xmlns:a16="http://schemas.microsoft.com/office/drawing/2014/main" id="{0DFE45C1-2A1D-CD33-E335-418521EA7A08}"/>
+              </a:ext>
+            </a:extLst>
+          </p:cNvPr>
+          <p:cNvCxnSpPr>
+            <a:cxnSpLocks/>
+            <a:stCxn id="29" idx="2"/>
+            <a:endCxn id="15" idx="0"/>
+          </p:cNvCxnSpPr>
+          <p:nvPr/>
+        </p:nvCxnSpPr>
+        <p:spPr>
+          <a:xfrm flipH="1">
+            <a:off x="4574354" y="4071293"/>
+            <a:ext cx="1" cy="565043"/>
+          </a:xfrm>
+          <a:prstGeom prst="straightConnector1">
+            <a:avLst/>
+          </a:prstGeom>
+          <a:ln>
+            <a:tailEnd type="triangle"/>
+          </a:ln>
+        </p:spPr>
+        <p:style>
+          <a:lnRef idx="2">
+            <a:schemeClr val="dk1"/>
+          </a:lnRef>
+          <a:fillRef idx="0">
+            <a:schemeClr val="dk1"/>
+          </a:fillRef>
+          <a:effectRef idx="1">
+            <a:schemeClr val="dk1"/>
           </a:effectRef>
           <a:fontRef idx="minor">
             <a:schemeClr val="tx1"/>
@@ -30897,7 +32141,7 @@
     </p:spTree>
     <p:extLst>
       <p:ext uri="{BB962C8B-B14F-4D97-AF65-F5344CB8AC3E}">
-        <p14:creationId xmlns:p14="http://schemas.microsoft.com/office/powerpoint/2010/main" val="3845860861"/>
+        <p14:creationId xmlns:p14="http://schemas.microsoft.com/office/powerpoint/2010/main" val="3785898833"/>
       </p:ext>
     </p:extLst>
   </p:cSld>
@@ -30953,1003 +32197,196 @@
           <a:lstStyle/>
           <a:p>
             <a:r>
-              <a:rPr lang="nl-NL" sz="3600" dirty="0"/>
-              <a:t>Productie problemen</a:t>
-            </a:r>
-            <a:endParaRPr lang="nl-NL" sz="3600" noProof="0" dirty="0"/>
+              <a:rPr lang="nl-NL" sz="3600" noProof="0" dirty="0"/>
+              <a:t>Tot slot…</a:t>
+            </a:r>
           </a:p>
         </p:txBody>
       </p:sp>
       <p:sp>
         <p:nvSpPr>
-          <p:cNvPr id="6" name="Rectangle 5">
-            <a:extLst>
-              <a:ext uri="{FF2B5EF4-FFF2-40B4-BE49-F238E27FC236}">
-                <a16:creationId xmlns:a16="http://schemas.microsoft.com/office/drawing/2014/main" id="{B32E2B49-6A16-A1DE-7F5E-041E6F9732FF}"/>
-              </a:ext>
-            </a:extLst>
-          </p:cNvPr>
-          <p:cNvSpPr/>
-          <p:nvPr/>
+          <p:cNvPr id="4" name="Content Placeholder 2">
+            <a:extLst>
+              <a:ext uri="{FF2B5EF4-FFF2-40B4-BE49-F238E27FC236}">
+                <a16:creationId xmlns:a16="http://schemas.microsoft.com/office/drawing/2014/main" id="{AC422D07-85B1-AD56-723C-68A212DFB7BF}"/>
+              </a:ext>
+            </a:extLst>
+          </p:cNvPr>
+          <p:cNvSpPr>
+            <a:spLocks noGrp="1"/>
+          </p:cNvSpPr>
+          <p:nvPr>
+            <p:ph idx="1"/>
+          </p:nvPr>
         </p:nvSpPr>
         <p:spPr>
           <a:xfrm>
-            <a:off x="1119052" y="3494312"/>
-            <a:ext cx="2440577" cy="2070463"/>
+            <a:off x="838201" y="1456267"/>
+            <a:ext cx="6756778" cy="4720696"/>
+          </a:xfrm>
+        </p:spPr>
+        <p:txBody>
+          <a:bodyPr>
+            <a:noAutofit/>
+          </a:bodyPr>
+          <a:lstStyle/>
+          <a:p>
+            <a:pPr marL="0" indent="0">
+              <a:buNone/>
+            </a:pPr>
+            <a:r>
+              <a:rPr lang="nl-NL" sz="1800" b="1" dirty="0"/>
+              <a:t>Begrijp de </a:t>
+            </a:r>
+            <a:r>
+              <a:rPr lang="nl-NL" sz="1800" b="1" dirty="0" err="1"/>
+              <a:t>use</a:t>
+            </a:r>
+            <a:r>
+              <a:rPr lang="nl-NL" sz="1800" b="1" dirty="0"/>
+              <a:t> case:</a:t>
+            </a:r>
+          </a:p>
+          <a:p>
+            <a:pPr>
+              <a:buFontTx/>
+              <a:buChar char="-"/>
+            </a:pPr>
+            <a:r>
+              <a:rPr lang="nl-NL" sz="1800" dirty="0"/>
+              <a:t>Wat is de (echte) vraag?</a:t>
+            </a:r>
+          </a:p>
+          <a:p>
+            <a:pPr>
+              <a:buFontTx/>
+              <a:buChar char="-"/>
+            </a:pPr>
+            <a:r>
+              <a:rPr lang="nl-NL" sz="1800" dirty="0"/>
+              <a:t>Wat zijn de hypothese en zijn ze meetbaar?</a:t>
+            </a:r>
+          </a:p>
+          <a:p>
+            <a:pPr marL="0" indent="0">
+              <a:buNone/>
+            </a:pPr>
+            <a:endParaRPr lang="nl-NL" sz="1800" dirty="0"/>
+          </a:p>
+          <a:p>
+            <a:pPr marL="0" indent="0">
+              <a:buNone/>
+            </a:pPr>
+            <a:r>
+              <a:rPr lang="nl-NL" sz="1800" b="1" dirty="0"/>
+              <a:t>Data is de sleutel tot succes:</a:t>
+            </a:r>
+          </a:p>
+          <a:p>
+            <a:pPr>
+              <a:buFontTx/>
+              <a:buChar char="-"/>
+            </a:pPr>
+            <a:r>
+              <a:rPr lang="nl-NL" sz="1800" dirty="0"/>
+              <a:t>Belangrijker dan algoritme.</a:t>
+            </a:r>
+          </a:p>
+          <a:p>
+            <a:pPr>
+              <a:buFontTx/>
+              <a:buChar char="-"/>
+            </a:pPr>
+            <a:r>
+              <a:rPr lang="nl-NL" sz="1800" dirty="0"/>
+              <a:t>Zorg dat je de data door en door kent.</a:t>
+            </a:r>
+          </a:p>
+          <a:p>
+            <a:pPr>
+              <a:buFontTx/>
+              <a:buChar char="-"/>
+            </a:pPr>
+            <a:r>
+              <a:rPr lang="nl-NL" sz="1800" dirty="0"/>
+              <a:t>Data verzameling niet altijd goed doordacht.</a:t>
+            </a:r>
+          </a:p>
+          <a:p>
+            <a:pPr marL="0" indent="0">
+              <a:buNone/>
+            </a:pPr>
+            <a:endParaRPr lang="nl-NL" sz="1800" dirty="0"/>
+          </a:p>
+          <a:p>
+            <a:pPr marL="0" indent="0">
+              <a:buNone/>
+            </a:pPr>
+            <a:r>
+              <a:rPr lang="nl-NL" sz="1800" b="1" dirty="0"/>
+              <a:t>Maak een plan voor de uitrol:</a:t>
+            </a:r>
+          </a:p>
+          <a:p>
+            <a:pPr>
+              <a:buFontTx/>
+              <a:buChar char="-"/>
+            </a:pPr>
+            <a:r>
+              <a:rPr lang="nl-NL" sz="1800"/>
+              <a:t>Naar productie gaan </a:t>
+            </a:r>
+            <a:r>
+              <a:rPr lang="nl-NL" sz="1800" dirty="0"/>
+              <a:t>is lastig; begin er op tijd aan!</a:t>
+            </a:r>
+          </a:p>
+          <a:p>
+            <a:pPr>
+              <a:buFontTx/>
+              <a:buChar char="-"/>
+            </a:pPr>
+            <a:r>
+              <a:rPr lang="nl-NL" sz="1800" dirty="0"/>
+              <a:t>Schets realistische verwachtingen.</a:t>
+            </a:r>
+          </a:p>
+        </p:txBody>
+      </p:sp>
+      <p:pic>
+        <p:nvPicPr>
+          <p:cNvPr id="9" name="Picture 8">
+            <a:extLst>
+              <a:ext uri="{FF2B5EF4-FFF2-40B4-BE49-F238E27FC236}">
+                <a16:creationId xmlns:a16="http://schemas.microsoft.com/office/drawing/2014/main" id="{D8309383-7F85-6E7A-F6E3-9B31129E743A}"/>
+              </a:ext>
+            </a:extLst>
+          </p:cNvPr>
+          <p:cNvPicPr>
+            <a:picLocks noChangeAspect="1"/>
+          </p:cNvPicPr>
+          <p:nvPr/>
+        </p:nvPicPr>
+        <p:blipFill>
+          <a:blip r:embed="rId2"/>
+          <a:stretch>
+            <a:fillRect/>
+          </a:stretch>
+        </p:blipFill>
+        <p:spPr>
+          <a:xfrm rot="966370">
+            <a:off x="8507961" y="3320327"/>
+            <a:ext cx="2834951" cy="2834951"/>
           </a:xfrm>
           <a:prstGeom prst="rect">
             <a:avLst/>
           </a:prstGeom>
         </p:spPr>
-        <p:style>
-          <a:lnRef idx="1">
-            <a:schemeClr val="accent6"/>
-          </a:lnRef>
-          <a:fillRef idx="2">
-            <a:schemeClr val="accent6"/>
-          </a:fillRef>
-          <a:effectRef idx="1">
-            <a:schemeClr val="accent6"/>
-          </a:effectRef>
-          <a:fontRef idx="minor">
-            <a:schemeClr val="dk1"/>
-          </a:fontRef>
-        </p:style>
-        <p:txBody>
-          <a:bodyPr rtlCol="0" anchor="ctr"/>
-          <a:lstStyle/>
-          <a:p>
-            <a:pPr algn="ctr"/>
-            <a:r>
-              <a:rPr lang="nl-NL"/>
-              <a:t>Training omgeving</a:t>
-            </a:r>
-          </a:p>
-        </p:txBody>
-      </p:sp>
-      <p:sp>
-        <p:nvSpPr>
-          <p:cNvPr id="7" name="Rectangle 6">
-            <a:extLst>
-              <a:ext uri="{FF2B5EF4-FFF2-40B4-BE49-F238E27FC236}">
-                <a16:creationId xmlns:a16="http://schemas.microsoft.com/office/drawing/2014/main" id="{D7AC7AB4-D61A-0671-093A-D3C8149D6127}"/>
-              </a:ext>
-            </a:extLst>
-          </p:cNvPr>
-          <p:cNvSpPr/>
-          <p:nvPr/>
-        </p:nvSpPr>
-        <p:spPr>
-          <a:xfrm>
-            <a:off x="6510750" y="3494313"/>
-            <a:ext cx="2440577" cy="2070463"/>
-          </a:xfrm>
-          <a:prstGeom prst="rect">
-            <a:avLst/>
-          </a:prstGeom>
-        </p:spPr>
-        <p:style>
-          <a:lnRef idx="1">
-            <a:schemeClr val="accent5"/>
-          </a:lnRef>
-          <a:fillRef idx="2">
-            <a:schemeClr val="accent5"/>
-          </a:fillRef>
-          <a:effectRef idx="1">
-            <a:schemeClr val="accent5"/>
-          </a:effectRef>
-          <a:fontRef idx="minor">
-            <a:schemeClr val="dk1"/>
-          </a:fontRef>
-        </p:style>
-        <p:txBody>
-          <a:bodyPr rtlCol="0" anchor="ctr"/>
-          <a:lstStyle/>
-          <a:p>
-            <a:pPr algn="ctr"/>
-            <a:r>
-              <a:rPr lang="nl-NL" dirty="0"/>
-              <a:t>Scoring omgeving</a:t>
-            </a:r>
-          </a:p>
-        </p:txBody>
-      </p:sp>
-      <p:sp>
-        <p:nvSpPr>
-          <p:cNvPr id="8" name="Rectangle 7">
-            <a:extLst>
-              <a:ext uri="{FF2B5EF4-FFF2-40B4-BE49-F238E27FC236}">
-                <a16:creationId xmlns:a16="http://schemas.microsoft.com/office/drawing/2014/main" id="{21BF7B99-FC60-5852-E264-562437EEA80E}"/>
-              </a:ext>
-            </a:extLst>
-          </p:cNvPr>
-          <p:cNvSpPr/>
-          <p:nvPr/>
-        </p:nvSpPr>
-        <p:spPr>
-          <a:xfrm>
-            <a:off x="1119052" y="1774459"/>
-            <a:ext cx="2440577" cy="947057"/>
-          </a:xfrm>
-          <a:prstGeom prst="rect">
-            <a:avLst/>
-          </a:prstGeom>
-        </p:spPr>
-        <p:style>
-          <a:lnRef idx="1">
-            <a:schemeClr val="accent4"/>
-          </a:lnRef>
-          <a:fillRef idx="2">
-            <a:schemeClr val="accent4"/>
-          </a:fillRef>
-          <a:effectRef idx="1">
-            <a:schemeClr val="accent4"/>
-          </a:effectRef>
-          <a:fontRef idx="minor">
-            <a:schemeClr val="dk1"/>
-          </a:fontRef>
-        </p:style>
-        <p:txBody>
-          <a:bodyPr rtlCol="0" anchor="ctr"/>
-          <a:lstStyle/>
-          <a:p>
-            <a:pPr algn="ctr"/>
-            <a:r>
-              <a:rPr lang="nl-NL"/>
-              <a:t>Training Data</a:t>
-            </a:r>
-          </a:p>
-        </p:txBody>
-      </p:sp>
-      <p:sp>
-        <p:nvSpPr>
-          <p:cNvPr id="9" name="Rectangle 8">
-            <a:extLst>
-              <a:ext uri="{FF2B5EF4-FFF2-40B4-BE49-F238E27FC236}">
-                <a16:creationId xmlns:a16="http://schemas.microsoft.com/office/drawing/2014/main" id="{2ABCA7DB-5B45-060C-B58D-6E39BE3475FB}"/>
-              </a:ext>
-            </a:extLst>
-          </p:cNvPr>
-          <p:cNvSpPr/>
-          <p:nvPr/>
-        </p:nvSpPr>
-        <p:spPr>
-          <a:xfrm>
-            <a:off x="6510749" y="1774459"/>
-            <a:ext cx="2440577" cy="947057"/>
-          </a:xfrm>
-          <a:prstGeom prst="rect">
-            <a:avLst/>
-          </a:prstGeom>
-        </p:spPr>
-        <p:style>
-          <a:lnRef idx="1">
-            <a:schemeClr val="accent4"/>
-          </a:lnRef>
-          <a:fillRef idx="2">
-            <a:schemeClr val="accent4"/>
-          </a:fillRef>
-          <a:effectRef idx="1">
-            <a:schemeClr val="accent4"/>
-          </a:effectRef>
-          <a:fontRef idx="minor">
-            <a:schemeClr val="dk1"/>
-          </a:fontRef>
-        </p:style>
-        <p:txBody>
-          <a:bodyPr rtlCol="0" anchor="ctr"/>
-          <a:lstStyle/>
-          <a:p>
-            <a:pPr algn="ctr"/>
-            <a:r>
-              <a:rPr lang="nl-NL"/>
-              <a:t>Scoring Data</a:t>
-            </a:r>
-          </a:p>
-        </p:txBody>
-      </p:sp>
-      <p:sp>
-        <p:nvSpPr>
-          <p:cNvPr id="14" name="Rectangle: Rounded Corners 13">
-            <a:extLst>
-              <a:ext uri="{FF2B5EF4-FFF2-40B4-BE49-F238E27FC236}">
-                <a16:creationId xmlns:a16="http://schemas.microsoft.com/office/drawing/2014/main" id="{09717716-BF59-0EB3-97A8-9968CA5A1E00}"/>
-              </a:ext>
-            </a:extLst>
-          </p:cNvPr>
-          <p:cNvSpPr/>
-          <p:nvPr/>
-        </p:nvSpPr>
-        <p:spPr>
-          <a:xfrm>
-            <a:off x="9639850" y="4139222"/>
-            <a:ext cx="1574074" cy="777240"/>
-          </a:xfrm>
-          <a:prstGeom prst="roundRect">
-            <a:avLst/>
-          </a:prstGeom>
-        </p:spPr>
-        <p:style>
-          <a:lnRef idx="1">
-            <a:schemeClr val="accent5"/>
-          </a:lnRef>
-          <a:fillRef idx="2">
-            <a:schemeClr val="accent5"/>
-          </a:fillRef>
-          <a:effectRef idx="1">
-            <a:schemeClr val="accent5"/>
-          </a:effectRef>
-          <a:fontRef idx="minor">
-            <a:schemeClr val="dk1"/>
-          </a:fontRef>
-        </p:style>
-        <p:txBody>
-          <a:bodyPr rtlCol="0" anchor="ctr"/>
-          <a:lstStyle/>
-          <a:p>
-            <a:pPr algn="ctr"/>
-            <a:r>
-              <a:rPr lang="nl-NL" dirty="0"/>
-              <a:t>Voorspelling</a:t>
-            </a:r>
-          </a:p>
-        </p:txBody>
-      </p:sp>
-      <p:cxnSp>
-        <p:nvCxnSpPr>
-          <p:cNvPr id="17" name="Straight Arrow Connector 16">
-            <a:extLst>
-              <a:ext uri="{FF2B5EF4-FFF2-40B4-BE49-F238E27FC236}">
-                <a16:creationId xmlns:a16="http://schemas.microsoft.com/office/drawing/2014/main" id="{9AA1BFE4-AECF-A957-D0D5-5B89FE926C2D}"/>
-              </a:ext>
-            </a:extLst>
-          </p:cNvPr>
-          <p:cNvCxnSpPr>
-            <a:cxnSpLocks/>
-            <a:stCxn id="6" idx="3"/>
-            <a:endCxn id="29" idx="1"/>
-          </p:cNvCxnSpPr>
-          <p:nvPr/>
-        </p:nvCxnSpPr>
-        <p:spPr>
-          <a:xfrm flipV="1">
-            <a:off x="3559629" y="4527841"/>
-            <a:ext cx="688523" cy="1703"/>
-          </a:xfrm>
-          <a:prstGeom prst="straightConnector1">
-            <a:avLst/>
-          </a:prstGeom>
-          <a:ln>
-            <a:tailEnd type="triangle"/>
-          </a:ln>
-        </p:spPr>
-        <p:style>
-          <a:lnRef idx="3">
-            <a:schemeClr val="dk1"/>
-          </a:lnRef>
-          <a:fillRef idx="0">
-            <a:schemeClr val="dk1"/>
-          </a:fillRef>
-          <a:effectRef idx="2">
-            <a:schemeClr val="dk1"/>
-          </a:effectRef>
-          <a:fontRef idx="minor">
-            <a:schemeClr val="tx1"/>
-          </a:fontRef>
-        </p:style>
-      </p:cxnSp>
-      <p:cxnSp>
-        <p:nvCxnSpPr>
-          <p:cNvPr id="19" name="Straight Arrow Connector 18">
-            <a:extLst>
-              <a:ext uri="{FF2B5EF4-FFF2-40B4-BE49-F238E27FC236}">
-                <a16:creationId xmlns:a16="http://schemas.microsoft.com/office/drawing/2014/main" id="{732D8E31-4E5A-53C3-967E-9B05BD33FA82}"/>
-              </a:ext>
-            </a:extLst>
-          </p:cNvPr>
-          <p:cNvCxnSpPr>
-            <a:cxnSpLocks/>
-            <a:stCxn id="29" idx="3"/>
-            <a:endCxn id="7" idx="1"/>
-          </p:cNvCxnSpPr>
-          <p:nvPr/>
-        </p:nvCxnSpPr>
-        <p:spPr>
-          <a:xfrm>
-            <a:off x="5822226" y="4527841"/>
-            <a:ext cx="688524" cy="1704"/>
-          </a:xfrm>
-          <a:prstGeom prst="straightConnector1">
-            <a:avLst/>
-          </a:prstGeom>
-          <a:ln>
-            <a:tailEnd type="triangle"/>
-          </a:ln>
-        </p:spPr>
-        <p:style>
-          <a:lnRef idx="3">
-            <a:schemeClr val="dk1"/>
-          </a:lnRef>
-          <a:fillRef idx="0">
-            <a:schemeClr val="dk1"/>
-          </a:fillRef>
-          <a:effectRef idx="2">
-            <a:schemeClr val="dk1"/>
-          </a:effectRef>
-          <a:fontRef idx="minor">
-            <a:schemeClr val="tx1"/>
-          </a:fontRef>
-        </p:style>
-      </p:cxnSp>
-      <p:cxnSp>
-        <p:nvCxnSpPr>
-          <p:cNvPr id="22" name="Straight Arrow Connector 21">
-            <a:extLst>
-              <a:ext uri="{FF2B5EF4-FFF2-40B4-BE49-F238E27FC236}">
-                <a16:creationId xmlns:a16="http://schemas.microsoft.com/office/drawing/2014/main" id="{BD591FEB-E40A-5883-527D-5C938694ACFB}"/>
-              </a:ext>
-            </a:extLst>
-          </p:cNvPr>
-          <p:cNvCxnSpPr>
-            <a:stCxn id="7" idx="3"/>
-            <a:endCxn id="14" idx="1"/>
-          </p:cNvCxnSpPr>
-          <p:nvPr/>
-        </p:nvCxnSpPr>
-        <p:spPr>
-          <a:xfrm flipV="1">
-            <a:off x="8951327" y="4527842"/>
-            <a:ext cx="688523" cy="1703"/>
-          </a:xfrm>
-          <a:prstGeom prst="straightConnector1">
-            <a:avLst/>
-          </a:prstGeom>
-          <a:ln>
-            <a:tailEnd type="triangle"/>
-          </a:ln>
-        </p:spPr>
-        <p:style>
-          <a:lnRef idx="3">
-            <a:schemeClr val="dk1"/>
-          </a:lnRef>
-          <a:fillRef idx="0">
-            <a:schemeClr val="dk1"/>
-          </a:fillRef>
-          <a:effectRef idx="2">
-            <a:schemeClr val="dk1"/>
-          </a:effectRef>
-          <a:fontRef idx="minor">
-            <a:schemeClr val="tx1"/>
-          </a:fontRef>
-        </p:style>
-      </p:cxnSp>
-      <p:cxnSp>
-        <p:nvCxnSpPr>
-          <p:cNvPr id="24" name="Straight Arrow Connector 23">
-            <a:extLst>
-              <a:ext uri="{FF2B5EF4-FFF2-40B4-BE49-F238E27FC236}">
-                <a16:creationId xmlns:a16="http://schemas.microsoft.com/office/drawing/2014/main" id="{926D003C-9F25-39B0-F989-A5E70674A1AA}"/>
-              </a:ext>
-            </a:extLst>
-          </p:cNvPr>
-          <p:cNvCxnSpPr>
-            <a:stCxn id="8" idx="2"/>
-            <a:endCxn id="6" idx="0"/>
-          </p:cNvCxnSpPr>
-          <p:nvPr/>
-        </p:nvCxnSpPr>
-        <p:spPr>
-          <a:xfrm>
-            <a:off x="2339341" y="2721516"/>
-            <a:ext cx="0" cy="772796"/>
-          </a:xfrm>
-          <a:prstGeom prst="straightConnector1">
-            <a:avLst/>
-          </a:prstGeom>
-          <a:ln>
-            <a:tailEnd type="triangle"/>
-          </a:ln>
-        </p:spPr>
-        <p:style>
-          <a:lnRef idx="3">
-            <a:schemeClr val="dk1"/>
-          </a:lnRef>
-          <a:fillRef idx="0">
-            <a:schemeClr val="dk1"/>
-          </a:fillRef>
-          <a:effectRef idx="2">
-            <a:schemeClr val="dk1"/>
-          </a:effectRef>
-          <a:fontRef idx="minor">
-            <a:schemeClr val="tx1"/>
-          </a:fontRef>
-        </p:style>
-      </p:cxnSp>
-      <p:cxnSp>
-        <p:nvCxnSpPr>
-          <p:cNvPr id="26" name="Straight Arrow Connector 25">
-            <a:extLst>
-              <a:ext uri="{FF2B5EF4-FFF2-40B4-BE49-F238E27FC236}">
-                <a16:creationId xmlns:a16="http://schemas.microsoft.com/office/drawing/2014/main" id="{53338556-318B-747A-4F1C-21E738F16174}"/>
-              </a:ext>
-            </a:extLst>
-          </p:cNvPr>
-          <p:cNvCxnSpPr>
-            <a:stCxn id="9" idx="2"/>
-            <a:endCxn id="7" idx="0"/>
-          </p:cNvCxnSpPr>
-          <p:nvPr/>
-        </p:nvCxnSpPr>
-        <p:spPr>
-          <a:xfrm>
-            <a:off x="7731038" y="2721516"/>
-            <a:ext cx="1" cy="772797"/>
-          </a:xfrm>
-          <a:prstGeom prst="straightConnector1">
-            <a:avLst/>
-          </a:prstGeom>
-          <a:ln>
-            <a:tailEnd type="triangle"/>
-          </a:ln>
-        </p:spPr>
-        <p:style>
-          <a:lnRef idx="3">
-            <a:schemeClr val="dk1"/>
-          </a:lnRef>
-          <a:fillRef idx="0">
-            <a:schemeClr val="dk1"/>
-          </a:fillRef>
-          <a:effectRef idx="2">
-            <a:schemeClr val="dk1"/>
-          </a:effectRef>
-          <a:fontRef idx="minor">
-            <a:schemeClr val="tx1"/>
-          </a:fontRef>
-        </p:style>
-      </p:cxnSp>
-      <p:sp>
-        <p:nvSpPr>
-          <p:cNvPr id="29" name="Rectangle: Rounded Corners 28">
-            <a:extLst>
-              <a:ext uri="{FF2B5EF4-FFF2-40B4-BE49-F238E27FC236}">
-                <a16:creationId xmlns:a16="http://schemas.microsoft.com/office/drawing/2014/main" id="{863D9589-CDB7-2989-9954-8509CA1E905A}"/>
-              </a:ext>
-            </a:extLst>
-          </p:cNvPr>
-          <p:cNvSpPr/>
-          <p:nvPr/>
-        </p:nvSpPr>
-        <p:spPr>
-          <a:xfrm>
-            <a:off x="4248152" y="4139221"/>
-            <a:ext cx="1574074" cy="777240"/>
-          </a:xfrm>
-          <a:prstGeom prst="roundRect">
-            <a:avLst/>
-          </a:prstGeom>
-        </p:spPr>
-        <p:style>
-          <a:lnRef idx="1">
-            <a:schemeClr val="accent6"/>
-          </a:lnRef>
-          <a:fillRef idx="2">
-            <a:schemeClr val="accent6"/>
-          </a:fillRef>
-          <a:effectRef idx="1">
-            <a:schemeClr val="accent6"/>
-          </a:effectRef>
-          <a:fontRef idx="minor">
-            <a:schemeClr val="dk1"/>
-          </a:fontRef>
-        </p:style>
-        <p:txBody>
-          <a:bodyPr rtlCol="0" anchor="ctr"/>
-          <a:lstStyle/>
-          <a:p>
-            <a:pPr algn="ctr"/>
-            <a:r>
-              <a:rPr lang="nl-NL" dirty="0"/>
-              <a:t>Model</a:t>
-            </a:r>
-          </a:p>
-        </p:txBody>
-      </p:sp>
-      <p:grpSp>
-        <p:nvGrpSpPr>
-          <p:cNvPr id="13" name="Group 12">
-            <a:extLst>
-              <a:ext uri="{FF2B5EF4-FFF2-40B4-BE49-F238E27FC236}">
-                <a16:creationId xmlns:a16="http://schemas.microsoft.com/office/drawing/2014/main" id="{B7D37394-7E54-1E1F-2844-414DE1963AE2}"/>
-              </a:ext>
-            </a:extLst>
-          </p:cNvPr>
-          <p:cNvGrpSpPr/>
-          <p:nvPr/>
-        </p:nvGrpSpPr>
-        <p:grpSpPr>
-          <a:xfrm>
-            <a:off x="3559629" y="2002327"/>
-            <a:ext cx="2951120" cy="491320"/>
-            <a:chOff x="3559629" y="2002327"/>
-            <a:chExt cx="2951120" cy="491320"/>
-          </a:xfrm>
-        </p:grpSpPr>
-        <p:sp>
-          <p:nvSpPr>
-            <p:cNvPr id="4" name="Rectangle: Rounded Corners 3">
-              <a:extLst>
-                <a:ext uri="{FF2B5EF4-FFF2-40B4-BE49-F238E27FC236}">
-                  <a16:creationId xmlns:a16="http://schemas.microsoft.com/office/drawing/2014/main" id="{B8AFF28A-C1BB-B8B4-D6FC-49147E0DAFC9}"/>
-                </a:ext>
-              </a:extLst>
-            </p:cNvPr>
-            <p:cNvSpPr/>
-            <p:nvPr/>
-          </p:nvSpPr>
-          <p:spPr>
-            <a:xfrm>
-              <a:off x="4066615" y="2002327"/>
-              <a:ext cx="1937147" cy="491320"/>
-            </a:xfrm>
-            <a:prstGeom prst="roundRect">
-              <a:avLst/>
-            </a:prstGeom>
-          </p:spPr>
-          <p:style>
-            <a:lnRef idx="1">
-              <a:schemeClr val="accent2"/>
-            </a:lnRef>
-            <a:fillRef idx="2">
-              <a:schemeClr val="accent2"/>
-            </a:fillRef>
-            <a:effectRef idx="1">
-              <a:schemeClr val="accent2"/>
-            </a:effectRef>
-            <a:fontRef idx="minor">
-              <a:schemeClr val="dk1"/>
-            </a:fontRef>
-          </p:style>
-          <p:txBody>
-            <a:bodyPr rtlCol="0" anchor="ctr"/>
-            <a:lstStyle/>
-            <a:p>
-              <a:pPr algn="ctr"/>
-              <a:r>
-                <a:rPr lang="en-US" dirty="0"/>
-                <a:t>incompatible</a:t>
-              </a:r>
-              <a:endParaRPr lang="en-NL" dirty="0"/>
-            </a:p>
-          </p:txBody>
-        </p:sp>
-        <p:cxnSp>
-          <p:nvCxnSpPr>
-            <p:cNvPr id="10" name="Straight Arrow Connector 9">
-              <a:extLst>
-                <a:ext uri="{FF2B5EF4-FFF2-40B4-BE49-F238E27FC236}">
-                  <a16:creationId xmlns:a16="http://schemas.microsoft.com/office/drawing/2014/main" id="{6A0DFF0A-A0AA-FA5B-9CA8-816CB911BDBC}"/>
-                </a:ext>
-              </a:extLst>
-            </p:cNvPr>
-            <p:cNvCxnSpPr>
-              <a:endCxn id="8" idx="3"/>
-            </p:cNvCxnSpPr>
-            <p:nvPr/>
-          </p:nvCxnSpPr>
-          <p:spPr>
-            <a:xfrm flipH="1">
-              <a:off x="3559629" y="2247987"/>
-              <a:ext cx="506986" cy="1"/>
-            </a:xfrm>
-            <a:prstGeom prst="straightConnector1">
-              <a:avLst/>
-            </a:prstGeom>
-            <a:ln>
-              <a:tailEnd type="triangle"/>
-            </a:ln>
-          </p:spPr>
-          <p:style>
-            <a:lnRef idx="3">
-              <a:schemeClr val="accent2"/>
-            </a:lnRef>
-            <a:fillRef idx="0">
-              <a:schemeClr val="accent2"/>
-            </a:fillRef>
-            <a:effectRef idx="2">
-              <a:schemeClr val="accent2"/>
-            </a:effectRef>
-            <a:fontRef idx="minor">
-              <a:schemeClr val="tx1"/>
-            </a:fontRef>
-          </p:style>
-        </p:cxnSp>
-        <p:cxnSp>
-          <p:nvCxnSpPr>
-            <p:cNvPr id="12" name="Straight Arrow Connector 11">
-              <a:extLst>
-                <a:ext uri="{FF2B5EF4-FFF2-40B4-BE49-F238E27FC236}">
-                  <a16:creationId xmlns:a16="http://schemas.microsoft.com/office/drawing/2014/main" id="{E80C47D3-4310-5994-1A0B-FF7CBF6C5021}"/>
-                </a:ext>
-              </a:extLst>
-            </p:cNvPr>
-            <p:cNvCxnSpPr>
-              <a:stCxn id="4" idx="3"/>
-              <a:endCxn id="9" idx="1"/>
-            </p:cNvCxnSpPr>
-            <p:nvPr/>
-          </p:nvCxnSpPr>
-          <p:spPr>
-            <a:xfrm>
-              <a:off x="6003762" y="2247987"/>
-              <a:ext cx="506987" cy="1"/>
-            </a:xfrm>
-            <a:prstGeom prst="straightConnector1">
-              <a:avLst/>
-            </a:prstGeom>
-            <a:ln>
-              <a:tailEnd type="triangle"/>
-            </a:ln>
-          </p:spPr>
-          <p:style>
-            <a:lnRef idx="3">
-              <a:schemeClr val="accent2"/>
-            </a:lnRef>
-            <a:fillRef idx="0">
-              <a:schemeClr val="accent2"/>
-            </a:fillRef>
-            <a:effectRef idx="2">
-              <a:schemeClr val="accent2"/>
-            </a:effectRef>
-            <a:fontRef idx="minor">
-              <a:schemeClr val="tx1"/>
-            </a:fontRef>
-          </p:style>
-        </p:cxnSp>
-      </p:grpSp>
-      <p:grpSp>
-        <p:nvGrpSpPr>
-          <p:cNvPr id="15" name="Group 14">
-            <a:extLst>
-              <a:ext uri="{FF2B5EF4-FFF2-40B4-BE49-F238E27FC236}">
-                <a16:creationId xmlns:a16="http://schemas.microsoft.com/office/drawing/2014/main" id="{6B1ADA3F-DB9B-63D0-B8BC-48CC68177A55}"/>
-              </a:ext>
-            </a:extLst>
-          </p:cNvPr>
-          <p:cNvGrpSpPr/>
-          <p:nvPr/>
-        </p:nvGrpSpPr>
-        <p:grpSpPr>
-          <a:xfrm>
-            <a:off x="3559629" y="2860578"/>
-            <a:ext cx="2951119" cy="632032"/>
-            <a:chOff x="3559629" y="2002327"/>
-            <a:chExt cx="2951119" cy="632032"/>
-          </a:xfrm>
-        </p:grpSpPr>
-        <p:sp>
-          <p:nvSpPr>
-            <p:cNvPr id="16" name="Rectangle: Rounded Corners 15">
-              <a:extLst>
-                <a:ext uri="{FF2B5EF4-FFF2-40B4-BE49-F238E27FC236}">
-                  <a16:creationId xmlns:a16="http://schemas.microsoft.com/office/drawing/2014/main" id="{3164D936-7CEE-8BD6-3AEB-7FEFF65A8CD0}"/>
-                </a:ext>
-              </a:extLst>
-            </p:cNvPr>
-            <p:cNvSpPr/>
-            <p:nvPr/>
-          </p:nvSpPr>
-          <p:spPr>
-            <a:xfrm>
-              <a:off x="4066615" y="2002327"/>
-              <a:ext cx="1937147" cy="491320"/>
-            </a:xfrm>
-            <a:prstGeom prst="roundRect">
-              <a:avLst/>
-            </a:prstGeom>
-          </p:spPr>
-          <p:style>
-            <a:lnRef idx="1">
-              <a:schemeClr val="accent2"/>
-            </a:lnRef>
-            <a:fillRef idx="2">
-              <a:schemeClr val="accent2"/>
-            </a:fillRef>
-            <a:effectRef idx="1">
-              <a:schemeClr val="accent2"/>
-            </a:effectRef>
-            <a:fontRef idx="minor">
-              <a:schemeClr val="dk1"/>
-            </a:fontRef>
-          </p:style>
-          <p:txBody>
-            <a:bodyPr rtlCol="0" anchor="ctr"/>
-            <a:lstStyle/>
-            <a:p>
-              <a:pPr algn="ctr"/>
-              <a:r>
-                <a:rPr lang="en-US" dirty="0"/>
-                <a:t>incompatible</a:t>
-              </a:r>
-              <a:endParaRPr lang="en-NL" dirty="0"/>
-            </a:p>
-          </p:txBody>
-        </p:sp>
-        <p:cxnSp>
-          <p:nvCxnSpPr>
-            <p:cNvPr id="18" name="Straight Arrow Connector 17">
-              <a:extLst>
-                <a:ext uri="{FF2B5EF4-FFF2-40B4-BE49-F238E27FC236}">
-                  <a16:creationId xmlns:a16="http://schemas.microsoft.com/office/drawing/2014/main" id="{CD6CDEF9-2153-5F50-B07B-4CF42FD66496}"/>
-                </a:ext>
-              </a:extLst>
-            </p:cNvPr>
-            <p:cNvCxnSpPr>
-              <a:cxnSpLocks/>
-            </p:cNvCxnSpPr>
-            <p:nvPr/>
-          </p:nvCxnSpPr>
-          <p:spPr>
-            <a:xfrm flipH="1">
-              <a:off x="3559629" y="2247987"/>
-              <a:ext cx="506986" cy="386372"/>
-            </a:xfrm>
-            <a:prstGeom prst="straightConnector1">
-              <a:avLst/>
-            </a:prstGeom>
-            <a:ln>
-              <a:tailEnd type="triangle"/>
-            </a:ln>
-          </p:spPr>
-          <p:style>
-            <a:lnRef idx="3">
-              <a:schemeClr val="accent2"/>
-            </a:lnRef>
-            <a:fillRef idx="0">
-              <a:schemeClr val="accent2"/>
-            </a:fillRef>
-            <a:effectRef idx="2">
-              <a:schemeClr val="accent2"/>
-            </a:effectRef>
-            <a:fontRef idx="minor">
-              <a:schemeClr val="tx1"/>
-            </a:fontRef>
-          </p:style>
-        </p:cxnSp>
-        <p:cxnSp>
-          <p:nvCxnSpPr>
-            <p:cNvPr id="20" name="Straight Arrow Connector 19">
-              <a:extLst>
-                <a:ext uri="{FF2B5EF4-FFF2-40B4-BE49-F238E27FC236}">
-                  <a16:creationId xmlns:a16="http://schemas.microsoft.com/office/drawing/2014/main" id="{3F186183-0BBE-EA1D-2E5B-042176837AC6}"/>
-                </a:ext>
-              </a:extLst>
-            </p:cNvPr>
-            <p:cNvCxnSpPr>
-              <a:cxnSpLocks/>
-              <a:stCxn id="16" idx="3"/>
-            </p:cNvCxnSpPr>
-            <p:nvPr/>
-          </p:nvCxnSpPr>
-          <p:spPr>
-            <a:xfrm>
-              <a:off x="6003762" y="2247987"/>
-              <a:ext cx="506986" cy="386372"/>
-            </a:xfrm>
-            <a:prstGeom prst="straightConnector1">
-              <a:avLst/>
-            </a:prstGeom>
-            <a:ln>
-              <a:tailEnd type="triangle"/>
-            </a:ln>
-          </p:spPr>
-          <p:style>
-            <a:lnRef idx="3">
-              <a:schemeClr val="accent2"/>
-            </a:lnRef>
-            <a:fillRef idx="0">
-              <a:schemeClr val="accent2"/>
-            </a:fillRef>
-            <a:effectRef idx="2">
-              <a:schemeClr val="accent2"/>
-            </a:effectRef>
-            <a:fontRef idx="minor">
-              <a:schemeClr val="tx1"/>
-            </a:fontRef>
-          </p:style>
-        </p:cxnSp>
-      </p:grpSp>
-      <p:sp>
-        <p:nvSpPr>
-          <p:cNvPr id="25" name="Rectangle: Rounded Corners 24">
-            <a:extLst>
-              <a:ext uri="{FF2B5EF4-FFF2-40B4-BE49-F238E27FC236}">
-                <a16:creationId xmlns:a16="http://schemas.microsoft.com/office/drawing/2014/main" id="{B069D86B-E436-970C-BD01-18CA0BB51E1A}"/>
-              </a:ext>
-            </a:extLst>
-          </p:cNvPr>
-          <p:cNvSpPr/>
-          <p:nvPr/>
-        </p:nvSpPr>
-        <p:spPr>
-          <a:xfrm>
-            <a:off x="4070619" y="5813741"/>
-            <a:ext cx="1933143" cy="491321"/>
-          </a:xfrm>
-          <a:prstGeom prst="roundRect">
-            <a:avLst/>
-          </a:prstGeom>
-        </p:spPr>
-        <p:style>
-          <a:lnRef idx="1">
-            <a:schemeClr val="accent2"/>
-          </a:lnRef>
-          <a:fillRef idx="2">
-            <a:schemeClr val="accent2"/>
-          </a:fillRef>
-          <a:effectRef idx="1">
-            <a:schemeClr val="accent2"/>
-          </a:effectRef>
-          <a:fontRef idx="minor">
-            <a:schemeClr val="dk1"/>
-          </a:fontRef>
-        </p:style>
-        <p:txBody>
-          <a:bodyPr rtlCol="0" anchor="ctr"/>
-          <a:lstStyle/>
-          <a:p>
-            <a:pPr algn="ctr"/>
-            <a:r>
-              <a:rPr lang="en-US" dirty="0" err="1"/>
-              <a:t>versies</a:t>
-            </a:r>
-            <a:r>
-              <a:rPr lang="en-US" dirty="0"/>
-              <a:t>?</a:t>
-            </a:r>
-            <a:endParaRPr lang="en-NL" dirty="0"/>
-          </a:p>
-        </p:txBody>
-      </p:sp>
-      <p:cxnSp>
-        <p:nvCxnSpPr>
-          <p:cNvPr id="28" name="Straight Arrow Connector 27">
-            <a:extLst>
-              <a:ext uri="{FF2B5EF4-FFF2-40B4-BE49-F238E27FC236}">
-                <a16:creationId xmlns:a16="http://schemas.microsoft.com/office/drawing/2014/main" id="{C5E64489-1A93-9151-FE15-5B4142628006}"/>
-              </a:ext>
-            </a:extLst>
-          </p:cNvPr>
-          <p:cNvCxnSpPr>
-            <a:stCxn id="25" idx="0"/>
-            <a:endCxn id="29" idx="2"/>
-          </p:cNvCxnSpPr>
-          <p:nvPr/>
-        </p:nvCxnSpPr>
-        <p:spPr>
-          <a:xfrm flipH="1" flipV="1">
-            <a:off x="5035189" y="4916461"/>
-            <a:ext cx="2002" cy="897280"/>
-          </a:xfrm>
-          <a:prstGeom prst="straightConnector1">
-            <a:avLst/>
-          </a:prstGeom>
-          <a:ln>
-            <a:tailEnd type="triangle"/>
-          </a:ln>
-        </p:spPr>
-        <p:style>
-          <a:lnRef idx="3">
-            <a:schemeClr val="accent2"/>
-          </a:lnRef>
-          <a:fillRef idx="0">
-            <a:schemeClr val="accent2"/>
-          </a:fillRef>
-          <a:effectRef idx="2">
-            <a:schemeClr val="accent2"/>
-          </a:effectRef>
-          <a:fontRef idx="minor">
-            <a:schemeClr val="tx1"/>
-          </a:fontRef>
-        </p:style>
-      </p:cxnSp>
-      <p:sp>
-        <p:nvSpPr>
-          <p:cNvPr id="30" name="Rectangle: Rounded Corners 29">
-            <a:extLst>
-              <a:ext uri="{FF2B5EF4-FFF2-40B4-BE49-F238E27FC236}">
-                <a16:creationId xmlns:a16="http://schemas.microsoft.com/office/drawing/2014/main" id="{DC4E1512-B176-C987-55F0-450AC67257BB}"/>
-              </a:ext>
-            </a:extLst>
-          </p:cNvPr>
-          <p:cNvSpPr/>
-          <p:nvPr/>
-        </p:nvSpPr>
-        <p:spPr>
-          <a:xfrm>
-            <a:off x="9460315" y="5813741"/>
-            <a:ext cx="1933143" cy="491321"/>
-          </a:xfrm>
-          <a:prstGeom prst="roundRect">
-            <a:avLst/>
-          </a:prstGeom>
-        </p:spPr>
-        <p:style>
-          <a:lnRef idx="1">
-            <a:schemeClr val="accent2"/>
-          </a:lnRef>
-          <a:fillRef idx="2">
-            <a:schemeClr val="accent2"/>
-          </a:fillRef>
-          <a:effectRef idx="1">
-            <a:schemeClr val="accent2"/>
-          </a:effectRef>
-          <a:fontRef idx="minor">
-            <a:schemeClr val="dk1"/>
-          </a:fontRef>
-        </p:style>
-        <p:txBody>
-          <a:bodyPr rtlCol="0" anchor="ctr"/>
-          <a:lstStyle/>
-          <a:p>
-            <a:pPr algn="ctr"/>
-            <a:r>
-              <a:rPr lang="en-US" dirty="0" err="1"/>
-              <a:t>bruikbaar</a:t>
-            </a:r>
-            <a:r>
-              <a:rPr lang="en-US" dirty="0"/>
-              <a:t>?</a:t>
-            </a:r>
-            <a:endParaRPr lang="en-NL" dirty="0"/>
-          </a:p>
-        </p:txBody>
-      </p:sp>
-      <p:cxnSp>
-        <p:nvCxnSpPr>
-          <p:cNvPr id="33" name="Straight Arrow Connector 32">
-            <a:extLst>
-              <a:ext uri="{FF2B5EF4-FFF2-40B4-BE49-F238E27FC236}">
-                <a16:creationId xmlns:a16="http://schemas.microsoft.com/office/drawing/2014/main" id="{E5663AF7-537D-1621-4A0E-8B0A76613855}"/>
-              </a:ext>
-            </a:extLst>
-          </p:cNvPr>
-          <p:cNvCxnSpPr>
-            <a:stCxn id="30" idx="0"/>
-            <a:endCxn id="14" idx="2"/>
-          </p:cNvCxnSpPr>
-          <p:nvPr/>
-        </p:nvCxnSpPr>
-        <p:spPr>
-          <a:xfrm flipV="1">
-            <a:off x="10426887" y="4916462"/>
-            <a:ext cx="0" cy="897279"/>
-          </a:xfrm>
-          <a:prstGeom prst="straightConnector1">
-            <a:avLst/>
-          </a:prstGeom>
-          <a:ln>
-            <a:tailEnd type="triangle"/>
-          </a:ln>
-        </p:spPr>
-        <p:style>
-          <a:lnRef idx="3">
-            <a:schemeClr val="accent2"/>
-          </a:lnRef>
-          <a:fillRef idx="0">
-            <a:schemeClr val="accent2"/>
-          </a:fillRef>
-          <a:effectRef idx="2">
-            <a:schemeClr val="accent2"/>
-          </a:effectRef>
-          <a:fontRef idx="minor">
-            <a:schemeClr val="tx1"/>
-          </a:fontRef>
-        </p:style>
-      </p:cxnSp>
+      </p:pic>
     </p:spTree>
     <p:extLst>
       <p:ext uri="{BB962C8B-B14F-4D97-AF65-F5344CB8AC3E}">
-        <p14:creationId xmlns:p14="http://schemas.microsoft.com/office/powerpoint/2010/main" val="1085144680"/>
+        <p14:creationId xmlns:p14="http://schemas.microsoft.com/office/powerpoint/2010/main" val="3207255313"/>
       </p:ext>
     </p:extLst>
   </p:cSld>
@@ -32866,7 +33303,112 @@
 </file>
 
 <file path=ppt/slides/slide50.xml><?xml version="1.0" encoding="utf-8"?>
-<p:sld xmlns:a="http://schemas.openxmlformats.org/drawingml/2006/main" xmlns:r="http://schemas.openxmlformats.org/officeDocument/2006/relationships" xmlns:p="http://schemas.openxmlformats.org/presentationml/2006/main">
+<p:sld xmlns:a="http://schemas.openxmlformats.org/drawingml/2006/main" xmlns:r="http://schemas.openxmlformats.org/officeDocument/2006/relationships" xmlns:p="http://schemas.openxmlformats.org/presentationml/2006/main" show="0">
+  <p:cSld>
+    <p:spTree>
+      <p:nvGrpSpPr>
+        <p:cNvPr id="1" name=""/>
+        <p:cNvGrpSpPr/>
+        <p:nvPr/>
+      </p:nvGrpSpPr>
+      <p:grpSpPr>
+        <a:xfrm>
+          <a:off x="0" y="0"/>
+          <a:ext cx="0" cy="0"/>
+          <a:chOff x="0" y="0"/>
+          <a:chExt cx="0" cy="0"/>
+        </a:xfrm>
+      </p:grpSpPr>
+      <p:sp>
+        <p:nvSpPr>
+          <p:cNvPr id="2" name="Title 1">
+            <a:extLst>
+              <a:ext uri="{FF2B5EF4-FFF2-40B4-BE49-F238E27FC236}">
+                <a16:creationId xmlns:a16="http://schemas.microsoft.com/office/drawing/2014/main" id="{39A1D606-8DD1-369C-5C09-471CDD551AD5}"/>
+              </a:ext>
+            </a:extLst>
+          </p:cNvPr>
+          <p:cNvSpPr>
+            <a:spLocks noGrp="1"/>
+          </p:cNvSpPr>
+          <p:nvPr>
+            <p:ph type="title"/>
+          </p:nvPr>
+        </p:nvSpPr>
+        <p:spPr>
+          <a:xfrm>
+            <a:off x="838200" y="365126"/>
+            <a:ext cx="10515600" cy="718608"/>
+          </a:xfrm>
+        </p:spPr>
+        <p:txBody>
+          <a:bodyPr>
+            <a:normAutofit/>
+          </a:bodyPr>
+          <a:lstStyle/>
+          <a:p>
+            <a:r>
+              <a:rPr lang="nl-NL" sz="3600" noProof="0" dirty="0" err="1"/>
+              <a:t>MLOps</a:t>
+            </a:r>
+            <a:r>
+              <a:rPr lang="nl-NL" sz="3600" noProof="0" dirty="0"/>
+              <a:t> cyclus</a:t>
+            </a:r>
+          </a:p>
+        </p:txBody>
+      </p:sp>
+      <p:pic>
+        <p:nvPicPr>
+          <p:cNvPr id="10" name="Picture 9">
+            <a:extLst>
+              <a:ext uri="{FF2B5EF4-FFF2-40B4-BE49-F238E27FC236}">
+                <a16:creationId xmlns:a16="http://schemas.microsoft.com/office/drawing/2014/main" id="{687C3E92-5216-597F-6D18-5A36D8DB7E4C}"/>
+              </a:ext>
+            </a:extLst>
+          </p:cNvPr>
+          <p:cNvPicPr>
+            <a:picLocks noChangeAspect="1"/>
+          </p:cNvPicPr>
+          <p:nvPr/>
+        </p:nvPicPr>
+        <p:blipFill>
+          <a:blip r:embed="rId2">
+            <a:extLst>
+              <a:ext uri="{28A0092B-C50C-407E-A947-70E740481C1C}">
+                <a14:useLocalDpi xmlns:a14="http://schemas.microsoft.com/office/drawing/2010/main" val="0"/>
+              </a:ext>
+            </a:extLst>
+          </a:blip>
+          <a:stretch>
+            <a:fillRect/>
+          </a:stretch>
+        </p:blipFill>
+        <p:spPr>
+          <a:xfrm>
+            <a:off x="2235720" y="1687460"/>
+            <a:ext cx="7720559" cy="3920328"/>
+          </a:xfrm>
+          <a:prstGeom prst="rect">
+            <a:avLst/>
+          </a:prstGeom>
+        </p:spPr>
+      </p:pic>
+    </p:spTree>
+    <p:extLst>
+      <p:ext uri="{BB962C8B-B14F-4D97-AF65-F5344CB8AC3E}">
+        <p14:creationId xmlns:p14="http://schemas.microsoft.com/office/powerpoint/2010/main" val="4164616908"/>
+      </p:ext>
+    </p:extLst>
+  </p:cSld>
+  <p:clrMapOvr>
+    <a:masterClrMapping/>
+  </p:clrMapOvr>
+</p:sld>
+</file>
+
+<file path=ppt/slides/slide51.xml><?xml version="1.0" encoding="utf-8"?>
+<p:sld xmlns:a="http://schemas.openxmlformats.org/drawingml/2006/main" xmlns:r="http://schemas.openxmlformats.org/officeDocument/2006/relationships" xmlns:p="http://schemas.openxmlformats.org/presentationml/2006/main" show="0">
   <p:cSld>
     <p:spTree>
       <p:nvGrpSpPr>
@@ -33455,8 +33997,8 @@
 </p:sld>
 </file>
 
-<file path=ppt/slides/slide51.xml><?xml version="1.0" encoding="utf-8"?>
-<p:sld xmlns:a="http://schemas.openxmlformats.org/drawingml/2006/main" xmlns:r="http://schemas.openxmlformats.org/officeDocument/2006/relationships" xmlns:p="http://schemas.openxmlformats.org/presentationml/2006/main">
+<file path=ppt/slides/slide52.xml><?xml version="1.0" encoding="utf-8"?>
+<p:sld xmlns:a="http://schemas.openxmlformats.org/drawingml/2006/main" xmlns:r="http://schemas.openxmlformats.org/officeDocument/2006/relationships" xmlns:p="http://schemas.openxmlformats.org/presentationml/2006/main" show="0">
   <p:cSld>
     <p:spTree>
       <p:nvGrpSpPr>
@@ -33684,8 +34226,8 @@
 </p:sld>
 </file>
 
-<file path=ppt/slides/slide52.xml><?xml version="1.0" encoding="utf-8"?>
-<p:sld xmlns:a="http://schemas.openxmlformats.org/drawingml/2006/main" xmlns:r="http://schemas.openxmlformats.org/officeDocument/2006/relationships" xmlns:p="http://schemas.openxmlformats.org/presentationml/2006/main">
+<file path=ppt/slides/slide53.xml><?xml version="1.0" encoding="utf-8"?>
+<p:sld xmlns:a="http://schemas.openxmlformats.org/drawingml/2006/main" xmlns:r="http://schemas.openxmlformats.org/officeDocument/2006/relationships" xmlns:p="http://schemas.openxmlformats.org/presentationml/2006/main" show="0">
   <p:cSld>
     <p:spTree>
       <p:nvGrpSpPr>
@@ -34432,8 +34974,8 @@
 </p:sld>
 </file>
 
-<file path=ppt/slides/slide53.xml><?xml version="1.0" encoding="utf-8"?>
-<p:sld xmlns:a="http://schemas.openxmlformats.org/drawingml/2006/main" xmlns:r="http://schemas.openxmlformats.org/officeDocument/2006/relationships" xmlns:p="http://schemas.openxmlformats.org/presentationml/2006/main">
+<file path=ppt/slides/slide54.xml><?xml version="1.0" encoding="utf-8"?>
+<p:sld xmlns:a="http://schemas.openxmlformats.org/drawingml/2006/main" xmlns:r="http://schemas.openxmlformats.org/officeDocument/2006/relationships" xmlns:p="http://schemas.openxmlformats.org/presentationml/2006/main" show="0">
   <p:cSld>
     <p:spTree>
       <p:nvGrpSpPr>
@@ -35386,247 +35928,6 @@
 </p:sld>
 </file>
 
-<file path=ppt/slides/slide54.xml><?xml version="1.0" encoding="utf-8"?>
-<p:sld xmlns:a="http://schemas.openxmlformats.org/drawingml/2006/main" xmlns:r="http://schemas.openxmlformats.org/officeDocument/2006/relationships" xmlns:p="http://schemas.openxmlformats.org/presentationml/2006/main">
-  <p:cSld>
-    <p:spTree>
-      <p:nvGrpSpPr>
-        <p:cNvPr id="1" name=""/>
-        <p:cNvGrpSpPr/>
-        <p:nvPr/>
-      </p:nvGrpSpPr>
-      <p:grpSpPr>
-        <a:xfrm>
-          <a:off x="0" y="0"/>
-          <a:ext cx="0" cy="0"/>
-          <a:chOff x="0" y="0"/>
-          <a:chExt cx="0" cy="0"/>
-        </a:xfrm>
-      </p:grpSpPr>
-      <p:sp>
-        <p:nvSpPr>
-          <p:cNvPr id="2" name="Title 1">
-            <a:extLst>
-              <a:ext uri="{FF2B5EF4-FFF2-40B4-BE49-F238E27FC236}">
-                <a16:creationId xmlns:a16="http://schemas.microsoft.com/office/drawing/2014/main" id="{39A1D606-8DD1-369C-5C09-471CDD551AD5}"/>
-              </a:ext>
-            </a:extLst>
-          </p:cNvPr>
-          <p:cNvSpPr>
-            <a:spLocks noGrp="1"/>
-          </p:cNvSpPr>
-          <p:nvPr>
-            <p:ph type="title"/>
-          </p:nvPr>
-        </p:nvSpPr>
-        <p:spPr>
-          <a:xfrm>
-            <a:off x="838200" y="365126"/>
-            <a:ext cx="10515600" cy="718608"/>
-          </a:xfrm>
-        </p:spPr>
-        <p:txBody>
-          <a:bodyPr>
-            <a:normAutofit/>
-          </a:bodyPr>
-          <a:lstStyle/>
-          <a:p>
-            <a:r>
-              <a:rPr lang="nl-NL" sz="3600" noProof="0" dirty="0"/>
-              <a:t>Tot slot…</a:t>
-            </a:r>
-          </a:p>
-        </p:txBody>
-      </p:sp>
-      <p:sp>
-        <p:nvSpPr>
-          <p:cNvPr id="4" name="Content Placeholder 2">
-            <a:extLst>
-              <a:ext uri="{FF2B5EF4-FFF2-40B4-BE49-F238E27FC236}">
-                <a16:creationId xmlns:a16="http://schemas.microsoft.com/office/drawing/2014/main" id="{AC422D07-85B1-AD56-723C-68A212DFB7BF}"/>
-              </a:ext>
-            </a:extLst>
-          </p:cNvPr>
-          <p:cNvSpPr>
-            <a:spLocks noGrp="1"/>
-          </p:cNvSpPr>
-          <p:nvPr>
-            <p:ph idx="1"/>
-          </p:nvPr>
-        </p:nvSpPr>
-        <p:spPr>
-          <a:xfrm>
-            <a:off x="838201" y="1456267"/>
-            <a:ext cx="6756778" cy="4720696"/>
-          </a:xfrm>
-        </p:spPr>
-        <p:txBody>
-          <a:bodyPr>
-            <a:noAutofit/>
-          </a:bodyPr>
-          <a:lstStyle/>
-          <a:p>
-            <a:pPr marL="0" indent="0">
-              <a:buNone/>
-            </a:pPr>
-            <a:r>
-              <a:rPr lang="nl-NL" sz="2000" b="1" dirty="0"/>
-              <a:t>Begrijp de </a:t>
-            </a:r>
-            <a:r>
-              <a:rPr lang="nl-NL" sz="2000" b="1" dirty="0" err="1"/>
-              <a:t>use</a:t>
-            </a:r>
-            <a:r>
-              <a:rPr lang="nl-NL" sz="2000" b="1" dirty="0"/>
-              <a:t> case:</a:t>
-            </a:r>
-          </a:p>
-          <a:p>
-            <a:pPr>
-              <a:buFontTx/>
-              <a:buChar char="-"/>
-            </a:pPr>
-            <a:r>
-              <a:rPr lang="nl-NL" sz="2000" dirty="0"/>
-              <a:t>Wat is de (echte) vraag?</a:t>
-            </a:r>
-          </a:p>
-          <a:p>
-            <a:pPr>
-              <a:buFontTx/>
-              <a:buChar char="-"/>
-            </a:pPr>
-            <a:r>
-              <a:rPr lang="nl-NL" sz="2000" dirty="0"/>
-              <a:t>Wat zijn de hypothese en zijn ze meetbaar?</a:t>
-            </a:r>
-          </a:p>
-          <a:p>
-            <a:pPr marL="0" indent="0">
-              <a:buNone/>
-            </a:pPr>
-            <a:endParaRPr lang="nl-NL" sz="2000" dirty="0"/>
-          </a:p>
-          <a:p>
-            <a:pPr marL="0" indent="0">
-              <a:buNone/>
-            </a:pPr>
-            <a:r>
-              <a:rPr lang="nl-NL" sz="2000" b="1" dirty="0"/>
-              <a:t>Data is altijd de sleutel tot succes:</a:t>
-            </a:r>
-          </a:p>
-          <a:p>
-            <a:pPr>
-              <a:buFontTx/>
-              <a:buChar char="-"/>
-            </a:pPr>
-            <a:r>
-              <a:rPr lang="nl-NL" sz="2000" dirty="0"/>
-              <a:t>Belangrijker dan algoritme.</a:t>
-            </a:r>
-          </a:p>
-          <a:p>
-            <a:pPr>
-              <a:buFontTx/>
-              <a:buChar char="-"/>
-            </a:pPr>
-            <a:r>
-              <a:rPr lang="nl-NL" sz="2000" dirty="0"/>
-              <a:t>Vaak een ondergeschoven kindje.</a:t>
-            </a:r>
-          </a:p>
-          <a:p>
-            <a:pPr>
-              <a:buFontTx/>
-              <a:buChar char="-"/>
-            </a:pPr>
-            <a:r>
-              <a:rPr lang="nl-NL" sz="2000" dirty="0"/>
-              <a:t>Zorg dat je de data door en door kent.</a:t>
-            </a:r>
-          </a:p>
-          <a:p>
-            <a:pPr marL="0" indent="0">
-              <a:buNone/>
-            </a:pPr>
-            <a:endParaRPr lang="nl-NL" sz="2000" dirty="0"/>
-          </a:p>
-          <a:p>
-            <a:pPr marL="0" indent="0">
-              <a:buNone/>
-            </a:pPr>
-            <a:r>
-              <a:rPr lang="nl-NL" sz="2000" b="1" dirty="0"/>
-              <a:t>Maak een plan voor de uitrol:</a:t>
-            </a:r>
-          </a:p>
-          <a:p>
-            <a:pPr>
-              <a:buFontTx/>
-              <a:buChar char="-"/>
-            </a:pPr>
-            <a:r>
-              <a:rPr lang="nl-NL" sz="2000" dirty="0"/>
-              <a:t>Naar productie is lastig; begin er op tijd aan!</a:t>
-            </a:r>
-          </a:p>
-          <a:p>
-            <a:pPr>
-              <a:buFontTx/>
-              <a:buChar char="-"/>
-            </a:pPr>
-            <a:r>
-              <a:rPr lang="nl-NL" sz="2000" dirty="0"/>
-              <a:t>Schets realistische verwachtingen.</a:t>
-            </a:r>
-          </a:p>
-        </p:txBody>
-      </p:sp>
-      <p:pic>
-        <p:nvPicPr>
-          <p:cNvPr id="9" name="Picture 8">
-            <a:extLst>
-              <a:ext uri="{FF2B5EF4-FFF2-40B4-BE49-F238E27FC236}">
-                <a16:creationId xmlns:a16="http://schemas.microsoft.com/office/drawing/2014/main" id="{D8309383-7F85-6E7A-F6E3-9B31129E743A}"/>
-              </a:ext>
-            </a:extLst>
-          </p:cNvPr>
-          <p:cNvPicPr>
-            <a:picLocks noChangeAspect="1"/>
-          </p:cNvPicPr>
-          <p:nvPr/>
-        </p:nvPicPr>
-        <p:blipFill>
-          <a:blip r:embed="rId2"/>
-          <a:stretch>
-            <a:fillRect/>
-          </a:stretch>
-        </p:blipFill>
-        <p:spPr>
-          <a:xfrm rot="966370">
-            <a:off x="8507961" y="3320327"/>
-            <a:ext cx="2834951" cy="2834951"/>
-          </a:xfrm>
-          <a:prstGeom prst="rect">
-            <a:avLst/>
-          </a:prstGeom>
-        </p:spPr>
-      </p:pic>
-    </p:spTree>
-    <p:extLst>
-      <p:ext uri="{BB962C8B-B14F-4D97-AF65-F5344CB8AC3E}">
-        <p14:creationId xmlns:p14="http://schemas.microsoft.com/office/powerpoint/2010/main" val="3207255313"/>
-      </p:ext>
-    </p:extLst>
-  </p:cSld>
-  <p:clrMapOvr>
-    <a:masterClrMapping/>
-  </p:clrMapOvr>
-</p:sld>
-</file>
-
 <file path=ppt/slides/slide6.xml><?xml version="1.0" encoding="utf-8"?>
 <p:sld xmlns:a="http://schemas.openxmlformats.org/drawingml/2006/main" xmlns:r="http://schemas.openxmlformats.org/officeDocument/2006/relationships" xmlns:p="http://schemas.openxmlformats.org/presentationml/2006/main">
   <p:cSld>
